--- a/presentation/ThesisPresentation.pptx
+++ b/presentation/ThesisPresentation.pptx
@@ -1,6 +1,6 @@
 
 <file path=ppt/presentation.xml><?xml version="1.0" encoding="utf-8"?>
-<p:presentation xmlns:a="http://schemas.openxmlformats.org/drawingml/2006/main" xmlns:r="http://schemas.openxmlformats.org/officeDocument/2006/relationships" xmlns:p="http://schemas.openxmlformats.org/presentationml/2006/main" showSpecialPlsOnTitleSld="0" compatMode="1" strictFirstAndLastChars="0" saveSubsetFonts="1" autoCompressPictures="0">
+<p:presentation xmlns:a="http://schemas.openxmlformats.org/drawingml/2006/main" xmlns:r="http://schemas.openxmlformats.org/officeDocument/2006/relationships" xmlns:p="http://schemas.openxmlformats.org/presentationml/2006/main" showSpecialPlsOnTitleSld="0" strictFirstAndLastChars="0" saveSubsetFonts="1" autoCompressPictures="0">
   <p:sldMasterIdLst>
     <p:sldMasterId id="2147483648" r:id="rId1"/>
     <p:sldMasterId id="2147483649" r:id="rId2"/>
@@ -17,19 +17,19 @@
     <p:sldId id="257" r:id="rId5"/>
     <p:sldId id="258" r:id="rId6"/>
     <p:sldId id="260" r:id="rId7"/>
-    <p:sldId id="261" r:id="rId8"/>
-    <p:sldId id="289" r:id="rId9"/>
+    <p:sldId id="295" r:id="rId8"/>
+    <p:sldId id="296" r:id="rId9"/>
     <p:sldId id="259" r:id="rId10"/>
     <p:sldId id="274" r:id="rId11"/>
     <p:sldId id="276" r:id="rId12"/>
     <p:sldId id="277" r:id="rId13"/>
-    <p:sldId id="285" r:id="rId14"/>
+    <p:sldId id="292" r:id="rId14"/>
     <p:sldId id="287" r:id="rId15"/>
     <p:sldId id="288" r:id="rId16"/>
-    <p:sldId id="286" r:id="rId17"/>
+    <p:sldId id="293" r:id="rId17"/>
     <p:sldId id="265" r:id="rId18"/>
     <p:sldId id="264" r:id="rId19"/>
-    <p:sldId id="266" r:id="rId20"/>
+    <p:sldId id="294" r:id="rId20"/>
     <p:sldId id="279" r:id="rId21"/>
     <p:sldId id="284" r:id="rId22"/>
     <p:sldId id="280" r:id="rId23"/>
@@ -1655,17 +1655,8 @@
               <a:rPr lang="en-US" baseline="0" dirty="0" smtClean="0">
                 <a:cs typeface="+mn-cs"/>
               </a:rPr>
-              <a:t> path -</a:t>
-            </a:r>
-            <a:r>
-              <a:rPr lang="en-US" baseline="0" dirty="0" smtClean="0">
-                <a:cs typeface="+mn-cs"/>
-              </a:rPr>
-              <a:t>&gt;</a:t>
-            </a:r>
-            <a:endParaRPr lang="en-US" baseline="0" dirty="0" smtClean="0">
-              <a:cs typeface="+mn-cs"/>
-            </a:endParaRPr>
+              <a:t> path -&gt;</a:t>
+            </a:r>
           </a:p>
           <a:p>
             <a:pPr>
@@ -2171,31 +2162,7 @@
             <a:pPr>
               <a:defRPr/>
             </a:pPr>
-            <a:r>
-              <a:rPr lang="it-IT" dirty="0" smtClean="0">
-                <a:cs typeface="+mn-cs"/>
-              </a:rPr>
-              <a:t>C</a:t>
-            </a:r>
-            <a:r>
-              <a:rPr lang="en-US" dirty="0" err="1" smtClean="0">
-                <a:cs typeface="+mn-cs"/>
-              </a:rPr>
-              <a:t>hiavi</a:t>
-            </a:r>
-            <a:r>
-              <a:rPr lang="en-US" dirty="0" smtClean="0">
-                <a:cs typeface="+mn-cs"/>
-              </a:rPr>
-              <a:t> </a:t>
-            </a:r>
-            <a:r>
-              <a:rPr lang="en-US" dirty="0" err="1" smtClean="0">
-                <a:cs typeface="+mn-cs"/>
-              </a:rPr>
-              <a:t>incrementali</a:t>
-            </a:r>
-            <a:endParaRPr lang="en-US" dirty="0" smtClean="0">
+            <a:endParaRPr lang="en-US" smtClean="0">
               <a:cs typeface="+mn-cs"/>
             </a:endParaRPr>
           </a:p>
@@ -2308,110 +2275,6 @@
         <p:txBody>
           <a:bodyPr wrap="none" anchor="ctr"/>
           <a:lstStyle/>
-          <a:p>
-            <a:pPr>
-              <a:defRPr/>
-            </a:pPr>
-            <a:r>
-              <a:rPr lang="it-IT" dirty="0" err="1" smtClean="0">
-                <a:cs typeface="+mn-cs"/>
-              </a:rPr>
-              <a:t>S</a:t>
-            </a:r>
-            <a:r>
-              <a:rPr lang="en-US" dirty="0" err="1" smtClean="0">
-                <a:cs typeface="+mn-cs"/>
-              </a:rPr>
-              <a:t>copo</a:t>
-            </a:r>
-            <a:r>
-              <a:rPr lang="en-US" dirty="0" smtClean="0">
-                <a:cs typeface="+mn-cs"/>
-              </a:rPr>
-              <a:t>: </a:t>
-            </a:r>
-            <a:r>
-              <a:rPr lang="en-US" dirty="0" err="1" smtClean="0">
-                <a:cs typeface="+mn-cs"/>
-              </a:rPr>
-              <a:t>confrontare</a:t>
-            </a:r>
-            <a:r>
-              <a:rPr lang="en-US" dirty="0" smtClean="0">
-                <a:cs typeface="+mn-cs"/>
-              </a:rPr>
-              <a:t> </a:t>
-            </a:r>
-            <a:r>
-              <a:rPr lang="en-US" dirty="0" err="1" smtClean="0">
-                <a:cs typeface="+mn-cs"/>
-              </a:rPr>
-              <a:t>kundera</a:t>
-            </a:r>
-            <a:r>
-              <a:rPr lang="en-US" dirty="0" smtClean="0">
-                <a:cs typeface="+mn-cs"/>
-              </a:rPr>
-              <a:t> con </a:t>
-            </a:r>
-            <a:r>
-              <a:rPr lang="en-US" dirty="0" err="1" smtClean="0">
-                <a:cs typeface="+mn-cs"/>
-              </a:rPr>
-              <a:t>utilizzo</a:t>
-            </a:r>
-            <a:r>
-              <a:rPr lang="en-US" dirty="0" smtClean="0">
-                <a:cs typeface="+mn-cs"/>
-              </a:rPr>
-              <a:t> </a:t>
-            </a:r>
-            <a:r>
-              <a:rPr lang="en-US" dirty="0" err="1" smtClean="0">
-                <a:cs typeface="+mn-cs"/>
-              </a:rPr>
-              <a:t>api</a:t>
-            </a:r>
-            <a:r>
-              <a:rPr lang="en-US" dirty="0" smtClean="0">
-                <a:cs typeface="+mn-cs"/>
-              </a:rPr>
-              <a:t> native per </a:t>
-            </a:r>
-            <a:r>
-              <a:rPr lang="en-US" dirty="0" err="1" smtClean="0">
-                <a:cs typeface="+mn-cs"/>
-              </a:rPr>
-              <a:t>effettuare</a:t>
-            </a:r>
-            <a:r>
-              <a:rPr lang="en-US" dirty="0" smtClean="0">
-                <a:cs typeface="+mn-cs"/>
-              </a:rPr>
-              <a:t> le </a:t>
-            </a:r>
-            <a:r>
-              <a:rPr lang="en-US" dirty="0" err="1" smtClean="0">
-                <a:cs typeface="+mn-cs"/>
-              </a:rPr>
-              <a:t>stesse</a:t>
-            </a:r>
-            <a:r>
-              <a:rPr lang="en-US" dirty="0" smtClean="0">
-                <a:cs typeface="+mn-cs"/>
-              </a:rPr>
-              <a:t> </a:t>
-            </a:r>
-            <a:r>
-              <a:rPr lang="en-US" dirty="0" err="1" smtClean="0">
-                <a:cs typeface="+mn-cs"/>
-              </a:rPr>
-              <a:t>operazioni</a:t>
-            </a:r>
-            <a:endParaRPr lang="en-US" dirty="0" smtClean="0">
-              <a:cs typeface="+mn-cs"/>
-            </a:endParaRPr>
-          </a:p>
           <a:p>
             <a:pPr>
               <a:defRPr/>
@@ -3007,36 +2870,6 @@
             <a:pPr>
               <a:defRPr/>
             </a:pPr>
-            <a:r>
-              <a:rPr lang="it-IT" dirty="0" smtClean="0">
-                <a:cs typeface="+mn-cs"/>
-              </a:rPr>
-              <a:t>T</a:t>
-            </a:r>
-            <a:r>
-              <a:rPr lang="en-US" dirty="0" err="1" smtClean="0">
-                <a:cs typeface="+mn-cs"/>
-              </a:rPr>
-              <a:t>ogli</a:t>
-            </a:r>
-            <a:r>
-              <a:rPr lang="en-US" baseline="0" dirty="0" smtClean="0">
-                <a:cs typeface="+mn-cs"/>
-              </a:rPr>
-              <a:t> </a:t>
-            </a:r>
-            <a:r>
-              <a:rPr lang="en-US" baseline="0" dirty="0" err="1" smtClean="0">
-                <a:cs typeface="+mn-cs"/>
-              </a:rPr>
-              <a:t>sengi</a:t>
-            </a:r>
-            <a:r>
-              <a:rPr lang="en-US" baseline="0" dirty="0" smtClean="0">
-                <a:cs typeface="+mn-cs"/>
-              </a:rPr>
-              <a:t> -&gt; overhead</a:t>
-            </a:r>
             <a:endParaRPr lang="en-US" dirty="0" smtClean="0">
               <a:cs typeface="+mn-cs"/>
             </a:endParaRPr>
@@ -3154,55 +2987,7 @@
             <a:pPr>
               <a:defRPr/>
             </a:pPr>
-            <a:r>
-              <a:rPr lang="it-IT" dirty="0" smtClean="0">
-                <a:cs typeface="+mn-cs"/>
-              </a:rPr>
-              <a:t>A</a:t>
-            </a:r>
-            <a:r>
-              <a:rPr lang="en-US" dirty="0" err="1" smtClean="0">
-                <a:cs typeface="+mn-cs"/>
-              </a:rPr>
-              <a:t>ggiungere</a:t>
-            </a:r>
-            <a:r>
-              <a:rPr lang="en-US" dirty="0" smtClean="0">
-                <a:cs typeface="+mn-cs"/>
-              </a:rPr>
-              <a:t> </a:t>
-            </a:r>
-            <a:r>
-              <a:rPr lang="en-US" dirty="0" err="1" smtClean="0">
-                <a:cs typeface="+mn-cs"/>
-              </a:rPr>
-              <a:t>integrazione</a:t>
-            </a:r>
-            <a:r>
-              <a:rPr lang="en-US" dirty="0" smtClean="0">
-                <a:cs typeface="+mn-cs"/>
-              </a:rPr>
-              <a:t> </a:t>
-            </a:r>
-            <a:r>
-              <a:rPr lang="en-US" dirty="0" err="1" smtClean="0">
-                <a:cs typeface="+mn-cs"/>
-              </a:rPr>
-              <a:t>ai</a:t>
-            </a:r>
-            <a:r>
-              <a:rPr lang="en-US" dirty="0" smtClean="0">
-                <a:cs typeface="+mn-cs"/>
-              </a:rPr>
-              <a:t> </a:t>
-            </a:r>
-            <a:r>
-              <a:rPr lang="en-US" dirty="0" err="1" smtClean="0">
-                <a:cs typeface="+mn-cs"/>
-              </a:rPr>
-              <a:t>contrib</a:t>
-            </a:r>
-            <a:endParaRPr lang="en-US" dirty="0" smtClean="0">
+            <a:endParaRPr lang="it-IT" dirty="0" smtClean="0">
               <a:cs typeface="+mn-cs"/>
             </a:endParaRPr>
           </a:p>
@@ -3775,31 +3560,7 @@
             <a:pPr>
               <a:defRPr/>
             </a:pPr>
-            <a:r>
-              <a:rPr lang="it-IT" dirty="0" smtClean="0">
-                <a:cs typeface="+mn-cs"/>
-              </a:rPr>
-              <a:t>T</a:t>
-            </a:r>
-            <a:r>
-              <a:rPr lang="en-US" dirty="0" err="1" smtClean="0">
-                <a:cs typeface="+mn-cs"/>
-              </a:rPr>
-              <a:t>utto</a:t>
-            </a:r>
-            <a:r>
-              <a:rPr lang="en-US" dirty="0" smtClean="0">
-                <a:cs typeface="+mn-cs"/>
-              </a:rPr>
-              <a:t> </a:t>
-            </a:r>
-            <a:r>
-              <a:rPr lang="en-US" dirty="0" err="1" smtClean="0">
-                <a:cs typeface="+mn-cs"/>
-              </a:rPr>
-              <a:t>colorato</a:t>
-            </a:r>
-            <a:endParaRPr lang="en-US" dirty="0" smtClean="0">
+            <a:endParaRPr lang="en-US" smtClean="0">
               <a:cs typeface="+mn-cs"/>
             </a:endParaRPr>
           </a:p>
@@ -4093,16 +3854,7 @@
                 </a:solidFill>
                 <a:latin typeface="Arial" charset="0"/>
               </a:rPr>
-              <a:t> </a:t>
-            </a:r>
-            <a:r>
-              <a:rPr lang="en-US" sz="1600" dirty="0" smtClean="0">
-                <a:solidFill>
-                  <a:srgbClr val="003F6E"/>
-                </a:solidFill>
-                <a:latin typeface="Arial" charset="0"/>
-              </a:rPr>
-              <a:t>to SQL intercepted operations</a:t>
+              <a:t> to SQL intercepted operations</a:t>
             </a:r>
           </a:p>
           <a:p>
@@ -18010,60 +17762,6 @@
           </p:txBody>
         </p:sp>
       </p:grpSp>
-      <p:pic>
-        <p:nvPicPr>
-          <p:cNvPr id="46085" name="Immagine 2" descr="cpim_nosql_kundera.eps"/>
-          <p:cNvPicPr>
-            <a:picLocks noChangeAspect="1"/>
-          </p:cNvPicPr>
-          <p:nvPr/>
-        </p:nvPicPr>
-        <p:blipFill>
-          <a:blip>
-            <a:extLst>
-              <a:ext uri="{28A0092B-C50C-407E-A947-70E740481C1C}">
-                <a14:useLocalDpi xmlns:a14="http://schemas.microsoft.com/office/drawing/2010/main" val="0"/>
-              </a:ext>
-            </a:extLst>
-          </a:blip>
-          <a:srcRect/>
-          <a:stretch>
-            <a:fillRect/>
-          </a:stretch>
-        </p:blipFill>
-        <p:spPr bwMode="auto">
-          <a:xfrm>
-            <a:off x="3779838" y="2276475"/>
-            <a:ext cx="5003800" cy="2281238"/>
-          </a:xfrm>
-          <a:prstGeom prst="rect">
-            <a:avLst/>
-          </a:prstGeom>
-          <a:noFill/>
-          <a:ln>
-            <a:noFill/>
-          </a:ln>
-          <a:extLst>
-            <a:ext uri="{909E8E84-426E-40dd-AFC4-6F175D3DCCD1}">
-              <a14:hiddenFill xmlns:a14="http://schemas.microsoft.com/office/drawing/2010/main">
-                <a:solidFill>
-                  <a:srgbClr val="FFFFFF"/>
-                </a:solidFill>
-              </a14:hiddenFill>
-            </a:ext>
-            <a:ext uri="{91240B29-F687-4f45-9708-019B960494DF}">
-              <a14:hiddenLine xmlns:a14="http://schemas.microsoft.com/office/drawing/2010/main" w="9525">
-                <a:solidFill>
-                  <a:srgbClr val="000000"/>
-                </a:solidFill>
-                <a:miter lim="800000"/>
-                <a:headEnd/>
-                <a:tailEnd/>
-              </a14:hiddenLine>
-            </a:ext>
-          </a:extLst>
-        </p:spPr>
-      </p:pic>
     </p:spTree>
   </p:cSld>
   <p:clrMapOvr>
@@ -18570,436 +18268,6 @@
       </p:sp>
       <p:sp>
         <p:nvSpPr>
-          <p:cNvPr id="6146" name="Text Box 2"/>
-          <p:cNvSpPr txBox="1">
-            <a:spLocks noChangeArrowheads="1"/>
-          </p:cNvSpPr>
-          <p:nvPr/>
-        </p:nvSpPr>
-        <p:spPr bwMode="auto">
-          <a:xfrm>
-            <a:off x="611188" y="5084763"/>
-            <a:ext cx="8224837" cy="877887"/>
-          </a:xfrm>
-          <a:prstGeom prst="rect">
-            <a:avLst/>
-          </a:prstGeom>
-          <a:noFill/>
-          <a:ln>
-            <a:noFill/>
-          </a:ln>
-          <a:effectLst/>
-          <a:extLst>
-            <a:ext uri="{909E8E84-426E-40dd-AFC4-6F175D3DCCD1}">
-              <a14:hiddenFill xmlns:a14="http://schemas.microsoft.com/office/drawing/2010/main">
-                <a:solidFill>
-                  <a:srgbClr val="FFFFFF"/>
-                </a:solidFill>
-              </a14:hiddenFill>
-            </a:ext>
-            <a:ext uri="{91240B29-F687-4f45-9708-019B960494DF}">
-              <a14:hiddenLine xmlns:a14="http://schemas.microsoft.com/office/drawing/2010/main" w="9525" cap="flat">
-                <a:solidFill>
-                  <a:srgbClr val="808080"/>
-                </a:solidFill>
-                <a:round/>
-                <a:headEnd/>
-                <a:tailEnd/>
-              </a14:hiddenLine>
-            </a:ext>
-            <a:ext uri="{AF507438-7753-43e0-B8FC-AC1667EBCBE1}">
-              <a14:hiddenEffects xmlns:a14="http://schemas.microsoft.com/office/drawing/2010/main">
-                <a:effectLst>
-                  <a:outerShdw blurRad="63500" dist="38099" dir="2700000" algn="ctr" rotWithShape="0">
-                    <a:srgbClr val="000000">
-                      <a:alpha val="74998"/>
-                    </a:srgbClr>
-                  </a:outerShdw>
-                </a:effectLst>
-              </a14:hiddenEffects>
-            </a:ext>
-          </a:extLst>
-        </p:spPr>
-        <p:txBody>
-          <a:bodyPr lIns="0" tIns="0" rIns="0" bIns="0"/>
-          <a:lstStyle>
-            <a:lvl1pPr marL="341313" indent="-341313">
-              <a:tabLst>
-                <a:tab pos="341313" algn="l"/>
-                <a:tab pos="454025" algn="l"/>
-                <a:tab pos="911225" algn="l"/>
-                <a:tab pos="1368425" algn="l"/>
-                <a:tab pos="1825625" algn="l"/>
-                <a:tab pos="2282825" algn="l"/>
-                <a:tab pos="2740025" algn="l"/>
-                <a:tab pos="3197225" algn="l"/>
-                <a:tab pos="3654425" algn="l"/>
-                <a:tab pos="4111625" algn="l"/>
-                <a:tab pos="4568825" algn="l"/>
-                <a:tab pos="5026025" algn="l"/>
-                <a:tab pos="5483225" algn="l"/>
-                <a:tab pos="5940425" algn="l"/>
-                <a:tab pos="6397625" algn="l"/>
-                <a:tab pos="6854825" algn="l"/>
-                <a:tab pos="7312025" algn="l"/>
-                <a:tab pos="7769225" algn="l"/>
-                <a:tab pos="8226425" algn="l"/>
-                <a:tab pos="8683625" algn="l"/>
-                <a:tab pos="9140825" algn="l"/>
-              </a:tabLst>
-              <a:defRPr sz="2400">
-                <a:solidFill>
-                  <a:srgbClr val="FFFFFF"/>
-                </a:solidFill>
-                <a:latin typeface="Times New Roman" charset="0"/>
-                <a:ea typeface="ＭＳ Ｐゴシック" charset="0"/>
-                <a:cs typeface="Microsoft YaHei" charset="0"/>
-              </a:defRPr>
-            </a:lvl1pPr>
-            <a:lvl2pPr>
-              <a:tabLst>
-                <a:tab pos="341313" algn="l"/>
-                <a:tab pos="454025" algn="l"/>
-                <a:tab pos="911225" algn="l"/>
-                <a:tab pos="1368425" algn="l"/>
-                <a:tab pos="1825625" algn="l"/>
-                <a:tab pos="2282825" algn="l"/>
-                <a:tab pos="2740025" algn="l"/>
-                <a:tab pos="3197225" algn="l"/>
-                <a:tab pos="3654425" algn="l"/>
-                <a:tab pos="4111625" algn="l"/>
-                <a:tab pos="4568825" algn="l"/>
-                <a:tab pos="5026025" algn="l"/>
-                <a:tab pos="5483225" algn="l"/>
-                <a:tab pos="5940425" algn="l"/>
-                <a:tab pos="6397625" algn="l"/>
-                <a:tab pos="6854825" algn="l"/>
-                <a:tab pos="7312025" algn="l"/>
-                <a:tab pos="7769225" algn="l"/>
-                <a:tab pos="8226425" algn="l"/>
-                <a:tab pos="8683625" algn="l"/>
-                <a:tab pos="9140825" algn="l"/>
-              </a:tabLst>
-              <a:defRPr sz="2400">
-                <a:solidFill>
-                  <a:srgbClr val="FFFFFF"/>
-                </a:solidFill>
-                <a:latin typeface="Times New Roman" charset="0"/>
-                <a:ea typeface="ＭＳ Ｐゴシック" charset="0"/>
-                <a:cs typeface="Microsoft YaHei" charset="0"/>
-              </a:defRPr>
-            </a:lvl2pPr>
-            <a:lvl3pPr>
-              <a:tabLst>
-                <a:tab pos="341313" algn="l"/>
-                <a:tab pos="454025" algn="l"/>
-                <a:tab pos="911225" algn="l"/>
-                <a:tab pos="1368425" algn="l"/>
-                <a:tab pos="1825625" algn="l"/>
-                <a:tab pos="2282825" algn="l"/>
-                <a:tab pos="2740025" algn="l"/>
-                <a:tab pos="3197225" algn="l"/>
-                <a:tab pos="3654425" algn="l"/>
-                <a:tab pos="4111625" algn="l"/>
-                <a:tab pos="4568825" algn="l"/>
-                <a:tab pos="5026025" algn="l"/>
-                <a:tab pos="5483225" algn="l"/>
-                <a:tab pos="5940425" algn="l"/>
-                <a:tab pos="6397625" algn="l"/>
-                <a:tab pos="6854825" algn="l"/>
-                <a:tab pos="7312025" algn="l"/>
-                <a:tab pos="7769225" algn="l"/>
-                <a:tab pos="8226425" algn="l"/>
-                <a:tab pos="8683625" algn="l"/>
-                <a:tab pos="9140825" algn="l"/>
-              </a:tabLst>
-              <a:defRPr sz="2400">
-                <a:solidFill>
-                  <a:srgbClr val="FFFFFF"/>
-                </a:solidFill>
-                <a:latin typeface="Times New Roman" charset="0"/>
-                <a:ea typeface="ＭＳ Ｐゴシック" charset="0"/>
-                <a:cs typeface="Microsoft YaHei" charset="0"/>
-              </a:defRPr>
-            </a:lvl3pPr>
-            <a:lvl4pPr>
-              <a:tabLst>
-                <a:tab pos="341313" algn="l"/>
-                <a:tab pos="454025" algn="l"/>
-                <a:tab pos="911225" algn="l"/>
-                <a:tab pos="1368425" algn="l"/>
-                <a:tab pos="1825625" algn="l"/>
-                <a:tab pos="2282825" algn="l"/>
-                <a:tab pos="2740025" algn="l"/>
-                <a:tab pos="3197225" algn="l"/>
-                <a:tab pos="3654425" algn="l"/>
-                <a:tab pos="4111625" algn="l"/>
-                <a:tab pos="4568825" algn="l"/>
-                <a:tab pos="5026025" algn="l"/>
-                <a:tab pos="5483225" algn="l"/>
-                <a:tab pos="5940425" algn="l"/>
-                <a:tab pos="6397625" algn="l"/>
-                <a:tab pos="6854825" algn="l"/>
-                <a:tab pos="7312025" algn="l"/>
-                <a:tab pos="7769225" algn="l"/>
-                <a:tab pos="8226425" algn="l"/>
-                <a:tab pos="8683625" algn="l"/>
-                <a:tab pos="9140825" algn="l"/>
-              </a:tabLst>
-              <a:defRPr sz="2400">
-                <a:solidFill>
-                  <a:srgbClr val="FFFFFF"/>
-                </a:solidFill>
-                <a:latin typeface="Times New Roman" charset="0"/>
-                <a:ea typeface="ＭＳ Ｐゴシック" charset="0"/>
-                <a:cs typeface="Microsoft YaHei" charset="0"/>
-              </a:defRPr>
-            </a:lvl4pPr>
-            <a:lvl5pPr>
-              <a:tabLst>
-                <a:tab pos="341313" algn="l"/>
-                <a:tab pos="454025" algn="l"/>
-                <a:tab pos="911225" algn="l"/>
-                <a:tab pos="1368425" algn="l"/>
-                <a:tab pos="1825625" algn="l"/>
-                <a:tab pos="2282825" algn="l"/>
-                <a:tab pos="2740025" algn="l"/>
-                <a:tab pos="3197225" algn="l"/>
-                <a:tab pos="3654425" algn="l"/>
-                <a:tab pos="4111625" algn="l"/>
-                <a:tab pos="4568825" algn="l"/>
-                <a:tab pos="5026025" algn="l"/>
-                <a:tab pos="5483225" algn="l"/>
-                <a:tab pos="5940425" algn="l"/>
-                <a:tab pos="6397625" algn="l"/>
-                <a:tab pos="6854825" algn="l"/>
-                <a:tab pos="7312025" algn="l"/>
-                <a:tab pos="7769225" algn="l"/>
-                <a:tab pos="8226425" algn="l"/>
-                <a:tab pos="8683625" algn="l"/>
-                <a:tab pos="9140825" algn="l"/>
-              </a:tabLst>
-              <a:defRPr sz="2400">
-                <a:solidFill>
-                  <a:srgbClr val="FFFFFF"/>
-                </a:solidFill>
-                <a:latin typeface="Times New Roman" charset="0"/>
-                <a:ea typeface="ＭＳ Ｐゴシック" charset="0"/>
-                <a:cs typeface="Microsoft YaHei" charset="0"/>
-              </a:defRPr>
-            </a:lvl5pPr>
-            <a:lvl6pPr marL="2514600" indent="-228600" defTabSz="449263" eaLnBrk="0" fontAlgn="base" hangingPunct="0">
-              <a:lnSpc>
-                <a:spcPct val="93000"/>
-              </a:lnSpc>
-              <a:spcBef>
-                <a:spcPct val="0"/>
-              </a:spcBef>
-              <a:spcAft>
-                <a:spcPct val="0"/>
-              </a:spcAft>
-              <a:buClr>
-                <a:srgbClr val="000000"/>
-              </a:buClr>
-              <a:buSzPct val="100000"/>
-              <a:buFont typeface="Times New Roman" charset="0"/>
-              <a:tabLst>
-                <a:tab pos="341313" algn="l"/>
-                <a:tab pos="454025" algn="l"/>
-                <a:tab pos="911225" algn="l"/>
-                <a:tab pos="1368425" algn="l"/>
-                <a:tab pos="1825625" algn="l"/>
-                <a:tab pos="2282825" algn="l"/>
-                <a:tab pos="2740025" algn="l"/>
-                <a:tab pos="3197225" algn="l"/>
-                <a:tab pos="3654425" algn="l"/>
-                <a:tab pos="4111625" algn="l"/>
-                <a:tab pos="4568825" algn="l"/>
-                <a:tab pos="5026025" algn="l"/>
-                <a:tab pos="5483225" algn="l"/>
-                <a:tab pos="5940425" algn="l"/>
-                <a:tab pos="6397625" algn="l"/>
-                <a:tab pos="6854825" algn="l"/>
-                <a:tab pos="7312025" algn="l"/>
-                <a:tab pos="7769225" algn="l"/>
-                <a:tab pos="8226425" algn="l"/>
-                <a:tab pos="8683625" algn="l"/>
-                <a:tab pos="9140825" algn="l"/>
-              </a:tabLst>
-              <a:defRPr sz="2400">
-                <a:solidFill>
-                  <a:srgbClr val="FFFFFF"/>
-                </a:solidFill>
-                <a:latin typeface="Times New Roman" charset="0"/>
-                <a:ea typeface="ＭＳ Ｐゴシック" charset="0"/>
-                <a:cs typeface="Microsoft YaHei" charset="0"/>
-              </a:defRPr>
-            </a:lvl6pPr>
-            <a:lvl7pPr marL="2971800" indent="-228600" defTabSz="449263" eaLnBrk="0" fontAlgn="base" hangingPunct="0">
-              <a:lnSpc>
-                <a:spcPct val="93000"/>
-              </a:lnSpc>
-              <a:spcBef>
-                <a:spcPct val="0"/>
-              </a:spcBef>
-              <a:spcAft>
-                <a:spcPct val="0"/>
-              </a:spcAft>
-              <a:buClr>
-                <a:srgbClr val="000000"/>
-              </a:buClr>
-              <a:buSzPct val="100000"/>
-              <a:buFont typeface="Times New Roman" charset="0"/>
-              <a:tabLst>
-                <a:tab pos="341313" algn="l"/>
-                <a:tab pos="454025" algn="l"/>
-                <a:tab pos="911225" algn="l"/>
-                <a:tab pos="1368425" algn="l"/>
-                <a:tab pos="1825625" algn="l"/>
-                <a:tab pos="2282825" algn="l"/>
-                <a:tab pos="2740025" algn="l"/>
-                <a:tab pos="3197225" algn="l"/>
-                <a:tab pos="3654425" algn="l"/>
-                <a:tab pos="4111625" algn="l"/>
-                <a:tab pos="4568825" algn="l"/>
-                <a:tab pos="5026025" algn="l"/>
-                <a:tab pos="5483225" algn="l"/>
-                <a:tab pos="5940425" algn="l"/>
-                <a:tab pos="6397625" algn="l"/>
-                <a:tab pos="6854825" algn="l"/>
-                <a:tab pos="7312025" algn="l"/>
-                <a:tab pos="7769225" algn="l"/>
-                <a:tab pos="8226425" algn="l"/>
-                <a:tab pos="8683625" algn="l"/>
-                <a:tab pos="9140825" algn="l"/>
-              </a:tabLst>
-              <a:defRPr sz="2400">
-                <a:solidFill>
-                  <a:srgbClr val="FFFFFF"/>
-                </a:solidFill>
-                <a:latin typeface="Times New Roman" charset="0"/>
-                <a:ea typeface="ＭＳ Ｐゴシック" charset="0"/>
-                <a:cs typeface="Microsoft YaHei" charset="0"/>
-              </a:defRPr>
-            </a:lvl7pPr>
-            <a:lvl8pPr marL="3429000" indent="-228600" defTabSz="449263" eaLnBrk="0" fontAlgn="base" hangingPunct="0">
-              <a:lnSpc>
-                <a:spcPct val="93000"/>
-              </a:lnSpc>
-              <a:spcBef>
-                <a:spcPct val="0"/>
-              </a:spcBef>
-              <a:spcAft>
-                <a:spcPct val="0"/>
-              </a:spcAft>
-              <a:buClr>
-                <a:srgbClr val="000000"/>
-              </a:buClr>
-              <a:buSzPct val="100000"/>
-              <a:buFont typeface="Times New Roman" charset="0"/>
-              <a:tabLst>
-                <a:tab pos="341313" algn="l"/>
-                <a:tab pos="454025" algn="l"/>
-                <a:tab pos="911225" algn="l"/>
-                <a:tab pos="1368425" algn="l"/>
-                <a:tab pos="1825625" algn="l"/>
-                <a:tab pos="2282825" algn="l"/>
-                <a:tab pos="2740025" algn="l"/>
-                <a:tab pos="3197225" algn="l"/>
-                <a:tab pos="3654425" algn="l"/>
-                <a:tab pos="4111625" algn="l"/>
-                <a:tab pos="4568825" algn="l"/>
-                <a:tab pos="5026025" algn="l"/>
-                <a:tab pos="5483225" algn="l"/>
-                <a:tab pos="5940425" algn="l"/>
-                <a:tab pos="6397625" algn="l"/>
-                <a:tab pos="6854825" algn="l"/>
-                <a:tab pos="7312025" algn="l"/>
-                <a:tab pos="7769225" algn="l"/>
-                <a:tab pos="8226425" algn="l"/>
-                <a:tab pos="8683625" algn="l"/>
-                <a:tab pos="9140825" algn="l"/>
-              </a:tabLst>
-              <a:defRPr sz="2400">
-                <a:solidFill>
-                  <a:srgbClr val="FFFFFF"/>
-                </a:solidFill>
-                <a:latin typeface="Times New Roman" charset="0"/>
-                <a:ea typeface="ＭＳ Ｐゴシック" charset="0"/>
-                <a:cs typeface="Microsoft YaHei" charset="0"/>
-              </a:defRPr>
-            </a:lvl8pPr>
-            <a:lvl9pPr marL="3886200" indent="-228600" defTabSz="449263" eaLnBrk="0" fontAlgn="base" hangingPunct="0">
-              <a:lnSpc>
-                <a:spcPct val="93000"/>
-              </a:lnSpc>
-              <a:spcBef>
-                <a:spcPct val="0"/>
-              </a:spcBef>
-              <a:spcAft>
-                <a:spcPct val="0"/>
-              </a:spcAft>
-              <a:buClr>
-                <a:srgbClr val="000000"/>
-              </a:buClr>
-              <a:buSzPct val="100000"/>
-              <a:buFont typeface="Times New Roman" charset="0"/>
-              <a:tabLst>
-                <a:tab pos="341313" algn="l"/>
-                <a:tab pos="454025" algn="l"/>
-                <a:tab pos="911225" algn="l"/>
-                <a:tab pos="1368425" algn="l"/>
-                <a:tab pos="1825625" algn="l"/>
-                <a:tab pos="2282825" algn="l"/>
-                <a:tab pos="2740025" algn="l"/>
-                <a:tab pos="3197225" algn="l"/>
-                <a:tab pos="3654425" algn="l"/>
-                <a:tab pos="4111625" algn="l"/>
-                <a:tab pos="4568825" algn="l"/>
-                <a:tab pos="5026025" algn="l"/>
-                <a:tab pos="5483225" algn="l"/>
-                <a:tab pos="5940425" algn="l"/>
-                <a:tab pos="6397625" algn="l"/>
-                <a:tab pos="6854825" algn="l"/>
-                <a:tab pos="7312025" algn="l"/>
-                <a:tab pos="7769225" algn="l"/>
-                <a:tab pos="8226425" algn="l"/>
-                <a:tab pos="8683625" algn="l"/>
-                <a:tab pos="9140825" algn="l"/>
-              </a:tabLst>
-              <a:defRPr sz="2400">
-                <a:solidFill>
-                  <a:srgbClr val="FFFFFF"/>
-                </a:solidFill>
-                <a:latin typeface="Times New Roman" charset="0"/>
-                <a:ea typeface="ＭＳ Ｐゴシック" charset="0"/>
-                <a:cs typeface="Microsoft YaHei" charset="0"/>
-              </a:defRPr>
-            </a:lvl9pPr>
-          </a:lstStyle>
-          <a:p>
-            <a:pPr marL="0" indent="0">
-              <a:lnSpc>
-                <a:spcPct val="120000"/>
-              </a:lnSpc>
-              <a:spcBef>
-                <a:spcPts val="500"/>
-              </a:spcBef>
-              <a:defRPr/>
-            </a:pPr>
-            <a:endParaRPr lang="en-US" sz="2000" dirty="0" smtClean="0">
-              <a:solidFill>
-                <a:schemeClr val="bg1">
-                  <a:lumMod val="50000"/>
-                </a:schemeClr>
-              </a:solidFill>
-              <a:latin typeface="Arial" charset="0"/>
-            </a:endParaRPr>
-          </a:p>
-        </p:txBody>
-      </p:sp>
-      <p:sp>
-        <p:nvSpPr>
           <p:cNvPr id="4" name="Segnaposto numero diapositiva 3"/>
           <p:cNvSpPr>
             <a:spLocks noGrp="1"/>
@@ -19021,7 +18289,7 @@
             <a:pPr>
               <a:defRPr/>
             </a:pPr>
-            <a:fld id="{2D1D5420-B83F-D54A-96E3-AA72A23C9D54}" type="slidenum">
+            <a:fld id="{9DF601D4-73D7-A345-AD94-45660F7ACBC3}" type="slidenum">
               <a:rPr/>
               <a:pPr>
                 <a:defRPr/>
@@ -19040,367 +18308,8 @@
         </p:nvSpPr>
         <p:spPr bwMode="auto">
           <a:xfrm>
-            <a:off x="827088" y="1052513"/>
-            <a:ext cx="7489825" cy="1584325"/>
-          </a:xfrm>
-          <a:prstGeom prst="roundRect">
-            <a:avLst/>
-          </a:prstGeom>
-          <a:solidFill>
-            <a:srgbClr val="FFFFFF"/>
-          </a:solidFill>
-          <a:ln w="9525" cap="flat" cmpd="sng" algn="ctr">
-            <a:solidFill>
-              <a:schemeClr val="bg1">
-                <a:lumMod val="65000"/>
-              </a:schemeClr>
-            </a:solidFill>
-            <a:prstDash val="solid"/>
-            <a:round/>
-            <a:headEnd type="none" w="med" len="med"/>
-            <a:tailEnd type="none" w="med" len="med"/>
-          </a:ln>
-          <a:effectLst/>
-          <a:extLst/>
-        </p:spPr>
-        <p:txBody>
-          <a:bodyPr/>
-          <a:lstStyle/>
-          <a:p>
-            <a:pPr>
-              <a:lnSpc>
-                <a:spcPct val="120000"/>
-              </a:lnSpc>
-              <a:spcBef>
-                <a:spcPts val="500"/>
-              </a:spcBef>
-              <a:defRPr/>
-            </a:pPr>
-            <a:r>
-              <a:rPr lang="it-IT" sz="2000" dirty="0">
-                <a:solidFill>
-                  <a:srgbClr val="A6A6A6"/>
-                </a:solidFill>
-                <a:latin typeface="Arial" charset="0"/>
-              </a:rPr>
-              <a:t>Integrate Kundera in the CPIM </a:t>
-            </a:r>
-            <a:r>
-              <a:rPr lang="it-IT" sz="2000" dirty="0" err="1">
-                <a:solidFill>
-                  <a:srgbClr val="A6A6A6"/>
-                </a:solidFill>
-                <a:latin typeface="Arial" charset="0"/>
-              </a:rPr>
-              <a:t>library</a:t>
-            </a:r>
-            <a:endParaRPr lang="en-US" sz="2000" dirty="0">
-              <a:solidFill>
-                <a:srgbClr val="A6A6A6"/>
-              </a:solidFill>
-              <a:latin typeface="Arial" charset="0"/>
-            </a:endParaRPr>
-          </a:p>
-          <a:p>
-            <a:pPr marL="744537" lvl="1" indent="-342900">
-              <a:lnSpc>
-                <a:spcPct val="120000"/>
-              </a:lnSpc>
-              <a:spcBef>
-                <a:spcPts val="500"/>
-              </a:spcBef>
-              <a:buClr>
-                <a:schemeClr val="bg1">
-                  <a:lumMod val="65000"/>
-                </a:schemeClr>
-              </a:buClr>
-              <a:buFont typeface="Arial"/>
-              <a:buChar char="•"/>
-              <a:defRPr/>
-            </a:pPr>
-            <a:r>
-              <a:rPr lang="it-IT" sz="2000" dirty="0" err="1">
-                <a:solidFill>
-                  <a:srgbClr val="A6A6A6"/>
-                </a:solidFill>
-                <a:latin typeface="Arial" charset="0"/>
-              </a:rPr>
-              <a:t>extending</a:t>
-            </a:r>
-            <a:r>
-              <a:rPr lang="it-IT" sz="2000" dirty="0">
-                <a:solidFill>
-                  <a:srgbClr val="A6A6A6"/>
-                </a:solidFill>
-                <a:latin typeface="Arial" charset="0"/>
-              </a:rPr>
-              <a:t> the </a:t>
-            </a:r>
-            <a:r>
-              <a:rPr lang="it-IT" sz="2000" dirty="0" err="1">
-                <a:solidFill>
-                  <a:srgbClr val="A6A6A6"/>
-                </a:solidFill>
-                <a:latin typeface="Arial" charset="0"/>
-              </a:rPr>
-              <a:t>number</a:t>
-            </a:r>
-            <a:r>
-              <a:rPr lang="it-IT" sz="2000" dirty="0">
-                <a:solidFill>
-                  <a:srgbClr val="A6A6A6"/>
-                </a:solidFill>
-                <a:latin typeface="Arial" charset="0"/>
-              </a:rPr>
-              <a:t> of </a:t>
-            </a:r>
-            <a:r>
-              <a:rPr lang="it-IT" sz="2000" dirty="0" err="1">
-                <a:solidFill>
-                  <a:srgbClr val="A6A6A6"/>
-                </a:solidFill>
-                <a:latin typeface="Arial" charset="0"/>
-              </a:rPr>
-              <a:t>NoSQL</a:t>
-            </a:r>
-            <a:r>
-              <a:rPr lang="it-IT" sz="2000" dirty="0">
-                <a:solidFill>
-                  <a:srgbClr val="A6A6A6"/>
-                </a:solidFill>
-                <a:latin typeface="Arial" charset="0"/>
-              </a:rPr>
-              <a:t> </a:t>
-            </a:r>
-            <a:r>
-              <a:rPr lang="it-IT" sz="2000" dirty="0" err="1">
-                <a:solidFill>
-                  <a:srgbClr val="A6A6A6"/>
-                </a:solidFill>
-                <a:latin typeface="Arial" charset="0"/>
-              </a:rPr>
-              <a:t>databases</a:t>
-            </a:r>
-            <a:r>
-              <a:rPr lang="it-IT" sz="2000" dirty="0">
-                <a:solidFill>
-                  <a:srgbClr val="A6A6A6"/>
-                </a:solidFill>
-                <a:latin typeface="Arial" charset="0"/>
-              </a:rPr>
-              <a:t> </a:t>
-            </a:r>
-            <a:r>
-              <a:rPr lang="it-IT" sz="2000" dirty="0" err="1">
-                <a:solidFill>
-                  <a:srgbClr val="A6A6A6"/>
-                </a:solidFill>
-                <a:latin typeface="Arial" charset="0"/>
-              </a:rPr>
-              <a:t>supported</a:t>
-            </a:r>
-            <a:endParaRPr lang="it-IT" sz="2000" dirty="0">
-              <a:solidFill>
-                <a:srgbClr val="A6A6A6"/>
-              </a:solidFill>
-              <a:latin typeface="Arial" charset="0"/>
-            </a:endParaRPr>
-          </a:p>
-          <a:p>
-            <a:pPr marL="744537" lvl="1" indent="-342900">
-              <a:lnSpc>
-                <a:spcPct val="120000"/>
-              </a:lnSpc>
-              <a:spcBef>
-                <a:spcPts val="500"/>
-              </a:spcBef>
-              <a:buClr>
-                <a:schemeClr val="bg1">
-                  <a:lumMod val="65000"/>
-                </a:schemeClr>
-              </a:buClr>
-              <a:buFont typeface="Arial"/>
-              <a:buChar char="•"/>
-              <a:defRPr/>
-            </a:pPr>
-            <a:r>
-              <a:rPr lang="it-IT" sz="2000" dirty="0">
-                <a:solidFill>
-                  <a:srgbClr val="A6A6A6"/>
-                </a:solidFill>
-                <a:latin typeface="Arial" charset="0"/>
-              </a:rPr>
-              <a:t>fixing of the </a:t>
-            </a:r>
-            <a:r>
-              <a:rPr lang="it-IT" sz="2000" dirty="0" err="1">
-                <a:solidFill>
-                  <a:srgbClr val="A6A6A6"/>
-                </a:solidFill>
-                <a:latin typeface="Arial" charset="0"/>
-              </a:rPr>
-              <a:t>problems</a:t>
-            </a:r>
-            <a:r>
-              <a:rPr lang="it-IT" sz="2000" dirty="0">
-                <a:solidFill>
-                  <a:srgbClr val="A6A6A6"/>
-                </a:solidFill>
-                <a:latin typeface="Arial" charset="0"/>
-              </a:rPr>
-              <a:t> of the </a:t>
-            </a:r>
-            <a:r>
-              <a:rPr lang="it-IT" sz="2000" dirty="0" err="1">
-                <a:solidFill>
-                  <a:srgbClr val="A6A6A6"/>
-                </a:solidFill>
-                <a:latin typeface="Arial" charset="0"/>
-              </a:rPr>
-              <a:t>NoSQL</a:t>
-            </a:r>
-            <a:r>
-              <a:rPr lang="it-IT" sz="2000" dirty="0">
-                <a:solidFill>
-                  <a:srgbClr val="A6A6A6"/>
-                </a:solidFill>
-                <a:latin typeface="Arial" charset="0"/>
-              </a:rPr>
-              <a:t> service of CPIM</a:t>
-            </a:r>
-          </a:p>
-        </p:txBody>
-      </p:sp>
-      <p:sp>
-        <p:nvSpPr>
-          <p:cNvPr id="48133" name="Rettangolo arrotondato 7"/>
-          <p:cNvSpPr>
-            <a:spLocks noChangeArrowheads="1"/>
-          </p:cNvSpPr>
-          <p:nvPr/>
-        </p:nvSpPr>
-        <p:spPr bwMode="auto">
-          <a:xfrm>
-            <a:off x="827088" y="2852738"/>
-            <a:ext cx="7489825" cy="1512887"/>
-          </a:xfrm>
-          <a:prstGeom prst="roundRect">
-            <a:avLst>
-              <a:gd name="adj" fmla="val 16667"/>
-            </a:avLst>
-          </a:prstGeom>
-          <a:solidFill>
-            <a:srgbClr val="FFFFFF"/>
-          </a:solidFill>
-          <a:ln w="9525">
-            <a:solidFill>
-              <a:schemeClr val="tx1"/>
-            </a:solidFill>
-            <a:round/>
-            <a:headEnd/>
-            <a:tailEnd/>
-          </a:ln>
-        </p:spPr>
-        <p:txBody>
-          <a:bodyPr/>
-          <a:lstStyle/>
-          <a:p>
-            <a:pPr>
-              <a:lnSpc>
-                <a:spcPct val="120000"/>
-              </a:lnSpc>
-              <a:spcBef>
-                <a:spcPts val="500"/>
-              </a:spcBef>
-            </a:pPr>
-            <a:r>
-              <a:rPr lang="it-IT" sz="2000">
-                <a:solidFill>
-                  <a:srgbClr val="003F6E"/>
-                </a:solidFill>
-                <a:latin typeface="Arial" charset="0"/>
-              </a:rPr>
-              <a:t>Contribute to the open source project Kudera</a:t>
-            </a:r>
-            <a:endParaRPr lang="en-US" sz="2000">
-              <a:solidFill>
-                <a:srgbClr val="003F6E"/>
-              </a:solidFill>
-              <a:latin typeface="Arial" charset="0"/>
-            </a:endParaRPr>
-          </a:p>
-          <a:p>
-            <a:pPr lvl="1" indent="-342900">
-              <a:lnSpc>
-                <a:spcPct val="120000"/>
-              </a:lnSpc>
-              <a:spcBef>
-                <a:spcPts val="500"/>
-              </a:spcBef>
-              <a:buFont typeface="Arial" charset="0"/>
-              <a:buChar char="•"/>
-            </a:pPr>
-            <a:r>
-              <a:rPr lang="it-IT" sz="2000">
-                <a:solidFill>
-                  <a:srgbClr val="003F6E"/>
-                </a:solidFill>
-                <a:latin typeface="Arial" charset="0"/>
-              </a:rPr>
-              <a:t>developing a </a:t>
-            </a:r>
-            <a:r>
-              <a:rPr lang="en-US" sz="2000">
-                <a:solidFill>
-                  <a:srgbClr val="003F6E"/>
-                </a:solidFill>
-                <a:latin typeface="Arial" charset="0"/>
-              </a:rPr>
-              <a:t>client for GAE Datastore</a:t>
-            </a:r>
-          </a:p>
-          <a:p>
-            <a:pPr lvl="1" indent="-342900">
-              <a:lnSpc>
-                <a:spcPct val="120000"/>
-              </a:lnSpc>
-              <a:spcBef>
-                <a:spcPts val="500"/>
-              </a:spcBef>
-              <a:buFont typeface="Arial" charset="0"/>
-              <a:buChar char="•"/>
-            </a:pPr>
-            <a:r>
-              <a:rPr lang="it-IT" sz="2000">
-                <a:solidFill>
-                  <a:srgbClr val="003F6E"/>
-                </a:solidFill>
-                <a:latin typeface="Arial" charset="0"/>
-              </a:rPr>
-              <a:t>developing a </a:t>
-            </a:r>
-            <a:r>
-              <a:rPr lang="en-US" sz="2000">
-                <a:solidFill>
-                  <a:srgbClr val="003F6E"/>
-                </a:solidFill>
-                <a:latin typeface="Arial" charset="0"/>
-              </a:rPr>
-              <a:t>client for Azure Tables</a:t>
-            </a:r>
-          </a:p>
-        </p:txBody>
-      </p:sp>
-      <p:sp>
-        <p:nvSpPr>
-          <p:cNvPr id="9" name="Rettangolo arrotondato 8"/>
-          <p:cNvSpPr/>
-          <p:nvPr/>
-        </p:nvSpPr>
-        <p:spPr bwMode="auto">
-          <a:xfrm>
-            <a:off x="827088" y="4581525"/>
-            <a:ext cx="7489825" cy="1584325"/>
+            <a:off x="827088" y="1196752"/>
+            <a:ext cx="7489825" cy="792088"/>
           </a:xfrm>
           <a:prstGeom prst="roundRect">
             <a:avLst/>
@@ -19436,33 +18345,182 @@
               <a:defRPr/>
             </a:pPr>
             <a:r>
-              <a:rPr lang="it-IT" sz="2000" dirty="0" err="1">
-                <a:solidFill>
-                  <a:schemeClr val="bg1">
-                    <a:lumMod val="65000"/>
-                  </a:schemeClr>
+              <a:rPr lang="it-IT" sz="2000" dirty="0">
+                <a:solidFill>
+                  <a:srgbClr val="A6A6A6"/>
                 </a:solidFill>
                 <a:latin typeface="Arial" charset="0"/>
               </a:rPr>
-              <a:t>Support</a:t>
-            </a:r>
-            <a:r>
-              <a:rPr lang="it-IT" sz="2000" dirty="0">
-                <a:solidFill>
-                  <a:schemeClr val="bg1">
-                    <a:lumMod val="65000"/>
-                  </a:schemeClr>
+              <a:t>Integrate Kundera in the CPIM </a:t>
+            </a:r>
+            <a:r>
+              <a:rPr lang="it-IT" sz="2000" dirty="0" err="1" smtClean="0">
+                <a:solidFill>
+                  <a:srgbClr val="A6A6A6"/>
                 </a:solidFill>
                 <a:latin typeface="Arial" charset="0"/>
               </a:rPr>
-              <a:t> data </a:t>
-            </a:r>
+              <a:t>library</a:t>
+            </a:r>
+            <a:endParaRPr lang="en-US" sz="2000" dirty="0">
+              <a:solidFill>
+                <a:srgbClr val="A6A6A6"/>
+              </a:solidFill>
+              <a:latin typeface="Arial" charset="0"/>
+            </a:endParaRPr>
+          </a:p>
+        </p:txBody>
+      </p:sp>
+      <p:sp>
+        <p:nvSpPr>
+          <p:cNvPr id="8" name="Rettangolo arrotondato 7"/>
+          <p:cNvSpPr/>
+          <p:nvPr/>
+        </p:nvSpPr>
+        <p:spPr bwMode="auto">
+          <a:xfrm>
+            <a:off x="827584" y="2492896"/>
+            <a:ext cx="7489825" cy="792088"/>
+          </a:xfrm>
+          <a:prstGeom prst="roundRect">
+            <a:avLst/>
+          </a:prstGeom>
+          <a:solidFill>
+            <a:srgbClr val="FFFFFF"/>
+          </a:solidFill>
+          <a:ln w="9525">
+            <a:solidFill>
+              <a:schemeClr val="tx1"/>
+            </a:solidFill>
+            <a:round/>
+            <a:headEnd/>
+            <a:tailEnd/>
+          </a:ln>
+          <a:extLst/>
+        </p:spPr>
+        <p:txBody>
+          <a:bodyPr anchor="ctr"/>
+          <a:lstStyle/>
+          <a:p>
+            <a:pPr algn="ctr">
+              <a:lnSpc>
+                <a:spcPct val="120000"/>
+              </a:lnSpc>
+              <a:spcBef>
+                <a:spcPts val="500"/>
+              </a:spcBef>
+            </a:pPr>
             <a:r>
               <a:rPr lang="it-IT" sz="2000" dirty="0" err="1">
                 <a:solidFill>
-                  <a:schemeClr val="bg1">
-                    <a:lumMod val="65000"/>
-                  </a:schemeClr>
+                  <a:srgbClr val="003F6E"/>
+                </a:solidFill>
+                <a:latin typeface="Arial" charset="0"/>
+              </a:rPr>
+              <a:t>Contribute</a:t>
+            </a:r>
+            <a:r>
+              <a:rPr lang="it-IT" sz="2000" dirty="0">
+                <a:solidFill>
+                  <a:srgbClr val="003F6E"/>
+                </a:solidFill>
+                <a:latin typeface="Arial" charset="0"/>
+              </a:rPr>
+              <a:t> to the open source </a:t>
+            </a:r>
+            <a:r>
+              <a:rPr lang="it-IT" sz="2000" dirty="0" err="1">
+                <a:solidFill>
+                  <a:srgbClr val="003F6E"/>
+                </a:solidFill>
+                <a:latin typeface="Arial" charset="0"/>
+              </a:rPr>
+              <a:t>project</a:t>
+            </a:r>
+            <a:r>
+              <a:rPr lang="it-IT" sz="2000" dirty="0">
+                <a:solidFill>
+                  <a:srgbClr val="003F6E"/>
+                </a:solidFill>
+                <a:latin typeface="Arial" charset="0"/>
+              </a:rPr>
+              <a:t> </a:t>
+            </a:r>
+            <a:r>
+              <a:rPr lang="it-IT" sz="2000" dirty="0" err="1" smtClean="0">
+                <a:solidFill>
+                  <a:srgbClr val="003F6E"/>
+                </a:solidFill>
+                <a:latin typeface="Arial" charset="0"/>
+              </a:rPr>
+              <a:t>Kudera</a:t>
+            </a:r>
+            <a:endParaRPr lang="en-US" sz="2000" dirty="0">
+              <a:solidFill>
+                <a:srgbClr val="003F6E"/>
+              </a:solidFill>
+              <a:latin typeface="Arial" charset="0"/>
+            </a:endParaRPr>
+          </a:p>
+        </p:txBody>
+      </p:sp>
+      <p:sp>
+        <p:nvSpPr>
+          <p:cNvPr id="54278" name="Rettangolo arrotondato 8"/>
+          <p:cNvSpPr>
+            <a:spLocks noChangeArrowheads="1"/>
+          </p:cNvSpPr>
+          <p:nvPr/>
+        </p:nvSpPr>
+        <p:spPr bwMode="auto">
+          <a:xfrm>
+            <a:off x="827584" y="3789040"/>
+            <a:ext cx="7488832" cy="792088"/>
+          </a:xfrm>
+          <a:prstGeom prst="roundRect">
+            <a:avLst>
+              <a:gd name="adj" fmla="val 16667"/>
+            </a:avLst>
+          </a:prstGeom>
+          <a:solidFill>
+            <a:srgbClr val="FFFFFF"/>
+          </a:solidFill>
+          <a:ln w="9525" cap="flat" cmpd="sng" algn="ctr">
+            <a:solidFill>
+              <a:srgbClr val="A6A6A6"/>
+            </a:solidFill>
+            <a:prstDash val="solid"/>
+            <a:round/>
+            <a:headEnd type="none" w="med" len="med"/>
+            <a:tailEnd type="none" w="med" len="med"/>
+          </a:ln>
+          <a:effectLst/>
+        </p:spPr>
+        <p:txBody>
+          <a:bodyPr anchor="ctr"/>
+          <a:lstStyle/>
+          <a:p>
+            <a:pPr algn="ctr">
+              <a:lnSpc>
+                <a:spcPct val="120000"/>
+              </a:lnSpc>
+              <a:spcBef>
+                <a:spcPts val="500"/>
+              </a:spcBef>
+            </a:pPr>
+            <a:r>
+              <a:rPr lang="it-IT" sz="2000" dirty="0" smtClean="0">
+                <a:solidFill>
+                  <a:srgbClr val="A6A6A6"/>
+                </a:solidFill>
+                <a:latin typeface="Arial" charset="0"/>
+              </a:rPr>
+              <a:t>Integrate the </a:t>
+            </a:r>
+            <a:r>
+              <a:rPr lang="it-IT" sz="2000" dirty="0" err="1">
+                <a:solidFill>
+                  <a:srgbClr val="A6A6A6"/>
                 </a:solidFill>
                 <a:latin typeface="Arial" charset="0"/>
               </a:rPr>
@@ -19471,9 +18529,25 @@
             <a:r>
               <a:rPr lang="it-IT" sz="2000" dirty="0">
                 <a:solidFill>
-                  <a:schemeClr val="bg1">
-                    <a:lumMod val="65000"/>
-                  </a:schemeClr>
+                  <a:srgbClr val="A6A6A6"/>
+                </a:solidFill>
+                <a:latin typeface="Arial" charset="0"/>
+              </a:rPr>
+              <a:t> and </a:t>
+            </a:r>
+            <a:r>
+              <a:rPr lang="it-IT" sz="2000" dirty="0" err="1">
+                <a:solidFill>
+                  <a:srgbClr val="A6A6A6"/>
+                </a:solidFill>
+                <a:latin typeface="Arial" charset="0"/>
+              </a:rPr>
+              <a:t>synchronization</a:t>
+            </a:r>
+            <a:r>
+              <a:rPr lang="it-IT" sz="2000" dirty="0">
+                <a:solidFill>
+                  <a:srgbClr val="A6A6A6"/>
                 </a:solidFill>
                 <a:latin typeface="Arial" charset="0"/>
               </a:rPr>
@@ -19482,20 +18556,16 @@
             <a:r>
               <a:rPr lang="it-IT" sz="2000" dirty="0" err="1">
                 <a:solidFill>
-                  <a:schemeClr val="bg1">
-                    <a:lumMod val="65000"/>
-                  </a:schemeClr>
+                  <a:srgbClr val="A6A6A6"/>
                 </a:solidFill>
                 <a:latin typeface="Arial" charset="0"/>
               </a:rPr>
-              <a:t>among</a:t>
+              <a:t>system</a:t>
             </a:r>
             <a:r>
               <a:rPr lang="it-IT" sz="2000" dirty="0">
                 <a:solidFill>
-                  <a:schemeClr val="bg1">
-                    <a:lumMod val="65000"/>
-                  </a:schemeClr>
+                  <a:srgbClr val="A6A6A6"/>
                 </a:solidFill>
                 <a:latin typeface="Arial" charset="0"/>
               </a:rPr>
@@ -19504,141 +18574,7 @@
             <a:r>
               <a:rPr lang="it-IT" sz="2000" dirty="0" err="1">
                 <a:solidFill>
-                  <a:schemeClr val="bg1">
-                    <a:lumMod val="65000"/>
-                  </a:schemeClr>
-                </a:solidFill>
-                <a:latin typeface="Arial" charset="0"/>
-              </a:rPr>
-              <a:t>NoSQL</a:t>
-            </a:r>
-            <a:r>
-              <a:rPr lang="it-IT" sz="2000" dirty="0">
-                <a:solidFill>
-                  <a:schemeClr val="bg1">
-                    <a:lumMod val="65000"/>
-                  </a:schemeClr>
-                </a:solidFill>
-                <a:latin typeface="Arial" charset="0"/>
-              </a:rPr>
-              <a:t> </a:t>
-            </a:r>
-            <a:r>
-              <a:rPr lang="it-IT" sz="2000" dirty="0" err="1">
-                <a:solidFill>
-                  <a:schemeClr val="bg1">
-                    <a:lumMod val="65000"/>
-                  </a:schemeClr>
-                </a:solidFill>
-                <a:latin typeface="Arial" charset="0"/>
-              </a:rPr>
-              <a:t>databases</a:t>
-            </a:r>
-            <a:r>
-              <a:rPr lang="it-IT" sz="2000" dirty="0">
-                <a:solidFill>
-                  <a:schemeClr val="bg1">
-                    <a:lumMod val="65000"/>
-                  </a:schemeClr>
-                </a:solidFill>
-                <a:latin typeface="Arial" charset="0"/>
-              </a:rPr>
-              <a:t> </a:t>
-            </a:r>
-            <a:r>
-              <a:rPr lang="it-IT" sz="2000" dirty="0" err="1">
-                <a:solidFill>
-                  <a:schemeClr val="bg1">
-                    <a:lumMod val="65000"/>
-                  </a:schemeClr>
-                </a:solidFill>
-                <a:latin typeface="Arial" charset="0"/>
-              </a:rPr>
-              <a:t>through</a:t>
-            </a:r>
-            <a:r>
-              <a:rPr lang="it-IT" sz="2000" dirty="0">
-                <a:solidFill>
-                  <a:schemeClr val="bg1">
-                    <a:lumMod val="65000"/>
-                  </a:schemeClr>
-                </a:solidFill>
-                <a:latin typeface="Arial" charset="0"/>
-              </a:rPr>
-              <a:t> the </a:t>
-            </a:r>
-            <a:r>
-              <a:rPr lang="it-IT" sz="2000" dirty="0" err="1">
-                <a:solidFill>
-                  <a:schemeClr val="bg1">
-                    <a:lumMod val="65000"/>
-                  </a:schemeClr>
-                </a:solidFill>
-                <a:latin typeface="Arial" charset="0"/>
-              </a:rPr>
-              <a:t>migration</a:t>
-            </a:r>
-            <a:r>
-              <a:rPr lang="it-IT" sz="2000" dirty="0">
-                <a:solidFill>
-                  <a:schemeClr val="bg1">
-                    <a:lumMod val="65000"/>
-                  </a:schemeClr>
-                </a:solidFill>
-                <a:latin typeface="Arial" charset="0"/>
-              </a:rPr>
-              <a:t> and </a:t>
-            </a:r>
-            <a:r>
-              <a:rPr lang="it-IT" sz="2000" dirty="0" err="1">
-                <a:solidFill>
-                  <a:schemeClr val="bg1">
-                    <a:lumMod val="65000"/>
-                  </a:schemeClr>
-                </a:solidFill>
-                <a:latin typeface="Arial" charset="0"/>
-              </a:rPr>
-              <a:t>synchronization</a:t>
-            </a:r>
-            <a:r>
-              <a:rPr lang="it-IT" sz="2000" dirty="0">
-                <a:solidFill>
-                  <a:schemeClr val="bg1">
-                    <a:lumMod val="65000"/>
-                  </a:schemeClr>
-                </a:solidFill>
-                <a:latin typeface="Arial" charset="0"/>
-              </a:rPr>
-              <a:t> </a:t>
-            </a:r>
-            <a:r>
-              <a:rPr lang="it-IT" sz="2000" dirty="0" err="1">
-                <a:solidFill>
-                  <a:schemeClr val="bg1">
-                    <a:lumMod val="65000"/>
-                  </a:schemeClr>
-                </a:solidFill>
-                <a:latin typeface="Arial" charset="0"/>
-              </a:rPr>
-              <a:t>system</a:t>
-            </a:r>
-            <a:r>
-              <a:rPr lang="it-IT" sz="2000" dirty="0">
-                <a:solidFill>
-                  <a:schemeClr val="bg1">
-                    <a:lumMod val="65000"/>
-                  </a:schemeClr>
-                </a:solidFill>
-                <a:latin typeface="Arial" charset="0"/>
-              </a:rPr>
-              <a:t> </a:t>
-            </a:r>
-            <a:r>
-              <a:rPr lang="it-IT" sz="2000" dirty="0" err="1">
-                <a:solidFill>
-                  <a:schemeClr val="bg1">
-                    <a:lumMod val="65000"/>
-                  </a:schemeClr>
+                  <a:srgbClr val="A6A6A6"/>
                 </a:solidFill>
                 <a:latin typeface="Arial" charset="0"/>
               </a:rPr>
@@ -19646,9 +18582,69 @@
             </a:r>
             <a:endParaRPr lang="en-US" sz="2000" dirty="0">
               <a:solidFill>
-                <a:schemeClr val="bg1">
-                  <a:lumMod val="65000"/>
-                </a:schemeClr>
+                <a:srgbClr val="A6A6A6"/>
+              </a:solidFill>
+              <a:latin typeface="Arial" charset="0"/>
+            </a:endParaRPr>
+          </a:p>
+        </p:txBody>
+      </p:sp>
+      <p:sp>
+        <p:nvSpPr>
+          <p:cNvPr id="9" name="Rettangolo arrotondato 8"/>
+          <p:cNvSpPr>
+            <a:spLocks noChangeArrowheads="1"/>
+          </p:cNvSpPr>
+          <p:nvPr/>
+        </p:nvSpPr>
+        <p:spPr bwMode="auto">
+          <a:xfrm>
+            <a:off x="827584" y="5085184"/>
+            <a:ext cx="7488832" cy="792088"/>
+          </a:xfrm>
+          <a:prstGeom prst="roundRect">
+            <a:avLst>
+              <a:gd name="adj" fmla="val 16667"/>
+            </a:avLst>
+          </a:prstGeom>
+          <a:solidFill>
+            <a:srgbClr val="FFFFFF"/>
+          </a:solidFill>
+          <a:ln w="9525" cap="flat" cmpd="sng" algn="ctr">
+            <a:solidFill>
+              <a:srgbClr val="A6A6A6"/>
+            </a:solidFill>
+            <a:prstDash val="solid"/>
+            <a:round/>
+            <a:headEnd type="none" w="med" len="med"/>
+            <a:tailEnd type="none" w="med" len="med"/>
+          </a:ln>
+          <a:effectLst/>
+        </p:spPr>
+        <p:txBody>
+          <a:bodyPr anchor="ctr"/>
+          <a:lstStyle/>
+          <a:p>
+            <a:pPr algn="ctr">
+              <a:lnSpc>
+                <a:spcPct val="120000"/>
+              </a:lnSpc>
+              <a:spcBef>
+                <a:spcPts val="500"/>
+              </a:spcBef>
+            </a:pPr>
+            <a:r>
+              <a:rPr lang="it-IT" sz="2000" dirty="0">
+                <a:solidFill>
+                  <a:srgbClr val="A6A6A6"/>
+                </a:solidFill>
+                <a:latin typeface="Arial" charset="0"/>
+              </a:rPr>
+              <a:t>Evaluation</a:t>
+            </a:r>
+            <a:endParaRPr lang="en-US" sz="2000" dirty="0">
+              <a:solidFill>
+                <a:srgbClr val="A6A6A6"/>
               </a:solidFill>
               <a:latin typeface="Arial" charset="0"/>
             </a:endParaRPr>
@@ -19656,6 +18652,11 @@
         </p:txBody>
       </p:sp>
     </p:spTree>
+    <p:extLst>
+      <p:ext uri="{BB962C8B-B14F-4D97-AF65-F5344CB8AC3E}">
+        <p14:creationId xmlns:p14="http://schemas.microsoft.com/office/powerpoint/2010/main" val="239943740"/>
+      </p:ext>
+    </p:extLst>
   </p:cSld>
   <p:clrMapOvr>
     <a:masterClrMapping/>
@@ -20756,6 +19757,16 @@
               <a:defRPr/>
             </a:pPr>
             <a:r>
+              <a:rPr lang="it-IT" sz="2000" dirty="0" smtClean="0">
+                <a:solidFill>
+                  <a:srgbClr val="003F6E"/>
+                </a:solidFill>
+                <a:latin typeface="Arial" charset="0"/>
+                <a:sym typeface="Wingdings"/>
+              </a:rPr>
+              <a:t>              </a:t>
+            </a:r>
+            <a:r>
               <a:rPr lang="it-IT" sz="2000" dirty="0" err="1" smtClean="0">
                 <a:solidFill>
                   <a:srgbClr val="003F6E"/>
@@ -20813,8 +19824,25 @@
                 <a:latin typeface="Arial" charset="0"/>
                 <a:sym typeface="Wingdings"/>
               </a:rPr>
-              <a:t> clients  proposto, in accettazione</a:t>
-            </a:r>
+              <a:t> </a:t>
+            </a:r>
+            <a:r>
+              <a:rPr lang="it-IT" sz="2000" dirty="0" smtClean="0">
+                <a:solidFill>
+                  <a:srgbClr val="003F6E"/>
+                </a:solidFill>
+                <a:latin typeface="Arial" charset="0"/>
+                <a:sym typeface="Wingdings"/>
+              </a:rPr>
+              <a:t>clients</a:t>
+            </a:r>
+            <a:endParaRPr lang="it-IT" sz="2000" dirty="0" smtClean="0">
+              <a:solidFill>
+                <a:srgbClr val="003F6E"/>
+              </a:solidFill>
+              <a:latin typeface="Arial" charset="0"/>
+              <a:sym typeface="Wingdings"/>
+            </a:endParaRPr>
           </a:p>
           <a:p>
             <a:pPr marL="344487" indent="-342900">
@@ -21143,6 +20171,36 @@
           </a:p>
         </p:txBody>
       </p:sp>
+      <p:pic>
+        <p:nvPicPr>
+          <p:cNvPr id="2" name="Immagine 1" descr="open.png"/>
+          <p:cNvPicPr>
+            <a:picLocks noChangeAspect="1"/>
+          </p:cNvPicPr>
+          <p:nvPr/>
+        </p:nvPicPr>
+        <p:blipFill>
+          <a:blip r:embed="rId5">
+            <a:extLst>
+              <a:ext uri="{28A0092B-C50C-407E-A947-70E740481C1C}">
+                <a14:useLocalDpi xmlns:a14="http://schemas.microsoft.com/office/drawing/2010/main" val="0"/>
+              </a:ext>
+            </a:extLst>
+          </a:blip>
+          <a:stretch>
+            <a:fillRect/>
+          </a:stretch>
+        </p:blipFill>
+        <p:spPr>
+          <a:xfrm>
+            <a:off x="539552" y="3289424"/>
+            <a:ext cx="863600" cy="355600"/>
+          </a:xfrm>
+          <a:prstGeom prst="rect">
+            <a:avLst/>
+          </a:prstGeom>
+        </p:spPr>
+      </p:pic>
     </p:spTree>
   </p:cSld>
   <p:clrMapOvr>
@@ -23625,436 +22683,6 @@
       </p:sp>
       <p:sp>
         <p:nvSpPr>
-          <p:cNvPr id="6146" name="Text Box 2"/>
-          <p:cNvSpPr txBox="1">
-            <a:spLocks noChangeArrowheads="1"/>
-          </p:cNvSpPr>
-          <p:nvPr/>
-        </p:nvSpPr>
-        <p:spPr bwMode="auto">
-          <a:xfrm>
-            <a:off x="611188" y="5084763"/>
-            <a:ext cx="8224837" cy="877887"/>
-          </a:xfrm>
-          <a:prstGeom prst="rect">
-            <a:avLst/>
-          </a:prstGeom>
-          <a:noFill/>
-          <a:ln>
-            <a:noFill/>
-          </a:ln>
-          <a:effectLst/>
-          <a:extLst>
-            <a:ext uri="{909E8E84-426E-40dd-AFC4-6F175D3DCCD1}">
-              <a14:hiddenFill xmlns:a14="http://schemas.microsoft.com/office/drawing/2010/main">
-                <a:solidFill>
-                  <a:srgbClr val="FFFFFF"/>
-                </a:solidFill>
-              </a14:hiddenFill>
-            </a:ext>
-            <a:ext uri="{91240B29-F687-4f45-9708-019B960494DF}">
-              <a14:hiddenLine xmlns:a14="http://schemas.microsoft.com/office/drawing/2010/main" w="9525" cap="flat">
-                <a:solidFill>
-                  <a:srgbClr val="808080"/>
-                </a:solidFill>
-                <a:round/>
-                <a:headEnd/>
-                <a:tailEnd/>
-              </a14:hiddenLine>
-            </a:ext>
-            <a:ext uri="{AF507438-7753-43e0-B8FC-AC1667EBCBE1}">
-              <a14:hiddenEffects xmlns:a14="http://schemas.microsoft.com/office/drawing/2010/main">
-                <a:effectLst>
-                  <a:outerShdw blurRad="63500" dist="38099" dir="2700000" algn="ctr" rotWithShape="0">
-                    <a:srgbClr val="000000">
-                      <a:alpha val="74998"/>
-                    </a:srgbClr>
-                  </a:outerShdw>
-                </a:effectLst>
-              </a14:hiddenEffects>
-            </a:ext>
-          </a:extLst>
-        </p:spPr>
-        <p:txBody>
-          <a:bodyPr lIns="0" tIns="0" rIns="0" bIns="0"/>
-          <a:lstStyle>
-            <a:lvl1pPr marL="341313" indent="-341313">
-              <a:tabLst>
-                <a:tab pos="341313" algn="l"/>
-                <a:tab pos="454025" algn="l"/>
-                <a:tab pos="911225" algn="l"/>
-                <a:tab pos="1368425" algn="l"/>
-                <a:tab pos="1825625" algn="l"/>
-                <a:tab pos="2282825" algn="l"/>
-                <a:tab pos="2740025" algn="l"/>
-                <a:tab pos="3197225" algn="l"/>
-                <a:tab pos="3654425" algn="l"/>
-                <a:tab pos="4111625" algn="l"/>
-                <a:tab pos="4568825" algn="l"/>
-                <a:tab pos="5026025" algn="l"/>
-                <a:tab pos="5483225" algn="l"/>
-                <a:tab pos="5940425" algn="l"/>
-                <a:tab pos="6397625" algn="l"/>
-                <a:tab pos="6854825" algn="l"/>
-                <a:tab pos="7312025" algn="l"/>
-                <a:tab pos="7769225" algn="l"/>
-                <a:tab pos="8226425" algn="l"/>
-                <a:tab pos="8683625" algn="l"/>
-                <a:tab pos="9140825" algn="l"/>
-              </a:tabLst>
-              <a:defRPr sz="2400">
-                <a:solidFill>
-                  <a:srgbClr val="FFFFFF"/>
-                </a:solidFill>
-                <a:latin typeface="Times New Roman" charset="0"/>
-                <a:ea typeface="ＭＳ Ｐゴシック" charset="0"/>
-                <a:cs typeface="Microsoft YaHei" charset="0"/>
-              </a:defRPr>
-            </a:lvl1pPr>
-            <a:lvl2pPr>
-              <a:tabLst>
-                <a:tab pos="341313" algn="l"/>
-                <a:tab pos="454025" algn="l"/>
-                <a:tab pos="911225" algn="l"/>
-                <a:tab pos="1368425" algn="l"/>
-                <a:tab pos="1825625" algn="l"/>
-                <a:tab pos="2282825" algn="l"/>
-                <a:tab pos="2740025" algn="l"/>
-                <a:tab pos="3197225" algn="l"/>
-                <a:tab pos="3654425" algn="l"/>
-                <a:tab pos="4111625" algn="l"/>
-                <a:tab pos="4568825" algn="l"/>
-                <a:tab pos="5026025" algn="l"/>
-                <a:tab pos="5483225" algn="l"/>
-                <a:tab pos="5940425" algn="l"/>
-                <a:tab pos="6397625" algn="l"/>
-                <a:tab pos="6854825" algn="l"/>
-                <a:tab pos="7312025" algn="l"/>
-                <a:tab pos="7769225" algn="l"/>
-                <a:tab pos="8226425" algn="l"/>
-                <a:tab pos="8683625" algn="l"/>
-                <a:tab pos="9140825" algn="l"/>
-              </a:tabLst>
-              <a:defRPr sz="2400">
-                <a:solidFill>
-                  <a:srgbClr val="FFFFFF"/>
-                </a:solidFill>
-                <a:latin typeface="Times New Roman" charset="0"/>
-                <a:ea typeface="ＭＳ Ｐゴシック" charset="0"/>
-                <a:cs typeface="Microsoft YaHei" charset="0"/>
-              </a:defRPr>
-            </a:lvl2pPr>
-            <a:lvl3pPr>
-              <a:tabLst>
-                <a:tab pos="341313" algn="l"/>
-                <a:tab pos="454025" algn="l"/>
-                <a:tab pos="911225" algn="l"/>
-                <a:tab pos="1368425" algn="l"/>
-                <a:tab pos="1825625" algn="l"/>
-                <a:tab pos="2282825" algn="l"/>
-                <a:tab pos="2740025" algn="l"/>
-                <a:tab pos="3197225" algn="l"/>
-                <a:tab pos="3654425" algn="l"/>
-                <a:tab pos="4111625" algn="l"/>
-                <a:tab pos="4568825" algn="l"/>
-                <a:tab pos="5026025" algn="l"/>
-                <a:tab pos="5483225" algn="l"/>
-                <a:tab pos="5940425" algn="l"/>
-                <a:tab pos="6397625" algn="l"/>
-                <a:tab pos="6854825" algn="l"/>
-                <a:tab pos="7312025" algn="l"/>
-                <a:tab pos="7769225" algn="l"/>
-                <a:tab pos="8226425" algn="l"/>
-                <a:tab pos="8683625" algn="l"/>
-                <a:tab pos="9140825" algn="l"/>
-              </a:tabLst>
-              <a:defRPr sz="2400">
-                <a:solidFill>
-                  <a:srgbClr val="FFFFFF"/>
-                </a:solidFill>
-                <a:latin typeface="Times New Roman" charset="0"/>
-                <a:ea typeface="ＭＳ Ｐゴシック" charset="0"/>
-                <a:cs typeface="Microsoft YaHei" charset="0"/>
-              </a:defRPr>
-            </a:lvl3pPr>
-            <a:lvl4pPr>
-              <a:tabLst>
-                <a:tab pos="341313" algn="l"/>
-                <a:tab pos="454025" algn="l"/>
-                <a:tab pos="911225" algn="l"/>
-                <a:tab pos="1368425" algn="l"/>
-                <a:tab pos="1825625" algn="l"/>
-                <a:tab pos="2282825" algn="l"/>
-                <a:tab pos="2740025" algn="l"/>
-                <a:tab pos="3197225" algn="l"/>
-                <a:tab pos="3654425" algn="l"/>
-                <a:tab pos="4111625" algn="l"/>
-                <a:tab pos="4568825" algn="l"/>
-                <a:tab pos="5026025" algn="l"/>
-                <a:tab pos="5483225" algn="l"/>
-                <a:tab pos="5940425" algn="l"/>
-                <a:tab pos="6397625" algn="l"/>
-                <a:tab pos="6854825" algn="l"/>
-                <a:tab pos="7312025" algn="l"/>
-                <a:tab pos="7769225" algn="l"/>
-                <a:tab pos="8226425" algn="l"/>
-                <a:tab pos="8683625" algn="l"/>
-                <a:tab pos="9140825" algn="l"/>
-              </a:tabLst>
-              <a:defRPr sz="2400">
-                <a:solidFill>
-                  <a:srgbClr val="FFFFFF"/>
-                </a:solidFill>
-                <a:latin typeface="Times New Roman" charset="0"/>
-                <a:ea typeface="ＭＳ Ｐゴシック" charset="0"/>
-                <a:cs typeface="Microsoft YaHei" charset="0"/>
-              </a:defRPr>
-            </a:lvl4pPr>
-            <a:lvl5pPr>
-              <a:tabLst>
-                <a:tab pos="341313" algn="l"/>
-                <a:tab pos="454025" algn="l"/>
-                <a:tab pos="911225" algn="l"/>
-                <a:tab pos="1368425" algn="l"/>
-                <a:tab pos="1825625" algn="l"/>
-                <a:tab pos="2282825" algn="l"/>
-                <a:tab pos="2740025" algn="l"/>
-                <a:tab pos="3197225" algn="l"/>
-                <a:tab pos="3654425" algn="l"/>
-                <a:tab pos="4111625" algn="l"/>
-                <a:tab pos="4568825" algn="l"/>
-                <a:tab pos="5026025" algn="l"/>
-                <a:tab pos="5483225" algn="l"/>
-                <a:tab pos="5940425" algn="l"/>
-                <a:tab pos="6397625" algn="l"/>
-                <a:tab pos="6854825" algn="l"/>
-                <a:tab pos="7312025" algn="l"/>
-                <a:tab pos="7769225" algn="l"/>
-                <a:tab pos="8226425" algn="l"/>
-                <a:tab pos="8683625" algn="l"/>
-                <a:tab pos="9140825" algn="l"/>
-              </a:tabLst>
-              <a:defRPr sz="2400">
-                <a:solidFill>
-                  <a:srgbClr val="FFFFFF"/>
-                </a:solidFill>
-                <a:latin typeface="Times New Roman" charset="0"/>
-                <a:ea typeface="ＭＳ Ｐゴシック" charset="0"/>
-                <a:cs typeface="Microsoft YaHei" charset="0"/>
-              </a:defRPr>
-            </a:lvl5pPr>
-            <a:lvl6pPr marL="2514600" indent="-228600" defTabSz="449263" eaLnBrk="0" fontAlgn="base" hangingPunct="0">
-              <a:lnSpc>
-                <a:spcPct val="93000"/>
-              </a:lnSpc>
-              <a:spcBef>
-                <a:spcPct val="0"/>
-              </a:spcBef>
-              <a:spcAft>
-                <a:spcPct val="0"/>
-              </a:spcAft>
-              <a:buClr>
-                <a:srgbClr val="000000"/>
-              </a:buClr>
-              <a:buSzPct val="100000"/>
-              <a:buFont typeface="Times New Roman" charset="0"/>
-              <a:tabLst>
-                <a:tab pos="341313" algn="l"/>
-                <a:tab pos="454025" algn="l"/>
-                <a:tab pos="911225" algn="l"/>
-                <a:tab pos="1368425" algn="l"/>
-                <a:tab pos="1825625" algn="l"/>
-                <a:tab pos="2282825" algn="l"/>
-                <a:tab pos="2740025" algn="l"/>
-                <a:tab pos="3197225" algn="l"/>
-                <a:tab pos="3654425" algn="l"/>
-                <a:tab pos="4111625" algn="l"/>
-                <a:tab pos="4568825" algn="l"/>
-                <a:tab pos="5026025" algn="l"/>
-                <a:tab pos="5483225" algn="l"/>
-                <a:tab pos="5940425" algn="l"/>
-                <a:tab pos="6397625" algn="l"/>
-                <a:tab pos="6854825" algn="l"/>
-                <a:tab pos="7312025" algn="l"/>
-                <a:tab pos="7769225" algn="l"/>
-                <a:tab pos="8226425" algn="l"/>
-                <a:tab pos="8683625" algn="l"/>
-                <a:tab pos="9140825" algn="l"/>
-              </a:tabLst>
-              <a:defRPr sz="2400">
-                <a:solidFill>
-                  <a:srgbClr val="FFFFFF"/>
-                </a:solidFill>
-                <a:latin typeface="Times New Roman" charset="0"/>
-                <a:ea typeface="ＭＳ Ｐゴシック" charset="0"/>
-                <a:cs typeface="Microsoft YaHei" charset="0"/>
-              </a:defRPr>
-            </a:lvl6pPr>
-            <a:lvl7pPr marL="2971800" indent="-228600" defTabSz="449263" eaLnBrk="0" fontAlgn="base" hangingPunct="0">
-              <a:lnSpc>
-                <a:spcPct val="93000"/>
-              </a:lnSpc>
-              <a:spcBef>
-                <a:spcPct val="0"/>
-              </a:spcBef>
-              <a:spcAft>
-                <a:spcPct val="0"/>
-              </a:spcAft>
-              <a:buClr>
-                <a:srgbClr val="000000"/>
-              </a:buClr>
-              <a:buSzPct val="100000"/>
-              <a:buFont typeface="Times New Roman" charset="0"/>
-              <a:tabLst>
-                <a:tab pos="341313" algn="l"/>
-                <a:tab pos="454025" algn="l"/>
-                <a:tab pos="911225" algn="l"/>
-                <a:tab pos="1368425" algn="l"/>
-                <a:tab pos="1825625" algn="l"/>
-                <a:tab pos="2282825" algn="l"/>
-                <a:tab pos="2740025" algn="l"/>
-                <a:tab pos="3197225" algn="l"/>
-                <a:tab pos="3654425" algn="l"/>
-                <a:tab pos="4111625" algn="l"/>
-                <a:tab pos="4568825" algn="l"/>
-                <a:tab pos="5026025" algn="l"/>
-                <a:tab pos="5483225" algn="l"/>
-                <a:tab pos="5940425" algn="l"/>
-                <a:tab pos="6397625" algn="l"/>
-                <a:tab pos="6854825" algn="l"/>
-                <a:tab pos="7312025" algn="l"/>
-                <a:tab pos="7769225" algn="l"/>
-                <a:tab pos="8226425" algn="l"/>
-                <a:tab pos="8683625" algn="l"/>
-                <a:tab pos="9140825" algn="l"/>
-              </a:tabLst>
-              <a:defRPr sz="2400">
-                <a:solidFill>
-                  <a:srgbClr val="FFFFFF"/>
-                </a:solidFill>
-                <a:latin typeface="Times New Roman" charset="0"/>
-                <a:ea typeface="ＭＳ Ｐゴシック" charset="0"/>
-                <a:cs typeface="Microsoft YaHei" charset="0"/>
-              </a:defRPr>
-            </a:lvl7pPr>
-            <a:lvl8pPr marL="3429000" indent="-228600" defTabSz="449263" eaLnBrk="0" fontAlgn="base" hangingPunct="0">
-              <a:lnSpc>
-                <a:spcPct val="93000"/>
-              </a:lnSpc>
-              <a:spcBef>
-                <a:spcPct val="0"/>
-              </a:spcBef>
-              <a:spcAft>
-                <a:spcPct val="0"/>
-              </a:spcAft>
-              <a:buClr>
-                <a:srgbClr val="000000"/>
-              </a:buClr>
-              <a:buSzPct val="100000"/>
-              <a:buFont typeface="Times New Roman" charset="0"/>
-              <a:tabLst>
-                <a:tab pos="341313" algn="l"/>
-                <a:tab pos="454025" algn="l"/>
-                <a:tab pos="911225" algn="l"/>
-                <a:tab pos="1368425" algn="l"/>
-                <a:tab pos="1825625" algn="l"/>
-                <a:tab pos="2282825" algn="l"/>
-                <a:tab pos="2740025" algn="l"/>
-                <a:tab pos="3197225" algn="l"/>
-                <a:tab pos="3654425" algn="l"/>
-                <a:tab pos="4111625" algn="l"/>
-                <a:tab pos="4568825" algn="l"/>
-                <a:tab pos="5026025" algn="l"/>
-                <a:tab pos="5483225" algn="l"/>
-                <a:tab pos="5940425" algn="l"/>
-                <a:tab pos="6397625" algn="l"/>
-                <a:tab pos="6854825" algn="l"/>
-                <a:tab pos="7312025" algn="l"/>
-                <a:tab pos="7769225" algn="l"/>
-                <a:tab pos="8226425" algn="l"/>
-                <a:tab pos="8683625" algn="l"/>
-                <a:tab pos="9140825" algn="l"/>
-              </a:tabLst>
-              <a:defRPr sz="2400">
-                <a:solidFill>
-                  <a:srgbClr val="FFFFFF"/>
-                </a:solidFill>
-                <a:latin typeface="Times New Roman" charset="0"/>
-                <a:ea typeface="ＭＳ Ｐゴシック" charset="0"/>
-                <a:cs typeface="Microsoft YaHei" charset="0"/>
-              </a:defRPr>
-            </a:lvl8pPr>
-            <a:lvl9pPr marL="3886200" indent="-228600" defTabSz="449263" eaLnBrk="0" fontAlgn="base" hangingPunct="0">
-              <a:lnSpc>
-                <a:spcPct val="93000"/>
-              </a:lnSpc>
-              <a:spcBef>
-                <a:spcPct val="0"/>
-              </a:spcBef>
-              <a:spcAft>
-                <a:spcPct val="0"/>
-              </a:spcAft>
-              <a:buClr>
-                <a:srgbClr val="000000"/>
-              </a:buClr>
-              <a:buSzPct val="100000"/>
-              <a:buFont typeface="Times New Roman" charset="0"/>
-              <a:tabLst>
-                <a:tab pos="341313" algn="l"/>
-                <a:tab pos="454025" algn="l"/>
-                <a:tab pos="911225" algn="l"/>
-                <a:tab pos="1368425" algn="l"/>
-                <a:tab pos="1825625" algn="l"/>
-                <a:tab pos="2282825" algn="l"/>
-                <a:tab pos="2740025" algn="l"/>
-                <a:tab pos="3197225" algn="l"/>
-                <a:tab pos="3654425" algn="l"/>
-                <a:tab pos="4111625" algn="l"/>
-                <a:tab pos="4568825" algn="l"/>
-                <a:tab pos="5026025" algn="l"/>
-                <a:tab pos="5483225" algn="l"/>
-                <a:tab pos="5940425" algn="l"/>
-                <a:tab pos="6397625" algn="l"/>
-                <a:tab pos="6854825" algn="l"/>
-                <a:tab pos="7312025" algn="l"/>
-                <a:tab pos="7769225" algn="l"/>
-                <a:tab pos="8226425" algn="l"/>
-                <a:tab pos="8683625" algn="l"/>
-                <a:tab pos="9140825" algn="l"/>
-              </a:tabLst>
-              <a:defRPr sz="2400">
-                <a:solidFill>
-                  <a:srgbClr val="FFFFFF"/>
-                </a:solidFill>
-                <a:latin typeface="Times New Roman" charset="0"/>
-                <a:ea typeface="ＭＳ Ｐゴシック" charset="0"/>
-                <a:cs typeface="Microsoft YaHei" charset="0"/>
-              </a:defRPr>
-            </a:lvl9pPr>
-          </a:lstStyle>
-          <a:p>
-            <a:pPr marL="0" indent="0">
-              <a:lnSpc>
-                <a:spcPct val="120000"/>
-              </a:lnSpc>
-              <a:spcBef>
-                <a:spcPts val="500"/>
-              </a:spcBef>
-              <a:defRPr/>
-            </a:pPr>
-            <a:endParaRPr lang="en-US" sz="2000" dirty="0" smtClean="0">
-              <a:solidFill>
-                <a:schemeClr val="bg1">
-                  <a:lumMod val="50000"/>
-                </a:schemeClr>
-              </a:solidFill>
-              <a:latin typeface="Arial" charset="0"/>
-            </a:endParaRPr>
-          </a:p>
-        </p:txBody>
-      </p:sp>
-      <p:sp>
-        <p:nvSpPr>
           <p:cNvPr id="4" name="Segnaposto numero diapositiva 3"/>
           <p:cNvSpPr>
             <a:spLocks noGrp="1"/>
@@ -24095,8 +22723,8 @@
         </p:nvSpPr>
         <p:spPr bwMode="auto">
           <a:xfrm>
-            <a:off x="827088" y="1052513"/>
-            <a:ext cx="7489825" cy="1584325"/>
+            <a:off x="827088" y="1196752"/>
+            <a:ext cx="7489825" cy="792088"/>
           </a:xfrm>
           <a:prstGeom prst="roundRect">
             <a:avLst/>
@@ -24119,10 +22747,10 @@
           <a:extLst/>
         </p:spPr>
         <p:txBody>
-          <a:bodyPr/>
+          <a:bodyPr anchor="ctr"/>
           <a:lstStyle/>
           <a:p>
-            <a:pPr>
+            <a:pPr algn="ctr">
               <a:lnSpc>
                 <a:spcPct val="120000"/>
               </a:lnSpc>
@@ -24141,7 +22769,7 @@
               <a:t>Integrate Kundera in the CPIM </a:t>
             </a:r>
             <a:r>
-              <a:rPr lang="it-IT" sz="2000" dirty="0" err="1">
+              <a:rPr lang="it-IT" sz="2000" dirty="0" err="1" smtClean="0">
                 <a:solidFill>
                   <a:srgbClr val="A6A6A6"/>
                 </a:solidFill>
@@ -24155,174 +22783,6 @@
               </a:solidFill>
               <a:latin typeface="Arial" charset="0"/>
             </a:endParaRPr>
-          </a:p>
-          <a:p>
-            <a:pPr marL="744537" lvl="1" indent="-342900">
-              <a:lnSpc>
-                <a:spcPct val="120000"/>
-              </a:lnSpc>
-              <a:spcBef>
-                <a:spcPts val="500"/>
-              </a:spcBef>
-              <a:buClr>
-                <a:schemeClr val="bg1">
-                  <a:lumMod val="65000"/>
-                </a:schemeClr>
-              </a:buClr>
-              <a:buFont typeface="Arial"/>
-              <a:buChar char="•"/>
-              <a:defRPr/>
-            </a:pPr>
-            <a:r>
-              <a:rPr lang="it-IT" sz="2000" dirty="0" err="1">
-                <a:solidFill>
-                  <a:srgbClr val="A6A6A6"/>
-                </a:solidFill>
-                <a:latin typeface="Arial" charset="0"/>
-              </a:rPr>
-              <a:t>extending</a:t>
-            </a:r>
-            <a:r>
-              <a:rPr lang="it-IT" sz="2000" dirty="0">
-                <a:solidFill>
-                  <a:srgbClr val="A6A6A6"/>
-                </a:solidFill>
-                <a:latin typeface="Arial" charset="0"/>
-              </a:rPr>
-              <a:t> the </a:t>
-            </a:r>
-            <a:r>
-              <a:rPr lang="it-IT" sz="2000" dirty="0" err="1">
-                <a:solidFill>
-                  <a:srgbClr val="A6A6A6"/>
-                </a:solidFill>
-                <a:latin typeface="Arial" charset="0"/>
-              </a:rPr>
-              <a:t>number</a:t>
-            </a:r>
-            <a:r>
-              <a:rPr lang="it-IT" sz="2000" dirty="0">
-                <a:solidFill>
-                  <a:srgbClr val="A6A6A6"/>
-                </a:solidFill>
-                <a:latin typeface="Arial" charset="0"/>
-              </a:rPr>
-              <a:t> of </a:t>
-            </a:r>
-            <a:r>
-              <a:rPr lang="it-IT" sz="2000" dirty="0" err="1">
-                <a:solidFill>
-                  <a:srgbClr val="A6A6A6"/>
-                </a:solidFill>
-                <a:latin typeface="Arial" charset="0"/>
-              </a:rPr>
-              <a:t>NoSQL</a:t>
-            </a:r>
-            <a:r>
-              <a:rPr lang="it-IT" sz="2000" dirty="0">
-                <a:solidFill>
-                  <a:srgbClr val="A6A6A6"/>
-                </a:solidFill>
-                <a:latin typeface="Arial" charset="0"/>
-              </a:rPr>
-              <a:t> </a:t>
-            </a:r>
-            <a:r>
-              <a:rPr lang="it-IT" sz="2000" dirty="0" err="1">
-                <a:solidFill>
-                  <a:srgbClr val="A6A6A6"/>
-                </a:solidFill>
-                <a:latin typeface="Arial" charset="0"/>
-              </a:rPr>
-              <a:t>databases</a:t>
-            </a:r>
-            <a:r>
-              <a:rPr lang="it-IT" sz="2000" dirty="0">
-                <a:solidFill>
-                  <a:srgbClr val="A6A6A6"/>
-                </a:solidFill>
-                <a:latin typeface="Arial" charset="0"/>
-              </a:rPr>
-              <a:t> </a:t>
-            </a:r>
-            <a:r>
-              <a:rPr lang="it-IT" sz="2000" dirty="0" err="1">
-                <a:solidFill>
-                  <a:srgbClr val="A6A6A6"/>
-                </a:solidFill>
-                <a:latin typeface="Arial" charset="0"/>
-              </a:rPr>
-              <a:t>supported</a:t>
-            </a:r>
-            <a:endParaRPr lang="it-IT" sz="2000" dirty="0">
-              <a:solidFill>
-                <a:srgbClr val="A6A6A6"/>
-              </a:solidFill>
-              <a:latin typeface="Arial" charset="0"/>
-            </a:endParaRPr>
-          </a:p>
-          <a:p>
-            <a:pPr marL="744537" lvl="1" indent="-342900">
-              <a:lnSpc>
-                <a:spcPct val="120000"/>
-              </a:lnSpc>
-              <a:spcBef>
-                <a:spcPts val="500"/>
-              </a:spcBef>
-              <a:buClr>
-                <a:schemeClr val="bg1">
-                  <a:lumMod val="65000"/>
-                </a:schemeClr>
-              </a:buClr>
-              <a:buFont typeface="Arial"/>
-              <a:buChar char="•"/>
-              <a:defRPr/>
-            </a:pPr>
-            <a:r>
-              <a:rPr lang="it-IT" sz="2000" dirty="0">
-                <a:solidFill>
-                  <a:srgbClr val="A6A6A6"/>
-                </a:solidFill>
-                <a:latin typeface="Arial" charset="0"/>
-              </a:rPr>
-              <a:t>fixing of the </a:t>
-            </a:r>
-            <a:r>
-              <a:rPr lang="it-IT" sz="2000" dirty="0" err="1">
-                <a:solidFill>
-                  <a:srgbClr val="A6A6A6"/>
-                </a:solidFill>
-                <a:latin typeface="Arial" charset="0"/>
-              </a:rPr>
-              <a:t>problems</a:t>
-            </a:r>
-            <a:r>
-              <a:rPr lang="it-IT" sz="2000" dirty="0">
-                <a:solidFill>
-                  <a:srgbClr val="A6A6A6"/>
-                </a:solidFill>
-                <a:latin typeface="Arial" charset="0"/>
-              </a:rPr>
-              <a:t> of the </a:t>
-            </a:r>
-            <a:r>
-              <a:rPr lang="it-IT" sz="2000" dirty="0" err="1">
-                <a:solidFill>
-                  <a:srgbClr val="A6A6A6"/>
-                </a:solidFill>
-                <a:latin typeface="Arial" charset="0"/>
-              </a:rPr>
-              <a:t>NoSQL</a:t>
-            </a:r>
-            <a:r>
-              <a:rPr lang="it-IT" sz="2000" dirty="0">
-                <a:solidFill>
-                  <a:srgbClr val="A6A6A6"/>
-                </a:solidFill>
-                <a:latin typeface="Arial" charset="0"/>
-              </a:rPr>
-              <a:t> service of CPIM</a:t>
-            </a:r>
           </a:p>
         </p:txBody>
       </p:sp>
@@ -24334,8 +22794,8 @@
         </p:nvSpPr>
         <p:spPr bwMode="auto">
           <a:xfrm>
-            <a:off x="827088" y="2852738"/>
-            <a:ext cx="7489825" cy="1512887"/>
+            <a:off x="827584" y="2492896"/>
+            <a:ext cx="7489825" cy="792088"/>
           </a:xfrm>
           <a:prstGeom prst="roundRect">
             <a:avLst/>
@@ -24356,17 +22816,16 @@
           <a:extLst/>
         </p:spPr>
         <p:txBody>
-          <a:bodyPr/>
+          <a:bodyPr anchor="ctr"/>
           <a:lstStyle/>
           <a:p>
-            <a:pPr>
+            <a:pPr algn="ctr">
               <a:lnSpc>
                 <a:spcPct val="120000"/>
               </a:lnSpc>
               <a:spcBef>
                 <a:spcPts val="500"/>
               </a:spcBef>
-              <a:defRPr/>
             </a:pPr>
             <a:r>
               <a:rPr lang="it-IT" sz="2000" dirty="0" err="1">
@@ -24419,111 +22878,6 @@
               </a:solidFill>
               <a:latin typeface="Arial" charset="0"/>
             </a:endParaRPr>
-          </a:p>
-          <a:p>
-            <a:pPr marL="744537" lvl="1" indent="-342900">
-              <a:lnSpc>
-                <a:spcPct val="120000"/>
-              </a:lnSpc>
-              <a:spcBef>
-                <a:spcPts val="500"/>
-              </a:spcBef>
-              <a:buClr>
-                <a:schemeClr val="bg1">
-                  <a:lumMod val="65000"/>
-                </a:schemeClr>
-              </a:buClr>
-              <a:buFont typeface="Arial"/>
-              <a:buChar char="•"/>
-              <a:defRPr/>
-            </a:pPr>
-            <a:r>
-              <a:rPr lang="it-IT" sz="2000" dirty="0" err="1">
-                <a:solidFill>
-                  <a:srgbClr val="A6A6A6"/>
-                </a:solidFill>
-                <a:latin typeface="Arial" charset="0"/>
-              </a:rPr>
-              <a:t>developing</a:t>
-            </a:r>
-            <a:r>
-              <a:rPr lang="it-IT" sz="2000" dirty="0">
-                <a:solidFill>
-                  <a:srgbClr val="A6A6A6"/>
-                </a:solidFill>
-                <a:latin typeface="Arial" charset="0"/>
-              </a:rPr>
-              <a:t> a </a:t>
-            </a:r>
-            <a:r>
-              <a:rPr lang="en-US" sz="2000" dirty="0">
-                <a:solidFill>
-                  <a:srgbClr val="A6A6A6"/>
-                </a:solidFill>
-                <a:latin typeface="Arial" charset="0"/>
-              </a:rPr>
-              <a:t>client for GAE </a:t>
-            </a:r>
-            <a:r>
-              <a:rPr lang="en-US" sz="2000" dirty="0" err="1">
-                <a:solidFill>
-                  <a:srgbClr val="A6A6A6"/>
-                </a:solidFill>
-                <a:latin typeface="Arial" charset="0"/>
-              </a:rPr>
-              <a:t>Datastore</a:t>
-            </a:r>
-            <a:endParaRPr lang="en-US" sz="2000" dirty="0">
-              <a:solidFill>
-                <a:srgbClr val="A6A6A6"/>
-              </a:solidFill>
-              <a:latin typeface="Arial" charset="0"/>
-            </a:endParaRPr>
-          </a:p>
-          <a:p>
-            <a:pPr marL="744537" lvl="1" indent="-342900">
-              <a:lnSpc>
-                <a:spcPct val="120000"/>
-              </a:lnSpc>
-              <a:spcBef>
-                <a:spcPts val="500"/>
-              </a:spcBef>
-              <a:buClr>
-                <a:schemeClr val="bg1">
-                  <a:lumMod val="65000"/>
-                </a:schemeClr>
-              </a:buClr>
-              <a:buFont typeface="Arial"/>
-              <a:buChar char="•"/>
-              <a:defRPr/>
-            </a:pPr>
-            <a:r>
-              <a:rPr lang="it-IT" sz="2000" dirty="0" err="1">
-                <a:solidFill>
-                  <a:srgbClr val="A6A6A6"/>
-                </a:solidFill>
-                <a:latin typeface="Arial" charset="0"/>
-              </a:rPr>
-              <a:t>developing</a:t>
-            </a:r>
-            <a:r>
-              <a:rPr lang="it-IT" sz="2000" dirty="0">
-                <a:solidFill>
-                  <a:srgbClr val="A6A6A6"/>
-                </a:solidFill>
-                <a:latin typeface="Arial" charset="0"/>
-              </a:rPr>
-              <a:t> a </a:t>
-            </a:r>
-            <a:r>
-              <a:rPr lang="en-US" sz="2000" dirty="0">
-                <a:solidFill>
-                  <a:srgbClr val="A6A6A6"/>
-                </a:solidFill>
-                <a:latin typeface="Arial" charset="0"/>
-              </a:rPr>
-              <a:t>client for Azure Tables</a:t>
-            </a:r>
           </a:p>
         </p:txBody>
       </p:sp>
@@ -24537,8 +22891,8 @@
         </p:nvSpPr>
         <p:spPr bwMode="auto">
           <a:xfrm>
-            <a:off x="827088" y="4581525"/>
-            <a:ext cx="7489825" cy="1584325"/>
+            <a:off x="827584" y="3789040"/>
+            <a:ext cx="7488832" cy="792088"/>
           </a:xfrm>
           <a:prstGeom prst="roundRect">
             <a:avLst>
@@ -24570,15 +22924,78 @@
               </a:spcBef>
             </a:pPr>
             <a:r>
-              <a:rPr lang="it-IT" sz="2000">
+              <a:rPr lang="it-IT" sz="2000" dirty="0">
                 <a:solidFill>
                   <a:srgbClr val="003F6E"/>
                 </a:solidFill>
                 <a:latin typeface="Arial" charset="0"/>
               </a:rPr>
-              <a:t>Support data migration among NoSQL databases through the migration and synchronization system Hegira</a:t>
-            </a:r>
-            <a:endParaRPr lang="en-US" sz="2000">
+              <a:t>Integrate the </a:t>
+            </a:r>
+            <a:r>
+              <a:rPr lang="it-IT" sz="2000" dirty="0" err="1">
+                <a:solidFill>
+                  <a:srgbClr val="003F6E"/>
+                </a:solidFill>
+                <a:latin typeface="Arial" charset="0"/>
+              </a:rPr>
+              <a:t>migration</a:t>
+            </a:r>
+            <a:r>
+              <a:rPr lang="it-IT" sz="2000" dirty="0">
+                <a:solidFill>
+                  <a:srgbClr val="003F6E"/>
+                </a:solidFill>
+                <a:latin typeface="Arial" charset="0"/>
+              </a:rPr>
+              <a:t> and </a:t>
+            </a:r>
+            <a:r>
+              <a:rPr lang="it-IT" sz="2000" dirty="0" err="1">
+                <a:solidFill>
+                  <a:srgbClr val="003F6E"/>
+                </a:solidFill>
+                <a:latin typeface="Arial" charset="0"/>
+              </a:rPr>
+              <a:t>synchronization</a:t>
+            </a:r>
+            <a:r>
+              <a:rPr lang="it-IT" sz="2000" dirty="0">
+                <a:solidFill>
+                  <a:srgbClr val="003F6E"/>
+                </a:solidFill>
+                <a:latin typeface="Arial" charset="0"/>
+              </a:rPr>
+              <a:t> </a:t>
+            </a:r>
+            <a:r>
+              <a:rPr lang="it-IT" sz="2000" dirty="0" err="1">
+                <a:solidFill>
+                  <a:srgbClr val="003F6E"/>
+                </a:solidFill>
+                <a:latin typeface="Arial" charset="0"/>
+              </a:rPr>
+              <a:t>system</a:t>
+            </a:r>
+            <a:r>
+              <a:rPr lang="it-IT" sz="2000" dirty="0">
+                <a:solidFill>
+                  <a:srgbClr val="003F6E"/>
+                </a:solidFill>
+                <a:latin typeface="Arial" charset="0"/>
+              </a:rPr>
+              <a:t> </a:t>
+            </a:r>
+            <a:r>
+              <a:rPr lang="it-IT" sz="2000" dirty="0" err="1">
+                <a:solidFill>
+                  <a:srgbClr val="003F6E"/>
+                </a:solidFill>
+                <a:latin typeface="Arial" charset="0"/>
+              </a:rPr>
+              <a:t>Hegira</a:t>
+            </a:r>
+            <a:endParaRPr lang="en-US" sz="2000" dirty="0">
               <a:solidFill>
                 <a:srgbClr val="003F6E"/>
               </a:solidFill>
@@ -24587,7 +23004,74 @@
           </a:p>
         </p:txBody>
       </p:sp>
+      <p:sp>
+        <p:nvSpPr>
+          <p:cNvPr id="9" name="Rettangolo arrotondato 8"/>
+          <p:cNvSpPr>
+            <a:spLocks noChangeArrowheads="1"/>
+          </p:cNvSpPr>
+          <p:nvPr/>
+        </p:nvSpPr>
+        <p:spPr bwMode="auto">
+          <a:xfrm>
+            <a:off x="827584" y="5085184"/>
+            <a:ext cx="7488832" cy="792088"/>
+          </a:xfrm>
+          <a:prstGeom prst="roundRect">
+            <a:avLst>
+              <a:gd name="adj" fmla="val 16667"/>
+            </a:avLst>
+          </a:prstGeom>
+          <a:solidFill>
+            <a:srgbClr val="FFFFFF"/>
+          </a:solidFill>
+          <a:ln w="9525" cap="flat" cmpd="sng" algn="ctr">
+            <a:solidFill>
+              <a:srgbClr val="A6A6A6"/>
+            </a:solidFill>
+            <a:prstDash val="solid"/>
+            <a:round/>
+            <a:headEnd type="none" w="med" len="med"/>
+            <a:tailEnd type="none" w="med" len="med"/>
+          </a:ln>
+          <a:effectLst/>
+        </p:spPr>
+        <p:txBody>
+          <a:bodyPr anchor="ctr"/>
+          <a:lstStyle/>
+          <a:p>
+            <a:pPr algn="ctr">
+              <a:lnSpc>
+                <a:spcPct val="120000"/>
+              </a:lnSpc>
+              <a:spcBef>
+                <a:spcPts val="500"/>
+              </a:spcBef>
+            </a:pPr>
+            <a:r>
+              <a:rPr lang="it-IT" sz="2000" dirty="0">
+                <a:solidFill>
+                  <a:srgbClr val="A6A6A6"/>
+                </a:solidFill>
+                <a:latin typeface="Arial" charset="0"/>
+              </a:rPr>
+              <a:t>Evaluation</a:t>
+            </a:r>
+            <a:endParaRPr lang="en-US" sz="2000" dirty="0">
+              <a:solidFill>
+                <a:srgbClr val="A6A6A6"/>
+              </a:solidFill>
+              <a:latin typeface="Arial" charset="0"/>
+            </a:endParaRPr>
+          </a:p>
+        </p:txBody>
+      </p:sp>
     </p:spTree>
+    <p:extLst>
+      <p:ext uri="{BB962C8B-B14F-4D97-AF65-F5344CB8AC3E}">
+        <p14:creationId xmlns:p14="http://schemas.microsoft.com/office/powerpoint/2010/main" val="4188321057"/>
+      </p:ext>
+    </p:extLst>
   </p:cSld>
   <p:clrMapOvr>
     <a:masterClrMapping/>
@@ -25142,7 +23626,7 @@
         <p:spPr bwMode="auto">
           <a:xfrm>
             <a:off x="576263" y="836613"/>
-            <a:ext cx="8224837" cy="2160587"/>
+            <a:ext cx="8224837" cy="2448371"/>
           </a:xfrm>
           <a:prstGeom prst="rect">
             <a:avLst/>
@@ -25543,7 +24027,7 @@
           <a:p>
             <a:pPr>
               <a:lnSpc>
-                <a:spcPct val="140000"/>
+                <a:spcPct val="150000"/>
               </a:lnSpc>
               <a:buFont typeface="Arial"/>
               <a:buChar char="•"/>
@@ -25580,7 +24064,7 @@
           <a:p>
             <a:pPr marL="342900" indent="-342900">
               <a:lnSpc>
-                <a:spcPct val="140000"/>
+                <a:spcPct val="150000"/>
               </a:lnSpc>
               <a:buFont typeface="Arial"/>
               <a:buChar char="•"/>
@@ -25617,7 +24101,7 @@
           <a:p>
             <a:pPr marL="342900" indent="-342900">
               <a:lnSpc>
-                <a:spcPct val="140000"/>
+                <a:spcPct val="150000"/>
               </a:lnSpc>
               <a:buFont typeface="Arial"/>
               <a:buChar char="•"/>
@@ -25645,7 +24129,7 @@
           <a:p>
             <a:pPr>
               <a:lnSpc>
-                <a:spcPct val="140000"/>
+                <a:spcPct val="150000"/>
               </a:lnSpc>
               <a:buFont typeface="Arial"/>
               <a:buChar char="•"/>
@@ -25688,7 +24172,7 @@
           <a:p>
             <a:pPr>
               <a:lnSpc>
-                <a:spcPct val="140000"/>
+                <a:spcPct val="150000"/>
               </a:lnSpc>
               <a:buFont typeface="Arial"/>
               <a:buChar char="•"/>
@@ -25729,8 +24213,8 @@
         </p:blipFill>
         <p:spPr bwMode="auto">
           <a:xfrm>
-            <a:off x="649288" y="3213100"/>
-            <a:ext cx="7451725" cy="3209925"/>
+            <a:off x="827584" y="3284984"/>
+            <a:ext cx="7235080" cy="3116602"/>
           </a:xfrm>
           <a:prstGeom prst="rect">
             <a:avLst/>
@@ -26270,441 +24754,7 @@
               </a:rPr>
               <a:t>support</a:t>
             </a:r>
-            <a:r>
-              <a:rPr lang="it-IT" b="1" dirty="0" smtClean="0">
-                <a:solidFill>
-                  <a:srgbClr val="003F6E"/>
-                </a:solidFill>
-                <a:latin typeface="Arial" charset="0"/>
-              </a:rPr>
-              <a:t> (1)</a:t>
-            </a:r>
-          </a:p>
-        </p:txBody>
-      </p:sp>
-      <p:sp>
-        <p:nvSpPr>
-          <p:cNvPr id="6146" name="Text Box 2"/>
-          <p:cNvSpPr txBox="1">
-            <a:spLocks noChangeArrowheads="1"/>
-          </p:cNvSpPr>
-          <p:nvPr/>
-        </p:nvSpPr>
-        <p:spPr bwMode="auto">
-          <a:xfrm>
-            <a:off x="539750" y="836613"/>
-            <a:ext cx="8135938" cy="374650"/>
-          </a:xfrm>
-          <a:prstGeom prst="rect">
-            <a:avLst/>
-          </a:prstGeom>
-          <a:noFill/>
-          <a:ln>
-            <a:noFill/>
-          </a:ln>
-          <a:effectLst/>
-          <a:extLst>
-            <a:ext uri="{909E8E84-426E-40dd-AFC4-6F175D3DCCD1}">
-              <a14:hiddenFill xmlns:a14="http://schemas.microsoft.com/office/drawing/2010/main">
-                <a:solidFill>
-                  <a:srgbClr val="FFFFFF"/>
-                </a:solidFill>
-              </a14:hiddenFill>
-            </a:ext>
-            <a:ext uri="{91240B29-F687-4f45-9708-019B960494DF}">
-              <a14:hiddenLine xmlns:a14="http://schemas.microsoft.com/office/drawing/2010/main" w="9525" cap="flat">
-                <a:solidFill>
-                  <a:srgbClr val="808080"/>
-                </a:solidFill>
-                <a:round/>
-                <a:headEnd/>
-                <a:tailEnd/>
-              </a14:hiddenLine>
-            </a:ext>
-            <a:ext uri="{AF507438-7753-43e0-B8FC-AC1667EBCBE1}">
-              <a14:hiddenEffects xmlns:a14="http://schemas.microsoft.com/office/drawing/2010/main">
-                <a:effectLst>
-                  <a:outerShdw blurRad="63500" dist="38099" dir="2700000" algn="ctr" rotWithShape="0">
-                    <a:srgbClr val="000000">
-                      <a:alpha val="74998"/>
-                    </a:srgbClr>
-                  </a:outerShdw>
-                </a:effectLst>
-              </a14:hiddenEffects>
-            </a:ext>
-          </a:extLst>
-        </p:spPr>
-        <p:txBody>
-          <a:bodyPr lIns="0" tIns="0" rIns="0" bIns="0"/>
-          <a:lstStyle>
-            <a:lvl1pPr marL="341313" indent="-341313">
-              <a:tabLst>
-                <a:tab pos="341313" algn="l"/>
-                <a:tab pos="454025" algn="l"/>
-                <a:tab pos="911225" algn="l"/>
-                <a:tab pos="1368425" algn="l"/>
-                <a:tab pos="1825625" algn="l"/>
-                <a:tab pos="2282825" algn="l"/>
-                <a:tab pos="2740025" algn="l"/>
-                <a:tab pos="3197225" algn="l"/>
-                <a:tab pos="3654425" algn="l"/>
-                <a:tab pos="4111625" algn="l"/>
-                <a:tab pos="4568825" algn="l"/>
-                <a:tab pos="5026025" algn="l"/>
-                <a:tab pos="5483225" algn="l"/>
-                <a:tab pos="5940425" algn="l"/>
-                <a:tab pos="6397625" algn="l"/>
-                <a:tab pos="6854825" algn="l"/>
-                <a:tab pos="7312025" algn="l"/>
-                <a:tab pos="7769225" algn="l"/>
-                <a:tab pos="8226425" algn="l"/>
-                <a:tab pos="8683625" algn="l"/>
-                <a:tab pos="9140825" algn="l"/>
-              </a:tabLst>
-              <a:defRPr sz="2400">
-                <a:solidFill>
-                  <a:srgbClr val="FFFFFF"/>
-                </a:solidFill>
-                <a:latin typeface="Times New Roman" charset="0"/>
-                <a:ea typeface="ＭＳ Ｐゴシック" charset="0"/>
-                <a:cs typeface="Microsoft YaHei" charset="0"/>
-              </a:defRPr>
-            </a:lvl1pPr>
-            <a:lvl2pPr>
-              <a:tabLst>
-                <a:tab pos="341313" algn="l"/>
-                <a:tab pos="454025" algn="l"/>
-                <a:tab pos="911225" algn="l"/>
-                <a:tab pos="1368425" algn="l"/>
-                <a:tab pos="1825625" algn="l"/>
-                <a:tab pos="2282825" algn="l"/>
-                <a:tab pos="2740025" algn="l"/>
-                <a:tab pos="3197225" algn="l"/>
-                <a:tab pos="3654425" algn="l"/>
-                <a:tab pos="4111625" algn="l"/>
-                <a:tab pos="4568825" algn="l"/>
-                <a:tab pos="5026025" algn="l"/>
-                <a:tab pos="5483225" algn="l"/>
-                <a:tab pos="5940425" algn="l"/>
-                <a:tab pos="6397625" algn="l"/>
-                <a:tab pos="6854825" algn="l"/>
-                <a:tab pos="7312025" algn="l"/>
-                <a:tab pos="7769225" algn="l"/>
-                <a:tab pos="8226425" algn="l"/>
-                <a:tab pos="8683625" algn="l"/>
-                <a:tab pos="9140825" algn="l"/>
-              </a:tabLst>
-              <a:defRPr sz="2400">
-                <a:solidFill>
-                  <a:srgbClr val="FFFFFF"/>
-                </a:solidFill>
-                <a:latin typeface="Times New Roman" charset="0"/>
-                <a:ea typeface="ＭＳ Ｐゴシック" charset="0"/>
-                <a:cs typeface="Microsoft YaHei" charset="0"/>
-              </a:defRPr>
-            </a:lvl2pPr>
-            <a:lvl3pPr>
-              <a:tabLst>
-                <a:tab pos="341313" algn="l"/>
-                <a:tab pos="454025" algn="l"/>
-                <a:tab pos="911225" algn="l"/>
-                <a:tab pos="1368425" algn="l"/>
-                <a:tab pos="1825625" algn="l"/>
-                <a:tab pos="2282825" algn="l"/>
-                <a:tab pos="2740025" algn="l"/>
-                <a:tab pos="3197225" algn="l"/>
-                <a:tab pos="3654425" algn="l"/>
-                <a:tab pos="4111625" algn="l"/>
-                <a:tab pos="4568825" algn="l"/>
-                <a:tab pos="5026025" algn="l"/>
-                <a:tab pos="5483225" algn="l"/>
-                <a:tab pos="5940425" algn="l"/>
-                <a:tab pos="6397625" algn="l"/>
-                <a:tab pos="6854825" algn="l"/>
-                <a:tab pos="7312025" algn="l"/>
-                <a:tab pos="7769225" algn="l"/>
-                <a:tab pos="8226425" algn="l"/>
-                <a:tab pos="8683625" algn="l"/>
-                <a:tab pos="9140825" algn="l"/>
-              </a:tabLst>
-              <a:defRPr sz="2400">
-                <a:solidFill>
-                  <a:srgbClr val="FFFFFF"/>
-                </a:solidFill>
-                <a:latin typeface="Times New Roman" charset="0"/>
-                <a:ea typeface="ＭＳ Ｐゴシック" charset="0"/>
-                <a:cs typeface="Microsoft YaHei" charset="0"/>
-              </a:defRPr>
-            </a:lvl3pPr>
-            <a:lvl4pPr>
-              <a:tabLst>
-                <a:tab pos="341313" algn="l"/>
-                <a:tab pos="454025" algn="l"/>
-                <a:tab pos="911225" algn="l"/>
-                <a:tab pos="1368425" algn="l"/>
-                <a:tab pos="1825625" algn="l"/>
-                <a:tab pos="2282825" algn="l"/>
-                <a:tab pos="2740025" algn="l"/>
-                <a:tab pos="3197225" algn="l"/>
-                <a:tab pos="3654425" algn="l"/>
-                <a:tab pos="4111625" algn="l"/>
-                <a:tab pos="4568825" algn="l"/>
-                <a:tab pos="5026025" algn="l"/>
-                <a:tab pos="5483225" algn="l"/>
-                <a:tab pos="5940425" algn="l"/>
-                <a:tab pos="6397625" algn="l"/>
-                <a:tab pos="6854825" algn="l"/>
-                <a:tab pos="7312025" algn="l"/>
-                <a:tab pos="7769225" algn="l"/>
-                <a:tab pos="8226425" algn="l"/>
-                <a:tab pos="8683625" algn="l"/>
-                <a:tab pos="9140825" algn="l"/>
-              </a:tabLst>
-              <a:defRPr sz="2400">
-                <a:solidFill>
-                  <a:srgbClr val="FFFFFF"/>
-                </a:solidFill>
-                <a:latin typeface="Times New Roman" charset="0"/>
-                <a:ea typeface="ＭＳ Ｐゴシック" charset="0"/>
-                <a:cs typeface="Microsoft YaHei" charset="0"/>
-              </a:defRPr>
-            </a:lvl4pPr>
-            <a:lvl5pPr>
-              <a:tabLst>
-                <a:tab pos="341313" algn="l"/>
-                <a:tab pos="454025" algn="l"/>
-                <a:tab pos="911225" algn="l"/>
-                <a:tab pos="1368425" algn="l"/>
-                <a:tab pos="1825625" algn="l"/>
-                <a:tab pos="2282825" algn="l"/>
-                <a:tab pos="2740025" algn="l"/>
-                <a:tab pos="3197225" algn="l"/>
-                <a:tab pos="3654425" algn="l"/>
-                <a:tab pos="4111625" algn="l"/>
-                <a:tab pos="4568825" algn="l"/>
-                <a:tab pos="5026025" algn="l"/>
-                <a:tab pos="5483225" algn="l"/>
-                <a:tab pos="5940425" algn="l"/>
-                <a:tab pos="6397625" algn="l"/>
-                <a:tab pos="6854825" algn="l"/>
-                <a:tab pos="7312025" algn="l"/>
-                <a:tab pos="7769225" algn="l"/>
-                <a:tab pos="8226425" algn="l"/>
-                <a:tab pos="8683625" algn="l"/>
-                <a:tab pos="9140825" algn="l"/>
-              </a:tabLst>
-              <a:defRPr sz="2400">
-                <a:solidFill>
-                  <a:srgbClr val="FFFFFF"/>
-                </a:solidFill>
-                <a:latin typeface="Times New Roman" charset="0"/>
-                <a:ea typeface="ＭＳ Ｐゴシック" charset="0"/>
-                <a:cs typeface="Microsoft YaHei" charset="0"/>
-              </a:defRPr>
-            </a:lvl5pPr>
-            <a:lvl6pPr marL="2514600" indent="-228600" defTabSz="449263" eaLnBrk="0" fontAlgn="base" hangingPunct="0">
-              <a:lnSpc>
-                <a:spcPct val="93000"/>
-              </a:lnSpc>
-              <a:spcBef>
-                <a:spcPct val="0"/>
-              </a:spcBef>
-              <a:spcAft>
-                <a:spcPct val="0"/>
-              </a:spcAft>
-              <a:buClr>
-                <a:srgbClr val="000000"/>
-              </a:buClr>
-              <a:buSzPct val="100000"/>
-              <a:buFont typeface="Times New Roman" charset="0"/>
-              <a:tabLst>
-                <a:tab pos="341313" algn="l"/>
-                <a:tab pos="454025" algn="l"/>
-                <a:tab pos="911225" algn="l"/>
-                <a:tab pos="1368425" algn="l"/>
-                <a:tab pos="1825625" algn="l"/>
-                <a:tab pos="2282825" algn="l"/>
-                <a:tab pos="2740025" algn="l"/>
-                <a:tab pos="3197225" algn="l"/>
-                <a:tab pos="3654425" algn="l"/>
-                <a:tab pos="4111625" algn="l"/>
-                <a:tab pos="4568825" algn="l"/>
-                <a:tab pos="5026025" algn="l"/>
-                <a:tab pos="5483225" algn="l"/>
-                <a:tab pos="5940425" algn="l"/>
-                <a:tab pos="6397625" algn="l"/>
-                <a:tab pos="6854825" algn="l"/>
-                <a:tab pos="7312025" algn="l"/>
-                <a:tab pos="7769225" algn="l"/>
-                <a:tab pos="8226425" algn="l"/>
-                <a:tab pos="8683625" algn="l"/>
-                <a:tab pos="9140825" algn="l"/>
-              </a:tabLst>
-              <a:defRPr sz="2400">
-                <a:solidFill>
-                  <a:srgbClr val="FFFFFF"/>
-                </a:solidFill>
-                <a:latin typeface="Times New Roman" charset="0"/>
-                <a:ea typeface="ＭＳ Ｐゴシック" charset="0"/>
-                <a:cs typeface="Microsoft YaHei" charset="0"/>
-              </a:defRPr>
-            </a:lvl6pPr>
-            <a:lvl7pPr marL="2971800" indent="-228600" defTabSz="449263" eaLnBrk="0" fontAlgn="base" hangingPunct="0">
-              <a:lnSpc>
-                <a:spcPct val="93000"/>
-              </a:lnSpc>
-              <a:spcBef>
-                <a:spcPct val="0"/>
-              </a:spcBef>
-              <a:spcAft>
-                <a:spcPct val="0"/>
-              </a:spcAft>
-              <a:buClr>
-                <a:srgbClr val="000000"/>
-              </a:buClr>
-              <a:buSzPct val="100000"/>
-              <a:buFont typeface="Times New Roman" charset="0"/>
-              <a:tabLst>
-                <a:tab pos="341313" algn="l"/>
-                <a:tab pos="454025" algn="l"/>
-                <a:tab pos="911225" algn="l"/>
-                <a:tab pos="1368425" algn="l"/>
-                <a:tab pos="1825625" algn="l"/>
-                <a:tab pos="2282825" algn="l"/>
-                <a:tab pos="2740025" algn="l"/>
-                <a:tab pos="3197225" algn="l"/>
-                <a:tab pos="3654425" algn="l"/>
-                <a:tab pos="4111625" algn="l"/>
-                <a:tab pos="4568825" algn="l"/>
-                <a:tab pos="5026025" algn="l"/>
-                <a:tab pos="5483225" algn="l"/>
-                <a:tab pos="5940425" algn="l"/>
-                <a:tab pos="6397625" algn="l"/>
-                <a:tab pos="6854825" algn="l"/>
-                <a:tab pos="7312025" algn="l"/>
-                <a:tab pos="7769225" algn="l"/>
-                <a:tab pos="8226425" algn="l"/>
-                <a:tab pos="8683625" algn="l"/>
-                <a:tab pos="9140825" algn="l"/>
-              </a:tabLst>
-              <a:defRPr sz="2400">
-                <a:solidFill>
-                  <a:srgbClr val="FFFFFF"/>
-                </a:solidFill>
-                <a:latin typeface="Times New Roman" charset="0"/>
-                <a:ea typeface="ＭＳ Ｐゴシック" charset="0"/>
-                <a:cs typeface="Microsoft YaHei" charset="0"/>
-              </a:defRPr>
-            </a:lvl7pPr>
-            <a:lvl8pPr marL="3429000" indent="-228600" defTabSz="449263" eaLnBrk="0" fontAlgn="base" hangingPunct="0">
-              <a:lnSpc>
-                <a:spcPct val="93000"/>
-              </a:lnSpc>
-              <a:spcBef>
-                <a:spcPct val="0"/>
-              </a:spcBef>
-              <a:spcAft>
-                <a:spcPct val="0"/>
-              </a:spcAft>
-              <a:buClr>
-                <a:srgbClr val="000000"/>
-              </a:buClr>
-              <a:buSzPct val="100000"/>
-              <a:buFont typeface="Times New Roman" charset="0"/>
-              <a:tabLst>
-                <a:tab pos="341313" algn="l"/>
-                <a:tab pos="454025" algn="l"/>
-                <a:tab pos="911225" algn="l"/>
-                <a:tab pos="1368425" algn="l"/>
-                <a:tab pos="1825625" algn="l"/>
-                <a:tab pos="2282825" algn="l"/>
-                <a:tab pos="2740025" algn="l"/>
-                <a:tab pos="3197225" algn="l"/>
-                <a:tab pos="3654425" algn="l"/>
-                <a:tab pos="4111625" algn="l"/>
-                <a:tab pos="4568825" algn="l"/>
-                <a:tab pos="5026025" algn="l"/>
-                <a:tab pos="5483225" algn="l"/>
-                <a:tab pos="5940425" algn="l"/>
-                <a:tab pos="6397625" algn="l"/>
-                <a:tab pos="6854825" algn="l"/>
-                <a:tab pos="7312025" algn="l"/>
-                <a:tab pos="7769225" algn="l"/>
-                <a:tab pos="8226425" algn="l"/>
-                <a:tab pos="8683625" algn="l"/>
-                <a:tab pos="9140825" algn="l"/>
-              </a:tabLst>
-              <a:defRPr sz="2400">
-                <a:solidFill>
-                  <a:srgbClr val="FFFFFF"/>
-                </a:solidFill>
-                <a:latin typeface="Times New Roman" charset="0"/>
-                <a:ea typeface="ＭＳ Ｐゴシック" charset="0"/>
-                <a:cs typeface="Microsoft YaHei" charset="0"/>
-              </a:defRPr>
-            </a:lvl8pPr>
-            <a:lvl9pPr marL="3886200" indent="-228600" defTabSz="449263" eaLnBrk="0" fontAlgn="base" hangingPunct="0">
-              <a:lnSpc>
-                <a:spcPct val="93000"/>
-              </a:lnSpc>
-              <a:spcBef>
-                <a:spcPct val="0"/>
-              </a:spcBef>
-              <a:spcAft>
-                <a:spcPct val="0"/>
-              </a:spcAft>
-              <a:buClr>
-                <a:srgbClr val="000000"/>
-              </a:buClr>
-              <a:buSzPct val="100000"/>
-              <a:buFont typeface="Times New Roman" charset="0"/>
-              <a:tabLst>
-                <a:tab pos="341313" algn="l"/>
-                <a:tab pos="454025" algn="l"/>
-                <a:tab pos="911225" algn="l"/>
-                <a:tab pos="1368425" algn="l"/>
-                <a:tab pos="1825625" algn="l"/>
-                <a:tab pos="2282825" algn="l"/>
-                <a:tab pos="2740025" algn="l"/>
-                <a:tab pos="3197225" algn="l"/>
-                <a:tab pos="3654425" algn="l"/>
-                <a:tab pos="4111625" algn="l"/>
-                <a:tab pos="4568825" algn="l"/>
-                <a:tab pos="5026025" algn="l"/>
-                <a:tab pos="5483225" algn="l"/>
-                <a:tab pos="5940425" algn="l"/>
-                <a:tab pos="6397625" algn="l"/>
-                <a:tab pos="6854825" algn="l"/>
-                <a:tab pos="7312025" algn="l"/>
-                <a:tab pos="7769225" algn="l"/>
-                <a:tab pos="8226425" algn="l"/>
-                <a:tab pos="8683625" algn="l"/>
-                <a:tab pos="9140825" algn="l"/>
-              </a:tabLst>
-              <a:defRPr sz="2400">
-                <a:solidFill>
-                  <a:srgbClr val="FFFFFF"/>
-                </a:solidFill>
-                <a:latin typeface="Times New Roman" charset="0"/>
-                <a:ea typeface="ＭＳ Ｐゴシック" charset="0"/>
-                <a:cs typeface="Microsoft YaHei" charset="0"/>
-              </a:defRPr>
-            </a:lvl9pPr>
-          </a:lstStyle>
-          <a:p>
-            <a:pPr marL="342900" algn="ctr">
-              <a:lnSpc>
-                <a:spcPct val="120000"/>
-              </a:lnSpc>
-              <a:spcBef>
-                <a:spcPts val="500"/>
-              </a:spcBef>
-              <a:buClrTx/>
-              <a:buFontTx/>
-              <a:buNone/>
-              <a:defRPr/>
-            </a:pPr>
-            <a:endParaRPr lang="en-US" sz="1600" b="1" dirty="0" smtClean="0">
+            <a:endParaRPr lang="it-IT" b="1" dirty="0" smtClean="0">
               <a:solidFill>
                 <a:srgbClr val="003F6E"/>
               </a:solidFill>
@@ -27429,7 +25479,7 @@
 </file>
 
 <file path=ppt/slides/slide17.xml><?xml version="1.0" encoding="utf-8"?>
-<p:sld xmlns:a="http://schemas.openxmlformats.org/drawingml/2006/main" xmlns:r="http://schemas.openxmlformats.org/officeDocument/2006/relationships" xmlns:p="http://schemas.openxmlformats.org/presentationml/2006/main" show="0">
+<p:sld xmlns:a="http://schemas.openxmlformats.org/drawingml/2006/main" xmlns:r="http://schemas.openxmlformats.org/officeDocument/2006/relationships" xmlns:p="http://schemas.openxmlformats.org/presentationml/2006/main">
   <p:cSld>
     <p:spTree>
       <p:nvGrpSpPr>
@@ -27858,60 +25908,36 @@
             <a:pPr>
               <a:defRPr/>
             </a:pPr>
-            <a:r>
-              <a:rPr lang="it-IT" b="1" dirty="0">
+            <a:endParaRPr lang="it-IT" b="1" dirty="0" smtClean="0">
+              <a:solidFill>
+                <a:srgbClr val="003F6E"/>
+              </a:solidFill>
+              <a:latin typeface="Arial" charset="0"/>
+            </a:endParaRPr>
+          </a:p>
+          <a:p>
+            <a:pPr>
+              <a:defRPr/>
+            </a:pPr>
+            <a:r>
+              <a:rPr lang="it-IT" b="1" dirty="0" smtClean="0">
                 <a:solidFill>
                   <a:srgbClr val="003F6E"/>
                 </a:solidFill>
                 <a:latin typeface="Arial" charset="0"/>
               </a:rPr>
-              <a:t/>
-            </a:r>
-            <a:br>
-              <a:rPr lang="it-IT" b="1" dirty="0">
+              <a:t>Work </a:t>
+            </a:r>
+            <a:r>
+              <a:rPr lang="it-IT" b="1" dirty="0" err="1" smtClean="0">
                 <a:solidFill>
                   <a:srgbClr val="003F6E"/>
                 </a:solidFill>
                 <a:latin typeface="Arial" charset="0"/>
               </a:rPr>
-            </a:br>
-            <a:r>
-              <a:rPr lang="it-IT" b="1" dirty="0" err="1" smtClean="0">
-                <a:solidFill>
-                  <a:srgbClr val="003F6E"/>
-                </a:solidFill>
-                <a:latin typeface="Arial" charset="0"/>
-              </a:rPr>
-              <a:t>Hegira</a:t>
-            </a:r>
-            <a:r>
-              <a:rPr lang="it-IT" b="1" dirty="0" smtClean="0">
-                <a:solidFill>
-                  <a:srgbClr val="003F6E"/>
-                </a:solidFill>
-                <a:latin typeface="Arial" charset="0"/>
-              </a:rPr>
-              <a:t> </a:t>
-            </a:r>
-            <a:r>
-              <a:rPr lang="it-IT" b="1" dirty="0" err="1" smtClean="0">
-                <a:solidFill>
-                  <a:srgbClr val="003F6E"/>
-                </a:solidFill>
-                <a:latin typeface="Arial" charset="0"/>
-              </a:rPr>
-              <a:t>support</a:t>
-            </a:r>
-            <a:r>
-              <a:rPr lang="it-IT" b="1" dirty="0" smtClean="0">
-                <a:solidFill>
-                  <a:srgbClr val="003F6E"/>
-                </a:solidFill>
-                <a:latin typeface="Arial" charset="0"/>
-              </a:rPr>
-              <a:t> (2)</a:t>
-            </a:r>
-            <a:endParaRPr lang="it-IT" b="1" dirty="0">
+              <a:t>objectives</a:t>
+            </a:r>
+            <a:endParaRPr lang="it-IT" b="1" dirty="0" smtClean="0">
               <a:solidFill>
                 <a:srgbClr val="003F6E"/>
               </a:solidFill>
@@ -27943,7 +25969,7 @@
             <a:pPr>
               <a:defRPr/>
             </a:pPr>
-            <a:fld id="{A50AD050-6FF3-AA48-B29F-A96736EC3BDD}" type="slidenum">
+            <a:fld id="{9DF601D4-73D7-A345-AD94-45660F7ACBC3}" type="slidenum">
               <a:rPr/>
               <a:pPr>
                 <a:defRPr/>
@@ -27956,565 +25982,347 @@
       </p:sp>
       <p:sp>
         <p:nvSpPr>
-          <p:cNvPr id="6" name="Text Box 2"/>
-          <p:cNvSpPr txBox="1">
+          <p:cNvPr id="2" name="Rettangolo arrotondato 1"/>
+          <p:cNvSpPr/>
+          <p:nvPr/>
+        </p:nvSpPr>
+        <p:spPr bwMode="auto">
+          <a:xfrm>
+            <a:off x="827088" y="1196752"/>
+            <a:ext cx="7489825" cy="792088"/>
+          </a:xfrm>
+          <a:prstGeom prst="roundRect">
+            <a:avLst/>
+          </a:prstGeom>
+          <a:solidFill>
+            <a:srgbClr val="FFFFFF"/>
+          </a:solidFill>
+          <a:ln w="9525" cap="flat" cmpd="sng" algn="ctr">
+            <a:solidFill>
+              <a:schemeClr val="bg1">
+                <a:lumMod val="65000"/>
+              </a:schemeClr>
+            </a:solidFill>
+            <a:prstDash val="solid"/>
+            <a:round/>
+            <a:headEnd type="none" w="med" len="med"/>
+            <a:tailEnd type="none" w="med" len="med"/>
+          </a:ln>
+          <a:effectLst/>
+          <a:extLst/>
+        </p:spPr>
+        <p:txBody>
+          <a:bodyPr anchor="ctr"/>
+          <a:lstStyle/>
+          <a:p>
+            <a:pPr algn="ctr">
+              <a:lnSpc>
+                <a:spcPct val="120000"/>
+              </a:lnSpc>
+              <a:spcBef>
+                <a:spcPts val="500"/>
+              </a:spcBef>
+              <a:defRPr/>
+            </a:pPr>
+            <a:r>
+              <a:rPr lang="it-IT" sz="2000" dirty="0">
+                <a:solidFill>
+                  <a:srgbClr val="A6A6A6"/>
+                </a:solidFill>
+                <a:latin typeface="Arial" charset="0"/>
+              </a:rPr>
+              <a:t>Integrate Kundera in the CPIM </a:t>
+            </a:r>
+            <a:r>
+              <a:rPr lang="it-IT" sz="2000" dirty="0" err="1" smtClean="0">
+                <a:solidFill>
+                  <a:srgbClr val="A6A6A6"/>
+                </a:solidFill>
+                <a:latin typeface="Arial" charset="0"/>
+              </a:rPr>
+              <a:t>library</a:t>
+            </a:r>
+            <a:endParaRPr lang="en-US" sz="2000" dirty="0">
+              <a:solidFill>
+                <a:srgbClr val="A6A6A6"/>
+              </a:solidFill>
+              <a:latin typeface="Arial" charset="0"/>
+            </a:endParaRPr>
+          </a:p>
+        </p:txBody>
+      </p:sp>
+      <p:sp>
+        <p:nvSpPr>
+          <p:cNvPr id="8" name="Rettangolo arrotondato 7"/>
+          <p:cNvSpPr/>
+          <p:nvPr/>
+        </p:nvSpPr>
+        <p:spPr bwMode="auto">
+          <a:xfrm>
+            <a:off x="827584" y="2492896"/>
+            <a:ext cx="7489825" cy="792088"/>
+          </a:xfrm>
+          <a:prstGeom prst="roundRect">
+            <a:avLst/>
+          </a:prstGeom>
+          <a:solidFill>
+            <a:srgbClr val="FFFFFF"/>
+          </a:solidFill>
+          <a:ln w="9525" cap="flat" cmpd="sng" algn="ctr">
+            <a:solidFill>
+              <a:srgbClr val="A6A6A6"/>
+            </a:solidFill>
+            <a:prstDash val="solid"/>
+            <a:round/>
+            <a:headEnd type="none" w="med" len="med"/>
+            <a:tailEnd type="none" w="med" len="med"/>
+          </a:ln>
+          <a:effectLst/>
+          <a:extLst/>
+        </p:spPr>
+        <p:txBody>
+          <a:bodyPr anchor="ctr"/>
+          <a:lstStyle/>
+          <a:p>
+            <a:pPr algn="ctr">
+              <a:lnSpc>
+                <a:spcPct val="120000"/>
+              </a:lnSpc>
+              <a:spcBef>
+                <a:spcPts val="500"/>
+              </a:spcBef>
+            </a:pPr>
+            <a:r>
+              <a:rPr lang="it-IT" sz="2000" dirty="0" err="1">
+                <a:solidFill>
+                  <a:srgbClr val="A6A6A6"/>
+                </a:solidFill>
+                <a:latin typeface="Arial" charset="0"/>
+              </a:rPr>
+              <a:t>Contribute</a:t>
+            </a:r>
+            <a:r>
+              <a:rPr lang="it-IT" sz="2000" dirty="0">
+                <a:solidFill>
+                  <a:srgbClr val="A6A6A6"/>
+                </a:solidFill>
+                <a:latin typeface="Arial" charset="0"/>
+              </a:rPr>
+              <a:t> to the open source </a:t>
+            </a:r>
+            <a:r>
+              <a:rPr lang="it-IT" sz="2000" dirty="0" err="1">
+                <a:solidFill>
+                  <a:srgbClr val="A6A6A6"/>
+                </a:solidFill>
+                <a:latin typeface="Arial" charset="0"/>
+              </a:rPr>
+              <a:t>project</a:t>
+            </a:r>
+            <a:r>
+              <a:rPr lang="it-IT" sz="2000" dirty="0">
+                <a:solidFill>
+                  <a:srgbClr val="A6A6A6"/>
+                </a:solidFill>
+                <a:latin typeface="Arial" charset="0"/>
+              </a:rPr>
+              <a:t> </a:t>
+            </a:r>
+            <a:r>
+              <a:rPr lang="it-IT" sz="2000" dirty="0" err="1">
+                <a:solidFill>
+                  <a:srgbClr val="A6A6A6"/>
+                </a:solidFill>
+                <a:latin typeface="Arial" charset="0"/>
+              </a:rPr>
+              <a:t>Kudera</a:t>
+            </a:r>
+            <a:endParaRPr lang="en-US" sz="2000" dirty="0">
+              <a:solidFill>
+                <a:srgbClr val="A6A6A6"/>
+              </a:solidFill>
+              <a:latin typeface="Arial" charset="0"/>
+            </a:endParaRPr>
+          </a:p>
+        </p:txBody>
+      </p:sp>
+      <p:sp>
+        <p:nvSpPr>
+          <p:cNvPr id="54278" name="Rettangolo arrotondato 8"/>
+          <p:cNvSpPr>
             <a:spLocks noChangeArrowheads="1"/>
           </p:cNvSpPr>
           <p:nvPr/>
         </p:nvSpPr>
         <p:spPr bwMode="auto">
           <a:xfrm>
-            <a:off x="539750" y="908050"/>
-            <a:ext cx="8224838" cy="1441450"/>
+            <a:off x="827584" y="3789040"/>
+            <a:ext cx="7488832" cy="792088"/>
           </a:xfrm>
-          <a:prstGeom prst="rect">
-            <a:avLst/>
+          <a:prstGeom prst="roundRect">
+            <a:avLst>
+              <a:gd name="adj" fmla="val 16667"/>
+            </a:avLst>
           </a:prstGeom>
-          <a:noFill/>
-          <a:ln>
-            <a:noFill/>
+          <a:solidFill>
+            <a:srgbClr val="FFFFFF"/>
+          </a:solidFill>
+          <a:ln w="9525" cap="flat" cmpd="sng" algn="ctr">
+            <a:solidFill>
+              <a:srgbClr val="A6A6A6"/>
+            </a:solidFill>
+            <a:prstDash val="solid"/>
+            <a:round/>
+            <a:headEnd type="none" w="med" len="med"/>
+            <a:tailEnd type="none" w="med" len="med"/>
           </a:ln>
           <a:effectLst/>
-          <a:extLst>
-            <a:ext uri="{909E8E84-426E-40dd-AFC4-6F175D3DCCD1}">
-              <a14:hiddenFill xmlns:a14="http://schemas.microsoft.com/office/drawing/2010/main">
-                <a:solidFill>
-                  <a:srgbClr val="FFFFFF"/>
-                </a:solidFill>
-              </a14:hiddenFill>
-            </a:ext>
-            <a:ext uri="{91240B29-F687-4f45-9708-019B960494DF}">
-              <a14:hiddenLine xmlns:a14="http://schemas.microsoft.com/office/drawing/2010/main" w="9525" cap="flat">
-                <a:solidFill>
-                  <a:srgbClr val="808080"/>
-                </a:solidFill>
-                <a:round/>
-                <a:headEnd/>
-                <a:tailEnd/>
-              </a14:hiddenLine>
-            </a:ext>
-            <a:ext uri="{AF507438-7753-43e0-B8FC-AC1667EBCBE1}">
-              <a14:hiddenEffects xmlns:a14="http://schemas.microsoft.com/office/drawing/2010/main">
-                <a:effectLst>
-                  <a:outerShdw blurRad="63500" dist="38099" dir="2700000" algn="ctr" rotWithShape="0">
-                    <a:srgbClr val="000000">
-                      <a:alpha val="74998"/>
-                    </a:srgbClr>
-                  </a:outerShdw>
-                </a:effectLst>
-              </a14:hiddenEffects>
-            </a:ext>
-          </a:extLst>
         </p:spPr>
         <p:txBody>
-          <a:bodyPr lIns="0" tIns="0" rIns="0" bIns="0"/>
-          <a:lstStyle>
-            <a:lvl1pPr marL="341313" indent="-341313">
-              <a:tabLst>
-                <a:tab pos="341313" algn="l"/>
-                <a:tab pos="454025" algn="l"/>
-                <a:tab pos="911225" algn="l"/>
-                <a:tab pos="1368425" algn="l"/>
-                <a:tab pos="1825625" algn="l"/>
-                <a:tab pos="2282825" algn="l"/>
-                <a:tab pos="2740025" algn="l"/>
-                <a:tab pos="3197225" algn="l"/>
-                <a:tab pos="3654425" algn="l"/>
-                <a:tab pos="4111625" algn="l"/>
-                <a:tab pos="4568825" algn="l"/>
-                <a:tab pos="5026025" algn="l"/>
-                <a:tab pos="5483225" algn="l"/>
-                <a:tab pos="5940425" algn="l"/>
-                <a:tab pos="6397625" algn="l"/>
-                <a:tab pos="6854825" algn="l"/>
-                <a:tab pos="7312025" algn="l"/>
-                <a:tab pos="7769225" algn="l"/>
-                <a:tab pos="8226425" algn="l"/>
-                <a:tab pos="8683625" algn="l"/>
-                <a:tab pos="9140825" algn="l"/>
-              </a:tabLst>
-              <a:defRPr sz="2400">
-                <a:solidFill>
-                  <a:srgbClr val="FFFFFF"/>
-                </a:solidFill>
-                <a:latin typeface="Times New Roman" charset="0"/>
-                <a:ea typeface="ＭＳ Ｐゴシック" charset="0"/>
-                <a:cs typeface="Microsoft YaHei" charset="0"/>
-              </a:defRPr>
-            </a:lvl1pPr>
-            <a:lvl2pPr>
-              <a:tabLst>
-                <a:tab pos="341313" algn="l"/>
-                <a:tab pos="454025" algn="l"/>
-                <a:tab pos="911225" algn="l"/>
-                <a:tab pos="1368425" algn="l"/>
-                <a:tab pos="1825625" algn="l"/>
-                <a:tab pos="2282825" algn="l"/>
-                <a:tab pos="2740025" algn="l"/>
-                <a:tab pos="3197225" algn="l"/>
-                <a:tab pos="3654425" algn="l"/>
-                <a:tab pos="4111625" algn="l"/>
-                <a:tab pos="4568825" algn="l"/>
-                <a:tab pos="5026025" algn="l"/>
-                <a:tab pos="5483225" algn="l"/>
-                <a:tab pos="5940425" algn="l"/>
-                <a:tab pos="6397625" algn="l"/>
-                <a:tab pos="6854825" algn="l"/>
-                <a:tab pos="7312025" algn="l"/>
-                <a:tab pos="7769225" algn="l"/>
-                <a:tab pos="8226425" algn="l"/>
-                <a:tab pos="8683625" algn="l"/>
-                <a:tab pos="9140825" algn="l"/>
-              </a:tabLst>
-              <a:defRPr sz="2400">
-                <a:solidFill>
-                  <a:srgbClr val="FFFFFF"/>
-                </a:solidFill>
-                <a:latin typeface="Times New Roman" charset="0"/>
-                <a:ea typeface="ＭＳ Ｐゴシック" charset="0"/>
-                <a:cs typeface="Microsoft YaHei" charset="0"/>
-              </a:defRPr>
-            </a:lvl2pPr>
-            <a:lvl3pPr>
-              <a:tabLst>
-                <a:tab pos="341313" algn="l"/>
-                <a:tab pos="454025" algn="l"/>
-                <a:tab pos="911225" algn="l"/>
-                <a:tab pos="1368425" algn="l"/>
-                <a:tab pos="1825625" algn="l"/>
-                <a:tab pos="2282825" algn="l"/>
-                <a:tab pos="2740025" algn="l"/>
-                <a:tab pos="3197225" algn="l"/>
-                <a:tab pos="3654425" algn="l"/>
-                <a:tab pos="4111625" algn="l"/>
-                <a:tab pos="4568825" algn="l"/>
-                <a:tab pos="5026025" algn="l"/>
-                <a:tab pos="5483225" algn="l"/>
-                <a:tab pos="5940425" algn="l"/>
-                <a:tab pos="6397625" algn="l"/>
-                <a:tab pos="6854825" algn="l"/>
-                <a:tab pos="7312025" algn="l"/>
-                <a:tab pos="7769225" algn="l"/>
-                <a:tab pos="8226425" algn="l"/>
-                <a:tab pos="8683625" algn="l"/>
-                <a:tab pos="9140825" algn="l"/>
-              </a:tabLst>
-              <a:defRPr sz="2400">
-                <a:solidFill>
-                  <a:srgbClr val="FFFFFF"/>
-                </a:solidFill>
-                <a:latin typeface="Times New Roman" charset="0"/>
-                <a:ea typeface="ＭＳ Ｐゴシック" charset="0"/>
-                <a:cs typeface="Microsoft YaHei" charset="0"/>
-              </a:defRPr>
-            </a:lvl3pPr>
-            <a:lvl4pPr>
-              <a:tabLst>
-                <a:tab pos="341313" algn="l"/>
-                <a:tab pos="454025" algn="l"/>
-                <a:tab pos="911225" algn="l"/>
-                <a:tab pos="1368425" algn="l"/>
-                <a:tab pos="1825625" algn="l"/>
-                <a:tab pos="2282825" algn="l"/>
-                <a:tab pos="2740025" algn="l"/>
-                <a:tab pos="3197225" algn="l"/>
-                <a:tab pos="3654425" algn="l"/>
-                <a:tab pos="4111625" algn="l"/>
-                <a:tab pos="4568825" algn="l"/>
-                <a:tab pos="5026025" algn="l"/>
-                <a:tab pos="5483225" algn="l"/>
-                <a:tab pos="5940425" algn="l"/>
-                <a:tab pos="6397625" algn="l"/>
-                <a:tab pos="6854825" algn="l"/>
-                <a:tab pos="7312025" algn="l"/>
-                <a:tab pos="7769225" algn="l"/>
-                <a:tab pos="8226425" algn="l"/>
-                <a:tab pos="8683625" algn="l"/>
-                <a:tab pos="9140825" algn="l"/>
-              </a:tabLst>
-              <a:defRPr sz="2400">
-                <a:solidFill>
-                  <a:srgbClr val="FFFFFF"/>
-                </a:solidFill>
-                <a:latin typeface="Times New Roman" charset="0"/>
-                <a:ea typeface="ＭＳ Ｐゴシック" charset="0"/>
-                <a:cs typeface="Microsoft YaHei" charset="0"/>
-              </a:defRPr>
-            </a:lvl4pPr>
-            <a:lvl5pPr>
-              <a:tabLst>
-                <a:tab pos="341313" algn="l"/>
-                <a:tab pos="454025" algn="l"/>
-                <a:tab pos="911225" algn="l"/>
-                <a:tab pos="1368425" algn="l"/>
-                <a:tab pos="1825625" algn="l"/>
-                <a:tab pos="2282825" algn="l"/>
-                <a:tab pos="2740025" algn="l"/>
-                <a:tab pos="3197225" algn="l"/>
-                <a:tab pos="3654425" algn="l"/>
-                <a:tab pos="4111625" algn="l"/>
-                <a:tab pos="4568825" algn="l"/>
-                <a:tab pos="5026025" algn="l"/>
-                <a:tab pos="5483225" algn="l"/>
-                <a:tab pos="5940425" algn="l"/>
-                <a:tab pos="6397625" algn="l"/>
-                <a:tab pos="6854825" algn="l"/>
-                <a:tab pos="7312025" algn="l"/>
-                <a:tab pos="7769225" algn="l"/>
-                <a:tab pos="8226425" algn="l"/>
-                <a:tab pos="8683625" algn="l"/>
-                <a:tab pos="9140825" algn="l"/>
-              </a:tabLst>
-              <a:defRPr sz="2400">
-                <a:solidFill>
-                  <a:srgbClr val="FFFFFF"/>
-                </a:solidFill>
-                <a:latin typeface="Times New Roman" charset="0"/>
-                <a:ea typeface="ＭＳ Ｐゴシック" charset="0"/>
-                <a:cs typeface="Microsoft YaHei" charset="0"/>
-              </a:defRPr>
-            </a:lvl5pPr>
-            <a:lvl6pPr marL="2514600" indent="-228600" defTabSz="449263" eaLnBrk="0" fontAlgn="base" hangingPunct="0">
-              <a:lnSpc>
-                <a:spcPct val="93000"/>
-              </a:lnSpc>
-              <a:spcBef>
-                <a:spcPct val="0"/>
-              </a:spcBef>
-              <a:spcAft>
-                <a:spcPct val="0"/>
-              </a:spcAft>
-              <a:buClr>
-                <a:srgbClr val="000000"/>
-              </a:buClr>
-              <a:buSzPct val="100000"/>
-              <a:buFont typeface="Times New Roman" charset="0"/>
-              <a:tabLst>
-                <a:tab pos="341313" algn="l"/>
-                <a:tab pos="454025" algn="l"/>
-                <a:tab pos="911225" algn="l"/>
-                <a:tab pos="1368425" algn="l"/>
-                <a:tab pos="1825625" algn="l"/>
-                <a:tab pos="2282825" algn="l"/>
-                <a:tab pos="2740025" algn="l"/>
-                <a:tab pos="3197225" algn="l"/>
-                <a:tab pos="3654425" algn="l"/>
-                <a:tab pos="4111625" algn="l"/>
-                <a:tab pos="4568825" algn="l"/>
-                <a:tab pos="5026025" algn="l"/>
-                <a:tab pos="5483225" algn="l"/>
-                <a:tab pos="5940425" algn="l"/>
-                <a:tab pos="6397625" algn="l"/>
-                <a:tab pos="6854825" algn="l"/>
-                <a:tab pos="7312025" algn="l"/>
-                <a:tab pos="7769225" algn="l"/>
-                <a:tab pos="8226425" algn="l"/>
-                <a:tab pos="8683625" algn="l"/>
-                <a:tab pos="9140825" algn="l"/>
-              </a:tabLst>
-              <a:defRPr sz="2400">
-                <a:solidFill>
-                  <a:srgbClr val="FFFFFF"/>
-                </a:solidFill>
-                <a:latin typeface="Times New Roman" charset="0"/>
-                <a:ea typeface="ＭＳ Ｐゴシック" charset="0"/>
-                <a:cs typeface="Microsoft YaHei" charset="0"/>
-              </a:defRPr>
-            </a:lvl6pPr>
-            <a:lvl7pPr marL="2971800" indent="-228600" defTabSz="449263" eaLnBrk="0" fontAlgn="base" hangingPunct="0">
-              <a:lnSpc>
-                <a:spcPct val="93000"/>
-              </a:lnSpc>
-              <a:spcBef>
-                <a:spcPct val="0"/>
-              </a:spcBef>
-              <a:spcAft>
-                <a:spcPct val="0"/>
-              </a:spcAft>
-              <a:buClr>
-                <a:srgbClr val="000000"/>
-              </a:buClr>
-              <a:buSzPct val="100000"/>
-              <a:buFont typeface="Times New Roman" charset="0"/>
-              <a:tabLst>
-                <a:tab pos="341313" algn="l"/>
-                <a:tab pos="454025" algn="l"/>
-                <a:tab pos="911225" algn="l"/>
-                <a:tab pos="1368425" algn="l"/>
-                <a:tab pos="1825625" algn="l"/>
-                <a:tab pos="2282825" algn="l"/>
-                <a:tab pos="2740025" algn="l"/>
-                <a:tab pos="3197225" algn="l"/>
-                <a:tab pos="3654425" algn="l"/>
-                <a:tab pos="4111625" algn="l"/>
-                <a:tab pos="4568825" algn="l"/>
-                <a:tab pos="5026025" algn="l"/>
-                <a:tab pos="5483225" algn="l"/>
-                <a:tab pos="5940425" algn="l"/>
-                <a:tab pos="6397625" algn="l"/>
-                <a:tab pos="6854825" algn="l"/>
-                <a:tab pos="7312025" algn="l"/>
-                <a:tab pos="7769225" algn="l"/>
-                <a:tab pos="8226425" algn="l"/>
-                <a:tab pos="8683625" algn="l"/>
-                <a:tab pos="9140825" algn="l"/>
-              </a:tabLst>
-              <a:defRPr sz="2400">
-                <a:solidFill>
-                  <a:srgbClr val="FFFFFF"/>
-                </a:solidFill>
-                <a:latin typeface="Times New Roman" charset="0"/>
-                <a:ea typeface="ＭＳ Ｐゴシック" charset="0"/>
-                <a:cs typeface="Microsoft YaHei" charset="0"/>
-              </a:defRPr>
-            </a:lvl7pPr>
-            <a:lvl8pPr marL="3429000" indent="-228600" defTabSz="449263" eaLnBrk="0" fontAlgn="base" hangingPunct="0">
-              <a:lnSpc>
-                <a:spcPct val="93000"/>
-              </a:lnSpc>
-              <a:spcBef>
-                <a:spcPct val="0"/>
-              </a:spcBef>
-              <a:spcAft>
-                <a:spcPct val="0"/>
-              </a:spcAft>
-              <a:buClr>
-                <a:srgbClr val="000000"/>
-              </a:buClr>
-              <a:buSzPct val="100000"/>
-              <a:buFont typeface="Times New Roman" charset="0"/>
-              <a:tabLst>
-                <a:tab pos="341313" algn="l"/>
-                <a:tab pos="454025" algn="l"/>
-                <a:tab pos="911225" algn="l"/>
-                <a:tab pos="1368425" algn="l"/>
-                <a:tab pos="1825625" algn="l"/>
-                <a:tab pos="2282825" algn="l"/>
-                <a:tab pos="2740025" algn="l"/>
-                <a:tab pos="3197225" algn="l"/>
-                <a:tab pos="3654425" algn="l"/>
-                <a:tab pos="4111625" algn="l"/>
-                <a:tab pos="4568825" algn="l"/>
-                <a:tab pos="5026025" algn="l"/>
-                <a:tab pos="5483225" algn="l"/>
-                <a:tab pos="5940425" algn="l"/>
-                <a:tab pos="6397625" algn="l"/>
-                <a:tab pos="6854825" algn="l"/>
-                <a:tab pos="7312025" algn="l"/>
-                <a:tab pos="7769225" algn="l"/>
-                <a:tab pos="8226425" algn="l"/>
-                <a:tab pos="8683625" algn="l"/>
-                <a:tab pos="9140825" algn="l"/>
-              </a:tabLst>
-              <a:defRPr sz="2400">
-                <a:solidFill>
-                  <a:srgbClr val="FFFFFF"/>
-                </a:solidFill>
-                <a:latin typeface="Times New Roman" charset="0"/>
-                <a:ea typeface="ＭＳ Ｐゴシック" charset="0"/>
-                <a:cs typeface="Microsoft YaHei" charset="0"/>
-              </a:defRPr>
-            </a:lvl8pPr>
-            <a:lvl9pPr marL="3886200" indent="-228600" defTabSz="449263" eaLnBrk="0" fontAlgn="base" hangingPunct="0">
-              <a:lnSpc>
-                <a:spcPct val="93000"/>
-              </a:lnSpc>
-              <a:spcBef>
-                <a:spcPct val="0"/>
-              </a:spcBef>
-              <a:spcAft>
-                <a:spcPct val="0"/>
-              </a:spcAft>
-              <a:buClr>
-                <a:srgbClr val="000000"/>
-              </a:buClr>
-              <a:buSzPct val="100000"/>
-              <a:buFont typeface="Times New Roman" charset="0"/>
-              <a:tabLst>
-                <a:tab pos="341313" algn="l"/>
-                <a:tab pos="454025" algn="l"/>
-                <a:tab pos="911225" algn="l"/>
-                <a:tab pos="1368425" algn="l"/>
-                <a:tab pos="1825625" algn="l"/>
-                <a:tab pos="2282825" algn="l"/>
-                <a:tab pos="2740025" algn="l"/>
-                <a:tab pos="3197225" algn="l"/>
-                <a:tab pos="3654425" algn="l"/>
-                <a:tab pos="4111625" algn="l"/>
-                <a:tab pos="4568825" algn="l"/>
-                <a:tab pos="5026025" algn="l"/>
-                <a:tab pos="5483225" algn="l"/>
-                <a:tab pos="5940425" algn="l"/>
-                <a:tab pos="6397625" algn="l"/>
-                <a:tab pos="6854825" algn="l"/>
-                <a:tab pos="7312025" algn="l"/>
-                <a:tab pos="7769225" algn="l"/>
-                <a:tab pos="8226425" algn="l"/>
-                <a:tab pos="8683625" algn="l"/>
-                <a:tab pos="9140825" algn="l"/>
-              </a:tabLst>
-              <a:defRPr sz="2400">
-                <a:solidFill>
-                  <a:srgbClr val="FFFFFF"/>
-                </a:solidFill>
-                <a:latin typeface="Times New Roman" charset="0"/>
-                <a:ea typeface="ＭＳ Ｐゴシック" charset="0"/>
-                <a:cs typeface="Microsoft YaHei" charset="0"/>
-              </a:defRPr>
-            </a:lvl9pPr>
-          </a:lstStyle>
+          <a:bodyPr anchor="ctr"/>
+          <a:lstStyle/>
           <a:p>
-            <a:pPr marL="344487" indent="-342900">
+            <a:pPr algn="ctr">
               <a:lnSpc>
                 <a:spcPct val="120000"/>
               </a:lnSpc>
               <a:spcBef>
                 <a:spcPts val="500"/>
               </a:spcBef>
-              <a:buClrTx/>
-              <a:buFont typeface="Arial"/>
-              <a:buChar char="•"/>
-              <a:defRPr/>
             </a:pPr>
             <a:r>
-              <a:rPr lang="it-IT" sz="1600" dirty="0" err="1" smtClean="0">
-                <a:solidFill>
-                  <a:srgbClr val="003F6E"/>
+              <a:rPr lang="it-IT" sz="2000" dirty="0" smtClean="0">
+                <a:solidFill>
+                  <a:srgbClr val="A6A6A6"/>
                 </a:solidFill>
                 <a:latin typeface="Arial" charset="0"/>
               </a:rPr>
-              <a:t>Guarantee</a:t>
-            </a:r>
-            <a:r>
-              <a:rPr lang="it-IT" sz="1600" dirty="0" smtClean="0">
-                <a:solidFill>
-                  <a:srgbClr val="003F6E"/>
+              <a:t>Integrate the </a:t>
+            </a:r>
+            <a:r>
+              <a:rPr lang="it-IT" sz="2000" dirty="0" err="1">
+                <a:solidFill>
+                  <a:srgbClr val="A6A6A6"/>
                 </a:solidFill>
                 <a:latin typeface="Arial" charset="0"/>
               </a:rPr>
-              <a:t> data </a:t>
-            </a:r>
-            <a:r>
-              <a:rPr lang="it-IT" sz="1600" dirty="0" err="1" smtClean="0">
-                <a:solidFill>
-                  <a:srgbClr val="003F6E"/>
+              <a:t>migration</a:t>
+            </a:r>
+            <a:r>
+              <a:rPr lang="it-IT" sz="2000" dirty="0">
+                <a:solidFill>
+                  <a:srgbClr val="A6A6A6"/>
+                </a:solidFill>
+                <a:latin typeface="Arial" charset="0"/>
+              </a:rPr>
+              <a:t> and </a:t>
+            </a:r>
+            <a:r>
+              <a:rPr lang="it-IT" sz="2000" dirty="0" err="1">
+                <a:solidFill>
+                  <a:srgbClr val="A6A6A6"/>
                 </a:solidFill>
                 <a:latin typeface="Arial" charset="0"/>
               </a:rPr>
               <a:t>synchronization</a:t>
             </a:r>
-            <a:endParaRPr lang="en-US" sz="1600" dirty="0">
+            <a:r>
+              <a:rPr lang="it-IT" sz="2000" dirty="0">
+                <a:solidFill>
+                  <a:srgbClr val="A6A6A6"/>
+                </a:solidFill>
+                <a:latin typeface="Arial" charset="0"/>
+              </a:rPr>
+              <a:t> </a:t>
+            </a:r>
+            <a:r>
+              <a:rPr lang="it-IT" sz="2000" dirty="0" err="1">
+                <a:solidFill>
+                  <a:srgbClr val="A6A6A6"/>
+                </a:solidFill>
+                <a:latin typeface="Arial" charset="0"/>
+              </a:rPr>
+              <a:t>system</a:t>
+            </a:r>
+            <a:r>
+              <a:rPr lang="it-IT" sz="2000" dirty="0">
+                <a:solidFill>
+                  <a:srgbClr val="A6A6A6"/>
+                </a:solidFill>
+                <a:latin typeface="Arial" charset="0"/>
+              </a:rPr>
+              <a:t> </a:t>
+            </a:r>
+            <a:r>
+              <a:rPr lang="it-IT" sz="2000" dirty="0" err="1">
+                <a:solidFill>
+                  <a:srgbClr val="A6A6A6"/>
+                </a:solidFill>
+                <a:latin typeface="Arial" charset="0"/>
+              </a:rPr>
+              <a:t>Hegira</a:t>
+            </a:r>
+            <a:endParaRPr lang="en-US" sz="2000" dirty="0">
               <a:solidFill>
-                <a:srgbClr val="003F6E"/>
+                <a:srgbClr val="A6A6A6"/>
               </a:solidFill>
               <a:latin typeface="Arial" charset="0"/>
             </a:endParaRPr>
           </a:p>
+        </p:txBody>
+      </p:sp>
+      <p:sp>
+        <p:nvSpPr>
+          <p:cNvPr id="9" name="Rettangolo arrotondato 8"/>
+          <p:cNvSpPr>
+            <a:spLocks noChangeArrowheads="1"/>
+          </p:cNvSpPr>
+          <p:nvPr/>
+        </p:nvSpPr>
+        <p:spPr bwMode="auto">
+          <a:xfrm>
+            <a:off x="827584" y="5085184"/>
+            <a:ext cx="7488832" cy="792088"/>
+          </a:xfrm>
+          <a:prstGeom prst="roundRect">
+            <a:avLst>
+              <a:gd name="adj" fmla="val 16667"/>
+            </a:avLst>
+          </a:prstGeom>
+          <a:solidFill>
+            <a:srgbClr val="FFFFFF"/>
+          </a:solidFill>
+          <a:ln w="9525">
+            <a:solidFill>
+              <a:schemeClr val="tx1"/>
+            </a:solidFill>
+            <a:round/>
+            <a:headEnd/>
+            <a:tailEnd/>
+          </a:ln>
+        </p:spPr>
+        <p:txBody>
+          <a:bodyPr anchor="ctr"/>
+          <a:lstStyle/>
           <a:p>
-            <a:pPr marL="344487" indent="-342900">
+            <a:pPr algn="ctr">
               <a:lnSpc>
                 <a:spcPct val="120000"/>
               </a:lnSpc>
               <a:spcBef>
                 <a:spcPts val="500"/>
               </a:spcBef>
-              <a:buClrTx/>
-              <a:buFont typeface="Arial"/>
-              <a:buChar char="•"/>
-              <a:defRPr/>
             </a:pPr>
             <a:r>
-              <a:rPr lang="it-IT" sz="1600" dirty="0" smtClean="0">
+              <a:rPr lang="it-IT" sz="2000" dirty="0">
                 <a:solidFill>
                   <a:srgbClr val="003F6E"/>
                 </a:solidFill>
                 <a:latin typeface="Arial" charset="0"/>
               </a:rPr>
-              <a:t>T</a:t>
-            </a:r>
-            <a:r>
-              <a:rPr lang="en-US" sz="1600" dirty="0" err="1" smtClean="0">
-                <a:solidFill>
-                  <a:srgbClr val="003F6E"/>
-                </a:solidFill>
-                <a:latin typeface="Arial" charset="0"/>
-              </a:rPr>
-              <a:t>ranslate</a:t>
-            </a:r>
-            <a:r>
-              <a:rPr lang="en-US" sz="1600" dirty="0" smtClean="0">
-                <a:solidFill>
-                  <a:srgbClr val="003F6E"/>
-                </a:solidFill>
-                <a:latin typeface="Arial" charset="0"/>
-              </a:rPr>
-              <a:t> to SQL intercepted operations</a:t>
-            </a:r>
-          </a:p>
-          <a:p>
-            <a:pPr marL="746124" lvl="1" indent="-342900">
-              <a:lnSpc>
-                <a:spcPct val="120000"/>
-              </a:lnSpc>
-              <a:spcBef>
-                <a:spcPts val="500"/>
-              </a:spcBef>
-              <a:buClrTx/>
-              <a:buFont typeface="Arial"/>
-              <a:buChar char="•"/>
-              <a:defRPr/>
-            </a:pPr>
-            <a:r>
-              <a:rPr lang="en-US" sz="1400" dirty="0" smtClean="0">
-                <a:solidFill>
-                  <a:srgbClr val="003F6E"/>
-                </a:solidFill>
-                <a:latin typeface="Arial" charset="0"/>
-              </a:rPr>
-              <a:t>JPQL queries (DELETE and UPDATE)</a:t>
-            </a:r>
-          </a:p>
-          <a:p>
-            <a:pPr marL="746124" lvl="1" indent="-342900">
-              <a:lnSpc>
-                <a:spcPct val="120000"/>
-              </a:lnSpc>
-              <a:spcBef>
-                <a:spcPts val="500"/>
-              </a:spcBef>
-              <a:buClrTx/>
-              <a:buFont typeface="Arial"/>
-              <a:buChar char="•"/>
-              <a:defRPr/>
-            </a:pPr>
-            <a:r>
-              <a:rPr lang="en-US" sz="1400" dirty="0" smtClean="0">
-                <a:solidFill>
-                  <a:srgbClr val="003F6E"/>
-                </a:solidFill>
-                <a:latin typeface="Arial" charset="0"/>
-              </a:rPr>
-              <a:t>ORM operation (through </a:t>
-            </a:r>
-            <a:r>
-              <a:rPr lang="en-US" sz="1400" i="1" dirty="0" err="1" smtClean="0">
-                <a:solidFill>
-                  <a:srgbClr val="003F6E"/>
-                </a:solidFill>
-                <a:latin typeface="Arial" charset="0"/>
-              </a:rPr>
-              <a:t>EntityManager</a:t>
-            </a:r>
-            <a:r>
-              <a:rPr lang="en-US" sz="1400" dirty="0" smtClean="0">
-                <a:solidFill>
-                  <a:srgbClr val="003F6E"/>
-                </a:solidFill>
-                <a:latin typeface="Arial" charset="0"/>
-              </a:rPr>
-              <a:t> interface)</a:t>
-            </a:r>
-            <a:endParaRPr lang="it-IT" sz="1400" dirty="0">
+              <a:t>Evaluation</a:t>
+            </a:r>
+            <a:endParaRPr lang="en-US" sz="2000" dirty="0">
               <a:solidFill>
                 <a:srgbClr val="003F6E"/>
               </a:solidFill>
@@ -28523,61 +26331,12 @@
           </a:p>
         </p:txBody>
       </p:sp>
-      <p:pic>
-        <p:nvPicPr>
-          <p:cNvPr id="60420" name="Immagine 1" descr="flow_chart.eps"/>
-          <p:cNvPicPr>
-            <a:picLocks noChangeAspect="1"/>
-          </p:cNvPicPr>
-          <p:nvPr/>
-        </p:nvPicPr>
-        <p:blipFill>
-          <a:blip r:embed="rId3">
-            <a:extLst>
-              <a:ext uri="{28A0092B-C50C-407E-A947-70E740481C1C}">
-                <a14:useLocalDpi xmlns:a14="http://schemas.microsoft.com/office/drawing/2010/main" val="0"/>
-              </a:ext>
-            </a:extLst>
-          </a:blip>
-          <a:srcRect/>
-          <a:stretch>
-            <a:fillRect/>
-          </a:stretch>
-        </p:blipFill>
-        <p:spPr bwMode="auto">
-          <a:xfrm>
-            <a:off x="395288" y="2289175"/>
-            <a:ext cx="8640762" cy="4092575"/>
-          </a:xfrm>
-          <a:prstGeom prst="rect">
-            <a:avLst/>
-          </a:prstGeom>
-          <a:noFill/>
-          <a:ln>
-            <a:noFill/>
-          </a:ln>
-          <a:extLst>
-            <a:ext uri="{909E8E84-426E-40dd-AFC4-6F175D3DCCD1}">
-              <a14:hiddenFill xmlns:a14="http://schemas.microsoft.com/office/drawing/2010/main">
-                <a:solidFill>
-                  <a:srgbClr val="FFFFFF"/>
-                </a:solidFill>
-              </a14:hiddenFill>
-            </a:ext>
-            <a:ext uri="{91240B29-F687-4f45-9708-019B960494DF}">
-              <a14:hiddenLine xmlns:a14="http://schemas.microsoft.com/office/drawing/2010/main" w="9525">
-                <a:solidFill>
-                  <a:srgbClr val="000000"/>
-                </a:solidFill>
-                <a:miter lim="800000"/>
-                <a:headEnd/>
-                <a:tailEnd/>
-              </a14:hiddenLine>
-            </a:ext>
-          </a:extLst>
-        </p:spPr>
-      </p:pic>
     </p:spTree>
+    <p:extLst>
+      <p:ext uri="{BB962C8B-B14F-4D97-AF65-F5344CB8AC3E}">
+        <p14:creationId xmlns:p14="http://schemas.microsoft.com/office/powerpoint/2010/main" val="4188321057"/>
+      </p:ext>
+    </p:extLst>
   </p:cSld>
   <p:clrMapOvr>
     <a:masterClrMapping/>
@@ -29136,8 +26895,8 @@
         </p:nvSpPr>
         <p:spPr bwMode="auto">
           <a:xfrm>
-            <a:off x="395288" y="5373688"/>
-            <a:ext cx="8424862" cy="1008062"/>
+            <a:off x="539552" y="4941168"/>
+            <a:ext cx="8424862" cy="1440160"/>
           </a:xfrm>
           <a:prstGeom prst="rect">
             <a:avLst/>
@@ -29536,9 +27295,99 @@
             </a:lvl9pPr>
           </a:lstStyle>
           <a:p>
-            <a:pPr marL="342900">
+            <a:pPr marL="1587" indent="0">
               <a:lnSpc>
-                <a:spcPct val="120000"/>
+                <a:spcPct val="140000"/>
+              </a:lnSpc>
+              <a:spcBef>
+                <a:spcPts val="500"/>
+              </a:spcBef>
+              <a:buClrTx/>
+              <a:defRPr/>
+            </a:pPr>
+            <a:r>
+              <a:rPr lang="it-IT" sz="1800" dirty="0" smtClean="0">
+                <a:solidFill>
+                  <a:srgbClr val="003F6E"/>
+                </a:solidFill>
+                <a:latin typeface="Arial" charset="0"/>
+              </a:rPr>
+              <a:t>Compare Kundera client </a:t>
+            </a:r>
+            <a:r>
+              <a:rPr lang="it-IT" sz="1800" dirty="0" err="1" smtClean="0">
+                <a:solidFill>
+                  <a:srgbClr val="003F6E"/>
+                </a:solidFill>
+                <a:latin typeface="Arial" charset="0"/>
+              </a:rPr>
+              <a:t>w.r.t</a:t>
+            </a:r>
+            <a:r>
+              <a:rPr lang="it-IT" sz="1800" dirty="0" smtClean="0">
+                <a:solidFill>
+                  <a:srgbClr val="003F6E"/>
+                </a:solidFill>
+                <a:latin typeface="Arial" charset="0"/>
+              </a:rPr>
+              <a:t>. the use of </a:t>
+            </a:r>
+            <a:r>
+              <a:rPr lang="it-IT" sz="1800" dirty="0" err="1" smtClean="0">
+                <a:solidFill>
+                  <a:srgbClr val="003F6E"/>
+                </a:solidFill>
+                <a:latin typeface="Arial" charset="0"/>
+              </a:rPr>
+              <a:t>low-level</a:t>
+            </a:r>
+            <a:r>
+              <a:rPr lang="it-IT" sz="1800" dirty="0" smtClean="0">
+                <a:solidFill>
+                  <a:srgbClr val="003F6E"/>
+                </a:solidFill>
+                <a:latin typeface="Arial" charset="0"/>
+              </a:rPr>
+              <a:t> API for the </a:t>
+            </a:r>
+            <a:r>
+              <a:rPr lang="it-IT" sz="1800" dirty="0" err="1" smtClean="0">
+                <a:solidFill>
+                  <a:srgbClr val="003F6E"/>
+                </a:solidFill>
+                <a:latin typeface="Arial" charset="0"/>
+              </a:rPr>
+              <a:t>same</a:t>
+            </a:r>
+            <a:r>
+              <a:rPr lang="it-IT" sz="1800" dirty="0" smtClean="0">
+                <a:solidFill>
+                  <a:srgbClr val="003F6E"/>
+                </a:solidFill>
+                <a:latin typeface="Arial" charset="0"/>
+              </a:rPr>
+              <a:t> </a:t>
+            </a:r>
+            <a:r>
+              <a:rPr lang="it-IT" sz="1800" dirty="0" err="1" smtClean="0">
+                <a:solidFill>
+                  <a:srgbClr val="003F6E"/>
+                </a:solidFill>
+                <a:latin typeface="Arial" charset="0"/>
+              </a:rPr>
+              <a:t>operations</a:t>
+            </a:r>
+            <a:endParaRPr lang="it-IT" sz="1800" dirty="0" smtClean="0">
+              <a:solidFill>
+                <a:srgbClr val="003F6E"/>
+              </a:solidFill>
+              <a:latin typeface="Arial" charset="0"/>
+            </a:endParaRPr>
+          </a:p>
+          <a:p>
+            <a:pPr marL="270000">
+              <a:lnSpc>
+                <a:spcPct val="140000"/>
               </a:lnSpc>
               <a:spcBef>
                 <a:spcPts val="500"/>
@@ -29549,7 +27398,7 @@
               <a:defRPr/>
             </a:pPr>
             <a:r>
-              <a:rPr lang="it-IT" sz="2000" dirty="0" smtClean="0">
+              <a:rPr lang="it-IT" sz="1800" dirty="0" smtClean="0">
                 <a:solidFill>
                   <a:srgbClr val="003F6E"/>
                 </a:solidFill>
@@ -29558,7 +27407,7 @@
               <a:t>D</a:t>
             </a:r>
             <a:r>
-              <a:rPr lang="en-US" sz="2000" dirty="0" err="1" smtClean="0">
+              <a:rPr lang="en-US" sz="1800" dirty="0" err="1" smtClean="0">
                 <a:solidFill>
                   <a:srgbClr val="003F6E"/>
                 </a:solidFill>
@@ -29567,16 +27416,25 @@
               <a:t>evelopment</a:t>
             </a:r>
             <a:r>
-              <a:rPr lang="en-US" sz="2000" dirty="0" smtClean="0">
+              <a:rPr lang="en-US" sz="1800" dirty="0" smtClean="0">
                 <a:solidFill>
                   <a:srgbClr val="003F6E"/>
                 </a:solidFill>
                 <a:latin typeface="Arial" charset="0"/>
               </a:rPr>
-              <a:t> of new adapter for </a:t>
-            </a:r>
-            <a:r>
-              <a:rPr lang="en-US" sz="2000" dirty="0">
+              <a:t> </a:t>
+            </a:r>
+            <a:r>
+              <a:rPr lang="en-US" sz="1800" dirty="0" smtClean="0">
+                <a:solidFill>
+                  <a:srgbClr val="003F6E"/>
+                </a:solidFill>
+                <a:latin typeface="Arial" charset="0"/>
+              </a:rPr>
+              <a:t>of new adapter for </a:t>
+            </a:r>
+            <a:r>
+              <a:rPr lang="en-US" sz="1800" dirty="0">
                 <a:solidFill>
                   <a:srgbClr val="003F6E"/>
                 </a:solidFill>
@@ -29585,7 +27443,7 @@
               <a:t>operations through </a:t>
             </a:r>
             <a:r>
-              <a:rPr lang="en-US" sz="2000" dirty="0" err="1">
+              <a:rPr lang="en-US" sz="1800" dirty="0" err="1">
                 <a:solidFill>
                   <a:srgbClr val="003F6E"/>
                 </a:solidFill>
@@ -29593,7 +27451,7 @@
               </a:rPr>
               <a:t>Kundera</a:t>
             </a:r>
-            <a:endParaRPr lang="en-US" sz="2000" dirty="0">
+            <a:endParaRPr lang="en-US" sz="1800" dirty="0">
               <a:solidFill>
                 <a:srgbClr val="003F6E"/>
               </a:solidFill>
@@ -29603,7 +27461,7 @@
           <a:p>
             <a:pPr marL="342900">
               <a:lnSpc>
-                <a:spcPct val="120000"/>
+                <a:spcPct val="140000"/>
               </a:lnSpc>
               <a:spcBef>
                 <a:spcPts val="500"/>
@@ -29614,7 +27472,7 @@
               <a:defRPr/>
             </a:pPr>
             <a:r>
-              <a:rPr lang="it-IT" sz="2000" dirty="0">
+              <a:rPr lang="it-IT" sz="1800" dirty="0">
                 <a:solidFill>
                   <a:srgbClr val="003F6E"/>
                 </a:solidFill>
@@ -29623,7 +27481,7 @@
               <a:t>D</a:t>
             </a:r>
             <a:r>
-              <a:rPr lang="en-US" sz="2000" dirty="0" err="1">
+              <a:rPr lang="en-US" sz="1800" dirty="0" err="1">
                 <a:solidFill>
                   <a:srgbClr val="003F6E"/>
                 </a:solidFill>
@@ -29632,7 +27490,7 @@
               <a:t>evelopment</a:t>
             </a:r>
             <a:r>
-              <a:rPr lang="en-US" sz="2000" dirty="0">
+              <a:rPr lang="en-US" sz="1800" dirty="0">
                 <a:solidFill>
                   <a:srgbClr val="003F6E"/>
                 </a:solidFill>
@@ -29641,7 +27499,7 @@
               <a:t> of new adapter </a:t>
             </a:r>
             <a:r>
-              <a:rPr lang="en-US" sz="2000" dirty="0" smtClean="0">
+              <a:rPr lang="en-US" sz="1800" dirty="0" smtClean="0">
                 <a:solidFill>
                   <a:srgbClr val="003F6E"/>
                 </a:solidFill>
@@ -29650,7 +27508,7 @@
               <a:t>for </a:t>
             </a:r>
             <a:r>
-              <a:rPr lang="en-US" sz="2000" dirty="0">
+              <a:rPr lang="en-US" sz="1800" dirty="0">
                 <a:solidFill>
                   <a:srgbClr val="003F6E"/>
                 </a:solidFill>
@@ -29659,7 +27517,7 @@
               <a:t>operations through </a:t>
             </a:r>
             <a:r>
-              <a:rPr lang="en-US" sz="2000" dirty="0" smtClean="0">
+              <a:rPr lang="en-US" sz="1800" dirty="0" smtClean="0">
                 <a:solidFill>
                   <a:srgbClr val="003F6E"/>
                 </a:solidFill>
@@ -29668,7 +27526,7 @@
               <a:t>the low</a:t>
             </a:r>
             <a:r>
-              <a:rPr lang="en-US" sz="2000" dirty="0">
+              <a:rPr lang="en-US" sz="1800" dirty="0">
                 <a:solidFill>
                   <a:srgbClr val="003F6E"/>
                 </a:solidFill>
@@ -29680,7 +27538,7 @@
           <a:p>
             <a:pPr marL="342900">
               <a:lnSpc>
-                <a:spcPct val="120000"/>
+                <a:spcPct val="140000"/>
               </a:lnSpc>
               <a:spcBef>
                 <a:spcPts val="500"/>
@@ -29690,7 +27548,7 @@
               <a:buChar char="•"/>
               <a:defRPr/>
             </a:pPr>
-            <a:endParaRPr lang="en-US" sz="2000" dirty="0" smtClean="0">
+            <a:endParaRPr lang="en-US" sz="1800" dirty="0" smtClean="0">
               <a:solidFill>
                 <a:srgbClr val="003F6E"/>
               </a:solidFill>
@@ -29763,10 +27621,10 @@
         </p:nvGrpSpPr>
         <p:grpSpPr bwMode="auto">
           <a:xfrm>
-            <a:off x="827088" y="1557338"/>
-            <a:ext cx="7416800" cy="3560762"/>
-            <a:chOff x="611560" y="2204864"/>
-            <a:chExt cx="7416824" cy="3560817"/>
+            <a:off x="845522" y="1415186"/>
+            <a:ext cx="6966838" cy="3237950"/>
+            <a:chOff x="534901" y="2204864"/>
+            <a:chExt cx="7416824" cy="3447130"/>
           </a:xfrm>
         </p:grpSpPr>
         <p:sp>
@@ -29777,7 +27635,7 @@
           </p:nvSpPr>
           <p:spPr>
             <a:xfrm>
-              <a:off x="611560" y="2420767"/>
+              <a:off x="534901" y="2459851"/>
               <a:ext cx="2232032" cy="1082692"/>
             </a:xfrm>
             <a:prstGeom prst="rect">
@@ -29804,7 +27662,7 @@
                 <a:defRPr/>
               </a:pPr>
               <a:r>
-                <a:rPr lang="it-IT" sz="1800" dirty="0" err="1">
+                <a:rPr lang="it-IT" sz="1600" dirty="0" err="1">
                   <a:solidFill>
                     <a:srgbClr val="003F6E"/>
                   </a:solidFill>
@@ -29813,7 +27671,7 @@
                 <a:t>W</a:t>
               </a:r>
               <a:r>
-                <a:rPr lang="en-US" sz="1800" dirty="0" err="1">
+                <a:rPr lang="en-US" sz="1600" dirty="0" err="1">
                   <a:solidFill>
                     <a:srgbClr val="003F6E"/>
                   </a:solidFill>
@@ -29822,7 +27680,7 @@
                 <a:t>orkload</a:t>
               </a:r>
               <a:r>
-                <a:rPr lang="en-US" sz="1800" dirty="0">
+                <a:rPr lang="en-US" sz="1600" dirty="0">
                   <a:solidFill>
                     <a:srgbClr val="003F6E"/>
                   </a:solidFill>
@@ -29845,7 +27703,7 @@
                 <a:defRPr/>
               </a:pPr>
               <a:r>
-                <a:rPr lang="en-US" sz="1800" dirty="0">
+                <a:rPr lang="en-US" sz="1600" dirty="0">
                   <a:solidFill>
                     <a:srgbClr val="003F6E"/>
                   </a:solidFill>
@@ -29858,7 +27716,7 @@
               <a:pPr algn="ctr">
                 <a:defRPr/>
               </a:pPr>
-              <a:endParaRPr lang="it-IT" sz="1800" dirty="0"/>
+              <a:endParaRPr lang="it-IT" sz="1600" dirty="0"/>
             </a:p>
           </p:txBody>
         </p:sp>
@@ -30013,7 +27871,7 @@
               <a:p>
                 <a:pPr algn="ctr"/>
                 <a:r>
-                  <a:rPr lang="it-IT" sz="1600">
+                  <a:rPr lang="it-IT" sz="1600" dirty="0" err="1">
                     <a:solidFill>
                       <a:srgbClr val="003F6E"/>
                     </a:solidFill>
@@ -30021,8 +27879,17 @@
                   </a:rPr>
                   <a:t>Transaction</a:t>
                 </a:r>
+                <a:r>
+                  <a:rPr lang="it-IT" sz="1600" dirty="0">
+                    <a:solidFill>
+                      <a:srgbClr val="003F6E"/>
+                    </a:solidFill>
+                    <a:latin typeface="Arial" charset="0"/>
+                  </a:rPr>
+                  <a:t/>
+                </a:r>
                 <a:br>
-                  <a:rPr lang="it-IT" sz="1600">
+                  <a:rPr lang="it-IT" sz="1600" dirty="0">
                     <a:solidFill>
                       <a:srgbClr val="003F6E"/>
                     </a:solidFill>
@@ -30030,7 +27897,7 @@
                   </a:rPr>
                 </a:br>
                 <a:r>
-                  <a:rPr lang="it-IT" sz="1600">
+                  <a:rPr lang="it-IT" sz="1600" dirty="0" err="1">
                     <a:solidFill>
                       <a:srgbClr val="003F6E"/>
                     </a:solidFill>
@@ -30038,8 +27905,17 @@
                   </a:rPr>
                   <a:t>phase</a:t>
                 </a:r>
+                <a:r>
+                  <a:rPr lang="it-IT" sz="1600" dirty="0">
+                    <a:solidFill>
+                      <a:srgbClr val="003F6E"/>
+                    </a:solidFill>
+                    <a:latin typeface="Arial" charset="0"/>
+                  </a:rPr>
+                  <a:t/>
+                </a:r>
                 <a:br>
-                  <a:rPr lang="it-IT" sz="1600">
+                  <a:rPr lang="it-IT" sz="1600" dirty="0">
                     <a:solidFill>
                       <a:srgbClr val="003F6E"/>
                     </a:solidFill>
@@ -30047,13 +27923,31 @@
                   </a:rPr>
                 </a:br>
                 <a:r>
-                  <a:rPr lang="it-IT" sz="1600">
+                  <a:rPr lang="it-IT" sz="1600" dirty="0">
                     <a:solidFill>
                       <a:srgbClr val="003F6E"/>
                     </a:solidFill>
                     <a:latin typeface="Arial" charset="0"/>
                   </a:rPr>
-                  <a:t>(read)</a:t>
+                  <a:t>(</a:t>
+                </a:r>
+                <a:r>
+                  <a:rPr lang="it-IT" sz="1600" dirty="0" err="1">
+                    <a:solidFill>
+                      <a:srgbClr val="003F6E"/>
+                    </a:solidFill>
+                    <a:latin typeface="Arial" charset="0"/>
+                  </a:rPr>
+                  <a:t>read</a:t>
+                </a:r>
+                <a:r>
+                  <a:rPr lang="it-IT" sz="1600" dirty="0">
+                    <a:solidFill>
+                      <a:srgbClr val="003F6E"/>
+                    </a:solidFill>
+                    <a:latin typeface="Arial" charset="0"/>
+                  </a:rPr>
+                  <a:t>)</a:t>
                 </a:r>
               </a:p>
             </p:txBody>
@@ -30168,7 +28062,7 @@
               <a:p>
                 <a:pPr algn="ctr"/>
                 <a:r>
-                  <a:rPr lang="it-IT" sz="1600">
+                  <a:rPr lang="it-IT" sz="1600" dirty="0" err="1">
                     <a:solidFill>
                       <a:srgbClr val="003F6E"/>
                     </a:solidFill>
@@ -30176,8 +28070,17 @@
                   </a:rPr>
                   <a:t>Load</a:t>
                 </a:r>
+                <a:r>
+                  <a:rPr lang="it-IT" sz="1600" dirty="0">
+                    <a:solidFill>
+                      <a:srgbClr val="003F6E"/>
+                    </a:solidFill>
+                    <a:latin typeface="Arial" charset="0"/>
+                  </a:rPr>
+                  <a:t/>
+                </a:r>
                 <a:br>
-                  <a:rPr lang="it-IT" sz="1600">
+                  <a:rPr lang="it-IT" sz="1600" dirty="0">
                     <a:solidFill>
                       <a:srgbClr val="003F6E"/>
                     </a:solidFill>
@@ -30185,7 +28088,7 @@
                   </a:rPr>
                 </a:br>
                 <a:r>
-                  <a:rPr lang="it-IT" sz="1600">
+                  <a:rPr lang="it-IT" sz="1600" dirty="0" err="1">
                     <a:solidFill>
                       <a:srgbClr val="003F6E"/>
                     </a:solidFill>
@@ -30193,17 +28096,41 @@
                   </a:rPr>
                   <a:t>phase</a:t>
                 </a:r>
+                <a:endParaRPr lang="it-IT" sz="1600" dirty="0">
+                  <a:solidFill>
+                    <a:srgbClr val="003F6E"/>
+                  </a:solidFill>
+                  <a:latin typeface="Arial" charset="0"/>
+                </a:endParaRPr>
               </a:p>
               <a:p>
                 <a:pPr algn="ctr"/>
                 <a:r>
-                  <a:rPr lang="it-IT" sz="1600">
+                  <a:rPr lang="it-IT" sz="1600" dirty="0">
                     <a:solidFill>
                       <a:srgbClr val="003F6E"/>
                     </a:solidFill>
                     <a:latin typeface="Arial" charset="0"/>
                   </a:rPr>
-                  <a:t>(write)</a:t>
+                  <a:t>(</a:t>
+                </a:r>
+                <a:r>
+                  <a:rPr lang="it-IT" sz="1600" dirty="0" err="1">
+                    <a:solidFill>
+                      <a:srgbClr val="003F6E"/>
+                    </a:solidFill>
+                    <a:latin typeface="Arial" charset="0"/>
+                  </a:rPr>
+                  <a:t>write</a:t>
+                </a:r>
+                <a:r>
+                  <a:rPr lang="it-IT" sz="1600" dirty="0">
+                    <a:solidFill>
+                      <a:srgbClr val="003F6E"/>
+                    </a:solidFill>
+                    <a:latin typeface="Arial" charset="0"/>
+                  </a:rPr>
+                  <a:t>)</a:t>
                 </a:r>
               </a:p>
             </p:txBody>
@@ -30763,8 +28690,8 @@
           </p:nvSpPr>
           <p:spPr bwMode="auto">
             <a:xfrm>
-              <a:off x="5796136" y="2735681"/>
-              <a:ext cx="2232248" cy="1080296"/>
+              <a:off x="5824370" y="2735681"/>
+              <a:ext cx="2127355" cy="1033220"/>
             </a:xfrm>
             <a:prstGeom prst="rect">
               <a:avLst/>
@@ -30794,7 +28721,7 @@
             </a:extLst>
           </p:spPr>
           <p:txBody>
-            <a:bodyPr>
+            <a:bodyPr wrap="square">
               <a:spAutoFit/>
             </a:bodyPr>
             <a:lstStyle>
@@ -30950,7 +28877,7 @@
                 <a:buNone/>
               </a:pPr>
               <a:r>
-                <a:rPr lang="it-IT" sz="1800">
+                <a:rPr lang="it-IT" sz="1600" dirty="0">
                   <a:solidFill>
                     <a:srgbClr val="003F6E"/>
                   </a:solidFill>
@@ -30959,7 +28886,7 @@
                 <a:t>        Write</a:t>
               </a:r>
               <a:br>
-                <a:rPr lang="it-IT" sz="1800">
+                <a:rPr lang="it-IT" sz="1600" dirty="0">
                   <a:solidFill>
                     <a:srgbClr val="003F6E"/>
                   </a:solidFill>
@@ -30967,16 +28894,34 @@
                 </a:rPr>
               </a:br>
               <a:r>
-                <a:rPr lang="it-IT" sz="1800">
+                <a:rPr lang="it-IT" sz="1600" dirty="0">
                   <a:solidFill>
                     <a:srgbClr val="003F6E"/>
                   </a:solidFill>
                   <a:latin typeface="Arial" charset="0"/>
                 </a:rPr>
-                <a:t>     operation </a:t>
+                <a:t>     </a:t>
+              </a:r>
+              <a:r>
+                <a:rPr lang="it-IT" sz="1600" dirty="0" err="1">
+                  <a:solidFill>
+                    <a:srgbClr val="003F6E"/>
+                  </a:solidFill>
+                  <a:latin typeface="Arial" charset="0"/>
+                </a:rPr>
+                <a:t>operation</a:t>
+              </a:r>
+              <a:r>
+                <a:rPr lang="it-IT" sz="1600" dirty="0">
+                  <a:solidFill>
+                    <a:srgbClr val="003F6E"/>
+                  </a:solidFill>
+                  <a:latin typeface="Arial" charset="0"/>
+                </a:rPr>
+                <a:t> </a:t>
               </a:r>
               <a:br>
-                <a:rPr lang="it-IT" sz="1800">
+                <a:rPr lang="it-IT" sz="1600" dirty="0">
                   <a:solidFill>
                     <a:srgbClr val="003F6E"/>
                   </a:solidFill>
@@ -30984,7 +28929,7 @@
                 </a:rPr>
               </a:br>
               <a:r>
-                <a:rPr lang="it-IT" sz="1800">
+                <a:rPr lang="it-IT" sz="1600" dirty="0">
                   <a:solidFill>
                     <a:srgbClr val="003F6E"/>
                   </a:solidFill>
@@ -30992,7 +28937,7 @@
                 </a:rPr>
                 <a:t>       report</a:t>
               </a:r>
-              <a:endParaRPr lang="en-US" sz="1800">
+              <a:endParaRPr lang="en-US" sz="1600" dirty="0">
                 <a:solidFill>
                   <a:srgbClr val="003F6E"/>
                 </a:solidFill>
@@ -31009,8 +28954,8 @@
           </p:nvSpPr>
           <p:spPr>
             <a:xfrm>
-              <a:off x="5796352" y="4436923"/>
-              <a:ext cx="2232032" cy="1328758"/>
+              <a:off x="5824370" y="4436923"/>
+              <a:ext cx="2127355" cy="1215071"/>
             </a:xfrm>
             <a:prstGeom prst="rect">
               <a:avLst/>
@@ -31018,7 +28963,7 @@
             <a:noFill/>
           </p:spPr>
           <p:txBody>
-            <a:bodyPr>
+            <a:bodyPr wrap="square">
               <a:spAutoFit/>
             </a:bodyPr>
             <a:lstStyle/>
@@ -31036,7 +28981,7 @@
                 <a:defRPr/>
               </a:pPr>
               <a:r>
-                <a:rPr lang="it-IT" sz="1800" dirty="0">
+                <a:rPr lang="it-IT" sz="1600" dirty="0">
                   <a:solidFill>
                     <a:srgbClr val="003F6E"/>
                   </a:solidFill>
@@ -31059,7 +29004,7 @@
                 <a:defRPr/>
               </a:pPr>
               <a:r>
-                <a:rPr lang="it-IT" sz="1800" dirty="0">
+                <a:rPr lang="it-IT" sz="1600" dirty="0">
                   <a:solidFill>
                     <a:srgbClr val="003F6E"/>
                   </a:solidFill>
@@ -31068,7 +29013,7 @@
                 <a:t>     </a:t>
               </a:r>
               <a:r>
-                <a:rPr lang="it-IT" sz="1800" dirty="0" err="1">
+                <a:rPr lang="it-IT" sz="1600" dirty="0" err="1">
                   <a:solidFill>
                     <a:srgbClr val="003F6E"/>
                   </a:solidFill>
@@ -31077,7 +29022,7 @@
                 <a:t>operation</a:t>
               </a:r>
               <a:r>
-                <a:rPr lang="it-IT" sz="1800" dirty="0">
+                <a:rPr lang="it-IT" sz="1600" dirty="0">
                   <a:solidFill>
                     <a:srgbClr val="003F6E"/>
                   </a:solidFill>
@@ -31086,7 +29031,7 @@
                 <a:t> </a:t>
               </a:r>
               <a:br>
-                <a:rPr lang="it-IT" sz="1800" dirty="0">
+                <a:rPr lang="it-IT" sz="1600" dirty="0">
                   <a:solidFill>
                     <a:srgbClr val="003F6E"/>
                   </a:solidFill>
@@ -31094,7 +29039,7 @@
                 </a:rPr>
               </a:br>
               <a:r>
-                <a:rPr lang="it-IT" sz="1800" dirty="0">
+                <a:rPr lang="it-IT" sz="1600" dirty="0">
                   <a:solidFill>
                     <a:srgbClr val="003F6E"/>
                   </a:solidFill>
@@ -31102,7 +29047,7 @@
                 </a:rPr>
                 <a:t>        report</a:t>
               </a:r>
-              <a:endParaRPr lang="en-US" sz="1800" dirty="0">
+              <a:endParaRPr lang="en-US" sz="1600" dirty="0">
                 <a:solidFill>
                   <a:srgbClr val="003F6E"/>
                 </a:solidFill>
@@ -31116,7 +29061,7 @@
                 </a:lnSpc>
                 <a:defRPr/>
               </a:pPr>
-              <a:endParaRPr lang="it-IT" sz="1800" dirty="0"/>
+              <a:endParaRPr lang="it-IT" sz="1600" dirty="0"/>
             </a:p>
           </p:txBody>
         </p:sp>
@@ -31128,8 +29073,8 @@
           </p:nvSpPr>
           <p:spPr>
             <a:xfrm>
-              <a:off x="4643823" y="4436923"/>
-              <a:ext cx="1368429" cy="649297"/>
+              <a:off x="4444509" y="4462462"/>
+              <a:ext cx="1558498" cy="620369"/>
             </a:xfrm>
             <a:prstGeom prst="rect">
               <a:avLst/>
@@ -31137,7 +29082,7 @@
             <a:noFill/>
           </p:spPr>
           <p:txBody>
-            <a:bodyPr>
+            <a:bodyPr wrap="square">
               <a:spAutoFit/>
             </a:bodyPr>
             <a:lstStyle/>
@@ -31155,7 +29100,7 @@
                 <a:defRPr/>
               </a:pPr>
               <a:r>
-                <a:rPr lang="it-IT" sz="1600" dirty="0" err="1">
+                <a:rPr lang="it-IT" sz="1400" dirty="0" err="1">
                   <a:solidFill>
                     <a:srgbClr val="003F6E"/>
                   </a:solidFill>
@@ -31163,7 +29108,7 @@
                 </a:rPr>
                 <a:t>produces</a:t>
               </a:r>
-              <a:endParaRPr lang="en-US" sz="1600" dirty="0">
+              <a:endParaRPr lang="en-US" sz="1400" dirty="0">
                 <a:solidFill>
                   <a:srgbClr val="003F6E"/>
                 </a:solidFill>
@@ -31174,7 +29119,7 @@
               <a:pPr algn="ctr">
                 <a:defRPr/>
               </a:pPr>
-              <a:endParaRPr lang="it-IT" sz="1800" dirty="0"/>
+              <a:endParaRPr lang="it-IT" sz="1600" dirty="0"/>
             </a:p>
           </p:txBody>
         </p:sp>
@@ -31257,7 +29202,7 @@
                 <a:defRPr/>
               </a:pPr>
               <a:r>
-                <a:rPr lang="it-IT" sz="1600" dirty="0" err="1">
+                <a:rPr lang="it-IT" sz="1400" dirty="0" err="1">
                   <a:solidFill>
                     <a:srgbClr val="003F6E"/>
                   </a:solidFill>
@@ -32309,16 +30254,7 @@
                 </a:solidFill>
                 <a:latin typeface="Arial" charset="0"/>
               </a:rPr>
-              <a:t>Test </a:t>
-            </a:r>
-            <a:r>
-              <a:rPr lang="it-IT" b="1" dirty="0" err="1" smtClean="0">
-                <a:solidFill>
-                  <a:srgbClr val="003F6E"/>
-                </a:solidFill>
-                <a:latin typeface="Arial" charset="0"/>
-              </a:rPr>
-              <a:t>environment</a:t>
+              <a:t>Environment setup</a:t>
             </a:r>
             <a:endParaRPr lang="it-IT" b="1" dirty="0" smtClean="0">
               <a:solidFill>
@@ -32503,7 +30439,7 @@
                   <a:t>YCSB </a:t>
                 </a:r>
                 <a:r>
-                  <a:rPr lang="it-IT" sz="1600" dirty="0" err="1">
+                  <a:rPr lang="it-IT" sz="1600" dirty="0" err="1" smtClean="0">
                     <a:solidFill>
                       <a:srgbClr val="003F6E"/>
                     </a:solidFill>
@@ -32890,8 +30826,8 @@
           </p:blipFill>
           <p:spPr bwMode="auto">
             <a:xfrm>
-              <a:off x="3635896" y="5157192"/>
-              <a:ext cx="936104" cy="936104"/>
+              <a:off x="3563201" y="5157192"/>
+              <a:ext cx="1008798" cy="1008798"/>
             </a:xfrm>
             <a:prstGeom prst="rect">
               <a:avLst/>
@@ -33689,8 +31625,8 @@
         </p:nvCxnSpPr>
         <p:spPr bwMode="auto">
           <a:xfrm rot="10800000">
-            <a:off x="3527425" y="4376738"/>
-            <a:ext cx="1765300" cy="708025"/>
+            <a:off x="3676299" y="4377102"/>
+            <a:ext cx="1616431" cy="707662"/>
           </a:xfrm>
           <a:prstGeom prst="curvedConnector3">
             <a:avLst/>
@@ -33734,7 +31670,7 @@
         <p:spPr bwMode="auto">
           <a:xfrm>
             <a:off x="2339975" y="4100513"/>
-            <a:ext cx="1187450" cy="552450"/>
+            <a:ext cx="1336323" cy="553177"/>
           </a:xfrm>
           <a:prstGeom prst="rect">
             <a:avLst/>
@@ -33770,16 +31706,34 @@
           <a:lstStyle/>
           <a:p>
             <a:r>
-              <a:rPr lang="it-IT" sz="1600">
+              <a:rPr lang="it-IT" sz="1600" dirty="0">
                 <a:solidFill>
                   <a:srgbClr val="003F6E"/>
                 </a:solidFill>
                 <a:latin typeface="Arial" charset="0"/>
               </a:rPr>
-              <a:t>X core </a:t>
+              <a:t>4</a:t>
+            </a:r>
+            <a:r>
+              <a:rPr lang="it-IT" sz="1600" dirty="0" smtClean="0">
+                <a:solidFill>
+                  <a:srgbClr val="003F6E"/>
+                </a:solidFill>
+                <a:latin typeface="Arial" charset="0"/>
+              </a:rPr>
+              <a:t> </a:t>
+            </a:r>
+            <a:r>
+              <a:rPr lang="it-IT" sz="1600" dirty="0">
+                <a:solidFill>
+                  <a:srgbClr val="003F6E"/>
+                </a:solidFill>
+                <a:latin typeface="Arial" charset="0"/>
+              </a:rPr>
+              <a:t>core </a:t>
             </a:r>
             <a:br>
-              <a:rPr lang="it-IT" sz="1600">
+              <a:rPr lang="it-IT" sz="1600" dirty="0">
                 <a:solidFill>
                   <a:srgbClr val="003F6E"/>
                 </a:solidFill>
@@ -33787,15 +31741,24 @@
               </a:rPr>
             </a:br>
             <a:r>
-              <a:rPr lang="it-IT" sz="1600">
+              <a:rPr lang="it-IT" sz="1600" dirty="0" smtClean="0">
                 <a:solidFill>
                   <a:srgbClr val="003F6E"/>
                 </a:solidFill>
                 <a:latin typeface="Arial" charset="0"/>
               </a:rPr>
-              <a:t>X GB RAM</a:t>
-            </a:r>
-            <a:endParaRPr lang="it-IT" sz="1600"/>
+              <a:t>3.6 </a:t>
+            </a:r>
+            <a:r>
+              <a:rPr lang="it-IT" sz="1600" dirty="0">
+                <a:solidFill>
+                  <a:srgbClr val="003F6E"/>
+                </a:solidFill>
+                <a:latin typeface="Arial" charset="0"/>
+              </a:rPr>
+              <a:t>GB RAM</a:t>
+            </a:r>
+            <a:endParaRPr lang="it-IT" sz="1600" dirty="0"/>
           </a:p>
         </p:txBody>
       </p:sp>
@@ -37116,6 +35079,126 @@
           </a:p>
         </p:txBody>
       </p:sp>
+      <p:pic>
+        <p:nvPicPr>
+          <p:cNvPr id="2" name="Immagine 1" descr="datastore_cloud_read_latency.png"/>
+          <p:cNvPicPr>
+            <a:picLocks noChangeAspect="1"/>
+          </p:cNvPicPr>
+          <p:nvPr/>
+        </p:nvPicPr>
+        <p:blipFill>
+          <a:blip r:embed="rId3">
+            <a:extLst>
+              <a:ext uri="{28A0092B-C50C-407E-A947-70E740481C1C}">
+                <a14:useLocalDpi xmlns:a14="http://schemas.microsoft.com/office/drawing/2010/main" val="0"/>
+              </a:ext>
+            </a:extLst>
+          </a:blip>
+          <a:stretch>
+            <a:fillRect/>
+          </a:stretch>
+        </p:blipFill>
+        <p:spPr>
+          <a:xfrm>
+            <a:off x="251520" y="908720"/>
+            <a:ext cx="4680000" cy="2748572"/>
+          </a:xfrm>
+          <a:prstGeom prst="rect">
+            <a:avLst/>
+          </a:prstGeom>
+        </p:spPr>
+      </p:pic>
+      <p:pic>
+        <p:nvPicPr>
+          <p:cNvPr id="3" name="Immagine 2" descr="datastore_cloud_read_throughput.png"/>
+          <p:cNvPicPr>
+            <a:picLocks noChangeAspect="1"/>
+          </p:cNvPicPr>
+          <p:nvPr/>
+        </p:nvPicPr>
+        <p:blipFill>
+          <a:blip r:embed="rId4">
+            <a:extLst>
+              <a:ext uri="{28A0092B-C50C-407E-A947-70E740481C1C}">
+                <a14:useLocalDpi xmlns:a14="http://schemas.microsoft.com/office/drawing/2010/main" val="0"/>
+              </a:ext>
+            </a:extLst>
+          </a:blip>
+          <a:stretch>
+            <a:fillRect/>
+          </a:stretch>
+        </p:blipFill>
+        <p:spPr>
+          <a:xfrm>
+            <a:off x="4427984" y="908720"/>
+            <a:ext cx="4680000" cy="2748572"/>
+          </a:xfrm>
+          <a:prstGeom prst="rect">
+            <a:avLst/>
+          </a:prstGeom>
+        </p:spPr>
+      </p:pic>
+      <p:pic>
+        <p:nvPicPr>
+          <p:cNvPr id="5" name="Immagine 4" descr="datastore_cloud_write_latency.png"/>
+          <p:cNvPicPr>
+            <a:picLocks noChangeAspect="1"/>
+          </p:cNvPicPr>
+          <p:nvPr/>
+        </p:nvPicPr>
+        <p:blipFill>
+          <a:blip r:embed="rId5">
+            <a:extLst>
+              <a:ext uri="{28A0092B-C50C-407E-A947-70E740481C1C}">
+                <a14:useLocalDpi xmlns:a14="http://schemas.microsoft.com/office/drawing/2010/main" val="0"/>
+              </a:ext>
+            </a:extLst>
+          </a:blip>
+          <a:stretch>
+            <a:fillRect/>
+          </a:stretch>
+        </p:blipFill>
+        <p:spPr>
+          <a:xfrm>
+            <a:off x="251520" y="3704764"/>
+            <a:ext cx="4680000" cy="2748572"/>
+          </a:xfrm>
+          <a:prstGeom prst="rect">
+            <a:avLst/>
+          </a:prstGeom>
+        </p:spPr>
+      </p:pic>
+      <p:pic>
+        <p:nvPicPr>
+          <p:cNvPr id="6" name="Immagine 5" descr="datastore_cloud_write_throughput.png"/>
+          <p:cNvPicPr>
+            <a:picLocks noChangeAspect="1"/>
+          </p:cNvPicPr>
+          <p:nvPr/>
+        </p:nvPicPr>
+        <p:blipFill>
+          <a:blip r:embed="rId6">
+            <a:extLst>
+              <a:ext uri="{28A0092B-C50C-407E-A947-70E740481C1C}">
+                <a14:useLocalDpi xmlns:a14="http://schemas.microsoft.com/office/drawing/2010/main" val="0"/>
+              </a:ext>
+            </a:extLst>
+          </a:blip>
+          <a:stretch>
+            <a:fillRect/>
+          </a:stretch>
+        </p:blipFill>
+        <p:spPr>
+          <a:xfrm>
+            <a:off x="4427984" y="3704764"/>
+            <a:ext cx="4680000" cy="2748572"/>
+          </a:xfrm>
+          <a:prstGeom prst="rect">
+            <a:avLst/>
+          </a:prstGeom>
+        </p:spPr>
+      </p:pic>
     </p:spTree>
   </p:cSld>
   <p:clrMapOvr>
@@ -37965,6 +36048,24 @@
                 <a:latin typeface="Arial" charset="0"/>
               </a:rPr>
               <a:t>Kunedra</a:t>
+            </a:r>
+            <a:r>
+              <a:rPr lang="it-IT" sz="2000" dirty="0" smtClean="0">
+                <a:solidFill>
+                  <a:srgbClr val="003F6E"/>
+                </a:solidFill>
+                <a:latin typeface="Arial" charset="0"/>
+              </a:rPr>
+              <a:t> </a:t>
+            </a:r>
+            <a:r>
+              <a:rPr lang="it-IT" sz="2000" dirty="0" err="1" smtClean="0">
+                <a:solidFill>
+                  <a:srgbClr val="003F6E"/>
+                </a:solidFill>
+                <a:latin typeface="Arial" charset="0"/>
+              </a:rPr>
+              <a:t>overhead</a:t>
             </a:r>
             <a:r>
               <a:rPr lang="it-IT" sz="2000" dirty="0" smtClean="0">
@@ -38134,7 +36235,13 @@
           <p:cNvGraphicFramePr>
             <a:graphicFrameLocks noGrp="1"/>
           </p:cNvGraphicFramePr>
-          <p:nvPr/>
+          <p:nvPr>
+            <p:extLst>
+              <p:ext uri="{D42A27DB-BD31-4B8C-83A1-F6EECF244321}">
+                <p14:modId xmlns:p14="http://schemas.microsoft.com/office/powerpoint/2010/main" val="2797562105"/>
+              </p:ext>
+            </p:extLst>
+          </p:nvPr>
         </p:nvGraphicFramePr>
         <p:xfrm>
           <a:off x="468313" y="2060575"/>
@@ -38239,7 +36346,11 @@
                       <a:pPr algn="ctr"/>
                       <a:r>
                         <a:rPr lang="it-IT" sz="1800" dirty="0" smtClean="0"/>
-                        <a:t>-13,43 %</a:t>
+                        <a:t>13,43 </a:t>
+                      </a:r>
+                      <a:r>
+                        <a:rPr lang="it-IT" sz="1800" dirty="0" smtClean="0"/>
+                        <a:t>%</a:t>
                       </a:r>
                       <a:endParaRPr lang="it-IT" sz="1800" dirty="0"/>
                     </a:p>
@@ -38254,7 +36365,11 @@
                       <a:pPr algn="ctr"/>
                       <a:r>
                         <a:rPr lang="it-IT" sz="1800" dirty="0" smtClean="0"/>
-                        <a:t>- 12,39 %</a:t>
+                        <a:t>12,39 </a:t>
+                      </a:r>
+                      <a:r>
+                        <a:rPr lang="it-IT" sz="1800" dirty="0" smtClean="0"/>
+                        <a:t>%</a:t>
                       </a:r>
                       <a:endParaRPr lang="it-IT" sz="1800" dirty="0"/>
                     </a:p>
@@ -38269,7 +36384,11 @@
                       <a:pPr algn="ctr"/>
                       <a:r>
                         <a:rPr lang="it-IT" sz="1800" dirty="0" smtClean="0"/>
-                        <a:t>- 4,75 %</a:t>
+                        <a:t>4,75 </a:t>
+                      </a:r>
+                      <a:r>
+                        <a:rPr lang="it-IT" sz="1800" dirty="0" smtClean="0"/>
+                        <a:t>%</a:t>
                       </a:r>
                       <a:endParaRPr lang="it-IT" sz="1800" dirty="0"/>
                     </a:p>
@@ -38284,7 +36403,11 @@
                       <a:pPr algn="ctr"/>
                       <a:r>
                         <a:rPr lang="it-IT" sz="1800" dirty="0" smtClean="0"/>
-                        <a:t>- 6,78 %</a:t>
+                        <a:t>6,78 </a:t>
+                      </a:r>
+                      <a:r>
+                        <a:rPr lang="it-IT" sz="1800" dirty="0" smtClean="0"/>
+                        <a:t>%</a:t>
                       </a:r>
                       <a:endParaRPr lang="it-IT" sz="1800" dirty="0"/>
                     </a:p>
@@ -38589,6 +36712,24 @@
                 <a:latin typeface="Arial" charset="0"/>
               </a:rPr>
               <a:t>Kunedra</a:t>
+            </a:r>
+            <a:r>
+              <a:rPr lang="it-IT" sz="2000" dirty="0" smtClean="0">
+                <a:solidFill>
+                  <a:srgbClr val="003F6E"/>
+                </a:solidFill>
+                <a:latin typeface="Arial" charset="0"/>
+              </a:rPr>
+              <a:t> </a:t>
+            </a:r>
+            <a:r>
+              <a:rPr lang="it-IT" sz="2000" dirty="0" err="1" smtClean="0">
+                <a:solidFill>
+                  <a:srgbClr val="003F6E"/>
+                </a:solidFill>
+                <a:latin typeface="Arial" charset="0"/>
+              </a:rPr>
+              <a:t>overhead</a:t>
             </a:r>
             <a:r>
               <a:rPr lang="it-IT" sz="2000" dirty="0" smtClean="0">
@@ -38758,7 +36899,13 @@
           <p:cNvGraphicFramePr>
             <a:graphicFrameLocks noGrp="1"/>
           </p:cNvGraphicFramePr>
-          <p:nvPr/>
+          <p:nvPr>
+            <p:extLst>
+              <p:ext uri="{D42A27DB-BD31-4B8C-83A1-F6EECF244321}">
+                <p14:modId xmlns:p14="http://schemas.microsoft.com/office/powerpoint/2010/main" val="1820493998"/>
+              </p:ext>
+            </p:extLst>
+          </p:nvPr>
         </p:nvGraphicFramePr>
         <p:xfrm>
           <a:off x="468313" y="4670425"/>
@@ -38861,6 +37008,10 @@
                     <a:lstStyle/>
                     <a:p>
                       <a:pPr algn="ctr"/>
+                      <a:r>
+                        <a:rPr lang="it-IT" sz="1800" dirty="0" smtClean="0"/>
+                        <a:t>4,36 %</a:t>
+                      </a:r>
                       <a:endParaRPr lang="it-IT" sz="1800" dirty="0"/>
                     </a:p>
                   </a:txBody>
@@ -38872,6 +37023,10 @@
                     <a:lstStyle/>
                     <a:p>
                       <a:pPr algn="ctr"/>
+                      <a:r>
+                        <a:rPr lang="it-IT" sz="1800" dirty="0" smtClean="0"/>
+                        <a:t>4,39 %</a:t>
+                      </a:r>
                       <a:endParaRPr lang="it-IT" sz="1800" dirty="0"/>
                     </a:p>
                   </a:txBody>
@@ -38882,8 +37037,27 @@
                     <a:bodyPr/>
                     <a:lstStyle/>
                     <a:p>
-                      <a:pPr algn="ctr"/>
-                      <a:endParaRPr lang="it-IT" sz="1800"/>
+                      <a:pPr marL="0" marR="0" indent="0" algn="ctr" defTabSz="457200" rtl="0" eaLnBrk="1" fontAlgn="auto" latinLnBrk="0" hangingPunct="1">
+                        <a:lnSpc>
+                          <a:spcPct val="100000"/>
+                        </a:lnSpc>
+                        <a:spcBef>
+                          <a:spcPts val="0"/>
+                        </a:spcBef>
+                        <a:spcAft>
+                          <a:spcPts val="0"/>
+                        </a:spcAft>
+                        <a:buClrTx/>
+                        <a:buSzTx/>
+                        <a:buFontTx/>
+                        <a:buNone/>
+                        <a:tabLst/>
+                        <a:defRPr/>
+                      </a:pPr>
+                      <a:r>
+                        <a:rPr lang="it-IT" sz="1800" dirty="0" smtClean="0"/>
+                        <a:t>0,76 %</a:t>
+                      </a:r>
                     </a:p>
                   </a:txBody>
                   <a:tcPr marL="91439" marR="91439" marT="45673" marB="45673" anchor="ctr"/>
@@ -38894,6 +37068,10 @@
                     <a:lstStyle/>
                     <a:p>
                       <a:pPr algn="ctr"/>
+                      <a:r>
+                        <a:rPr lang="it-IT" sz="1800" dirty="0" smtClean="0"/>
+                        <a:t>2,03 %</a:t>
+                      </a:r>
                       <a:endParaRPr lang="it-IT" sz="1800" dirty="0"/>
                     </a:p>
                   </a:txBody>
@@ -39443,8 +37621,8 @@
         </p:nvSpPr>
         <p:spPr bwMode="auto">
           <a:xfrm>
-            <a:off x="523875" y="908050"/>
-            <a:ext cx="8224838" cy="5203825"/>
+            <a:off x="523874" y="908050"/>
+            <a:ext cx="8440614" cy="5203825"/>
           </a:xfrm>
           <a:prstGeom prst="rect">
             <a:avLst/>
@@ -39780,7 +37958,123 @@
                 </a:solidFill>
                 <a:latin typeface="Arial" charset="0"/>
               </a:rPr>
-              <a:t>New clients for Kundera to </a:t>
+              <a:t>Integratio</a:t>
+            </a:r>
+            <a:r>
+              <a:rPr lang="it-IT" sz="2000" dirty="0" smtClean="0">
+                <a:solidFill>
+                  <a:srgbClr val="003F6E"/>
+                </a:solidFill>
+                <a:latin typeface="Arial" charset="0"/>
+              </a:rPr>
+              <a:t>n of Kundera in CPIM </a:t>
+            </a:r>
+            <a:r>
+              <a:rPr lang="it-IT" sz="2000" dirty="0" err="1" smtClean="0">
+                <a:solidFill>
+                  <a:srgbClr val="003F6E"/>
+                </a:solidFill>
+                <a:latin typeface="Arial" charset="0"/>
+              </a:rPr>
+              <a:t>library</a:t>
+            </a:r>
+            <a:endParaRPr lang="it-IT" sz="2000" dirty="0" smtClean="0">
+              <a:solidFill>
+                <a:srgbClr val="003F6E"/>
+              </a:solidFill>
+              <a:latin typeface="Arial" charset="0"/>
+            </a:endParaRPr>
+          </a:p>
+          <a:p>
+            <a:pPr marL="736600" lvl="1" indent="-279400">
+              <a:buClr>
+                <a:srgbClr val="004C80"/>
+              </a:buClr>
+              <a:buSzPct val="45000"/>
+              <a:buFont typeface="Wingdings" charset="0"/>
+              <a:buChar char=""/>
+              <a:tabLst>
+                <a:tab pos="342900" algn="l"/>
+                <a:tab pos="455613" algn="l"/>
+                <a:tab pos="912813" algn="l"/>
+                <a:tab pos="1370013" algn="l"/>
+                <a:tab pos="1827213" algn="l"/>
+                <a:tab pos="2284413" algn="l"/>
+                <a:tab pos="2741613" algn="l"/>
+                <a:tab pos="3198813" algn="l"/>
+                <a:tab pos="3656013" algn="l"/>
+                <a:tab pos="4113213" algn="l"/>
+                <a:tab pos="4570413" algn="l"/>
+                <a:tab pos="5027613" algn="l"/>
+                <a:tab pos="5484813" algn="l"/>
+                <a:tab pos="5942013" algn="l"/>
+                <a:tab pos="6399213" algn="l"/>
+                <a:tab pos="6856413" algn="l"/>
+                <a:tab pos="7313613" algn="l"/>
+                <a:tab pos="7770813" algn="l"/>
+                <a:tab pos="8228013" algn="l"/>
+                <a:tab pos="8685213" algn="l"/>
+                <a:tab pos="9142413" algn="l"/>
+              </a:tabLst>
+              <a:defRPr/>
+            </a:pPr>
+            <a:endParaRPr lang="it-IT" sz="2000" dirty="0" smtClean="0">
+              <a:solidFill>
+                <a:srgbClr val="003F6E"/>
+              </a:solidFill>
+              <a:latin typeface="Arial" charset="0"/>
+            </a:endParaRPr>
+          </a:p>
+          <a:p>
+            <a:pPr marL="736600" lvl="1" indent="-279400">
+              <a:buClr>
+                <a:srgbClr val="004C80"/>
+              </a:buClr>
+              <a:buSzPct val="45000"/>
+              <a:buFont typeface="Wingdings" charset="0"/>
+              <a:buChar char=""/>
+              <a:tabLst>
+                <a:tab pos="342900" algn="l"/>
+                <a:tab pos="455613" algn="l"/>
+                <a:tab pos="912813" algn="l"/>
+                <a:tab pos="1370013" algn="l"/>
+                <a:tab pos="1827213" algn="l"/>
+                <a:tab pos="2284413" algn="l"/>
+                <a:tab pos="2741613" algn="l"/>
+                <a:tab pos="3198813" algn="l"/>
+                <a:tab pos="3656013" algn="l"/>
+                <a:tab pos="4113213" algn="l"/>
+                <a:tab pos="4570413" algn="l"/>
+                <a:tab pos="5027613" algn="l"/>
+                <a:tab pos="5484813" algn="l"/>
+                <a:tab pos="5942013" algn="l"/>
+                <a:tab pos="6399213" algn="l"/>
+                <a:tab pos="6856413" algn="l"/>
+                <a:tab pos="7313613" algn="l"/>
+                <a:tab pos="7770813" algn="l"/>
+                <a:tab pos="8228013" algn="l"/>
+                <a:tab pos="8685213" algn="l"/>
+                <a:tab pos="9142413" algn="l"/>
+              </a:tabLst>
+              <a:defRPr/>
+            </a:pPr>
+            <a:r>
+              <a:rPr lang="it-IT" sz="2000" dirty="0">
+                <a:solidFill>
+                  <a:srgbClr val="003F6E"/>
+                </a:solidFill>
+                <a:latin typeface="Arial" charset="0"/>
+              </a:rPr>
+              <a:t>New Kundera </a:t>
+            </a:r>
+            <a:r>
+              <a:rPr lang="it-IT" sz="2000" dirty="0" smtClean="0">
+                <a:solidFill>
+                  <a:srgbClr val="003F6E"/>
+                </a:solidFill>
+                <a:latin typeface="Arial" charset="0"/>
+              </a:rPr>
+              <a:t>clients to </a:t>
             </a:r>
             <a:r>
               <a:rPr lang="it-IT" sz="2000" dirty="0" err="1" smtClean="0">
@@ -40102,7 +38396,10 @@
             </a:endParaRPr>
           </a:p>
           <a:p>
-            <a:pPr>
+            <a:pPr marL="457200" lvl="1" indent="0">
+              <a:buClr>
+                <a:srgbClr val="004C80"/>
+              </a:buClr>
               <a:buSzPct val="45000"/>
               <a:tabLst>
                 <a:tab pos="342900" algn="l"/>
@@ -40210,167 +38507,6 @@
               <a:defRPr/>
             </a:pPr>
             <a:r>
-              <a:rPr lang="it-IT" sz="2000" dirty="0" err="1">
-                <a:solidFill>
-                  <a:srgbClr val="003F6E"/>
-                </a:solidFill>
-                <a:latin typeface="Arial" charset="0"/>
-              </a:rPr>
-              <a:t>Develop</a:t>
-            </a:r>
-            <a:r>
-              <a:rPr lang="it-IT" sz="2000" dirty="0">
-                <a:solidFill>
-                  <a:srgbClr val="003F6E"/>
-                </a:solidFill>
-                <a:latin typeface="Arial" charset="0"/>
-              </a:rPr>
-              <a:t> new </a:t>
-            </a:r>
-            <a:r>
-              <a:rPr lang="it-IT" sz="2000" dirty="0" err="1">
-                <a:solidFill>
-                  <a:srgbClr val="003F6E"/>
-                </a:solidFill>
-                <a:latin typeface="Arial" charset="0"/>
-              </a:rPr>
-              <a:t>extensions</a:t>
-            </a:r>
-            <a:r>
-              <a:rPr lang="it-IT" sz="2000" dirty="0">
-                <a:solidFill>
-                  <a:srgbClr val="003F6E"/>
-                </a:solidFill>
-                <a:latin typeface="Arial" charset="0"/>
-              </a:rPr>
-              <a:t> for Kundera to </a:t>
-            </a:r>
-            <a:r>
-              <a:rPr lang="it-IT" sz="2000" dirty="0" err="1">
-                <a:solidFill>
-                  <a:srgbClr val="003F6E"/>
-                </a:solidFill>
-                <a:latin typeface="Arial" charset="0"/>
-              </a:rPr>
-              <a:t>support</a:t>
-            </a:r>
-            <a:r>
-              <a:rPr lang="it-IT" sz="2000" dirty="0">
-                <a:solidFill>
-                  <a:srgbClr val="003F6E"/>
-                </a:solidFill>
-                <a:latin typeface="Arial" charset="0"/>
-              </a:rPr>
-              <a:t> more </a:t>
-            </a:r>
-            <a:r>
-              <a:rPr lang="it-IT" sz="2000" dirty="0" err="1">
-                <a:solidFill>
-                  <a:srgbClr val="003F6E"/>
-                </a:solidFill>
-                <a:latin typeface="Arial" charset="0"/>
-              </a:rPr>
-              <a:t>NoSQL</a:t>
-            </a:r>
-            <a:r>
-              <a:rPr lang="it-IT" sz="2000" dirty="0">
-                <a:solidFill>
-                  <a:srgbClr val="003F6E"/>
-                </a:solidFill>
-                <a:latin typeface="Arial" charset="0"/>
-              </a:rPr>
-              <a:t> </a:t>
-            </a:r>
-            <a:r>
-              <a:rPr lang="it-IT" sz="2000" dirty="0" err="1" smtClean="0">
-                <a:solidFill>
-                  <a:srgbClr val="003F6E"/>
-                </a:solidFill>
-                <a:latin typeface="Arial" charset="0"/>
-              </a:rPr>
-              <a:t>technologies</a:t>
-            </a:r>
-            <a:endParaRPr lang="it-IT" sz="2000" dirty="0" smtClean="0">
-              <a:solidFill>
-                <a:srgbClr val="003F6E"/>
-              </a:solidFill>
-              <a:latin typeface="Arial" charset="0"/>
-            </a:endParaRPr>
-          </a:p>
-          <a:p>
-            <a:pPr marL="736600" lvl="1" indent="-279400">
-              <a:buClr>
-                <a:srgbClr val="004C80"/>
-              </a:buClr>
-              <a:buSzPct val="45000"/>
-              <a:buFont typeface="Wingdings" charset="0"/>
-              <a:buChar char=""/>
-              <a:tabLst>
-                <a:tab pos="342900" algn="l"/>
-                <a:tab pos="455613" algn="l"/>
-                <a:tab pos="912813" algn="l"/>
-                <a:tab pos="1370013" algn="l"/>
-                <a:tab pos="1827213" algn="l"/>
-                <a:tab pos="2284413" algn="l"/>
-                <a:tab pos="2741613" algn="l"/>
-                <a:tab pos="3198813" algn="l"/>
-                <a:tab pos="3656013" algn="l"/>
-                <a:tab pos="4113213" algn="l"/>
-                <a:tab pos="4570413" algn="l"/>
-                <a:tab pos="5027613" algn="l"/>
-                <a:tab pos="5484813" algn="l"/>
-                <a:tab pos="5942013" algn="l"/>
-                <a:tab pos="6399213" algn="l"/>
-                <a:tab pos="6856413" algn="l"/>
-                <a:tab pos="7313613" algn="l"/>
-                <a:tab pos="7770813" algn="l"/>
-                <a:tab pos="8228013" algn="l"/>
-                <a:tab pos="8685213" algn="l"/>
-                <a:tab pos="9142413" algn="l"/>
-              </a:tabLst>
-              <a:defRPr/>
-            </a:pPr>
-            <a:endParaRPr lang="it-IT" sz="2000" dirty="0">
-              <a:solidFill>
-                <a:srgbClr val="003F6E"/>
-              </a:solidFill>
-              <a:latin typeface="Arial" charset="0"/>
-            </a:endParaRPr>
-          </a:p>
-          <a:p>
-            <a:pPr marL="736600" lvl="1" indent="-279400">
-              <a:buClr>
-                <a:srgbClr val="004C80"/>
-              </a:buClr>
-              <a:buSzPct val="45000"/>
-              <a:buFont typeface="Wingdings" charset="0"/>
-              <a:buChar char=""/>
-              <a:tabLst>
-                <a:tab pos="342900" algn="l"/>
-                <a:tab pos="455613" algn="l"/>
-                <a:tab pos="912813" algn="l"/>
-                <a:tab pos="1370013" algn="l"/>
-                <a:tab pos="1827213" algn="l"/>
-                <a:tab pos="2284413" algn="l"/>
-                <a:tab pos="2741613" algn="l"/>
-                <a:tab pos="3198813" algn="l"/>
-                <a:tab pos="3656013" algn="l"/>
-                <a:tab pos="4113213" algn="l"/>
-                <a:tab pos="4570413" algn="l"/>
-                <a:tab pos="5027613" algn="l"/>
-                <a:tab pos="5484813" algn="l"/>
-                <a:tab pos="5942013" algn="l"/>
-                <a:tab pos="6399213" algn="l"/>
-                <a:tab pos="6856413" algn="l"/>
-                <a:tab pos="7313613" algn="l"/>
-                <a:tab pos="7770813" algn="l"/>
-                <a:tab pos="8228013" algn="l"/>
-                <a:tab pos="8685213" algn="l"/>
-                <a:tab pos="9142413" algn="l"/>
-              </a:tabLst>
-              <a:defRPr/>
-            </a:pPr>
-            <a:r>
               <a:rPr lang="it-IT" sz="2000" dirty="0" smtClean="0">
                 <a:solidFill>
                   <a:srgbClr val="003F6E"/>
@@ -40449,40 +38585,17 @@
                 </a:solidFill>
                 <a:latin typeface="Arial" charset="0"/>
               </a:rPr>
-              <a:t> by Kundera team</a:t>
-            </a:r>
-          </a:p>
-          <a:p>
-            <a:pPr marL="457200" lvl="1" indent="0">
-              <a:buClr>
-                <a:srgbClr val="004C80"/>
-              </a:buClr>
-              <a:buSzPct val="45000"/>
-              <a:tabLst>
-                <a:tab pos="342900" algn="l"/>
-                <a:tab pos="455613" algn="l"/>
-                <a:tab pos="912813" algn="l"/>
-                <a:tab pos="1370013" algn="l"/>
-                <a:tab pos="1827213" algn="l"/>
-                <a:tab pos="2284413" algn="l"/>
-                <a:tab pos="2741613" algn="l"/>
-                <a:tab pos="3198813" algn="l"/>
-                <a:tab pos="3656013" algn="l"/>
-                <a:tab pos="4113213" algn="l"/>
-                <a:tab pos="4570413" algn="l"/>
-                <a:tab pos="5027613" algn="l"/>
-                <a:tab pos="5484813" algn="l"/>
-                <a:tab pos="5942013" algn="l"/>
-                <a:tab pos="6399213" algn="l"/>
-                <a:tab pos="6856413" algn="l"/>
-                <a:tab pos="7313613" algn="l"/>
-                <a:tab pos="7770813" algn="l"/>
-                <a:tab pos="8228013" algn="l"/>
-                <a:tab pos="8685213" algn="l"/>
-                <a:tab pos="9142413" algn="l"/>
-              </a:tabLst>
-              <a:defRPr/>
-            </a:pPr>
+              <a:t> by Kundera </a:t>
+            </a:r>
+            <a:r>
+              <a:rPr lang="it-IT" sz="2000" dirty="0" smtClean="0">
+                <a:solidFill>
+                  <a:srgbClr val="003F6E"/>
+                </a:solidFill>
+                <a:latin typeface="Arial" charset="0"/>
+              </a:rPr>
+              <a:t>team</a:t>
+            </a:r>
             <a:endParaRPr lang="it-IT" sz="2000" dirty="0">
               <a:solidFill>
                 <a:srgbClr val="FF0000"/>
@@ -45528,436 +43641,6 @@
       </p:sp>
       <p:sp>
         <p:nvSpPr>
-          <p:cNvPr id="6146" name="Text Box 2"/>
-          <p:cNvSpPr txBox="1">
-            <a:spLocks noChangeArrowheads="1"/>
-          </p:cNvSpPr>
-          <p:nvPr/>
-        </p:nvSpPr>
-        <p:spPr bwMode="auto">
-          <a:xfrm>
-            <a:off x="611188" y="5084763"/>
-            <a:ext cx="8224837" cy="877887"/>
-          </a:xfrm>
-          <a:prstGeom prst="rect">
-            <a:avLst/>
-          </a:prstGeom>
-          <a:noFill/>
-          <a:ln>
-            <a:noFill/>
-          </a:ln>
-          <a:effectLst/>
-          <a:extLst>
-            <a:ext uri="{909E8E84-426E-40dd-AFC4-6F175D3DCCD1}">
-              <a14:hiddenFill xmlns:a14="http://schemas.microsoft.com/office/drawing/2010/main">
-                <a:solidFill>
-                  <a:srgbClr val="FFFFFF"/>
-                </a:solidFill>
-              </a14:hiddenFill>
-            </a:ext>
-            <a:ext uri="{91240B29-F687-4f45-9708-019B960494DF}">
-              <a14:hiddenLine xmlns:a14="http://schemas.microsoft.com/office/drawing/2010/main" w="9525" cap="flat">
-                <a:solidFill>
-                  <a:srgbClr val="808080"/>
-                </a:solidFill>
-                <a:round/>
-                <a:headEnd/>
-                <a:tailEnd/>
-              </a14:hiddenLine>
-            </a:ext>
-            <a:ext uri="{AF507438-7753-43e0-B8FC-AC1667EBCBE1}">
-              <a14:hiddenEffects xmlns:a14="http://schemas.microsoft.com/office/drawing/2010/main">
-                <a:effectLst>
-                  <a:outerShdw blurRad="63500" dist="38099" dir="2700000" algn="ctr" rotWithShape="0">
-                    <a:srgbClr val="000000">
-                      <a:alpha val="74998"/>
-                    </a:srgbClr>
-                  </a:outerShdw>
-                </a:effectLst>
-              </a14:hiddenEffects>
-            </a:ext>
-          </a:extLst>
-        </p:spPr>
-        <p:txBody>
-          <a:bodyPr lIns="0" tIns="0" rIns="0" bIns="0"/>
-          <a:lstStyle>
-            <a:lvl1pPr marL="341313" indent="-341313">
-              <a:tabLst>
-                <a:tab pos="341313" algn="l"/>
-                <a:tab pos="454025" algn="l"/>
-                <a:tab pos="911225" algn="l"/>
-                <a:tab pos="1368425" algn="l"/>
-                <a:tab pos="1825625" algn="l"/>
-                <a:tab pos="2282825" algn="l"/>
-                <a:tab pos="2740025" algn="l"/>
-                <a:tab pos="3197225" algn="l"/>
-                <a:tab pos="3654425" algn="l"/>
-                <a:tab pos="4111625" algn="l"/>
-                <a:tab pos="4568825" algn="l"/>
-                <a:tab pos="5026025" algn="l"/>
-                <a:tab pos="5483225" algn="l"/>
-                <a:tab pos="5940425" algn="l"/>
-                <a:tab pos="6397625" algn="l"/>
-                <a:tab pos="6854825" algn="l"/>
-                <a:tab pos="7312025" algn="l"/>
-                <a:tab pos="7769225" algn="l"/>
-                <a:tab pos="8226425" algn="l"/>
-                <a:tab pos="8683625" algn="l"/>
-                <a:tab pos="9140825" algn="l"/>
-              </a:tabLst>
-              <a:defRPr sz="2400">
-                <a:solidFill>
-                  <a:srgbClr val="FFFFFF"/>
-                </a:solidFill>
-                <a:latin typeface="Times New Roman" charset="0"/>
-                <a:ea typeface="ＭＳ Ｐゴシック" charset="0"/>
-                <a:cs typeface="Microsoft YaHei" charset="0"/>
-              </a:defRPr>
-            </a:lvl1pPr>
-            <a:lvl2pPr>
-              <a:tabLst>
-                <a:tab pos="341313" algn="l"/>
-                <a:tab pos="454025" algn="l"/>
-                <a:tab pos="911225" algn="l"/>
-                <a:tab pos="1368425" algn="l"/>
-                <a:tab pos="1825625" algn="l"/>
-                <a:tab pos="2282825" algn="l"/>
-                <a:tab pos="2740025" algn="l"/>
-                <a:tab pos="3197225" algn="l"/>
-                <a:tab pos="3654425" algn="l"/>
-                <a:tab pos="4111625" algn="l"/>
-                <a:tab pos="4568825" algn="l"/>
-                <a:tab pos="5026025" algn="l"/>
-                <a:tab pos="5483225" algn="l"/>
-                <a:tab pos="5940425" algn="l"/>
-                <a:tab pos="6397625" algn="l"/>
-                <a:tab pos="6854825" algn="l"/>
-                <a:tab pos="7312025" algn="l"/>
-                <a:tab pos="7769225" algn="l"/>
-                <a:tab pos="8226425" algn="l"/>
-                <a:tab pos="8683625" algn="l"/>
-                <a:tab pos="9140825" algn="l"/>
-              </a:tabLst>
-              <a:defRPr sz="2400">
-                <a:solidFill>
-                  <a:srgbClr val="FFFFFF"/>
-                </a:solidFill>
-                <a:latin typeface="Times New Roman" charset="0"/>
-                <a:ea typeface="ＭＳ Ｐゴシック" charset="0"/>
-                <a:cs typeface="Microsoft YaHei" charset="0"/>
-              </a:defRPr>
-            </a:lvl2pPr>
-            <a:lvl3pPr>
-              <a:tabLst>
-                <a:tab pos="341313" algn="l"/>
-                <a:tab pos="454025" algn="l"/>
-                <a:tab pos="911225" algn="l"/>
-                <a:tab pos="1368425" algn="l"/>
-                <a:tab pos="1825625" algn="l"/>
-                <a:tab pos="2282825" algn="l"/>
-                <a:tab pos="2740025" algn="l"/>
-                <a:tab pos="3197225" algn="l"/>
-                <a:tab pos="3654425" algn="l"/>
-                <a:tab pos="4111625" algn="l"/>
-                <a:tab pos="4568825" algn="l"/>
-                <a:tab pos="5026025" algn="l"/>
-                <a:tab pos="5483225" algn="l"/>
-                <a:tab pos="5940425" algn="l"/>
-                <a:tab pos="6397625" algn="l"/>
-                <a:tab pos="6854825" algn="l"/>
-                <a:tab pos="7312025" algn="l"/>
-                <a:tab pos="7769225" algn="l"/>
-                <a:tab pos="8226425" algn="l"/>
-                <a:tab pos="8683625" algn="l"/>
-                <a:tab pos="9140825" algn="l"/>
-              </a:tabLst>
-              <a:defRPr sz="2400">
-                <a:solidFill>
-                  <a:srgbClr val="FFFFFF"/>
-                </a:solidFill>
-                <a:latin typeface="Times New Roman" charset="0"/>
-                <a:ea typeface="ＭＳ Ｐゴシック" charset="0"/>
-                <a:cs typeface="Microsoft YaHei" charset="0"/>
-              </a:defRPr>
-            </a:lvl3pPr>
-            <a:lvl4pPr>
-              <a:tabLst>
-                <a:tab pos="341313" algn="l"/>
-                <a:tab pos="454025" algn="l"/>
-                <a:tab pos="911225" algn="l"/>
-                <a:tab pos="1368425" algn="l"/>
-                <a:tab pos="1825625" algn="l"/>
-                <a:tab pos="2282825" algn="l"/>
-                <a:tab pos="2740025" algn="l"/>
-                <a:tab pos="3197225" algn="l"/>
-                <a:tab pos="3654425" algn="l"/>
-                <a:tab pos="4111625" algn="l"/>
-                <a:tab pos="4568825" algn="l"/>
-                <a:tab pos="5026025" algn="l"/>
-                <a:tab pos="5483225" algn="l"/>
-                <a:tab pos="5940425" algn="l"/>
-                <a:tab pos="6397625" algn="l"/>
-                <a:tab pos="6854825" algn="l"/>
-                <a:tab pos="7312025" algn="l"/>
-                <a:tab pos="7769225" algn="l"/>
-                <a:tab pos="8226425" algn="l"/>
-                <a:tab pos="8683625" algn="l"/>
-                <a:tab pos="9140825" algn="l"/>
-              </a:tabLst>
-              <a:defRPr sz="2400">
-                <a:solidFill>
-                  <a:srgbClr val="FFFFFF"/>
-                </a:solidFill>
-                <a:latin typeface="Times New Roman" charset="0"/>
-                <a:ea typeface="ＭＳ Ｐゴシック" charset="0"/>
-                <a:cs typeface="Microsoft YaHei" charset="0"/>
-              </a:defRPr>
-            </a:lvl4pPr>
-            <a:lvl5pPr>
-              <a:tabLst>
-                <a:tab pos="341313" algn="l"/>
-                <a:tab pos="454025" algn="l"/>
-                <a:tab pos="911225" algn="l"/>
-                <a:tab pos="1368425" algn="l"/>
-                <a:tab pos="1825625" algn="l"/>
-                <a:tab pos="2282825" algn="l"/>
-                <a:tab pos="2740025" algn="l"/>
-                <a:tab pos="3197225" algn="l"/>
-                <a:tab pos="3654425" algn="l"/>
-                <a:tab pos="4111625" algn="l"/>
-                <a:tab pos="4568825" algn="l"/>
-                <a:tab pos="5026025" algn="l"/>
-                <a:tab pos="5483225" algn="l"/>
-                <a:tab pos="5940425" algn="l"/>
-                <a:tab pos="6397625" algn="l"/>
-                <a:tab pos="6854825" algn="l"/>
-                <a:tab pos="7312025" algn="l"/>
-                <a:tab pos="7769225" algn="l"/>
-                <a:tab pos="8226425" algn="l"/>
-                <a:tab pos="8683625" algn="l"/>
-                <a:tab pos="9140825" algn="l"/>
-              </a:tabLst>
-              <a:defRPr sz="2400">
-                <a:solidFill>
-                  <a:srgbClr val="FFFFFF"/>
-                </a:solidFill>
-                <a:latin typeface="Times New Roman" charset="0"/>
-                <a:ea typeface="ＭＳ Ｐゴシック" charset="0"/>
-                <a:cs typeface="Microsoft YaHei" charset="0"/>
-              </a:defRPr>
-            </a:lvl5pPr>
-            <a:lvl6pPr marL="2514600" indent="-228600" defTabSz="449263" eaLnBrk="0" fontAlgn="base" hangingPunct="0">
-              <a:lnSpc>
-                <a:spcPct val="93000"/>
-              </a:lnSpc>
-              <a:spcBef>
-                <a:spcPct val="0"/>
-              </a:spcBef>
-              <a:spcAft>
-                <a:spcPct val="0"/>
-              </a:spcAft>
-              <a:buClr>
-                <a:srgbClr val="000000"/>
-              </a:buClr>
-              <a:buSzPct val="100000"/>
-              <a:buFont typeface="Times New Roman" charset="0"/>
-              <a:tabLst>
-                <a:tab pos="341313" algn="l"/>
-                <a:tab pos="454025" algn="l"/>
-                <a:tab pos="911225" algn="l"/>
-                <a:tab pos="1368425" algn="l"/>
-                <a:tab pos="1825625" algn="l"/>
-                <a:tab pos="2282825" algn="l"/>
-                <a:tab pos="2740025" algn="l"/>
-                <a:tab pos="3197225" algn="l"/>
-                <a:tab pos="3654425" algn="l"/>
-                <a:tab pos="4111625" algn="l"/>
-                <a:tab pos="4568825" algn="l"/>
-                <a:tab pos="5026025" algn="l"/>
-                <a:tab pos="5483225" algn="l"/>
-                <a:tab pos="5940425" algn="l"/>
-                <a:tab pos="6397625" algn="l"/>
-                <a:tab pos="6854825" algn="l"/>
-                <a:tab pos="7312025" algn="l"/>
-                <a:tab pos="7769225" algn="l"/>
-                <a:tab pos="8226425" algn="l"/>
-                <a:tab pos="8683625" algn="l"/>
-                <a:tab pos="9140825" algn="l"/>
-              </a:tabLst>
-              <a:defRPr sz="2400">
-                <a:solidFill>
-                  <a:srgbClr val="FFFFFF"/>
-                </a:solidFill>
-                <a:latin typeface="Times New Roman" charset="0"/>
-                <a:ea typeface="ＭＳ Ｐゴシック" charset="0"/>
-                <a:cs typeface="Microsoft YaHei" charset="0"/>
-              </a:defRPr>
-            </a:lvl6pPr>
-            <a:lvl7pPr marL="2971800" indent="-228600" defTabSz="449263" eaLnBrk="0" fontAlgn="base" hangingPunct="0">
-              <a:lnSpc>
-                <a:spcPct val="93000"/>
-              </a:lnSpc>
-              <a:spcBef>
-                <a:spcPct val="0"/>
-              </a:spcBef>
-              <a:spcAft>
-                <a:spcPct val="0"/>
-              </a:spcAft>
-              <a:buClr>
-                <a:srgbClr val="000000"/>
-              </a:buClr>
-              <a:buSzPct val="100000"/>
-              <a:buFont typeface="Times New Roman" charset="0"/>
-              <a:tabLst>
-                <a:tab pos="341313" algn="l"/>
-                <a:tab pos="454025" algn="l"/>
-                <a:tab pos="911225" algn="l"/>
-                <a:tab pos="1368425" algn="l"/>
-                <a:tab pos="1825625" algn="l"/>
-                <a:tab pos="2282825" algn="l"/>
-                <a:tab pos="2740025" algn="l"/>
-                <a:tab pos="3197225" algn="l"/>
-                <a:tab pos="3654425" algn="l"/>
-                <a:tab pos="4111625" algn="l"/>
-                <a:tab pos="4568825" algn="l"/>
-                <a:tab pos="5026025" algn="l"/>
-                <a:tab pos="5483225" algn="l"/>
-                <a:tab pos="5940425" algn="l"/>
-                <a:tab pos="6397625" algn="l"/>
-                <a:tab pos="6854825" algn="l"/>
-                <a:tab pos="7312025" algn="l"/>
-                <a:tab pos="7769225" algn="l"/>
-                <a:tab pos="8226425" algn="l"/>
-                <a:tab pos="8683625" algn="l"/>
-                <a:tab pos="9140825" algn="l"/>
-              </a:tabLst>
-              <a:defRPr sz="2400">
-                <a:solidFill>
-                  <a:srgbClr val="FFFFFF"/>
-                </a:solidFill>
-                <a:latin typeface="Times New Roman" charset="0"/>
-                <a:ea typeface="ＭＳ Ｐゴシック" charset="0"/>
-                <a:cs typeface="Microsoft YaHei" charset="0"/>
-              </a:defRPr>
-            </a:lvl7pPr>
-            <a:lvl8pPr marL="3429000" indent="-228600" defTabSz="449263" eaLnBrk="0" fontAlgn="base" hangingPunct="0">
-              <a:lnSpc>
-                <a:spcPct val="93000"/>
-              </a:lnSpc>
-              <a:spcBef>
-                <a:spcPct val="0"/>
-              </a:spcBef>
-              <a:spcAft>
-                <a:spcPct val="0"/>
-              </a:spcAft>
-              <a:buClr>
-                <a:srgbClr val="000000"/>
-              </a:buClr>
-              <a:buSzPct val="100000"/>
-              <a:buFont typeface="Times New Roman" charset="0"/>
-              <a:tabLst>
-                <a:tab pos="341313" algn="l"/>
-                <a:tab pos="454025" algn="l"/>
-                <a:tab pos="911225" algn="l"/>
-                <a:tab pos="1368425" algn="l"/>
-                <a:tab pos="1825625" algn="l"/>
-                <a:tab pos="2282825" algn="l"/>
-                <a:tab pos="2740025" algn="l"/>
-                <a:tab pos="3197225" algn="l"/>
-                <a:tab pos="3654425" algn="l"/>
-                <a:tab pos="4111625" algn="l"/>
-                <a:tab pos="4568825" algn="l"/>
-                <a:tab pos="5026025" algn="l"/>
-                <a:tab pos="5483225" algn="l"/>
-                <a:tab pos="5940425" algn="l"/>
-                <a:tab pos="6397625" algn="l"/>
-                <a:tab pos="6854825" algn="l"/>
-                <a:tab pos="7312025" algn="l"/>
-                <a:tab pos="7769225" algn="l"/>
-                <a:tab pos="8226425" algn="l"/>
-                <a:tab pos="8683625" algn="l"/>
-                <a:tab pos="9140825" algn="l"/>
-              </a:tabLst>
-              <a:defRPr sz="2400">
-                <a:solidFill>
-                  <a:srgbClr val="FFFFFF"/>
-                </a:solidFill>
-                <a:latin typeface="Times New Roman" charset="0"/>
-                <a:ea typeface="ＭＳ Ｐゴシック" charset="0"/>
-                <a:cs typeface="Microsoft YaHei" charset="0"/>
-              </a:defRPr>
-            </a:lvl8pPr>
-            <a:lvl9pPr marL="3886200" indent="-228600" defTabSz="449263" eaLnBrk="0" fontAlgn="base" hangingPunct="0">
-              <a:lnSpc>
-                <a:spcPct val="93000"/>
-              </a:lnSpc>
-              <a:spcBef>
-                <a:spcPct val="0"/>
-              </a:spcBef>
-              <a:spcAft>
-                <a:spcPct val="0"/>
-              </a:spcAft>
-              <a:buClr>
-                <a:srgbClr val="000000"/>
-              </a:buClr>
-              <a:buSzPct val="100000"/>
-              <a:buFont typeface="Times New Roman" charset="0"/>
-              <a:tabLst>
-                <a:tab pos="341313" algn="l"/>
-                <a:tab pos="454025" algn="l"/>
-                <a:tab pos="911225" algn="l"/>
-                <a:tab pos="1368425" algn="l"/>
-                <a:tab pos="1825625" algn="l"/>
-                <a:tab pos="2282825" algn="l"/>
-                <a:tab pos="2740025" algn="l"/>
-                <a:tab pos="3197225" algn="l"/>
-                <a:tab pos="3654425" algn="l"/>
-                <a:tab pos="4111625" algn="l"/>
-                <a:tab pos="4568825" algn="l"/>
-                <a:tab pos="5026025" algn="l"/>
-                <a:tab pos="5483225" algn="l"/>
-                <a:tab pos="5940425" algn="l"/>
-                <a:tab pos="6397625" algn="l"/>
-                <a:tab pos="6854825" algn="l"/>
-                <a:tab pos="7312025" algn="l"/>
-                <a:tab pos="7769225" algn="l"/>
-                <a:tab pos="8226425" algn="l"/>
-                <a:tab pos="8683625" algn="l"/>
-                <a:tab pos="9140825" algn="l"/>
-              </a:tabLst>
-              <a:defRPr sz="2400">
-                <a:solidFill>
-                  <a:srgbClr val="FFFFFF"/>
-                </a:solidFill>
-                <a:latin typeface="Times New Roman" charset="0"/>
-                <a:ea typeface="ＭＳ Ｐゴシック" charset="0"/>
-                <a:cs typeface="Microsoft YaHei" charset="0"/>
-              </a:defRPr>
-            </a:lvl9pPr>
-          </a:lstStyle>
-          <a:p>
-            <a:pPr marL="0" indent="0">
-              <a:lnSpc>
-                <a:spcPct val="120000"/>
-              </a:lnSpc>
-              <a:spcBef>
-                <a:spcPts val="500"/>
-              </a:spcBef>
-              <a:defRPr/>
-            </a:pPr>
-            <a:endParaRPr lang="en-US" sz="2000" dirty="0" smtClean="0">
-              <a:solidFill>
-                <a:schemeClr val="bg1">
-                  <a:lumMod val="50000"/>
-                </a:schemeClr>
-              </a:solidFill>
-              <a:latin typeface="Arial" charset="0"/>
-            </a:endParaRPr>
-          </a:p>
-        </p:txBody>
-      </p:sp>
-      <p:sp>
-        <p:nvSpPr>
           <p:cNvPr id="4" name="Segnaposto numero diapositiva 3"/>
           <p:cNvSpPr>
             <a:spLocks noGrp="1"/>
@@ -45979,7 +43662,7 @@
             <a:pPr>
               <a:defRPr/>
             </a:pPr>
-            <a:fld id="{1CEFDC64-B35E-324A-9070-302942791020}" type="slidenum">
+            <a:fld id="{9DF601D4-73D7-A345-AD94-45660F7ACBC3}" type="slidenum">
               <a:rPr/>
               <a:pPr>
                 <a:defRPr/>
@@ -45992,116 +43675,14 @@
       </p:sp>
       <p:sp>
         <p:nvSpPr>
-          <p:cNvPr id="37892" name="Rettangolo arrotondato 1"/>
-          <p:cNvSpPr>
-            <a:spLocks noChangeArrowheads="1"/>
-          </p:cNvSpPr>
-          <p:nvPr/>
-        </p:nvSpPr>
-        <p:spPr bwMode="auto">
-          <a:xfrm>
-            <a:off x="827584" y="2780928"/>
-            <a:ext cx="7489825" cy="1584325"/>
-          </a:xfrm>
-          <a:prstGeom prst="roundRect">
-            <a:avLst>
-              <a:gd name="adj" fmla="val 16667"/>
-            </a:avLst>
-          </a:prstGeom>
-          <a:solidFill>
-            <a:srgbClr val="FFFFFF"/>
-          </a:solidFill>
-          <a:ln w="9525">
-            <a:solidFill>
-              <a:srgbClr val="000000"/>
-            </a:solidFill>
-            <a:round/>
-            <a:headEnd/>
-            <a:tailEnd/>
-          </a:ln>
-        </p:spPr>
-        <p:txBody>
-          <a:bodyPr/>
-          <a:lstStyle/>
-          <a:p>
-            <a:pPr>
-              <a:lnSpc>
-                <a:spcPct val="120000"/>
-              </a:lnSpc>
-              <a:spcBef>
-                <a:spcPts val="500"/>
-              </a:spcBef>
-            </a:pPr>
-            <a:r>
-              <a:rPr lang="it-IT" sz="2000">
-                <a:solidFill>
-                  <a:srgbClr val="003F6E"/>
-                </a:solidFill>
-                <a:latin typeface="Arial" charset="0"/>
-              </a:rPr>
-              <a:t>Integrate Kundera in the CPIM library</a:t>
-            </a:r>
-            <a:endParaRPr lang="en-US" sz="2000">
-              <a:solidFill>
-                <a:srgbClr val="003F6E"/>
-              </a:solidFill>
-              <a:latin typeface="Arial" charset="0"/>
-            </a:endParaRPr>
-          </a:p>
-          <a:p>
-            <a:pPr lvl="1" indent="-342900">
-              <a:lnSpc>
-                <a:spcPct val="120000"/>
-              </a:lnSpc>
-              <a:spcBef>
-                <a:spcPts val="500"/>
-              </a:spcBef>
-              <a:buFont typeface="Arial" charset="0"/>
-              <a:buChar char="•"/>
-            </a:pPr>
-            <a:r>
-              <a:rPr lang="it-IT" sz="2000">
-                <a:solidFill>
-                  <a:srgbClr val="003F6E"/>
-                </a:solidFill>
-                <a:latin typeface="Arial" charset="0"/>
-              </a:rPr>
-              <a:t>extending the number of NoSQL databases supported</a:t>
-            </a:r>
-          </a:p>
-          <a:p>
-            <a:pPr lvl="1" indent="-342900">
-              <a:lnSpc>
-                <a:spcPct val="120000"/>
-              </a:lnSpc>
-              <a:spcBef>
-                <a:spcPts val="500"/>
-              </a:spcBef>
-              <a:buFont typeface="Arial" charset="0"/>
-              <a:buChar char="•"/>
-            </a:pPr>
-            <a:r>
-              <a:rPr lang="it-IT" sz="2000">
-                <a:solidFill>
-                  <a:srgbClr val="003F6E"/>
-                </a:solidFill>
-                <a:latin typeface="Arial" charset="0"/>
-              </a:rPr>
-              <a:t>fixing of the problems of the NoSQL service of CPIM</a:t>
-            </a:r>
-          </a:p>
-        </p:txBody>
-      </p:sp>
-      <p:sp>
-        <p:nvSpPr>
-          <p:cNvPr id="8" name="Rettangolo arrotondato 7"/>
+          <p:cNvPr id="2" name="Rettangolo arrotondato 1"/>
           <p:cNvSpPr/>
           <p:nvPr/>
         </p:nvSpPr>
         <p:spPr bwMode="auto">
           <a:xfrm>
-            <a:off x="827584" y="980728"/>
-            <a:ext cx="7489825" cy="1512887"/>
+            <a:off x="827088" y="1196752"/>
+            <a:ext cx="7489825" cy="792088"/>
           </a:xfrm>
           <a:prstGeom prst="roundRect">
             <a:avLst/>
@@ -46109,221 +43690,14 @@
           <a:solidFill>
             <a:srgbClr val="FFFFFF"/>
           </a:solidFill>
-          <a:ln w="9525" cap="flat" cmpd="sng" algn="ctr">
+          <a:ln w="9525">
             <a:solidFill>
-              <a:schemeClr val="bg1">
-                <a:lumMod val="65000"/>
-              </a:schemeClr>
+              <a:schemeClr val="tx1"/>
             </a:solidFill>
-            <a:prstDash val="solid"/>
             <a:round/>
-            <a:headEnd type="none" w="med" len="med"/>
-            <a:tailEnd type="none" w="med" len="med"/>
+            <a:headEnd/>
+            <a:tailEnd/>
           </a:ln>
-          <a:effectLst/>
-          <a:extLst/>
-        </p:spPr>
-        <p:txBody>
-          <a:bodyPr/>
-          <a:lstStyle/>
-          <a:p>
-            <a:pPr>
-              <a:lnSpc>
-                <a:spcPct val="120000"/>
-              </a:lnSpc>
-              <a:spcBef>
-                <a:spcPts val="500"/>
-              </a:spcBef>
-              <a:defRPr/>
-            </a:pPr>
-            <a:r>
-              <a:rPr lang="it-IT" sz="2000" dirty="0" err="1">
-                <a:solidFill>
-                  <a:srgbClr val="A6A6A6"/>
-                </a:solidFill>
-                <a:latin typeface="Arial" charset="0"/>
-              </a:rPr>
-              <a:t>Contribute</a:t>
-            </a:r>
-            <a:r>
-              <a:rPr lang="it-IT" sz="2000" dirty="0">
-                <a:solidFill>
-                  <a:srgbClr val="A6A6A6"/>
-                </a:solidFill>
-                <a:latin typeface="Arial" charset="0"/>
-              </a:rPr>
-              <a:t> to the open source </a:t>
-            </a:r>
-            <a:r>
-              <a:rPr lang="it-IT" sz="2000" dirty="0" err="1">
-                <a:solidFill>
-                  <a:srgbClr val="A6A6A6"/>
-                </a:solidFill>
-                <a:latin typeface="Arial" charset="0"/>
-              </a:rPr>
-              <a:t>project</a:t>
-            </a:r>
-            <a:r>
-              <a:rPr lang="it-IT" sz="2000" dirty="0">
-                <a:solidFill>
-                  <a:srgbClr val="A6A6A6"/>
-                </a:solidFill>
-                <a:latin typeface="Arial" charset="0"/>
-              </a:rPr>
-              <a:t> </a:t>
-            </a:r>
-            <a:r>
-              <a:rPr lang="it-IT" sz="2000" dirty="0" err="1">
-                <a:solidFill>
-                  <a:srgbClr val="A6A6A6"/>
-                </a:solidFill>
-                <a:latin typeface="Arial" charset="0"/>
-              </a:rPr>
-              <a:t>Kudera</a:t>
-            </a:r>
-            <a:endParaRPr lang="en-US" sz="2000" dirty="0">
-              <a:solidFill>
-                <a:srgbClr val="A6A6A6"/>
-              </a:solidFill>
-              <a:latin typeface="Arial" charset="0"/>
-            </a:endParaRPr>
-          </a:p>
-          <a:p>
-            <a:pPr marL="744537" lvl="1" indent="-342900">
-              <a:lnSpc>
-                <a:spcPct val="120000"/>
-              </a:lnSpc>
-              <a:spcBef>
-                <a:spcPts val="500"/>
-              </a:spcBef>
-              <a:buClr>
-                <a:schemeClr val="bg1">
-                  <a:lumMod val="65000"/>
-                </a:schemeClr>
-              </a:buClr>
-              <a:buFont typeface="Arial"/>
-              <a:buChar char="•"/>
-              <a:defRPr/>
-            </a:pPr>
-            <a:r>
-              <a:rPr lang="it-IT" sz="2000" dirty="0" err="1">
-                <a:solidFill>
-                  <a:srgbClr val="A6A6A6"/>
-                </a:solidFill>
-                <a:latin typeface="Arial" charset="0"/>
-              </a:rPr>
-              <a:t>developing</a:t>
-            </a:r>
-            <a:r>
-              <a:rPr lang="it-IT" sz="2000" dirty="0">
-                <a:solidFill>
-                  <a:srgbClr val="A6A6A6"/>
-                </a:solidFill>
-                <a:latin typeface="Arial" charset="0"/>
-              </a:rPr>
-              <a:t> a </a:t>
-            </a:r>
-            <a:r>
-              <a:rPr lang="en-US" sz="2000" dirty="0">
-                <a:solidFill>
-                  <a:srgbClr val="A6A6A6"/>
-                </a:solidFill>
-                <a:latin typeface="Arial" charset="0"/>
-              </a:rPr>
-              <a:t>client for GAE </a:t>
-            </a:r>
-            <a:r>
-              <a:rPr lang="en-US" sz="2000" dirty="0" err="1">
-                <a:solidFill>
-                  <a:srgbClr val="A6A6A6"/>
-                </a:solidFill>
-                <a:latin typeface="Arial" charset="0"/>
-              </a:rPr>
-              <a:t>Datastore</a:t>
-            </a:r>
-            <a:endParaRPr lang="en-US" sz="2000" dirty="0">
-              <a:solidFill>
-                <a:srgbClr val="A6A6A6"/>
-              </a:solidFill>
-              <a:latin typeface="Arial" charset="0"/>
-            </a:endParaRPr>
-          </a:p>
-          <a:p>
-            <a:pPr marL="744537" lvl="1" indent="-342900">
-              <a:lnSpc>
-                <a:spcPct val="120000"/>
-              </a:lnSpc>
-              <a:spcBef>
-                <a:spcPts val="500"/>
-              </a:spcBef>
-              <a:buClr>
-                <a:schemeClr val="bg1">
-                  <a:lumMod val="65000"/>
-                </a:schemeClr>
-              </a:buClr>
-              <a:buFont typeface="Arial"/>
-              <a:buChar char="•"/>
-              <a:defRPr/>
-            </a:pPr>
-            <a:r>
-              <a:rPr lang="it-IT" sz="2000" dirty="0" err="1">
-                <a:solidFill>
-                  <a:srgbClr val="A6A6A6"/>
-                </a:solidFill>
-                <a:latin typeface="Arial" charset="0"/>
-              </a:rPr>
-              <a:t>developing</a:t>
-            </a:r>
-            <a:r>
-              <a:rPr lang="it-IT" sz="2000" dirty="0">
-                <a:solidFill>
-                  <a:srgbClr val="A6A6A6"/>
-                </a:solidFill>
-                <a:latin typeface="Arial" charset="0"/>
-              </a:rPr>
-              <a:t> a </a:t>
-            </a:r>
-            <a:r>
-              <a:rPr lang="en-US" sz="2000" dirty="0">
-                <a:solidFill>
-                  <a:srgbClr val="A6A6A6"/>
-                </a:solidFill>
-                <a:latin typeface="Arial" charset="0"/>
-              </a:rPr>
-              <a:t>client for Azure Tables</a:t>
-            </a:r>
-          </a:p>
-        </p:txBody>
-      </p:sp>
-      <p:sp>
-        <p:nvSpPr>
-          <p:cNvPr id="9" name="Rettangolo arrotondato 8"/>
-          <p:cNvSpPr/>
-          <p:nvPr/>
-        </p:nvSpPr>
-        <p:spPr bwMode="auto">
-          <a:xfrm>
-            <a:off x="827088" y="4581525"/>
-            <a:ext cx="7489825" cy="1584325"/>
-          </a:xfrm>
-          <a:prstGeom prst="roundRect">
-            <a:avLst/>
-          </a:prstGeom>
-          <a:solidFill>
-            <a:srgbClr val="FFFFFF"/>
-          </a:solidFill>
-          <a:ln w="9525" cap="flat" cmpd="sng" algn="ctr">
-            <a:solidFill>
-              <a:schemeClr val="bg1">
-                <a:lumMod val="65000"/>
-              </a:schemeClr>
-            </a:solidFill>
-            <a:prstDash val="solid"/>
-            <a:round/>
-            <a:headEnd type="none" w="med" len="med"/>
-            <a:tailEnd type="none" w="med" len="med"/>
-          </a:ln>
-          <a:effectLst/>
           <a:extLst/>
         </p:spPr>
         <p:txBody>
@@ -46337,36 +43711,182 @@
               <a:spcBef>
                 <a:spcPts val="500"/>
               </a:spcBef>
-              <a:defRPr/>
             </a:pPr>
             <a:r>
-              <a:rPr lang="it-IT" sz="2000" dirty="0" err="1">
-                <a:solidFill>
-                  <a:schemeClr val="bg1">
-                    <a:lumMod val="65000"/>
-                  </a:schemeClr>
+              <a:rPr lang="it-IT" sz="2000" dirty="0">
+                <a:solidFill>
+                  <a:srgbClr val="003F6E"/>
                 </a:solidFill>
                 <a:latin typeface="Arial" charset="0"/>
               </a:rPr>
-              <a:t>Support</a:t>
-            </a:r>
-            <a:r>
-              <a:rPr lang="it-IT" sz="2000" dirty="0">
-                <a:solidFill>
-                  <a:schemeClr val="bg1">
-                    <a:lumMod val="65000"/>
-                  </a:schemeClr>
+              <a:t>Integrate Kundera in the CPIM </a:t>
+            </a:r>
+            <a:r>
+              <a:rPr lang="it-IT" sz="2000" dirty="0" err="1">
+                <a:solidFill>
+                  <a:srgbClr val="003F6E"/>
                 </a:solidFill>
                 <a:latin typeface="Arial" charset="0"/>
               </a:rPr>
-              <a:t> data </a:t>
-            </a:r>
+              <a:t>library</a:t>
+            </a:r>
+            <a:endParaRPr lang="en-US" sz="2000" dirty="0">
+              <a:solidFill>
+                <a:srgbClr val="003F6E"/>
+              </a:solidFill>
+              <a:latin typeface="Arial" charset="0"/>
+            </a:endParaRPr>
+          </a:p>
+        </p:txBody>
+      </p:sp>
+      <p:sp>
+        <p:nvSpPr>
+          <p:cNvPr id="8" name="Rettangolo arrotondato 7"/>
+          <p:cNvSpPr/>
+          <p:nvPr/>
+        </p:nvSpPr>
+        <p:spPr bwMode="auto">
+          <a:xfrm>
+            <a:off x="827584" y="2492896"/>
+            <a:ext cx="7489825" cy="792088"/>
+          </a:xfrm>
+          <a:prstGeom prst="roundRect">
+            <a:avLst/>
+          </a:prstGeom>
+          <a:solidFill>
+            <a:srgbClr val="FFFFFF"/>
+          </a:solidFill>
+          <a:ln w="9525">
+            <a:solidFill>
+              <a:schemeClr val="tx1"/>
+            </a:solidFill>
+            <a:round/>
+            <a:headEnd/>
+            <a:tailEnd/>
+          </a:ln>
+          <a:extLst/>
+        </p:spPr>
+        <p:txBody>
+          <a:bodyPr anchor="ctr"/>
+          <a:lstStyle/>
+          <a:p>
+            <a:pPr algn="ctr">
+              <a:lnSpc>
+                <a:spcPct val="120000"/>
+              </a:lnSpc>
+              <a:spcBef>
+                <a:spcPts val="500"/>
+              </a:spcBef>
+            </a:pPr>
             <a:r>
               <a:rPr lang="it-IT" sz="2000" dirty="0" err="1">
                 <a:solidFill>
-                  <a:schemeClr val="bg1">
-                    <a:lumMod val="65000"/>
-                  </a:schemeClr>
+                  <a:srgbClr val="003F6E"/>
+                </a:solidFill>
+                <a:latin typeface="Arial" charset="0"/>
+              </a:rPr>
+              <a:t>Contribute</a:t>
+            </a:r>
+            <a:r>
+              <a:rPr lang="it-IT" sz="2000" dirty="0">
+                <a:solidFill>
+                  <a:srgbClr val="003F6E"/>
+                </a:solidFill>
+                <a:latin typeface="Arial" charset="0"/>
+              </a:rPr>
+              <a:t> to the open source </a:t>
+            </a:r>
+            <a:r>
+              <a:rPr lang="it-IT" sz="2000" dirty="0" err="1">
+                <a:solidFill>
+                  <a:srgbClr val="003F6E"/>
+                </a:solidFill>
+                <a:latin typeface="Arial" charset="0"/>
+              </a:rPr>
+              <a:t>project</a:t>
+            </a:r>
+            <a:r>
+              <a:rPr lang="it-IT" sz="2000" dirty="0">
+                <a:solidFill>
+                  <a:srgbClr val="003F6E"/>
+                </a:solidFill>
+                <a:latin typeface="Arial" charset="0"/>
+              </a:rPr>
+              <a:t> </a:t>
+            </a:r>
+            <a:r>
+              <a:rPr lang="it-IT" sz="2000" dirty="0" err="1" smtClean="0">
+                <a:solidFill>
+                  <a:srgbClr val="003F6E"/>
+                </a:solidFill>
+                <a:latin typeface="Arial" charset="0"/>
+              </a:rPr>
+              <a:t>Kudera</a:t>
+            </a:r>
+            <a:endParaRPr lang="en-US" sz="2000" dirty="0">
+              <a:solidFill>
+                <a:srgbClr val="003F6E"/>
+              </a:solidFill>
+              <a:latin typeface="Arial" charset="0"/>
+            </a:endParaRPr>
+          </a:p>
+        </p:txBody>
+      </p:sp>
+      <p:sp>
+        <p:nvSpPr>
+          <p:cNvPr id="54278" name="Rettangolo arrotondato 8"/>
+          <p:cNvSpPr>
+            <a:spLocks noChangeArrowheads="1"/>
+          </p:cNvSpPr>
+          <p:nvPr/>
+        </p:nvSpPr>
+        <p:spPr bwMode="auto">
+          <a:xfrm>
+            <a:off x="827584" y="3789040"/>
+            <a:ext cx="7488832" cy="792088"/>
+          </a:xfrm>
+          <a:prstGeom prst="roundRect">
+            <a:avLst>
+              <a:gd name="adj" fmla="val 16667"/>
+            </a:avLst>
+          </a:prstGeom>
+          <a:solidFill>
+            <a:srgbClr val="FFFFFF"/>
+          </a:solidFill>
+          <a:ln w="9525">
+            <a:solidFill>
+              <a:schemeClr val="tx1"/>
+            </a:solidFill>
+            <a:round/>
+            <a:headEnd/>
+            <a:tailEnd/>
+          </a:ln>
+        </p:spPr>
+        <p:txBody>
+          <a:bodyPr anchor="ctr"/>
+          <a:lstStyle/>
+          <a:p>
+            <a:pPr algn="ctr">
+              <a:lnSpc>
+                <a:spcPct val="120000"/>
+              </a:lnSpc>
+              <a:spcBef>
+                <a:spcPts val="500"/>
+              </a:spcBef>
+            </a:pPr>
+            <a:r>
+              <a:rPr lang="it-IT" sz="2000" dirty="0">
+                <a:solidFill>
+                  <a:srgbClr val="003F6E"/>
+                </a:solidFill>
+                <a:latin typeface="Arial" charset="0"/>
+              </a:rPr>
+              <a:t>Integrate the </a:t>
+            </a:r>
+            <a:r>
+              <a:rPr lang="it-IT" sz="2000" dirty="0" err="1">
+                <a:solidFill>
+                  <a:srgbClr val="003F6E"/>
                 </a:solidFill>
                 <a:latin typeface="Arial" charset="0"/>
               </a:rPr>
@@ -46375,9 +43895,25 @@
             <a:r>
               <a:rPr lang="it-IT" sz="2000" dirty="0">
                 <a:solidFill>
-                  <a:schemeClr val="bg1">
-                    <a:lumMod val="65000"/>
-                  </a:schemeClr>
+                  <a:srgbClr val="003F6E"/>
+                </a:solidFill>
+                <a:latin typeface="Arial" charset="0"/>
+              </a:rPr>
+              <a:t> and </a:t>
+            </a:r>
+            <a:r>
+              <a:rPr lang="it-IT" sz="2000" dirty="0" err="1">
+                <a:solidFill>
+                  <a:srgbClr val="003F6E"/>
+                </a:solidFill>
+                <a:latin typeface="Arial" charset="0"/>
+              </a:rPr>
+              <a:t>synchronization</a:t>
+            </a:r>
+            <a:r>
+              <a:rPr lang="it-IT" sz="2000" dirty="0">
+                <a:solidFill>
+                  <a:srgbClr val="003F6E"/>
                 </a:solidFill>
                 <a:latin typeface="Arial" charset="0"/>
               </a:rPr>
@@ -46386,20 +43922,16 @@
             <a:r>
               <a:rPr lang="it-IT" sz="2000" dirty="0" err="1">
                 <a:solidFill>
-                  <a:schemeClr val="bg1">
-                    <a:lumMod val="65000"/>
-                  </a:schemeClr>
+                  <a:srgbClr val="003F6E"/>
                 </a:solidFill>
                 <a:latin typeface="Arial" charset="0"/>
               </a:rPr>
-              <a:t>among</a:t>
+              <a:t>system</a:t>
             </a:r>
             <a:r>
               <a:rPr lang="it-IT" sz="2000" dirty="0">
                 <a:solidFill>
-                  <a:schemeClr val="bg1">
-                    <a:lumMod val="65000"/>
-                  </a:schemeClr>
+                  <a:srgbClr val="003F6E"/>
                 </a:solidFill>
                 <a:latin typeface="Arial" charset="0"/>
               </a:rPr>
@@ -46408,141 +43940,7 @@
             <a:r>
               <a:rPr lang="it-IT" sz="2000" dirty="0" err="1">
                 <a:solidFill>
-                  <a:schemeClr val="bg1">
-                    <a:lumMod val="65000"/>
-                  </a:schemeClr>
-                </a:solidFill>
-                <a:latin typeface="Arial" charset="0"/>
-              </a:rPr>
-              <a:t>NoSQL</a:t>
-            </a:r>
-            <a:r>
-              <a:rPr lang="it-IT" sz="2000" dirty="0">
-                <a:solidFill>
-                  <a:schemeClr val="bg1">
-                    <a:lumMod val="65000"/>
-                  </a:schemeClr>
-                </a:solidFill>
-                <a:latin typeface="Arial" charset="0"/>
-              </a:rPr>
-              <a:t> </a:t>
-            </a:r>
-            <a:r>
-              <a:rPr lang="it-IT" sz="2000" dirty="0" err="1">
-                <a:solidFill>
-                  <a:schemeClr val="bg1">
-                    <a:lumMod val="65000"/>
-                  </a:schemeClr>
-                </a:solidFill>
-                <a:latin typeface="Arial" charset="0"/>
-              </a:rPr>
-              <a:t>databases</a:t>
-            </a:r>
-            <a:r>
-              <a:rPr lang="it-IT" sz="2000" dirty="0">
-                <a:solidFill>
-                  <a:schemeClr val="bg1">
-                    <a:lumMod val="65000"/>
-                  </a:schemeClr>
-                </a:solidFill>
-                <a:latin typeface="Arial" charset="0"/>
-              </a:rPr>
-              <a:t> </a:t>
-            </a:r>
-            <a:r>
-              <a:rPr lang="it-IT" sz="2000" dirty="0" err="1">
-                <a:solidFill>
-                  <a:schemeClr val="bg1">
-                    <a:lumMod val="65000"/>
-                  </a:schemeClr>
-                </a:solidFill>
-                <a:latin typeface="Arial" charset="0"/>
-              </a:rPr>
-              <a:t>through</a:t>
-            </a:r>
-            <a:r>
-              <a:rPr lang="it-IT" sz="2000" dirty="0">
-                <a:solidFill>
-                  <a:schemeClr val="bg1">
-                    <a:lumMod val="65000"/>
-                  </a:schemeClr>
-                </a:solidFill>
-                <a:latin typeface="Arial" charset="0"/>
-              </a:rPr>
-              <a:t> the </a:t>
-            </a:r>
-            <a:r>
-              <a:rPr lang="it-IT" sz="2000" dirty="0" err="1">
-                <a:solidFill>
-                  <a:schemeClr val="bg1">
-                    <a:lumMod val="65000"/>
-                  </a:schemeClr>
-                </a:solidFill>
-                <a:latin typeface="Arial" charset="0"/>
-              </a:rPr>
-              <a:t>migration</a:t>
-            </a:r>
-            <a:r>
-              <a:rPr lang="it-IT" sz="2000" dirty="0">
-                <a:solidFill>
-                  <a:schemeClr val="bg1">
-                    <a:lumMod val="65000"/>
-                  </a:schemeClr>
-                </a:solidFill>
-                <a:latin typeface="Arial" charset="0"/>
-              </a:rPr>
-              <a:t> and </a:t>
-            </a:r>
-            <a:r>
-              <a:rPr lang="it-IT" sz="2000" dirty="0" err="1">
-                <a:solidFill>
-                  <a:schemeClr val="bg1">
-                    <a:lumMod val="65000"/>
-                  </a:schemeClr>
-                </a:solidFill>
-                <a:latin typeface="Arial" charset="0"/>
-              </a:rPr>
-              <a:t>synchronization</a:t>
-            </a:r>
-            <a:r>
-              <a:rPr lang="it-IT" sz="2000" dirty="0">
-                <a:solidFill>
-                  <a:schemeClr val="bg1">
-                    <a:lumMod val="65000"/>
-                  </a:schemeClr>
-                </a:solidFill>
-                <a:latin typeface="Arial" charset="0"/>
-              </a:rPr>
-              <a:t> </a:t>
-            </a:r>
-            <a:r>
-              <a:rPr lang="it-IT" sz="2000" dirty="0" err="1">
-                <a:solidFill>
-                  <a:schemeClr val="bg1">
-                    <a:lumMod val="65000"/>
-                  </a:schemeClr>
-                </a:solidFill>
-                <a:latin typeface="Arial" charset="0"/>
-              </a:rPr>
-              <a:t>system</a:t>
-            </a:r>
-            <a:r>
-              <a:rPr lang="it-IT" sz="2000" dirty="0">
-                <a:solidFill>
-                  <a:schemeClr val="bg1">
-                    <a:lumMod val="65000"/>
-                  </a:schemeClr>
-                </a:solidFill>
-                <a:latin typeface="Arial" charset="0"/>
-              </a:rPr>
-              <a:t> </a:t>
-            </a:r>
-            <a:r>
-              <a:rPr lang="it-IT" sz="2000" dirty="0" err="1">
-                <a:solidFill>
-                  <a:schemeClr val="bg1">
-                    <a:lumMod val="65000"/>
-                  </a:schemeClr>
+                  <a:srgbClr val="003F6E"/>
                 </a:solidFill>
                 <a:latin typeface="Arial" charset="0"/>
               </a:rPr>
@@ -46550,9 +43948,67 @@
             </a:r>
             <a:endParaRPr lang="en-US" sz="2000" dirty="0">
               <a:solidFill>
-                <a:schemeClr val="bg1">
-                  <a:lumMod val="65000"/>
-                </a:schemeClr>
+                <a:srgbClr val="003F6E"/>
+              </a:solidFill>
+              <a:latin typeface="Arial" charset="0"/>
+            </a:endParaRPr>
+          </a:p>
+        </p:txBody>
+      </p:sp>
+      <p:sp>
+        <p:nvSpPr>
+          <p:cNvPr id="9" name="Rettangolo arrotondato 8"/>
+          <p:cNvSpPr>
+            <a:spLocks noChangeArrowheads="1"/>
+          </p:cNvSpPr>
+          <p:nvPr/>
+        </p:nvSpPr>
+        <p:spPr bwMode="auto">
+          <a:xfrm>
+            <a:off x="827584" y="5085184"/>
+            <a:ext cx="7488832" cy="792088"/>
+          </a:xfrm>
+          <a:prstGeom prst="roundRect">
+            <a:avLst>
+              <a:gd name="adj" fmla="val 16667"/>
+            </a:avLst>
+          </a:prstGeom>
+          <a:solidFill>
+            <a:srgbClr val="FFFFFF"/>
+          </a:solidFill>
+          <a:ln w="9525">
+            <a:solidFill>
+              <a:schemeClr val="tx1"/>
+            </a:solidFill>
+            <a:round/>
+            <a:headEnd/>
+            <a:tailEnd/>
+          </a:ln>
+        </p:spPr>
+        <p:txBody>
+          <a:bodyPr anchor="ctr"/>
+          <a:lstStyle/>
+          <a:p>
+            <a:pPr algn="ctr">
+              <a:lnSpc>
+                <a:spcPct val="120000"/>
+              </a:lnSpc>
+              <a:spcBef>
+                <a:spcPts val="500"/>
+              </a:spcBef>
+            </a:pPr>
+            <a:r>
+              <a:rPr lang="it-IT" sz="2000" dirty="0">
+                <a:solidFill>
+                  <a:srgbClr val="003F6E"/>
+                </a:solidFill>
+                <a:latin typeface="Arial" charset="0"/>
+              </a:rPr>
+              <a:t>Evaluation</a:t>
+            </a:r>
+            <a:endParaRPr lang="en-US" sz="2000" dirty="0">
+              <a:solidFill>
+                <a:srgbClr val="003F6E"/>
               </a:solidFill>
               <a:latin typeface="Arial" charset="0"/>
             </a:endParaRPr>
@@ -46560,6 +44016,11 @@
         </p:txBody>
       </p:sp>
     </p:spTree>
+    <p:extLst>
+      <p:ext uri="{BB962C8B-B14F-4D97-AF65-F5344CB8AC3E}">
+        <p14:creationId xmlns:p14="http://schemas.microsoft.com/office/powerpoint/2010/main" val="763500033"/>
+      </p:ext>
+    </p:extLst>
   </p:cSld>
   <p:clrMapOvr>
     <a:masterClrMapping/>
@@ -47065,436 +44526,6 @@
       </p:sp>
       <p:sp>
         <p:nvSpPr>
-          <p:cNvPr id="6146" name="Text Box 2"/>
-          <p:cNvSpPr txBox="1">
-            <a:spLocks noChangeArrowheads="1"/>
-          </p:cNvSpPr>
-          <p:nvPr/>
-        </p:nvSpPr>
-        <p:spPr bwMode="auto">
-          <a:xfrm>
-            <a:off x="611188" y="5084763"/>
-            <a:ext cx="8224837" cy="877887"/>
-          </a:xfrm>
-          <a:prstGeom prst="rect">
-            <a:avLst/>
-          </a:prstGeom>
-          <a:noFill/>
-          <a:ln>
-            <a:noFill/>
-          </a:ln>
-          <a:effectLst/>
-          <a:extLst>
-            <a:ext uri="{909E8E84-426E-40dd-AFC4-6F175D3DCCD1}">
-              <a14:hiddenFill xmlns:a14="http://schemas.microsoft.com/office/drawing/2010/main">
-                <a:solidFill>
-                  <a:srgbClr val="FFFFFF"/>
-                </a:solidFill>
-              </a14:hiddenFill>
-            </a:ext>
-            <a:ext uri="{91240B29-F687-4f45-9708-019B960494DF}">
-              <a14:hiddenLine xmlns:a14="http://schemas.microsoft.com/office/drawing/2010/main" w="9525" cap="flat">
-                <a:solidFill>
-                  <a:srgbClr val="808080"/>
-                </a:solidFill>
-                <a:round/>
-                <a:headEnd/>
-                <a:tailEnd/>
-              </a14:hiddenLine>
-            </a:ext>
-            <a:ext uri="{AF507438-7753-43e0-B8FC-AC1667EBCBE1}">
-              <a14:hiddenEffects xmlns:a14="http://schemas.microsoft.com/office/drawing/2010/main">
-                <a:effectLst>
-                  <a:outerShdw blurRad="63500" dist="38099" dir="2700000" algn="ctr" rotWithShape="0">
-                    <a:srgbClr val="000000">
-                      <a:alpha val="74998"/>
-                    </a:srgbClr>
-                  </a:outerShdw>
-                </a:effectLst>
-              </a14:hiddenEffects>
-            </a:ext>
-          </a:extLst>
-        </p:spPr>
-        <p:txBody>
-          <a:bodyPr lIns="0" tIns="0" rIns="0" bIns="0"/>
-          <a:lstStyle>
-            <a:lvl1pPr marL="341313" indent="-341313">
-              <a:tabLst>
-                <a:tab pos="341313" algn="l"/>
-                <a:tab pos="454025" algn="l"/>
-                <a:tab pos="911225" algn="l"/>
-                <a:tab pos="1368425" algn="l"/>
-                <a:tab pos="1825625" algn="l"/>
-                <a:tab pos="2282825" algn="l"/>
-                <a:tab pos="2740025" algn="l"/>
-                <a:tab pos="3197225" algn="l"/>
-                <a:tab pos="3654425" algn="l"/>
-                <a:tab pos="4111625" algn="l"/>
-                <a:tab pos="4568825" algn="l"/>
-                <a:tab pos="5026025" algn="l"/>
-                <a:tab pos="5483225" algn="l"/>
-                <a:tab pos="5940425" algn="l"/>
-                <a:tab pos="6397625" algn="l"/>
-                <a:tab pos="6854825" algn="l"/>
-                <a:tab pos="7312025" algn="l"/>
-                <a:tab pos="7769225" algn="l"/>
-                <a:tab pos="8226425" algn="l"/>
-                <a:tab pos="8683625" algn="l"/>
-                <a:tab pos="9140825" algn="l"/>
-              </a:tabLst>
-              <a:defRPr sz="2400">
-                <a:solidFill>
-                  <a:srgbClr val="FFFFFF"/>
-                </a:solidFill>
-                <a:latin typeface="Times New Roman" charset="0"/>
-                <a:ea typeface="ＭＳ Ｐゴシック" charset="0"/>
-                <a:cs typeface="Microsoft YaHei" charset="0"/>
-              </a:defRPr>
-            </a:lvl1pPr>
-            <a:lvl2pPr>
-              <a:tabLst>
-                <a:tab pos="341313" algn="l"/>
-                <a:tab pos="454025" algn="l"/>
-                <a:tab pos="911225" algn="l"/>
-                <a:tab pos="1368425" algn="l"/>
-                <a:tab pos="1825625" algn="l"/>
-                <a:tab pos="2282825" algn="l"/>
-                <a:tab pos="2740025" algn="l"/>
-                <a:tab pos="3197225" algn="l"/>
-                <a:tab pos="3654425" algn="l"/>
-                <a:tab pos="4111625" algn="l"/>
-                <a:tab pos="4568825" algn="l"/>
-                <a:tab pos="5026025" algn="l"/>
-                <a:tab pos="5483225" algn="l"/>
-                <a:tab pos="5940425" algn="l"/>
-                <a:tab pos="6397625" algn="l"/>
-                <a:tab pos="6854825" algn="l"/>
-                <a:tab pos="7312025" algn="l"/>
-                <a:tab pos="7769225" algn="l"/>
-                <a:tab pos="8226425" algn="l"/>
-                <a:tab pos="8683625" algn="l"/>
-                <a:tab pos="9140825" algn="l"/>
-              </a:tabLst>
-              <a:defRPr sz="2400">
-                <a:solidFill>
-                  <a:srgbClr val="FFFFFF"/>
-                </a:solidFill>
-                <a:latin typeface="Times New Roman" charset="0"/>
-                <a:ea typeface="ＭＳ Ｐゴシック" charset="0"/>
-                <a:cs typeface="Microsoft YaHei" charset="0"/>
-              </a:defRPr>
-            </a:lvl2pPr>
-            <a:lvl3pPr>
-              <a:tabLst>
-                <a:tab pos="341313" algn="l"/>
-                <a:tab pos="454025" algn="l"/>
-                <a:tab pos="911225" algn="l"/>
-                <a:tab pos="1368425" algn="l"/>
-                <a:tab pos="1825625" algn="l"/>
-                <a:tab pos="2282825" algn="l"/>
-                <a:tab pos="2740025" algn="l"/>
-                <a:tab pos="3197225" algn="l"/>
-                <a:tab pos="3654425" algn="l"/>
-                <a:tab pos="4111625" algn="l"/>
-                <a:tab pos="4568825" algn="l"/>
-                <a:tab pos="5026025" algn="l"/>
-                <a:tab pos="5483225" algn="l"/>
-                <a:tab pos="5940425" algn="l"/>
-                <a:tab pos="6397625" algn="l"/>
-                <a:tab pos="6854825" algn="l"/>
-                <a:tab pos="7312025" algn="l"/>
-                <a:tab pos="7769225" algn="l"/>
-                <a:tab pos="8226425" algn="l"/>
-                <a:tab pos="8683625" algn="l"/>
-                <a:tab pos="9140825" algn="l"/>
-              </a:tabLst>
-              <a:defRPr sz="2400">
-                <a:solidFill>
-                  <a:srgbClr val="FFFFFF"/>
-                </a:solidFill>
-                <a:latin typeface="Times New Roman" charset="0"/>
-                <a:ea typeface="ＭＳ Ｐゴシック" charset="0"/>
-                <a:cs typeface="Microsoft YaHei" charset="0"/>
-              </a:defRPr>
-            </a:lvl3pPr>
-            <a:lvl4pPr>
-              <a:tabLst>
-                <a:tab pos="341313" algn="l"/>
-                <a:tab pos="454025" algn="l"/>
-                <a:tab pos="911225" algn="l"/>
-                <a:tab pos="1368425" algn="l"/>
-                <a:tab pos="1825625" algn="l"/>
-                <a:tab pos="2282825" algn="l"/>
-                <a:tab pos="2740025" algn="l"/>
-                <a:tab pos="3197225" algn="l"/>
-                <a:tab pos="3654425" algn="l"/>
-                <a:tab pos="4111625" algn="l"/>
-                <a:tab pos="4568825" algn="l"/>
-                <a:tab pos="5026025" algn="l"/>
-                <a:tab pos="5483225" algn="l"/>
-                <a:tab pos="5940425" algn="l"/>
-                <a:tab pos="6397625" algn="l"/>
-                <a:tab pos="6854825" algn="l"/>
-                <a:tab pos="7312025" algn="l"/>
-                <a:tab pos="7769225" algn="l"/>
-                <a:tab pos="8226425" algn="l"/>
-                <a:tab pos="8683625" algn="l"/>
-                <a:tab pos="9140825" algn="l"/>
-              </a:tabLst>
-              <a:defRPr sz="2400">
-                <a:solidFill>
-                  <a:srgbClr val="FFFFFF"/>
-                </a:solidFill>
-                <a:latin typeface="Times New Roman" charset="0"/>
-                <a:ea typeface="ＭＳ Ｐゴシック" charset="0"/>
-                <a:cs typeface="Microsoft YaHei" charset="0"/>
-              </a:defRPr>
-            </a:lvl4pPr>
-            <a:lvl5pPr>
-              <a:tabLst>
-                <a:tab pos="341313" algn="l"/>
-                <a:tab pos="454025" algn="l"/>
-                <a:tab pos="911225" algn="l"/>
-                <a:tab pos="1368425" algn="l"/>
-                <a:tab pos="1825625" algn="l"/>
-                <a:tab pos="2282825" algn="l"/>
-                <a:tab pos="2740025" algn="l"/>
-                <a:tab pos="3197225" algn="l"/>
-                <a:tab pos="3654425" algn="l"/>
-                <a:tab pos="4111625" algn="l"/>
-                <a:tab pos="4568825" algn="l"/>
-                <a:tab pos="5026025" algn="l"/>
-                <a:tab pos="5483225" algn="l"/>
-                <a:tab pos="5940425" algn="l"/>
-                <a:tab pos="6397625" algn="l"/>
-                <a:tab pos="6854825" algn="l"/>
-                <a:tab pos="7312025" algn="l"/>
-                <a:tab pos="7769225" algn="l"/>
-                <a:tab pos="8226425" algn="l"/>
-                <a:tab pos="8683625" algn="l"/>
-                <a:tab pos="9140825" algn="l"/>
-              </a:tabLst>
-              <a:defRPr sz="2400">
-                <a:solidFill>
-                  <a:srgbClr val="FFFFFF"/>
-                </a:solidFill>
-                <a:latin typeface="Times New Roman" charset="0"/>
-                <a:ea typeface="ＭＳ Ｐゴシック" charset="0"/>
-                <a:cs typeface="Microsoft YaHei" charset="0"/>
-              </a:defRPr>
-            </a:lvl5pPr>
-            <a:lvl6pPr marL="2514600" indent="-228600" defTabSz="449263" eaLnBrk="0" fontAlgn="base" hangingPunct="0">
-              <a:lnSpc>
-                <a:spcPct val="93000"/>
-              </a:lnSpc>
-              <a:spcBef>
-                <a:spcPct val="0"/>
-              </a:spcBef>
-              <a:spcAft>
-                <a:spcPct val="0"/>
-              </a:spcAft>
-              <a:buClr>
-                <a:srgbClr val="000000"/>
-              </a:buClr>
-              <a:buSzPct val="100000"/>
-              <a:buFont typeface="Times New Roman" charset="0"/>
-              <a:tabLst>
-                <a:tab pos="341313" algn="l"/>
-                <a:tab pos="454025" algn="l"/>
-                <a:tab pos="911225" algn="l"/>
-                <a:tab pos="1368425" algn="l"/>
-                <a:tab pos="1825625" algn="l"/>
-                <a:tab pos="2282825" algn="l"/>
-                <a:tab pos="2740025" algn="l"/>
-                <a:tab pos="3197225" algn="l"/>
-                <a:tab pos="3654425" algn="l"/>
-                <a:tab pos="4111625" algn="l"/>
-                <a:tab pos="4568825" algn="l"/>
-                <a:tab pos="5026025" algn="l"/>
-                <a:tab pos="5483225" algn="l"/>
-                <a:tab pos="5940425" algn="l"/>
-                <a:tab pos="6397625" algn="l"/>
-                <a:tab pos="6854825" algn="l"/>
-                <a:tab pos="7312025" algn="l"/>
-                <a:tab pos="7769225" algn="l"/>
-                <a:tab pos="8226425" algn="l"/>
-                <a:tab pos="8683625" algn="l"/>
-                <a:tab pos="9140825" algn="l"/>
-              </a:tabLst>
-              <a:defRPr sz="2400">
-                <a:solidFill>
-                  <a:srgbClr val="FFFFFF"/>
-                </a:solidFill>
-                <a:latin typeface="Times New Roman" charset="0"/>
-                <a:ea typeface="ＭＳ Ｐゴシック" charset="0"/>
-                <a:cs typeface="Microsoft YaHei" charset="0"/>
-              </a:defRPr>
-            </a:lvl6pPr>
-            <a:lvl7pPr marL="2971800" indent="-228600" defTabSz="449263" eaLnBrk="0" fontAlgn="base" hangingPunct="0">
-              <a:lnSpc>
-                <a:spcPct val="93000"/>
-              </a:lnSpc>
-              <a:spcBef>
-                <a:spcPct val="0"/>
-              </a:spcBef>
-              <a:spcAft>
-                <a:spcPct val="0"/>
-              </a:spcAft>
-              <a:buClr>
-                <a:srgbClr val="000000"/>
-              </a:buClr>
-              <a:buSzPct val="100000"/>
-              <a:buFont typeface="Times New Roman" charset="0"/>
-              <a:tabLst>
-                <a:tab pos="341313" algn="l"/>
-                <a:tab pos="454025" algn="l"/>
-                <a:tab pos="911225" algn="l"/>
-                <a:tab pos="1368425" algn="l"/>
-                <a:tab pos="1825625" algn="l"/>
-                <a:tab pos="2282825" algn="l"/>
-                <a:tab pos="2740025" algn="l"/>
-                <a:tab pos="3197225" algn="l"/>
-                <a:tab pos="3654425" algn="l"/>
-                <a:tab pos="4111625" algn="l"/>
-                <a:tab pos="4568825" algn="l"/>
-                <a:tab pos="5026025" algn="l"/>
-                <a:tab pos="5483225" algn="l"/>
-                <a:tab pos="5940425" algn="l"/>
-                <a:tab pos="6397625" algn="l"/>
-                <a:tab pos="6854825" algn="l"/>
-                <a:tab pos="7312025" algn="l"/>
-                <a:tab pos="7769225" algn="l"/>
-                <a:tab pos="8226425" algn="l"/>
-                <a:tab pos="8683625" algn="l"/>
-                <a:tab pos="9140825" algn="l"/>
-              </a:tabLst>
-              <a:defRPr sz="2400">
-                <a:solidFill>
-                  <a:srgbClr val="FFFFFF"/>
-                </a:solidFill>
-                <a:latin typeface="Times New Roman" charset="0"/>
-                <a:ea typeface="ＭＳ Ｐゴシック" charset="0"/>
-                <a:cs typeface="Microsoft YaHei" charset="0"/>
-              </a:defRPr>
-            </a:lvl7pPr>
-            <a:lvl8pPr marL="3429000" indent="-228600" defTabSz="449263" eaLnBrk="0" fontAlgn="base" hangingPunct="0">
-              <a:lnSpc>
-                <a:spcPct val="93000"/>
-              </a:lnSpc>
-              <a:spcBef>
-                <a:spcPct val="0"/>
-              </a:spcBef>
-              <a:spcAft>
-                <a:spcPct val="0"/>
-              </a:spcAft>
-              <a:buClr>
-                <a:srgbClr val="000000"/>
-              </a:buClr>
-              <a:buSzPct val="100000"/>
-              <a:buFont typeface="Times New Roman" charset="0"/>
-              <a:tabLst>
-                <a:tab pos="341313" algn="l"/>
-                <a:tab pos="454025" algn="l"/>
-                <a:tab pos="911225" algn="l"/>
-                <a:tab pos="1368425" algn="l"/>
-                <a:tab pos="1825625" algn="l"/>
-                <a:tab pos="2282825" algn="l"/>
-                <a:tab pos="2740025" algn="l"/>
-                <a:tab pos="3197225" algn="l"/>
-                <a:tab pos="3654425" algn="l"/>
-                <a:tab pos="4111625" algn="l"/>
-                <a:tab pos="4568825" algn="l"/>
-                <a:tab pos="5026025" algn="l"/>
-                <a:tab pos="5483225" algn="l"/>
-                <a:tab pos="5940425" algn="l"/>
-                <a:tab pos="6397625" algn="l"/>
-                <a:tab pos="6854825" algn="l"/>
-                <a:tab pos="7312025" algn="l"/>
-                <a:tab pos="7769225" algn="l"/>
-                <a:tab pos="8226425" algn="l"/>
-                <a:tab pos="8683625" algn="l"/>
-                <a:tab pos="9140825" algn="l"/>
-              </a:tabLst>
-              <a:defRPr sz="2400">
-                <a:solidFill>
-                  <a:srgbClr val="FFFFFF"/>
-                </a:solidFill>
-                <a:latin typeface="Times New Roman" charset="0"/>
-                <a:ea typeface="ＭＳ Ｐゴシック" charset="0"/>
-                <a:cs typeface="Microsoft YaHei" charset="0"/>
-              </a:defRPr>
-            </a:lvl8pPr>
-            <a:lvl9pPr marL="3886200" indent="-228600" defTabSz="449263" eaLnBrk="0" fontAlgn="base" hangingPunct="0">
-              <a:lnSpc>
-                <a:spcPct val="93000"/>
-              </a:lnSpc>
-              <a:spcBef>
-                <a:spcPct val="0"/>
-              </a:spcBef>
-              <a:spcAft>
-                <a:spcPct val="0"/>
-              </a:spcAft>
-              <a:buClr>
-                <a:srgbClr val="000000"/>
-              </a:buClr>
-              <a:buSzPct val="100000"/>
-              <a:buFont typeface="Times New Roman" charset="0"/>
-              <a:tabLst>
-                <a:tab pos="341313" algn="l"/>
-                <a:tab pos="454025" algn="l"/>
-                <a:tab pos="911225" algn="l"/>
-                <a:tab pos="1368425" algn="l"/>
-                <a:tab pos="1825625" algn="l"/>
-                <a:tab pos="2282825" algn="l"/>
-                <a:tab pos="2740025" algn="l"/>
-                <a:tab pos="3197225" algn="l"/>
-                <a:tab pos="3654425" algn="l"/>
-                <a:tab pos="4111625" algn="l"/>
-                <a:tab pos="4568825" algn="l"/>
-                <a:tab pos="5026025" algn="l"/>
-                <a:tab pos="5483225" algn="l"/>
-                <a:tab pos="5940425" algn="l"/>
-                <a:tab pos="6397625" algn="l"/>
-                <a:tab pos="6854825" algn="l"/>
-                <a:tab pos="7312025" algn="l"/>
-                <a:tab pos="7769225" algn="l"/>
-                <a:tab pos="8226425" algn="l"/>
-                <a:tab pos="8683625" algn="l"/>
-                <a:tab pos="9140825" algn="l"/>
-              </a:tabLst>
-              <a:defRPr sz="2400">
-                <a:solidFill>
-                  <a:srgbClr val="FFFFFF"/>
-                </a:solidFill>
-                <a:latin typeface="Times New Roman" charset="0"/>
-                <a:ea typeface="ＭＳ Ｐゴシック" charset="0"/>
-                <a:cs typeface="Microsoft YaHei" charset="0"/>
-              </a:defRPr>
-            </a:lvl9pPr>
-          </a:lstStyle>
-          <a:p>
-            <a:pPr marL="0" indent="0">
-              <a:lnSpc>
-                <a:spcPct val="120000"/>
-              </a:lnSpc>
-              <a:spcBef>
-                <a:spcPts val="500"/>
-              </a:spcBef>
-              <a:defRPr/>
-            </a:pPr>
-            <a:endParaRPr lang="en-US" sz="2000" dirty="0" smtClean="0">
-              <a:solidFill>
-                <a:schemeClr val="bg1">
-                  <a:lumMod val="50000"/>
-                </a:schemeClr>
-              </a:solidFill>
-              <a:latin typeface="Arial" charset="0"/>
-            </a:endParaRPr>
-          </a:p>
-        </p:txBody>
-      </p:sp>
-      <p:sp>
-        <p:nvSpPr>
           <p:cNvPr id="4" name="Segnaposto numero diapositiva 3"/>
           <p:cNvSpPr>
             <a:spLocks noGrp="1"/>
@@ -47516,7 +44547,7 @@
             <a:pPr>
               <a:defRPr/>
             </a:pPr>
-            <a:fld id="{1CEFDC64-B35E-324A-9070-302942791020}" type="slidenum">
+            <a:fld id="{9DF601D4-73D7-A345-AD94-45660F7ACBC3}" type="slidenum">
               <a:rPr/>
               <a:pPr>
                 <a:defRPr/>
@@ -47529,39 +44560,36 @@
       </p:sp>
       <p:sp>
         <p:nvSpPr>
-          <p:cNvPr id="37892" name="Rettangolo arrotondato 1"/>
-          <p:cNvSpPr>
-            <a:spLocks noChangeArrowheads="1"/>
-          </p:cNvSpPr>
+          <p:cNvPr id="2" name="Rettangolo arrotondato 1"/>
+          <p:cNvSpPr/>
           <p:nvPr/>
         </p:nvSpPr>
         <p:spPr bwMode="auto">
           <a:xfrm>
-            <a:off x="827584" y="2780928"/>
-            <a:ext cx="7489825" cy="1584325"/>
+            <a:off x="827088" y="1196752"/>
+            <a:ext cx="7489825" cy="792088"/>
           </a:xfrm>
           <a:prstGeom prst="roundRect">
-            <a:avLst>
-              <a:gd name="adj" fmla="val 16667"/>
-            </a:avLst>
+            <a:avLst/>
           </a:prstGeom>
           <a:solidFill>
             <a:srgbClr val="FFFFFF"/>
           </a:solidFill>
           <a:ln w="9525">
             <a:solidFill>
-              <a:srgbClr val="000000"/>
+              <a:schemeClr val="tx1"/>
             </a:solidFill>
             <a:round/>
             <a:headEnd/>
             <a:tailEnd/>
           </a:ln>
+          <a:extLst/>
         </p:spPr>
         <p:txBody>
-          <a:bodyPr/>
+          <a:bodyPr anchor="ctr"/>
           <a:lstStyle/>
           <a:p>
-            <a:pPr>
+            <a:pPr algn="ctr">
               <a:lnSpc>
                 <a:spcPct val="120000"/>
               </a:lnSpc>
@@ -47570,62 +44598,29 @@
               </a:spcBef>
             </a:pPr>
             <a:r>
-              <a:rPr lang="it-IT" sz="2000">
+              <a:rPr lang="it-IT" sz="2000" dirty="0">
                 <a:solidFill>
                   <a:srgbClr val="003F6E"/>
                 </a:solidFill>
                 <a:latin typeface="Arial" charset="0"/>
               </a:rPr>
-              <a:t>Integrate Kundera in the CPIM library</a:t>
-            </a:r>
-            <a:endParaRPr lang="en-US" sz="2000">
+              <a:t>Integrate Kundera in the CPIM </a:t>
+            </a:r>
+            <a:r>
+              <a:rPr lang="it-IT" sz="2000" dirty="0" err="1">
+                <a:solidFill>
+                  <a:srgbClr val="003F6E"/>
+                </a:solidFill>
+                <a:latin typeface="Arial" charset="0"/>
+              </a:rPr>
+              <a:t>library</a:t>
+            </a:r>
+            <a:endParaRPr lang="en-US" sz="2000" dirty="0">
               <a:solidFill>
                 <a:srgbClr val="003F6E"/>
               </a:solidFill>
               <a:latin typeface="Arial" charset="0"/>
             </a:endParaRPr>
-          </a:p>
-          <a:p>
-            <a:pPr lvl="1" indent="-342900">
-              <a:lnSpc>
-                <a:spcPct val="120000"/>
-              </a:lnSpc>
-              <a:spcBef>
-                <a:spcPts val="500"/>
-              </a:spcBef>
-              <a:buFont typeface="Arial" charset="0"/>
-              <a:buChar char="•"/>
-            </a:pPr>
-            <a:r>
-              <a:rPr lang="it-IT" sz="2000">
-                <a:solidFill>
-                  <a:srgbClr val="003F6E"/>
-                </a:solidFill>
-                <a:latin typeface="Arial" charset="0"/>
-              </a:rPr>
-              <a:t>extending the number of NoSQL databases supported</a:t>
-            </a:r>
-          </a:p>
-          <a:p>
-            <a:pPr lvl="1" indent="-342900">
-              <a:lnSpc>
-                <a:spcPct val="120000"/>
-              </a:lnSpc>
-              <a:spcBef>
-                <a:spcPts val="500"/>
-              </a:spcBef>
-              <a:buFont typeface="Arial" charset="0"/>
-              <a:buChar char="•"/>
-            </a:pPr>
-            <a:r>
-              <a:rPr lang="it-IT" sz="2000">
-                <a:solidFill>
-                  <a:srgbClr val="003F6E"/>
-                </a:solidFill>
-                <a:latin typeface="Arial" charset="0"/>
-              </a:rPr>
-              <a:t>fixing of the problems of the NoSQL service of CPIM</a:t>
-            </a:r>
           </a:p>
         </p:txBody>
       </p:sp>
@@ -47637,8 +44632,8 @@
         </p:nvSpPr>
         <p:spPr bwMode="auto">
           <a:xfrm>
-            <a:off x="827584" y="980728"/>
-            <a:ext cx="7489825" cy="1512887"/>
+            <a:off x="827584" y="2492896"/>
+            <a:ext cx="7489825" cy="792088"/>
           </a:xfrm>
           <a:prstGeom prst="roundRect">
             <a:avLst/>
@@ -47648,212 +44643,7 @@
           </a:solidFill>
           <a:ln w="9525" cap="flat" cmpd="sng" algn="ctr">
             <a:solidFill>
-              <a:schemeClr val="bg1">
-                <a:lumMod val="65000"/>
-              </a:schemeClr>
-            </a:solidFill>
-            <a:prstDash val="solid"/>
-            <a:round/>
-            <a:headEnd type="none" w="med" len="med"/>
-            <a:tailEnd type="none" w="med" len="med"/>
-          </a:ln>
-          <a:effectLst/>
-          <a:extLst/>
-        </p:spPr>
-        <p:txBody>
-          <a:bodyPr/>
-          <a:lstStyle/>
-          <a:p>
-            <a:pPr>
-              <a:lnSpc>
-                <a:spcPct val="120000"/>
-              </a:lnSpc>
-              <a:spcBef>
-                <a:spcPts val="500"/>
-              </a:spcBef>
-              <a:defRPr/>
-            </a:pPr>
-            <a:r>
-              <a:rPr lang="it-IT" sz="2000" dirty="0" err="1">
-                <a:solidFill>
-                  <a:srgbClr val="A6A6A6"/>
-                </a:solidFill>
-                <a:latin typeface="Arial" charset="0"/>
-              </a:rPr>
-              <a:t>Contribute</a:t>
-            </a:r>
-            <a:r>
-              <a:rPr lang="it-IT" sz="2000" dirty="0">
-                <a:solidFill>
-                  <a:srgbClr val="A6A6A6"/>
-                </a:solidFill>
-                <a:latin typeface="Arial" charset="0"/>
-              </a:rPr>
-              <a:t> to the open source </a:t>
-            </a:r>
-            <a:r>
-              <a:rPr lang="it-IT" sz="2000" dirty="0" err="1">
-                <a:solidFill>
-                  <a:srgbClr val="A6A6A6"/>
-                </a:solidFill>
-                <a:latin typeface="Arial" charset="0"/>
-              </a:rPr>
-              <a:t>project</a:t>
-            </a:r>
-            <a:r>
-              <a:rPr lang="it-IT" sz="2000" dirty="0">
-                <a:solidFill>
-                  <a:srgbClr val="A6A6A6"/>
-                </a:solidFill>
-                <a:latin typeface="Arial" charset="0"/>
-              </a:rPr>
-              <a:t> </a:t>
-            </a:r>
-            <a:r>
-              <a:rPr lang="it-IT" sz="2000" dirty="0" err="1">
-                <a:solidFill>
-                  <a:srgbClr val="A6A6A6"/>
-                </a:solidFill>
-                <a:latin typeface="Arial" charset="0"/>
-              </a:rPr>
-              <a:t>Kudera</a:t>
-            </a:r>
-            <a:endParaRPr lang="en-US" sz="2000" dirty="0">
-              <a:solidFill>
-                <a:srgbClr val="A6A6A6"/>
-              </a:solidFill>
-              <a:latin typeface="Arial" charset="0"/>
-            </a:endParaRPr>
-          </a:p>
-          <a:p>
-            <a:pPr marL="744537" lvl="1" indent="-342900">
-              <a:lnSpc>
-                <a:spcPct val="120000"/>
-              </a:lnSpc>
-              <a:spcBef>
-                <a:spcPts val="500"/>
-              </a:spcBef>
-              <a:buClr>
-                <a:schemeClr val="bg1">
-                  <a:lumMod val="65000"/>
-                </a:schemeClr>
-              </a:buClr>
-              <a:buFont typeface="Arial"/>
-              <a:buChar char="•"/>
-              <a:defRPr/>
-            </a:pPr>
-            <a:r>
-              <a:rPr lang="it-IT" sz="2000" dirty="0" err="1">
-                <a:solidFill>
-                  <a:srgbClr val="A6A6A6"/>
-                </a:solidFill>
-                <a:latin typeface="Arial" charset="0"/>
-              </a:rPr>
-              <a:t>developing</a:t>
-            </a:r>
-            <a:r>
-              <a:rPr lang="it-IT" sz="2000" dirty="0">
-                <a:solidFill>
-                  <a:srgbClr val="A6A6A6"/>
-                </a:solidFill>
-                <a:latin typeface="Arial" charset="0"/>
-              </a:rPr>
-              <a:t> a </a:t>
-            </a:r>
-            <a:r>
-              <a:rPr lang="en-US" sz="2000" dirty="0">
-                <a:solidFill>
-                  <a:srgbClr val="A6A6A6"/>
-                </a:solidFill>
-                <a:latin typeface="Arial" charset="0"/>
-              </a:rPr>
-              <a:t>client for GAE </a:t>
-            </a:r>
-            <a:r>
-              <a:rPr lang="en-US" sz="2000" dirty="0" err="1">
-                <a:solidFill>
-                  <a:srgbClr val="A6A6A6"/>
-                </a:solidFill>
-                <a:latin typeface="Arial" charset="0"/>
-              </a:rPr>
-              <a:t>Datastore</a:t>
-            </a:r>
-            <a:endParaRPr lang="en-US" sz="2000" dirty="0">
-              <a:solidFill>
-                <a:srgbClr val="A6A6A6"/>
-              </a:solidFill>
-              <a:latin typeface="Arial" charset="0"/>
-            </a:endParaRPr>
-          </a:p>
-          <a:p>
-            <a:pPr marL="744537" lvl="1" indent="-342900">
-              <a:lnSpc>
-                <a:spcPct val="120000"/>
-              </a:lnSpc>
-              <a:spcBef>
-                <a:spcPts val="500"/>
-              </a:spcBef>
-              <a:buClr>
-                <a:schemeClr val="bg1">
-                  <a:lumMod val="65000"/>
-                </a:schemeClr>
-              </a:buClr>
-              <a:buFont typeface="Arial"/>
-              <a:buChar char="•"/>
-              <a:defRPr/>
-            </a:pPr>
-            <a:r>
-              <a:rPr lang="it-IT" sz="2000" dirty="0" err="1">
-                <a:solidFill>
-                  <a:srgbClr val="A6A6A6"/>
-                </a:solidFill>
-                <a:latin typeface="Arial" charset="0"/>
-              </a:rPr>
-              <a:t>developing</a:t>
-            </a:r>
-            <a:r>
-              <a:rPr lang="it-IT" sz="2000" dirty="0">
-                <a:solidFill>
-                  <a:srgbClr val="A6A6A6"/>
-                </a:solidFill>
-                <a:latin typeface="Arial" charset="0"/>
-              </a:rPr>
-              <a:t> a </a:t>
-            </a:r>
-            <a:r>
-              <a:rPr lang="en-US" sz="2000" dirty="0">
-                <a:solidFill>
-                  <a:srgbClr val="A6A6A6"/>
-                </a:solidFill>
-                <a:latin typeface="Arial" charset="0"/>
-              </a:rPr>
-              <a:t>client for Azure Tables</a:t>
-            </a:r>
-          </a:p>
-        </p:txBody>
-      </p:sp>
-      <p:sp>
-        <p:nvSpPr>
-          <p:cNvPr id="9" name="Rettangolo arrotondato 8"/>
-          <p:cNvSpPr/>
-          <p:nvPr/>
-        </p:nvSpPr>
-        <p:spPr bwMode="auto">
-          <a:xfrm>
-            <a:off x="827088" y="4581525"/>
-            <a:ext cx="7489825" cy="1584325"/>
-          </a:xfrm>
-          <a:prstGeom prst="roundRect">
-            <a:avLst/>
-          </a:prstGeom>
-          <a:solidFill>
-            <a:srgbClr val="FFFFFF"/>
-          </a:solidFill>
-          <a:ln w="9525" cap="flat" cmpd="sng" algn="ctr">
-            <a:solidFill>
-              <a:schemeClr val="bg1">
-                <a:lumMod val="65000"/>
-              </a:schemeClr>
+              <a:srgbClr val="A6A6A6"/>
             </a:solidFill>
             <a:prstDash val="solid"/>
             <a:round/>
@@ -47874,36 +44664,118 @@
               <a:spcBef>
                 <a:spcPts val="500"/>
               </a:spcBef>
-              <a:defRPr/>
             </a:pPr>
             <a:r>
               <a:rPr lang="it-IT" sz="2000" dirty="0" err="1">
                 <a:solidFill>
-                  <a:schemeClr val="bg1">
-                    <a:lumMod val="65000"/>
-                  </a:schemeClr>
+                  <a:srgbClr val="A6A6A6"/>
                 </a:solidFill>
                 <a:latin typeface="Arial" charset="0"/>
               </a:rPr>
-              <a:t>Support</a:t>
+              <a:t>Contribute</a:t>
             </a:r>
             <a:r>
               <a:rPr lang="it-IT" sz="2000" dirty="0">
                 <a:solidFill>
-                  <a:schemeClr val="bg1">
-                    <a:lumMod val="65000"/>
-                  </a:schemeClr>
+                  <a:srgbClr val="A6A6A6"/>
                 </a:solidFill>
                 <a:latin typeface="Arial" charset="0"/>
               </a:rPr>
-              <a:t> data </a:t>
+              <a:t> to the open source </a:t>
             </a:r>
             <a:r>
               <a:rPr lang="it-IT" sz="2000" dirty="0" err="1">
                 <a:solidFill>
-                  <a:schemeClr val="bg1">
-                    <a:lumMod val="65000"/>
-                  </a:schemeClr>
+                  <a:srgbClr val="A6A6A6"/>
+                </a:solidFill>
+                <a:latin typeface="Arial" charset="0"/>
+              </a:rPr>
+              <a:t>project</a:t>
+            </a:r>
+            <a:r>
+              <a:rPr lang="it-IT" sz="2000" dirty="0">
+                <a:solidFill>
+                  <a:srgbClr val="A6A6A6"/>
+                </a:solidFill>
+                <a:latin typeface="Arial" charset="0"/>
+              </a:rPr>
+              <a:t> </a:t>
+            </a:r>
+            <a:r>
+              <a:rPr lang="it-IT" sz="2000" dirty="0" err="1">
+                <a:solidFill>
+                  <a:srgbClr val="A6A6A6"/>
+                </a:solidFill>
+                <a:latin typeface="Arial" charset="0"/>
+              </a:rPr>
+              <a:t>Kudera</a:t>
+            </a:r>
+            <a:endParaRPr lang="en-US" sz="2000" dirty="0">
+              <a:solidFill>
+                <a:srgbClr val="A6A6A6"/>
+              </a:solidFill>
+              <a:latin typeface="Arial" charset="0"/>
+            </a:endParaRPr>
+          </a:p>
+        </p:txBody>
+      </p:sp>
+      <p:sp>
+        <p:nvSpPr>
+          <p:cNvPr id="54278" name="Rettangolo arrotondato 8"/>
+          <p:cNvSpPr>
+            <a:spLocks noChangeArrowheads="1"/>
+          </p:cNvSpPr>
+          <p:nvPr/>
+        </p:nvSpPr>
+        <p:spPr bwMode="auto">
+          <a:xfrm>
+            <a:off x="827584" y="3789040"/>
+            <a:ext cx="7488832" cy="792088"/>
+          </a:xfrm>
+          <a:prstGeom prst="roundRect">
+            <a:avLst>
+              <a:gd name="adj" fmla="val 16667"/>
+            </a:avLst>
+          </a:prstGeom>
+          <a:solidFill>
+            <a:srgbClr val="FFFFFF"/>
+          </a:solidFill>
+          <a:ln w="9525" cap="flat" cmpd="sng" algn="ctr">
+            <a:solidFill>
+              <a:srgbClr val="A6A6A6"/>
+            </a:solidFill>
+            <a:prstDash val="solid"/>
+            <a:round/>
+            <a:headEnd type="none" w="med" len="med"/>
+            <a:tailEnd type="none" w="med" len="med"/>
+          </a:ln>
+          <a:effectLst/>
+        </p:spPr>
+        <p:txBody>
+          <a:bodyPr anchor="ctr"/>
+          <a:lstStyle/>
+          <a:p>
+            <a:pPr algn="ctr">
+              <a:lnSpc>
+                <a:spcPct val="120000"/>
+              </a:lnSpc>
+              <a:spcBef>
+                <a:spcPts val="500"/>
+              </a:spcBef>
+            </a:pPr>
+            <a:r>
+              <a:rPr lang="it-IT" sz="2000" dirty="0" smtClean="0">
+                <a:solidFill>
+                  <a:srgbClr val="A6A6A6"/>
+                </a:solidFill>
+                <a:latin typeface="Arial" charset="0"/>
+              </a:rPr>
+              <a:t>Integrate the </a:t>
+            </a:r>
+            <a:r>
+              <a:rPr lang="it-IT" sz="2000" dirty="0" err="1">
+                <a:solidFill>
+                  <a:srgbClr val="A6A6A6"/>
                 </a:solidFill>
                 <a:latin typeface="Arial" charset="0"/>
               </a:rPr>
@@ -47912,9 +44784,25 @@
             <a:r>
               <a:rPr lang="it-IT" sz="2000" dirty="0">
                 <a:solidFill>
-                  <a:schemeClr val="bg1">
-                    <a:lumMod val="65000"/>
-                  </a:schemeClr>
+                  <a:srgbClr val="A6A6A6"/>
+                </a:solidFill>
+                <a:latin typeface="Arial" charset="0"/>
+              </a:rPr>
+              <a:t> and </a:t>
+            </a:r>
+            <a:r>
+              <a:rPr lang="it-IT" sz="2000" dirty="0" err="1">
+                <a:solidFill>
+                  <a:srgbClr val="A6A6A6"/>
+                </a:solidFill>
+                <a:latin typeface="Arial" charset="0"/>
+              </a:rPr>
+              <a:t>synchronization</a:t>
+            </a:r>
+            <a:r>
+              <a:rPr lang="it-IT" sz="2000" dirty="0">
+                <a:solidFill>
+                  <a:srgbClr val="A6A6A6"/>
                 </a:solidFill>
                 <a:latin typeface="Arial" charset="0"/>
               </a:rPr>
@@ -47923,20 +44811,16 @@
             <a:r>
               <a:rPr lang="it-IT" sz="2000" dirty="0" err="1">
                 <a:solidFill>
-                  <a:schemeClr val="bg1">
-                    <a:lumMod val="65000"/>
-                  </a:schemeClr>
+                  <a:srgbClr val="A6A6A6"/>
                 </a:solidFill>
                 <a:latin typeface="Arial" charset="0"/>
               </a:rPr>
-              <a:t>among</a:t>
+              <a:t>system</a:t>
             </a:r>
             <a:r>
               <a:rPr lang="it-IT" sz="2000" dirty="0">
                 <a:solidFill>
-                  <a:schemeClr val="bg1">
-                    <a:lumMod val="65000"/>
-                  </a:schemeClr>
+                  <a:srgbClr val="A6A6A6"/>
                 </a:solidFill>
                 <a:latin typeface="Arial" charset="0"/>
               </a:rPr>
@@ -47945,141 +44829,7 @@
             <a:r>
               <a:rPr lang="it-IT" sz="2000" dirty="0" err="1">
                 <a:solidFill>
-                  <a:schemeClr val="bg1">
-                    <a:lumMod val="65000"/>
-                  </a:schemeClr>
-                </a:solidFill>
-                <a:latin typeface="Arial" charset="0"/>
-              </a:rPr>
-              <a:t>NoSQL</a:t>
-            </a:r>
-            <a:r>
-              <a:rPr lang="it-IT" sz="2000" dirty="0">
-                <a:solidFill>
-                  <a:schemeClr val="bg1">
-                    <a:lumMod val="65000"/>
-                  </a:schemeClr>
-                </a:solidFill>
-                <a:latin typeface="Arial" charset="0"/>
-              </a:rPr>
-              <a:t> </a:t>
-            </a:r>
-            <a:r>
-              <a:rPr lang="it-IT" sz="2000" dirty="0" err="1">
-                <a:solidFill>
-                  <a:schemeClr val="bg1">
-                    <a:lumMod val="65000"/>
-                  </a:schemeClr>
-                </a:solidFill>
-                <a:latin typeface="Arial" charset="0"/>
-              </a:rPr>
-              <a:t>databases</a:t>
-            </a:r>
-            <a:r>
-              <a:rPr lang="it-IT" sz="2000" dirty="0">
-                <a:solidFill>
-                  <a:schemeClr val="bg1">
-                    <a:lumMod val="65000"/>
-                  </a:schemeClr>
-                </a:solidFill>
-                <a:latin typeface="Arial" charset="0"/>
-              </a:rPr>
-              <a:t> </a:t>
-            </a:r>
-            <a:r>
-              <a:rPr lang="it-IT" sz="2000" dirty="0" err="1">
-                <a:solidFill>
-                  <a:schemeClr val="bg1">
-                    <a:lumMod val="65000"/>
-                  </a:schemeClr>
-                </a:solidFill>
-                <a:latin typeface="Arial" charset="0"/>
-              </a:rPr>
-              <a:t>through</a:t>
-            </a:r>
-            <a:r>
-              <a:rPr lang="it-IT" sz="2000" dirty="0">
-                <a:solidFill>
-                  <a:schemeClr val="bg1">
-                    <a:lumMod val="65000"/>
-                  </a:schemeClr>
-                </a:solidFill>
-                <a:latin typeface="Arial" charset="0"/>
-              </a:rPr>
-              <a:t> the </a:t>
-            </a:r>
-            <a:r>
-              <a:rPr lang="it-IT" sz="2000" dirty="0" err="1">
-                <a:solidFill>
-                  <a:schemeClr val="bg1">
-                    <a:lumMod val="65000"/>
-                  </a:schemeClr>
-                </a:solidFill>
-                <a:latin typeface="Arial" charset="0"/>
-              </a:rPr>
-              <a:t>migration</a:t>
-            </a:r>
-            <a:r>
-              <a:rPr lang="it-IT" sz="2000" dirty="0">
-                <a:solidFill>
-                  <a:schemeClr val="bg1">
-                    <a:lumMod val="65000"/>
-                  </a:schemeClr>
-                </a:solidFill>
-                <a:latin typeface="Arial" charset="0"/>
-              </a:rPr>
-              <a:t> and </a:t>
-            </a:r>
-            <a:r>
-              <a:rPr lang="it-IT" sz="2000" dirty="0" err="1">
-                <a:solidFill>
-                  <a:schemeClr val="bg1">
-                    <a:lumMod val="65000"/>
-                  </a:schemeClr>
-                </a:solidFill>
-                <a:latin typeface="Arial" charset="0"/>
-              </a:rPr>
-              <a:t>synchronization</a:t>
-            </a:r>
-            <a:r>
-              <a:rPr lang="it-IT" sz="2000" dirty="0">
-                <a:solidFill>
-                  <a:schemeClr val="bg1">
-                    <a:lumMod val="65000"/>
-                  </a:schemeClr>
-                </a:solidFill>
-                <a:latin typeface="Arial" charset="0"/>
-              </a:rPr>
-              <a:t> </a:t>
-            </a:r>
-            <a:r>
-              <a:rPr lang="it-IT" sz="2000" dirty="0" err="1">
-                <a:solidFill>
-                  <a:schemeClr val="bg1">
-                    <a:lumMod val="65000"/>
-                  </a:schemeClr>
-                </a:solidFill>
-                <a:latin typeface="Arial" charset="0"/>
-              </a:rPr>
-              <a:t>system</a:t>
-            </a:r>
-            <a:r>
-              <a:rPr lang="it-IT" sz="2000" dirty="0">
-                <a:solidFill>
-                  <a:schemeClr val="bg1">
-                    <a:lumMod val="65000"/>
-                  </a:schemeClr>
-                </a:solidFill>
-                <a:latin typeface="Arial" charset="0"/>
-              </a:rPr>
-              <a:t> </a:t>
-            </a:r>
-            <a:r>
-              <a:rPr lang="it-IT" sz="2000" dirty="0" err="1">
-                <a:solidFill>
-                  <a:schemeClr val="bg1">
-                    <a:lumMod val="65000"/>
-                  </a:schemeClr>
+                  <a:srgbClr val="A6A6A6"/>
                 </a:solidFill>
                 <a:latin typeface="Arial" charset="0"/>
               </a:rPr>
@@ -48087,9 +44837,69 @@
             </a:r>
             <a:endParaRPr lang="en-US" sz="2000" dirty="0">
               <a:solidFill>
-                <a:schemeClr val="bg1">
-                  <a:lumMod val="65000"/>
-                </a:schemeClr>
+                <a:srgbClr val="A6A6A6"/>
+              </a:solidFill>
+              <a:latin typeface="Arial" charset="0"/>
+            </a:endParaRPr>
+          </a:p>
+        </p:txBody>
+      </p:sp>
+      <p:sp>
+        <p:nvSpPr>
+          <p:cNvPr id="9" name="Rettangolo arrotondato 8"/>
+          <p:cNvSpPr>
+            <a:spLocks noChangeArrowheads="1"/>
+          </p:cNvSpPr>
+          <p:nvPr/>
+        </p:nvSpPr>
+        <p:spPr bwMode="auto">
+          <a:xfrm>
+            <a:off x="827584" y="5085184"/>
+            <a:ext cx="7488832" cy="792088"/>
+          </a:xfrm>
+          <a:prstGeom prst="roundRect">
+            <a:avLst>
+              <a:gd name="adj" fmla="val 16667"/>
+            </a:avLst>
+          </a:prstGeom>
+          <a:solidFill>
+            <a:srgbClr val="FFFFFF"/>
+          </a:solidFill>
+          <a:ln w="9525" cap="flat" cmpd="sng" algn="ctr">
+            <a:solidFill>
+              <a:srgbClr val="A6A6A6"/>
+            </a:solidFill>
+            <a:prstDash val="solid"/>
+            <a:round/>
+            <a:headEnd type="none" w="med" len="med"/>
+            <a:tailEnd type="none" w="med" len="med"/>
+          </a:ln>
+          <a:effectLst/>
+        </p:spPr>
+        <p:txBody>
+          <a:bodyPr anchor="ctr"/>
+          <a:lstStyle/>
+          <a:p>
+            <a:pPr algn="ctr">
+              <a:lnSpc>
+                <a:spcPct val="120000"/>
+              </a:lnSpc>
+              <a:spcBef>
+                <a:spcPts val="500"/>
+              </a:spcBef>
+            </a:pPr>
+            <a:r>
+              <a:rPr lang="it-IT" sz="2000" dirty="0">
+                <a:solidFill>
+                  <a:srgbClr val="A6A6A6"/>
+                </a:solidFill>
+                <a:latin typeface="Arial" charset="0"/>
+              </a:rPr>
+              <a:t>Evaluation</a:t>
+            </a:r>
+            <a:endParaRPr lang="en-US" sz="2000" dirty="0">
+              <a:solidFill>
+                <a:srgbClr val="A6A6A6"/>
               </a:solidFill>
               <a:latin typeface="Arial" charset="0"/>
             </a:endParaRPr>
@@ -48099,7 +44909,7 @@
     </p:spTree>
     <p:extLst>
       <p:ext uri="{BB962C8B-B14F-4D97-AF65-F5344CB8AC3E}">
-        <p14:creationId xmlns:p14="http://schemas.microsoft.com/office/powerpoint/2010/main" val="2460533978"/>
+        <p14:creationId xmlns:p14="http://schemas.microsoft.com/office/powerpoint/2010/main" val="763500033"/>
       </p:ext>
     </p:extLst>
   </p:cSld>
@@ -49132,7 +45942,7 @@
         </p:blipFill>
         <p:spPr bwMode="auto">
           <a:xfrm>
-            <a:off x="1911350" y="1484313"/>
+            <a:off x="1911350" y="1484784"/>
             <a:ext cx="5253038" cy="4608512"/>
           </a:xfrm>
           <a:prstGeom prst="rect">
@@ -51064,60 +47874,6 @@
           </a:p>
         </p:txBody>
       </p:sp>
-      <p:pic>
-        <p:nvPicPr>
-          <p:cNvPr id="44035" name="Immagine 1" descr="cpim_nosql_old.eps"/>
-          <p:cNvPicPr>
-            <a:picLocks noChangeAspect="1"/>
-          </p:cNvPicPr>
-          <p:nvPr/>
-        </p:nvPicPr>
-        <p:blipFill>
-          <a:blip>
-            <a:extLst>
-              <a:ext uri="{28A0092B-C50C-407E-A947-70E740481C1C}">
-                <a14:useLocalDpi xmlns:a14="http://schemas.microsoft.com/office/drawing/2010/main" val="0"/>
-              </a:ext>
-            </a:extLst>
-          </a:blip>
-          <a:srcRect/>
-          <a:stretch>
-            <a:fillRect/>
-          </a:stretch>
-        </p:blipFill>
-        <p:spPr bwMode="auto">
-          <a:xfrm>
-            <a:off x="3448050" y="908050"/>
-            <a:ext cx="5516563" cy="5588000"/>
-          </a:xfrm>
-          <a:prstGeom prst="rect">
-            <a:avLst/>
-          </a:prstGeom>
-          <a:noFill/>
-          <a:ln>
-            <a:noFill/>
-          </a:ln>
-          <a:extLst>
-            <a:ext uri="{909E8E84-426E-40dd-AFC4-6F175D3DCCD1}">
-              <a14:hiddenFill xmlns:a14="http://schemas.microsoft.com/office/drawing/2010/main">
-                <a:solidFill>
-                  <a:srgbClr val="FFFFFF"/>
-                </a:solidFill>
-              </a14:hiddenFill>
-            </a:ext>
-            <a:ext uri="{91240B29-F687-4f45-9708-019B960494DF}">
-              <a14:hiddenLine xmlns:a14="http://schemas.microsoft.com/office/drawing/2010/main" w="9525">
-                <a:solidFill>
-                  <a:srgbClr val="000000"/>
-                </a:solidFill>
-                <a:miter lim="800000"/>
-                <a:headEnd/>
-                <a:tailEnd/>
-              </a14:hiddenLine>
-            </a:ext>
-          </a:extLst>
-        </p:spPr>
-      </p:pic>
       <p:sp>
         <p:nvSpPr>
           <p:cNvPr id="6146" name="Text Box 2"/>

--- a/presentation/ThesisPresentation.pptx
+++ b/presentation/ThesisPresentation.pptx
@@ -3816,125 +3816,6 @@
               <a:cs typeface="+mn-cs"/>
             </a:endParaRPr>
           </a:p>
-          <a:p>
-            <a:pPr marL="1587" indent="0">
-              <a:lnSpc>
-                <a:spcPct val="120000"/>
-              </a:lnSpc>
-              <a:spcBef>
-                <a:spcPts val="500"/>
-              </a:spcBef>
-              <a:buClrTx/>
-              <a:buFont typeface="Arial"/>
-              <a:buNone/>
-              <a:defRPr/>
-            </a:pPr>
-            <a:r>
-              <a:rPr lang="it-IT" sz="1600" dirty="0" smtClean="0">
-                <a:solidFill>
-                  <a:srgbClr val="003F6E"/>
-                </a:solidFill>
-                <a:latin typeface="Arial" charset="0"/>
-              </a:rPr>
-              <a:t>T</a:t>
-            </a:r>
-            <a:r>
-              <a:rPr lang="en-US" sz="1600" dirty="0" err="1" smtClean="0">
-                <a:solidFill>
-                  <a:srgbClr val="003F6E"/>
-                </a:solidFill>
-                <a:latin typeface="Arial" charset="0"/>
-              </a:rPr>
-              <a:t>ranslate</a:t>
-            </a:r>
-            <a:r>
-              <a:rPr lang="en-US" sz="1600" dirty="0" smtClean="0">
-                <a:solidFill>
-                  <a:srgbClr val="003F6E"/>
-                </a:solidFill>
-                <a:latin typeface="Arial" charset="0"/>
-              </a:rPr>
-              <a:t> to SQL intercepted operations</a:t>
-            </a:r>
-          </a:p>
-          <a:p>
-            <a:pPr marL="746124" lvl="1" indent="-342900">
-              <a:lnSpc>
-                <a:spcPct val="120000"/>
-              </a:lnSpc>
-              <a:spcBef>
-                <a:spcPts val="500"/>
-              </a:spcBef>
-              <a:buClrTx/>
-              <a:buFont typeface="Arial"/>
-              <a:buChar char="•"/>
-              <a:defRPr/>
-            </a:pPr>
-            <a:r>
-              <a:rPr lang="en-US" sz="1400" dirty="0" smtClean="0">
-                <a:solidFill>
-                  <a:srgbClr val="003F6E"/>
-                </a:solidFill>
-                <a:latin typeface="Arial" charset="0"/>
-              </a:rPr>
-              <a:t>JPQL queries (DELETE and UPDATE)</a:t>
-            </a:r>
-          </a:p>
-          <a:p>
-            <a:pPr marL="746124" lvl="1" indent="-342900">
-              <a:lnSpc>
-                <a:spcPct val="120000"/>
-              </a:lnSpc>
-              <a:spcBef>
-                <a:spcPts val="500"/>
-              </a:spcBef>
-              <a:buClrTx/>
-              <a:buFont typeface="Arial"/>
-              <a:buChar char="•"/>
-              <a:defRPr/>
-            </a:pPr>
-            <a:r>
-              <a:rPr lang="en-US" sz="1400" dirty="0" smtClean="0">
-                <a:solidFill>
-                  <a:srgbClr val="003F6E"/>
-                </a:solidFill>
-                <a:latin typeface="Arial" charset="0"/>
-              </a:rPr>
-              <a:t>ORM operation (through </a:t>
-            </a:r>
-            <a:r>
-              <a:rPr lang="en-US" sz="1400" i="1" dirty="0" err="1" smtClean="0">
-                <a:solidFill>
-                  <a:srgbClr val="003F6E"/>
-                </a:solidFill>
-                <a:latin typeface="Arial" charset="0"/>
-              </a:rPr>
-              <a:t>EntityManager</a:t>
-            </a:r>
-            <a:r>
-              <a:rPr lang="en-US" sz="1400" dirty="0" smtClean="0">
-                <a:solidFill>
-                  <a:srgbClr val="003F6E"/>
-                </a:solidFill>
-                <a:latin typeface="Arial" charset="0"/>
-              </a:rPr>
-              <a:t> interface)</a:t>
-            </a:r>
-            <a:endParaRPr lang="it-IT" sz="1400" dirty="0" smtClean="0">
-              <a:solidFill>
-                <a:srgbClr val="003F6E"/>
-              </a:solidFill>
-              <a:latin typeface="Arial" charset="0"/>
-            </a:endParaRPr>
-          </a:p>
-          <a:p>
-            <a:pPr>
-              <a:defRPr/>
-            </a:pPr>
-            <a:endParaRPr lang="en-US" dirty="0" smtClean="0">
-              <a:cs typeface="+mn-cs"/>
-            </a:endParaRPr>
-          </a:p>
         </p:txBody>
       </p:sp>
     </p:spTree>
@@ -16986,8 +16867,8 @@
         </p:nvSpPr>
         <p:spPr bwMode="auto">
           <a:xfrm>
-            <a:off x="468313" y="981075"/>
-            <a:ext cx="6767512" cy="1655763"/>
+            <a:off x="468313" y="980728"/>
+            <a:ext cx="6767512" cy="2304256"/>
           </a:xfrm>
           <a:prstGeom prst="rect">
             <a:avLst/>
@@ -17388,7 +17269,7 @@
           <a:p>
             <a:pPr marL="344487" indent="-342900">
               <a:lnSpc>
-                <a:spcPct val="120000"/>
+                <a:spcPct val="150000"/>
               </a:lnSpc>
               <a:spcBef>
                 <a:spcPts val="500"/>
@@ -17405,13 +17286,22 @@
                 </a:solidFill>
                 <a:latin typeface="Arial" charset="0"/>
               </a:rPr>
-              <a:t>Single persistence provider</a:t>
+              <a:t>Single persistence </a:t>
+            </a:r>
+            <a:r>
+              <a:rPr lang="en-US" sz="2000" dirty="0" smtClean="0">
+                <a:solidFill>
+                  <a:srgbClr val="003F6E"/>
+                </a:solidFill>
+                <a:latin typeface="Arial" charset="0"/>
+              </a:rPr>
+              <a:t>provider</a:t>
             </a:r>
           </a:p>
           <a:p>
             <a:pPr marL="344487" indent="-342900">
               <a:lnSpc>
-                <a:spcPct val="120000"/>
+                <a:spcPct val="150000"/>
               </a:lnSpc>
               <a:spcBef>
                 <a:spcPts val="500"/>
@@ -17422,58 +17312,31 @@
               <a:defRPr/>
             </a:pPr>
             <a:r>
-              <a:rPr lang="it-IT" sz="2000" dirty="0" err="1" smtClean="0">
+              <a:rPr lang="it-IT" sz="2000" dirty="0" smtClean="0">
                 <a:solidFill>
                   <a:srgbClr val="003F6E"/>
                 </a:solidFill>
                 <a:latin typeface="Arial" charset="0"/>
               </a:rPr>
-              <a:t>NoSQL</a:t>
-            </a:r>
-            <a:r>
-              <a:rPr lang="it-IT" sz="2000" dirty="0" smtClean="0">
+              <a:t>C</a:t>
+            </a:r>
+            <a:r>
+              <a:rPr lang="en-US" sz="2000" dirty="0" err="1" smtClean="0">
                 <a:solidFill>
                   <a:srgbClr val="003F6E"/>
                 </a:solidFill>
                 <a:latin typeface="Arial" charset="0"/>
               </a:rPr>
-              <a:t> </a:t>
-            </a:r>
-            <a:r>
-              <a:rPr lang="it-IT" sz="2000" dirty="0" err="1" smtClean="0">
+              <a:t>omplete</a:t>
+            </a:r>
+            <a:r>
+              <a:rPr lang="en-US" sz="2000" dirty="0" smtClean="0">
                 <a:solidFill>
                   <a:srgbClr val="003F6E"/>
                 </a:solidFill>
                 <a:latin typeface="Arial" charset="0"/>
               </a:rPr>
-              <a:t>support</a:t>
-            </a:r>
-            <a:r>
-              <a:rPr lang="it-IT" sz="2000" dirty="0" smtClean="0">
-                <a:solidFill>
-                  <a:srgbClr val="003F6E"/>
-                </a:solidFill>
-                <a:latin typeface="Arial" charset="0"/>
-              </a:rPr>
-              <a:t> </a:t>
-            </a:r>
-            <a:r>
-              <a:rPr lang="en-US" sz="2000" dirty="0" smtClean="0">
-                <a:solidFill>
-                  <a:srgbClr val="003F6E"/>
-                </a:solidFill>
-                <a:latin typeface="Arial" charset="0"/>
-              </a:rPr>
-              <a:t>inherited by </a:t>
-            </a:r>
-            <a:r>
-              <a:rPr lang="en-US" sz="2000" dirty="0" err="1" smtClean="0">
-                <a:solidFill>
-                  <a:srgbClr val="003F6E"/>
-                </a:solidFill>
-                <a:latin typeface="Arial" charset="0"/>
-              </a:rPr>
-              <a:t>Kundera</a:t>
+              <a:t> code portability</a:t>
             </a:r>
             <a:endParaRPr lang="en-US" sz="2000" dirty="0" smtClean="0">
               <a:solidFill>
@@ -17485,7 +17348,81 @@
           <a:p>
             <a:pPr marL="344487" indent="-342900">
               <a:lnSpc>
-                <a:spcPct val="120000"/>
+                <a:spcPct val="150000"/>
+              </a:lnSpc>
+              <a:spcBef>
+                <a:spcPts val="500"/>
+              </a:spcBef>
+              <a:buClrTx/>
+              <a:buFont typeface="Arial"/>
+              <a:buChar char="•"/>
+              <a:defRPr/>
+            </a:pPr>
+            <a:r>
+              <a:rPr lang="it-IT" sz="2000" dirty="0" err="1" smtClean="0">
+                <a:solidFill>
+                  <a:srgbClr val="003F6E"/>
+                </a:solidFill>
+                <a:latin typeface="Arial" charset="0"/>
+              </a:rPr>
+              <a:t>NoSQL</a:t>
+            </a:r>
+            <a:r>
+              <a:rPr lang="it-IT" sz="2000" dirty="0" smtClean="0">
+                <a:solidFill>
+                  <a:srgbClr val="003F6E"/>
+                </a:solidFill>
+                <a:latin typeface="Arial" charset="0"/>
+              </a:rPr>
+              <a:t> </a:t>
+            </a:r>
+            <a:r>
+              <a:rPr lang="it-IT" sz="2000" dirty="0" err="1" smtClean="0">
+                <a:solidFill>
+                  <a:srgbClr val="003F6E"/>
+                </a:solidFill>
+                <a:latin typeface="Arial" charset="0"/>
+              </a:rPr>
+              <a:t>support</a:t>
+            </a:r>
+            <a:r>
+              <a:rPr lang="it-IT" sz="2000" dirty="0" smtClean="0">
+                <a:solidFill>
+                  <a:srgbClr val="003F6E"/>
+                </a:solidFill>
+                <a:latin typeface="Arial" charset="0"/>
+              </a:rPr>
+              <a:t> </a:t>
+            </a:r>
+            <a:r>
+              <a:rPr lang="en-US" sz="2000" dirty="0" smtClean="0">
+                <a:solidFill>
+                  <a:srgbClr val="003F6E"/>
+                </a:solidFill>
+                <a:latin typeface="Arial" charset="0"/>
+              </a:rPr>
+              <a:t>inherited by </a:t>
+            </a:r>
+            <a:r>
+              <a:rPr lang="en-US" sz="2000" dirty="0" err="1" smtClean="0">
+                <a:solidFill>
+                  <a:srgbClr val="003F6E"/>
+                </a:solidFill>
+                <a:latin typeface="Arial" charset="0"/>
+              </a:rPr>
+              <a:t>Kundera</a:t>
+            </a:r>
+            <a:endParaRPr lang="en-US" sz="2000" dirty="0" smtClean="0">
+              <a:solidFill>
+                <a:srgbClr val="003F6E"/>
+              </a:solidFill>
+              <a:latin typeface="Arial" charset="0"/>
+            </a:endParaRPr>
+          </a:p>
+          <a:p>
+            <a:pPr marL="344487" indent="-342900">
+              <a:lnSpc>
+                <a:spcPct val="150000"/>
               </a:lnSpc>
               <a:spcBef>
                 <a:spcPts val="500"/>
@@ -17603,164 +17540,357 @@
       </p:sp>
       <p:grpSp>
         <p:nvGrpSpPr>
-          <p:cNvPr id="46084" name="Gruppo 6"/>
-          <p:cNvGrpSpPr>
-            <a:grpSpLocks/>
-          </p:cNvGrpSpPr>
+          <p:cNvPr id="2" name="Gruppo 1"/>
+          <p:cNvGrpSpPr/>
           <p:nvPr/>
         </p:nvGrpSpPr>
-        <p:grpSpPr bwMode="auto">
+        <p:grpSpPr>
           <a:xfrm>
-            <a:off x="395288" y="4411663"/>
-            <a:ext cx="6048375" cy="1825625"/>
-            <a:chOff x="467544" y="3645024"/>
-            <a:chExt cx="6048672" cy="1826527"/>
+            <a:off x="2195736" y="3789040"/>
+            <a:ext cx="4608512" cy="720080"/>
+            <a:chOff x="467544" y="4725144"/>
+            <a:chExt cx="4608512" cy="720080"/>
           </a:xfrm>
         </p:grpSpPr>
-        <p:pic>
-          <p:nvPicPr>
-            <p:cNvPr id="46086" name="Immagine 4" descr="persistencexml.png"/>
-            <p:cNvPicPr>
-              <a:picLocks noChangeAspect="1"/>
-            </p:cNvPicPr>
-            <p:nvPr/>
-          </p:nvPicPr>
-          <p:blipFill>
-            <a:blip r:embed="rId3">
-              <a:extLst>
-                <a:ext uri="{28A0092B-C50C-407E-A947-70E740481C1C}">
-                  <a14:useLocalDpi xmlns:a14="http://schemas.microsoft.com/office/drawing/2010/main" val="0"/>
-                </a:ext>
-              </a:extLst>
-            </a:blip>
-            <a:srcRect/>
-            <a:stretch>
-              <a:fillRect/>
-            </a:stretch>
-          </p:blipFill>
-          <p:spPr bwMode="auto">
-            <a:xfrm>
-              <a:off x="467544" y="3645024"/>
-              <a:ext cx="6009557" cy="1826527"/>
-            </a:xfrm>
-            <a:prstGeom prst="rect">
-              <a:avLst/>
-            </a:prstGeom>
-            <a:noFill/>
-            <a:ln>
-              <a:noFill/>
-            </a:ln>
-            <a:extLst>
-              <a:ext uri="{909E8E84-426E-40dd-AFC4-6F175D3DCCD1}">
-                <a14:hiddenFill xmlns:a14="http://schemas.microsoft.com/office/drawing/2010/main">
-                  <a:solidFill>
-                    <a:srgbClr val="FFFFFF"/>
-                  </a:solidFill>
-                </a14:hiddenFill>
-              </a:ext>
-              <a:ext uri="{91240B29-F687-4f45-9708-019B960494DF}">
-                <a14:hiddenLine xmlns:a14="http://schemas.microsoft.com/office/drawing/2010/main" w="9525">
-                  <a:solidFill>
-                    <a:srgbClr val="000000"/>
-                  </a:solidFill>
-                  <a:miter lim="800000"/>
-                  <a:headEnd/>
-                  <a:tailEnd/>
-                </a14:hiddenLine>
-              </a:ext>
-            </a:extLst>
-          </p:spPr>
-        </p:pic>
         <p:sp>
           <p:nvSpPr>
-            <p:cNvPr id="46087" name="Rettangolo arrotondato 5"/>
-            <p:cNvSpPr>
-              <a:spLocks noChangeArrowheads="1"/>
-            </p:cNvSpPr>
+            <p:cNvPr id="29" name="Rettangolo arrotondato 28"/>
+            <p:cNvSpPr/>
             <p:nvPr/>
           </p:nvSpPr>
           <p:spPr bwMode="auto">
             <a:xfrm>
-              <a:off x="755576" y="4581128"/>
-              <a:ext cx="5760640" cy="720080"/>
+              <a:off x="467544" y="5157192"/>
+              <a:ext cx="2448272" cy="288032"/>
             </a:xfrm>
             <a:prstGeom prst="roundRect">
-              <a:avLst>
-                <a:gd name="adj" fmla="val 16667"/>
-              </a:avLst>
+              <a:avLst/>
             </a:prstGeom>
-            <a:noFill/>
-            <a:ln w="9525">
+            <a:solidFill>
+              <a:schemeClr val="bg2">
+                <a:lumMod val="40000"/>
+                <a:lumOff val="60000"/>
+              </a:schemeClr>
+            </a:solidFill>
+            <a:ln>
               <a:solidFill>
-                <a:srgbClr val="FF0000"/>
+                <a:schemeClr val="tx1"/>
               </a:solidFill>
-              <a:round/>
-              <a:headEnd/>
-              <a:tailEnd/>
+              <a:headEnd type="none" w="med" len="med"/>
+              <a:tailEnd type="none" w="med" len="med"/>
             </a:ln>
-            <a:extLst>
-              <a:ext uri="{909E8E84-426E-40dd-AFC4-6F175D3DCCD1}">
-                <a14:hiddenFill xmlns:a14="http://schemas.microsoft.com/office/drawing/2010/main">
-                  <a:solidFill>
-                    <a:srgbClr val="FFFFFF"/>
-                  </a:solidFill>
-                </a14:hiddenFill>
-              </a:ext>
-            </a:extLst>
+            <a:extLst/>
           </p:spPr>
+          <p:style>
+            <a:lnRef idx="1">
+              <a:schemeClr val="accent4"/>
+            </a:lnRef>
+            <a:fillRef idx="2">
+              <a:schemeClr val="accent4"/>
+            </a:fillRef>
+            <a:effectRef idx="1">
+              <a:schemeClr val="accent4"/>
+            </a:effectRef>
+            <a:fontRef idx="minor">
+              <a:schemeClr val="dk1"/>
+            </a:fontRef>
+          </p:style>
           <p:txBody>
-            <a:bodyPr/>
+            <a:bodyPr vert="horz" wrap="square" lIns="91440" tIns="45720" rIns="91440" bIns="45720" numCol="1" rtlCol="0" anchor="ctr" anchorCtr="0" compatLnSpc="1">
+              <a:prstTxWarp prst="textNoShape">
+                <a:avLst/>
+              </a:prstTxWarp>
+            </a:bodyPr>
             <a:lstStyle/>
             <a:p>
-              <a:endParaRPr lang="it-IT"/>
+              <a:pPr marL="0" marR="0" indent="0" algn="ctr" defTabSz="449263" rtl="0" eaLnBrk="0" fontAlgn="base" latinLnBrk="0" hangingPunct="0">
+                <a:lnSpc>
+                  <a:spcPct val="93000"/>
+                </a:lnSpc>
+                <a:spcBef>
+                  <a:spcPct val="0"/>
+                </a:spcBef>
+                <a:spcAft>
+                  <a:spcPct val="0"/>
+                </a:spcAft>
+                <a:buClr>
+                  <a:srgbClr val="000000"/>
+                </a:buClr>
+                <a:buSzPct val="100000"/>
+                <a:buFont typeface="Times New Roman" charset="0"/>
+                <a:buNone/>
+                <a:tabLst/>
+              </a:pPr>
+              <a:r>
+                <a:rPr kumimoji="0" lang="it-IT" sz="1400" b="0" i="0" u="none" strike="noStrike" cap="none" normalizeH="0" baseline="0" dirty="0" err="1" smtClean="0">
+                  <a:ln>
+                    <a:noFill/>
+                  </a:ln>
+                  <a:solidFill>
+                    <a:schemeClr val="tx1"/>
+                  </a:solidFill>
+                  <a:effectLst/>
+                  <a:latin typeface="Arial"/>
+                  <a:ea typeface="ＭＳ Ｐゴシック" charset="0"/>
+                  <a:cs typeface="Arial"/>
+                </a:rPr>
+                <a:t>CloudEntityManager</a:t>
+              </a:r>
+              <a:endParaRPr kumimoji="0" lang="it-IT" sz="1600" b="0" i="0" u="none" strike="noStrike" cap="none" normalizeH="0" baseline="0" dirty="0">
+                <a:ln>
+                  <a:noFill/>
+                </a:ln>
+                <a:solidFill>
+                  <a:schemeClr val="tx1"/>
+                </a:solidFill>
+                <a:effectLst/>
+                <a:latin typeface="Arial"/>
+                <a:ea typeface="ＭＳ Ｐゴシック" charset="0"/>
+                <a:cs typeface="Arial"/>
+              </a:endParaRPr>
             </a:p>
           </p:txBody>
         </p:sp>
         <p:sp>
           <p:nvSpPr>
-            <p:cNvPr id="46088" name="Rettangolo arrotondato 8"/>
-            <p:cNvSpPr>
-              <a:spLocks noChangeArrowheads="1"/>
-            </p:cNvSpPr>
+            <p:cNvPr id="30" name="Rettangolo arrotondato 29"/>
+            <p:cNvSpPr/>
             <p:nvPr/>
           </p:nvSpPr>
           <p:spPr bwMode="auto">
             <a:xfrm>
-              <a:off x="755576" y="3861048"/>
-              <a:ext cx="4032448" cy="144016"/>
+              <a:off x="3563888" y="4797152"/>
+              <a:ext cx="1512168" cy="504056"/>
             </a:xfrm>
             <a:prstGeom prst="roundRect">
-              <a:avLst>
-                <a:gd name="adj" fmla="val 16667"/>
-              </a:avLst>
+              <a:avLst/>
             </a:prstGeom>
-            <a:noFill/>
-            <a:ln w="9525">
+            <a:solidFill>
+              <a:schemeClr val="bg2">
+                <a:lumMod val="40000"/>
+                <a:lumOff val="60000"/>
+              </a:schemeClr>
+            </a:solidFill>
+            <a:ln>
               <a:solidFill>
-                <a:srgbClr val="FF0000"/>
+                <a:schemeClr val="tx1"/>
               </a:solidFill>
+              <a:headEnd type="none" w="med" len="med"/>
+              <a:tailEnd type="none" w="med" len="med"/>
+            </a:ln>
+            <a:extLst/>
+          </p:spPr>
+          <p:style>
+            <a:lnRef idx="1">
+              <a:schemeClr val="accent4"/>
+            </a:lnRef>
+            <a:fillRef idx="2">
+              <a:schemeClr val="accent4"/>
+            </a:fillRef>
+            <a:effectRef idx="1">
+              <a:schemeClr val="accent4"/>
+            </a:effectRef>
+            <a:fontRef idx="minor">
+              <a:schemeClr val="dk1"/>
+            </a:fontRef>
+          </p:style>
+          <p:txBody>
+            <a:bodyPr vert="horz" wrap="square" lIns="91440" tIns="45720" rIns="91440" bIns="45720" numCol="1" rtlCol="0" anchor="ctr" anchorCtr="0" compatLnSpc="1">
+              <a:prstTxWarp prst="textNoShape">
+                <a:avLst/>
+              </a:prstTxWarp>
+            </a:bodyPr>
+            <a:lstStyle/>
+            <a:p>
+              <a:pPr marL="0" marR="0" indent="0" algn="ctr" defTabSz="449263" rtl="0" eaLnBrk="0" fontAlgn="base" latinLnBrk="0" hangingPunct="0">
+                <a:lnSpc>
+                  <a:spcPct val="93000"/>
+                </a:lnSpc>
+                <a:spcBef>
+                  <a:spcPct val="0"/>
+                </a:spcBef>
+                <a:spcAft>
+                  <a:spcPct val="0"/>
+                </a:spcAft>
+                <a:buClr>
+                  <a:srgbClr val="000000"/>
+                </a:buClr>
+                <a:buSzPct val="100000"/>
+                <a:buFont typeface="Times New Roman" charset="0"/>
+                <a:buNone/>
+                <a:tabLst/>
+              </a:pPr>
+              <a:r>
+                <a:rPr kumimoji="0" lang="it-IT" sz="1600" b="0" i="0" u="none" strike="noStrike" cap="none" normalizeH="0" baseline="0" dirty="0" smtClean="0">
+                  <a:ln>
+                    <a:noFill/>
+                  </a:ln>
+                  <a:solidFill>
+                    <a:schemeClr val="tx1"/>
+                  </a:solidFill>
+                  <a:effectLst/>
+                  <a:latin typeface="Arial"/>
+                  <a:ea typeface="ＭＳ Ｐゴシック" charset="0"/>
+                  <a:cs typeface="Arial"/>
+                </a:rPr>
+                <a:t>Kundera</a:t>
+              </a:r>
+              <a:endParaRPr kumimoji="0" lang="it-IT" sz="1800" b="0" i="0" u="none" strike="noStrike" cap="none" normalizeH="0" baseline="0" dirty="0">
+                <a:ln>
+                  <a:noFill/>
+                </a:ln>
+                <a:solidFill>
+                  <a:schemeClr val="tx1"/>
+                </a:solidFill>
+                <a:effectLst/>
+                <a:latin typeface="Arial"/>
+                <a:ea typeface="ＭＳ Ｐゴシック" charset="0"/>
+                <a:cs typeface="Arial"/>
+              </a:endParaRPr>
+            </a:p>
+          </p:txBody>
+        </p:sp>
+        <p:sp>
+          <p:nvSpPr>
+            <p:cNvPr id="31" name="Rettangolo arrotondato 30"/>
+            <p:cNvSpPr/>
+            <p:nvPr/>
+          </p:nvSpPr>
+          <p:spPr bwMode="auto">
+            <a:xfrm>
+              <a:off x="467544" y="4725144"/>
+              <a:ext cx="2456656" cy="351656"/>
+            </a:xfrm>
+            <a:prstGeom prst="roundRect">
+              <a:avLst/>
+            </a:prstGeom>
+            <a:solidFill>
+              <a:schemeClr val="bg2">
+                <a:lumMod val="40000"/>
+                <a:lumOff val="60000"/>
+              </a:schemeClr>
+            </a:solidFill>
+            <a:ln>
+              <a:solidFill>
+                <a:schemeClr val="tx1"/>
+              </a:solidFill>
+              <a:headEnd type="none" w="med" len="med"/>
+              <a:tailEnd type="none" w="med" len="med"/>
+            </a:ln>
+            <a:extLst/>
+          </p:spPr>
+          <p:style>
+            <a:lnRef idx="1">
+              <a:schemeClr val="accent4"/>
+            </a:lnRef>
+            <a:fillRef idx="2">
+              <a:schemeClr val="accent4"/>
+            </a:fillRef>
+            <a:effectRef idx="1">
+              <a:schemeClr val="accent4"/>
+            </a:effectRef>
+            <a:fontRef idx="minor">
+              <a:schemeClr val="dk1"/>
+            </a:fontRef>
+          </p:style>
+          <p:txBody>
+            <a:bodyPr vert="horz" wrap="square" lIns="91440" tIns="45720" rIns="91440" bIns="45720" numCol="1" rtlCol="0" anchor="ctr" anchorCtr="0" compatLnSpc="1">
+              <a:prstTxWarp prst="textNoShape">
+                <a:avLst/>
+              </a:prstTxWarp>
+            </a:bodyPr>
+            <a:lstStyle/>
+            <a:p>
+              <a:pPr marL="0" marR="0" indent="0" algn="ctr" defTabSz="449263" rtl="0" eaLnBrk="0" fontAlgn="base" latinLnBrk="0" hangingPunct="0">
+                <a:lnSpc>
+                  <a:spcPct val="93000"/>
+                </a:lnSpc>
+                <a:spcBef>
+                  <a:spcPct val="0"/>
+                </a:spcBef>
+                <a:spcAft>
+                  <a:spcPct val="0"/>
+                </a:spcAft>
+                <a:buClr>
+                  <a:srgbClr val="000000"/>
+                </a:buClr>
+                <a:buSzPct val="100000"/>
+                <a:buFont typeface="Times New Roman" charset="0"/>
+                <a:buNone/>
+                <a:tabLst/>
+              </a:pPr>
+              <a:r>
+                <a:rPr kumimoji="0" lang="it-IT" sz="1400" b="0" i="0" u="none" strike="noStrike" cap="none" normalizeH="0" baseline="0" dirty="0" err="1" smtClean="0">
+                  <a:ln>
+                    <a:noFill/>
+                  </a:ln>
+                  <a:solidFill>
+                    <a:schemeClr val="tx1"/>
+                  </a:solidFill>
+                  <a:effectLst/>
+                  <a:latin typeface="Arial"/>
+                  <a:ea typeface="ＭＳ Ｐゴシック" charset="0"/>
+                  <a:cs typeface="Arial"/>
+                </a:rPr>
+                <a:t>CloudEntityManagerFactory</a:t>
+              </a:r>
+              <a:endParaRPr kumimoji="0" lang="it-IT" sz="1600" b="0" i="0" u="none" strike="noStrike" cap="none" normalizeH="0" baseline="0" dirty="0">
+                <a:ln>
+                  <a:noFill/>
+                </a:ln>
+                <a:solidFill>
+                  <a:schemeClr val="tx1"/>
+                </a:solidFill>
+                <a:effectLst/>
+                <a:latin typeface="Arial"/>
+                <a:ea typeface="ＭＳ Ｐゴシック" charset="0"/>
+                <a:cs typeface="Arial"/>
+              </a:endParaRPr>
+            </a:p>
+          </p:txBody>
+        </p:sp>
+        <p:cxnSp>
+          <p:nvCxnSpPr>
+            <p:cNvPr id="32" name="Connettore 2 31"/>
+            <p:cNvCxnSpPr/>
+            <p:nvPr/>
+          </p:nvCxnSpPr>
+          <p:spPr bwMode="auto">
+            <a:xfrm>
+              <a:off x="2987824" y="5085184"/>
+              <a:ext cx="432048" cy="0"/>
+            </a:xfrm>
+            <a:prstGeom prst="straightConnector1">
+              <a:avLst/>
+            </a:prstGeom>
+            <a:solidFill>
+              <a:srgbClr val="00B8FF"/>
+            </a:solidFill>
+            <a:ln w="9525" cap="flat" cmpd="sng" algn="ctr">
+              <a:solidFill>
+                <a:schemeClr val="tx1"/>
+              </a:solidFill>
+              <a:prstDash val="solid"/>
               <a:round/>
-              <a:headEnd/>
-              <a:tailEnd/>
+              <a:headEnd type="none" w="med" len="med"/>
+              <a:tailEnd type="arrow"/>
             </a:ln>
+            <a:effectLst/>
             <a:extLst>
-              <a:ext uri="{909E8E84-426E-40dd-AFC4-6F175D3DCCD1}">
-                <a14:hiddenFill xmlns:a14="http://schemas.microsoft.com/office/drawing/2010/main">
-                  <a:solidFill>
-                    <a:srgbClr val="FFFFFF"/>
-                  </a:solidFill>
-                </a14:hiddenFill>
+              <a:ext uri="{AF507438-7753-43e0-B8FC-AC1667EBCBE1}">
+                <a14:hiddenEffects xmlns:a14="http://schemas.microsoft.com/office/drawing/2010/main">
+                  <a:effectLst>
+                    <a:outerShdw blurRad="63500" dist="38099" dir="2700000" algn="ctr" rotWithShape="0">
+                      <a:schemeClr val="bg2">
+                        <a:alpha val="74998"/>
+                      </a:schemeClr>
+                    </a:outerShdw>
+                  </a:effectLst>
+                </a14:hiddenEffects>
               </a:ext>
             </a:extLst>
           </p:spPr>
-          <p:txBody>
-            <a:bodyPr/>
-            <a:lstStyle/>
-            <a:p>
-              <a:endParaRPr lang="it-IT"/>
-            </a:p>
-          </p:txBody>
-        </p:sp>
+        </p:cxnSp>
       </p:grpSp>
     </p:spTree>
   </p:cSld>
@@ -19626,6 +19756,26 @@
                 <a:sym typeface="Wingdings"/>
               </a:rPr>
               <a:t>DaaS</a:t>
+            </a:r>
+            <a:r>
+              <a:rPr lang="it-IT" sz="2000" dirty="0" smtClean="0">
+                <a:solidFill>
+                  <a:srgbClr val="003F6E"/>
+                </a:solidFill>
+                <a:latin typeface="Arial" charset="0"/>
+                <a:sym typeface="Wingdings"/>
+              </a:rPr>
+              <a:t> </a:t>
+            </a:r>
+            <a:r>
+              <a:rPr lang="it-IT" sz="2000" dirty="0" err="1" smtClean="0">
+                <a:solidFill>
+                  <a:srgbClr val="003F6E"/>
+                </a:solidFill>
+                <a:latin typeface="Arial" charset="0"/>
+                <a:sym typeface="Wingdings"/>
+              </a:rPr>
+              <a:t>solutions</a:t>
             </a:r>
             <a:endParaRPr lang="it-IT" sz="2000" dirty="0">
               <a:solidFill>
@@ -20733,1450 +20883,1028 @@
           </a:p>
         </p:txBody>
       </p:sp>
+      <p:pic>
+        <p:nvPicPr>
+          <p:cNvPr id="2" name="Immagine 1" descr="branch_thin.png"/>
+          <p:cNvPicPr>
+            <a:picLocks noChangeAspect="1"/>
+          </p:cNvPicPr>
+          <p:nvPr/>
+        </p:nvPicPr>
+        <p:blipFill>
+          <a:blip r:embed="rId3">
+            <a:extLst>
+              <a:ext uri="{28A0092B-C50C-407E-A947-70E740481C1C}">
+                <a14:useLocalDpi xmlns:a14="http://schemas.microsoft.com/office/drawing/2010/main" val="0"/>
+              </a:ext>
+            </a:extLst>
+          </a:blip>
+          <a:stretch>
+            <a:fillRect/>
+          </a:stretch>
+        </p:blipFill>
+        <p:spPr>
+          <a:xfrm>
+            <a:off x="3707904" y="1412776"/>
+            <a:ext cx="2952328" cy="3787243"/>
+          </a:xfrm>
+          <a:prstGeom prst="rect">
+            <a:avLst/>
+          </a:prstGeom>
+        </p:spPr>
+      </p:pic>
       <p:grpSp>
         <p:nvGrpSpPr>
-          <p:cNvPr id="52227" name="Gruppo 6"/>
-          <p:cNvGrpSpPr>
-            <a:grpSpLocks/>
-          </p:cNvGrpSpPr>
+          <p:cNvPr id="10" name="Gruppo 9"/>
+          <p:cNvGrpSpPr/>
           <p:nvPr/>
         </p:nvGrpSpPr>
-        <p:grpSpPr bwMode="auto">
+        <p:grpSpPr>
           <a:xfrm>
-            <a:off x="2195513" y="3236913"/>
-            <a:ext cx="4762500" cy="3287712"/>
-            <a:chOff x="2195736" y="2996952"/>
-            <a:chExt cx="4762855" cy="3288804"/>
+            <a:off x="179512" y="1836898"/>
+            <a:ext cx="3888432" cy="2210088"/>
+            <a:chOff x="179512" y="1836898"/>
+            <a:chExt cx="3888432" cy="2210088"/>
           </a:xfrm>
         </p:grpSpPr>
-        <p:pic>
-          <p:nvPicPr>
-            <p:cNvPr id="52248" name="Immagine 4" descr="branch.png"/>
-            <p:cNvPicPr>
-              <a:picLocks noChangeAspect="1"/>
-            </p:cNvPicPr>
+        <p:sp>
+          <p:nvSpPr>
+            <p:cNvPr id="5" name="CasellaDiTesto 4"/>
+            <p:cNvSpPr txBox="1"/>
             <p:nvPr/>
-          </p:nvPicPr>
-          <p:blipFill>
-            <a:blip r:embed="rId3">
-              <a:extLst>
-                <a:ext uri="{28A0092B-C50C-407E-A947-70E740481C1C}">
-                  <a14:useLocalDpi xmlns:a14="http://schemas.microsoft.com/office/drawing/2010/main" val="0"/>
-                </a:ext>
-              </a:extLst>
-            </a:blip>
-            <a:srcRect/>
-            <a:stretch>
-              <a:fillRect/>
-            </a:stretch>
-          </p:blipFill>
-          <p:spPr bwMode="auto">
+          </p:nvSpPr>
+          <p:spPr>
             <a:xfrm>
-              <a:off x="2843808" y="2996952"/>
-              <a:ext cx="3288804" cy="3288804"/>
+              <a:off x="179512" y="2348880"/>
+              <a:ext cx="3888432" cy="1698106"/>
             </a:xfrm>
             <a:prstGeom prst="rect">
               <a:avLst/>
             </a:prstGeom>
             <a:noFill/>
-            <a:ln>
+          </p:spPr>
+          <p:txBody>
+            <a:bodyPr wrap="square" rtlCol="0">
+              <a:spAutoFit/>
+            </a:bodyPr>
+            <a:lstStyle/>
+            <a:p>
+              <a:r>
+                <a:rPr lang="en-US" sz="1600" dirty="0" smtClean="0">
+                  <a:solidFill>
+                    <a:srgbClr val="003F6E"/>
+                  </a:solidFill>
+                  <a:latin typeface="Arial" charset="0"/>
+                </a:rPr>
+                <a:t>Exploit consistency mechanisms as much as possible</a:t>
+              </a:r>
+            </a:p>
+            <a:p>
+              <a:endParaRPr lang="en-US" sz="1600" b="1" dirty="0" smtClean="0">
+                <a:solidFill>
+                  <a:srgbClr val="003F6E"/>
+                </a:solidFill>
+                <a:latin typeface="Arial" charset="0"/>
+              </a:endParaRPr>
+            </a:p>
+            <a:p>
+              <a:r>
+                <a:rPr lang="en-US" sz="1600" b="1" dirty="0" smtClean="0">
+                  <a:solidFill>
+                    <a:srgbClr val="003F6E"/>
+                  </a:solidFill>
+                  <a:latin typeface="Arial" charset="0"/>
+                </a:rPr>
+                <a:t>GAE </a:t>
+              </a:r>
+              <a:r>
+                <a:rPr lang="en-US" sz="1600" b="1" dirty="0" err="1" smtClean="0">
+                  <a:solidFill>
+                    <a:srgbClr val="003F6E"/>
+                  </a:solidFill>
+                  <a:latin typeface="Arial" charset="0"/>
+                </a:rPr>
+                <a:t>Datastore</a:t>
+              </a:r>
+              <a:r>
+                <a:rPr lang="en-US" sz="1600" b="1" dirty="0" smtClean="0">
+                  <a:solidFill>
+                    <a:srgbClr val="003F6E"/>
+                  </a:solidFill>
+                  <a:latin typeface="Arial" charset="0"/>
+                </a:rPr>
+                <a:t> </a:t>
+              </a:r>
+            </a:p>
+            <a:p>
+              <a:r>
+                <a:rPr lang="en-US" sz="1600" b="1" dirty="0">
+                  <a:solidFill>
+                    <a:srgbClr val="003F6E"/>
+                  </a:solidFill>
+                  <a:latin typeface="Arial" charset="0"/>
+                  <a:sym typeface="Wingdings"/>
+                </a:rPr>
+                <a:t> </a:t>
+              </a:r>
+              <a:r>
+                <a:rPr lang="en-US" sz="1600" b="1" dirty="0" smtClean="0">
+                  <a:solidFill>
+                    <a:srgbClr val="003F6E"/>
+                  </a:solidFill>
+                  <a:latin typeface="Arial" charset="0"/>
+                  <a:sym typeface="Wingdings"/>
+                </a:rPr>
+                <a:t>   </a:t>
+              </a:r>
+              <a:r>
+                <a:rPr lang="it-IT" sz="1600" dirty="0" smtClean="0">
+                  <a:solidFill>
+                    <a:srgbClr val="003F6E"/>
+                  </a:solidFill>
+                  <a:latin typeface="Arial" charset="0"/>
+                  <a:sym typeface="Wingdings"/>
+                </a:rPr>
+                <a:t> no </a:t>
+              </a:r>
+              <a:r>
+                <a:rPr lang="it-IT" sz="1600" dirty="0" err="1">
+                  <a:solidFill>
+                    <a:srgbClr val="003F6E"/>
+                  </a:solidFill>
+                  <a:latin typeface="Arial" charset="0"/>
+                  <a:sym typeface="Wingdings"/>
+                </a:rPr>
+                <a:t>A</a:t>
+              </a:r>
+              <a:r>
+                <a:rPr lang="it-IT" sz="1600" dirty="0" err="1" smtClean="0">
+                  <a:solidFill>
+                    <a:srgbClr val="003F6E"/>
+                  </a:solidFill>
+                  <a:latin typeface="Arial" charset="0"/>
+                  <a:sym typeface="Wingdings"/>
+                </a:rPr>
+                <a:t>ncestor</a:t>
+              </a:r>
+              <a:r>
+                <a:rPr lang="it-IT" sz="1600" dirty="0" smtClean="0">
+                  <a:solidFill>
+                    <a:srgbClr val="003F6E"/>
+                  </a:solidFill>
+                  <a:latin typeface="Arial" charset="0"/>
+                  <a:sym typeface="Wingdings"/>
+                </a:rPr>
+                <a:t> </a:t>
+              </a:r>
+              <a:r>
+                <a:rPr lang="it-IT" sz="1600" dirty="0" err="1">
+                  <a:solidFill>
+                    <a:srgbClr val="003F6E"/>
+                  </a:solidFill>
+                  <a:latin typeface="Arial" charset="0"/>
+                  <a:sym typeface="Wingdings"/>
+                </a:rPr>
+                <a:t>P</a:t>
+              </a:r>
+              <a:r>
+                <a:rPr lang="it-IT" sz="1600" dirty="0" err="1" smtClean="0">
+                  <a:solidFill>
+                    <a:srgbClr val="003F6E"/>
+                  </a:solidFill>
+                  <a:latin typeface="Arial" charset="0"/>
+                  <a:sym typeface="Wingdings"/>
+                </a:rPr>
+                <a:t>ath</a:t>
+              </a:r>
+              <a:r>
+                <a:rPr lang="it-IT" sz="1600" dirty="0" smtClean="0">
+                  <a:solidFill>
+                    <a:srgbClr val="003F6E"/>
+                  </a:solidFill>
+                  <a:latin typeface="Arial" charset="0"/>
+                  <a:sym typeface="Wingdings"/>
+                </a:rPr>
+                <a:t> </a:t>
+              </a:r>
+              <a:r>
+                <a:rPr lang="it-IT" sz="1600" dirty="0" err="1" smtClean="0">
+                  <a:solidFill>
+                    <a:srgbClr val="003F6E"/>
+                  </a:solidFill>
+                  <a:latin typeface="Arial" charset="0"/>
+                  <a:sym typeface="Wingdings"/>
+                </a:rPr>
+                <a:t>support</a:t>
+              </a:r>
+              <a:endParaRPr lang="it-IT" sz="1600" dirty="0" smtClean="0">
+                <a:solidFill>
+                  <a:srgbClr val="003F6E"/>
+                </a:solidFill>
+                <a:latin typeface="Arial" charset="0"/>
+                <a:sym typeface="Wingdings"/>
+              </a:endParaRPr>
+            </a:p>
+            <a:p>
+              <a:r>
+                <a:rPr lang="it-IT" sz="1600" b="1" dirty="0" err="1" smtClean="0">
+                  <a:solidFill>
+                    <a:srgbClr val="003F6E"/>
+                  </a:solidFill>
+                  <a:latin typeface="Arial" charset="0"/>
+                  <a:sym typeface="Wingdings"/>
+                </a:rPr>
+                <a:t>Azure</a:t>
+              </a:r>
+              <a:r>
+                <a:rPr lang="it-IT" sz="1600" b="1" dirty="0" smtClean="0">
+                  <a:solidFill>
+                    <a:srgbClr val="003F6E"/>
+                  </a:solidFill>
+                  <a:latin typeface="Arial" charset="0"/>
+                  <a:sym typeface="Wingdings"/>
+                </a:rPr>
+                <a:t> </a:t>
+              </a:r>
+              <a:r>
+                <a:rPr lang="it-IT" sz="1600" b="1" dirty="0" err="1" smtClean="0">
+                  <a:solidFill>
+                    <a:srgbClr val="003F6E"/>
+                  </a:solidFill>
+                  <a:latin typeface="Arial" charset="0"/>
+                  <a:sym typeface="Wingdings"/>
+                </a:rPr>
+                <a:t>Tables</a:t>
+              </a:r>
+              <a:r>
+                <a:rPr lang="it-IT" sz="1600" b="1" dirty="0" smtClean="0">
+                  <a:solidFill>
+                    <a:srgbClr val="003F6E"/>
+                  </a:solidFill>
+                  <a:latin typeface="Arial" charset="0"/>
+                  <a:sym typeface="Wingdings"/>
+                </a:rPr>
+                <a:t> </a:t>
+              </a:r>
+            </a:p>
+            <a:p>
+              <a:r>
+                <a:rPr lang="it-IT" sz="1600" b="1" dirty="0">
+                  <a:solidFill>
+                    <a:srgbClr val="003F6E"/>
+                  </a:solidFill>
+                  <a:latin typeface="Arial" charset="0"/>
+                  <a:sym typeface="Wingdings"/>
+                </a:rPr>
+                <a:t> </a:t>
+              </a:r>
+              <a:r>
+                <a:rPr lang="it-IT" sz="1600" b="1" dirty="0" smtClean="0">
+                  <a:solidFill>
+                    <a:srgbClr val="003F6E"/>
+                  </a:solidFill>
+                  <a:latin typeface="Arial" charset="0"/>
+                  <a:sym typeface="Wingdings"/>
+                </a:rPr>
+                <a:t>   </a:t>
+              </a:r>
+              <a:r>
+                <a:rPr lang="it-IT" sz="1600" dirty="0" smtClean="0">
+                  <a:solidFill>
+                    <a:srgbClr val="003F6E"/>
+                  </a:solidFill>
+                  <a:latin typeface="Arial" charset="0"/>
+                  <a:sym typeface="Wingdings"/>
+                </a:rPr>
+                <a:t> </a:t>
+              </a:r>
+              <a:r>
+                <a:rPr lang="it-IT" sz="1600" dirty="0" err="1" smtClean="0">
+                  <a:solidFill>
+                    <a:srgbClr val="003F6E"/>
+                  </a:solidFill>
+                  <a:latin typeface="Arial" charset="0"/>
+                  <a:sym typeface="Wingdings"/>
+                </a:rPr>
+                <a:t>manage</a:t>
+              </a:r>
+              <a:r>
+                <a:rPr lang="it-IT" sz="1600" dirty="0" smtClean="0">
+                  <a:solidFill>
+                    <a:srgbClr val="003F6E"/>
+                  </a:solidFill>
+                  <a:latin typeface="Arial" charset="0"/>
+                  <a:sym typeface="Wingdings"/>
+                </a:rPr>
+                <a:t> </a:t>
+              </a:r>
+              <a:r>
+                <a:rPr lang="it-IT" sz="1600" dirty="0" err="1" smtClean="0">
+                  <a:solidFill>
+                    <a:srgbClr val="003F6E"/>
+                  </a:solidFill>
+                  <a:latin typeface="Arial" charset="0"/>
+                  <a:sym typeface="Wingdings"/>
+                </a:rPr>
+                <a:t>partition</a:t>
+              </a:r>
+              <a:r>
+                <a:rPr lang="it-IT" sz="1600" dirty="0" smtClean="0">
+                  <a:solidFill>
+                    <a:srgbClr val="003F6E"/>
+                  </a:solidFill>
+                  <a:latin typeface="Arial" charset="0"/>
+                  <a:sym typeface="Wingdings"/>
+                </a:rPr>
+                <a:t> </a:t>
+              </a:r>
+              <a:r>
+                <a:rPr lang="it-IT" sz="1600" dirty="0" err="1" smtClean="0">
+                  <a:solidFill>
+                    <a:srgbClr val="003F6E"/>
+                  </a:solidFill>
+                  <a:latin typeface="Arial" charset="0"/>
+                  <a:sym typeface="Wingdings"/>
+                </a:rPr>
+                <a:t>key</a:t>
+              </a:r>
+              <a:r>
+                <a:rPr lang="it-IT" sz="1600" dirty="0" smtClean="0">
+                  <a:solidFill>
+                    <a:srgbClr val="003F6E"/>
+                  </a:solidFill>
+                  <a:latin typeface="Arial" charset="0"/>
+                  <a:sym typeface="Wingdings"/>
+                </a:rPr>
+                <a:t> and </a:t>
+              </a:r>
+              <a:r>
+                <a:rPr lang="it-IT" sz="1600" dirty="0" err="1" smtClean="0">
+                  <a:solidFill>
+                    <a:srgbClr val="003F6E"/>
+                  </a:solidFill>
+                  <a:latin typeface="Arial" charset="0"/>
+                  <a:sym typeface="Wingdings"/>
+                </a:rPr>
+                <a:t>row</a:t>
+              </a:r>
+              <a:r>
+                <a:rPr lang="it-IT" sz="1600" dirty="0" smtClean="0">
+                  <a:solidFill>
+                    <a:srgbClr val="003F6E"/>
+                  </a:solidFill>
+                  <a:latin typeface="Arial" charset="0"/>
+                  <a:sym typeface="Wingdings"/>
+                </a:rPr>
+                <a:t> </a:t>
+              </a:r>
+              <a:r>
+                <a:rPr lang="it-IT" sz="1600" dirty="0" err="1" smtClean="0">
+                  <a:solidFill>
+                    <a:srgbClr val="003F6E"/>
+                  </a:solidFill>
+                  <a:latin typeface="Arial" charset="0"/>
+                  <a:sym typeface="Wingdings"/>
+                </a:rPr>
+                <a:t>key</a:t>
+              </a:r>
+              <a:endParaRPr lang="it-IT" sz="1600" dirty="0"/>
+            </a:p>
+          </p:txBody>
+        </p:sp>
+        <p:grpSp>
+          <p:nvGrpSpPr>
+            <p:cNvPr id="9" name="Gruppo 8"/>
+            <p:cNvGrpSpPr/>
+            <p:nvPr/>
+          </p:nvGrpSpPr>
+          <p:grpSpPr>
+            <a:xfrm>
+              <a:off x="251520" y="1836898"/>
+              <a:ext cx="3384376" cy="439974"/>
+              <a:chOff x="251520" y="1836898"/>
+              <a:chExt cx="3384376" cy="439974"/>
+            </a:xfrm>
+          </p:grpSpPr>
+          <p:sp>
+            <p:nvSpPr>
+              <p:cNvPr id="52249" name="CasellaDiTesto 5"/>
+              <p:cNvSpPr txBox="1">
+                <a:spLocks noChangeArrowheads="1"/>
+              </p:cNvSpPr>
+              <p:nvPr/>
+            </p:nvSpPr>
+            <p:spPr bwMode="auto">
+              <a:xfrm>
+                <a:off x="1358574" y="1836898"/>
+                <a:ext cx="1125194" cy="439974"/>
+              </a:xfrm>
+              <a:prstGeom prst="rect">
+                <a:avLst/>
+              </a:prstGeom>
               <a:noFill/>
-            </a:ln>
-            <a:extLst>
-              <a:ext uri="{909E8E84-426E-40dd-AFC4-6F175D3DCCD1}">
-                <a14:hiddenFill xmlns:a14="http://schemas.microsoft.com/office/drawing/2010/main">
+              <a:ln>
+                <a:noFill/>
+              </a:ln>
+              <a:extLst>
+                <a:ext uri="{909E8E84-426E-40dd-AFC4-6F175D3DCCD1}">
+                  <a14:hiddenFill xmlns:a14="http://schemas.microsoft.com/office/drawing/2010/main">
+                    <a:solidFill>
+                      <a:srgbClr val="FFFFFF"/>
+                    </a:solidFill>
+                  </a14:hiddenFill>
+                </a:ext>
+                <a:ext uri="{91240B29-F687-4f45-9708-019B960494DF}">
+                  <a14:hiddenLine xmlns:a14="http://schemas.microsoft.com/office/drawing/2010/main" w="9525">
+                    <a:solidFill>
+                      <a:srgbClr val="000000"/>
+                    </a:solidFill>
+                    <a:miter lim="800000"/>
+                    <a:headEnd/>
+                    <a:tailEnd/>
+                  </a14:hiddenLine>
+                </a:ext>
+              </a:extLst>
+            </p:spPr>
+            <p:txBody>
+              <a:bodyPr wrap="none">
+                <a:spAutoFit/>
+              </a:bodyPr>
+              <a:lstStyle/>
+              <a:p>
+                <a:r>
+                  <a:rPr lang="en-US" dirty="0">
+                    <a:solidFill>
+                      <a:srgbClr val="003F6E"/>
+                    </a:solidFill>
+                    <a:latin typeface="Arial" charset="0"/>
+                  </a:rPr>
+                  <a:t>master</a:t>
+                </a:r>
+                <a:endParaRPr lang="it-IT" dirty="0">
                   <a:solidFill>
-                    <a:srgbClr val="FFFFFF"/>
+                    <a:srgbClr val="003F6E"/>
                   </a:solidFill>
-                </a14:hiddenFill>
-              </a:ext>
-              <a:ext uri="{91240B29-F687-4f45-9708-019B960494DF}">
-                <a14:hiddenLine xmlns:a14="http://schemas.microsoft.com/office/drawing/2010/main" w="9525">
-                  <a:solidFill>
-                    <a:srgbClr val="000000"/>
-                  </a:solidFill>
-                  <a:miter lim="800000"/>
-                  <a:headEnd/>
-                  <a:tailEnd/>
-                </a14:hiddenLine>
-              </a:ext>
-            </a:extLst>
-          </p:spPr>
-        </p:pic>
+                </a:endParaRPr>
+              </a:p>
+            </p:txBody>
+          </p:sp>
+          <p:cxnSp>
+            <p:nvCxnSpPr>
+              <p:cNvPr id="14" name="Connettore 1 13"/>
+              <p:cNvCxnSpPr/>
+              <p:nvPr/>
+            </p:nvCxnSpPr>
+            <p:spPr bwMode="auto">
+              <a:xfrm>
+                <a:off x="251520" y="2276872"/>
+                <a:ext cx="3384376" cy="0"/>
+              </a:xfrm>
+              <a:prstGeom prst="line">
+                <a:avLst/>
+              </a:prstGeom>
+              <a:solidFill>
+                <a:srgbClr val="00B8FF"/>
+              </a:solidFill>
+              <a:ln w="9525" cap="flat" cmpd="sng" algn="ctr">
+                <a:solidFill>
+                  <a:schemeClr val="tx1"/>
+                </a:solidFill>
+                <a:prstDash val="solid"/>
+                <a:round/>
+                <a:headEnd type="none" w="med" len="med"/>
+                <a:tailEnd type="none" w="med" len="med"/>
+              </a:ln>
+              <a:effectLst/>
+              <a:extLst>
+                <a:ext uri="{AF507438-7753-43e0-B8FC-AC1667EBCBE1}">
+                  <a14:hiddenEffects xmlns:a14="http://schemas.microsoft.com/office/drawing/2010/main">
+                    <a:effectLst>
+                      <a:outerShdw blurRad="63500" dist="38099" dir="2700000" algn="ctr" rotWithShape="0">
+                        <a:schemeClr val="bg2">
+                          <a:alpha val="74998"/>
+                        </a:schemeClr>
+                      </a:outerShdw>
+                    </a:effectLst>
+                  </a14:hiddenEffects>
+                </a:ext>
+              </a:extLst>
+            </p:spPr>
+          </p:cxnSp>
+        </p:grpSp>
+      </p:grpSp>
+      <p:grpSp>
+        <p:nvGrpSpPr>
+          <p:cNvPr id="12" name="Gruppo 11"/>
+          <p:cNvGrpSpPr/>
+          <p:nvPr/>
+        </p:nvGrpSpPr>
+        <p:grpSpPr>
+          <a:xfrm>
+            <a:off x="5213672" y="3573016"/>
+            <a:ext cx="3822824" cy="2202162"/>
+            <a:chOff x="5213672" y="3573016"/>
+            <a:chExt cx="3822824" cy="2202162"/>
+          </a:xfrm>
+        </p:grpSpPr>
         <p:sp>
           <p:nvSpPr>
-            <p:cNvPr id="52249" name="CasellaDiTesto 5"/>
-            <p:cNvSpPr txBox="1">
-              <a:spLocks noChangeArrowheads="1"/>
-            </p:cNvSpPr>
+            <p:cNvPr id="13" name="CasellaDiTesto 12"/>
+            <p:cNvSpPr txBox="1"/>
             <p:nvPr/>
           </p:nvSpPr>
-          <p:spPr bwMode="auto">
+          <p:spPr>
             <a:xfrm>
-              <a:off x="2195736" y="4221088"/>
-              <a:ext cx="1125278" cy="440120"/>
+              <a:off x="5213672" y="4077072"/>
+              <a:ext cx="3822824" cy="1698106"/>
             </a:xfrm>
             <a:prstGeom prst="rect">
               <a:avLst/>
             </a:prstGeom>
             <a:noFill/>
-            <a:ln>
-              <a:noFill/>
-            </a:ln>
-            <a:extLst>
-              <a:ext uri="{909E8E84-426E-40dd-AFC4-6F175D3DCCD1}">
-                <a14:hiddenFill xmlns:a14="http://schemas.microsoft.com/office/drawing/2010/main">
-                  <a:solidFill>
-                    <a:srgbClr val="FFFFFF"/>
-                  </a:solidFill>
-                </a14:hiddenFill>
-              </a:ext>
-              <a:ext uri="{91240B29-F687-4f45-9708-019B960494DF}">
-                <a14:hiddenLine xmlns:a14="http://schemas.microsoft.com/office/drawing/2010/main" w="9525">
-                  <a:solidFill>
-                    <a:srgbClr val="000000"/>
-                  </a:solidFill>
-                  <a:miter lim="800000"/>
-                  <a:headEnd/>
-                  <a:tailEnd/>
-                </a14:hiddenLine>
-              </a:ext>
-            </a:extLst>
           </p:spPr>
           <p:txBody>
-            <a:bodyPr wrap="none">
+            <a:bodyPr wrap="square" rtlCol="0">
               <a:spAutoFit/>
             </a:bodyPr>
             <a:lstStyle/>
             <a:p>
               <a:r>
-                <a:rPr lang="en-US">
+                <a:rPr lang="en-US" sz="1600" dirty="0" err="1" smtClean="0">
                   <a:solidFill>
                     <a:srgbClr val="003F6E"/>
                   </a:solidFill>
                   <a:latin typeface="Arial" charset="0"/>
                 </a:rPr>
-                <a:t>master</a:t>
+                <a:t>Limitated</a:t>
               </a:r>
-              <a:endParaRPr lang="it-IT">
-                <a:solidFill>
-                  <a:srgbClr val="003F6E"/>
-                </a:solidFill>
-              </a:endParaRPr>
-            </a:p>
-          </p:txBody>
-        </p:sp>
-        <p:sp>
-          <p:nvSpPr>
-            <p:cNvPr id="52250" name="CasellaDiTesto 8"/>
-            <p:cNvSpPr txBox="1">
-              <a:spLocks noChangeArrowheads="1"/>
-            </p:cNvSpPr>
-            <p:nvPr/>
-          </p:nvSpPr>
-          <p:spPr bwMode="auto">
-            <a:xfrm>
-              <a:off x="5508104" y="5229200"/>
-              <a:ext cx="1450487" cy="440120"/>
-            </a:xfrm>
-            <a:prstGeom prst="rect">
-              <a:avLst/>
-            </a:prstGeom>
-            <a:noFill/>
-            <a:ln>
-              <a:noFill/>
-            </a:ln>
-            <a:extLst>
-              <a:ext uri="{909E8E84-426E-40dd-AFC4-6F175D3DCCD1}">
-                <a14:hiddenFill xmlns:a14="http://schemas.microsoft.com/office/drawing/2010/main">
-                  <a:solidFill>
-                    <a:srgbClr val="FFFFFF"/>
-                  </a:solidFill>
-                </a14:hiddenFill>
-              </a:ext>
-              <a:ext uri="{91240B29-F687-4f45-9708-019B960494DF}">
-                <a14:hiddenLine xmlns:a14="http://schemas.microsoft.com/office/drawing/2010/main" w="9525">
-                  <a:solidFill>
-                    <a:srgbClr val="000000"/>
-                  </a:solidFill>
-                  <a:miter lim="800000"/>
-                  <a:headEnd/>
-                  <a:tailEnd/>
-                </a14:hiddenLine>
-              </a:ext>
-            </a:extLst>
-          </p:spPr>
-          <p:txBody>
-            <a:bodyPr wrap="none">
-              <a:spAutoFit/>
-            </a:bodyPr>
-            <a:lstStyle/>
-            <a:p>
               <a:r>
-                <a:rPr lang="en-US">
+                <a:rPr lang="en-US" sz="1600" dirty="0" smtClean="0">
                   <a:solidFill>
                     <a:srgbClr val="003F6E"/>
                   </a:solidFill>
                   <a:latin typeface="Arial" charset="0"/>
                 </a:rPr>
-                <a:t>migration</a:t>
+                <a:t> support to consistency </a:t>
               </a:r>
-              <a:endParaRPr lang="it-IT"/>
+              <a:br>
+                <a:rPr lang="en-US" sz="1600" dirty="0" smtClean="0">
+                  <a:solidFill>
+                    <a:srgbClr val="003F6E"/>
+                  </a:solidFill>
+                  <a:latin typeface="Arial" charset="0"/>
+                </a:rPr>
+              </a:br>
+              <a:r>
+                <a:rPr lang="en-US" sz="1600" dirty="0" smtClean="0">
+                  <a:solidFill>
+                    <a:srgbClr val="003F6E"/>
+                  </a:solidFill>
+                  <a:latin typeface="Arial" charset="0"/>
+                </a:rPr>
+                <a:t>mechanism but achieve interoperability</a:t>
+              </a:r>
+            </a:p>
+            <a:p>
+              <a:endParaRPr lang="en-US" sz="1600" dirty="0" smtClean="0">
+                <a:solidFill>
+                  <a:srgbClr val="003F6E"/>
+                </a:solidFill>
+                <a:latin typeface="Arial" charset="0"/>
+              </a:endParaRPr>
+            </a:p>
+            <a:p>
+              <a:r>
+                <a:rPr lang="en-US" sz="1600" b="1" dirty="0" smtClean="0">
+                  <a:solidFill>
+                    <a:srgbClr val="003F6E"/>
+                  </a:solidFill>
+                  <a:latin typeface="Arial" charset="0"/>
+                </a:rPr>
+                <a:t>GAE </a:t>
+              </a:r>
+              <a:r>
+                <a:rPr lang="en-US" sz="1600" b="1" dirty="0" err="1" smtClean="0">
+                  <a:solidFill>
+                    <a:srgbClr val="003F6E"/>
+                  </a:solidFill>
+                  <a:latin typeface="Arial" charset="0"/>
+                </a:rPr>
+                <a:t>Datastore</a:t>
+              </a:r>
+              <a:r>
+                <a:rPr lang="en-US" sz="1600" b="1" dirty="0" smtClean="0">
+                  <a:solidFill>
+                    <a:srgbClr val="003F6E"/>
+                  </a:solidFill>
+                  <a:latin typeface="Arial" charset="0"/>
+                </a:rPr>
+                <a:t> </a:t>
+              </a:r>
+            </a:p>
+            <a:p>
+              <a:r>
+                <a:rPr lang="en-US" sz="1600" b="1" dirty="0">
+                  <a:solidFill>
+                    <a:srgbClr val="003F6E"/>
+                  </a:solidFill>
+                  <a:latin typeface="Arial" charset="0"/>
+                  <a:sym typeface="Wingdings"/>
+                </a:rPr>
+                <a:t> </a:t>
+              </a:r>
+              <a:r>
+                <a:rPr lang="en-US" sz="1600" b="1" dirty="0" smtClean="0">
+                  <a:solidFill>
+                    <a:srgbClr val="003F6E"/>
+                  </a:solidFill>
+                  <a:latin typeface="Arial" charset="0"/>
+                  <a:sym typeface="Wingdings"/>
+                </a:rPr>
+                <a:t>  </a:t>
+              </a:r>
+              <a:r>
+                <a:rPr lang="en-US" sz="1600" b="1" dirty="0">
+                  <a:solidFill>
+                    <a:srgbClr val="003F6E"/>
+                  </a:solidFill>
+                  <a:latin typeface="Arial" charset="0"/>
+                  <a:sym typeface="Wingdings"/>
+                </a:rPr>
+                <a:t> </a:t>
+              </a:r>
+              <a:r>
+                <a:rPr lang="it-IT" sz="1600" dirty="0" smtClean="0">
+                  <a:solidFill>
+                    <a:srgbClr val="003F6E"/>
+                  </a:solidFill>
+                  <a:latin typeface="Arial" charset="0"/>
+                  <a:sym typeface="Wingdings"/>
+                </a:rPr>
+                <a:t> no </a:t>
+              </a:r>
+              <a:r>
+                <a:rPr lang="it-IT" sz="1600" dirty="0" err="1">
+                  <a:solidFill>
+                    <a:srgbClr val="003F6E"/>
+                  </a:solidFill>
+                  <a:latin typeface="Arial" charset="0"/>
+                  <a:sym typeface="Wingdings"/>
+                </a:rPr>
+                <a:t>A</a:t>
+              </a:r>
+              <a:r>
+                <a:rPr lang="it-IT" sz="1600" dirty="0" err="1" smtClean="0">
+                  <a:solidFill>
+                    <a:srgbClr val="003F6E"/>
+                  </a:solidFill>
+                  <a:latin typeface="Arial" charset="0"/>
+                  <a:sym typeface="Wingdings"/>
+                </a:rPr>
+                <a:t>ncestor</a:t>
+              </a:r>
+              <a:r>
+                <a:rPr lang="it-IT" sz="1600" dirty="0" smtClean="0">
+                  <a:solidFill>
+                    <a:srgbClr val="003F6E"/>
+                  </a:solidFill>
+                  <a:latin typeface="Arial" charset="0"/>
+                  <a:sym typeface="Wingdings"/>
+                </a:rPr>
+                <a:t> </a:t>
+              </a:r>
+              <a:r>
+                <a:rPr lang="it-IT" sz="1600" dirty="0" err="1">
+                  <a:solidFill>
+                    <a:srgbClr val="003F6E"/>
+                  </a:solidFill>
+                  <a:latin typeface="Arial" charset="0"/>
+                  <a:sym typeface="Wingdings"/>
+                </a:rPr>
+                <a:t>P</a:t>
+              </a:r>
+              <a:r>
+                <a:rPr lang="it-IT" sz="1600" dirty="0" err="1" smtClean="0">
+                  <a:solidFill>
+                    <a:srgbClr val="003F6E"/>
+                  </a:solidFill>
+                  <a:latin typeface="Arial" charset="0"/>
+                  <a:sym typeface="Wingdings"/>
+                </a:rPr>
+                <a:t>ath</a:t>
+              </a:r>
+              <a:r>
+                <a:rPr lang="it-IT" sz="1600" dirty="0" smtClean="0">
+                  <a:solidFill>
+                    <a:srgbClr val="003F6E"/>
+                  </a:solidFill>
+                  <a:latin typeface="Arial" charset="0"/>
+                  <a:sym typeface="Wingdings"/>
+                </a:rPr>
+                <a:t> </a:t>
+              </a:r>
+              <a:r>
+                <a:rPr lang="it-IT" sz="1600" dirty="0" err="1" smtClean="0">
+                  <a:solidFill>
+                    <a:srgbClr val="003F6E"/>
+                  </a:solidFill>
+                  <a:latin typeface="Arial" charset="0"/>
+                  <a:sym typeface="Wingdings"/>
+                </a:rPr>
+                <a:t>support</a:t>
+              </a:r>
+              <a:endParaRPr lang="it-IT" sz="1600" dirty="0" smtClean="0">
+                <a:solidFill>
+                  <a:srgbClr val="003F6E"/>
+                </a:solidFill>
+                <a:latin typeface="Arial" charset="0"/>
+                <a:sym typeface="Wingdings"/>
+              </a:endParaRPr>
+            </a:p>
+            <a:p>
+              <a:r>
+                <a:rPr lang="it-IT" sz="1600" b="1" dirty="0" err="1" smtClean="0">
+                  <a:solidFill>
+                    <a:srgbClr val="003F6E"/>
+                  </a:solidFill>
+                  <a:latin typeface="Arial" charset="0"/>
+                  <a:sym typeface="Wingdings"/>
+                </a:rPr>
+                <a:t>Azure</a:t>
+              </a:r>
+              <a:r>
+                <a:rPr lang="it-IT" sz="1600" b="1" dirty="0" smtClean="0">
+                  <a:solidFill>
+                    <a:srgbClr val="003F6E"/>
+                  </a:solidFill>
+                  <a:latin typeface="Arial" charset="0"/>
+                  <a:sym typeface="Wingdings"/>
+                </a:rPr>
+                <a:t> </a:t>
+              </a:r>
+              <a:r>
+                <a:rPr lang="it-IT" sz="1600" b="1" dirty="0" err="1" smtClean="0">
+                  <a:solidFill>
+                    <a:srgbClr val="003F6E"/>
+                  </a:solidFill>
+                  <a:latin typeface="Arial" charset="0"/>
+                  <a:sym typeface="Wingdings"/>
+                </a:rPr>
+                <a:t>Tables</a:t>
+              </a:r>
+              <a:r>
+                <a:rPr lang="it-IT" sz="1600" b="1" dirty="0" smtClean="0">
+                  <a:solidFill>
+                    <a:srgbClr val="003F6E"/>
+                  </a:solidFill>
+                  <a:latin typeface="Arial" charset="0"/>
+                  <a:sym typeface="Wingdings"/>
+                </a:rPr>
+                <a:t> </a:t>
+              </a:r>
+            </a:p>
+            <a:p>
+              <a:r>
+                <a:rPr lang="it-IT" sz="1600" b="1" dirty="0">
+                  <a:solidFill>
+                    <a:srgbClr val="003F6E"/>
+                  </a:solidFill>
+                  <a:latin typeface="Arial" charset="0"/>
+                  <a:sym typeface="Wingdings"/>
+                </a:rPr>
+                <a:t> </a:t>
+              </a:r>
+              <a:r>
+                <a:rPr lang="it-IT" sz="1600" b="1" dirty="0" smtClean="0">
+                  <a:solidFill>
+                    <a:srgbClr val="003F6E"/>
+                  </a:solidFill>
+                  <a:latin typeface="Arial" charset="0"/>
+                  <a:sym typeface="Wingdings"/>
+                </a:rPr>
+                <a:t>     </a:t>
+              </a:r>
+              <a:r>
+                <a:rPr lang="it-IT" sz="1600" dirty="0" smtClean="0">
+                  <a:solidFill>
+                    <a:srgbClr val="003F6E"/>
+                  </a:solidFill>
+                  <a:latin typeface="Arial" charset="0"/>
+                  <a:sym typeface="Wingdings"/>
+                </a:rPr>
+                <a:t> </a:t>
+              </a:r>
+              <a:r>
+                <a:rPr lang="it-IT" sz="1600" dirty="0" err="1" smtClean="0">
+                  <a:solidFill>
+                    <a:srgbClr val="003F6E"/>
+                  </a:solidFill>
+                  <a:latin typeface="Arial" charset="0"/>
+                  <a:sym typeface="Wingdings"/>
+                </a:rPr>
+                <a:t>fix</a:t>
+              </a:r>
+              <a:r>
+                <a:rPr lang="it-IT" sz="1600" dirty="0" smtClean="0">
+                  <a:solidFill>
+                    <a:srgbClr val="003F6E"/>
+                  </a:solidFill>
+                  <a:latin typeface="Arial" charset="0"/>
+                  <a:sym typeface="Wingdings"/>
+                </a:rPr>
+                <a:t> </a:t>
+              </a:r>
+              <a:r>
+                <a:rPr lang="it-IT" sz="1600" dirty="0" err="1" smtClean="0">
+                  <a:solidFill>
+                    <a:srgbClr val="003F6E"/>
+                  </a:solidFill>
+                  <a:latin typeface="Arial" charset="0"/>
+                  <a:sym typeface="Wingdings"/>
+                </a:rPr>
+                <a:t>partition</a:t>
+              </a:r>
+              <a:r>
+                <a:rPr lang="it-IT" sz="1600" dirty="0" smtClean="0">
+                  <a:solidFill>
+                    <a:srgbClr val="003F6E"/>
+                  </a:solidFill>
+                  <a:latin typeface="Arial" charset="0"/>
+                  <a:sym typeface="Wingdings"/>
+                </a:rPr>
+                <a:t> </a:t>
+              </a:r>
+              <a:r>
+                <a:rPr lang="it-IT" sz="1600" dirty="0" err="1" smtClean="0">
+                  <a:solidFill>
+                    <a:srgbClr val="003F6E"/>
+                  </a:solidFill>
+                  <a:latin typeface="Arial" charset="0"/>
+                  <a:sym typeface="Wingdings"/>
+                </a:rPr>
+                <a:t>key</a:t>
+              </a:r>
+              <a:r>
+                <a:rPr lang="it-IT" sz="1600" dirty="0" smtClean="0">
+                  <a:solidFill>
+                    <a:srgbClr val="003F6E"/>
+                  </a:solidFill>
+                  <a:latin typeface="Arial" charset="0"/>
+                  <a:sym typeface="Wingdings"/>
+                </a:rPr>
+                <a:t> to </a:t>
+              </a:r>
+              <a:r>
+                <a:rPr lang="it-IT" sz="1600" dirty="0" err="1" smtClean="0">
+                  <a:solidFill>
+                    <a:srgbClr val="003F6E"/>
+                  </a:solidFill>
+                  <a:latin typeface="Arial" charset="0"/>
+                  <a:sym typeface="Wingdings"/>
+                </a:rPr>
+                <a:t>table</a:t>
+              </a:r>
+              <a:r>
+                <a:rPr lang="it-IT" sz="1600" dirty="0" smtClean="0">
+                  <a:solidFill>
+                    <a:srgbClr val="003F6E"/>
+                  </a:solidFill>
+                  <a:latin typeface="Arial" charset="0"/>
+                  <a:sym typeface="Wingdings"/>
+                </a:rPr>
+                <a:t> </a:t>
+              </a:r>
+              <a:r>
+                <a:rPr lang="it-IT" sz="1600" dirty="0" err="1" smtClean="0">
+                  <a:solidFill>
+                    <a:srgbClr val="003F6E"/>
+                  </a:solidFill>
+                  <a:latin typeface="Arial" charset="0"/>
+                  <a:sym typeface="Wingdings"/>
+                </a:rPr>
+                <a:t>name</a:t>
+              </a:r>
+              <a:endParaRPr lang="it-IT" sz="1600" dirty="0"/>
             </a:p>
           </p:txBody>
         </p:sp>
+        <p:grpSp>
+          <p:nvGrpSpPr>
+            <p:cNvPr id="8" name="Gruppo 7"/>
+            <p:cNvGrpSpPr/>
+            <p:nvPr/>
+          </p:nvGrpSpPr>
+          <p:grpSpPr>
+            <a:xfrm>
+              <a:off x="5292080" y="3573016"/>
+              <a:ext cx="3600400" cy="439974"/>
+              <a:chOff x="5292080" y="3573016"/>
+              <a:chExt cx="3600400" cy="439974"/>
+            </a:xfrm>
+          </p:grpSpPr>
+          <p:sp>
+            <p:nvSpPr>
+              <p:cNvPr id="52250" name="CasellaDiTesto 8"/>
+              <p:cNvSpPr txBox="1">
+                <a:spLocks noChangeArrowheads="1"/>
+              </p:cNvSpPr>
+              <p:nvPr/>
+            </p:nvSpPr>
+            <p:spPr bwMode="auto">
+              <a:xfrm>
+                <a:off x="6433989" y="3573016"/>
+                <a:ext cx="1450379" cy="439974"/>
+              </a:xfrm>
+              <a:prstGeom prst="rect">
+                <a:avLst/>
+              </a:prstGeom>
+              <a:noFill/>
+              <a:ln>
+                <a:noFill/>
+              </a:ln>
+              <a:extLst>
+                <a:ext uri="{909E8E84-426E-40dd-AFC4-6F175D3DCCD1}">
+                  <a14:hiddenFill xmlns:a14="http://schemas.microsoft.com/office/drawing/2010/main">
+                    <a:solidFill>
+                      <a:srgbClr val="FFFFFF"/>
+                    </a:solidFill>
+                  </a14:hiddenFill>
+                </a:ext>
+                <a:ext uri="{91240B29-F687-4f45-9708-019B960494DF}">
+                  <a14:hiddenLine xmlns:a14="http://schemas.microsoft.com/office/drawing/2010/main" w="9525">
+                    <a:solidFill>
+                      <a:srgbClr val="000000"/>
+                    </a:solidFill>
+                    <a:miter lim="800000"/>
+                    <a:headEnd/>
+                    <a:tailEnd/>
+                  </a14:hiddenLine>
+                </a:ext>
+              </a:extLst>
+            </p:spPr>
+            <p:txBody>
+              <a:bodyPr wrap="none">
+                <a:spAutoFit/>
+              </a:bodyPr>
+              <a:lstStyle/>
+              <a:p>
+                <a:r>
+                  <a:rPr lang="en-US" dirty="0">
+                    <a:solidFill>
+                      <a:srgbClr val="003F6E"/>
+                    </a:solidFill>
+                    <a:latin typeface="Arial" charset="0"/>
+                  </a:rPr>
+                  <a:t>migration</a:t>
+                </a:r>
+                <a:endParaRPr lang="it-IT" dirty="0"/>
+              </a:p>
+            </p:txBody>
+          </p:sp>
+          <p:cxnSp>
+            <p:nvCxnSpPr>
+              <p:cNvPr id="16" name="Connettore 1 15"/>
+              <p:cNvCxnSpPr/>
+              <p:nvPr/>
+            </p:nvCxnSpPr>
+            <p:spPr bwMode="auto">
+              <a:xfrm>
+                <a:off x="5292080" y="4005064"/>
+                <a:ext cx="3600400" cy="0"/>
+              </a:xfrm>
+              <a:prstGeom prst="line">
+                <a:avLst/>
+              </a:prstGeom>
+              <a:solidFill>
+                <a:srgbClr val="00B8FF"/>
+              </a:solidFill>
+              <a:ln w="9525" cap="flat" cmpd="sng" algn="ctr">
+                <a:solidFill>
+                  <a:schemeClr val="tx1"/>
+                </a:solidFill>
+                <a:prstDash val="solid"/>
+                <a:round/>
+                <a:headEnd type="none" w="med" len="med"/>
+                <a:tailEnd type="none" w="med" len="med"/>
+              </a:ln>
+              <a:effectLst/>
+              <a:extLst>
+                <a:ext uri="{AF507438-7753-43e0-B8FC-AC1667EBCBE1}">
+                  <a14:hiddenEffects xmlns:a14="http://schemas.microsoft.com/office/drawing/2010/main">
+                    <a:effectLst>
+                      <a:outerShdw blurRad="63500" dist="38099" dir="2700000" algn="ctr" rotWithShape="0">
+                        <a:schemeClr val="bg2">
+                          <a:alpha val="74998"/>
+                        </a:schemeClr>
+                      </a:outerShdw>
+                    </a:effectLst>
+                  </a14:hiddenEffects>
+                </a:ext>
+              </a:extLst>
+            </p:spPr>
+          </p:cxnSp>
+        </p:grpSp>
       </p:grpSp>
-      <p:graphicFrame>
-        <p:nvGraphicFramePr>
-          <p:cNvPr id="11" name="Tabella 10"/>
-          <p:cNvGraphicFramePr>
-            <a:graphicFrameLocks noGrp="1"/>
-          </p:cNvGraphicFramePr>
-          <p:nvPr/>
-        </p:nvGraphicFramePr>
-        <p:xfrm>
-          <a:off x="250825" y="1196975"/>
-          <a:ext cx="4176712" cy="2008188"/>
-        </p:xfrm>
-        <a:graphic>
-          <a:graphicData uri="http://schemas.openxmlformats.org/drawingml/2006/table">
-            <a:tbl>
-              <a:tblPr firstRow="1" bandRow="1">
-                <a:tableStyleId>{5940675A-B579-460E-94D1-54222C63F5DA}</a:tableStyleId>
-              </a:tblPr>
-              <a:tblGrid>
-                <a:gridCol w="2088356"/>
-                <a:gridCol w="2088356"/>
-              </a:tblGrid>
-              <a:tr h="504013">
-                <a:tc>
-                  <a:txBody>
-                    <a:bodyPr/>
-                    <a:lstStyle/>
-                    <a:p>
-                      <a:pPr algn="ctr"/>
-                      <a:r>
-                        <a:rPr lang="it-IT" sz="1600" b="1" kern="1200" dirty="0" smtClean="0">
-                          <a:solidFill>
-                            <a:srgbClr val="003F6E"/>
-                          </a:solidFill>
-                          <a:latin typeface="Arial"/>
-                          <a:ea typeface="ＭＳ Ｐゴシック" charset="0"/>
-                          <a:cs typeface="Arial"/>
-                        </a:rPr>
-                        <a:t>GAE</a:t>
-                      </a:r>
-                      <a:r>
-                        <a:rPr lang="it-IT" sz="1600" b="1" baseline="0" dirty="0" smtClean="0">
-                          <a:solidFill>
-                            <a:srgbClr val="003F6E"/>
-                          </a:solidFill>
-                          <a:latin typeface="Arial"/>
-                          <a:cs typeface="Arial"/>
-                        </a:rPr>
-                        <a:t> </a:t>
-                      </a:r>
-                      <a:r>
-                        <a:rPr lang="it-IT" sz="1600" b="1" kern="1200" dirty="0" err="1" smtClean="0">
-                          <a:solidFill>
-                            <a:srgbClr val="003F6E"/>
-                          </a:solidFill>
-                          <a:latin typeface="Arial"/>
-                          <a:ea typeface="ＭＳ Ｐゴシック" charset="0"/>
-                          <a:cs typeface="Arial"/>
-                        </a:rPr>
-                        <a:t>Datastore</a:t>
-                      </a:r>
-                      <a:endParaRPr lang="it-IT" sz="1600" b="1" kern="1200" dirty="0">
-                        <a:solidFill>
-                          <a:srgbClr val="003F6E"/>
-                        </a:solidFill>
-                        <a:latin typeface="Arial"/>
-                        <a:ea typeface="ＭＳ Ｐゴシック" charset="0"/>
-                        <a:cs typeface="Arial"/>
-                      </a:endParaRPr>
-                    </a:p>
-                  </a:txBody>
-                  <a:tcPr marL="91445" marR="91445" marT="45716" marB="45716" anchor="ctr">
-                    <a:lnL w="12700" cmpd="sng">
-                      <a:noFill/>
-                    </a:lnL>
-                    <a:lnR w="12700" cap="flat" cmpd="sng" algn="ctr">
-                      <a:solidFill>
-                        <a:scrgbClr r="0" g="0" b="0"/>
-                      </a:solidFill>
-                      <a:prstDash val="solid"/>
-                      <a:round/>
-                      <a:headEnd type="none" w="med" len="med"/>
-                      <a:tailEnd type="none" w="med" len="med"/>
-                    </a:lnR>
-                    <a:lnT w="12700" cmpd="sng">
-                      <a:noFill/>
-                    </a:lnT>
-                    <a:lnB w="12700" cap="flat" cmpd="sng" algn="ctr">
-                      <a:solidFill>
-                        <a:scrgbClr r="0" g="0" b="0"/>
-                      </a:solidFill>
-                      <a:prstDash val="solid"/>
-                      <a:round/>
-                      <a:headEnd type="none" w="med" len="med"/>
-                      <a:tailEnd type="none" w="med" len="med"/>
-                    </a:lnB>
-                    <a:lnTlToBr w="12700" cmpd="sng">
-                      <a:noFill/>
-                      <a:prstDash val="solid"/>
-                    </a:lnTlToBr>
-                    <a:lnBlToTr w="12700" cmpd="sng">
-                      <a:noFill/>
-                      <a:prstDash val="solid"/>
-                    </a:lnBlToTr>
-                  </a:tcPr>
-                </a:tc>
-                <a:tc>
-                  <a:txBody>
-                    <a:bodyPr/>
-                    <a:lstStyle/>
-                    <a:p>
-                      <a:pPr algn="ctr"/>
-                      <a:r>
-                        <a:rPr lang="it-IT" sz="1600" b="1" dirty="0" err="1" smtClean="0">
-                          <a:solidFill>
-                            <a:srgbClr val="003F6E"/>
-                          </a:solidFill>
-                          <a:latin typeface="Arial"/>
-                          <a:cs typeface="Arial"/>
-                        </a:rPr>
-                        <a:t>Azure</a:t>
-                      </a:r>
-                      <a:r>
-                        <a:rPr lang="it-IT" sz="1600" b="1" dirty="0" smtClean="0">
-                          <a:solidFill>
-                            <a:srgbClr val="003F6E"/>
-                          </a:solidFill>
-                          <a:latin typeface="Arial"/>
-                          <a:cs typeface="Arial"/>
-                        </a:rPr>
-                        <a:t> </a:t>
-                      </a:r>
-                      <a:r>
-                        <a:rPr lang="it-IT" sz="1600" b="1" dirty="0" err="1" smtClean="0">
-                          <a:solidFill>
-                            <a:srgbClr val="003F6E"/>
-                          </a:solidFill>
-                          <a:latin typeface="Arial"/>
-                          <a:cs typeface="Arial"/>
-                        </a:rPr>
-                        <a:t>Tables</a:t>
-                      </a:r>
-                      <a:endParaRPr lang="it-IT" sz="1600" b="1" dirty="0">
-                        <a:solidFill>
-                          <a:srgbClr val="003F6E"/>
-                        </a:solidFill>
-                        <a:latin typeface="Arial"/>
-                        <a:cs typeface="Arial"/>
-                      </a:endParaRPr>
-                    </a:p>
-                  </a:txBody>
-                  <a:tcPr marL="91445" marR="91445" marT="45716" marB="45716" anchor="ctr">
-                    <a:lnL w="12700" cap="flat" cmpd="sng" algn="ctr">
-                      <a:solidFill>
-                        <a:scrgbClr r="0" g="0" b="0"/>
-                      </a:solidFill>
-                      <a:prstDash val="solid"/>
-                      <a:round/>
-                      <a:headEnd type="none" w="med" len="med"/>
-                      <a:tailEnd type="none" w="med" len="med"/>
-                    </a:lnL>
-                    <a:lnR w="12700" cmpd="sng">
-                      <a:noFill/>
-                    </a:lnR>
-                    <a:lnT w="12700" cmpd="sng">
-                      <a:noFill/>
-                    </a:lnT>
-                    <a:lnB w="12700" cap="flat" cmpd="sng" algn="ctr">
-                      <a:solidFill>
-                        <a:scrgbClr r="0" g="0" b="0"/>
-                      </a:solidFill>
-                      <a:prstDash val="solid"/>
-                      <a:round/>
-                      <a:headEnd type="none" w="med" len="med"/>
-                      <a:tailEnd type="none" w="med" len="med"/>
-                    </a:lnB>
-                    <a:lnTlToBr w="12700" cmpd="sng">
-                      <a:noFill/>
-                      <a:prstDash val="solid"/>
-                    </a:lnTlToBr>
-                    <a:lnBlToTr w="12700" cmpd="sng">
-                      <a:noFill/>
-                      <a:prstDash val="solid"/>
-                    </a:lnBlToTr>
-                  </a:tcPr>
-                </a:tc>
-              </a:tr>
-              <a:tr h="978144">
-                <a:tc>
-                  <a:txBody>
-                    <a:bodyPr/>
-                    <a:lstStyle/>
-                    <a:p>
-                      <a:pPr algn="ctr"/>
-                      <a:r>
-                        <a:rPr lang="it-IT" sz="1600" kern="1200" dirty="0" smtClean="0">
-                          <a:solidFill>
-                            <a:srgbClr val="003F6E"/>
-                          </a:solidFill>
-                          <a:latin typeface="Arial"/>
-                          <a:ea typeface="ＭＳ Ｐゴシック" charset="0"/>
-                          <a:cs typeface="Arial"/>
-                        </a:rPr>
-                        <a:t>No</a:t>
-                      </a:r>
-                      <a:r>
-                        <a:rPr lang="it-IT" sz="1600" dirty="0" smtClean="0">
-                          <a:solidFill>
-                            <a:srgbClr val="003F6E"/>
-                          </a:solidFill>
-                          <a:latin typeface="Arial"/>
-                          <a:cs typeface="Arial"/>
-                        </a:rPr>
-                        <a:t> </a:t>
-                      </a:r>
-                      <a:r>
-                        <a:rPr lang="it-IT" sz="1600" dirty="0" err="1" smtClean="0">
-                          <a:solidFill>
-                            <a:srgbClr val="003F6E"/>
-                          </a:solidFill>
-                          <a:latin typeface="Arial"/>
-                          <a:cs typeface="Arial"/>
-                        </a:rPr>
-                        <a:t>ancestor</a:t>
-                      </a:r>
-                      <a:r>
-                        <a:rPr lang="it-IT" sz="1600" dirty="0" smtClean="0">
-                          <a:solidFill>
-                            <a:srgbClr val="003F6E"/>
-                          </a:solidFill>
-                          <a:latin typeface="Arial"/>
-                          <a:cs typeface="Arial"/>
-                        </a:rPr>
-                        <a:t> </a:t>
-                      </a:r>
-                      <a:r>
-                        <a:rPr lang="it-IT" sz="1600" dirty="0" err="1" smtClean="0">
-                          <a:solidFill>
-                            <a:srgbClr val="003F6E"/>
-                          </a:solidFill>
-                          <a:latin typeface="Arial"/>
-                          <a:cs typeface="Arial"/>
-                        </a:rPr>
-                        <a:t>path</a:t>
-                      </a:r>
-                      <a:r>
-                        <a:rPr lang="it-IT" sz="1600" dirty="0" smtClean="0">
-                          <a:solidFill>
-                            <a:srgbClr val="003F6E"/>
-                          </a:solidFill>
-                          <a:latin typeface="Arial"/>
-                          <a:cs typeface="Arial"/>
-                        </a:rPr>
-                        <a:t> </a:t>
-                      </a:r>
-                      <a:r>
-                        <a:rPr lang="it-IT" sz="1600" dirty="0" err="1" smtClean="0">
-                          <a:solidFill>
-                            <a:srgbClr val="003F6E"/>
-                          </a:solidFill>
-                          <a:latin typeface="Arial"/>
-                          <a:cs typeface="Arial"/>
-                        </a:rPr>
-                        <a:t>support</a:t>
-                      </a:r>
-                      <a:endParaRPr lang="it-IT" sz="1600" dirty="0" smtClean="0">
-                        <a:solidFill>
-                          <a:srgbClr val="003F6E"/>
-                        </a:solidFill>
-                        <a:latin typeface="Arial"/>
-                        <a:cs typeface="Arial"/>
-                      </a:endParaRPr>
-                    </a:p>
-                  </a:txBody>
-                  <a:tcPr marL="91445" marR="91445" marT="45716" marB="45716" anchor="ctr">
-                    <a:lnL w="12700" cmpd="sng">
-                      <a:noFill/>
-                    </a:lnL>
-                    <a:lnR w="12700" cap="flat" cmpd="sng" algn="ctr">
-                      <a:solidFill>
-                        <a:scrgbClr r="0" g="0" b="0"/>
-                      </a:solidFill>
-                      <a:prstDash val="solid"/>
-                      <a:round/>
-                      <a:headEnd type="none" w="med" len="med"/>
-                      <a:tailEnd type="none" w="med" len="med"/>
-                    </a:lnR>
-                    <a:lnT w="12700" cap="flat" cmpd="sng" algn="ctr">
-                      <a:solidFill>
-                        <a:scrgbClr r="0" g="0" b="0"/>
-                      </a:solidFill>
-                      <a:prstDash val="solid"/>
-                      <a:round/>
-                      <a:headEnd type="none" w="med" len="med"/>
-                      <a:tailEnd type="none" w="med" len="med"/>
-                    </a:lnT>
-                    <a:lnB w="12700" cap="flat" cmpd="sng" algn="ctr">
-                      <a:solidFill>
-                        <a:scrgbClr r="0" g="0" b="0"/>
-                      </a:solidFill>
-                      <a:prstDash val="solid"/>
-                      <a:round/>
-                      <a:headEnd type="none" w="med" len="med"/>
-                      <a:tailEnd type="none" w="med" len="med"/>
-                    </a:lnB>
-                    <a:lnTlToBr w="12700" cmpd="sng">
-                      <a:noFill/>
-                      <a:prstDash val="solid"/>
-                    </a:lnTlToBr>
-                    <a:lnBlToTr w="12700" cmpd="sng">
-                      <a:noFill/>
-                      <a:prstDash val="solid"/>
-                    </a:lnBlToTr>
-                  </a:tcPr>
-                </a:tc>
-                <a:tc>
-                  <a:txBody>
-                    <a:bodyPr/>
-                    <a:lstStyle/>
-                    <a:p>
-                      <a:pPr algn="ctr"/>
-                      <a:r>
-                        <a:rPr lang="it-IT" sz="1600" dirty="0" smtClean="0">
-                          <a:solidFill>
-                            <a:srgbClr val="003F6E"/>
-                          </a:solidFill>
-                          <a:latin typeface="Arial"/>
-                          <a:cs typeface="Arial"/>
-                        </a:rPr>
-                        <a:t>Full </a:t>
-                      </a:r>
-                      <a:r>
-                        <a:rPr lang="it-IT" sz="1600" dirty="0" err="1" smtClean="0">
-                          <a:solidFill>
-                            <a:srgbClr val="003F6E"/>
-                          </a:solidFill>
-                          <a:latin typeface="Arial"/>
-                          <a:cs typeface="Arial"/>
-                        </a:rPr>
-                        <a:t>suport</a:t>
-                      </a:r>
-                      <a:r>
-                        <a:rPr lang="it-IT" sz="1600" baseline="0" dirty="0" smtClean="0">
-                          <a:solidFill>
-                            <a:srgbClr val="003F6E"/>
-                          </a:solidFill>
-                          <a:latin typeface="Arial"/>
-                          <a:cs typeface="Arial"/>
-                        </a:rPr>
-                        <a:t> to </a:t>
-                      </a:r>
-                      <a:r>
-                        <a:rPr lang="it-IT" sz="1600" baseline="0" dirty="0" err="1" smtClean="0">
-                          <a:solidFill>
-                            <a:srgbClr val="003F6E"/>
-                          </a:solidFill>
-                          <a:latin typeface="Arial"/>
-                          <a:cs typeface="Arial"/>
-                        </a:rPr>
-                        <a:t>partition</a:t>
-                      </a:r>
-                      <a:r>
-                        <a:rPr lang="it-IT" sz="1600" baseline="0" dirty="0" smtClean="0">
-                          <a:solidFill>
-                            <a:srgbClr val="003F6E"/>
-                          </a:solidFill>
-                          <a:latin typeface="Arial"/>
-                          <a:cs typeface="Arial"/>
-                        </a:rPr>
-                        <a:t> </a:t>
-                      </a:r>
-                      <a:r>
-                        <a:rPr lang="it-IT" sz="1600" baseline="0" dirty="0" err="1" smtClean="0">
-                          <a:solidFill>
-                            <a:srgbClr val="003F6E"/>
-                          </a:solidFill>
-                          <a:latin typeface="Arial"/>
-                          <a:cs typeface="Arial"/>
-                        </a:rPr>
-                        <a:t>key</a:t>
-                      </a:r>
-                      <a:r>
-                        <a:rPr lang="it-IT" sz="1600" baseline="0" dirty="0" smtClean="0">
-                          <a:solidFill>
-                            <a:srgbClr val="003F6E"/>
-                          </a:solidFill>
-                          <a:latin typeface="Arial"/>
-                          <a:cs typeface="Arial"/>
-                        </a:rPr>
-                        <a:t> and </a:t>
-                      </a:r>
-                      <a:r>
-                        <a:rPr lang="it-IT" sz="1600" baseline="0" dirty="0" err="1" smtClean="0">
-                          <a:solidFill>
-                            <a:srgbClr val="003F6E"/>
-                          </a:solidFill>
-                          <a:latin typeface="Arial"/>
-                          <a:cs typeface="Arial"/>
-                        </a:rPr>
-                        <a:t>row</a:t>
-                      </a:r>
-                      <a:r>
-                        <a:rPr lang="it-IT" sz="1600" baseline="0" dirty="0" smtClean="0">
-                          <a:solidFill>
-                            <a:srgbClr val="003F6E"/>
-                          </a:solidFill>
-                          <a:latin typeface="Arial"/>
-                          <a:cs typeface="Arial"/>
-                        </a:rPr>
-                        <a:t> </a:t>
-                      </a:r>
-                      <a:r>
-                        <a:rPr lang="it-IT" sz="1600" baseline="0" dirty="0" err="1" smtClean="0">
-                          <a:solidFill>
-                            <a:srgbClr val="003F6E"/>
-                          </a:solidFill>
-                          <a:latin typeface="Arial"/>
-                          <a:cs typeface="Arial"/>
-                        </a:rPr>
-                        <a:t>key</a:t>
-                      </a:r>
-                      <a:endParaRPr lang="it-IT" sz="1600" baseline="0" dirty="0" smtClean="0">
-                        <a:solidFill>
-                          <a:srgbClr val="003F6E"/>
-                        </a:solidFill>
-                        <a:latin typeface="Arial"/>
-                        <a:cs typeface="Arial"/>
-                      </a:endParaRPr>
-                    </a:p>
-                  </a:txBody>
-                  <a:tcPr marL="91445" marR="91445" marT="45716" marB="45716" anchor="ctr">
-                    <a:lnL w="12700" cap="flat" cmpd="sng" algn="ctr">
-                      <a:solidFill>
-                        <a:scrgbClr r="0" g="0" b="0"/>
-                      </a:solidFill>
-                      <a:prstDash val="solid"/>
-                      <a:round/>
-                      <a:headEnd type="none" w="med" len="med"/>
-                      <a:tailEnd type="none" w="med" len="med"/>
-                    </a:lnL>
-                    <a:lnR w="12700" cmpd="sng">
-                      <a:noFill/>
-                    </a:lnR>
-                    <a:lnT w="12700" cap="flat" cmpd="sng" algn="ctr">
-                      <a:solidFill>
-                        <a:scrgbClr r="0" g="0" b="0"/>
-                      </a:solidFill>
-                      <a:prstDash val="solid"/>
-                      <a:round/>
-                      <a:headEnd type="none" w="med" len="med"/>
-                      <a:tailEnd type="none" w="med" len="med"/>
-                    </a:lnT>
-                    <a:lnB w="12700" cap="flat" cmpd="sng" algn="ctr">
-                      <a:solidFill>
-                        <a:scrgbClr r="0" g="0" b="0"/>
-                      </a:solidFill>
-                      <a:prstDash val="solid"/>
-                      <a:round/>
-                      <a:headEnd type="none" w="med" len="med"/>
-                      <a:tailEnd type="none" w="med" len="med"/>
-                    </a:lnB>
-                    <a:lnTlToBr w="12700" cmpd="sng">
-                      <a:noFill/>
-                      <a:prstDash val="solid"/>
-                    </a:lnTlToBr>
-                    <a:lnBlToTr w="12700" cmpd="sng">
-                      <a:noFill/>
-                      <a:prstDash val="solid"/>
-                    </a:lnBlToTr>
-                  </a:tcPr>
-                </a:tc>
-              </a:tr>
-              <a:tr h="526031">
-                <a:tc>
-                  <a:txBody>
-                    <a:bodyPr/>
-                    <a:lstStyle/>
-                    <a:p>
-                      <a:pPr marL="0" marR="0" indent="0" algn="ctr" defTabSz="457200" rtl="0" eaLnBrk="1" fontAlgn="auto" latinLnBrk="0" hangingPunct="1">
-                        <a:lnSpc>
-                          <a:spcPct val="100000"/>
-                        </a:lnSpc>
-                        <a:spcBef>
-                          <a:spcPts val="0"/>
-                        </a:spcBef>
-                        <a:spcAft>
-                          <a:spcPts val="0"/>
-                        </a:spcAft>
-                        <a:buClrTx/>
-                        <a:buSzTx/>
-                        <a:buFontTx/>
-                        <a:buNone/>
-                        <a:tabLst/>
-                        <a:defRPr/>
-                      </a:pPr>
-                      <a:r>
-                        <a:rPr lang="it-IT" sz="1600" dirty="0" err="1" smtClean="0">
-                          <a:solidFill>
-                            <a:srgbClr val="003F6E"/>
-                          </a:solidFill>
-                          <a:latin typeface="+mn-lt"/>
-                          <a:cs typeface="Arial"/>
-                        </a:rPr>
-                        <a:t>Key</a:t>
-                      </a:r>
-                      <a:r>
-                        <a:rPr lang="it-IT" sz="1600" dirty="0" smtClean="0">
-                          <a:solidFill>
-                            <a:srgbClr val="003F6E"/>
-                          </a:solidFill>
-                          <a:latin typeface="+mn-lt"/>
-                          <a:cs typeface="Arial"/>
-                        </a:rPr>
-                        <a:t>(</a:t>
-                      </a:r>
-                      <a:r>
-                        <a:rPr lang="it-IT" sz="1600" dirty="0" err="1" smtClean="0">
-                          <a:solidFill>
-                            <a:srgbClr val="003F6E"/>
-                          </a:solidFill>
-                          <a:latin typeface="+mn-lt"/>
-                          <a:cs typeface="Arial"/>
-                        </a:rPr>
-                        <a:t>table</a:t>
-                      </a:r>
-                      <a:r>
-                        <a:rPr lang="it-IT" sz="1600" dirty="0" smtClean="0">
-                          <a:solidFill>
-                            <a:srgbClr val="003F6E"/>
-                          </a:solidFill>
-                          <a:latin typeface="+mn-lt"/>
-                          <a:cs typeface="Arial"/>
-                        </a:rPr>
-                        <a:t>, id)</a:t>
-                      </a:r>
-                    </a:p>
-                  </a:txBody>
-                  <a:tcPr marL="91445" marR="91445" marT="45716" marB="45716" anchor="ctr">
-                    <a:lnL w="12700" cmpd="sng">
-                      <a:noFill/>
-                    </a:lnL>
-                    <a:lnR w="12700" cap="flat" cmpd="sng" algn="ctr">
-                      <a:solidFill>
-                        <a:scrgbClr r="0" g="0" b="0"/>
-                      </a:solidFill>
-                      <a:prstDash val="solid"/>
-                      <a:round/>
-                      <a:headEnd type="none" w="med" len="med"/>
-                      <a:tailEnd type="none" w="med" len="med"/>
-                    </a:lnR>
-                    <a:lnT w="12700" cap="flat" cmpd="sng" algn="ctr">
-                      <a:solidFill>
-                        <a:scrgbClr r="0" g="0" b="0"/>
-                      </a:solidFill>
-                      <a:prstDash val="solid"/>
-                      <a:round/>
-                      <a:headEnd type="none" w="med" len="med"/>
-                      <a:tailEnd type="none" w="med" len="med"/>
-                    </a:lnT>
-                    <a:lnB w="12700" cmpd="sng">
-                      <a:noFill/>
-                    </a:lnB>
-                    <a:lnTlToBr w="12700" cmpd="sng">
-                      <a:noFill/>
-                      <a:prstDash val="solid"/>
-                    </a:lnTlToBr>
-                    <a:lnBlToTr w="12700" cmpd="sng">
-                      <a:noFill/>
-                      <a:prstDash val="solid"/>
-                    </a:lnBlToTr>
-                  </a:tcPr>
-                </a:tc>
-                <a:tc>
-                  <a:txBody>
-                    <a:bodyPr/>
-                    <a:lstStyle/>
-                    <a:p>
-                      <a:pPr marL="0" marR="0" indent="0" algn="ctr" defTabSz="457200" rtl="0" eaLnBrk="1" fontAlgn="auto" latinLnBrk="0" hangingPunct="1">
-                        <a:lnSpc>
-                          <a:spcPct val="100000"/>
-                        </a:lnSpc>
-                        <a:spcBef>
-                          <a:spcPts val="0"/>
-                        </a:spcBef>
-                        <a:spcAft>
-                          <a:spcPts val="0"/>
-                        </a:spcAft>
-                        <a:buClrTx/>
-                        <a:buSzTx/>
-                        <a:buFontTx/>
-                        <a:buNone/>
-                        <a:tabLst/>
-                        <a:defRPr/>
-                      </a:pPr>
-                      <a:r>
-                        <a:rPr lang="it-IT" sz="1600" baseline="0" dirty="0" err="1" smtClean="0">
-                          <a:solidFill>
-                            <a:srgbClr val="003F6E"/>
-                          </a:solidFill>
-                          <a:latin typeface="+mn-lt"/>
-                          <a:cs typeface="Arial"/>
-                        </a:rPr>
-                        <a:t>partitionKey_rowKey</a:t>
-                      </a:r>
-                      <a:endParaRPr lang="it-IT" sz="1600" dirty="0">
-                        <a:solidFill>
-                          <a:srgbClr val="003F6E"/>
-                        </a:solidFill>
-                        <a:latin typeface="Arial"/>
-                        <a:cs typeface="Arial"/>
-                      </a:endParaRPr>
-                    </a:p>
-                  </a:txBody>
-                  <a:tcPr marL="91445" marR="91445" marT="45716" marB="45716" anchor="ctr">
-                    <a:lnL w="12700" cap="flat" cmpd="sng" algn="ctr">
-                      <a:solidFill>
-                        <a:scrgbClr r="0" g="0" b="0"/>
-                      </a:solidFill>
-                      <a:prstDash val="solid"/>
-                      <a:round/>
-                      <a:headEnd type="none" w="med" len="med"/>
-                      <a:tailEnd type="none" w="med" len="med"/>
-                    </a:lnL>
-                    <a:lnR w="12700" cmpd="sng">
-                      <a:noFill/>
-                    </a:lnR>
-                    <a:lnT w="12700" cap="flat" cmpd="sng" algn="ctr">
-                      <a:solidFill>
-                        <a:scrgbClr r="0" g="0" b="0"/>
-                      </a:solidFill>
-                      <a:prstDash val="solid"/>
-                      <a:round/>
-                      <a:headEnd type="none" w="med" len="med"/>
-                      <a:tailEnd type="none" w="med" len="med"/>
-                    </a:lnT>
-                    <a:lnB w="12700" cmpd="sng">
-                      <a:noFill/>
-                    </a:lnB>
-                    <a:lnTlToBr w="12700" cmpd="sng">
-                      <a:noFill/>
-                      <a:prstDash val="solid"/>
-                    </a:lnTlToBr>
-                    <a:lnBlToTr w="12700" cmpd="sng">
-                      <a:noFill/>
-                      <a:prstDash val="solid"/>
-                    </a:lnBlToTr>
-                  </a:tcPr>
-                </a:tc>
-              </a:tr>
-            </a:tbl>
-          </a:graphicData>
-        </a:graphic>
-      </p:graphicFrame>
-      <p:graphicFrame>
-        <p:nvGraphicFramePr>
-          <p:cNvPr id="15" name="Tabella 14"/>
-          <p:cNvGraphicFramePr>
-            <a:graphicFrameLocks noGrp="1"/>
-          </p:cNvGraphicFramePr>
-          <p:nvPr/>
-        </p:nvGraphicFramePr>
-        <p:xfrm>
-          <a:off x="4859338" y="1628775"/>
-          <a:ext cx="4176712" cy="2008188"/>
-        </p:xfrm>
-        <a:graphic>
-          <a:graphicData uri="http://schemas.openxmlformats.org/drawingml/2006/table">
-            <a:tbl>
-              <a:tblPr firstRow="1" bandRow="1">
-                <a:tableStyleId>{5940675A-B579-460E-94D1-54222C63F5DA}</a:tableStyleId>
-              </a:tblPr>
-              <a:tblGrid>
-                <a:gridCol w="2088356"/>
-                <a:gridCol w="2088356"/>
-              </a:tblGrid>
-              <a:tr h="504013">
-                <a:tc>
-                  <a:txBody>
-                    <a:bodyPr/>
-                    <a:lstStyle/>
-                    <a:p>
-                      <a:pPr algn="ctr"/>
-                      <a:r>
-                        <a:rPr lang="it-IT" sz="1600" b="1" kern="1200" dirty="0" smtClean="0">
-                          <a:solidFill>
-                            <a:srgbClr val="003F6E"/>
-                          </a:solidFill>
-                          <a:latin typeface="Arial"/>
-                          <a:ea typeface="ＭＳ Ｐゴシック" charset="0"/>
-                          <a:cs typeface="Arial"/>
-                        </a:rPr>
-                        <a:t>GAE</a:t>
-                      </a:r>
-                      <a:r>
-                        <a:rPr lang="it-IT" sz="1600" b="1" baseline="0" dirty="0" smtClean="0">
-                          <a:solidFill>
-                            <a:srgbClr val="003F6E"/>
-                          </a:solidFill>
-                          <a:latin typeface="Arial"/>
-                          <a:cs typeface="Arial"/>
-                        </a:rPr>
-                        <a:t> </a:t>
-                      </a:r>
-                      <a:r>
-                        <a:rPr lang="it-IT" sz="1600" b="1" kern="1200" dirty="0" err="1" smtClean="0">
-                          <a:solidFill>
-                            <a:srgbClr val="003F6E"/>
-                          </a:solidFill>
-                          <a:latin typeface="Arial"/>
-                          <a:ea typeface="ＭＳ Ｐゴシック" charset="0"/>
-                          <a:cs typeface="Arial"/>
-                        </a:rPr>
-                        <a:t>Datastore</a:t>
-                      </a:r>
-                      <a:endParaRPr lang="it-IT" sz="1600" b="1" kern="1200" dirty="0">
-                        <a:solidFill>
-                          <a:srgbClr val="003F6E"/>
-                        </a:solidFill>
-                        <a:latin typeface="Arial"/>
-                        <a:ea typeface="ＭＳ Ｐゴシック" charset="0"/>
-                        <a:cs typeface="Arial"/>
-                      </a:endParaRPr>
-                    </a:p>
-                  </a:txBody>
-                  <a:tcPr marL="91445" marR="91445" marT="45716" marB="45716" anchor="ctr">
-                    <a:lnL w="12700" cmpd="sng">
-                      <a:noFill/>
-                    </a:lnL>
-                    <a:lnR w="12700" cap="flat" cmpd="sng" algn="ctr">
-                      <a:solidFill>
-                        <a:scrgbClr r="0" g="0" b="0"/>
-                      </a:solidFill>
-                      <a:prstDash val="solid"/>
-                      <a:round/>
-                      <a:headEnd type="none" w="med" len="med"/>
-                      <a:tailEnd type="none" w="med" len="med"/>
-                    </a:lnR>
-                    <a:lnT w="12700" cmpd="sng">
-                      <a:noFill/>
-                    </a:lnT>
-                    <a:lnB w="12700" cap="flat" cmpd="sng" algn="ctr">
-                      <a:solidFill>
-                        <a:scrgbClr r="0" g="0" b="0"/>
-                      </a:solidFill>
-                      <a:prstDash val="solid"/>
-                      <a:round/>
-                      <a:headEnd type="none" w="med" len="med"/>
-                      <a:tailEnd type="none" w="med" len="med"/>
-                    </a:lnB>
-                    <a:lnTlToBr w="12700" cmpd="sng">
-                      <a:noFill/>
-                      <a:prstDash val="solid"/>
-                    </a:lnTlToBr>
-                    <a:lnBlToTr w="12700" cmpd="sng">
-                      <a:noFill/>
-                      <a:prstDash val="solid"/>
-                    </a:lnBlToTr>
-                  </a:tcPr>
-                </a:tc>
-                <a:tc>
-                  <a:txBody>
-                    <a:bodyPr/>
-                    <a:lstStyle/>
-                    <a:p>
-                      <a:pPr algn="ctr"/>
-                      <a:r>
-                        <a:rPr lang="it-IT" sz="1600" b="1" dirty="0" err="1" smtClean="0">
-                          <a:solidFill>
-                            <a:srgbClr val="003F6E"/>
-                          </a:solidFill>
-                          <a:latin typeface="Arial"/>
-                          <a:cs typeface="Arial"/>
-                        </a:rPr>
-                        <a:t>Azure</a:t>
-                      </a:r>
-                      <a:r>
-                        <a:rPr lang="it-IT" sz="1600" b="1" dirty="0" smtClean="0">
-                          <a:solidFill>
-                            <a:srgbClr val="003F6E"/>
-                          </a:solidFill>
-                          <a:latin typeface="Arial"/>
-                          <a:cs typeface="Arial"/>
-                        </a:rPr>
-                        <a:t> </a:t>
-                      </a:r>
-                      <a:r>
-                        <a:rPr lang="it-IT" sz="1600" b="1" dirty="0" err="1" smtClean="0">
-                          <a:solidFill>
-                            <a:srgbClr val="003F6E"/>
-                          </a:solidFill>
-                          <a:latin typeface="Arial"/>
-                          <a:cs typeface="Arial"/>
-                        </a:rPr>
-                        <a:t>Tables</a:t>
-                      </a:r>
-                      <a:endParaRPr lang="it-IT" sz="1600" b="1" dirty="0">
-                        <a:solidFill>
-                          <a:srgbClr val="003F6E"/>
-                        </a:solidFill>
-                        <a:latin typeface="Arial"/>
-                        <a:cs typeface="Arial"/>
-                      </a:endParaRPr>
-                    </a:p>
-                  </a:txBody>
-                  <a:tcPr marL="91445" marR="91445" marT="45716" marB="45716" anchor="ctr">
-                    <a:lnL w="12700" cap="flat" cmpd="sng" algn="ctr">
-                      <a:solidFill>
-                        <a:scrgbClr r="0" g="0" b="0"/>
-                      </a:solidFill>
-                      <a:prstDash val="solid"/>
-                      <a:round/>
-                      <a:headEnd type="none" w="med" len="med"/>
-                      <a:tailEnd type="none" w="med" len="med"/>
-                    </a:lnL>
-                    <a:lnR w="12700" cmpd="sng">
-                      <a:noFill/>
-                    </a:lnR>
-                    <a:lnT w="12700" cmpd="sng">
-                      <a:noFill/>
-                    </a:lnT>
-                    <a:lnB w="12700" cap="flat" cmpd="sng" algn="ctr">
-                      <a:solidFill>
-                        <a:scrgbClr r="0" g="0" b="0"/>
-                      </a:solidFill>
-                      <a:prstDash val="solid"/>
-                      <a:round/>
-                      <a:headEnd type="none" w="med" len="med"/>
-                      <a:tailEnd type="none" w="med" len="med"/>
-                    </a:lnB>
-                    <a:lnTlToBr w="12700" cmpd="sng">
-                      <a:noFill/>
-                      <a:prstDash val="solid"/>
-                    </a:lnTlToBr>
-                    <a:lnBlToTr w="12700" cmpd="sng">
-                      <a:noFill/>
-                      <a:prstDash val="solid"/>
-                    </a:lnBlToTr>
-                  </a:tcPr>
-                </a:tc>
-              </a:tr>
-              <a:tr h="978144">
-                <a:tc>
-                  <a:txBody>
-                    <a:bodyPr/>
-                    <a:lstStyle/>
-                    <a:p>
-                      <a:pPr algn="ctr"/>
-                      <a:r>
-                        <a:rPr lang="it-IT" sz="1600" kern="1200" dirty="0" smtClean="0">
-                          <a:solidFill>
-                            <a:srgbClr val="003F6E"/>
-                          </a:solidFill>
-                          <a:latin typeface="Arial"/>
-                          <a:ea typeface="ＭＳ Ｐゴシック" charset="0"/>
-                          <a:cs typeface="Arial"/>
-                        </a:rPr>
-                        <a:t>No</a:t>
-                      </a:r>
-                      <a:r>
-                        <a:rPr lang="it-IT" sz="1600" dirty="0" smtClean="0">
-                          <a:solidFill>
-                            <a:srgbClr val="003F6E"/>
-                          </a:solidFill>
-                          <a:latin typeface="Arial"/>
-                          <a:cs typeface="Arial"/>
-                        </a:rPr>
-                        <a:t> </a:t>
-                      </a:r>
-                      <a:r>
-                        <a:rPr lang="it-IT" sz="1600" dirty="0" err="1" smtClean="0">
-                          <a:solidFill>
-                            <a:srgbClr val="003F6E"/>
-                          </a:solidFill>
-                          <a:latin typeface="Arial"/>
-                          <a:cs typeface="Arial"/>
-                        </a:rPr>
-                        <a:t>ancestor</a:t>
-                      </a:r>
-                      <a:r>
-                        <a:rPr lang="it-IT" sz="1600" dirty="0" smtClean="0">
-                          <a:solidFill>
-                            <a:srgbClr val="003F6E"/>
-                          </a:solidFill>
-                          <a:latin typeface="Arial"/>
-                          <a:cs typeface="Arial"/>
-                        </a:rPr>
-                        <a:t> </a:t>
-                      </a:r>
-                      <a:r>
-                        <a:rPr lang="it-IT" sz="1600" dirty="0" err="1" smtClean="0">
-                          <a:solidFill>
-                            <a:srgbClr val="003F6E"/>
-                          </a:solidFill>
-                          <a:latin typeface="Arial"/>
-                          <a:cs typeface="Arial"/>
-                        </a:rPr>
-                        <a:t>path</a:t>
-                      </a:r>
-                      <a:r>
-                        <a:rPr lang="it-IT" sz="1600" dirty="0" smtClean="0">
-                          <a:solidFill>
-                            <a:srgbClr val="003F6E"/>
-                          </a:solidFill>
-                          <a:latin typeface="Arial"/>
-                          <a:cs typeface="Arial"/>
-                        </a:rPr>
-                        <a:t> </a:t>
-                      </a:r>
-                      <a:r>
-                        <a:rPr lang="it-IT" sz="1600" dirty="0" err="1" smtClean="0">
-                          <a:solidFill>
-                            <a:srgbClr val="003F6E"/>
-                          </a:solidFill>
-                          <a:latin typeface="Arial"/>
-                          <a:cs typeface="Arial"/>
-                        </a:rPr>
-                        <a:t>support</a:t>
-                      </a:r>
-                      <a:endParaRPr lang="it-IT" sz="1600" dirty="0" smtClean="0">
-                        <a:solidFill>
-                          <a:srgbClr val="003F6E"/>
-                        </a:solidFill>
-                        <a:latin typeface="Arial"/>
-                        <a:cs typeface="Arial"/>
-                      </a:endParaRPr>
-                    </a:p>
-                  </a:txBody>
-                  <a:tcPr marL="91445" marR="91445" marT="45716" marB="45716" anchor="ctr">
-                    <a:lnL w="12700" cmpd="sng">
-                      <a:noFill/>
-                    </a:lnL>
-                    <a:lnR w="12700" cap="flat" cmpd="sng" algn="ctr">
-                      <a:solidFill>
-                        <a:scrgbClr r="0" g="0" b="0"/>
-                      </a:solidFill>
-                      <a:prstDash val="solid"/>
-                      <a:round/>
-                      <a:headEnd type="none" w="med" len="med"/>
-                      <a:tailEnd type="none" w="med" len="med"/>
-                    </a:lnR>
-                    <a:lnT w="12700" cap="flat" cmpd="sng" algn="ctr">
-                      <a:solidFill>
-                        <a:scrgbClr r="0" g="0" b="0"/>
-                      </a:solidFill>
-                      <a:prstDash val="solid"/>
-                      <a:round/>
-                      <a:headEnd type="none" w="med" len="med"/>
-                      <a:tailEnd type="none" w="med" len="med"/>
-                    </a:lnT>
-                    <a:lnB w="12700" cap="flat" cmpd="sng" algn="ctr">
-                      <a:solidFill>
-                        <a:scrgbClr r="0" g="0" b="0"/>
-                      </a:solidFill>
-                      <a:prstDash val="solid"/>
-                      <a:round/>
-                      <a:headEnd type="none" w="med" len="med"/>
-                      <a:tailEnd type="none" w="med" len="med"/>
-                    </a:lnB>
-                    <a:lnTlToBr w="12700" cmpd="sng">
-                      <a:noFill/>
-                      <a:prstDash val="solid"/>
-                    </a:lnTlToBr>
-                    <a:lnBlToTr w="12700" cmpd="sng">
-                      <a:noFill/>
-                      <a:prstDash val="solid"/>
-                    </a:lnBlToTr>
-                  </a:tcPr>
-                </a:tc>
-                <a:tc>
-                  <a:txBody>
-                    <a:bodyPr/>
-                    <a:lstStyle/>
-                    <a:p>
-                      <a:pPr algn="ctr"/>
-                      <a:r>
-                        <a:rPr lang="it-IT" sz="1600" dirty="0" err="1" smtClean="0">
-                          <a:solidFill>
-                            <a:srgbClr val="003F6E"/>
-                          </a:solidFill>
-                          <a:latin typeface="+mn-lt"/>
-                          <a:cs typeface="Arial"/>
-                        </a:rPr>
-                        <a:t>Partition</a:t>
-                      </a:r>
-                      <a:r>
-                        <a:rPr lang="it-IT" sz="1600" dirty="0" smtClean="0">
-                          <a:solidFill>
-                            <a:srgbClr val="003F6E"/>
-                          </a:solidFill>
-                          <a:latin typeface="+mn-lt"/>
-                          <a:cs typeface="Arial"/>
-                        </a:rPr>
-                        <a:t> </a:t>
-                      </a:r>
-                      <a:r>
-                        <a:rPr lang="it-IT" sz="1600" dirty="0" err="1" smtClean="0">
-                          <a:solidFill>
-                            <a:srgbClr val="003F6E"/>
-                          </a:solidFill>
-                          <a:latin typeface="+mn-lt"/>
-                          <a:cs typeface="Arial"/>
-                        </a:rPr>
-                        <a:t>key</a:t>
-                      </a:r>
-                      <a:r>
-                        <a:rPr lang="it-IT" sz="1600" dirty="0" smtClean="0">
-                          <a:solidFill>
-                            <a:srgbClr val="003F6E"/>
-                          </a:solidFill>
-                          <a:latin typeface="+mn-lt"/>
-                          <a:cs typeface="Arial"/>
-                        </a:rPr>
-                        <a:t> </a:t>
-                      </a:r>
-                      <a:r>
-                        <a:rPr lang="it-IT" sz="1600" dirty="0" err="1" smtClean="0">
-                          <a:solidFill>
-                            <a:srgbClr val="003F6E"/>
-                          </a:solidFill>
-                          <a:latin typeface="+mn-lt"/>
-                          <a:cs typeface="Arial"/>
-                        </a:rPr>
-                        <a:t>bound</a:t>
-                      </a:r>
-                      <a:r>
-                        <a:rPr lang="it-IT" sz="1600" baseline="0" dirty="0" err="1" smtClean="0">
-                          <a:solidFill>
-                            <a:srgbClr val="003F6E"/>
-                          </a:solidFill>
-                          <a:latin typeface="+mn-lt"/>
-                          <a:cs typeface="Arial"/>
-                        </a:rPr>
-                        <a:t>ed</a:t>
-                      </a:r>
-                      <a:r>
-                        <a:rPr lang="it-IT" sz="1600" baseline="0" dirty="0" smtClean="0">
-                          <a:solidFill>
-                            <a:srgbClr val="003F6E"/>
-                          </a:solidFill>
-                          <a:latin typeface="+mn-lt"/>
-                          <a:cs typeface="Arial"/>
-                        </a:rPr>
-                        <a:t> to </a:t>
-                      </a:r>
-                      <a:r>
-                        <a:rPr lang="it-IT" sz="1600" baseline="0" dirty="0" err="1" smtClean="0">
-                          <a:solidFill>
-                            <a:srgbClr val="003F6E"/>
-                          </a:solidFill>
-                          <a:latin typeface="+mn-lt"/>
-                          <a:cs typeface="Arial"/>
-                        </a:rPr>
-                        <a:t>table</a:t>
-                      </a:r>
-                      <a:r>
-                        <a:rPr lang="it-IT" sz="1600" baseline="0" dirty="0" smtClean="0">
-                          <a:solidFill>
-                            <a:srgbClr val="003F6E"/>
-                          </a:solidFill>
-                          <a:latin typeface="+mn-lt"/>
-                          <a:cs typeface="Arial"/>
-                        </a:rPr>
-                        <a:t> </a:t>
-                      </a:r>
-                      <a:r>
-                        <a:rPr lang="it-IT" sz="1600" baseline="0" dirty="0" err="1" smtClean="0">
-                          <a:solidFill>
-                            <a:srgbClr val="003F6E"/>
-                          </a:solidFill>
-                          <a:latin typeface="+mn-lt"/>
-                          <a:cs typeface="Arial"/>
-                        </a:rPr>
-                        <a:t>name</a:t>
-                      </a:r>
-                      <a:endParaRPr lang="it-IT" sz="1600" baseline="0" dirty="0" smtClean="0">
-                        <a:solidFill>
-                          <a:srgbClr val="003F6E"/>
-                        </a:solidFill>
-                        <a:latin typeface="+mn-lt"/>
-                        <a:cs typeface="Arial"/>
-                      </a:endParaRPr>
-                    </a:p>
-                  </a:txBody>
-                  <a:tcPr marL="91445" marR="91445" marT="45716" marB="45716" anchor="ctr">
-                    <a:lnL w="12700" cap="flat" cmpd="sng" algn="ctr">
-                      <a:solidFill>
-                        <a:scrgbClr r="0" g="0" b="0"/>
-                      </a:solidFill>
-                      <a:prstDash val="solid"/>
-                      <a:round/>
-                      <a:headEnd type="none" w="med" len="med"/>
-                      <a:tailEnd type="none" w="med" len="med"/>
-                    </a:lnL>
-                    <a:lnR w="12700" cmpd="sng">
-                      <a:noFill/>
-                    </a:lnR>
-                    <a:lnT w="12700" cap="flat" cmpd="sng" algn="ctr">
-                      <a:solidFill>
-                        <a:scrgbClr r="0" g="0" b="0"/>
-                      </a:solidFill>
-                      <a:prstDash val="solid"/>
-                      <a:round/>
-                      <a:headEnd type="none" w="med" len="med"/>
-                      <a:tailEnd type="none" w="med" len="med"/>
-                    </a:lnT>
-                    <a:lnB w="12700" cap="flat" cmpd="sng" algn="ctr">
-                      <a:solidFill>
-                        <a:scrgbClr r="0" g="0" b="0"/>
-                      </a:solidFill>
-                      <a:prstDash val="solid"/>
-                      <a:round/>
-                      <a:headEnd type="none" w="med" len="med"/>
-                      <a:tailEnd type="none" w="med" len="med"/>
-                    </a:lnB>
-                    <a:lnTlToBr w="12700" cmpd="sng">
-                      <a:noFill/>
-                      <a:prstDash val="solid"/>
-                    </a:lnTlToBr>
-                    <a:lnBlToTr w="12700" cmpd="sng">
-                      <a:noFill/>
-                      <a:prstDash val="solid"/>
-                    </a:lnBlToTr>
-                  </a:tcPr>
-                </a:tc>
-              </a:tr>
-              <a:tr h="526031">
-                <a:tc>
-                  <a:txBody>
-                    <a:bodyPr/>
-                    <a:lstStyle/>
-                    <a:p>
-                      <a:pPr algn="ctr"/>
-                      <a:r>
-                        <a:rPr lang="it-IT" sz="1600" dirty="0" err="1" smtClean="0">
-                          <a:solidFill>
-                            <a:srgbClr val="003F6E"/>
-                          </a:solidFill>
-                          <a:latin typeface="+mn-lt"/>
-                          <a:cs typeface="Arial"/>
-                        </a:rPr>
-                        <a:t>columnFamily_key</a:t>
-                      </a:r>
-                      <a:endParaRPr lang="it-IT" sz="1600" dirty="0">
-                        <a:solidFill>
-                          <a:srgbClr val="003F6E"/>
-                        </a:solidFill>
-                        <a:latin typeface="+mn-lt"/>
-                        <a:cs typeface="Arial"/>
-                      </a:endParaRPr>
-                    </a:p>
-                  </a:txBody>
-                  <a:tcPr marL="91445" marR="91445" marT="45716" marB="45716" anchor="ctr">
-                    <a:lnL w="12700" cmpd="sng">
-                      <a:noFill/>
-                    </a:lnL>
-                    <a:lnR w="12700" cap="flat" cmpd="sng" algn="ctr">
-                      <a:solidFill>
-                        <a:scrgbClr r="0" g="0" b="0"/>
-                      </a:solidFill>
-                      <a:prstDash val="solid"/>
-                      <a:round/>
-                      <a:headEnd type="none" w="med" len="med"/>
-                      <a:tailEnd type="none" w="med" len="med"/>
-                    </a:lnR>
-                    <a:lnT w="12700" cap="flat" cmpd="sng" algn="ctr">
-                      <a:solidFill>
-                        <a:scrgbClr r="0" g="0" b="0"/>
-                      </a:solidFill>
-                      <a:prstDash val="solid"/>
-                      <a:round/>
-                      <a:headEnd type="none" w="med" len="med"/>
-                      <a:tailEnd type="none" w="med" len="med"/>
-                    </a:lnT>
-                    <a:lnB w="12700" cmpd="sng">
-                      <a:noFill/>
-                    </a:lnB>
-                    <a:lnTlToBr w="12700" cmpd="sng">
-                      <a:noFill/>
-                      <a:prstDash val="solid"/>
-                    </a:lnTlToBr>
-                    <a:lnBlToTr w="12700" cmpd="sng">
-                      <a:noFill/>
-                      <a:prstDash val="solid"/>
-                    </a:lnBlToTr>
-                  </a:tcPr>
-                </a:tc>
-                <a:tc>
-                  <a:txBody>
-                    <a:bodyPr/>
-                    <a:lstStyle/>
-                    <a:p>
-                      <a:pPr algn="ctr"/>
-                      <a:r>
-                        <a:rPr lang="it-IT" sz="1600" dirty="0" err="1" smtClean="0">
-                          <a:solidFill>
-                            <a:srgbClr val="003F6E"/>
-                          </a:solidFill>
-                          <a:latin typeface="+mn-lt"/>
-                          <a:cs typeface="Arial"/>
-                        </a:rPr>
-                        <a:t>columnFamily_key</a:t>
-                      </a:r>
-                      <a:endParaRPr lang="it-IT" sz="1600" dirty="0">
-                        <a:solidFill>
-                          <a:srgbClr val="003F6E"/>
-                        </a:solidFill>
-                        <a:latin typeface="+mn-lt"/>
-                        <a:cs typeface="Arial"/>
-                      </a:endParaRPr>
-                    </a:p>
-                  </a:txBody>
-                  <a:tcPr marL="91445" marR="91445" marT="45716" marB="45716" anchor="ctr">
-                    <a:lnL w="12700" cap="flat" cmpd="sng" algn="ctr">
-                      <a:solidFill>
-                        <a:scrgbClr r="0" g="0" b="0"/>
-                      </a:solidFill>
-                      <a:prstDash val="solid"/>
-                      <a:round/>
-                      <a:headEnd type="none" w="med" len="med"/>
-                      <a:tailEnd type="none" w="med" len="med"/>
-                    </a:lnL>
-                    <a:lnR w="12700" cmpd="sng">
-                      <a:noFill/>
-                    </a:lnR>
-                    <a:lnT w="12700" cap="flat" cmpd="sng" algn="ctr">
-                      <a:solidFill>
-                        <a:scrgbClr r="0" g="0" b="0"/>
-                      </a:solidFill>
-                      <a:prstDash val="solid"/>
-                      <a:round/>
-                      <a:headEnd type="none" w="med" len="med"/>
-                      <a:tailEnd type="none" w="med" len="med"/>
-                    </a:lnT>
-                    <a:lnB w="12700" cmpd="sng">
-                      <a:noFill/>
-                    </a:lnB>
-                    <a:lnTlToBr w="12700" cmpd="sng">
-                      <a:noFill/>
-                      <a:prstDash val="solid"/>
-                    </a:lnTlToBr>
-                    <a:lnBlToTr w="12700" cmpd="sng">
-                      <a:noFill/>
-                      <a:prstDash val="solid"/>
-                    </a:lnBlToTr>
-                  </a:tcPr>
-                </a:tc>
-              </a:tr>
-            </a:tbl>
-          </a:graphicData>
-        </a:graphic>
-      </p:graphicFrame>
     </p:spTree>
   </p:cSld>
   <p:clrMapOvr>
@@ -30826,7 +30554,7 @@
           </p:blipFill>
           <p:spPr bwMode="auto">
             <a:xfrm>
-              <a:off x="3563201" y="5157192"/>
+              <a:off x="3635890" y="5157192"/>
               <a:ext cx="1008798" cy="1008798"/>
             </a:xfrm>
             <a:prstGeom prst="rect">
@@ -42540,7 +42268,7 @@
         </p:nvSpPr>
         <p:spPr bwMode="auto">
           <a:xfrm>
-            <a:off x="539750" y="1412875"/>
+            <a:off x="323528" y="1412776"/>
             <a:ext cx="2951163" cy="2736850"/>
           </a:xfrm>
           <a:prstGeom prst="rect">
@@ -42947,6 +42675,15 @@
               <a:defRPr/>
             </a:pPr>
             <a:r>
+              <a:rPr lang="it-IT" sz="1600" dirty="0" smtClean="0">
+                <a:solidFill>
+                  <a:srgbClr val="003F6E"/>
+                </a:solidFill>
+                <a:latin typeface="Arial" charset="0"/>
+              </a:rPr>
+              <a:t>    </a:t>
+            </a:r>
+            <a:r>
               <a:rPr lang="it-IT" sz="1600" dirty="0" err="1" smtClean="0">
                 <a:solidFill>
                   <a:srgbClr val="003F6E"/>
@@ -43002,7 +42739,7 @@
             </a:r>
           </a:p>
           <a:p>
-            <a:pPr marL="285750">
+            <a:pPr marL="687387" lvl="1">
               <a:lnSpc>
                 <a:spcPct val="150000"/>
               </a:lnSpc>
@@ -43021,7 +42758,7 @@
             </a:r>
           </a:p>
           <a:p>
-            <a:pPr marL="285750">
+            <a:pPr marL="687387" lvl="1">
               <a:lnSpc>
                 <a:spcPct val="150000"/>
               </a:lnSpc>
@@ -43046,7 +42783,7 @@
             </a:endParaRPr>
           </a:p>
           <a:p>
-            <a:pPr marL="285750">
+            <a:pPr marL="687387" lvl="1">
               <a:lnSpc>
                 <a:spcPct val="150000"/>
               </a:lnSpc>
@@ -43071,7 +42808,7 @@
             </a:endParaRPr>
           </a:p>
           <a:p>
-            <a:pPr marL="285750">
+            <a:pPr marL="687387" lvl="1">
               <a:lnSpc>
                 <a:spcPct val="150000"/>
               </a:lnSpc>
@@ -43090,7 +42827,7 @@
             </a:r>
           </a:p>
           <a:p>
-            <a:pPr marL="285750">
+            <a:pPr marL="687387" lvl="1">
               <a:lnSpc>
                 <a:spcPct val="150000"/>
               </a:lnSpc>
@@ -43109,7 +42846,7 @@
             </a:r>
           </a:p>
           <a:p>
-            <a:pPr marL="285750">
+            <a:pPr marL="687387" lvl="1">
               <a:lnSpc>
                 <a:spcPct val="150000"/>
               </a:lnSpc>
@@ -45417,7 +45154,7 @@
         <p:spPr bwMode="auto">
           <a:xfrm>
             <a:off x="539750" y="908050"/>
-            <a:ext cx="7740650" cy="360363"/>
+            <a:ext cx="7740650" cy="432718"/>
           </a:xfrm>
           <a:prstGeom prst="rect">
             <a:avLst/>
@@ -45882,6 +45619,12 @@
               </a:rPr>
               <a:t>databases</a:t>
             </a:r>
+            <a:endParaRPr lang="en-US" sz="1600" dirty="0">
+              <a:solidFill>
+                <a:srgbClr val="003F6E"/>
+              </a:solidFill>
+              <a:latin typeface="Arial" charset="0"/>
+            </a:endParaRPr>
           </a:p>
         </p:txBody>
       </p:sp>
@@ -45942,8 +45685,8 @@
         </p:blipFill>
         <p:spPr bwMode="auto">
           <a:xfrm>
-            <a:off x="1911350" y="1484784"/>
-            <a:ext cx="5253038" cy="4608512"/>
+            <a:off x="3749700" y="1844824"/>
+            <a:ext cx="5170959" cy="4536504"/>
           </a:xfrm>
           <a:prstGeom prst="rect">
             <a:avLst/>
@@ -45973,6 +45716,119 @@
           </a:extLst>
         </p:spPr>
       </p:pic>
+      <p:sp>
+        <p:nvSpPr>
+          <p:cNvPr id="2" name="CasellaDiTesto 1"/>
+          <p:cNvSpPr txBox="1"/>
+          <p:nvPr/>
+        </p:nvSpPr>
+        <p:spPr>
+          <a:xfrm>
+            <a:off x="445600" y="1412776"/>
+            <a:ext cx="4126400" cy="666336"/>
+          </a:xfrm>
+          <a:prstGeom prst="rect">
+            <a:avLst/>
+          </a:prstGeom>
+          <a:noFill/>
+        </p:spPr>
+        <p:txBody>
+          <a:bodyPr wrap="none" rtlCol="0">
+            <a:spAutoFit/>
+          </a:bodyPr>
+          <a:lstStyle/>
+          <a:p>
+            <a:pPr marL="1587">
+              <a:lnSpc>
+                <a:spcPct val="120000"/>
+              </a:lnSpc>
+              <a:spcBef>
+                <a:spcPts val="500"/>
+              </a:spcBef>
+              <a:buClrTx/>
+              <a:defRPr/>
+            </a:pPr>
+            <a:r>
+              <a:rPr lang="en-US" sz="1400" dirty="0">
+                <a:solidFill>
+                  <a:srgbClr val="003F6E"/>
+                </a:solidFill>
+                <a:latin typeface="Arial" charset="0"/>
+              </a:rPr>
+              <a:t>ORM operation (through </a:t>
+            </a:r>
+            <a:r>
+              <a:rPr lang="en-US" sz="1400" i="1" dirty="0" err="1">
+                <a:solidFill>
+                  <a:srgbClr val="003F6E"/>
+                </a:solidFill>
+                <a:latin typeface="Arial" charset="0"/>
+              </a:rPr>
+              <a:t>EntityManager</a:t>
+            </a:r>
+            <a:r>
+              <a:rPr lang="en-US" sz="1400" dirty="0">
+                <a:solidFill>
+                  <a:srgbClr val="003F6E"/>
+                </a:solidFill>
+                <a:latin typeface="Arial" charset="0"/>
+              </a:rPr>
+              <a:t> interface)</a:t>
+            </a:r>
+            <a:endParaRPr lang="it-IT" sz="1400" dirty="0">
+              <a:solidFill>
+                <a:srgbClr val="003F6E"/>
+              </a:solidFill>
+              <a:latin typeface="Arial" charset="0"/>
+            </a:endParaRPr>
+          </a:p>
+          <a:p>
+            <a:pPr marL="1587" indent="0">
+              <a:lnSpc>
+                <a:spcPct val="120000"/>
+              </a:lnSpc>
+              <a:spcBef>
+                <a:spcPts val="500"/>
+              </a:spcBef>
+              <a:buClrTx/>
+              <a:defRPr/>
+            </a:pPr>
+            <a:r>
+              <a:rPr lang="en-US" sz="1400" dirty="0" smtClean="0">
+                <a:solidFill>
+                  <a:srgbClr val="003F6E"/>
+                </a:solidFill>
+                <a:latin typeface="Arial" charset="0"/>
+              </a:rPr>
+              <a:t>JPQL </a:t>
+            </a:r>
+            <a:r>
+              <a:rPr lang="en-US" sz="1400" dirty="0">
+                <a:solidFill>
+                  <a:srgbClr val="003F6E"/>
+                </a:solidFill>
+                <a:latin typeface="Arial" charset="0"/>
+              </a:rPr>
+              <a:t>queries (DELETE and UPDATE</a:t>
+            </a:r>
+            <a:r>
+              <a:rPr lang="en-US" sz="1400" dirty="0" smtClean="0">
+                <a:solidFill>
+                  <a:srgbClr val="003F6E"/>
+                </a:solidFill>
+                <a:latin typeface="Arial" charset="0"/>
+              </a:rPr>
+              <a:t>)</a:t>
+            </a:r>
+            <a:endParaRPr lang="en-US" sz="1400" dirty="0">
+              <a:solidFill>
+                <a:srgbClr val="003F6E"/>
+              </a:solidFill>
+              <a:latin typeface="Arial" charset="0"/>
+            </a:endParaRPr>
+          </a:p>
+        </p:txBody>
+      </p:sp>
     </p:spTree>
   </p:cSld>
   <p:clrMapOvr>
@@ -46481,7 +46337,7 @@
         </p:nvSpPr>
         <p:spPr bwMode="auto">
           <a:xfrm>
-            <a:off x="611188" y="1557338"/>
+            <a:off x="611188" y="1268760"/>
             <a:ext cx="8224837" cy="4129087"/>
           </a:xfrm>
           <a:prstGeom prst="rect">
@@ -46883,7 +46739,7 @@
           <a:p>
             <a:pPr marL="344487" indent="-342900">
               <a:lnSpc>
-                <a:spcPct val="150000"/>
+                <a:spcPct val="200000"/>
               </a:lnSpc>
               <a:spcBef>
                 <a:spcPts val="500"/>
@@ -46915,7 +46771,7 @@
           <a:p>
             <a:pPr marL="344487" indent="-342900">
               <a:lnSpc>
-                <a:spcPct val="150000"/>
+                <a:spcPct val="200000"/>
               </a:lnSpc>
               <a:spcBef>
                 <a:spcPts val="500"/>
@@ -47007,7 +46863,7 @@
           <a:p>
             <a:pPr marL="344487" indent="-342900">
               <a:lnSpc>
-                <a:spcPct val="150000"/>
+                <a:spcPct val="200000"/>
               </a:lnSpc>
               <a:spcBef>
                 <a:spcPts val="500"/>
@@ -47048,7 +46904,7 @@
           <a:p>
             <a:pPr marL="344487" indent="-342900">
               <a:lnSpc>
-                <a:spcPct val="150000"/>
+                <a:spcPct val="200000"/>
               </a:lnSpc>
               <a:spcBef>
                 <a:spcPts val="500"/>
@@ -47125,7 +46981,7 @@
           <a:p>
             <a:pPr marL="344487" indent="-342900">
               <a:lnSpc>
-                <a:spcPct val="150000"/>
+                <a:spcPct val="200000"/>
               </a:lnSpc>
               <a:spcBef>
                 <a:spcPts val="500"/>
@@ -47175,7 +47031,7 @@
           <a:p>
             <a:pPr marL="344487" indent="-342900">
               <a:lnSpc>
-                <a:spcPct val="150000"/>
+                <a:spcPct val="200000"/>
               </a:lnSpc>
               <a:spcBef>
                 <a:spcPts val="500"/>
@@ -47362,6 +47218,48 @@
           <a:chExt cx="0" cy="0"/>
         </a:xfrm>
       </p:grpSpPr>
+      <p:cxnSp>
+        <p:nvCxnSpPr>
+          <p:cNvPr id="64" name="Connettore 1 63"/>
+          <p:cNvCxnSpPr/>
+          <p:nvPr/>
+        </p:nvCxnSpPr>
+        <p:spPr bwMode="auto">
+          <a:xfrm>
+            <a:off x="1979712" y="5157192"/>
+            <a:ext cx="0" cy="792088"/>
+          </a:xfrm>
+          <a:prstGeom prst="line">
+            <a:avLst/>
+          </a:prstGeom>
+          <a:solidFill>
+            <a:srgbClr val="00B8FF"/>
+          </a:solidFill>
+          <a:ln w="9525" cap="flat" cmpd="sng" algn="ctr">
+            <a:solidFill>
+              <a:schemeClr val="tx1"/>
+            </a:solidFill>
+            <a:prstDash val="solid"/>
+            <a:round/>
+            <a:headEnd type="none" w="med" len="med"/>
+            <a:tailEnd type="none" w="med" len="med"/>
+          </a:ln>
+          <a:effectLst/>
+          <a:extLst>
+            <a:ext uri="{AF507438-7753-43e0-B8FC-AC1667EBCBE1}">
+              <a14:hiddenEffects xmlns:a14="http://schemas.microsoft.com/office/drawing/2010/main">
+                <a:effectLst>
+                  <a:outerShdw blurRad="63500" dist="38099" dir="2700000" algn="ctr" rotWithShape="0">
+                    <a:schemeClr val="bg2">
+                      <a:alpha val="74998"/>
+                    </a:schemeClr>
+                  </a:outerShdw>
+                </a:effectLst>
+              </a14:hiddenEffects>
+            </a:ext>
+          </a:extLst>
+        </p:spPr>
+      </p:cxnSp>
       <p:sp>
         <p:nvSpPr>
           <p:cNvPr id="6145" name="Text Box 1"/>
@@ -47884,8 +47782,8 @@
         </p:nvSpPr>
         <p:spPr bwMode="auto">
           <a:xfrm>
-            <a:off x="539750" y="908050"/>
-            <a:ext cx="7991475" cy="3097213"/>
+            <a:off x="539750" y="908051"/>
+            <a:ext cx="8424738" cy="2736973"/>
           </a:xfrm>
           <a:prstGeom prst="rect">
             <a:avLst/>
@@ -48286,7 +48184,7 @@
           <a:p>
             <a:pPr marL="344487" indent="-342900">
               <a:lnSpc>
-                <a:spcPct val="150000"/>
+                <a:spcPct val="140000"/>
               </a:lnSpc>
               <a:spcBef>
                 <a:spcPts val="500"/>
@@ -48297,7 +48195,7 @@
               <a:defRPr/>
             </a:pPr>
             <a:r>
-              <a:rPr lang="it-IT" sz="2000" dirty="0" err="1" smtClean="0">
+              <a:rPr lang="it-IT" sz="1800" dirty="0" err="1" smtClean="0">
                 <a:solidFill>
                   <a:srgbClr val="003F6E"/>
                 </a:solidFill>
@@ -48306,7 +48204,7 @@
               <a:t>Many</a:t>
             </a:r>
             <a:r>
-              <a:rPr lang="it-IT" sz="2000" dirty="0" smtClean="0">
+              <a:rPr lang="it-IT" sz="1800" dirty="0" smtClean="0">
                 <a:solidFill>
                   <a:srgbClr val="003F6E"/>
                 </a:solidFill>
@@ -48318,7 +48216,7 @@
           <a:p>
             <a:pPr marL="344487" indent="-342900">
               <a:lnSpc>
-                <a:spcPct val="150000"/>
+                <a:spcPct val="140000"/>
               </a:lnSpc>
               <a:spcBef>
                 <a:spcPts val="500"/>
@@ -48329,7 +48227,7 @@
               <a:defRPr/>
             </a:pPr>
             <a:r>
-              <a:rPr lang="it-IT" sz="2000" dirty="0" err="1" smtClean="0">
+              <a:rPr lang="it-IT" sz="1800" dirty="0" err="1" smtClean="0">
                 <a:solidFill>
                   <a:srgbClr val="003F6E"/>
                 </a:solidFill>
@@ -48338,7 +48236,7 @@
               <a:t>Duplicated</a:t>
             </a:r>
             <a:r>
-              <a:rPr lang="it-IT" sz="2000" dirty="0" smtClean="0">
+              <a:rPr lang="it-IT" sz="1800" dirty="0" smtClean="0">
                 <a:solidFill>
                   <a:srgbClr val="003F6E"/>
                 </a:solidFill>
@@ -48350,7 +48248,7 @@
           <a:p>
             <a:pPr marL="344487" indent="-342900">
               <a:lnSpc>
-                <a:spcPct val="150000"/>
+                <a:spcPct val="140000"/>
               </a:lnSpc>
               <a:spcBef>
                 <a:spcPts val="500"/>
@@ -48361,16 +48259,25 @@
               <a:defRPr/>
             </a:pPr>
             <a:r>
-              <a:rPr lang="it-IT" sz="2000" dirty="0" smtClean="0">
+              <a:rPr lang="it-IT" sz="1800" dirty="0" smtClean="0">
                 <a:solidFill>
                   <a:srgbClr val="003F6E"/>
                 </a:solidFill>
                 <a:latin typeface="Arial" charset="0"/>
               </a:rPr>
-              <a:t>No complete code </a:t>
-            </a:r>
-            <a:r>
-              <a:rPr lang="it-IT" sz="2000" dirty="0" err="1" smtClean="0">
+              <a:t>No </a:t>
+            </a:r>
+            <a:r>
+              <a:rPr lang="it-IT" sz="1800" dirty="0" smtClean="0">
+                <a:solidFill>
+                  <a:srgbClr val="003F6E"/>
+                </a:solidFill>
+                <a:latin typeface="Arial" charset="0"/>
+              </a:rPr>
+              <a:t>complete code </a:t>
+            </a:r>
+            <a:r>
+              <a:rPr lang="it-IT" sz="1800" dirty="0" err="1" smtClean="0">
                 <a:solidFill>
                   <a:srgbClr val="003F6E"/>
                 </a:solidFill>
@@ -48378,7 +48285,7 @@
               </a:rPr>
               <a:t>portability</a:t>
             </a:r>
-            <a:endParaRPr lang="it-IT" sz="2000" dirty="0" smtClean="0">
+            <a:endParaRPr lang="it-IT" sz="1800" dirty="0" smtClean="0">
               <a:solidFill>
                 <a:srgbClr val="003F6E"/>
               </a:solidFill>
@@ -48388,7 +48295,7 @@
           <a:p>
             <a:pPr marL="344487" indent="-342900">
               <a:lnSpc>
-                <a:spcPct val="150000"/>
+                <a:spcPct val="140000"/>
               </a:lnSpc>
               <a:spcBef>
                 <a:spcPts val="500"/>
@@ -48399,7 +48306,7 @@
               <a:defRPr/>
             </a:pPr>
             <a:r>
-              <a:rPr lang="en-US" sz="2000" dirty="0" smtClean="0">
+              <a:rPr lang="en-US" sz="1800" dirty="0" smtClean="0">
                 <a:solidFill>
                   <a:srgbClr val="003F6E"/>
                 </a:solidFill>
@@ -48408,7 +48315,7 @@
               <a:t>Choice of </a:t>
             </a:r>
             <a:r>
-              <a:rPr lang="en-US" sz="2000" dirty="0">
+              <a:rPr lang="en-US" sz="1800" dirty="0">
                 <a:solidFill>
                   <a:srgbClr val="003F6E"/>
                 </a:solidFill>
@@ -48417,7 +48324,7 @@
               <a:t>the </a:t>
             </a:r>
             <a:r>
-              <a:rPr lang="en-US" sz="2000" dirty="0" err="1">
+              <a:rPr lang="en-US" sz="1800" dirty="0" err="1">
                 <a:solidFill>
                   <a:srgbClr val="003F6E"/>
                 </a:solidFill>
@@ -48426,7 +48333,7 @@
               <a:t>NoSQL</a:t>
             </a:r>
             <a:r>
-              <a:rPr lang="en-US" sz="2000" dirty="0">
+              <a:rPr lang="en-US" sz="1800" dirty="0">
                 <a:solidFill>
                   <a:srgbClr val="003F6E"/>
                 </a:solidFill>
@@ -48435,16 +48342,51 @@
               <a:t> database </a:t>
             </a:r>
             <a:r>
-              <a:rPr lang="en-US" sz="2000" dirty="0" smtClean="0">
+              <a:rPr lang="en-US" sz="1800" dirty="0" smtClean="0">
                 <a:solidFill>
                   <a:srgbClr val="003F6E"/>
                 </a:solidFill>
                 <a:latin typeface="Arial" charset="0"/>
               </a:rPr>
-              <a:t>strictly bounded to the cloud provider (e.g. </a:t>
-            </a:r>
-            <a:r>
-              <a:rPr lang="en-US" sz="2000" dirty="0">
+              <a:t>strictly bounded to the cloud </a:t>
+            </a:r>
+            <a:r>
+              <a:rPr lang="en-US" sz="1800" dirty="0" smtClean="0">
+                <a:solidFill>
+                  <a:srgbClr val="003F6E"/>
+                </a:solidFill>
+                <a:latin typeface="Arial" charset="0"/>
+              </a:rPr>
+              <a:t/>
+            </a:r>
+            <a:br>
+              <a:rPr lang="en-US" sz="1800" dirty="0" smtClean="0">
+                <a:solidFill>
+                  <a:srgbClr val="003F6E"/>
+                </a:solidFill>
+                <a:latin typeface="Arial" charset="0"/>
+              </a:rPr>
+            </a:br>
+            <a:r>
+              <a:rPr lang="en-US" sz="1800" dirty="0" smtClean="0">
+                <a:solidFill>
+                  <a:srgbClr val="003F6E"/>
+                </a:solidFill>
+                <a:latin typeface="Arial" charset="0"/>
+              </a:rPr>
+              <a:t>provider (</a:t>
+            </a:r>
+            <a:r>
+              <a:rPr lang="en-US" sz="1800" dirty="0" smtClean="0">
+                <a:solidFill>
+                  <a:srgbClr val="003F6E"/>
+                </a:solidFill>
+                <a:latin typeface="Arial" charset="0"/>
+              </a:rPr>
+              <a:t>e.g. </a:t>
+            </a:r>
+            <a:r>
+              <a:rPr lang="en-US" sz="1800" dirty="0">
                 <a:solidFill>
                   <a:srgbClr val="003F6E"/>
                 </a:solidFill>
@@ -48453,7 +48395,7 @@
               <a:t>A</a:t>
             </a:r>
             <a:r>
-              <a:rPr lang="en-US" sz="2000" dirty="0" smtClean="0">
+              <a:rPr lang="en-US" sz="1800" dirty="0" smtClean="0">
                 <a:solidFill>
                   <a:srgbClr val="003F6E"/>
                 </a:solidFill>
@@ -48462,7 +48404,7 @@
               <a:t>pp </a:t>
             </a:r>
             <a:r>
-              <a:rPr lang="en-US" sz="2000" dirty="0">
+              <a:rPr lang="en-US" sz="1800" dirty="0">
                 <a:solidFill>
                   <a:srgbClr val="003F6E"/>
                 </a:solidFill>
@@ -48471,7 +48413,7 @@
               <a:t>E</a:t>
             </a:r>
             <a:r>
-              <a:rPr lang="en-US" sz="2000" dirty="0" smtClean="0">
+              <a:rPr lang="en-US" sz="1800" dirty="0" smtClean="0">
                 <a:solidFill>
                   <a:srgbClr val="003F6E"/>
                 </a:solidFill>
@@ -48480,7 +48422,7 @@
               <a:t>ngine </a:t>
             </a:r>
             <a:r>
-              <a:rPr lang="it-IT" sz="2000" dirty="0" smtClean="0">
+              <a:rPr lang="it-IT" sz="1800" dirty="0" smtClean="0">
                 <a:solidFill>
                   <a:srgbClr val="003F6E"/>
                 </a:solidFill>
@@ -48490,7 +48432,7 @@
               <a:t></a:t>
             </a:r>
             <a:r>
-              <a:rPr lang="en-US" sz="2000" dirty="0" smtClean="0">
+              <a:rPr lang="en-US" sz="1800" dirty="0" smtClean="0">
                 <a:solidFill>
                   <a:srgbClr val="003F6E"/>
                 </a:solidFill>
@@ -48499,7 +48441,7 @@
               <a:t> </a:t>
             </a:r>
             <a:r>
-              <a:rPr lang="en-US" sz="2000" dirty="0" err="1" smtClean="0">
+              <a:rPr lang="en-US" sz="1800" dirty="0" err="1" smtClean="0">
                 <a:solidFill>
                   <a:srgbClr val="003F6E"/>
                 </a:solidFill>
@@ -48508,7 +48450,7 @@
               <a:t>Datastore</a:t>
             </a:r>
             <a:r>
-              <a:rPr lang="en-US" sz="2000" dirty="0" smtClean="0">
+              <a:rPr lang="en-US" sz="1800" dirty="0" smtClean="0">
                 <a:solidFill>
                   <a:srgbClr val="003F6E"/>
                 </a:solidFill>
@@ -48520,7 +48462,7 @@
           <a:p>
             <a:pPr marL="344487" indent="-342900">
               <a:lnSpc>
-                <a:spcPct val="150000"/>
+                <a:spcPct val="140000"/>
               </a:lnSpc>
               <a:spcBef>
                 <a:spcPts val="500"/>
@@ -48531,7 +48473,7 @@
               <a:defRPr/>
             </a:pPr>
             <a:r>
-              <a:rPr lang="en-US" sz="2000" dirty="0" smtClean="0">
+              <a:rPr lang="en-US" sz="1800" dirty="0" smtClean="0">
                 <a:solidFill>
                   <a:srgbClr val="003F6E"/>
                 </a:solidFill>
@@ -48540,7 +48482,7 @@
               <a:t>Limited </a:t>
             </a:r>
             <a:r>
-              <a:rPr lang="en-US" sz="2000" dirty="0" err="1" smtClean="0">
+              <a:rPr lang="en-US" sz="1800" dirty="0" err="1" smtClean="0">
                 <a:solidFill>
                   <a:srgbClr val="003F6E"/>
                 </a:solidFill>
@@ -48549,7 +48491,7 @@
               <a:t>NoSQL</a:t>
             </a:r>
             <a:r>
-              <a:rPr lang="en-US" sz="2000" dirty="0" smtClean="0">
+              <a:rPr lang="en-US" sz="1800" dirty="0" smtClean="0">
                 <a:solidFill>
                   <a:srgbClr val="003F6E"/>
                 </a:solidFill>
@@ -48557,7 +48499,7 @@
               </a:rPr>
               <a:t> databases support</a:t>
             </a:r>
-            <a:endParaRPr lang="en-US" sz="2000" dirty="0">
+            <a:endParaRPr lang="en-US" sz="1800" dirty="0">
               <a:solidFill>
                 <a:srgbClr val="003F6E"/>
               </a:solidFill>
@@ -48567,7 +48509,7 @@
           <a:p>
             <a:pPr marL="344487" indent="-342900">
               <a:lnSpc>
-                <a:spcPct val="150000"/>
+                <a:spcPct val="140000"/>
               </a:lnSpc>
               <a:spcBef>
                 <a:spcPts val="500"/>
@@ -48577,7 +48519,7 @@
               <a:buChar char="•"/>
               <a:defRPr/>
             </a:pPr>
-            <a:endParaRPr lang="en-US" sz="2000" dirty="0">
+            <a:endParaRPr lang="en-US" sz="1800" dirty="0">
               <a:solidFill>
                 <a:srgbClr val="003F6E"/>
               </a:solidFill>
@@ -48586,6 +48528,1505 @@
           </a:p>
         </p:txBody>
       </p:sp>
+      <p:cxnSp>
+        <p:nvCxnSpPr>
+          <p:cNvPr id="6148" name="Connettore 1 6147"/>
+          <p:cNvCxnSpPr/>
+          <p:nvPr/>
+        </p:nvCxnSpPr>
+        <p:spPr bwMode="auto">
+          <a:xfrm>
+            <a:off x="1979712" y="4149080"/>
+            <a:ext cx="0" cy="792088"/>
+          </a:xfrm>
+          <a:prstGeom prst="line">
+            <a:avLst/>
+          </a:prstGeom>
+          <a:solidFill>
+            <a:srgbClr val="00B8FF"/>
+          </a:solidFill>
+          <a:ln w="9525" cap="flat" cmpd="sng" algn="ctr">
+            <a:solidFill>
+              <a:schemeClr val="tx1"/>
+            </a:solidFill>
+            <a:prstDash val="solid"/>
+            <a:round/>
+            <a:headEnd type="none" w="med" len="med"/>
+            <a:tailEnd type="none" w="med" len="med"/>
+          </a:ln>
+          <a:effectLst/>
+          <a:extLst>
+            <a:ext uri="{AF507438-7753-43e0-B8FC-AC1667EBCBE1}">
+              <a14:hiddenEffects xmlns:a14="http://schemas.microsoft.com/office/drawing/2010/main">
+                <a:effectLst>
+                  <a:outerShdw blurRad="63500" dist="38099" dir="2700000" algn="ctr" rotWithShape="0">
+                    <a:schemeClr val="bg2">
+                      <a:alpha val="74998"/>
+                    </a:schemeClr>
+                  </a:outerShdw>
+                </a:effectLst>
+              </a14:hiddenEffects>
+            </a:ext>
+          </a:extLst>
+        </p:spPr>
+      </p:cxnSp>
+      <p:sp>
+        <p:nvSpPr>
+          <p:cNvPr id="2" name="Rettangolo arrotondato 1"/>
+          <p:cNvSpPr/>
+          <p:nvPr/>
+        </p:nvSpPr>
+        <p:spPr bwMode="auto">
+          <a:xfrm>
+            <a:off x="467544" y="5157192"/>
+            <a:ext cx="2448272" cy="288032"/>
+          </a:xfrm>
+          <a:prstGeom prst="roundRect">
+            <a:avLst/>
+          </a:prstGeom>
+          <a:solidFill>
+            <a:schemeClr val="bg2">
+              <a:lumMod val="40000"/>
+              <a:lumOff val="60000"/>
+            </a:schemeClr>
+          </a:solidFill>
+          <a:ln>
+            <a:solidFill>
+              <a:schemeClr val="tx1"/>
+            </a:solidFill>
+            <a:headEnd type="none" w="med" len="med"/>
+            <a:tailEnd type="none" w="med" len="med"/>
+          </a:ln>
+          <a:extLst/>
+        </p:spPr>
+        <p:style>
+          <a:lnRef idx="1">
+            <a:schemeClr val="accent4"/>
+          </a:lnRef>
+          <a:fillRef idx="2">
+            <a:schemeClr val="accent4"/>
+          </a:fillRef>
+          <a:effectRef idx="1">
+            <a:schemeClr val="accent4"/>
+          </a:effectRef>
+          <a:fontRef idx="minor">
+            <a:schemeClr val="dk1"/>
+          </a:fontRef>
+        </p:style>
+        <p:txBody>
+          <a:bodyPr vert="horz" wrap="square" lIns="91440" tIns="45720" rIns="91440" bIns="45720" numCol="1" rtlCol="0" anchor="ctr" anchorCtr="0" compatLnSpc="1">
+            <a:prstTxWarp prst="textNoShape">
+              <a:avLst/>
+            </a:prstTxWarp>
+          </a:bodyPr>
+          <a:lstStyle/>
+          <a:p>
+            <a:pPr marL="0" marR="0" indent="0" algn="ctr" defTabSz="449263" rtl="0" eaLnBrk="0" fontAlgn="base" latinLnBrk="0" hangingPunct="0">
+              <a:lnSpc>
+                <a:spcPct val="93000"/>
+              </a:lnSpc>
+              <a:spcBef>
+                <a:spcPct val="0"/>
+              </a:spcBef>
+              <a:spcAft>
+                <a:spcPct val="0"/>
+              </a:spcAft>
+              <a:buClr>
+                <a:srgbClr val="000000"/>
+              </a:buClr>
+              <a:buSzPct val="100000"/>
+              <a:buFont typeface="Times New Roman" charset="0"/>
+              <a:buNone/>
+              <a:tabLst/>
+            </a:pPr>
+            <a:r>
+              <a:rPr kumimoji="0" lang="it-IT" sz="1400" b="0" i="0" u="none" strike="noStrike" cap="none" normalizeH="0" baseline="0" dirty="0" err="1" smtClean="0">
+                <a:ln>
+                  <a:noFill/>
+                </a:ln>
+                <a:solidFill>
+                  <a:schemeClr val="tx1"/>
+                </a:solidFill>
+                <a:effectLst/>
+                <a:latin typeface="Arial"/>
+                <a:ea typeface="ＭＳ Ｐゴシック" charset="0"/>
+                <a:cs typeface="Arial"/>
+              </a:rPr>
+              <a:t>CloudEntityManager</a:t>
+            </a:r>
+            <a:endParaRPr kumimoji="0" lang="it-IT" sz="1600" b="0" i="0" u="none" strike="noStrike" cap="none" normalizeH="0" baseline="0" dirty="0">
+              <a:ln>
+                <a:noFill/>
+              </a:ln>
+              <a:solidFill>
+                <a:schemeClr val="tx1"/>
+              </a:solidFill>
+              <a:effectLst/>
+              <a:latin typeface="Arial"/>
+              <a:ea typeface="ＭＳ Ｐゴシック" charset="0"/>
+              <a:cs typeface="Arial"/>
+            </a:endParaRPr>
+          </a:p>
+        </p:txBody>
+      </p:sp>
+      <p:sp>
+        <p:nvSpPr>
+          <p:cNvPr id="7" name="Rettangolo arrotondato 6"/>
+          <p:cNvSpPr/>
+          <p:nvPr/>
+        </p:nvSpPr>
+        <p:spPr bwMode="auto">
+          <a:xfrm>
+            <a:off x="6876256" y="3861048"/>
+            <a:ext cx="1512168" cy="504056"/>
+          </a:xfrm>
+          <a:prstGeom prst="roundRect">
+            <a:avLst/>
+          </a:prstGeom>
+          <a:solidFill>
+            <a:schemeClr val="bg2">
+              <a:lumMod val="40000"/>
+              <a:lumOff val="60000"/>
+            </a:schemeClr>
+          </a:solidFill>
+          <a:ln>
+            <a:solidFill>
+              <a:schemeClr val="tx1"/>
+            </a:solidFill>
+            <a:headEnd type="none" w="med" len="med"/>
+            <a:tailEnd type="none" w="med" len="med"/>
+          </a:ln>
+          <a:extLst/>
+        </p:spPr>
+        <p:style>
+          <a:lnRef idx="1">
+            <a:schemeClr val="accent4"/>
+          </a:lnRef>
+          <a:fillRef idx="2">
+            <a:schemeClr val="accent4"/>
+          </a:fillRef>
+          <a:effectRef idx="1">
+            <a:schemeClr val="accent4"/>
+          </a:effectRef>
+          <a:fontRef idx="minor">
+            <a:schemeClr val="dk1"/>
+          </a:fontRef>
+        </p:style>
+        <p:txBody>
+          <a:bodyPr vert="horz" wrap="square" lIns="91440" tIns="45720" rIns="91440" bIns="45720" numCol="1" rtlCol="0" anchor="ctr" anchorCtr="0" compatLnSpc="1">
+            <a:prstTxWarp prst="textNoShape">
+              <a:avLst/>
+            </a:prstTxWarp>
+          </a:bodyPr>
+          <a:lstStyle/>
+          <a:p>
+            <a:pPr marL="0" marR="0" indent="0" algn="ctr" defTabSz="449263" rtl="0" eaLnBrk="0" fontAlgn="base" latinLnBrk="0" hangingPunct="0">
+              <a:lnSpc>
+                <a:spcPct val="93000"/>
+              </a:lnSpc>
+              <a:spcBef>
+                <a:spcPct val="0"/>
+              </a:spcBef>
+              <a:spcAft>
+                <a:spcPct val="0"/>
+              </a:spcAft>
+              <a:buClr>
+                <a:srgbClr val="000000"/>
+              </a:buClr>
+              <a:buSzPct val="100000"/>
+              <a:buFont typeface="Times New Roman" charset="0"/>
+              <a:buNone/>
+              <a:tabLst/>
+            </a:pPr>
+            <a:r>
+              <a:rPr kumimoji="0" lang="it-IT" sz="1600" b="0" i="0" u="none" strike="noStrike" cap="none" normalizeH="0" baseline="0" dirty="0" smtClean="0">
+                <a:ln>
+                  <a:noFill/>
+                </a:ln>
+                <a:solidFill>
+                  <a:schemeClr val="tx1"/>
+                </a:solidFill>
+                <a:effectLst/>
+                <a:latin typeface="Arial"/>
+                <a:ea typeface="ＭＳ Ｐゴシック" charset="0"/>
+                <a:cs typeface="Arial"/>
+              </a:rPr>
+              <a:t>jpa4Azure</a:t>
+            </a:r>
+            <a:endParaRPr kumimoji="0" lang="it-IT" sz="1800" b="0" i="0" u="none" strike="noStrike" cap="none" normalizeH="0" baseline="0" dirty="0">
+              <a:ln>
+                <a:noFill/>
+              </a:ln>
+              <a:solidFill>
+                <a:schemeClr val="tx1"/>
+              </a:solidFill>
+              <a:effectLst/>
+              <a:latin typeface="Arial"/>
+              <a:ea typeface="ＭＳ Ｐゴシック" charset="0"/>
+              <a:cs typeface="Arial"/>
+            </a:endParaRPr>
+          </a:p>
+        </p:txBody>
+      </p:sp>
+      <p:sp>
+        <p:nvSpPr>
+          <p:cNvPr id="8" name="Rettangolo arrotondato 7"/>
+          <p:cNvSpPr/>
+          <p:nvPr/>
+        </p:nvSpPr>
+        <p:spPr bwMode="auto">
+          <a:xfrm>
+            <a:off x="6876256" y="4797152"/>
+            <a:ext cx="1512168" cy="504056"/>
+          </a:xfrm>
+          <a:prstGeom prst="roundRect">
+            <a:avLst/>
+          </a:prstGeom>
+          <a:solidFill>
+            <a:schemeClr val="bg2">
+              <a:lumMod val="40000"/>
+              <a:lumOff val="60000"/>
+            </a:schemeClr>
+          </a:solidFill>
+          <a:ln>
+            <a:solidFill>
+              <a:schemeClr val="tx1"/>
+            </a:solidFill>
+            <a:headEnd type="none" w="med" len="med"/>
+            <a:tailEnd type="none" w="med" len="med"/>
+          </a:ln>
+          <a:extLst/>
+        </p:spPr>
+        <p:style>
+          <a:lnRef idx="1">
+            <a:schemeClr val="accent4"/>
+          </a:lnRef>
+          <a:fillRef idx="2">
+            <a:schemeClr val="accent4"/>
+          </a:fillRef>
+          <a:effectRef idx="1">
+            <a:schemeClr val="accent4"/>
+          </a:effectRef>
+          <a:fontRef idx="minor">
+            <a:schemeClr val="dk1"/>
+          </a:fontRef>
+        </p:style>
+        <p:txBody>
+          <a:bodyPr vert="horz" wrap="square" lIns="91440" tIns="45720" rIns="91440" bIns="45720" numCol="1" rtlCol="0" anchor="ctr" anchorCtr="0" compatLnSpc="1">
+            <a:prstTxWarp prst="textNoShape">
+              <a:avLst/>
+            </a:prstTxWarp>
+          </a:bodyPr>
+          <a:lstStyle/>
+          <a:p>
+            <a:pPr marL="0" marR="0" indent="0" algn="ctr" defTabSz="449263" rtl="0" eaLnBrk="0" fontAlgn="base" latinLnBrk="0" hangingPunct="0">
+              <a:lnSpc>
+                <a:spcPct val="93000"/>
+              </a:lnSpc>
+              <a:spcBef>
+                <a:spcPct val="0"/>
+              </a:spcBef>
+              <a:spcAft>
+                <a:spcPct val="0"/>
+              </a:spcAft>
+              <a:buClr>
+                <a:srgbClr val="000000"/>
+              </a:buClr>
+              <a:buSzPct val="100000"/>
+              <a:buFont typeface="Times New Roman" charset="0"/>
+              <a:buNone/>
+              <a:tabLst/>
+            </a:pPr>
+            <a:r>
+              <a:rPr kumimoji="0" lang="it-IT" sz="1600" b="0" i="0" u="none" strike="noStrike" cap="none" normalizeH="0" baseline="0" dirty="0" err="1" smtClean="0">
+                <a:ln>
+                  <a:noFill/>
+                </a:ln>
+                <a:solidFill>
+                  <a:schemeClr val="tx1"/>
+                </a:solidFill>
+                <a:effectLst/>
+                <a:latin typeface="Arial"/>
+                <a:ea typeface="ＭＳ Ｐゴシック" charset="0"/>
+                <a:cs typeface="Arial"/>
+              </a:rPr>
+              <a:t>SimpleJPA</a:t>
+            </a:r>
+            <a:endParaRPr kumimoji="0" lang="it-IT" sz="1800" b="0" i="0" u="none" strike="noStrike" cap="none" normalizeH="0" baseline="0" dirty="0">
+              <a:ln>
+                <a:noFill/>
+              </a:ln>
+              <a:solidFill>
+                <a:schemeClr val="tx1"/>
+              </a:solidFill>
+              <a:effectLst/>
+              <a:latin typeface="Arial"/>
+              <a:ea typeface="ＭＳ Ｐゴシック" charset="0"/>
+              <a:cs typeface="Arial"/>
+            </a:endParaRPr>
+          </a:p>
+        </p:txBody>
+      </p:sp>
+      <p:sp>
+        <p:nvSpPr>
+          <p:cNvPr id="9" name="Rettangolo arrotondato 8"/>
+          <p:cNvSpPr/>
+          <p:nvPr/>
+        </p:nvSpPr>
+        <p:spPr bwMode="auto">
+          <a:xfrm>
+            <a:off x="6876256" y="5733256"/>
+            <a:ext cx="1512168" cy="504056"/>
+          </a:xfrm>
+          <a:prstGeom prst="roundRect">
+            <a:avLst/>
+          </a:prstGeom>
+          <a:solidFill>
+            <a:schemeClr val="bg2">
+              <a:lumMod val="40000"/>
+              <a:lumOff val="60000"/>
+            </a:schemeClr>
+          </a:solidFill>
+          <a:ln>
+            <a:solidFill>
+              <a:schemeClr val="tx1"/>
+            </a:solidFill>
+            <a:headEnd type="none" w="med" len="med"/>
+            <a:tailEnd type="none" w="med" len="med"/>
+          </a:ln>
+          <a:extLst/>
+        </p:spPr>
+        <p:style>
+          <a:lnRef idx="1">
+            <a:schemeClr val="accent4"/>
+          </a:lnRef>
+          <a:fillRef idx="2">
+            <a:schemeClr val="accent4"/>
+          </a:fillRef>
+          <a:effectRef idx="1">
+            <a:schemeClr val="accent4"/>
+          </a:effectRef>
+          <a:fontRef idx="minor">
+            <a:schemeClr val="dk1"/>
+          </a:fontRef>
+        </p:style>
+        <p:txBody>
+          <a:bodyPr vert="horz" wrap="square" lIns="91440" tIns="45720" rIns="91440" bIns="45720" numCol="1" rtlCol="0" anchor="ctr" anchorCtr="0" compatLnSpc="1">
+            <a:prstTxWarp prst="textNoShape">
+              <a:avLst/>
+            </a:prstTxWarp>
+          </a:bodyPr>
+          <a:lstStyle/>
+          <a:p>
+            <a:pPr marL="0" marR="0" indent="0" algn="ctr" defTabSz="449263" rtl="0" eaLnBrk="0" fontAlgn="base" latinLnBrk="0" hangingPunct="0">
+              <a:lnSpc>
+                <a:spcPct val="93000"/>
+              </a:lnSpc>
+              <a:spcBef>
+                <a:spcPct val="0"/>
+              </a:spcBef>
+              <a:spcAft>
+                <a:spcPct val="0"/>
+              </a:spcAft>
+              <a:buClr>
+                <a:srgbClr val="000000"/>
+              </a:buClr>
+              <a:buSzPct val="100000"/>
+              <a:buFont typeface="Times New Roman" charset="0"/>
+              <a:buNone/>
+              <a:tabLst/>
+            </a:pPr>
+            <a:r>
+              <a:rPr lang="it-IT" sz="1600" dirty="0" smtClean="0">
+                <a:solidFill>
+                  <a:schemeClr val="tx1"/>
+                </a:solidFill>
+                <a:latin typeface="Arial"/>
+                <a:ea typeface="ＭＳ Ｐゴシック" charset="0"/>
+                <a:cs typeface="Arial"/>
+              </a:rPr>
+              <a:t>Google JPA</a:t>
+            </a:r>
+            <a:endParaRPr kumimoji="0" lang="it-IT" sz="1800" b="0" i="0" u="none" strike="noStrike" cap="none" normalizeH="0" baseline="0" dirty="0">
+              <a:ln>
+                <a:noFill/>
+              </a:ln>
+              <a:solidFill>
+                <a:schemeClr val="tx1"/>
+              </a:solidFill>
+              <a:effectLst/>
+              <a:latin typeface="Arial"/>
+              <a:ea typeface="ＭＳ Ｐゴシック" charset="0"/>
+              <a:cs typeface="Arial"/>
+            </a:endParaRPr>
+          </a:p>
+        </p:txBody>
+      </p:sp>
+      <p:sp>
+        <p:nvSpPr>
+          <p:cNvPr id="10" name="Rettangolo arrotondato 9"/>
+          <p:cNvSpPr/>
+          <p:nvPr/>
+        </p:nvSpPr>
+        <p:spPr bwMode="auto">
+          <a:xfrm>
+            <a:off x="3347864" y="3861048"/>
+            <a:ext cx="2880320" cy="279648"/>
+          </a:xfrm>
+          <a:prstGeom prst="roundRect">
+            <a:avLst/>
+          </a:prstGeom>
+          <a:solidFill>
+            <a:schemeClr val="bg2">
+              <a:lumMod val="40000"/>
+              <a:lumOff val="60000"/>
+            </a:schemeClr>
+          </a:solidFill>
+          <a:ln>
+            <a:solidFill>
+              <a:schemeClr val="tx1"/>
+            </a:solidFill>
+            <a:headEnd type="none" w="med" len="med"/>
+            <a:tailEnd type="none" w="med" len="med"/>
+          </a:ln>
+          <a:extLst/>
+        </p:spPr>
+        <p:style>
+          <a:lnRef idx="1">
+            <a:schemeClr val="accent4"/>
+          </a:lnRef>
+          <a:fillRef idx="2">
+            <a:schemeClr val="accent4"/>
+          </a:fillRef>
+          <a:effectRef idx="1">
+            <a:schemeClr val="accent4"/>
+          </a:effectRef>
+          <a:fontRef idx="minor">
+            <a:schemeClr val="dk1"/>
+          </a:fontRef>
+        </p:style>
+        <p:txBody>
+          <a:bodyPr vert="horz" wrap="square" lIns="91440" tIns="45720" rIns="91440" bIns="45720" numCol="1" rtlCol="0" anchor="ctr" anchorCtr="0" compatLnSpc="1">
+            <a:prstTxWarp prst="textNoShape">
+              <a:avLst/>
+            </a:prstTxWarp>
+          </a:bodyPr>
+          <a:lstStyle/>
+          <a:p>
+            <a:pPr marL="0" marR="0" indent="0" algn="ctr" defTabSz="449263" rtl="0" eaLnBrk="0" fontAlgn="base" latinLnBrk="0" hangingPunct="0">
+              <a:lnSpc>
+                <a:spcPct val="93000"/>
+              </a:lnSpc>
+              <a:spcBef>
+                <a:spcPct val="0"/>
+              </a:spcBef>
+              <a:spcAft>
+                <a:spcPct val="0"/>
+              </a:spcAft>
+              <a:buClr>
+                <a:srgbClr val="000000"/>
+              </a:buClr>
+              <a:buSzPct val="100000"/>
+              <a:buFont typeface="Times New Roman" charset="0"/>
+              <a:buNone/>
+              <a:tabLst/>
+            </a:pPr>
+            <a:r>
+              <a:rPr kumimoji="0" lang="it-IT" sz="1400" b="0" i="0" u="none" strike="noStrike" cap="none" normalizeH="0" baseline="0" dirty="0" err="1" smtClean="0">
+                <a:ln>
+                  <a:noFill/>
+                </a:ln>
+                <a:solidFill>
+                  <a:schemeClr val="tx1"/>
+                </a:solidFill>
+                <a:effectLst/>
+                <a:latin typeface="Arial"/>
+                <a:ea typeface="ＭＳ Ｐゴシック" charset="0"/>
+                <a:cs typeface="Arial"/>
+              </a:rPr>
+              <a:t>Azure</a:t>
+            </a:r>
+            <a:r>
+              <a:rPr kumimoji="0" lang="it-IT" sz="1400" b="0" i="0" u="none" strike="noStrike" cap="none" normalizeH="0" baseline="0" dirty="0" smtClean="0">
+                <a:ln>
+                  <a:noFill/>
+                </a:ln>
+                <a:solidFill>
+                  <a:schemeClr val="tx1"/>
+                </a:solidFill>
+                <a:effectLst/>
+                <a:latin typeface="Arial"/>
+                <a:ea typeface="ＭＳ Ｐゴシック" charset="0"/>
+                <a:cs typeface="Arial"/>
+              </a:rPr>
+              <a:t> </a:t>
+            </a:r>
+            <a:r>
+              <a:rPr kumimoji="0" lang="it-IT" sz="1400" b="0" i="0" u="none" strike="noStrike" cap="none" normalizeH="0" baseline="0" dirty="0" err="1" smtClean="0">
+                <a:ln>
+                  <a:noFill/>
+                </a:ln>
+                <a:solidFill>
+                  <a:schemeClr val="tx1"/>
+                </a:solidFill>
+                <a:effectLst/>
+                <a:latin typeface="Arial"/>
+                <a:ea typeface="ＭＳ Ｐゴシック" charset="0"/>
+                <a:cs typeface="Arial"/>
+              </a:rPr>
+              <a:t>EntityManager</a:t>
+            </a:r>
+            <a:endParaRPr kumimoji="0" lang="it-IT" sz="1600" b="0" i="0" u="none" strike="noStrike" cap="none" normalizeH="0" baseline="0" dirty="0">
+              <a:ln>
+                <a:noFill/>
+              </a:ln>
+              <a:solidFill>
+                <a:schemeClr val="tx1"/>
+              </a:solidFill>
+              <a:effectLst/>
+              <a:latin typeface="Arial"/>
+              <a:ea typeface="ＭＳ Ｐゴシック" charset="0"/>
+              <a:cs typeface="Arial"/>
+            </a:endParaRPr>
+          </a:p>
+        </p:txBody>
+      </p:sp>
+      <p:sp>
+        <p:nvSpPr>
+          <p:cNvPr id="11" name="Rettangolo arrotondato 10"/>
+          <p:cNvSpPr/>
+          <p:nvPr/>
+        </p:nvSpPr>
+        <p:spPr bwMode="auto">
+          <a:xfrm>
+            <a:off x="3347864" y="4221088"/>
+            <a:ext cx="2880320" cy="279648"/>
+          </a:xfrm>
+          <a:prstGeom prst="roundRect">
+            <a:avLst/>
+          </a:prstGeom>
+          <a:solidFill>
+            <a:schemeClr val="bg2">
+              <a:lumMod val="40000"/>
+              <a:lumOff val="60000"/>
+            </a:schemeClr>
+          </a:solidFill>
+          <a:ln>
+            <a:solidFill>
+              <a:schemeClr val="tx1"/>
+            </a:solidFill>
+            <a:headEnd type="none" w="med" len="med"/>
+            <a:tailEnd type="none" w="med" len="med"/>
+          </a:ln>
+          <a:extLst/>
+        </p:spPr>
+        <p:style>
+          <a:lnRef idx="1">
+            <a:schemeClr val="accent4"/>
+          </a:lnRef>
+          <a:fillRef idx="2">
+            <a:schemeClr val="accent4"/>
+          </a:fillRef>
+          <a:effectRef idx="1">
+            <a:schemeClr val="accent4"/>
+          </a:effectRef>
+          <a:fontRef idx="minor">
+            <a:schemeClr val="dk1"/>
+          </a:fontRef>
+        </p:style>
+        <p:txBody>
+          <a:bodyPr vert="horz" wrap="square" lIns="91440" tIns="45720" rIns="91440" bIns="45720" numCol="1" rtlCol="0" anchor="ctr" anchorCtr="0" compatLnSpc="1">
+            <a:prstTxWarp prst="textNoShape">
+              <a:avLst/>
+            </a:prstTxWarp>
+          </a:bodyPr>
+          <a:lstStyle/>
+          <a:p>
+            <a:pPr marL="0" marR="0" indent="0" algn="ctr" defTabSz="449263" rtl="0" eaLnBrk="0" fontAlgn="base" latinLnBrk="0" hangingPunct="0">
+              <a:lnSpc>
+                <a:spcPct val="93000"/>
+              </a:lnSpc>
+              <a:spcBef>
+                <a:spcPct val="0"/>
+              </a:spcBef>
+              <a:spcAft>
+                <a:spcPct val="0"/>
+              </a:spcAft>
+              <a:buClr>
+                <a:srgbClr val="000000"/>
+              </a:buClr>
+              <a:buSzPct val="100000"/>
+              <a:buFont typeface="Times New Roman" charset="0"/>
+              <a:buNone/>
+              <a:tabLst/>
+            </a:pPr>
+            <a:r>
+              <a:rPr kumimoji="0" lang="it-IT" sz="1400" b="0" i="0" u="none" strike="noStrike" cap="none" normalizeH="0" baseline="0" dirty="0" err="1" smtClean="0">
+                <a:ln>
+                  <a:noFill/>
+                </a:ln>
+                <a:solidFill>
+                  <a:schemeClr val="tx1"/>
+                </a:solidFill>
+                <a:effectLst/>
+                <a:latin typeface="Arial"/>
+                <a:ea typeface="ＭＳ Ｐゴシック" charset="0"/>
+                <a:cs typeface="Arial"/>
+              </a:rPr>
+              <a:t>Azure</a:t>
+            </a:r>
+            <a:r>
+              <a:rPr kumimoji="0" lang="it-IT" sz="1400" b="0" i="0" u="none" strike="noStrike" cap="none" normalizeH="0" baseline="0" dirty="0" smtClean="0">
+                <a:ln>
+                  <a:noFill/>
+                </a:ln>
+                <a:solidFill>
+                  <a:schemeClr val="tx1"/>
+                </a:solidFill>
+                <a:effectLst/>
+                <a:latin typeface="Arial"/>
+                <a:ea typeface="ＭＳ Ｐゴシック" charset="0"/>
+                <a:cs typeface="Arial"/>
+              </a:rPr>
+              <a:t> </a:t>
+            </a:r>
+            <a:r>
+              <a:rPr kumimoji="0" lang="it-IT" sz="1400" b="0" i="0" u="none" strike="noStrike" cap="none" normalizeH="0" baseline="0" dirty="0" err="1" smtClean="0">
+                <a:ln>
+                  <a:noFill/>
+                </a:ln>
+                <a:solidFill>
+                  <a:schemeClr val="tx1"/>
+                </a:solidFill>
+                <a:effectLst/>
+                <a:latin typeface="Arial"/>
+                <a:ea typeface="ＭＳ Ｐゴシック" charset="0"/>
+                <a:cs typeface="Arial"/>
+              </a:rPr>
+              <a:t>EntityManagerFactory</a:t>
+            </a:r>
+            <a:endParaRPr kumimoji="0" lang="it-IT" sz="1600" b="0" i="0" u="none" strike="noStrike" cap="none" normalizeH="0" baseline="0" dirty="0">
+              <a:ln>
+                <a:noFill/>
+              </a:ln>
+              <a:solidFill>
+                <a:schemeClr val="tx1"/>
+              </a:solidFill>
+              <a:effectLst/>
+              <a:latin typeface="Arial"/>
+              <a:ea typeface="ＭＳ Ｐゴシック" charset="0"/>
+              <a:cs typeface="Arial"/>
+            </a:endParaRPr>
+          </a:p>
+        </p:txBody>
+      </p:sp>
+      <p:sp>
+        <p:nvSpPr>
+          <p:cNvPr id="12" name="Rettangolo arrotondato 11"/>
+          <p:cNvSpPr/>
+          <p:nvPr/>
+        </p:nvSpPr>
+        <p:spPr bwMode="auto">
+          <a:xfrm>
+            <a:off x="3347864" y="4725144"/>
+            <a:ext cx="2880320" cy="279648"/>
+          </a:xfrm>
+          <a:prstGeom prst="roundRect">
+            <a:avLst/>
+          </a:prstGeom>
+          <a:solidFill>
+            <a:schemeClr val="bg2">
+              <a:lumMod val="40000"/>
+              <a:lumOff val="60000"/>
+            </a:schemeClr>
+          </a:solidFill>
+          <a:ln>
+            <a:solidFill>
+              <a:schemeClr val="tx1"/>
+            </a:solidFill>
+            <a:headEnd type="none" w="med" len="med"/>
+            <a:tailEnd type="none" w="med" len="med"/>
+          </a:ln>
+          <a:extLst/>
+        </p:spPr>
+        <p:style>
+          <a:lnRef idx="1">
+            <a:schemeClr val="accent4"/>
+          </a:lnRef>
+          <a:fillRef idx="2">
+            <a:schemeClr val="accent4"/>
+          </a:fillRef>
+          <a:effectRef idx="1">
+            <a:schemeClr val="accent4"/>
+          </a:effectRef>
+          <a:fontRef idx="minor">
+            <a:schemeClr val="dk1"/>
+          </a:fontRef>
+        </p:style>
+        <p:txBody>
+          <a:bodyPr vert="horz" wrap="square" lIns="91440" tIns="45720" rIns="91440" bIns="45720" numCol="1" rtlCol="0" anchor="ctr" anchorCtr="0" compatLnSpc="1">
+            <a:prstTxWarp prst="textNoShape">
+              <a:avLst/>
+            </a:prstTxWarp>
+          </a:bodyPr>
+          <a:lstStyle/>
+          <a:p>
+            <a:pPr marL="0" marR="0" indent="0" algn="ctr" defTabSz="449263" rtl="0" eaLnBrk="0" fontAlgn="base" latinLnBrk="0" hangingPunct="0">
+              <a:lnSpc>
+                <a:spcPct val="93000"/>
+              </a:lnSpc>
+              <a:spcBef>
+                <a:spcPct val="0"/>
+              </a:spcBef>
+              <a:spcAft>
+                <a:spcPct val="0"/>
+              </a:spcAft>
+              <a:buClr>
+                <a:srgbClr val="000000"/>
+              </a:buClr>
+              <a:buSzPct val="100000"/>
+              <a:buFont typeface="Times New Roman" charset="0"/>
+              <a:buNone/>
+              <a:tabLst/>
+            </a:pPr>
+            <a:r>
+              <a:rPr kumimoji="0" lang="it-IT" sz="1400" b="0" i="0" u="none" strike="noStrike" cap="none" normalizeH="0" baseline="0" dirty="0" smtClean="0">
+                <a:ln>
+                  <a:noFill/>
+                </a:ln>
+                <a:solidFill>
+                  <a:schemeClr val="tx1"/>
+                </a:solidFill>
+                <a:effectLst/>
+                <a:latin typeface="Arial"/>
+                <a:ea typeface="ＭＳ Ｐゴシック" charset="0"/>
+                <a:cs typeface="Arial"/>
+              </a:rPr>
+              <a:t>AWS </a:t>
+            </a:r>
+            <a:r>
+              <a:rPr kumimoji="0" lang="it-IT" sz="1400" b="0" i="0" u="none" strike="noStrike" cap="none" normalizeH="0" baseline="0" dirty="0" err="1" smtClean="0">
+                <a:ln>
+                  <a:noFill/>
+                </a:ln>
+                <a:solidFill>
+                  <a:schemeClr val="tx1"/>
+                </a:solidFill>
+                <a:effectLst/>
+                <a:latin typeface="Arial"/>
+                <a:ea typeface="ＭＳ Ｐゴシック" charset="0"/>
+                <a:cs typeface="Arial"/>
+              </a:rPr>
+              <a:t>EntityManager</a:t>
+            </a:r>
+            <a:endParaRPr kumimoji="0" lang="it-IT" sz="1600" b="0" i="0" u="none" strike="noStrike" cap="none" normalizeH="0" baseline="0" dirty="0">
+              <a:ln>
+                <a:noFill/>
+              </a:ln>
+              <a:solidFill>
+                <a:schemeClr val="tx1"/>
+              </a:solidFill>
+              <a:effectLst/>
+              <a:latin typeface="Arial"/>
+              <a:ea typeface="ＭＳ Ｐゴシック" charset="0"/>
+              <a:cs typeface="Arial"/>
+            </a:endParaRPr>
+          </a:p>
+        </p:txBody>
+      </p:sp>
+      <p:sp>
+        <p:nvSpPr>
+          <p:cNvPr id="13" name="Rettangolo arrotondato 12"/>
+          <p:cNvSpPr/>
+          <p:nvPr/>
+        </p:nvSpPr>
+        <p:spPr bwMode="auto">
+          <a:xfrm>
+            <a:off x="3347864" y="5085184"/>
+            <a:ext cx="2880320" cy="279648"/>
+          </a:xfrm>
+          <a:prstGeom prst="roundRect">
+            <a:avLst/>
+          </a:prstGeom>
+          <a:solidFill>
+            <a:schemeClr val="bg2">
+              <a:lumMod val="40000"/>
+              <a:lumOff val="60000"/>
+            </a:schemeClr>
+          </a:solidFill>
+          <a:ln>
+            <a:solidFill>
+              <a:schemeClr val="tx1"/>
+            </a:solidFill>
+            <a:headEnd type="none" w="med" len="med"/>
+            <a:tailEnd type="none" w="med" len="med"/>
+          </a:ln>
+          <a:extLst/>
+        </p:spPr>
+        <p:style>
+          <a:lnRef idx="1">
+            <a:schemeClr val="accent4"/>
+          </a:lnRef>
+          <a:fillRef idx="2">
+            <a:schemeClr val="accent4"/>
+          </a:fillRef>
+          <a:effectRef idx="1">
+            <a:schemeClr val="accent4"/>
+          </a:effectRef>
+          <a:fontRef idx="minor">
+            <a:schemeClr val="dk1"/>
+          </a:fontRef>
+        </p:style>
+        <p:txBody>
+          <a:bodyPr vert="horz" wrap="square" lIns="91440" tIns="45720" rIns="91440" bIns="45720" numCol="1" rtlCol="0" anchor="ctr" anchorCtr="0" compatLnSpc="1">
+            <a:prstTxWarp prst="textNoShape">
+              <a:avLst/>
+            </a:prstTxWarp>
+          </a:bodyPr>
+          <a:lstStyle/>
+          <a:p>
+            <a:pPr marL="0" marR="0" indent="0" algn="ctr" defTabSz="449263" rtl="0" eaLnBrk="0" fontAlgn="base" latinLnBrk="0" hangingPunct="0">
+              <a:lnSpc>
+                <a:spcPct val="93000"/>
+              </a:lnSpc>
+              <a:spcBef>
+                <a:spcPct val="0"/>
+              </a:spcBef>
+              <a:spcAft>
+                <a:spcPct val="0"/>
+              </a:spcAft>
+              <a:buClr>
+                <a:srgbClr val="000000"/>
+              </a:buClr>
+              <a:buSzPct val="100000"/>
+              <a:buFont typeface="Times New Roman" charset="0"/>
+              <a:buNone/>
+              <a:tabLst/>
+            </a:pPr>
+            <a:r>
+              <a:rPr kumimoji="0" lang="it-IT" sz="1400" b="0" i="0" u="none" strike="noStrike" cap="none" normalizeH="0" baseline="0" dirty="0" smtClean="0">
+                <a:ln>
+                  <a:noFill/>
+                </a:ln>
+                <a:solidFill>
+                  <a:schemeClr val="tx1"/>
+                </a:solidFill>
+                <a:effectLst/>
+                <a:latin typeface="Arial"/>
+                <a:ea typeface="ＭＳ Ｐゴシック" charset="0"/>
+                <a:cs typeface="Arial"/>
+              </a:rPr>
+              <a:t>AWS </a:t>
+            </a:r>
+            <a:r>
+              <a:rPr kumimoji="0" lang="it-IT" sz="1400" b="0" i="0" u="none" strike="noStrike" cap="none" normalizeH="0" baseline="0" dirty="0" err="1" smtClean="0">
+                <a:ln>
+                  <a:noFill/>
+                </a:ln>
+                <a:solidFill>
+                  <a:schemeClr val="tx1"/>
+                </a:solidFill>
+                <a:effectLst/>
+                <a:latin typeface="Arial"/>
+                <a:ea typeface="ＭＳ Ｐゴシック" charset="0"/>
+                <a:cs typeface="Arial"/>
+              </a:rPr>
+              <a:t>EntityManagerFactory</a:t>
+            </a:r>
+            <a:endParaRPr kumimoji="0" lang="it-IT" sz="1600" b="0" i="0" u="none" strike="noStrike" cap="none" normalizeH="0" baseline="0" dirty="0">
+              <a:ln>
+                <a:noFill/>
+              </a:ln>
+              <a:solidFill>
+                <a:schemeClr val="tx1"/>
+              </a:solidFill>
+              <a:effectLst/>
+              <a:latin typeface="Arial"/>
+              <a:ea typeface="ＭＳ Ｐゴシック" charset="0"/>
+              <a:cs typeface="Arial"/>
+            </a:endParaRPr>
+          </a:p>
+        </p:txBody>
+      </p:sp>
+      <p:sp>
+        <p:nvSpPr>
+          <p:cNvPr id="14" name="Rettangolo arrotondato 13"/>
+          <p:cNvSpPr/>
+          <p:nvPr/>
+        </p:nvSpPr>
+        <p:spPr bwMode="auto">
+          <a:xfrm>
+            <a:off x="3347864" y="5589240"/>
+            <a:ext cx="2880320" cy="279648"/>
+          </a:xfrm>
+          <a:prstGeom prst="roundRect">
+            <a:avLst/>
+          </a:prstGeom>
+          <a:solidFill>
+            <a:schemeClr val="bg2">
+              <a:lumMod val="40000"/>
+              <a:lumOff val="60000"/>
+            </a:schemeClr>
+          </a:solidFill>
+          <a:ln>
+            <a:solidFill>
+              <a:schemeClr val="tx1"/>
+            </a:solidFill>
+            <a:headEnd type="none" w="med" len="med"/>
+            <a:tailEnd type="none" w="med" len="med"/>
+          </a:ln>
+          <a:extLst/>
+        </p:spPr>
+        <p:style>
+          <a:lnRef idx="1">
+            <a:schemeClr val="accent4"/>
+          </a:lnRef>
+          <a:fillRef idx="2">
+            <a:schemeClr val="accent4"/>
+          </a:fillRef>
+          <a:effectRef idx="1">
+            <a:schemeClr val="accent4"/>
+          </a:effectRef>
+          <a:fontRef idx="minor">
+            <a:schemeClr val="dk1"/>
+          </a:fontRef>
+        </p:style>
+        <p:txBody>
+          <a:bodyPr vert="horz" wrap="square" lIns="91440" tIns="45720" rIns="91440" bIns="45720" numCol="1" rtlCol="0" anchor="ctr" anchorCtr="0" compatLnSpc="1">
+            <a:prstTxWarp prst="textNoShape">
+              <a:avLst/>
+            </a:prstTxWarp>
+          </a:bodyPr>
+          <a:lstStyle/>
+          <a:p>
+            <a:pPr marL="0" marR="0" indent="0" algn="ctr" defTabSz="449263" rtl="0" eaLnBrk="0" fontAlgn="base" latinLnBrk="0" hangingPunct="0">
+              <a:lnSpc>
+                <a:spcPct val="93000"/>
+              </a:lnSpc>
+              <a:spcBef>
+                <a:spcPct val="0"/>
+              </a:spcBef>
+              <a:spcAft>
+                <a:spcPct val="0"/>
+              </a:spcAft>
+              <a:buClr>
+                <a:srgbClr val="000000"/>
+              </a:buClr>
+              <a:buSzPct val="100000"/>
+              <a:buFont typeface="Times New Roman" charset="0"/>
+              <a:buNone/>
+              <a:tabLst/>
+            </a:pPr>
+            <a:r>
+              <a:rPr kumimoji="0" lang="it-IT" sz="1400" b="0" i="0" u="none" strike="noStrike" cap="none" normalizeH="0" baseline="0" dirty="0" smtClean="0">
+                <a:ln>
+                  <a:noFill/>
+                </a:ln>
+                <a:solidFill>
+                  <a:schemeClr val="tx1"/>
+                </a:solidFill>
+                <a:effectLst/>
+                <a:latin typeface="Arial"/>
+                <a:ea typeface="ＭＳ Ｐゴシック" charset="0"/>
+                <a:cs typeface="Arial"/>
+              </a:rPr>
+              <a:t>GAE </a:t>
+            </a:r>
+            <a:r>
+              <a:rPr kumimoji="0" lang="it-IT" sz="1400" b="0" i="0" u="none" strike="noStrike" cap="none" normalizeH="0" baseline="0" dirty="0" err="1" smtClean="0">
+                <a:ln>
+                  <a:noFill/>
+                </a:ln>
+                <a:solidFill>
+                  <a:schemeClr val="tx1"/>
+                </a:solidFill>
+                <a:effectLst/>
+                <a:latin typeface="Arial"/>
+                <a:ea typeface="ＭＳ Ｐゴシック" charset="0"/>
+                <a:cs typeface="Arial"/>
+              </a:rPr>
+              <a:t>EntityManager</a:t>
+            </a:r>
+            <a:endParaRPr kumimoji="0" lang="it-IT" sz="1600" b="0" i="0" u="none" strike="noStrike" cap="none" normalizeH="0" baseline="0" dirty="0">
+              <a:ln>
+                <a:noFill/>
+              </a:ln>
+              <a:solidFill>
+                <a:schemeClr val="tx1"/>
+              </a:solidFill>
+              <a:effectLst/>
+              <a:latin typeface="Arial"/>
+              <a:ea typeface="ＭＳ Ｐゴシック" charset="0"/>
+              <a:cs typeface="Arial"/>
+            </a:endParaRPr>
+          </a:p>
+        </p:txBody>
+      </p:sp>
+      <p:sp>
+        <p:nvSpPr>
+          <p:cNvPr id="15" name="Rettangolo arrotondato 14"/>
+          <p:cNvSpPr/>
+          <p:nvPr/>
+        </p:nvSpPr>
+        <p:spPr bwMode="auto">
+          <a:xfrm>
+            <a:off x="3347864" y="5949280"/>
+            <a:ext cx="2880320" cy="279648"/>
+          </a:xfrm>
+          <a:prstGeom prst="roundRect">
+            <a:avLst/>
+          </a:prstGeom>
+          <a:solidFill>
+            <a:schemeClr val="bg2">
+              <a:lumMod val="40000"/>
+              <a:lumOff val="60000"/>
+            </a:schemeClr>
+          </a:solidFill>
+          <a:ln>
+            <a:solidFill>
+              <a:schemeClr val="tx1"/>
+            </a:solidFill>
+            <a:headEnd type="none" w="med" len="med"/>
+            <a:tailEnd type="none" w="med" len="med"/>
+          </a:ln>
+          <a:extLst/>
+        </p:spPr>
+        <p:style>
+          <a:lnRef idx="1">
+            <a:schemeClr val="accent4"/>
+          </a:lnRef>
+          <a:fillRef idx="2">
+            <a:schemeClr val="accent4"/>
+          </a:fillRef>
+          <a:effectRef idx="1">
+            <a:schemeClr val="accent4"/>
+          </a:effectRef>
+          <a:fontRef idx="minor">
+            <a:schemeClr val="dk1"/>
+          </a:fontRef>
+        </p:style>
+        <p:txBody>
+          <a:bodyPr vert="horz" wrap="square" lIns="91440" tIns="45720" rIns="91440" bIns="45720" numCol="1" rtlCol="0" anchor="ctr" anchorCtr="0" compatLnSpc="1">
+            <a:prstTxWarp prst="textNoShape">
+              <a:avLst/>
+            </a:prstTxWarp>
+          </a:bodyPr>
+          <a:lstStyle/>
+          <a:p>
+            <a:pPr marL="0" marR="0" indent="0" algn="ctr" defTabSz="449263" rtl="0" eaLnBrk="0" fontAlgn="base" latinLnBrk="0" hangingPunct="0">
+              <a:lnSpc>
+                <a:spcPct val="93000"/>
+              </a:lnSpc>
+              <a:spcBef>
+                <a:spcPct val="0"/>
+              </a:spcBef>
+              <a:spcAft>
+                <a:spcPct val="0"/>
+              </a:spcAft>
+              <a:buClr>
+                <a:srgbClr val="000000"/>
+              </a:buClr>
+              <a:buSzPct val="100000"/>
+              <a:buFont typeface="Times New Roman" charset="0"/>
+              <a:buNone/>
+              <a:tabLst/>
+            </a:pPr>
+            <a:r>
+              <a:rPr kumimoji="0" lang="it-IT" sz="1400" b="0" i="0" u="none" strike="noStrike" cap="none" normalizeH="0" baseline="0" dirty="0" smtClean="0">
+                <a:ln>
+                  <a:noFill/>
+                </a:ln>
+                <a:solidFill>
+                  <a:schemeClr val="tx1"/>
+                </a:solidFill>
+                <a:effectLst/>
+                <a:latin typeface="Arial"/>
+                <a:ea typeface="ＭＳ Ｐゴシック" charset="0"/>
+                <a:cs typeface="Arial"/>
+              </a:rPr>
+              <a:t>GAE </a:t>
+            </a:r>
+            <a:r>
+              <a:rPr kumimoji="0" lang="it-IT" sz="1400" b="0" i="0" u="none" strike="noStrike" cap="none" normalizeH="0" baseline="0" dirty="0" err="1" smtClean="0">
+                <a:ln>
+                  <a:noFill/>
+                </a:ln>
+                <a:solidFill>
+                  <a:schemeClr val="tx1"/>
+                </a:solidFill>
+                <a:effectLst/>
+                <a:latin typeface="Arial"/>
+                <a:ea typeface="ＭＳ Ｐゴシック" charset="0"/>
+                <a:cs typeface="Arial"/>
+              </a:rPr>
+              <a:t>EntityManagerFactory</a:t>
+            </a:r>
+            <a:endParaRPr kumimoji="0" lang="it-IT" sz="1600" b="0" i="0" u="none" strike="noStrike" cap="none" normalizeH="0" baseline="0" dirty="0">
+              <a:ln>
+                <a:noFill/>
+              </a:ln>
+              <a:solidFill>
+                <a:schemeClr val="tx1"/>
+              </a:solidFill>
+              <a:effectLst/>
+              <a:latin typeface="Arial"/>
+              <a:ea typeface="ＭＳ Ｐゴシック" charset="0"/>
+              <a:cs typeface="Arial"/>
+            </a:endParaRPr>
+          </a:p>
+        </p:txBody>
+      </p:sp>
+      <p:cxnSp>
+        <p:nvCxnSpPr>
+          <p:cNvPr id="5" name="Connettore 2 4"/>
+          <p:cNvCxnSpPr/>
+          <p:nvPr/>
+        </p:nvCxnSpPr>
+        <p:spPr bwMode="auto">
+          <a:xfrm>
+            <a:off x="1979712" y="4149080"/>
+            <a:ext cx="1296144" cy="0"/>
+          </a:xfrm>
+          <a:prstGeom prst="straightConnector1">
+            <a:avLst/>
+          </a:prstGeom>
+          <a:solidFill>
+            <a:srgbClr val="00B8FF"/>
+          </a:solidFill>
+          <a:ln w="9525" cap="flat" cmpd="sng" algn="ctr">
+            <a:solidFill>
+              <a:schemeClr val="tx1"/>
+            </a:solidFill>
+            <a:prstDash val="solid"/>
+            <a:round/>
+            <a:headEnd type="none" w="med" len="med"/>
+            <a:tailEnd type="arrow"/>
+          </a:ln>
+          <a:effectLst/>
+          <a:extLst>
+            <a:ext uri="{AF507438-7753-43e0-B8FC-AC1667EBCBE1}">
+              <a14:hiddenEffects xmlns:a14="http://schemas.microsoft.com/office/drawing/2010/main">
+                <a:effectLst>
+                  <a:outerShdw blurRad="63500" dist="38099" dir="2700000" algn="ctr" rotWithShape="0">
+                    <a:schemeClr val="bg2">
+                      <a:alpha val="74998"/>
+                    </a:schemeClr>
+                  </a:outerShdw>
+                </a:effectLst>
+              </a14:hiddenEffects>
+            </a:ext>
+          </a:extLst>
+        </p:spPr>
+      </p:cxnSp>
+      <p:cxnSp>
+        <p:nvCxnSpPr>
+          <p:cNvPr id="26" name="Connettore 2 25"/>
+          <p:cNvCxnSpPr/>
+          <p:nvPr/>
+        </p:nvCxnSpPr>
+        <p:spPr bwMode="auto">
+          <a:xfrm>
+            <a:off x="1979712" y="5949280"/>
+            <a:ext cx="1296144" cy="0"/>
+          </a:xfrm>
+          <a:prstGeom prst="straightConnector1">
+            <a:avLst/>
+          </a:prstGeom>
+          <a:solidFill>
+            <a:srgbClr val="00B8FF"/>
+          </a:solidFill>
+          <a:ln w="9525" cap="flat" cmpd="sng" algn="ctr">
+            <a:solidFill>
+              <a:schemeClr val="tx1"/>
+            </a:solidFill>
+            <a:prstDash val="solid"/>
+            <a:round/>
+            <a:headEnd type="none" w="med" len="med"/>
+            <a:tailEnd type="arrow"/>
+          </a:ln>
+          <a:effectLst/>
+          <a:extLst>
+            <a:ext uri="{AF507438-7753-43e0-B8FC-AC1667EBCBE1}">
+              <a14:hiddenEffects xmlns:a14="http://schemas.microsoft.com/office/drawing/2010/main">
+                <a:effectLst>
+                  <a:outerShdw blurRad="63500" dist="38099" dir="2700000" algn="ctr" rotWithShape="0">
+                    <a:schemeClr val="bg2">
+                      <a:alpha val="74998"/>
+                    </a:schemeClr>
+                  </a:outerShdw>
+                </a:effectLst>
+              </a14:hiddenEffects>
+            </a:ext>
+          </a:extLst>
+        </p:spPr>
+      </p:cxnSp>
+      <p:cxnSp>
+        <p:nvCxnSpPr>
+          <p:cNvPr id="45" name="Connettore 2 44"/>
+          <p:cNvCxnSpPr/>
+          <p:nvPr/>
+        </p:nvCxnSpPr>
+        <p:spPr bwMode="auto">
+          <a:xfrm>
+            <a:off x="6300192" y="4149080"/>
+            <a:ext cx="432048" cy="0"/>
+          </a:xfrm>
+          <a:prstGeom prst="straightConnector1">
+            <a:avLst/>
+          </a:prstGeom>
+          <a:solidFill>
+            <a:srgbClr val="00B8FF"/>
+          </a:solidFill>
+          <a:ln w="9525" cap="flat" cmpd="sng" algn="ctr">
+            <a:solidFill>
+              <a:schemeClr val="tx1"/>
+            </a:solidFill>
+            <a:prstDash val="solid"/>
+            <a:round/>
+            <a:headEnd type="none" w="med" len="med"/>
+            <a:tailEnd type="arrow"/>
+          </a:ln>
+          <a:effectLst/>
+          <a:extLst>
+            <a:ext uri="{AF507438-7753-43e0-B8FC-AC1667EBCBE1}">
+              <a14:hiddenEffects xmlns:a14="http://schemas.microsoft.com/office/drawing/2010/main">
+                <a:effectLst>
+                  <a:outerShdw blurRad="63500" dist="38099" dir="2700000" algn="ctr" rotWithShape="0">
+                    <a:schemeClr val="bg2">
+                      <a:alpha val="74998"/>
+                    </a:schemeClr>
+                  </a:outerShdw>
+                </a:effectLst>
+              </a14:hiddenEffects>
+            </a:ext>
+          </a:extLst>
+        </p:spPr>
+      </p:cxnSp>
+      <p:cxnSp>
+        <p:nvCxnSpPr>
+          <p:cNvPr id="55" name="Connettore 2 54"/>
+          <p:cNvCxnSpPr/>
+          <p:nvPr/>
+        </p:nvCxnSpPr>
+        <p:spPr bwMode="auto">
+          <a:xfrm>
+            <a:off x="6300192" y="5085184"/>
+            <a:ext cx="432048" cy="0"/>
+          </a:xfrm>
+          <a:prstGeom prst="straightConnector1">
+            <a:avLst/>
+          </a:prstGeom>
+          <a:solidFill>
+            <a:srgbClr val="00B8FF"/>
+          </a:solidFill>
+          <a:ln w="9525" cap="flat" cmpd="sng" algn="ctr">
+            <a:solidFill>
+              <a:schemeClr val="tx1"/>
+            </a:solidFill>
+            <a:prstDash val="solid"/>
+            <a:round/>
+            <a:headEnd type="none" w="med" len="med"/>
+            <a:tailEnd type="arrow"/>
+          </a:ln>
+          <a:effectLst/>
+          <a:extLst>
+            <a:ext uri="{AF507438-7753-43e0-B8FC-AC1667EBCBE1}">
+              <a14:hiddenEffects xmlns:a14="http://schemas.microsoft.com/office/drawing/2010/main">
+                <a:effectLst>
+                  <a:outerShdw blurRad="63500" dist="38099" dir="2700000" algn="ctr" rotWithShape="0">
+                    <a:schemeClr val="bg2">
+                      <a:alpha val="74998"/>
+                    </a:schemeClr>
+                  </a:outerShdw>
+                </a:effectLst>
+              </a14:hiddenEffects>
+            </a:ext>
+          </a:extLst>
+        </p:spPr>
+      </p:cxnSp>
+      <p:cxnSp>
+        <p:nvCxnSpPr>
+          <p:cNvPr id="56" name="Connettore 2 55"/>
+          <p:cNvCxnSpPr/>
+          <p:nvPr/>
+        </p:nvCxnSpPr>
+        <p:spPr bwMode="auto">
+          <a:xfrm>
+            <a:off x="6300192" y="5949280"/>
+            <a:ext cx="432048" cy="0"/>
+          </a:xfrm>
+          <a:prstGeom prst="straightConnector1">
+            <a:avLst/>
+          </a:prstGeom>
+          <a:solidFill>
+            <a:srgbClr val="00B8FF"/>
+          </a:solidFill>
+          <a:ln w="9525" cap="flat" cmpd="sng" algn="ctr">
+            <a:solidFill>
+              <a:schemeClr val="tx1"/>
+            </a:solidFill>
+            <a:prstDash val="solid"/>
+            <a:round/>
+            <a:headEnd type="none" w="med" len="med"/>
+            <a:tailEnd type="arrow"/>
+          </a:ln>
+          <a:effectLst/>
+          <a:extLst>
+            <a:ext uri="{AF507438-7753-43e0-B8FC-AC1667EBCBE1}">
+              <a14:hiddenEffects xmlns:a14="http://schemas.microsoft.com/office/drawing/2010/main">
+                <a:effectLst>
+                  <a:outerShdw blurRad="63500" dist="38099" dir="2700000" algn="ctr" rotWithShape="0">
+                    <a:schemeClr val="bg2">
+                      <a:alpha val="74998"/>
+                    </a:schemeClr>
+                  </a:outerShdw>
+                </a:effectLst>
+              </a14:hiddenEffects>
+            </a:ext>
+          </a:extLst>
+        </p:spPr>
+      </p:cxnSp>
+      <p:sp>
+        <p:nvSpPr>
+          <p:cNvPr id="58" name="Rettangolo arrotondato 57"/>
+          <p:cNvSpPr/>
+          <p:nvPr/>
+        </p:nvSpPr>
+        <p:spPr bwMode="auto">
+          <a:xfrm>
+            <a:off x="467544" y="4725144"/>
+            <a:ext cx="2456656" cy="351656"/>
+          </a:xfrm>
+          <a:prstGeom prst="roundRect">
+            <a:avLst/>
+          </a:prstGeom>
+          <a:solidFill>
+            <a:schemeClr val="bg2">
+              <a:lumMod val="40000"/>
+              <a:lumOff val="60000"/>
+            </a:schemeClr>
+          </a:solidFill>
+          <a:ln>
+            <a:solidFill>
+              <a:schemeClr val="tx1"/>
+            </a:solidFill>
+            <a:headEnd type="none" w="med" len="med"/>
+            <a:tailEnd type="none" w="med" len="med"/>
+          </a:ln>
+          <a:extLst/>
+        </p:spPr>
+        <p:style>
+          <a:lnRef idx="1">
+            <a:schemeClr val="accent4"/>
+          </a:lnRef>
+          <a:fillRef idx="2">
+            <a:schemeClr val="accent4"/>
+          </a:fillRef>
+          <a:effectRef idx="1">
+            <a:schemeClr val="accent4"/>
+          </a:effectRef>
+          <a:fontRef idx="minor">
+            <a:schemeClr val="dk1"/>
+          </a:fontRef>
+        </p:style>
+        <p:txBody>
+          <a:bodyPr vert="horz" wrap="square" lIns="91440" tIns="45720" rIns="91440" bIns="45720" numCol="1" rtlCol="0" anchor="ctr" anchorCtr="0" compatLnSpc="1">
+            <a:prstTxWarp prst="textNoShape">
+              <a:avLst/>
+            </a:prstTxWarp>
+          </a:bodyPr>
+          <a:lstStyle/>
+          <a:p>
+            <a:pPr marL="0" marR="0" indent="0" algn="ctr" defTabSz="449263" rtl="0" eaLnBrk="0" fontAlgn="base" latinLnBrk="0" hangingPunct="0">
+              <a:lnSpc>
+                <a:spcPct val="93000"/>
+              </a:lnSpc>
+              <a:spcBef>
+                <a:spcPct val="0"/>
+              </a:spcBef>
+              <a:spcAft>
+                <a:spcPct val="0"/>
+              </a:spcAft>
+              <a:buClr>
+                <a:srgbClr val="000000"/>
+              </a:buClr>
+              <a:buSzPct val="100000"/>
+              <a:buFont typeface="Times New Roman" charset="0"/>
+              <a:buNone/>
+              <a:tabLst/>
+            </a:pPr>
+            <a:r>
+              <a:rPr kumimoji="0" lang="it-IT" sz="1400" b="0" i="0" u="none" strike="noStrike" cap="none" normalizeH="0" baseline="0" dirty="0" err="1" smtClean="0">
+                <a:ln>
+                  <a:noFill/>
+                </a:ln>
+                <a:solidFill>
+                  <a:schemeClr val="tx1"/>
+                </a:solidFill>
+                <a:effectLst/>
+                <a:latin typeface="Arial"/>
+                <a:ea typeface="ＭＳ Ｐゴシック" charset="0"/>
+                <a:cs typeface="Arial"/>
+              </a:rPr>
+              <a:t>CloudEntityManagerFactory</a:t>
+            </a:r>
+            <a:endParaRPr kumimoji="0" lang="it-IT" sz="1600" b="0" i="0" u="none" strike="noStrike" cap="none" normalizeH="0" baseline="0" dirty="0">
+              <a:ln>
+                <a:noFill/>
+              </a:ln>
+              <a:solidFill>
+                <a:schemeClr val="tx1"/>
+              </a:solidFill>
+              <a:effectLst/>
+              <a:latin typeface="Arial"/>
+              <a:ea typeface="ＭＳ Ｐゴシック" charset="0"/>
+              <a:cs typeface="Arial"/>
+            </a:endParaRPr>
+          </a:p>
+        </p:txBody>
+      </p:sp>
+      <p:cxnSp>
+        <p:nvCxnSpPr>
+          <p:cNvPr id="61" name="Connettore 2 60"/>
+          <p:cNvCxnSpPr/>
+          <p:nvPr/>
+        </p:nvCxnSpPr>
+        <p:spPr bwMode="auto">
+          <a:xfrm>
+            <a:off x="2987824" y="5085184"/>
+            <a:ext cx="288032" cy="0"/>
+          </a:xfrm>
+          <a:prstGeom prst="straightConnector1">
+            <a:avLst/>
+          </a:prstGeom>
+          <a:solidFill>
+            <a:srgbClr val="00B8FF"/>
+          </a:solidFill>
+          <a:ln w="9525" cap="flat" cmpd="sng" algn="ctr">
+            <a:solidFill>
+              <a:schemeClr val="tx1"/>
+            </a:solidFill>
+            <a:prstDash val="solid"/>
+            <a:round/>
+            <a:headEnd type="none" w="med" len="med"/>
+            <a:tailEnd type="arrow"/>
+          </a:ln>
+          <a:effectLst/>
+          <a:extLst>
+            <a:ext uri="{AF507438-7753-43e0-B8FC-AC1667EBCBE1}">
+              <a14:hiddenEffects xmlns:a14="http://schemas.microsoft.com/office/drawing/2010/main">
+                <a:effectLst>
+                  <a:outerShdw blurRad="63500" dist="38099" dir="2700000" algn="ctr" rotWithShape="0">
+                    <a:schemeClr val="bg2">
+                      <a:alpha val="74998"/>
+                    </a:schemeClr>
+                  </a:outerShdw>
+                </a:effectLst>
+              </a14:hiddenEffects>
+            </a:ext>
+          </a:extLst>
+        </p:spPr>
+      </p:cxnSp>
     </p:spTree>
   </p:cSld>
   <p:clrMapOvr>

--- a/presentation/ThesisPresentation.pptx
+++ b/presentation/ThesisPresentation.pptx
@@ -299,7 +299,7 @@
               <a:pPr>
                 <a:defRPr/>
               </a:pPr>
-              <a:t>25/04/15</a:t>
+              <a:t>26/04/15</a:t>
             </a:fld>
             <a:endParaRPr lang="it-IT"/>
           </a:p>
@@ -2510,18 +2510,108 @@
           <a:bodyPr wrap="none" anchor="ctr"/>
           <a:lstStyle/>
           <a:p>
-            <a:pPr>
+            <a:pPr marL="0" marR="0" indent="0" algn="l" defTabSz="449263" rtl="0" eaLnBrk="0" fontAlgn="base" latinLnBrk="0" hangingPunct="0">
+              <a:lnSpc>
+                <a:spcPct val="100000"/>
+              </a:lnSpc>
+              <a:spcBef>
+                <a:spcPct val="30000"/>
+              </a:spcBef>
+              <a:spcAft>
+                <a:spcPct val="0"/>
+              </a:spcAft>
+              <a:buClr>
+                <a:srgbClr val="000000"/>
+              </a:buClr>
+              <a:buSzPct val="100000"/>
+              <a:buFont typeface="Times New Roman" charset="0"/>
+              <a:buNone/>
+              <a:tabLst/>
               <a:defRPr/>
             </a:pPr>
+            <a:r>
+              <a:rPr lang="it-IT" dirty="0" err="1" smtClean="0">
+                <a:cs typeface="+mn-cs"/>
+              </a:rPr>
+              <a:t>S</a:t>
+            </a:r>
             <a:r>
               <a:rPr lang="en-US" dirty="0" err="1" smtClean="0">
                 <a:cs typeface="+mn-cs"/>
               </a:rPr>
-              <a:t>sharding</a:t>
+              <a:t>harding</a:t>
             </a:r>
             <a:endParaRPr lang="en-US" dirty="0" smtClean="0">
               <a:cs typeface="+mn-cs"/>
             </a:endParaRPr>
+          </a:p>
+          <a:p>
+            <a:pPr marL="0" marR="0" indent="0" algn="l" defTabSz="449263" rtl="0" eaLnBrk="0" fontAlgn="base" latinLnBrk="0" hangingPunct="0">
+              <a:lnSpc>
+                <a:spcPct val="100000"/>
+              </a:lnSpc>
+              <a:spcBef>
+                <a:spcPct val="30000"/>
+              </a:spcBef>
+              <a:spcAft>
+                <a:spcPct val="0"/>
+              </a:spcAft>
+              <a:buClr>
+                <a:srgbClr val="000000"/>
+              </a:buClr>
+              <a:buSzPct val="100000"/>
+              <a:buFont typeface="Times New Roman" charset="0"/>
+              <a:buNone/>
+              <a:tabLst/>
+              <a:defRPr/>
+            </a:pPr>
+            <a:r>
+              <a:rPr lang="en-US" sz="1200" kern="1200" baseline="0" dirty="0" smtClean="0">
+                <a:solidFill>
+                  <a:srgbClr val="000000"/>
+                </a:solidFill>
+                <a:latin typeface="Times New Roman" charset="0"/>
+                <a:ea typeface="ＭＳ Ｐゴシック" charset="0"/>
+                <a:cs typeface="ＭＳ Ｐゴシック" charset="0"/>
+              </a:rPr>
+              <a:t>Atomicity, Consistency, Isolation, Durability</a:t>
+            </a:r>
+            <a:endParaRPr lang="en-US" dirty="0" smtClean="0">
+              <a:cs typeface="+mn-cs"/>
+            </a:endParaRPr>
+          </a:p>
+          <a:p>
+            <a:pPr marL="0" marR="0" indent="0" algn="l" defTabSz="449263" rtl="0" eaLnBrk="0" fontAlgn="base" latinLnBrk="0" hangingPunct="0">
+              <a:lnSpc>
+                <a:spcPct val="100000"/>
+              </a:lnSpc>
+              <a:spcBef>
+                <a:spcPct val="30000"/>
+              </a:spcBef>
+              <a:spcAft>
+                <a:spcPct val="0"/>
+              </a:spcAft>
+              <a:buClr>
+                <a:srgbClr val="000000"/>
+              </a:buClr>
+              <a:buSzPct val="100000"/>
+              <a:buFont typeface="Times New Roman" charset="0"/>
+              <a:buNone/>
+              <a:tabLst/>
+              <a:defRPr/>
+            </a:pPr>
+            <a:r>
+              <a:rPr lang="en-US" dirty="0" smtClean="0">
+                <a:cs typeface="+mn-cs"/>
+              </a:rPr>
+              <a:t>Basically</a:t>
+            </a:r>
+            <a:r>
+              <a:rPr lang="en-US" baseline="0" dirty="0" smtClean="0">
+                <a:cs typeface="+mn-cs"/>
+              </a:rPr>
+              <a:t> Available, Soft state, Eventual consistency</a:t>
+            </a:r>
           </a:p>
         </p:txBody>
       </p:sp>
@@ -11687,43 +11777,16 @@
               <a:defRPr/>
             </a:pPr>
             <a:r>
-              <a:rPr lang="en-US" sz="1200" dirty="0" err="1" smtClean="0">
+              <a:rPr lang="it-IT" sz="1200" dirty="0" smtClean="0">
                 <a:solidFill>
                   <a:srgbClr val="003F6E"/>
                 </a:solidFill>
                 <a:latin typeface="Arial" charset="0"/>
               </a:rPr>
-              <a:t>Tesi</a:t>
+              <a:t>Tesi di Laurea </a:t>
             </a:r>
             <a:r>
-              <a:rPr lang="en-US" sz="1200" dirty="0" smtClean="0">
-                <a:solidFill>
-                  <a:srgbClr val="003F6E"/>
-                </a:solidFill>
-                <a:latin typeface="Arial" charset="0"/>
-              </a:rPr>
-              <a:t> di </a:t>
-            </a:r>
-            <a:r>
-              <a:rPr lang="en-US" sz="1200" dirty="0" err="1" smtClean="0">
-                <a:solidFill>
-                  <a:srgbClr val="003F6E"/>
-                </a:solidFill>
-                <a:latin typeface="Arial" charset="0"/>
-              </a:rPr>
-              <a:t>Laurea</a:t>
-            </a:r>
-            <a:r>
-              <a:rPr lang="en-US" sz="1200" dirty="0" smtClean="0">
-                <a:solidFill>
-                  <a:srgbClr val="003F6E"/>
-                </a:solidFill>
-                <a:latin typeface="Arial" charset="0"/>
-              </a:rPr>
-              <a:t> </a:t>
-            </a:r>
-            <a:r>
-              <a:rPr lang="en-US" sz="1200" dirty="0" err="1" smtClean="0">
+              <a:rPr lang="it-IT" sz="1200" noProof="0" dirty="0" smtClean="0">
                 <a:solidFill>
                   <a:srgbClr val="003F6E"/>
                 </a:solidFill>
@@ -11732,29 +11795,14 @@
               <a:t>Magistrale</a:t>
             </a:r>
             <a:r>
-              <a:rPr lang="en-US" sz="1200" dirty="0" smtClean="0">
+              <a:rPr lang="it-IT" sz="1200" dirty="0" smtClean="0">
                 <a:solidFill>
                   <a:srgbClr val="003F6E"/>
                 </a:solidFill>
                 <a:latin typeface="Arial" charset="0"/>
               </a:rPr>
-              <a:t> – Fabio </a:t>
+              <a:t> – Fabio Arcidiacono</a:t>
             </a:r>
-            <a:r>
-              <a:rPr lang="en-US" sz="1200" dirty="0" err="1" smtClean="0">
-                <a:solidFill>
-                  <a:srgbClr val="003F6E"/>
-                </a:solidFill>
-                <a:latin typeface="Arial" charset="0"/>
-              </a:rPr>
-              <a:t>Arcidiacono</a:t>
-            </a:r>
-            <a:endParaRPr lang="en-US" sz="1200" dirty="0" smtClean="0">
-              <a:solidFill>
-                <a:srgbClr val="003F6E"/>
-              </a:solidFill>
-              <a:latin typeface="Arial" charset="0"/>
-            </a:endParaRPr>
           </a:p>
         </p:txBody>
       </p:sp>
@@ -14776,25 +14824,7 @@
                 </a:solidFill>
                 <a:latin typeface="Arial" charset="0"/>
               </a:rPr>
-              <a:t>Avoiding CRUD operations lock-in in </a:t>
-            </a:r>
-            <a:r>
-              <a:rPr lang="en-US" sz="2800" b="1" dirty="0" err="1" smtClean="0">
-                <a:solidFill>
-                  <a:srgbClr val="004D82"/>
-                </a:solidFill>
-                <a:latin typeface="Arial" charset="0"/>
-              </a:rPr>
-              <a:t>NoSQL</a:t>
-            </a:r>
-            <a:r>
-              <a:rPr lang="en-US" sz="2800" b="1" dirty="0" smtClean="0">
-                <a:solidFill>
-                  <a:srgbClr val="004D82"/>
-                </a:solidFill>
-                <a:latin typeface="Arial" charset="0"/>
-              </a:rPr>
-              <a:t> databases: extension of the CPIM library</a:t>
+              <a:t>Avoiding CRUD operations lock-in in NoSQL databases: extension of the CPIM library</a:t>
             </a:r>
           </a:p>
           <a:p>
@@ -14808,40 +14838,13 @@
               <a:defRPr/>
             </a:pPr>
             <a:r>
-              <a:rPr lang="en-US" sz="2000" dirty="0" err="1" smtClean="0">
+              <a:rPr lang="it-IT" sz="2000" dirty="0" smtClean="0">
                 <a:solidFill>
                   <a:srgbClr val="004D82"/>
                 </a:solidFill>
                 <a:latin typeface="Arial" charset="0"/>
               </a:rPr>
-              <a:t>Candidato</a:t>
-            </a:r>
-            <a:r>
-              <a:rPr lang="en-US" sz="2000" dirty="0" smtClean="0">
-                <a:solidFill>
-                  <a:srgbClr val="004D82"/>
-                </a:solidFill>
-                <a:latin typeface="Arial" charset="0"/>
-              </a:rPr>
-              <a:t>: Fabio </a:t>
-            </a:r>
-            <a:r>
-              <a:rPr lang="en-US" sz="2000" dirty="0" err="1" smtClean="0">
-                <a:solidFill>
-                  <a:srgbClr val="004D82"/>
-                </a:solidFill>
-                <a:latin typeface="Arial" charset="0"/>
-              </a:rPr>
-              <a:t>Arcidiacono</a:t>
-            </a:r>
-            <a:r>
-              <a:rPr lang="en-US" sz="2000" dirty="0" smtClean="0">
-                <a:solidFill>
-                  <a:srgbClr val="004D82"/>
-                </a:solidFill>
-                <a:latin typeface="Arial" charset="0"/>
-              </a:rPr>
-              <a:t> (799001)</a:t>
+              <a:t>Candidato: Fabio Arcidiacono (799001)</a:t>
             </a:r>
           </a:p>
           <a:p>
@@ -14855,58 +14858,13 @@
               <a:defRPr/>
             </a:pPr>
             <a:r>
-              <a:rPr lang="en-US" sz="1600" dirty="0" err="1" smtClean="0">
+              <a:rPr lang="it-IT" sz="1600" dirty="0" smtClean="0">
                 <a:solidFill>
                   <a:srgbClr val="004D82"/>
                 </a:solidFill>
                 <a:latin typeface="Arial" charset="0"/>
               </a:rPr>
-              <a:t>Relatore</a:t>
-            </a:r>
-            <a:r>
-              <a:rPr lang="en-US" sz="1600" dirty="0" smtClean="0">
-                <a:solidFill>
-                  <a:srgbClr val="004D82"/>
-                </a:solidFill>
-                <a:latin typeface="Arial" charset="0"/>
-              </a:rPr>
-              <a:t>: </a:t>
-            </a:r>
-            <a:r>
-              <a:rPr lang="en-US" sz="1600" dirty="0" err="1" smtClean="0">
-                <a:solidFill>
-                  <a:srgbClr val="004D82"/>
-                </a:solidFill>
-                <a:latin typeface="Arial" charset="0"/>
-              </a:rPr>
-              <a:t>Prof.ssa</a:t>
-            </a:r>
-            <a:r>
-              <a:rPr lang="en-US" sz="1600" dirty="0" smtClean="0">
-                <a:solidFill>
-                  <a:srgbClr val="004D82"/>
-                </a:solidFill>
-                <a:latin typeface="Arial" charset="0"/>
-              </a:rPr>
-              <a:t> </a:t>
-            </a:r>
-            <a:r>
-              <a:rPr lang="en-US" sz="1600" dirty="0" err="1" smtClean="0">
-                <a:solidFill>
-                  <a:srgbClr val="004D82"/>
-                </a:solidFill>
-                <a:latin typeface="Arial" charset="0"/>
-              </a:rPr>
-              <a:t>Elisabetta</a:t>
-            </a:r>
-            <a:r>
-              <a:rPr lang="en-US" sz="1600" dirty="0" smtClean="0">
-                <a:solidFill>
-                  <a:srgbClr val="004D82"/>
-                </a:solidFill>
-                <a:latin typeface="Arial" charset="0"/>
-              </a:rPr>
-              <a:t> Di Nitto</a:t>
+              <a:t>Relatore: Prof.ssa Elisabetta Di Nitto</a:t>
             </a:r>
           </a:p>
           <a:p>
@@ -14920,56 +14878,14 @@
               <a:defRPr/>
             </a:pPr>
             <a:r>
-              <a:rPr lang="en-US" sz="1600" dirty="0" err="1" smtClean="0">
+              <a:rPr lang="it-IT" sz="1600" dirty="0" smtClean="0">
                 <a:solidFill>
                   <a:srgbClr val="004D82"/>
                 </a:solidFill>
                 <a:latin typeface="Arial" charset="0"/>
               </a:rPr>
-              <a:t>Correlatore</a:t>
+              <a:t>Correlatore: Ing. Marco Scavuzzo</a:t>
             </a:r>
-            <a:r>
-              <a:rPr lang="en-US" sz="1600" dirty="0" smtClean="0">
-                <a:solidFill>
-                  <a:srgbClr val="004D82"/>
-                </a:solidFill>
-                <a:latin typeface="Arial" charset="0"/>
-              </a:rPr>
-              <a:t>: </a:t>
-            </a:r>
-            <a:r>
-              <a:rPr lang="en-US" sz="1600" dirty="0" err="1" smtClean="0">
-                <a:solidFill>
-                  <a:srgbClr val="004D82"/>
-                </a:solidFill>
-                <a:latin typeface="Arial" charset="0"/>
-              </a:rPr>
-              <a:t>Ing</a:t>
-            </a:r>
-            <a:r>
-              <a:rPr lang="en-US" sz="1600" dirty="0" smtClean="0">
-                <a:solidFill>
-                  <a:srgbClr val="004D82"/>
-                </a:solidFill>
-                <a:latin typeface="Arial" charset="0"/>
-              </a:rPr>
-              <a:t>. Marco </a:t>
-            </a:r>
-            <a:r>
-              <a:rPr lang="en-US" sz="1600" dirty="0" err="1" smtClean="0">
-                <a:solidFill>
-                  <a:srgbClr val="004D82"/>
-                </a:solidFill>
-                <a:latin typeface="Arial" charset="0"/>
-              </a:rPr>
-              <a:t>Scavuzzo</a:t>
-            </a:r>
-            <a:endParaRPr lang="en-US" sz="1600" dirty="0" smtClean="0">
-              <a:solidFill>
-                <a:srgbClr val="004D82"/>
-              </a:solidFill>
-              <a:latin typeface="Arial" charset="0"/>
-            </a:endParaRPr>
           </a:p>
         </p:txBody>
       </p:sp>
@@ -15818,92 +15734,14 @@
               <a:defRPr/>
             </a:pPr>
             <a:r>
-              <a:rPr lang="en-US" sz="2600" b="1" dirty="0" err="1" smtClean="0">
+              <a:rPr lang="it-IT" sz="2600" b="1" smtClean="0">
                 <a:solidFill>
                   <a:srgbClr val="004D82"/>
                 </a:solidFill>
                 <a:latin typeface="Arial" charset="0"/>
               </a:rPr>
-              <a:t>Corso</a:t>
+              <a:t>Corso di Laurea Magistrale in Ingegneria Informatica</a:t>
             </a:r>
-            <a:r>
-              <a:rPr lang="en-US" sz="2600" b="1" dirty="0" smtClean="0">
-                <a:solidFill>
-                  <a:srgbClr val="004D82"/>
-                </a:solidFill>
-                <a:latin typeface="Arial" charset="0"/>
-              </a:rPr>
-              <a:t> di </a:t>
-            </a:r>
-            <a:r>
-              <a:rPr lang="en-US" sz="2600" b="1" dirty="0" err="1" smtClean="0">
-                <a:solidFill>
-                  <a:srgbClr val="004D82"/>
-                </a:solidFill>
-                <a:latin typeface="Arial" charset="0"/>
-              </a:rPr>
-              <a:t>Laurea</a:t>
-            </a:r>
-            <a:r>
-              <a:rPr lang="en-US" sz="2600" b="1" dirty="0" smtClean="0">
-                <a:solidFill>
-                  <a:srgbClr val="004D82"/>
-                </a:solidFill>
-                <a:latin typeface="Arial" charset="0"/>
-              </a:rPr>
-              <a:t> </a:t>
-            </a:r>
-            <a:r>
-              <a:rPr lang="en-US" sz="2600" b="1" dirty="0" err="1" smtClean="0">
-                <a:solidFill>
-                  <a:srgbClr val="004D82"/>
-                </a:solidFill>
-                <a:latin typeface="Arial" charset="0"/>
-              </a:rPr>
-              <a:t>Magistrale</a:t>
-            </a:r>
-            <a:r>
-              <a:rPr lang="en-US" sz="2600" b="1" dirty="0" smtClean="0">
-                <a:solidFill>
-                  <a:srgbClr val="004D82"/>
-                </a:solidFill>
-                <a:latin typeface="Arial" charset="0"/>
-              </a:rPr>
-              <a:t> in </a:t>
-            </a:r>
-            <a:r>
-              <a:rPr lang="en-US" sz="2600" b="1" dirty="0" err="1" smtClean="0">
-                <a:solidFill>
-                  <a:srgbClr val="004D82"/>
-                </a:solidFill>
-                <a:latin typeface="Arial" charset="0"/>
-              </a:rPr>
-              <a:t>Ingegneria</a:t>
-            </a:r>
-            <a:r>
-              <a:rPr lang="en-US" sz="2600" b="1" dirty="0" smtClean="0">
-                <a:solidFill>
-                  <a:srgbClr val="004D82"/>
-                </a:solidFill>
-                <a:latin typeface="Arial" charset="0"/>
-              </a:rPr>
-              <a:t> </a:t>
-            </a:r>
-            <a:r>
-              <a:rPr lang="en-US" sz="2600" b="1" dirty="0" err="1" smtClean="0">
-                <a:solidFill>
-                  <a:srgbClr val="004D82"/>
-                </a:solidFill>
-                <a:latin typeface="Arial" charset="0"/>
-              </a:rPr>
-              <a:t>Informatica</a:t>
-            </a:r>
-            <a:endParaRPr lang="en-US" sz="2600" b="1" dirty="0" smtClean="0">
-              <a:solidFill>
-                <a:srgbClr val="004D82"/>
-              </a:solidFill>
-              <a:latin typeface="Arial" charset="0"/>
-            </a:endParaRPr>
           </a:p>
         </p:txBody>
       </p:sp>
@@ -16324,31 +16162,13 @@
               <a:defRPr/>
             </a:pPr>
             <a:r>
-              <a:rPr lang="en-US" sz="1600" dirty="0" smtClean="0">
+              <a:rPr lang="it-IT" sz="1600" smtClean="0">
                 <a:solidFill>
                   <a:srgbClr val="004D82"/>
                 </a:solidFill>
                 <a:latin typeface="Arial" charset="0"/>
               </a:rPr>
-              <a:t>Anno </a:t>
-            </a:r>
-            <a:r>
-              <a:rPr lang="en-US" sz="1600" dirty="0" err="1" smtClean="0">
-                <a:solidFill>
-                  <a:srgbClr val="004D82"/>
-                </a:solidFill>
-                <a:latin typeface="Arial" charset="0"/>
-              </a:rPr>
-              <a:t>Accademico</a:t>
-            </a:r>
-            <a:r>
-              <a:rPr lang="en-US" sz="1600" dirty="0" smtClean="0">
-                <a:solidFill>
-                  <a:srgbClr val="004D82"/>
-                </a:solidFill>
-                <a:latin typeface="Arial" charset="0"/>
-              </a:rPr>
-              <a:t> 2013 - 2014</a:t>
+              <a:t>Anno Accademico 2013 - 2014</a:t>
             </a:r>
           </a:p>
         </p:txBody>
@@ -16819,7 +16639,7 @@
             <a:pPr>
               <a:defRPr/>
             </a:pPr>
-            <a:endParaRPr lang="it-IT" b="1" dirty="0" smtClean="0">
+            <a:endParaRPr lang="en-US" b="1" dirty="0" smtClean="0">
               <a:solidFill>
                 <a:srgbClr val="003F6E"/>
               </a:solidFill>
@@ -16831,29 +16651,14 @@
               <a:defRPr/>
             </a:pPr>
             <a:r>
-              <a:rPr lang="it-IT" b="1" dirty="0" smtClean="0">
+              <a:rPr lang="en-US" b="1" dirty="0" smtClean="0">
                 <a:solidFill>
                   <a:srgbClr val="003F6E"/>
                 </a:solidFill>
                 <a:latin typeface="Arial" charset="0"/>
               </a:rPr>
-              <a:t>Kundera </a:t>
+              <a:t>Kundera integration</a:t>
             </a:r>
-            <a:r>
-              <a:rPr lang="it-IT" b="1" dirty="0" err="1" smtClean="0">
-                <a:solidFill>
-                  <a:srgbClr val="003F6E"/>
-                </a:solidFill>
-                <a:latin typeface="Arial" charset="0"/>
-              </a:rPr>
-              <a:t>integration</a:t>
-            </a:r>
-            <a:endParaRPr lang="it-IT" b="1" dirty="0" smtClean="0">
-              <a:solidFill>
-                <a:srgbClr val="003F6E"/>
-              </a:solidFill>
-              <a:latin typeface="Arial" charset="0"/>
-            </a:endParaRPr>
           </a:p>
         </p:txBody>
       </p:sp>
@@ -17286,16 +17091,7 @@
                 </a:solidFill>
                 <a:latin typeface="Arial" charset="0"/>
               </a:rPr>
-              <a:t>Single persistence </a:t>
-            </a:r>
-            <a:r>
-              <a:rPr lang="en-US" sz="2000" dirty="0" smtClean="0">
-                <a:solidFill>
-                  <a:srgbClr val="003F6E"/>
-                </a:solidFill>
-                <a:latin typeface="Arial" charset="0"/>
-              </a:rPr>
-              <a:t>provider</a:t>
+              <a:t>Single persistence provider</a:t>
             </a:r>
           </a:p>
           <a:p>
@@ -17312,38 +17108,14 @@
               <a:defRPr/>
             </a:pPr>
             <a:r>
-              <a:rPr lang="it-IT" sz="2000" dirty="0" smtClean="0">
+              <a:rPr lang="en-US" sz="2000" dirty="0" smtClean="0">
                 <a:solidFill>
                   <a:srgbClr val="003F6E"/>
                 </a:solidFill>
                 <a:latin typeface="Arial" charset="0"/>
               </a:rPr>
-              <a:t>C</a:t>
+              <a:t>Complete code portability</a:t>
             </a:r>
-            <a:r>
-              <a:rPr lang="en-US" sz="2000" dirty="0" err="1" smtClean="0">
-                <a:solidFill>
-                  <a:srgbClr val="003F6E"/>
-                </a:solidFill>
-                <a:latin typeface="Arial" charset="0"/>
-              </a:rPr>
-              <a:t>omplete</a:t>
-            </a:r>
-            <a:r>
-              <a:rPr lang="en-US" sz="2000" dirty="0" smtClean="0">
-                <a:solidFill>
-                  <a:srgbClr val="003F6E"/>
-                </a:solidFill>
-                <a:latin typeface="Arial" charset="0"/>
-              </a:rPr>
-              <a:t> code portability</a:t>
-            </a:r>
-            <a:endParaRPr lang="en-US" sz="2000" dirty="0" smtClean="0">
-              <a:solidFill>
-                <a:srgbClr val="003F6E"/>
-              </a:solidFill>
-              <a:latin typeface="Arial" charset="0"/>
-            </a:endParaRPr>
           </a:p>
           <a:p>
             <a:pPr marL="344487" indent="-342900">
@@ -17359,65 +17131,14 @@
               <a:defRPr/>
             </a:pPr>
             <a:r>
-              <a:rPr lang="it-IT" sz="2000" dirty="0" err="1" smtClean="0">
+              <a:rPr lang="en-US" sz="2000" dirty="0" smtClean="0">
                 <a:solidFill>
                   <a:srgbClr val="003F6E"/>
                 </a:solidFill>
                 <a:latin typeface="Arial" charset="0"/>
               </a:rPr>
-              <a:t>NoSQL</a:t>
+              <a:t>NoSQL support inherited by Kundera</a:t>
             </a:r>
-            <a:r>
-              <a:rPr lang="it-IT" sz="2000" dirty="0" smtClean="0">
-                <a:solidFill>
-                  <a:srgbClr val="003F6E"/>
-                </a:solidFill>
-                <a:latin typeface="Arial" charset="0"/>
-              </a:rPr>
-              <a:t> </a:t>
-            </a:r>
-            <a:r>
-              <a:rPr lang="it-IT" sz="2000" dirty="0" err="1" smtClean="0">
-                <a:solidFill>
-                  <a:srgbClr val="003F6E"/>
-                </a:solidFill>
-                <a:latin typeface="Arial" charset="0"/>
-              </a:rPr>
-              <a:t>support</a:t>
-            </a:r>
-            <a:r>
-              <a:rPr lang="it-IT" sz="2000" dirty="0" smtClean="0">
-                <a:solidFill>
-                  <a:srgbClr val="003F6E"/>
-                </a:solidFill>
-                <a:latin typeface="Arial" charset="0"/>
-              </a:rPr>
-              <a:t> </a:t>
-            </a:r>
-            <a:r>
-              <a:rPr lang="en-US" sz="2000" dirty="0" smtClean="0">
-                <a:solidFill>
-                  <a:srgbClr val="003F6E"/>
-                </a:solidFill>
-                <a:latin typeface="Arial" charset="0"/>
-              </a:rPr>
-              <a:t>inherited by </a:t>
-            </a:r>
-            <a:r>
-              <a:rPr lang="en-US" sz="2000" dirty="0" err="1" smtClean="0">
-                <a:solidFill>
-                  <a:srgbClr val="003F6E"/>
-                </a:solidFill>
-                <a:latin typeface="Arial" charset="0"/>
-              </a:rPr>
-              <a:t>Kundera</a:t>
-            </a:r>
-            <a:endParaRPr lang="en-US" sz="2000" dirty="0" smtClean="0">
-              <a:solidFill>
-                <a:srgbClr val="003F6E"/>
-              </a:solidFill>
-              <a:latin typeface="Arial" charset="0"/>
-            </a:endParaRPr>
           </a:p>
           <a:p>
             <a:pPr marL="344487" indent="-342900">
@@ -17433,58 +17154,13 @@
               <a:defRPr/>
             </a:pPr>
             <a:r>
-              <a:rPr lang="it-IT" sz="2000" dirty="0" smtClean="0">
+              <a:rPr lang="en-US" sz="2000" dirty="0" smtClean="0">
                 <a:solidFill>
                   <a:srgbClr val="003F6E"/>
                 </a:solidFill>
                 <a:latin typeface="Arial" charset="0"/>
               </a:rPr>
-              <a:t>E</a:t>
-            </a:r>
-            <a:r>
-              <a:rPr lang="en-US" sz="2000" dirty="0" err="1" smtClean="0">
-                <a:solidFill>
-                  <a:srgbClr val="003F6E"/>
-                </a:solidFill>
-                <a:latin typeface="Arial" charset="0"/>
-              </a:rPr>
-              <a:t>asier</a:t>
-            </a:r>
-            <a:r>
-              <a:rPr lang="en-US" sz="2000" dirty="0" smtClean="0">
-                <a:solidFill>
-                  <a:srgbClr val="003F6E"/>
-                </a:solidFill>
-                <a:latin typeface="Arial" charset="0"/>
-              </a:rPr>
-              <a:t> C</a:t>
-            </a:r>
-            <a:r>
-              <a:rPr lang="it-IT" sz="2000" dirty="0" smtClean="0">
-                <a:solidFill>
-                  <a:srgbClr val="003F6E"/>
-                </a:solidFill>
-                <a:latin typeface="Arial" charset="0"/>
-              </a:rPr>
-              <a:t>o</a:t>
-            </a:r>
-            <a:r>
-              <a:rPr lang="en-US" sz="2000" dirty="0" err="1" smtClean="0">
-                <a:solidFill>
-                  <a:srgbClr val="003F6E"/>
-                </a:solidFill>
-                <a:latin typeface="Arial" charset="0"/>
-              </a:rPr>
-              <a:t>nfiguration</a:t>
-            </a:r>
-            <a:r>
-              <a:rPr lang="en-US" sz="2000" dirty="0" smtClean="0">
-                <a:solidFill>
-                  <a:srgbClr val="003F6E"/>
-                </a:solidFill>
-                <a:latin typeface="Arial" charset="0"/>
-              </a:rPr>
-              <a:t> through standard </a:t>
+              <a:t>Easier Configuration through standard </a:t>
             </a:r>
             <a:r>
               <a:rPr lang="en-US" sz="2000" dirty="0" err="1" smtClean="0">
@@ -17528,13 +17204,13 @@
               <a:defRPr/>
             </a:pPr>
             <a:fld id="{19D86E07-C462-224E-91AB-D10FF92E24FE}" type="slidenum">
-              <a:rPr/>
+              <a:rPr lang="en-US" smtClean="0"/>
               <a:pPr>
                 <a:defRPr/>
               </a:pPr>
               <a:t>10</a:t>
             </a:fld>
-            <a:endParaRPr dirty="0"/>
+            <a:endParaRPr lang="en-US"/>
           </a:p>
         </p:txBody>
       </p:sp>
@@ -17622,7 +17298,7 @@
                 <a:tabLst/>
               </a:pPr>
               <a:r>
-                <a:rPr kumimoji="0" lang="it-IT" sz="1400" b="0" i="0" u="none" strike="noStrike" cap="none" normalizeH="0" baseline="0" dirty="0" err="1" smtClean="0">
+                <a:rPr kumimoji="0" lang="en-US" sz="1400" b="0" i="0" u="none" strike="noStrike" cap="none" normalizeH="0" baseline="0" smtClean="0">
                   <a:ln>
                     <a:noFill/>
                   </a:ln>
@@ -17636,7 +17312,7 @@
                 </a:rPr>
                 <a:t>CloudEntityManager</a:t>
               </a:r>
-              <a:endParaRPr kumimoji="0" lang="it-IT" sz="1600" b="0" i="0" u="none" strike="noStrike" cap="none" normalizeH="0" baseline="0" dirty="0">
+              <a:endParaRPr kumimoji="0" lang="en-US" sz="1600" b="0" i="0" u="none" strike="noStrike" cap="none" normalizeH="0" baseline="0">
                 <a:ln>
                   <a:noFill/>
                 </a:ln>
@@ -17721,7 +17397,7 @@
                 <a:tabLst/>
               </a:pPr>
               <a:r>
-                <a:rPr kumimoji="0" lang="it-IT" sz="1600" b="0" i="0" u="none" strike="noStrike" cap="none" normalizeH="0" baseline="0" dirty="0" smtClean="0">
+                <a:rPr kumimoji="0" lang="en-US" sz="1600" b="0" i="0" u="none" strike="noStrike" cap="none" normalizeH="0" baseline="0" dirty="0" smtClean="0">
                   <a:ln>
                     <a:noFill/>
                   </a:ln>
@@ -17735,7 +17411,7 @@
                 </a:rPr>
                 <a:t>Kundera</a:t>
               </a:r>
-              <a:endParaRPr kumimoji="0" lang="it-IT" sz="1800" b="0" i="0" u="none" strike="noStrike" cap="none" normalizeH="0" baseline="0" dirty="0">
+              <a:endParaRPr kumimoji="0" lang="en-US" sz="1800" b="0" i="0" u="none" strike="noStrike" cap="none" normalizeH="0" baseline="0" dirty="0">
                 <a:ln>
                   <a:noFill/>
                 </a:ln>
@@ -17820,7 +17496,7 @@
                 <a:tabLst/>
               </a:pPr>
               <a:r>
-                <a:rPr kumimoji="0" lang="it-IT" sz="1400" b="0" i="0" u="none" strike="noStrike" cap="none" normalizeH="0" baseline="0" dirty="0" err="1" smtClean="0">
+                <a:rPr kumimoji="0" lang="en-US" sz="1400" b="0" i="0" u="none" strike="noStrike" cap="none" normalizeH="0" baseline="0" smtClean="0">
                   <a:ln>
                     <a:noFill/>
                   </a:ln>
@@ -17834,7 +17510,7 @@
                 </a:rPr>
                 <a:t>CloudEntityManagerFactory</a:t>
               </a:r>
-              <a:endParaRPr kumimoji="0" lang="it-IT" sz="1600" b="0" i="0" u="none" strike="noStrike" cap="none" normalizeH="0" baseline="0" dirty="0">
+              <a:endParaRPr kumimoji="0" lang="en-US" sz="1600" b="0" i="0" u="none" strike="noStrike" cap="none" normalizeH="0" baseline="0">
                 <a:ln>
                   <a:noFill/>
                 </a:ln>
@@ -18358,7 +18034,7 @@
             <a:pPr>
               <a:defRPr/>
             </a:pPr>
-            <a:endParaRPr lang="it-IT" b="1" dirty="0" smtClean="0">
+            <a:endParaRPr lang="en-US" b="1" smtClean="0">
               <a:solidFill>
                 <a:srgbClr val="003F6E"/>
               </a:solidFill>
@@ -18370,29 +18046,14 @@
               <a:defRPr/>
             </a:pPr>
             <a:r>
-              <a:rPr lang="it-IT" b="1" dirty="0" smtClean="0">
+              <a:rPr lang="en-US" b="1" smtClean="0">
                 <a:solidFill>
                   <a:srgbClr val="003F6E"/>
                 </a:solidFill>
                 <a:latin typeface="Arial" charset="0"/>
               </a:rPr>
-              <a:t>Work </a:t>
+              <a:t>Work objectives</a:t>
             </a:r>
-            <a:r>
-              <a:rPr lang="it-IT" b="1" dirty="0" err="1" smtClean="0">
-                <a:solidFill>
-                  <a:srgbClr val="003F6E"/>
-                </a:solidFill>
-                <a:latin typeface="Arial" charset="0"/>
-              </a:rPr>
-              <a:t>objectives</a:t>
-            </a:r>
-            <a:endParaRPr lang="it-IT" b="1" dirty="0" smtClean="0">
-              <a:solidFill>
-                <a:srgbClr val="003F6E"/>
-              </a:solidFill>
-              <a:latin typeface="Arial" charset="0"/>
-            </a:endParaRPr>
           </a:p>
         </p:txBody>
       </p:sp>
@@ -18420,13 +18081,13 @@
               <a:defRPr/>
             </a:pPr>
             <a:fld id="{9DF601D4-73D7-A345-AD94-45660F7ACBC3}" type="slidenum">
-              <a:rPr/>
+              <a:rPr lang="en-US" smtClean="0"/>
               <a:pPr>
                 <a:defRPr/>
               </a:pPr>
               <a:t>11</a:t>
             </a:fld>
-            <a:endParaRPr dirty="0"/>
+            <a:endParaRPr lang="en-US"/>
           </a:p>
         </p:txBody>
       </p:sp>
@@ -18475,22 +18136,13 @@
               <a:defRPr/>
             </a:pPr>
             <a:r>
-              <a:rPr lang="it-IT" sz="2000" dirty="0">
+              <a:rPr lang="en-US" sz="2000" dirty="0" smtClean="0">
                 <a:solidFill>
                   <a:srgbClr val="A6A6A6"/>
                 </a:solidFill>
                 <a:latin typeface="Arial" charset="0"/>
               </a:rPr>
-              <a:t>Integrate Kundera in the CPIM </a:t>
-            </a:r>
-            <a:r>
-              <a:rPr lang="it-IT" sz="2000" dirty="0" err="1" smtClean="0">
-                <a:solidFill>
-                  <a:srgbClr val="A6A6A6"/>
-                </a:solidFill>
-                <a:latin typeface="Arial" charset="0"/>
-              </a:rPr>
-              <a:t>library</a:t>
+              <a:t>Integrate Kundera in the CPIM library</a:t>
             </a:r>
             <a:endParaRPr lang="en-US" sz="2000" dirty="0">
               <a:solidFill>
@@ -18541,49 +18193,13 @@
               </a:spcBef>
             </a:pPr>
             <a:r>
-              <a:rPr lang="it-IT" sz="2000" dirty="0" err="1">
+              <a:rPr lang="en-US" sz="2000" dirty="0" smtClean="0">
                 <a:solidFill>
                   <a:srgbClr val="003F6E"/>
                 </a:solidFill>
                 <a:latin typeface="Arial" charset="0"/>
               </a:rPr>
-              <a:t>Contribute</a:t>
-            </a:r>
-            <a:r>
-              <a:rPr lang="it-IT" sz="2000" dirty="0">
-                <a:solidFill>
-                  <a:srgbClr val="003F6E"/>
-                </a:solidFill>
-                <a:latin typeface="Arial" charset="0"/>
-              </a:rPr>
-              <a:t> to the open source </a:t>
-            </a:r>
-            <a:r>
-              <a:rPr lang="it-IT" sz="2000" dirty="0" err="1">
-                <a:solidFill>
-                  <a:srgbClr val="003F6E"/>
-                </a:solidFill>
-                <a:latin typeface="Arial" charset="0"/>
-              </a:rPr>
-              <a:t>project</a:t>
-            </a:r>
-            <a:r>
-              <a:rPr lang="it-IT" sz="2000" dirty="0">
-                <a:solidFill>
-                  <a:srgbClr val="003F6E"/>
-                </a:solidFill>
-                <a:latin typeface="Arial" charset="0"/>
-              </a:rPr>
-              <a:t> </a:t>
-            </a:r>
-            <a:r>
-              <a:rPr lang="it-IT" sz="2000" dirty="0" err="1" smtClean="0">
-                <a:solidFill>
-                  <a:srgbClr val="003F6E"/>
-                </a:solidFill>
-                <a:latin typeface="Arial" charset="0"/>
-              </a:rPr>
-              <a:t>Kudera</a:t>
+              <a:t>Contribute to the open source project Kundera</a:t>
             </a:r>
             <a:endParaRPr lang="en-US" sz="2000" dirty="0">
               <a:solidFill>
@@ -18639,78 +18255,15 @@
               </a:spcBef>
             </a:pPr>
             <a:r>
-              <a:rPr lang="it-IT" sz="2000" dirty="0" smtClean="0">
+              <a:rPr lang="en-US" sz="2000" smtClean="0">
                 <a:solidFill>
                   <a:srgbClr val="A6A6A6"/>
                 </a:solidFill>
                 <a:latin typeface="Arial" charset="0"/>
               </a:rPr>
-              <a:t>Integrate the </a:t>
+              <a:t>Integrate the migration and synchronization system Hegira</a:t>
             </a:r>
-            <a:r>
-              <a:rPr lang="it-IT" sz="2000" dirty="0" err="1">
-                <a:solidFill>
-                  <a:srgbClr val="A6A6A6"/>
-                </a:solidFill>
-                <a:latin typeface="Arial" charset="0"/>
-              </a:rPr>
-              <a:t>migration</a:t>
-            </a:r>
-            <a:r>
-              <a:rPr lang="it-IT" sz="2000" dirty="0">
-                <a:solidFill>
-                  <a:srgbClr val="A6A6A6"/>
-                </a:solidFill>
-                <a:latin typeface="Arial" charset="0"/>
-              </a:rPr>
-              <a:t> and </a:t>
-            </a:r>
-            <a:r>
-              <a:rPr lang="it-IT" sz="2000" dirty="0" err="1">
-                <a:solidFill>
-                  <a:srgbClr val="A6A6A6"/>
-                </a:solidFill>
-                <a:latin typeface="Arial" charset="0"/>
-              </a:rPr>
-              <a:t>synchronization</a:t>
-            </a:r>
-            <a:r>
-              <a:rPr lang="it-IT" sz="2000" dirty="0">
-                <a:solidFill>
-                  <a:srgbClr val="A6A6A6"/>
-                </a:solidFill>
-                <a:latin typeface="Arial" charset="0"/>
-              </a:rPr>
-              <a:t> </a:t>
-            </a:r>
-            <a:r>
-              <a:rPr lang="it-IT" sz="2000" dirty="0" err="1">
-                <a:solidFill>
-                  <a:srgbClr val="A6A6A6"/>
-                </a:solidFill>
-                <a:latin typeface="Arial" charset="0"/>
-              </a:rPr>
-              <a:t>system</a:t>
-            </a:r>
-            <a:r>
-              <a:rPr lang="it-IT" sz="2000" dirty="0">
-                <a:solidFill>
-                  <a:srgbClr val="A6A6A6"/>
-                </a:solidFill>
-                <a:latin typeface="Arial" charset="0"/>
-              </a:rPr>
-              <a:t> </a:t>
-            </a:r>
-            <a:r>
-              <a:rPr lang="it-IT" sz="2000" dirty="0" err="1">
-                <a:solidFill>
-                  <a:srgbClr val="A6A6A6"/>
-                </a:solidFill>
-                <a:latin typeface="Arial" charset="0"/>
-              </a:rPr>
-              <a:t>Hegira</a:t>
-            </a:r>
-            <a:endParaRPr lang="en-US" sz="2000" dirty="0">
+            <a:endParaRPr lang="en-US" sz="2000">
               <a:solidFill>
                 <a:srgbClr val="A6A6A6"/>
               </a:solidFill>
@@ -18764,7 +18317,7 @@
               </a:spcBef>
             </a:pPr>
             <a:r>
-              <a:rPr lang="it-IT" sz="2000" dirty="0">
+              <a:rPr lang="en-US" sz="2000" smtClean="0">
                 <a:solidFill>
                   <a:srgbClr val="A6A6A6"/>
                 </a:solidFill>
@@ -18772,7 +18325,7 @@
               </a:rPr>
               <a:t>Evaluation</a:t>
             </a:r>
-            <a:endParaRPr lang="en-US" sz="2000" dirty="0">
+            <a:endParaRPr lang="en-US" sz="2000">
               <a:solidFill>
                 <a:srgbClr val="A6A6A6"/>
               </a:solidFill>
@@ -19252,7 +18805,7 @@
             <a:pPr>
               <a:defRPr/>
             </a:pPr>
-            <a:endParaRPr lang="it-IT" b="1" dirty="0" smtClean="0">
+            <a:endParaRPr lang="en-US" b="1" dirty="0" smtClean="0">
               <a:solidFill>
                 <a:srgbClr val="003F6E"/>
               </a:solidFill>
@@ -19264,22 +18817,13 @@
               <a:defRPr/>
             </a:pPr>
             <a:r>
-              <a:rPr lang="it-IT" b="1" dirty="0" err="1" smtClean="0">
+              <a:rPr lang="en-US" b="1" dirty="0" smtClean="0">
                 <a:solidFill>
                   <a:srgbClr val="003F6E"/>
                 </a:solidFill>
                 <a:latin typeface="Arial" charset="0"/>
               </a:rPr>
-              <a:t>Contributions</a:t>
-            </a:r>
-            <a:r>
-              <a:rPr lang="it-IT" b="1" dirty="0" smtClean="0">
-                <a:solidFill>
-                  <a:srgbClr val="003F6E"/>
-                </a:solidFill>
-                <a:latin typeface="Arial" charset="0"/>
-              </a:rPr>
-              <a:t> to Kundera</a:t>
+              <a:t>Contributions to Kundera</a:t>
             </a:r>
           </a:p>
         </p:txBody>
@@ -19294,7 +18838,7 @@
         </p:nvSpPr>
         <p:spPr bwMode="auto">
           <a:xfrm>
-            <a:off x="539750" y="1052513"/>
+            <a:off x="323528" y="1052513"/>
             <a:ext cx="7991475" cy="4537075"/>
           </a:xfrm>
           <a:prstGeom prst="rect">
@@ -19711,11 +19255,11 @@
                 </a:solidFill>
                 <a:latin typeface="Arial" charset="0"/>
               </a:rPr>
-              <a:t>Paradigm shift</a:t>
+              <a:t>   Paradigm shift</a:t>
             </a:r>
           </a:p>
           <a:p>
-            <a:pPr marL="344487" indent="-342900">
+            <a:pPr marL="746124" lvl="1" indent="-342900">
               <a:lnSpc>
                 <a:spcPct val="150000"/>
               </a:lnSpc>
@@ -19728,27 +19272,17 @@
               <a:defRPr/>
             </a:pPr>
             <a:r>
-              <a:rPr lang="it-IT" sz="2000" dirty="0" err="1" smtClean="0">
+              <a:rPr lang="en-US" sz="2000" dirty="0" smtClean="0">
                 <a:solidFill>
                   <a:srgbClr val="003F6E"/>
                 </a:solidFill>
                 <a:latin typeface="Arial" charset="0"/>
                 <a:sym typeface="Wingdings"/>
               </a:rPr>
-              <a:t>support</a:t>
+              <a:t>Off-premises databases  </a:t>
             </a:r>
             <a:r>
-              <a:rPr lang="it-IT" sz="2000" dirty="0" smtClean="0">
-                <a:solidFill>
-                  <a:srgbClr val="003F6E"/>
-                </a:solidFill>
-                <a:latin typeface="Arial" charset="0"/>
-                <a:sym typeface="Wingdings"/>
-              </a:rPr>
-              <a:t> for </a:t>
-            </a:r>
-            <a:r>
-              <a:rPr lang="it-IT" sz="2000" dirty="0" err="1" smtClean="0">
+              <a:rPr lang="en-US" sz="2000" dirty="0" err="1" smtClean="0">
                 <a:solidFill>
                   <a:srgbClr val="003F6E"/>
                 </a:solidFill>
@@ -19758,35 +19292,18 @@
               <a:t>DaaS</a:t>
             </a:r>
             <a:r>
-              <a:rPr lang="it-IT" sz="2000" dirty="0" smtClean="0">
+              <a:rPr lang="en-US" sz="2000" dirty="0" smtClean="0">
                 <a:solidFill>
                   <a:srgbClr val="003F6E"/>
                 </a:solidFill>
                 <a:latin typeface="Arial" charset="0"/>
                 <a:sym typeface="Wingdings"/>
               </a:rPr>
-              <a:t> </a:t>
+              <a:t> solutions</a:t>
             </a:r>
-            <a:r>
-              <a:rPr lang="it-IT" sz="2000" dirty="0" err="1" smtClean="0">
-                <a:solidFill>
-                  <a:srgbClr val="003F6E"/>
-                </a:solidFill>
-                <a:latin typeface="Arial" charset="0"/>
-                <a:sym typeface="Wingdings"/>
-              </a:rPr>
-              <a:t>solutions</a:t>
-            </a:r>
-            <a:endParaRPr lang="it-IT" sz="2000" dirty="0">
-              <a:solidFill>
-                <a:srgbClr val="003F6E"/>
-              </a:solidFill>
-              <a:latin typeface="Arial" charset="0"/>
-              <a:sym typeface="Wingdings"/>
-            </a:endParaRPr>
-          </a:p>
-          <a:p>
-            <a:pPr marL="344487" indent="-342900">
+          </a:p>
+          <a:p>
+            <a:pPr marL="746124" lvl="1" indent="-342900">
               <a:lnSpc>
                 <a:spcPct val="150000"/>
               </a:lnSpc>
@@ -19799,57 +19316,17 @@
               <a:defRPr/>
             </a:pPr>
             <a:r>
-              <a:rPr lang="it-IT" sz="2000" dirty="0" smtClean="0">
+              <a:rPr lang="en-US" sz="2000" dirty="0" smtClean="0">
                 <a:solidFill>
                   <a:srgbClr val="003F6E"/>
                 </a:solidFill>
                 <a:latin typeface="Arial" charset="0"/>
                 <a:sym typeface="Wingdings"/>
               </a:rPr>
-              <a:t>                 Bug </a:t>
+              <a:t>                 Bug fix Kundera deploy on </a:t>
             </a:r>
             <a:r>
-              <a:rPr lang="it-IT" sz="2000" dirty="0" err="1" smtClean="0">
-                <a:solidFill>
-                  <a:srgbClr val="003F6E"/>
-                </a:solidFill>
-                <a:latin typeface="Arial" charset="0"/>
-                <a:sym typeface="Wingdings"/>
-              </a:rPr>
-              <a:t>fix</a:t>
-            </a:r>
-            <a:r>
-              <a:rPr lang="it-IT" sz="2000" dirty="0" smtClean="0">
-                <a:solidFill>
-                  <a:srgbClr val="003F6E"/>
-                </a:solidFill>
-                <a:latin typeface="Arial" charset="0"/>
-                <a:sym typeface="Wingdings"/>
-              </a:rPr>
-              <a:t> Kundera </a:t>
-            </a:r>
-            <a:r>
-              <a:rPr lang="it-IT" sz="2000" dirty="0" err="1" smtClean="0">
-                <a:solidFill>
-                  <a:srgbClr val="003F6E"/>
-                </a:solidFill>
-                <a:latin typeface="Arial" charset="0"/>
-                <a:sym typeface="Wingdings"/>
-              </a:rPr>
-              <a:t>deploy</a:t>
-            </a:r>
-            <a:r>
-              <a:rPr lang="it-IT" sz="2000" dirty="0" smtClean="0">
-                <a:solidFill>
-                  <a:srgbClr val="003F6E"/>
-                </a:solidFill>
-                <a:latin typeface="Arial" charset="0"/>
-                <a:sym typeface="Wingdings"/>
-              </a:rPr>
-              <a:t> on </a:t>
-            </a:r>
-            <a:r>
-              <a:rPr lang="it-IT" sz="2000" dirty="0" err="1" smtClean="0">
+              <a:rPr lang="en-US" sz="2000" dirty="0" err="1" smtClean="0">
                 <a:solidFill>
                   <a:srgbClr val="003F6E"/>
                 </a:solidFill>
@@ -19859,7 +19336,7 @@
               <a:t>PaaS</a:t>
             </a:r>
             <a:r>
-              <a:rPr lang="it-IT" sz="2000" dirty="0" smtClean="0">
+              <a:rPr lang="en-US" sz="2000" dirty="0" smtClean="0">
                 <a:solidFill>
                   <a:srgbClr val="003F6E"/>
                 </a:solidFill>
@@ -19868,13 +19345,6 @@
               </a:rPr>
               <a:t> </a:t>
             </a:r>
-            <a:endParaRPr lang="it-IT" sz="2000" dirty="0">
-              <a:solidFill>
-                <a:srgbClr val="003F6E"/>
-              </a:solidFill>
-              <a:latin typeface="Arial" charset="0"/>
-              <a:sym typeface="Wingdings"/>
-            </a:endParaRPr>
           </a:p>
           <a:p>
             <a:pPr marL="1587" indent="0">
@@ -19887,7 +19357,7 @@
               <a:buClrTx/>
               <a:defRPr/>
             </a:pPr>
-            <a:endParaRPr lang="it-IT" sz="2000" dirty="0">
+            <a:endParaRPr lang="en-US" sz="2000" dirty="0" smtClean="0">
               <a:solidFill>
                 <a:srgbClr val="003F6E"/>
               </a:solidFill>
@@ -19907,95 +19377,18 @@
               <a:defRPr/>
             </a:pPr>
             <a:r>
-              <a:rPr lang="it-IT" sz="2000" dirty="0" smtClean="0">
+              <a:rPr lang="en-US" sz="2000" dirty="0" smtClean="0">
                 <a:solidFill>
                   <a:srgbClr val="003F6E"/>
                 </a:solidFill>
                 <a:latin typeface="Arial" charset="0"/>
                 <a:sym typeface="Wingdings"/>
               </a:rPr>
-              <a:t>              </a:t>
+              <a:t>                 two newly developed clients</a:t>
             </a:r>
-            <a:r>
-              <a:rPr lang="it-IT" sz="2000" dirty="0" err="1" smtClean="0">
-                <a:solidFill>
-                  <a:srgbClr val="003F6E"/>
-                </a:solidFill>
-                <a:latin typeface="Arial" charset="0"/>
-                <a:sym typeface="Wingdings"/>
-              </a:rPr>
-              <a:t>Two</a:t>
-            </a:r>
-            <a:r>
-              <a:rPr lang="it-IT" sz="2000" dirty="0" smtClean="0">
-                <a:solidFill>
-                  <a:srgbClr val="003F6E"/>
-                </a:solidFill>
-                <a:latin typeface="Arial" charset="0"/>
-                <a:sym typeface="Wingdings"/>
-              </a:rPr>
-              <a:t> </a:t>
-            </a:r>
-            <a:r>
-              <a:rPr lang="it-IT" sz="2000" dirty="0" err="1" smtClean="0">
-                <a:solidFill>
-                  <a:srgbClr val="003F6E"/>
-                </a:solidFill>
-                <a:latin typeface="Arial" charset="0"/>
-                <a:sym typeface="Wingdings"/>
-              </a:rPr>
-              <a:t>newly</a:t>
-            </a:r>
-            <a:r>
-              <a:rPr lang="it-IT" sz="2000" dirty="0" smtClean="0">
-                <a:solidFill>
-                  <a:srgbClr val="003F6E"/>
-                </a:solidFill>
-                <a:latin typeface="Arial" charset="0"/>
-                <a:sym typeface="Wingdings"/>
-              </a:rPr>
-              <a:t> </a:t>
-            </a:r>
-            <a:r>
-              <a:rPr lang="it-IT" sz="2000" dirty="0" err="1" smtClean="0">
-                <a:solidFill>
-                  <a:srgbClr val="003F6E"/>
-                </a:solidFill>
-                <a:latin typeface="Arial" charset="0"/>
-                <a:sym typeface="Wingdings"/>
-              </a:rPr>
-              <a:t>developed</a:t>
-            </a:r>
-            <a:r>
-              <a:rPr lang="it-IT" sz="2000" dirty="0" smtClean="0">
-                <a:solidFill>
-                  <a:srgbClr val="003F6E"/>
-                </a:solidFill>
-                <a:latin typeface="Arial" charset="0"/>
-                <a:sym typeface="Wingdings"/>
-              </a:rPr>
-              <a:t> </a:t>
-            </a:r>
-            <a:r>
-              <a:rPr lang="it-IT" sz="2000" dirty="0" smtClean="0">
-                <a:solidFill>
-                  <a:srgbClr val="003F6E"/>
-                </a:solidFill>
-                <a:latin typeface="Arial" charset="0"/>
-                <a:sym typeface="Wingdings"/>
-              </a:rPr>
-              <a:t>clients</a:t>
-            </a:r>
-            <a:endParaRPr lang="it-IT" sz="2000" dirty="0" smtClean="0">
-              <a:solidFill>
-                <a:srgbClr val="003F6E"/>
-              </a:solidFill>
-              <a:latin typeface="Arial" charset="0"/>
-              <a:sym typeface="Wingdings"/>
-            </a:endParaRPr>
-          </a:p>
-          <a:p>
-            <a:pPr marL="344487" indent="-342900">
+          </a:p>
+          <a:p>
+            <a:pPr marL="746124" lvl="1" indent="-342900">
               <a:lnSpc>
                 <a:spcPct val="150000"/>
               </a:lnSpc>
@@ -20008,27 +19401,17 @@
               <a:defRPr/>
             </a:pPr>
             <a:r>
-              <a:rPr lang="it-IT" sz="2000" dirty="0" err="1" smtClean="0">
+              <a:rPr lang="en-US" sz="2000" dirty="0" smtClean="0">
                 <a:solidFill>
                   <a:srgbClr val="003F6E"/>
                 </a:solidFill>
                 <a:latin typeface="Arial" charset="0"/>
                 <a:sym typeface="Wingdings"/>
               </a:rPr>
-              <a:t>Azure</a:t>
+              <a:t>Azure Tables</a:t>
             </a:r>
             <a:r>
-              <a:rPr lang="it-IT" sz="2000" dirty="0" smtClean="0">
-                <a:solidFill>
-                  <a:srgbClr val="003F6E"/>
-                </a:solidFill>
-                <a:latin typeface="Arial" charset="0"/>
-                <a:sym typeface="Wingdings"/>
-              </a:rPr>
-              <a:t> Tables</a:t>
-            </a:r>
-            <a:r>
-              <a:rPr lang="it-IT" sz="1800" baseline="30000" dirty="0" smtClean="0">
+              <a:rPr lang="en-US" sz="1800" baseline="30000" dirty="0" smtClean="0">
                 <a:solidFill>
                   <a:srgbClr val="003F6E"/>
                 </a:solidFill>
@@ -20037,7 +19420,7 @@
               </a:rPr>
               <a:t>1</a:t>
             </a:r>
-            <a:endParaRPr lang="it-IT" sz="2000" baseline="30000" dirty="0" smtClean="0">
+            <a:endParaRPr lang="en-US" sz="2000" baseline="30000" dirty="0" smtClean="0">
               <a:solidFill>
                 <a:srgbClr val="003F6E"/>
               </a:solidFill>
@@ -20046,7 +19429,7 @@
             </a:endParaRPr>
           </a:p>
           <a:p>
-            <a:pPr marL="344487" indent="-342900">
+            <a:pPr marL="746124" lvl="1" indent="-342900">
               <a:lnSpc>
                 <a:spcPct val="150000"/>
               </a:lnSpc>
@@ -20059,7 +19442,7 @@
               <a:defRPr/>
             </a:pPr>
             <a:r>
-              <a:rPr lang="it-IT" sz="2000" dirty="0" smtClean="0">
+              <a:rPr lang="en-US" sz="2000" dirty="0" smtClean="0">
                 <a:solidFill>
                   <a:srgbClr val="003F6E"/>
                 </a:solidFill>
@@ -20069,7 +19452,7 @@
               <a:t>GAE Datastore</a:t>
             </a:r>
             <a:r>
-              <a:rPr lang="it-IT" sz="2000" baseline="30000" dirty="0" smtClean="0">
+              <a:rPr lang="en-US" sz="2000" baseline="30000" dirty="0" smtClean="0">
                 <a:solidFill>
                   <a:srgbClr val="003F6E"/>
                 </a:solidFill>
@@ -20141,13 +19524,13 @@
               <a:defRPr/>
             </a:pPr>
             <a:fld id="{5F2B45FD-4A8F-5F48-94E8-654A42E4086C}" type="slidenum">
-              <a:rPr/>
+              <a:rPr lang="en-US" smtClean="0"/>
               <a:pPr>
                 <a:defRPr/>
               </a:pPr>
               <a:t>12</a:t>
             </a:fld>
-            <a:endParaRPr dirty="0"/>
+            <a:endParaRPr lang="en-US"/>
           </a:p>
         </p:txBody>
       </p:sp>
@@ -20174,7 +19557,7 @@
         </p:blipFill>
         <p:spPr bwMode="auto">
           <a:xfrm>
-            <a:off x="900113" y="2205038"/>
+            <a:off x="1043608" y="2205038"/>
             <a:ext cx="1041400" cy="355600"/>
           </a:xfrm>
           <a:prstGeom prst="rect">
@@ -20257,7 +19640,7 @@
               </a:lnSpc>
             </a:pPr>
             <a:r>
-              <a:rPr lang="it-IT" sz="1800" baseline="30000">
+              <a:rPr lang="en-US" sz="1800" baseline="30000" smtClean="0">
                 <a:solidFill>
                   <a:srgbClr val="003F6E"/>
                 </a:solidFill>
@@ -20267,7 +19650,7 @@
               <a:t>1: </a:t>
             </a:r>
             <a:r>
-              <a:rPr lang="de-DE" sz="1800" baseline="30000">
+              <a:rPr lang="en-US" sz="1800" baseline="30000" smtClean="0">
                 <a:solidFill>
                   <a:srgbClr val="003F6E"/>
                 </a:solidFill>
@@ -20278,7 +19661,7 @@
               <a:t>https://github.com/deib-polimi/kundera-azure-table</a:t>
             </a:r>
             <a:r>
-              <a:rPr lang="de-DE" sz="1800" baseline="30000">
+              <a:rPr lang="en-US" sz="1800" baseline="30000" smtClean="0">
                 <a:solidFill>
                   <a:srgbClr val="003F6E"/>
                 </a:solidFill>
@@ -20288,7 +19671,7 @@
               <a:t>   		</a:t>
             </a:r>
             <a:br>
-              <a:rPr lang="de-DE" sz="1800" baseline="30000">
+              <a:rPr lang="en-US" sz="1800" baseline="30000" smtClean="0">
                 <a:solidFill>
                   <a:srgbClr val="003F6E"/>
                 </a:solidFill>
@@ -20297,7 +19680,7 @@
               </a:rPr>
             </a:br>
             <a:r>
-              <a:rPr lang="it-IT" sz="1800" baseline="30000">
+              <a:rPr lang="en-US" sz="1800" baseline="30000" smtClean="0">
                 <a:solidFill>
                   <a:srgbClr val="003F6E"/>
                 </a:solidFill>
@@ -20307,7 +19690,7 @@
               <a:t>2: </a:t>
             </a:r>
             <a:r>
-              <a:rPr lang="de-DE" sz="1800" baseline="30000">
+              <a:rPr lang="en-US" sz="1800" baseline="30000" smtClean="0">
                 <a:solidFill>
                   <a:srgbClr val="003F6E"/>
                 </a:solidFill>
@@ -20317,7 +19700,7 @@
               </a:rPr>
               <a:t>https://github.com/deib-polimi/kundera-gae-datastore</a:t>
             </a:r>
-            <a:endParaRPr lang="it-IT" sz="1800"/>
+            <a:endParaRPr lang="en-US" sz="1800"/>
           </a:p>
         </p:txBody>
       </p:sp>
@@ -20817,7 +20200,7 @@
             <a:pPr>
               <a:defRPr/>
             </a:pPr>
-            <a:endParaRPr lang="it-IT" b="1" dirty="0" smtClean="0">
+            <a:endParaRPr lang="en-US" b="1" smtClean="0">
               <a:solidFill>
                 <a:srgbClr val="003F6E"/>
               </a:solidFill>
@@ -20829,22 +20212,13 @@
               <a:defRPr/>
             </a:pPr>
             <a:r>
-              <a:rPr lang="it-IT" b="1" dirty="0" err="1" smtClean="0">
+              <a:rPr lang="en-US" b="1" smtClean="0">
                 <a:solidFill>
                   <a:srgbClr val="003F6E"/>
                 </a:solidFill>
                 <a:latin typeface="Arial" charset="0"/>
               </a:rPr>
-              <a:t>Developed</a:t>
-            </a:r>
-            <a:r>
-              <a:rPr lang="it-IT" b="1" dirty="0" smtClean="0">
-                <a:solidFill>
-                  <a:srgbClr val="003F6E"/>
-                </a:solidFill>
-                <a:latin typeface="Arial" charset="0"/>
-              </a:rPr>
-              <a:t> clients</a:t>
+              <a:t>Developed clients</a:t>
             </a:r>
           </a:p>
         </p:txBody>
@@ -20873,13 +20247,13 @@
               <a:defRPr/>
             </a:pPr>
             <a:fld id="{9863E8A4-740C-D642-97E0-A99CAE93B142}" type="slidenum">
-              <a:rPr/>
+              <a:rPr lang="en-US" smtClean="0"/>
               <a:pPr>
                 <a:defRPr/>
               </a:pPr>
               <a:t>13</a:t>
             </a:fld>
-            <a:endParaRPr dirty="0"/>
+            <a:endParaRPr lang="en-US"/>
           </a:p>
         </p:txBody>
       </p:sp>
@@ -20905,7 +20279,7 @@
         </p:blipFill>
         <p:spPr>
           <a:xfrm>
-            <a:off x="3707904" y="1412776"/>
+            <a:off x="3779912" y="1412776"/>
             <a:ext cx="2952328" cy="3787243"/>
           </a:xfrm>
           <a:prstGeom prst="rect">
@@ -20975,38 +20349,10 @@
                   </a:solidFill>
                   <a:latin typeface="Arial" charset="0"/>
                 </a:rPr>
-                <a:t>GAE </a:t>
-              </a:r>
-              <a:r>
-                <a:rPr lang="en-US" sz="1600" b="1" dirty="0" err="1" smtClean="0">
-                  <a:solidFill>
-                    <a:srgbClr val="003F6E"/>
-                  </a:solidFill>
-                  <a:latin typeface="Arial" charset="0"/>
-                </a:rPr>
-                <a:t>Datastore</a:t>
-              </a:r>
-              <a:r>
-                <a:rPr lang="en-US" sz="1600" b="1" dirty="0" smtClean="0">
-                  <a:solidFill>
-                    <a:srgbClr val="003F6E"/>
-                  </a:solidFill>
-                  <a:latin typeface="Arial" charset="0"/>
-                </a:rPr>
-                <a:t> </a:t>
+                <a:t>GAE Datastore </a:t>
               </a:r>
             </a:p>
             <a:p>
-              <a:r>
-                <a:rPr lang="en-US" sz="1600" b="1" dirty="0">
-                  <a:solidFill>
-                    <a:srgbClr val="003F6E"/>
-                  </a:solidFill>
-                  <a:latin typeface="Arial" charset="0"/>
-                  <a:sym typeface="Wingdings"/>
-                </a:rPr>
-                <a:t> </a:t>
-              </a:r>
               <a:r>
                 <a:rPr lang="en-US" sz="1600" b="1" dirty="0" smtClean="0">
                   <a:solidFill>
@@ -21015,260 +20361,53 @@
                   <a:latin typeface="Arial" charset="0"/>
                   <a:sym typeface="Wingdings"/>
                 </a:rPr>
-                <a:t>   </a:t>
+                <a:t>     </a:t>
               </a:r>
               <a:r>
-                <a:rPr lang="it-IT" sz="1600" dirty="0" smtClean="0">
+                <a:rPr lang="en-US" sz="1600" dirty="0" smtClean="0">
                   <a:solidFill>
                     <a:srgbClr val="003F6E"/>
                   </a:solidFill>
                   <a:latin typeface="Arial" charset="0"/>
                   <a:sym typeface="Wingdings"/>
                 </a:rPr>
-                <a:t> no </a:t>
+                <a:t> no Ancestor Path support</a:t>
               </a:r>
+            </a:p>
+            <a:p>
               <a:r>
-                <a:rPr lang="it-IT" sz="1600" dirty="0" err="1">
+                <a:rPr lang="en-US" sz="1600" b="1" dirty="0" smtClean="0">
                   <a:solidFill>
                     <a:srgbClr val="003F6E"/>
                   </a:solidFill>
                   <a:latin typeface="Arial" charset="0"/>
                   <a:sym typeface="Wingdings"/>
                 </a:rPr>
-                <a:t>A</a:t>
+                <a:t>Azure Tables </a:t>
               </a:r>
+            </a:p>
+            <a:p>
               <a:r>
-                <a:rPr lang="it-IT" sz="1600" dirty="0" err="1" smtClean="0">
+                <a:rPr lang="en-US" sz="1600" b="1" dirty="0" smtClean="0">
                   <a:solidFill>
                     <a:srgbClr val="003F6E"/>
                   </a:solidFill>
                   <a:latin typeface="Arial" charset="0"/>
                   <a:sym typeface="Wingdings"/>
                 </a:rPr>
-                <a:t>ncestor</a:t>
+                <a:t>     </a:t>
               </a:r>
               <a:r>
-                <a:rPr lang="it-IT" sz="1600" dirty="0" smtClean="0">
+                <a:rPr lang="en-US" sz="1600" dirty="0" smtClean="0">
                   <a:solidFill>
                     <a:srgbClr val="003F6E"/>
                   </a:solidFill>
                   <a:latin typeface="Arial" charset="0"/>
                   <a:sym typeface="Wingdings"/>
                 </a:rPr>
-                <a:t> </a:t>
+                <a:t> manage partition key and row key</a:t>
               </a:r>
-              <a:r>
-                <a:rPr lang="it-IT" sz="1600" dirty="0" err="1">
-                  <a:solidFill>
-                    <a:srgbClr val="003F6E"/>
-                  </a:solidFill>
-                  <a:latin typeface="Arial" charset="0"/>
-                  <a:sym typeface="Wingdings"/>
-                </a:rPr>
-                <a:t>P</a:t>
-              </a:r>
-              <a:r>
-                <a:rPr lang="it-IT" sz="1600" dirty="0" err="1" smtClean="0">
-                  <a:solidFill>
-                    <a:srgbClr val="003F6E"/>
-                  </a:solidFill>
-                  <a:latin typeface="Arial" charset="0"/>
-                  <a:sym typeface="Wingdings"/>
-                </a:rPr>
-                <a:t>ath</a:t>
-              </a:r>
-              <a:r>
-                <a:rPr lang="it-IT" sz="1600" dirty="0" smtClean="0">
-                  <a:solidFill>
-                    <a:srgbClr val="003F6E"/>
-                  </a:solidFill>
-                  <a:latin typeface="Arial" charset="0"/>
-                  <a:sym typeface="Wingdings"/>
-                </a:rPr>
-                <a:t> </a:t>
-              </a:r>
-              <a:r>
-                <a:rPr lang="it-IT" sz="1600" dirty="0" err="1" smtClean="0">
-                  <a:solidFill>
-                    <a:srgbClr val="003F6E"/>
-                  </a:solidFill>
-                  <a:latin typeface="Arial" charset="0"/>
-                  <a:sym typeface="Wingdings"/>
-                </a:rPr>
-                <a:t>support</a:t>
-              </a:r>
-              <a:endParaRPr lang="it-IT" sz="1600" dirty="0" smtClean="0">
-                <a:solidFill>
-                  <a:srgbClr val="003F6E"/>
-                </a:solidFill>
-                <a:latin typeface="Arial" charset="0"/>
-                <a:sym typeface="Wingdings"/>
-              </a:endParaRPr>
-            </a:p>
-            <a:p>
-              <a:r>
-                <a:rPr lang="it-IT" sz="1600" b="1" dirty="0" err="1" smtClean="0">
-                  <a:solidFill>
-                    <a:srgbClr val="003F6E"/>
-                  </a:solidFill>
-                  <a:latin typeface="Arial" charset="0"/>
-                  <a:sym typeface="Wingdings"/>
-                </a:rPr>
-                <a:t>Azure</a:t>
-              </a:r>
-              <a:r>
-                <a:rPr lang="it-IT" sz="1600" b="1" dirty="0" smtClean="0">
-                  <a:solidFill>
-                    <a:srgbClr val="003F6E"/>
-                  </a:solidFill>
-                  <a:latin typeface="Arial" charset="0"/>
-                  <a:sym typeface="Wingdings"/>
-                </a:rPr>
-                <a:t> </a:t>
-              </a:r>
-              <a:r>
-                <a:rPr lang="it-IT" sz="1600" b="1" dirty="0" err="1" smtClean="0">
-                  <a:solidFill>
-                    <a:srgbClr val="003F6E"/>
-                  </a:solidFill>
-                  <a:latin typeface="Arial" charset="0"/>
-                  <a:sym typeface="Wingdings"/>
-                </a:rPr>
-                <a:t>Tables</a:t>
-              </a:r>
-              <a:r>
-                <a:rPr lang="it-IT" sz="1600" b="1" dirty="0" smtClean="0">
-                  <a:solidFill>
-                    <a:srgbClr val="003F6E"/>
-                  </a:solidFill>
-                  <a:latin typeface="Arial" charset="0"/>
-                  <a:sym typeface="Wingdings"/>
-                </a:rPr>
-                <a:t> </a:t>
-              </a:r>
-            </a:p>
-            <a:p>
-              <a:r>
-                <a:rPr lang="it-IT" sz="1600" b="1" dirty="0">
-                  <a:solidFill>
-                    <a:srgbClr val="003F6E"/>
-                  </a:solidFill>
-                  <a:latin typeface="Arial" charset="0"/>
-                  <a:sym typeface="Wingdings"/>
-                </a:rPr>
-                <a:t> </a:t>
-              </a:r>
-              <a:r>
-                <a:rPr lang="it-IT" sz="1600" b="1" dirty="0" smtClean="0">
-                  <a:solidFill>
-                    <a:srgbClr val="003F6E"/>
-                  </a:solidFill>
-                  <a:latin typeface="Arial" charset="0"/>
-                  <a:sym typeface="Wingdings"/>
-                </a:rPr>
-                <a:t>   </a:t>
-              </a:r>
-              <a:r>
-                <a:rPr lang="it-IT" sz="1600" dirty="0" smtClean="0">
-                  <a:solidFill>
-                    <a:srgbClr val="003F6E"/>
-                  </a:solidFill>
-                  <a:latin typeface="Arial" charset="0"/>
-                  <a:sym typeface="Wingdings"/>
-                </a:rPr>
-                <a:t> </a:t>
-              </a:r>
-              <a:r>
-                <a:rPr lang="it-IT" sz="1600" dirty="0" err="1" smtClean="0">
-                  <a:solidFill>
-                    <a:srgbClr val="003F6E"/>
-                  </a:solidFill>
-                  <a:latin typeface="Arial" charset="0"/>
-                  <a:sym typeface="Wingdings"/>
-                </a:rPr>
-                <a:t>manage</a:t>
-              </a:r>
-              <a:r>
-                <a:rPr lang="it-IT" sz="1600" dirty="0" smtClean="0">
-                  <a:solidFill>
-                    <a:srgbClr val="003F6E"/>
-                  </a:solidFill>
-                  <a:latin typeface="Arial" charset="0"/>
-                  <a:sym typeface="Wingdings"/>
-                </a:rPr>
-                <a:t> </a:t>
-              </a:r>
-              <a:r>
-                <a:rPr lang="it-IT" sz="1600" dirty="0" err="1" smtClean="0">
-                  <a:solidFill>
-                    <a:srgbClr val="003F6E"/>
-                  </a:solidFill>
-                  <a:latin typeface="Arial" charset="0"/>
-                  <a:sym typeface="Wingdings"/>
-                </a:rPr>
-                <a:t>partition</a:t>
-              </a:r>
-              <a:r>
-                <a:rPr lang="it-IT" sz="1600" dirty="0" smtClean="0">
-                  <a:solidFill>
-                    <a:srgbClr val="003F6E"/>
-                  </a:solidFill>
-                  <a:latin typeface="Arial" charset="0"/>
-                  <a:sym typeface="Wingdings"/>
-                </a:rPr>
-                <a:t> </a:t>
-              </a:r>
-              <a:r>
-                <a:rPr lang="it-IT" sz="1600" dirty="0" err="1" smtClean="0">
-                  <a:solidFill>
-                    <a:srgbClr val="003F6E"/>
-                  </a:solidFill>
-                  <a:latin typeface="Arial" charset="0"/>
-                  <a:sym typeface="Wingdings"/>
-                </a:rPr>
-                <a:t>key</a:t>
-              </a:r>
-              <a:r>
-                <a:rPr lang="it-IT" sz="1600" dirty="0" smtClean="0">
-                  <a:solidFill>
-                    <a:srgbClr val="003F6E"/>
-                  </a:solidFill>
-                  <a:latin typeface="Arial" charset="0"/>
-                  <a:sym typeface="Wingdings"/>
-                </a:rPr>
-                <a:t> and </a:t>
-              </a:r>
-              <a:r>
-                <a:rPr lang="it-IT" sz="1600" dirty="0" err="1" smtClean="0">
-                  <a:solidFill>
-                    <a:srgbClr val="003F6E"/>
-                  </a:solidFill>
-                  <a:latin typeface="Arial" charset="0"/>
-                  <a:sym typeface="Wingdings"/>
-                </a:rPr>
-                <a:t>row</a:t>
-              </a:r>
-              <a:r>
-                <a:rPr lang="it-IT" sz="1600" dirty="0" smtClean="0">
-                  <a:solidFill>
-                    <a:srgbClr val="003F6E"/>
-                  </a:solidFill>
-                  <a:latin typeface="Arial" charset="0"/>
-                  <a:sym typeface="Wingdings"/>
-                </a:rPr>
-                <a:t> </a:t>
-              </a:r>
-              <a:r>
-                <a:rPr lang="it-IT" sz="1600" dirty="0" err="1" smtClean="0">
-                  <a:solidFill>
-                    <a:srgbClr val="003F6E"/>
-                  </a:solidFill>
-                  <a:latin typeface="Arial" charset="0"/>
-                  <a:sym typeface="Wingdings"/>
-                </a:rPr>
-                <a:t>key</a:t>
-              </a:r>
-              <a:endParaRPr lang="it-IT" sz="1600" dirty="0"/>
+              <a:endParaRPr lang="en-US" sz="1600" dirty="0"/>
             </a:p>
           </p:txBody>
         </p:sp>
@@ -21333,7 +20472,7 @@
               <a:lstStyle/>
               <a:p>
                 <a:r>
-                  <a:rPr lang="en-US" dirty="0">
+                  <a:rPr lang="en-US" smtClean="0">
                     <a:solidFill>
                       <a:srgbClr val="003F6E"/>
                     </a:solidFill>
@@ -21341,7 +20480,7 @@
                   </a:rPr>
                   <a:t>master</a:t>
                 </a:r>
-                <a:endParaRPr lang="it-IT" dirty="0">
+                <a:endParaRPr lang="en-US">
                   <a:solidFill>
                     <a:srgbClr val="003F6E"/>
                   </a:solidFill>
@@ -21430,22 +20569,13 @@
             <a:lstStyle/>
             <a:p>
               <a:r>
-                <a:rPr lang="en-US" sz="1600" dirty="0" err="1" smtClean="0">
-                  <a:solidFill>
-                    <a:srgbClr val="003F6E"/>
-                  </a:solidFill>
-                  <a:latin typeface="Arial" charset="0"/>
-                </a:rPr>
-                <a:t>Limitated</a:t>
-              </a:r>
-              <a:r>
                 <a:rPr lang="en-US" sz="1600" dirty="0" smtClean="0">
                   <a:solidFill>
                     <a:srgbClr val="003F6E"/>
                   </a:solidFill>
                   <a:latin typeface="Arial" charset="0"/>
                 </a:rPr>
-                <a:t> support to consistency </a:t>
+                <a:t>Limited support to consistency </a:t>
               </a:r>
               <a:br>
                 <a:rPr lang="en-US" sz="1600" dirty="0" smtClean="0">
@@ -21462,7 +20592,7 @@
                   </a:solidFill>
                   <a:latin typeface="Arial" charset="0"/>
                 </a:rPr>
-                <a:t>mechanism but achieve interoperability</a:t>
+                <a:t>mechanisms but achieve interoperability</a:t>
               </a:r>
             </a:p>
             <a:p>
@@ -21481,201 +20611,12 @@
                   </a:solidFill>
                   <a:latin typeface="Arial" charset="0"/>
                 </a:rPr>
-                <a:t>GAE </a:t>
-              </a:r>
-              <a:r>
-                <a:rPr lang="en-US" sz="1600" b="1" dirty="0" err="1" smtClean="0">
-                  <a:solidFill>
-                    <a:srgbClr val="003F6E"/>
-                  </a:solidFill>
-                  <a:latin typeface="Arial" charset="0"/>
-                </a:rPr>
-                <a:t>Datastore</a:t>
-              </a:r>
-              <a:r>
-                <a:rPr lang="en-US" sz="1600" b="1" dirty="0" smtClean="0">
-                  <a:solidFill>
-                    <a:srgbClr val="003F6E"/>
-                  </a:solidFill>
-                  <a:latin typeface="Arial" charset="0"/>
-                </a:rPr>
-                <a:t> </a:t>
+                <a:t>GAE Datastore </a:t>
               </a:r>
             </a:p>
             <a:p>
               <a:r>
-                <a:rPr lang="en-US" sz="1600" b="1" dirty="0">
-                  <a:solidFill>
-                    <a:srgbClr val="003F6E"/>
-                  </a:solidFill>
-                  <a:latin typeface="Arial" charset="0"/>
-                  <a:sym typeface="Wingdings"/>
-                </a:rPr>
-                <a:t> </a:t>
-              </a:r>
-              <a:r>
                 <a:rPr lang="en-US" sz="1600" b="1" dirty="0" smtClean="0">
-                  <a:solidFill>
-                    <a:srgbClr val="003F6E"/>
-                  </a:solidFill>
-                  <a:latin typeface="Arial" charset="0"/>
-                  <a:sym typeface="Wingdings"/>
-                </a:rPr>
-                <a:t>  </a:t>
-              </a:r>
-              <a:r>
-                <a:rPr lang="en-US" sz="1600" b="1" dirty="0">
-                  <a:solidFill>
-                    <a:srgbClr val="003F6E"/>
-                  </a:solidFill>
-                  <a:latin typeface="Arial" charset="0"/>
-                  <a:sym typeface="Wingdings"/>
-                </a:rPr>
-                <a:t> </a:t>
-              </a:r>
-              <a:r>
-                <a:rPr lang="it-IT" sz="1600" dirty="0" smtClean="0">
-                  <a:solidFill>
-                    <a:srgbClr val="003F6E"/>
-                  </a:solidFill>
-                  <a:latin typeface="Arial" charset="0"/>
-                  <a:sym typeface="Wingdings"/>
-                </a:rPr>
-                <a:t> no </a:t>
-              </a:r>
-              <a:r>
-                <a:rPr lang="it-IT" sz="1600" dirty="0" err="1">
-                  <a:solidFill>
-                    <a:srgbClr val="003F6E"/>
-                  </a:solidFill>
-                  <a:latin typeface="Arial" charset="0"/>
-                  <a:sym typeface="Wingdings"/>
-                </a:rPr>
-                <a:t>A</a:t>
-              </a:r>
-              <a:r>
-                <a:rPr lang="it-IT" sz="1600" dirty="0" err="1" smtClean="0">
-                  <a:solidFill>
-                    <a:srgbClr val="003F6E"/>
-                  </a:solidFill>
-                  <a:latin typeface="Arial" charset="0"/>
-                  <a:sym typeface="Wingdings"/>
-                </a:rPr>
-                <a:t>ncestor</a:t>
-              </a:r>
-              <a:r>
-                <a:rPr lang="it-IT" sz="1600" dirty="0" smtClean="0">
-                  <a:solidFill>
-                    <a:srgbClr val="003F6E"/>
-                  </a:solidFill>
-                  <a:latin typeface="Arial" charset="0"/>
-                  <a:sym typeface="Wingdings"/>
-                </a:rPr>
-                <a:t> </a:t>
-              </a:r>
-              <a:r>
-                <a:rPr lang="it-IT" sz="1600" dirty="0" err="1">
-                  <a:solidFill>
-                    <a:srgbClr val="003F6E"/>
-                  </a:solidFill>
-                  <a:latin typeface="Arial" charset="0"/>
-                  <a:sym typeface="Wingdings"/>
-                </a:rPr>
-                <a:t>P</a:t>
-              </a:r>
-              <a:r>
-                <a:rPr lang="it-IT" sz="1600" dirty="0" err="1" smtClean="0">
-                  <a:solidFill>
-                    <a:srgbClr val="003F6E"/>
-                  </a:solidFill>
-                  <a:latin typeface="Arial" charset="0"/>
-                  <a:sym typeface="Wingdings"/>
-                </a:rPr>
-                <a:t>ath</a:t>
-              </a:r>
-              <a:r>
-                <a:rPr lang="it-IT" sz="1600" dirty="0" smtClean="0">
-                  <a:solidFill>
-                    <a:srgbClr val="003F6E"/>
-                  </a:solidFill>
-                  <a:latin typeface="Arial" charset="0"/>
-                  <a:sym typeface="Wingdings"/>
-                </a:rPr>
-                <a:t> </a:t>
-              </a:r>
-              <a:r>
-                <a:rPr lang="it-IT" sz="1600" dirty="0" err="1" smtClean="0">
-                  <a:solidFill>
-                    <a:srgbClr val="003F6E"/>
-                  </a:solidFill>
-                  <a:latin typeface="Arial" charset="0"/>
-                  <a:sym typeface="Wingdings"/>
-                </a:rPr>
-                <a:t>support</a:t>
-              </a:r>
-              <a:endParaRPr lang="it-IT" sz="1600" dirty="0" smtClean="0">
-                <a:solidFill>
-                  <a:srgbClr val="003F6E"/>
-                </a:solidFill>
-                <a:latin typeface="Arial" charset="0"/>
-                <a:sym typeface="Wingdings"/>
-              </a:endParaRPr>
-            </a:p>
-            <a:p>
-              <a:r>
-                <a:rPr lang="it-IT" sz="1600" b="1" dirty="0" err="1" smtClean="0">
-                  <a:solidFill>
-                    <a:srgbClr val="003F6E"/>
-                  </a:solidFill>
-                  <a:latin typeface="Arial" charset="0"/>
-                  <a:sym typeface="Wingdings"/>
-                </a:rPr>
-                <a:t>Azure</a:t>
-              </a:r>
-              <a:r>
-                <a:rPr lang="it-IT" sz="1600" b="1" dirty="0" smtClean="0">
-                  <a:solidFill>
-                    <a:srgbClr val="003F6E"/>
-                  </a:solidFill>
-                  <a:latin typeface="Arial" charset="0"/>
-                  <a:sym typeface="Wingdings"/>
-                </a:rPr>
-                <a:t> </a:t>
-              </a:r>
-              <a:r>
-                <a:rPr lang="it-IT" sz="1600" b="1" dirty="0" err="1" smtClean="0">
-                  <a:solidFill>
-                    <a:srgbClr val="003F6E"/>
-                  </a:solidFill>
-                  <a:latin typeface="Arial" charset="0"/>
-                  <a:sym typeface="Wingdings"/>
-                </a:rPr>
-                <a:t>Tables</a:t>
-              </a:r>
-              <a:r>
-                <a:rPr lang="it-IT" sz="1600" b="1" dirty="0" smtClean="0">
-                  <a:solidFill>
-                    <a:srgbClr val="003F6E"/>
-                  </a:solidFill>
-                  <a:latin typeface="Arial" charset="0"/>
-                  <a:sym typeface="Wingdings"/>
-                </a:rPr>
-                <a:t> </a:t>
-              </a:r>
-            </a:p>
-            <a:p>
-              <a:r>
-                <a:rPr lang="it-IT" sz="1600" b="1" dirty="0">
-                  <a:solidFill>
-                    <a:srgbClr val="003F6E"/>
-                  </a:solidFill>
-                  <a:latin typeface="Arial" charset="0"/>
-                  <a:sym typeface="Wingdings"/>
-                </a:rPr>
-                <a:t> </a:t>
-              </a:r>
-              <a:r>
-                <a:rPr lang="it-IT" sz="1600" b="1" dirty="0" smtClean="0">
                   <a:solidFill>
                     <a:srgbClr val="003F6E"/>
                   </a:solidFill>
@@ -21685,106 +20626,50 @@
                 <a:t>     </a:t>
               </a:r>
               <a:r>
-                <a:rPr lang="it-IT" sz="1600" dirty="0" smtClean="0">
+                <a:rPr lang="en-US" sz="1600" dirty="0" smtClean="0">
                   <a:solidFill>
                     <a:srgbClr val="003F6E"/>
                   </a:solidFill>
                   <a:latin typeface="Arial" charset="0"/>
                   <a:sym typeface="Wingdings"/>
                 </a:rPr>
-                <a:t> </a:t>
+                <a:t> no Ancestor Path support</a:t>
               </a:r>
+            </a:p>
+            <a:p>
               <a:r>
-                <a:rPr lang="it-IT" sz="1600" dirty="0" err="1" smtClean="0">
+                <a:rPr lang="en-US" sz="1600" b="1" dirty="0" smtClean="0">
                   <a:solidFill>
                     <a:srgbClr val="003F6E"/>
                   </a:solidFill>
                   <a:latin typeface="Arial" charset="0"/>
                   <a:sym typeface="Wingdings"/>
                 </a:rPr>
-                <a:t>fix</a:t>
+                <a:t>Azure Tables </a:t>
               </a:r>
+            </a:p>
+            <a:p>
               <a:r>
-                <a:rPr lang="it-IT" sz="1600" dirty="0" smtClean="0">
+                <a:rPr lang="en-US" sz="1600" b="1" dirty="0" smtClean="0">
                   <a:solidFill>
                     <a:srgbClr val="003F6E"/>
                   </a:solidFill>
                   <a:latin typeface="Arial" charset="0"/>
                   <a:sym typeface="Wingdings"/>
                 </a:rPr>
-                <a:t> </a:t>
+                <a:t>     </a:t>
               </a:r>
               <a:r>
-                <a:rPr lang="it-IT" sz="1600" dirty="0" err="1" smtClean="0">
+                <a:rPr lang="en-US" sz="1600" dirty="0" smtClean="0">
                   <a:solidFill>
                     <a:srgbClr val="003F6E"/>
                   </a:solidFill>
                   <a:latin typeface="Arial" charset="0"/>
                   <a:sym typeface="Wingdings"/>
                 </a:rPr>
-                <a:t>partition</a:t>
+                <a:t> fix partition key to table name</a:t>
               </a:r>
-              <a:r>
-                <a:rPr lang="it-IT" sz="1600" dirty="0" smtClean="0">
-                  <a:solidFill>
-                    <a:srgbClr val="003F6E"/>
-                  </a:solidFill>
-                  <a:latin typeface="Arial" charset="0"/>
-                  <a:sym typeface="Wingdings"/>
-                </a:rPr>
-                <a:t> </a:t>
-              </a:r>
-              <a:r>
-                <a:rPr lang="it-IT" sz="1600" dirty="0" err="1" smtClean="0">
-                  <a:solidFill>
-                    <a:srgbClr val="003F6E"/>
-                  </a:solidFill>
-                  <a:latin typeface="Arial" charset="0"/>
-                  <a:sym typeface="Wingdings"/>
-                </a:rPr>
-                <a:t>key</a:t>
-              </a:r>
-              <a:r>
-                <a:rPr lang="it-IT" sz="1600" dirty="0" smtClean="0">
-                  <a:solidFill>
-                    <a:srgbClr val="003F6E"/>
-                  </a:solidFill>
-                  <a:latin typeface="Arial" charset="0"/>
-                  <a:sym typeface="Wingdings"/>
-                </a:rPr>
-                <a:t> to </a:t>
-              </a:r>
-              <a:r>
-                <a:rPr lang="it-IT" sz="1600" dirty="0" err="1" smtClean="0">
-                  <a:solidFill>
-                    <a:srgbClr val="003F6E"/>
-                  </a:solidFill>
-                  <a:latin typeface="Arial" charset="0"/>
-                  <a:sym typeface="Wingdings"/>
-                </a:rPr>
-                <a:t>table</a:t>
-              </a:r>
-              <a:r>
-                <a:rPr lang="it-IT" sz="1600" dirty="0" smtClean="0">
-                  <a:solidFill>
-                    <a:srgbClr val="003F6E"/>
-                  </a:solidFill>
-                  <a:latin typeface="Arial" charset="0"/>
-                  <a:sym typeface="Wingdings"/>
-                </a:rPr>
-                <a:t> </a:t>
-              </a:r>
-              <a:r>
-                <a:rPr lang="it-IT" sz="1600" dirty="0" err="1" smtClean="0">
-                  <a:solidFill>
-                    <a:srgbClr val="003F6E"/>
-                  </a:solidFill>
-                  <a:latin typeface="Arial" charset="0"/>
-                  <a:sym typeface="Wingdings"/>
-                </a:rPr>
-                <a:t>name</a:t>
-              </a:r>
-              <a:endParaRPr lang="it-IT" sz="1600" dirty="0"/>
+              <a:endParaRPr lang="en-US" sz="1600" dirty="0"/>
             </a:p>
           </p:txBody>
         </p:sp>
@@ -21849,7 +20734,7 @@
               <a:lstStyle/>
               <a:p>
                 <a:r>
-                  <a:rPr lang="en-US" dirty="0">
+                  <a:rPr lang="en-US" smtClean="0">
                     <a:solidFill>
                       <a:srgbClr val="003F6E"/>
                     </a:solidFill>
@@ -21857,7 +20742,7 @@
                   </a:rPr>
                   <a:t>migration</a:t>
                 </a:r>
-                <a:endParaRPr lang="it-IT" dirty="0"/>
+                <a:endParaRPr lang="en-US"/>
               </a:p>
             </p:txBody>
           </p:sp>
@@ -22371,7 +21256,7 @@
             <a:pPr>
               <a:defRPr/>
             </a:pPr>
-            <a:endParaRPr lang="it-IT" b="1" dirty="0" smtClean="0">
+            <a:endParaRPr lang="en-US" b="1" smtClean="0">
               <a:solidFill>
                 <a:srgbClr val="003F6E"/>
               </a:solidFill>
@@ -22383,29 +21268,14 @@
               <a:defRPr/>
             </a:pPr>
             <a:r>
-              <a:rPr lang="it-IT" b="1" dirty="0" smtClean="0">
+              <a:rPr lang="en-US" b="1" smtClean="0">
                 <a:solidFill>
                   <a:srgbClr val="003F6E"/>
                 </a:solidFill>
                 <a:latin typeface="Arial" charset="0"/>
               </a:rPr>
-              <a:t>Work </a:t>
+              <a:t>Work objectives</a:t>
             </a:r>
-            <a:r>
-              <a:rPr lang="it-IT" b="1" dirty="0" err="1" smtClean="0">
-                <a:solidFill>
-                  <a:srgbClr val="003F6E"/>
-                </a:solidFill>
-                <a:latin typeface="Arial" charset="0"/>
-              </a:rPr>
-              <a:t>objectives</a:t>
-            </a:r>
-            <a:endParaRPr lang="it-IT" b="1" dirty="0" smtClean="0">
-              <a:solidFill>
-                <a:srgbClr val="003F6E"/>
-              </a:solidFill>
-              <a:latin typeface="Arial" charset="0"/>
-            </a:endParaRPr>
           </a:p>
         </p:txBody>
       </p:sp>
@@ -22433,13 +21303,13 @@
               <a:defRPr/>
             </a:pPr>
             <a:fld id="{9DF601D4-73D7-A345-AD94-45660F7ACBC3}" type="slidenum">
-              <a:rPr/>
+              <a:rPr lang="en-US" smtClean="0"/>
               <a:pPr>
                 <a:defRPr/>
               </a:pPr>
               <a:t>14</a:t>
             </a:fld>
-            <a:endParaRPr dirty="0"/>
+            <a:endParaRPr lang="en-US"/>
           </a:p>
         </p:txBody>
       </p:sp>
@@ -22488,22 +21358,13 @@
               <a:defRPr/>
             </a:pPr>
             <a:r>
-              <a:rPr lang="it-IT" sz="2000" dirty="0">
+              <a:rPr lang="en-US" sz="2000" dirty="0" smtClean="0">
                 <a:solidFill>
                   <a:srgbClr val="A6A6A6"/>
                 </a:solidFill>
                 <a:latin typeface="Arial" charset="0"/>
               </a:rPr>
-              <a:t>Integrate Kundera in the CPIM </a:t>
-            </a:r>
-            <a:r>
-              <a:rPr lang="it-IT" sz="2000" dirty="0" err="1" smtClean="0">
-                <a:solidFill>
-                  <a:srgbClr val="A6A6A6"/>
-                </a:solidFill>
-                <a:latin typeface="Arial" charset="0"/>
-              </a:rPr>
-              <a:t>library</a:t>
+              <a:t>Integrate Kundera in the CPIM library</a:t>
             </a:r>
             <a:endParaRPr lang="en-US" sz="2000" dirty="0">
               <a:solidFill>
@@ -22556,49 +21417,13 @@
               </a:spcBef>
             </a:pPr>
             <a:r>
-              <a:rPr lang="it-IT" sz="2000" dirty="0" err="1">
+              <a:rPr lang="en-US" sz="2000" dirty="0" smtClean="0">
                 <a:solidFill>
                   <a:srgbClr val="A6A6A6"/>
                 </a:solidFill>
                 <a:latin typeface="Arial" charset="0"/>
               </a:rPr>
-              <a:t>Contribute</a:t>
-            </a:r>
-            <a:r>
-              <a:rPr lang="it-IT" sz="2000" dirty="0">
-                <a:solidFill>
-                  <a:srgbClr val="A6A6A6"/>
-                </a:solidFill>
-                <a:latin typeface="Arial" charset="0"/>
-              </a:rPr>
-              <a:t> to the open source </a:t>
-            </a:r>
-            <a:r>
-              <a:rPr lang="it-IT" sz="2000" dirty="0" err="1">
-                <a:solidFill>
-                  <a:srgbClr val="A6A6A6"/>
-                </a:solidFill>
-                <a:latin typeface="Arial" charset="0"/>
-              </a:rPr>
-              <a:t>project</a:t>
-            </a:r>
-            <a:r>
-              <a:rPr lang="it-IT" sz="2000" dirty="0">
-                <a:solidFill>
-                  <a:srgbClr val="A6A6A6"/>
-                </a:solidFill>
-                <a:latin typeface="Arial" charset="0"/>
-              </a:rPr>
-              <a:t> </a:t>
-            </a:r>
-            <a:r>
-              <a:rPr lang="it-IT" sz="2000" dirty="0" err="1">
-                <a:solidFill>
-                  <a:srgbClr val="A6A6A6"/>
-                </a:solidFill>
-                <a:latin typeface="Arial" charset="0"/>
-              </a:rPr>
-              <a:t>Kudera</a:t>
+              <a:t>Contribute to the open source project Kundera</a:t>
             </a:r>
             <a:endParaRPr lang="en-US" sz="2000" dirty="0">
               <a:solidFill>
@@ -22652,78 +21477,15 @@
               </a:spcBef>
             </a:pPr>
             <a:r>
-              <a:rPr lang="it-IT" sz="2000" dirty="0">
+              <a:rPr lang="en-US" sz="2000" smtClean="0">
                 <a:solidFill>
                   <a:srgbClr val="003F6E"/>
                 </a:solidFill>
                 <a:latin typeface="Arial" charset="0"/>
               </a:rPr>
-              <a:t>Integrate the </a:t>
+              <a:t>Integrate the migration and synchronization system Hegira</a:t>
             </a:r>
-            <a:r>
-              <a:rPr lang="it-IT" sz="2000" dirty="0" err="1">
-                <a:solidFill>
-                  <a:srgbClr val="003F6E"/>
-                </a:solidFill>
-                <a:latin typeface="Arial" charset="0"/>
-              </a:rPr>
-              <a:t>migration</a:t>
-            </a:r>
-            <a:r>
-              <a:rPr lang="it-IT" sz="2000" dirty="0">
-                <a:solidFill>
-                  <a:srgbClr val="003F6E"/>
-                </a:solidFill>
-                <a:latin typeface="Arial" charset="0"/>
-              </a:rPr>
-              <a:t> and </a:t>
-            </a:r>
-            <a:r>
-              <a:rPr lang="it-IT" sz="2000" dirty="0" err="1">
-                <a:solidFill>
-                  <a:srgbClr val="003F6E"/>
-                </a:solidFill>
-                <a:latin typeface="Arial" charset="0"/>
-              </a:rPr>
-              <a:t>synchronization</a:t>
-            </a:r>
-            <a:r>
-              <a:rPr lang="it-IT" sz="2000" dirty="0">
-                <a:solidFill>
-                  <a:srgbClr val="003F6E"/>
-                </a:solidFill>
-                <a:latin typeface="Arial" charset="0"/>
-              </a:rPr>
-              <a:t> </a:t>
-            </a:r>
-            <a:r>
-              <a:rPr lang="it-IT" sz="2000" dirty="0" err="1">
-                <a:solidFill>
-                  <a:srgbClr val="003F6E"/>
-                </a:solidFill>
-                <a:latin typeface="Arial" charset="0"/>
-              </a:rPr>
-              <a:t>system</a:t>
-            </a:r>
-            <a:r>
-              <a:rPr lang="it-IT" sz="2000" dirty="0">
-                <a:solidFill>
-                  <a:srgbClr val="003F6E"/>
-                </a:solidFill>
-                <a:latin typeface="Arial" charset="0"/>
-              </a:rPr>
-              <a:t> </a:t>
-            </a:r>
-            <a:r>
-              <a:rPr lang="it-IT" sz="2000" dirty="0" err="1">
-                <a:solidFill>
-                  <a:srgbClr val="003F6E"/>
-                </a:solidFill>
-                <a:latin typeface="Arial" charset="0"/>
-              </a:rPr>
-              <a:t>Hegira</a:t>
-            </a:r>
-            <a:endParaRPr lang="en-US" sz="2000" dirty="0">
+            <a:endParaRPr lang="en-US" sz="2000">
               <a:solidFill>
                 <a:srgbClr val="003F6E"/>
               </a:solidFill>
@@ -22777,7 +21539,7 @@
               </a:spcBef>
             </a:pPr>
             <a:r>
-              <a:rPr lang="it-IT" sz="2000" dirty="0">
+              <a:rPr lang="en-US" sz="2000" smtClean="0">
                 <a:solidFill>
                   <a:srgbClr val="A6A6A6"/>
                 </a:solidFill>
@@ -22785,7 +21547,7 @@
               </a:rPr>
               <a:t>Evaluation</a:t>
             </a:r>
-            <a:endParaRPr lang="en-US" sz="2000" dirty="0">
+            <a:endParaRPr lang="en-US" sz="2000">
               <a:solidFill>
                 <a:srgbClr val="A6A6A6"/>
               </a:solidFill>
@@ -23266,7 +22028,7 @@
               <a:defRPr/>
             </a:pPr>
             <a:r>
-              <a:rPr lang="it-IT" b="1" dirty="0" smtClean="0">
+              <a:rPr lang="en-US" b="1" smtClean="0">
                 <a:solidFill>
                   <a:srgbClr val="003F6E"/>
                 </a:solidFill>
@@ -23275,7 +22037,7 @@
               <a:t/>
             </a:r>
             <a:br>
-              <a:rPr lang="it-IT" b="1" dirty="0" smtClean="0">
+              <a:rPr lang="en-US" b="1" smtClean="0">
                 <a:solidFill>
                   <a:srgbClr val="003F6E"/>
                 </a:solidFill>
@@ -23283,29 +22045,14 @@
               </a:rPr>
             </a:br>
             <a:r>
-              <a:rPr lang="it-IT" b="1" dirty="0" smtClean="0">
+              <a:rPr lang="en-US" b="1" smtClean="0">
                 <a:solidFill>
                   <a:srgbClr val="003F6E"/>
                 </a:solidFill>
                 <a:latin typeface="Arial" charset="0"/>
               </a:rPr>
-              <a:t>Data </a:t>
+              <a:t>Data migration</a:t>
             </a:r>
-            <a:r>
-              <a:rPr lang="it-IT" b="1" dirty="0" err="1" smtClean="0">
-                <a:solidFill>
-                  <a:srgbClr val="003F6E"/>
-                </a:solidFill>
-                <a:latin typeface="Arial" charset="0"/>
-              </a:rPr>
-              <a:t>migration</a:t>
-            </a:r>
-            <a:endParaRPr lang="it-IT" b="1" dirty="0" smtClean="0">
-              <a:solidFill>
-                <a:srgbClr val="003F6E"/>
-              </a:solidFill>
-              <a:latin typeface="Arial" charset="0"/>
-            </a:endParaRPr>
           </a:p>
         </p:txBody>
       </p:sp>
@@ -23333,13 +22080,13 @@
               <a:defRPr/>
             </a:pPr>
             <a:fld id="{5B854F9A-0F62-0C41-B056-E52D0A8522FA}" type="slidenum">
-              <a:rPr/>
+              <a:rPr lang="en-US" smtClean="0"/>
               <a:pPr>
                 <a:defRPr/>
               </a:pPr>
               <a:t>15</a:t>
             </a:fld>
-            <a:endParaRPr dirty="0"/>
+            <a:endParaRPr lang="en-US"/>
           </a:p>
         </p:txBody>
       </p:sp>
@@ -23762,31 +22509,13 @@
               <a:defRPr/>
             </a:pPr>
             <a:r>
-              <a:rPr lang="it-IT" sz="2000" dirty="0">
+              <a:rPr lang="en-US" sz="2000" smtClean="0">
                 <a:solidFill>
                   <a:srgbClr val="003F6E"/>
                 </a:solidFill>
                 <a:latin typeface="Arial" charset="0"/>
               </a:rPr>
-              <a:t>m</a:t>
-            </a:r>
-            <a:r>
-              <a:rPr lang="en-US" sz="2000" dirty="0" err="1" smtClean="0">
-                <a:solidFill>
-                  <a:srgbClr val="003F6E"/>
-                </a:solidFill>
-                <a:latin typeface="Arial" charset="0"/>
-              </a:rPr>
-              <a:t>ove</a:t>
-            </a:r>
-            <a:r>
-              <a:rPr lang="en-US" sz="2000" dirty="0" smtClean="0">
-                <a:solidFill>
-                  <a:srgbClr val="003F6E"/>
-                </a:solidFill>
-                <a:latin typeface="Arial" charset="0"/>
-              </a:rPr>
-              <a:t> application to another cloud provider</a:t>
+              <a:t>move application to another cloud provider</a:t>
             </a:r>
           </a:p>
           <a:p>
@@ -23799,31 +22528,13 @@
               <a:defRPr/>
             </a:pPr>
             <a:r>
-              <a:rPr lang="it-IT" sz="2000" dirty="0" smtClean="0">
+              <a:rPr lang="en-US" sz="2000" smtClean="0">
                 <a:solidFill>
                   <a:srgbClr val="003F6E"/>
                 </a:solidFill>
                 <a:latin typeface="Arial" charset="0"/>
               </a:rPr>
-              <a:t>m</a:t>
-            </a:r>
-            <a:r>
-              <a:rPr lang="en-US" sz="2000" dirty="0" err="1" smtClean="0">
-                <a:solidFill>
-                  <a:srgbClr val="003F6E"/>
-                </a:solidFill>
-                <a:latin typeface="Arial" charset="0"/>
-              </a:rPr>
-              <a:t>ove</a:t>
-            </a:r>
-            <a:r>
-              <a:rPr lang="en-US" sz="2000" dirty="0" smtClean="0">
-                <a:solidFill>
-                  <a:srgbClr val="003F6E"/>
-                </a:solidFill>
-                <a:latin typeface="Arial" charset="0"/>
-              </a:rPr>
-              <a:t> data to a database that better fit requirements</a:t>
+              <a:t>move data to a database that better fit requirements</a:t>
             </a:r>
           </a:p>
           <a:p>
@@ -23836,22 +22547,13 @@
               <a:defRPr/>
             </a:pPr>
             <a:r>
-              <a:rPr lang="en-US" sz="2000" dirty="0" smtClean="0">
+              <a:rPr lang="en-US" sz="2000" smtClean="0">
                 <a:solidFill>
                   <a:srgbClr val="003F6E"/>
                 </a:solidFill>
                 <a:latin typeface="Arial" charset="0"/>
               </a:rPr>
-              <a:t>load </a:t>
-            </a:r>
-            <a:r>
-              <a:rPr lang="en-US" sz="2000" dirty="0">
-                <a:solidFill>
-                  <a:srgbClr val="003F6E"/>
-                </a:solidFill>
-                <a:latin typeface="Arial" charset="0"/>
-              </a:rPr>
-              <a:t>balancing, system expansion, failure recovery, costs, etc.</a:t>
+              <a:t>load balancing, system expansion, failure recovery, costs, etc.</a:t>
             </a:r>
           </a:p>
           <a:p>
@@ -23864,38 +22566,14 @@
               <a:defRPr/>
             </a:pPr>
             <a:r>
-              <a:rPr lang="en-US" sz="2000" dirty="0" smtClean="0">
+              <a:rPr lang="en-US" sz="2000" smtClean="0">
                 <a:solidFill>
                   <a:srgbClr val="003F6E"/>
                 </a:solidFill>
                 <a:latin typeface="Arial" charset="0"/>
               </a:rPr>
-              <a:t>modern </a:t>
+              <a:t>modern computer systems are expected to be up continuously</a:t>
             </a:r>
-            <a:r>
-              <a:rPr lang="en-US" sz="2000" dirty="0">
-                <a:solidFill>
-                  <a:srgbClr val="003F6E"/>
-                </a:solidFill>
-                <a:latin typeface="Arial" charset="0"/>
-              </a:rPr>
-              <a:t>computer systems are expected to be up </a:t>
-            </a:r>
-            <a:r>
-              <a:rPr lang="en-US" sz="2000" dirty="0" smtClean="0">
-                <a:solidFill>
-                  <a:srgbClr val="003F6E"/>
-                </a:solidFill>
-                <a:latin typeface="Arial" charset="0"/>
-              </a:rPr>
-              <a:t>continuously</a:t>
-            </a:r>
-            <a:endParaRPr lang="en-US" sz="2000" dirty="0">
-              <a:solidFill>
-                <a:srgbClr val="003F6E"/>
-              </a:solidFill>
-              <a:latin typeface="Arial" charset="0"/>
-            </a:endParaRPr>
           </a:p>
           <a:p>
             <a:pPr>
@@ -23907,7 +22585,7 @@
               <a:defRPr/>
             </a:pPr>
             <a:r>
-              <a:rPr lang="en-US" sz="2000" dirty="0">
+              <a:rPr lang="en-US" sz="2000" smtClean="0">
                 <a:solidFill>
                   <a:srgbClr val="003F6E"/>
                 </a:solidFill>
@@ -23915,6 +22593,12 @@
               </a:rPr>
               <a:t>data synchronization between the two involved systems </a:t>
             </a:r>
+            <a:endParaRPr lang="en-US" sz="2000">
+              <a:solidFill>
+                <a:srgbClr val="003F6E"/>
+              </a:solidFill>
+              <a:latin typeface="Arial" charset="0"/>
+            </a:endParaRPr>
           </a:p>
         </p:txBody>
       </p:sp>
@@ -23941,7 +22625,7 @@
         </p:blipFill>
         <p:spPr bwMode="auto">
           <a:xfrm>
-            <a:off x="827584" y="3284984"/>
+            <a:off x="755576" y="3284984"/>
             <a:ext cx="7235080" cy="3116602"/>
           </a:xfrm>
           <a:prstGeom prst="rect">
@@ -24439,7 +23123,7 @@
               <a:defRPr/>
             </a:pPr>
             <a:r>
-              <a:rPr lang="it-IT" b="1" dirty="0" smtClean="0">
+              <a:rPr lang="en-US" b="1" smtClean="0">
                 <a:solidFill>
                   <a:srgbClr val="003F6E"/>
                 </a:solidFill>
@@ -24448,7 +23132,7 @@
               <a:t/>
             </a:r>
             <a:br>
-              <a:rPr lang="it-IT" b="1" dirty="0" smtClean="0">
+              <a:rPr lang="en-US" b="1" smtClean="0">
                 <a:solidFill>
                   <a:srgbClr val="003F6E"/>
                 </a:solidFill>
@@ -24456,38 +23140,14 @@
               </a:rPr>
             </a:br>
             <a:r>
-              <a:rPr lang="it-IT" b="1" dirty="0" err="1" smtClean="0">
+              <a:rPr lang="en-US" b="1" smtClean="0">
                 <a:solidFill>
                   <a:srgbClr val="003F6E"/>
                 </a:solidFill>
                 <a:latin typeface="Arial" charset="0"/>
               </a:rPr>
-              <a:t>Hegira</a:t>
+              <a:t>Hegira support</a:t>
             </a:r>
-            <a:r>
-              <a:rPr lang="it-IT" b="1" dirty="0" smtClean="0">
-                <a:solidFill>
-                  <a:srgbClr val="003F6E"/>
-                </a:solidFill>
-                <a:latin typeface="Arial" charset="0"/>
-              </a:rPr>
-              <a:t> </a:t>
-            </a:r>
-            <a:r>
-              <a:rPr lang="it-IT" b="1" dirty="0" err="1" smtClean="0">
-                <a:solidFill>
-                  <a:srgbClr val="003F6E"/>
-                </a:solidFill>
-                <a:latin typeface="Arial" charset="0"/>
-              </a:rPr>
-              <a:t>support</a:t>
-            </a:r>
-            <a:endParaRPr lang="it-IT" b="1" dirty="0" smtClean="0">
-              <a:solidFill>
-                <a:srgbClr val="003F6E"/>
-              </a:solidFill>
-              <a:latin typeface="Arial" charset="0"/>
-            </a:endParaRPr>
           </a:p>
         </p:txBody>
       </p:sp>
@@ -24515,13 +23175,13 @@
               <a:defRPr/>
             </a:pPr>
             <a:fld id="{F17AE9BF-AC38-2440-A087-4362BA47F589}" type="slidenum">
-              <a:rPr/>
+              <a:rPr lang="en-US" smtClean="0"/>
               <a:pPr>
                 <a:defRPr/>
               </a:pPr>
               <a:t>16</a:t>
             </a:fld>
-            <a:endParaRPr dirty="0"/>
+            <a:endParaRPr lang="en-US"/>
           </a:p>
         </p:txBody>
       </p:sp>
@@ -25002,83 +23662,14 @@
               <a:defRPr/>
             </a:pPr>
             <a:r>
-              <a:rPr lang="it-IT" sz="1600" dirty="0" err="1" smtClean="0">
+              <a:rPr lang="en-US" sz="1600" smtClean="0">
                 <a:solidFill>
                   <a:srgbClr val="003F6E"/>
                 </a:solidFill>
                 <a:latin typeface="Arial" charset="0"/>
               </a:rPr>
-              <a:t>Intercept</a:t>
+              <a:t>Intercept transparently user operations (DMQ)</a:t>
             </a:r>
-            <a:r>
-              <a:rPr lang="it-IT" sz="1600" dirty="0" smtClean="0">
-                <a:solidFill>
-                  <a:srgbClr val="003F6E"/>
-                </a:solidFill>
-                <a:latin typeface="Arial" charset="0"/>
-              </a:rPr>
-              <a:t> </a:t>
-            </a:r>
-            <a:r>
-              <a:rPr lang="it-IT" sz="1600" dirty="0" err="1" smtClean="0">
-                <a:solidFill>
-                  <a:srgbClr val="003F6E"/>
-                </a:solidFill>
-                <a:latin typeface="Arial" charset="0"/>
-              </a:rPr>
-              <a:t>transparently</a:t>
-            </a:r>
-            <a:r>
-              <a:rPr lang="it-IT" sz="1600" dirty="0" smtClean="0">
-                <a:solidFill>
-                  <a:srgbClr val="003F6E"/>
-                </a:solidFill>
-                <a:latin typeface="Arial" charset="0"/>
-              </a:rPr>
-              <a:t> </a:t>
-            </a:r>
-            <a:r>
-              <a:rPr lang="it-IT" sz="1600" dirty="0" err="1" smtClean="0">
-                <a:solidFill>
-                  <a:srgbClr val="003F6E"/>
-                </a:solidFill>
-                <a:latin typeface="Arial" charset="0"/>
-              </a:rPr>
-              <a:t>user</a:t>
-            </a:r>
-            <a:r>
-              <a:rPr lang="it-IT" sz="1600" dirty="0" smtClean="0">
-                <a:solidFill>
-                  <a:srgbClr val="003F6E"/>
-                </a:solidFill>
-                <a:latin typeface="Arial" charset="0"/>
-              </a:rPr>
-              <a:t> </a:t>
-            </a:r>
-            <a:r>
-              <a:rPr lang="it-IT" sz="1600" dirty="0" err="1" smtClean="0">
-                <a:solidFill>
-                  <a:srgbClr val="003F6E"/>
-                </a:solidFill>
-                <a:latin typeface="Arial" charset="0"/>
-              </a:rPr>
-              <a:t>operations</a:t>
-            </a:r>
-            <a:r>
-              <a:rPr lang="it-IT" sz="1600" dirty="0" smtClean="0">
-                <a:solidFill>
-                  <a:srgbClr val="003F6E"/>
-                </a:solidFill>
-                <a:latin typeface="Arial" charset="0"/>
-              </a:rPr>
-              <a:t> (DMQ)</a:t>
-            </a:r>
-            <a:endParaRPr lang="en-US" sz="1600" dirty="0" smtClean="0">
-              <a:solidFill>
-                <a:srgbClr val="003F6E"/>
-              </a:solidFill>
-              <a:latin typeface="Arial" charset="0"/>
-            </a:endParaRPr>
           </a:p>
           <a:p>
             <a:pPr marL="344487" indent="-342900">
@@ -25094,56 +23685,14 @@
               <a:defRPr/>
             </a:pPr>
             <a:r>
-              <a:rPr lang="it-IT" sz="1600" dirty="0" err="1" smtClean="0">
+              <a:rPr lang="en-US" sz="1600" smtClean="0">
                 <a:solidFill>
                   <a:srgbClr val="003F6E"/>
                 </a:solidFill>
                 <a:latin typeface="Arial" charset="0"/>
               </a:rPr>
-              <a:t>Translate</a:t>
+              <a:t>Translate operations to SQL statements</a:t>
             </a:r>
-            <a:r>
-              <a:rPr lang="it-IT" sz="1600" dirty="0" smtClean="0">
-                <a:solidFill>
-                  <a:srgbClr val="003F6E"/>
-                </a:solidFill>
-                <a:latin typeface="Arial" charset="0"/>
-              </a:rPr>
-              <a:t> </a:t>
-            </a:r>
-            <a:r>
-              <a:rPr lang="it-IT" sz="1600" dirty="0" err="1" smtClean="0">
-                <a:solidFill>
-                  <a:srgbClr val="003F6E"/>
-                </a:solidFill>
-                <a:latin typeface="Arial" charset="0"/>
-              </a:rPr>
-              <a:t>operations</a:t>
-            </a:r>
-            <a:r>
-              <a:rPr lang="it-IT" sz="1600" dirty="0" smtClean="0">
-                <a:solidFill>
-                  <a:srgbClr val="003F6E"/>
-                </a:solidFill>
-                <a:latin typeface="Arial" charset="0"/>
-              </a:rPr>
-              <a:t> to SQL </a:t>
-            </a:r>
-            <a:r>
-              <a:rPr lang="it-IT" sz="1600" dirty="0" err="1" smtClean="0">
-                <a:solidFill>
-                  <a:srgbClr val="003F6E"/>
-                </a:solidFill>
-                <a:latin typeface="Arial" charset="0"/>
-              </a:rPr>
-              <a:t>statements</a:t>
-            </a:r>
-            <a:endParaRPr lang="en-US" sz="1600" dirty="0" smtClean="0">
-              <a:solidFill>
-                <a:srgbClr val="003F6E"/>
-              </a:solidFill>
-              <a:latin typeface="Arial" charset="0"/>
-            </a:endParaRPr>
           </a:p>
           <a:p>
             <a:pPr marL="344487" indent="-342900">
@@ -25159,7 +23708,7 @@
               <a:defRPr/>
             </a:pPr>
             <a:r>
-              <a:rPr lang="en-US" sz="1600" dirty="0" smtClean="0">
+              <a:rPr lang="en-US" sz="1600" smtClean="0">
                 <a:solidFill>
                   <a:srgbClr val="003F6E"/>
                 </a:solidFill>
@@ -25636,7 +24185,7 @@
             <a:pPr>
               <a:defRPr/>
             </a:pPr>
-            <a:endParaRPr lang="it-IT" b="1" dirty="0" smtClean="0">
+            <a:endParaRPr lang="en-US" b="1" smtClean="0">
               <a:solidFill>
                 <a:srgbClr val="003F6E"/>
               </a:solidFill>
@@ -25648,29 +24197,14 @@
               <a:defRPr/>
             </a:pPr>
             <a:r>
-              <a:rPr lang="it-IT" b="1" dirty="0" smtClean="0">
+              <a:rPr lang="en-US" b="1" smtClean="0">
                 <a:solidFill>
                   <a:srgbClr val="003F6E"/>
                 </a:solidFill>
                 <a:latin typeface="Arial" charset="0"/>
               </a:rPr>
-              <a:t>Work </a:t>
+              <a:t>Work objectives</a:t>
             </a:r>
-            <a:r>
-              <a:rPr lang="it-IT" b="1" dirty="0" err="1" smtClean="0">
-                <a:solidFill>
-                  <a:srgbClr val="003F6E"/>
-                </a:solidFill>
-                <a:latin typeface="Arial" charset="0"/>
-              </a:rPr>
-              <a:t>objectives</a:t>
-            </a:r>
-            <a:endParaRPr lang="it-IT" b="1" dirty="0" smtClean="0">
-              <a:solidFill>
-                <a:srgbClr val="003F6E"/>
-              </a:solidFill>
-              <a:latin typeface="Arial" charset="0"/>
-            </a:endParaRPr>
           </a:p>
         </p:txBody>
       </p:sp>
@@ -25698,13 +24232,13 @@
               <a:defRPr/>
             </a:pPr>
             <a:fld id="{9DF601D4-73D7-A345-AD94-45660F7ACBC3}" type="slidenum">
-              <a:rPr/>
+              <a:rPr lang="en-US" smtClean="0"/>
               <a:pPr>
                 <a:defRPr/>
               </a:pPr>
               <a:t>17</a:t>
             </a:fld>
-            <a:endParaRPr dirty="0"/>
+            <a:endParaRPr lang="en-US"/>
           </a:p>
         </p:txBody>
       </p:sp>
@@ -25753,22 +24287,13 @@
               <a:defRPr/>
             </a:pPr>
             <a:r>
-              <a:rPr lang="it-IT" sz="2000" dirty="0">
+              <a:rPr lang="en-US" sz="2000" dirty="0" smtClean="0">
                 <a:solidFill>
                   <a:srgbClr val="A6A6A6"/>
                 </a:solidFill>
                 <a:latin typeface="Arial" charset="0"/>
               </a:rPr>
-              <a:t>Integrate Kundera in the CPIM </a:t>
-            </a:r>
-            <a:r>
-              <a:rPr lang="it-IT" sz="2000" dirty="0" err="1" smtClean="0">
-                <a:solidFill>
-                  <a:srgbClr val="A6A6A6"/>
-                </a:solidFill>
-                <a:latin typeface="Arial" charset="0"/>
-              </a:rPr>
-              <a:t>library</a:t>
+              <a:t>Integrate Kundera in the CPIM library</a:t>
             </a:r>
             <a:endParaRPr lang="en-US" sz="2000" dirty="0">
               <a:solidFill>
@@ -25821,49 +24346,13 @@
               </a:spcBef>
             </a:pPr>
             <a:r>
-              <a:rPr lang="it-IT" sz="2000" dirty="0" err="1">
+              <a:rPr lang="en-US" sz="2000" dirty="0" smtClean="0">
                 <a:solidFill>
                   <a:srgbClr val="A6A6A6"/>
                 </a:solidFill>
                 <a:latin typeface="Arial" charset="0"/>
               </a:rPr>
-              <a:t>Contribute</a:t>
-            </a:r>
-            <a:r>
-              <a:rPr lang="it-IT" sz="2000" dirty="0">
-                <a:solidFill>
-                  <a:srgbClr val="A6A6A6"/>
-                </a:solidFill>
-                <a:latin typeface="Arial" charset="0"/>
-              </a:rPr>
-              <a:t> to the open source </a:t>
-            </a:r>
-            <a:r>
-              <a:rPr lang="it-IT" sz="2000" dirty="0" err="1">
-                <a:solidFill>
-                  <a:srgbClr val="A6A6A6"/>
-                </a:solidFill>
-                <a:latin typeface="Arial" charset="0"/>
-              </a:rPr>
-              <a:t>project</a:t>
-            </a:r>
-            <a:r>
-              <a:rPr lang="it-IT" sz="2000" dirty="0">
-                <a:solidFill>
-                  <a:srgbClr val="A6A6A6"/>
-                </a:solidFill>
-                <a:latin typeface="Arial" charset="0"/>
-              </a:rPr>
-              <a:t> </a:t>
-            </a:r>
-            <a:r>
-              <a:rPr lang="it-IT" sz="2000" dirty="0" err="1">
-                <a:solidFill>
-                  <a:srgbClr val="A6A6A6"/>
-                </a:solidFill>
-                <a:latin typeface="Arial" charset="0"/>
-              </a:rPr>
-              <a:t>Kudera</a:t>
+              <a:t>Contribute to the open source project Kundera</a:t>
             </a:r>
             <a:endParaRPr lang="en-US" sz="2000" dirty="0">
               <a:solidFill>
@@ -25919,78 +24408,15 @@
               </a:spcBef>
             </a:pPr>
             <a:r>
-              <a:rPr lang="it-IT" sz="2000" dirty="0" smtClean="0">
+              <a:rPr lang="en-US" sz="2000" smtClean="0">
                 <a:solidFill>
                   <a:srgbClr val="A6A6A6"/>
                 </a:solidFill>
                 <a:latin typeface="Arial" charset="0"/>
               </a:rPr>
-              <a:t>Integrate the </a:t>
+              <a:t>Integrate the migration and synchronization system Hegira</a:t>
             </a:r>
-            <a:r>
-              <a:rPr lang="it-IT" sz="2000" dirty="0" err="1">
-                <a:solidFill>
-                  <a:srgbClr val="A6A6A6"/>
-                </a:solidFill>
-                <a:latin typeface="Arial" charset="0"/>
-              </a:rPr>
-              <a:t>migration</a:t>
-            </a:r>
-            <a:r>
-              <a:rPr lang="it-IT" sz="2000" dirty="0">
-                <a:solidFill>
-                  <a:srgbClr val="A6A6A6"/>
-                </a:solidFill>
-                <a:latin typeface="Arial" charset="0"/>
-              </a:rPr>
-              <a:t> and </a:t>
-            </a:r>
-            <a:r>
-              <a:rPr lang="it-IT" sz="2000" dirty="0" err="1">
-                <a:solidFill>
-                  <a:srgbClr val="A6A6A6"/>
-                </a:solidFill>
-                <a:latin typeface="Arial" charset="0"/>
-              </a:rPr>
-              <a:t>synchronization</a:t>
-            </a:r>
-            <a:r>
-              <a:rPr lang="it-IT" sz="2000" dirty="0">
-                <a:solidFill>
-                  <a:srgbClr val="A6A6A6"/>
-                </a:solidFill>
-                <a:latin typeface="Arial" charset="0"/>
-              </a:rPr>
-              <a:t> </a:t>
-            </a:r>
-            <a:r>
-              <a:rPr lang="it-IT" sz="2000" dirty="0" err="1">
-                <a:solidFill>
-                  <a:srgbClr val="A6A6A6"/>
-                </a:solidFill>
-                <a:latin typeface="Arial" charset="0"/>
-              </a:rPr>
-              <a:t>system</a:t>
-            </a:r>
-            <a:r>
-              <a:rPr lang="it-IT" sz="2000" dirty="0">
-                <a:solidFill>
-                  <a:srgbClr val="A6A6A6"/>
-                </a:solidFill>
-                <a:latin typeface="Arial" charset="0"/>
-              </a:rPr>
-              <a:t> </a:t>
-            </a:r>
-            <a:r>
-              <a:rPr lang="it-IT" sz="2000" dirty="0" err="1">
-                <a:solidFill>
-                  <a:srgbClr val="A6A6A6"/>
-                </a:solidFill>
-                <a:latin typeface="Arial" charset="0"/>
-              </a:rPr>
-              <a:t>Hegira</a:t>
-            </a:r>
-            <a:endParaRPr lang="en-US" sz="2000" dirty="0">
+            <a:endParaRPr lang="en-US" sz="2000">
               <a:solidFill>
                 <a:srgbClr val="A6A6A6"/>
               </a:solidFill>
@@ -26042,7 +24468,7 @@
               </a:spcBef>
             </a:pPr>
             <a:r>
-              <a:rPr lang="it-IT" sz="2000" dirty="0">
+              <a:rPr lang="en-US" sz="2000" smtClean="0">
                 <a:solidFill>
                   <a:srgbClr val="003F6E"/>
                 </a:solidFill>
@@ -26050,7 +24476,7 @@
               </a:rPr>
               <a:t>Evaluation</a:t>
             </a:r>
-            <a:endParaRPr lang="en-US" sz="2000" dirty="0">
+            <a:endParaRPr lang="en-US" sz="2000">
               <a:solidFill>
                 <a:srgbClr val="003F6E"/>
               </a:solidFill>
@@ -26530,7 +24956,7 @@
             <a:pPr>
               <a:defRPr/>
             </a:pPr>
-            <a:endParaRPr lang="it-IT" b="1" dirty="0" smtClean="0">
+            <a:endParaRPr lang="en-US" b="1" smtClean="0">
               <a:solidFill>
                 <a:srgbClr val="003F6E"/>
               </a:solidFill>
@@ -26542,35 +24968,20 @@
               <a:defRPr/>
             </a:pPr>
             <a:r>
-              <a:rPr lang="en-US" b="1" dirty="0" smtClean="0">
+              <a:rPr lang="en-US" b="1" smtClean="0">
                 <a:solidFill>
                   <a:srgbClr val="003F6E"/>
                 </a:solidFill>
                 <a:latin typeface="Arial" charset="0"/>
               </a:rPr>
-              <a:t>          Cloud </a:t>
+              <a:t>          Cloud Serving Benchmark </a:t>
             </a:r>
-            <a:r>
-              <a:rPr lang="en-US" b="1" dirty="0">
-                <a:solidFill>
-                  <a:srgbClr val="003F6E"/>
-                </a:solidFill>
-                <a:latin typeface="Arial" charset="0"/>
-              </a:rPr>
-              <a:t>Serving Benchmark </a:t>
-            </a:r>
-            <a:endParaRPr lang="en-US" b="1" dirty="0" smtClean="0">
-              <a:solidFill>
-                <a:srgbClr val="003F6E"/>
-              </a:solidFill>
-              <a:latin typeface="Arial" charset="0"/>
-            </a:endParaRPr>
           </a:p>
           <a:p>
             <a:pPr marL="342900">
               <a:defRPr/>
             </a:pPr>
-            <a:endParaRPr lang="en-US" b="1" dirty="0">
+            <a:endParaRPr lang="en-US" b="1">
               <a:solidFill>
                 <a:srgbClr val="003F6E"/>
               </a:solidFill>
@@ -26603,13 +25014,13 @@
               <a:defRPr/>
             </a:pPr>
             <a:fld id="{329B80F2-9969-8E4C-82D3-CF433E59B3D8}" type="slidenum">
-              <a:rPr/>
+              <a:rPr lang="en-US" smtClean="0"/>
               <a:pPr>
                 <a:defRPr/>
               </a:pPr>
               <a:t>18</a:t>
             </a:fld>
-            <a:endParaRPr dirty="0"/>
+            <a:endParaRPr lang="en-US"/>
           </a:p>
         </p:txBody>
       </p:sp>
@@ -26623,7 +25034,7 @@
         </p:nvSpPr>
         <p:spPr bwMode="auto">
           <a:xfrm>
-            <a:off x="539552" y="4941168"/>
+            <a:off x="395536" y="4941168"/>
             <a:ext cx="8424862" cy="1440160"/>
           </a:xfrm>
           <a:prstGeom prst="rect">
@@ -27034,16 +25445,16 @@
               <a:defRPr/>
             </a:pPr>
             <a:r>
-              <a:rPr lang="it-IT" sz="1800" dirty="0" smtClean="0">
+              <a:rPr lang="en-US" sz="1800" dirty="0" smtClean="0">
                 <a:solidFill>
                   <a:srgbClr val="003F6E"/>
                 </a:solidFill>
                 <a:latin typeface="Arial" charset="0"/>
               </a:rPr>
-              <a:t>Compare Kundera client </a:t>
+              <a:t>   Compare Kundera client </a:t>
             </a:r>
             <a:r>
-              <a:rPr lang="it-IT" sz="1800" dirty="0" err="1" smtClean="0">
+              <a:rPr lang="en-US" sz="1800" dirty="0" err="1" smtClean="0">
                 <a:solidFill>
                   <a:srgbClr val="003F6E"/>
                 </a:solidFill>
@@ -27052,68 +25463,17 @@
               <a:t>w.r.t</a:t>
             </a:r>
             <a:r>
-              <a:rPr lang="it-IT" sz="1800" dirty="0" smtClean="0">
+              <a:rPr lang="en-US" sz="1800" dirty="0" smtClean="0">
                 <a:solidFill>
                   <a:srgbClr val="003F6E"/>
                 </a:solidFill>
                 <a:latin typeface="Arial" charset="0"/>
               </a:rPr>
-              <a:t>. the use of </a:t>
+              <a:t>. the use of low-level API for the same operations</a:t>
             </a:r>
-            <a:r>
-              <a:rPr lang="it-IT" sz="1800" dirty="0" err="1" smtClean="0">
-                <a:solidFill>
-                  <a:srgbClr val="003F6E"/>
-                </a:solidFill>
-                <a:latin typeface="Arial" charset="0"/>
-              </a:rPr>
-              <a:t>low-level</a:t>
-            </a:r>
-            <a:r>
-              <a:rPr lang="it-IT" sz="1800" dirty="0" smtClean="0">
-                <a:solidFill>
-                  <a:srgbClr val="003F6E"/>
-                </a:solidFill>
-                <a:latin typeface="Arial" charset="0"/>
-              </a:rPr>
-              <a:t> API for the </a:t>
-            </a:r>
-            <a:r>
-              <a:rPr lang="it-IT" sz="1800" dirty="0" err="1" smtClean="0">
-                <a:solidFill>
-                  <a:srgbClr val="003F6E"/>
-                </a:solidFill>
-                <a:latin typeface="Arial" charset="0"/>
-              </a:rPr>
-              <a:t>same</a:t>
-            </a:r>
-            <a:r>
-              <a:rPr lang="it-IT" sz="1800" dirty="0" smtClean="0">
-                <a:solidFill>
-                  <a:srgbClr val="003F6E"/>
-                </a:solidFill>
-                <a:latin typeface="Arial" charset="0"/>
-              </a:rPr>
-              <a:t> </a:t>
-            </a:r>
-            <a:r>
-              <a:rPr lang="it-IT" sz="1800" dirty="0" err="1" smtClean="0">
-                <a:solidFill>
-                  <a:srgbClr val="003F6E"/>
-                </a:solidFill>
-                <a:latin typeface="Arial" charset="0"/>
-              </a:rPr>
-              <a:t>operations</a:t>
-            </a:r>
-            <a:endParaRPr lang="it-IT" sz="1800" dirty="0" smtClean="0">
-              <a:solidFill>
-                <a:srgbClr val="003F6E"/>
-              </a:solidFill>
-              <a:latin typeface="Arial" charset="0"/>
-            </a:endParaRPr>
-          </a:p>
-          <a:p>
-            <a:pPr marL="270000">
+          </a:p>
+          <a:p>
+            <a:pPr marL="688974" lvl="1">
               <a:lnSpc>
                 <a:spcPct val="140000"/>
               </a:lnSpc>
@@ -27126,68 +25486,17 @@
               <a:defRPr/>
             </a:pPr>
             <a:r>
-              <a:rPr lang="it-IT" sz="1800" dirty="0" smtClean="0">
+              <a:rPr lang="en-US" sz="1800" dirty="0" smtClean="0">
                 <a:solidFill>
                   <a:srgbClr val="003F6E"/>
                 </a:solidFill>
                 <a:latin typeface="Arial" charset="0"/>
               </a:rPr>
-              <a:t>D</a:t>
+              <a:t>Development of new adapter for operations through Kundera</a:t>
             </a:r>
-            <a:r>
-              <a:rPr lang="en-US" sz="1800" dirty="0" err="1" smtClean="0">
-                <a:solidFill>
-                  <a:srgbClr val="003F6E"/>
-                </a:solidFill>
-                <a:latin typeface="Arial" charset="0"/>
-              </a:rPr>
-              <a:t>evelopment</a:t>
-            </a:r>
-            <a:r>
-              <a:rPr lang="en-US" sz="1800" dirty="0" smtClean="0">
-                <a:solidFill>
-                  <a:srgbClr val="003F6E"/>
-                </a:solidFill>
-                <a:latin typeface="Arial" charset="0"/>
-              </a:rPr>
-              <a:t> </a:t>
-            </a:r>
-            <a:r>
-              <a:rPr lang="en-US" sz="1800" dirty="0" smtClean="0">
-                <a:solidFill>
-                  <a:srgbClr val="003F6E"/>
-                </a:solidFill>
-                <a:latin typeface="Arial" charset="0"/>
-              </a:rPr>
-              <a:t>of new adapter for </a:t>
-            </a:r>
-            <a:r>
-              <a:rPr lang="en-US" sz="1800" dirty="0">
-                <a:solidFill>
-                  <a:srgbClr val="003F6E"/>
-                </a:solidFill>
-                <a:latin typeface="Arial" charset="0"/>
-              </a:rPr>
-              <a:t>operations through </a:t>
-            </a:r>
-            <a:r>
-              <a:rPr lang="en-US" sz="1800" dirty="0" err="1">
-                <a:solidFill>
-                  <a:srgbClr val="003F6E"/>
-                </a:solidFill>
-                <a:latin typeface="Arial" charset="0"/>
-              </a:rPr>
-              <a:t>Kundera</a:t>
-            </a:r>
-            <a:endParaRPr lang="en-US" sz="1800" dirty="0">
-              <a:solidFill>
-                <a:srgbClr val="003F6E"/>
-              </a:solidFill>
-              <a:latin typeface="Arial" charset="0"/>
-            </a:endParaRPr>
-          </a:p>
-          <a:p>
-            <a:pPr marL="342900">
+          </a:p>
+          <a:p>
+            <a:pPr marL="688974" lvl="1">
               <a:lnSpc>
                 <a:spcPct val="140000"/>
               </a:lnSpc>
@@ -27200,71 +25509,17 @@
               <a:defRPr/>
             </a:pPr>
             <a:r>
-              <a:rPr lang="it-IT" sz="1800" dirty="0">
+              <a:rPr lang="en-US" sz="1800" dirty="0" smtClean="0">
                 <a:solidFill>
                   <a:srgbClr val="003F6E"/>
                 </a:solidFill>
                 <a:latin typeface="Arial" charset="0"/>
               </a:rPr>
-              <a:t>D</a:t>
+              <a:t>Development of new adapter for operations through the low-level API</a:t>
             </a:r>
-            <a:r>
-              <a:rPr lang="en-US" sz="1800" dirty="0" err="1">
-                <a:solidFill>
-                  <a:srgbClr val="003F6E"/>
-                </a:solidFill>
-                <a:latin typeface="Arial" charset="0"/>
-              </a:rPr>
-              <a:t>evelopment</a:t>
-            </a:r>
-            <a:r>
-              <a:rPr lang="en-US" sz="1800" dirty="0">
-                <a:solidFill>
-                  <a:srgbClr val="003F6E"/>
-                </a:solidFill>
-                <a:latin typeface="Arial" charset="0"/>
-              </a:rPr>
-              <a:t> of new adapter </a:t>
-            </a:r>
-            <a:r>
-              <a:rPr lang="en-US" sz="1800" dirty="0" smtClean="0">
-                <a:solidFill>
-                  <a:srgbClr val="003F6E"/>
-                </a:solidFill>
-                <a:latin typeface="Arial" charset="0"/>
-              </a:rPr>
-              <a:t>for </a:t>
-            </a:r>
-            <a:r>
-              <a:rPr lang="en-US" sz="1800" dirty="0">
-                <a:solidFill>
-                  <a:srgbClr val="003F6E"/>
-                </a:solidFill>
-                <a:latin typeface="Arial" charset="0"/>
-              </a:rPr>
-              <a:t>operations through </a:t>
-            </a:r>
-            <a:r>
-              <a:rPr lang="en-US" sz="1800" dirty="0" smtClean="0">
-                <a:solidFill>
-                  <a:srgbClr val="003F6E"/>
-                </a:solidFill>
-                <a:latin typeface="Arial" charset="0"/>
-              </a:rPr>
-              <a:t>the low</a:t>
-            </a:r>
-            <a:r>
-              <a:rPr lang="en-US" sz="1800" dirty="0">
-                <a:solidFill>
-                  <a:srgbClr val="003F6E"/>
-                </a:solidFill>
-                <a:latin typeface="Arial" charset="0"/>
-              </a:rPr>
-              <a:t>-level API</a:t>
-            </a:r>
-          </a:p>
-          <a:p>
-            <a:pPr marL="342900">
+          </a:p>
+          <a:p>
+            <a:pPr marL="1587" indent="0">
               <a:lnSpc>
                 <a:spcPct val="140000"/>
               </a:lnSpc>
@@ -27272,8 +25527,6 @@
                 <a:spcPts val="500"/>
               </a:spcBef>
               <a:buClrTx/>
-              <a:buFont typeface="Arial"/>
-              <a:buChar char="•"/>
               <a:defRPr/>
             </a:pPr>
             <a:endParaRPr lang="en-US" sz="1800" dirty="0" smtClean="0">
@@ -27390,31 +25643,13 @@
                 <a:defRPr/>
               </a:pPr>
               <a:r>
-                <a:rPr lang="it-IT" sz="1600" dirty="0" err="1">
+                <a:rPr lang="en-US" sz="1600" smtClean="0">
                   <a:solidFill>
                     <a:srgbClr val="003F6E"/>
                   </a:solidFill>
                   <a:latin typeface="Arial" charset="0"/>
                 </a:rPr>
-                <a:t>W</a:t>
-              </a:r>
-              <a:r>
-                <a:rPr lang="en-US" sz="1600" dirty="0" err="1">
-                  <a:solidFill>
-                    <a:srgbClr val="003F6E"/>
-                  </a:solidFill>
-                  <a:latin typeface="Arial" charset="0"/>
-                </a:rPr>
-                <a:t>orkload</a:t>
-              </a:r>
-              <a:r>
-                <a:rPr lang="en-US" sz="1600" dirty="0">
-                  <a:solidFill>
-                    <a:srgbClr val="003F6E"/>
-                  </a:solidFill>
-                  <a:latin typeface="Arial" charset="0"/>
-                </a:rPr>
-                <a:t> </a:t>
+                <a:t>Workload </a:t>
               </a:r>
             </a:p>
             <a:p>
@@ -27431,7 +25666,7 @@
                 <a:defRPr/>
               </a:pPr>
               <a:r>
-                <a:rPr lang="en-US" sz="1600" dirty="0">
+                <a:rPr lang="en-US" sz="1600" smtClean="0">
                   <a:solidFill>
                     <a:srgbClr val="003F6E"/>
                   </a:solidFill>
@@ -27444,7 +25679,7 @@
               <a:pPr algn="ctr">
                 <a:defRPr/>
               </a:pPr>
-              <a:endParaRPr lang="it-IT" sz="1600" dirty="0"/>
+              <a:endParaRPr lang="en-US" sz="1600"/>
             </a:p>
           </p:txBody>
         </p:sp>
@@ -27547,7 +25782,7 @@
               <a:bodyPr/>
               <a:lstStyle/>
               <a:p>
-                <a:endParaRPr lang="it-IT"/>
+                <a:endParaRPr lang="en-US"/>
               </a:p>
             </p:txBody>
           </p:sp>
@@ -27562,7 +25797,7 @@
             <p:spPr bwMode="auto">
               <a:xfrm>
                 <a:off x="5724128" y="3429000"/>
-                <a:ext cx="1584176" cy="782163"/>
+                <a:ext cx="1584176" cy="832693"/>
               </a:xfrm>
               <a:prstGeom prst="rect">
                 <a:avLst/>
@@ -27599,7 +25834,7 @@
               <a:p>
                 <a:pPr algn="ctr"/>
                 <a:r>
-                  <a:rPr lang="it-IT" sz="1600" dirty="0" err="1">
+                  <a:rPr lang="en-US" sz="1600" smtClean="0">
                     <a:solidFill>
                       <a:srgbClr val="003F6E"/>
                     </a:solidFill>
@@ -27607,17 +25842,8 @@
                   </a:rPr>
                   <a:t>Transaction</a:t>
                 </a:r>
-                <a:r>
-                  <a:rPr lang="it-IT" sz="1600" dirty="0">
-                    <a:solidFill>
-                      <a:srgbClr val="003F6E"/>
-                    </a:solidFill>
-                    <a:latin typeface="Arial" charset="0"/>
-                  </a:rPr>
-                  <a:t/>
-                </a:r>
                 <a:br>
-                  <a:rPr lang="it-IT" sz="1600" dirty="0">
+                  <a:rPr lang="en-US" sz="1600" smtClean="0">
                     <a:solidFill>
                       <a:srgbClr val="003F6E"/>
                     </a:solidFill>
@@ -27625,7 +25851,7 @@
                   </a:rPr>
                 </a:br>
                 <a:r>
-                  <a:rPr lang="it-IT" sz="1600" dirty="0" err="1">
+                  <a:rPr lang="en-US" sz="1600" smtClean="0">
                     <a:solidFill>
                       <a:srgbClr val="003F6E"/>
                     </a:solidFill>
@@ -27633,17 +25859,8 @@
                   </a:rPr>
                   <a:t>phase</a:t>
                 </a:r>
-                <a:r>
-                  <a:rPr lang="it-IT" sz="1600" dirty="0">
-                    <a:solidFill>
-                      <a:srgbClr val="003F6E"/>
-                    </a:solidFill>
-                    <a:latin typeface="Arial" charset="0"/>
-                  </a:rPr>
-                  <a:t/>
-                </a:r>
                 <a:br>
-                  <a:rPr lang="it-IT" sz="1600" dirty="0">
+                  <a:rPr lang="en-US" sz="1600" smtClean="0">
                     <a:solidFill>
                       <a:srgbClr val="003F6E"/>
                     </a:solidFill>
@@ -27651,32 +25868,20 @@
                   </a:rPr>
                 </a:br>
                 <a:r>
-                  <a:rPr lang="it-IT" sz="1600" dirty="0">
+                  <a:rPr lang="en-US" sz="1600" smtClean="0">
                     <a:solidFill>
                       <a:srgbClr val="003F6E"/>
                     </a:solidFill>
                     <a:latin typeface="Arial" charset="0"/>
                   </a:rPr>
-                  <a:t>(</a:t>
+                  <a:t>(read)</a:t>
                 </a:r>
-                <a:r>
-                  <a:rPr lang="it-IT" sz="1600" dirty="0" err="1">
-                    <a:solidFill>
-                      <a:srgbClr val="003F6E"/>
-                    </a:solidFill>
-                    <a:latin typeface="Arial" charset="0"/>
-                  </a:rPr>
-                  <a:t>read</a:t>
-                </a:r>
-                <a:r>
-                  <a:rPr lang="it-IT" sz="1600" dirty="0">
-                    <a:solidFill>
-                      <a:srgbClr val="003F6E"/>
-                    </a:solidFill>
-                    <a:latin typeface="Arial" charset="0"/>
-                  </a:rPr>
-                  <a:t>)</a:t>
-                </a:r>
+                <a:endParaRPr lang="en-US" sz="1600">
+                  <a:solidFill>
+                    <a:srgbClr val="003F6E"/>
+                  </a:solidFill>
+                  <a:latin typeface="Arial" charset="0"/>
+                </a:endParaRPr>
               </a:p>
             </p:txBody>
           </p:sp>
@@ -27738,7 +25943,7 @@
               <a:bodyPr/>
               <a:lstStyle/>
               <a:p>
-                <a:endParaRPr lang="it-IT"/>
+                <a:endParaRPr lang="en-US"/>
               </a:p>
             </p:txBody>
           </p:sp>
@@ -27753,7 +25958,7 @@
             <p:spPr bwMode="auto">
               <a:xfrm>
                 <a:off x="5724128" y="3429000"/>
-                <a:ext cx="1584176" cy="782163"/>
+                <a:ext cx="1584176" cy="832693"/>
               </a:xfrm>
               <a:prstGeom prst="rect">
                 <a:avLst/>
@@ -27790,7 +25995,7 @@
               <a:p>
                 <a:pPr algn="ctr"/>
                 <a:r>
-                  <a:rPr lang="it-IT" sz="1600" dirty="0" err="1">
+                  <a:rPr lang="en-US" sz="1600" smtClean="0">
                     <a:solidFill>
                       <a:srgbClr val="003F6E"/>
                     </a:solidFill>
@@ -27798,17 +26003,8 @@
                   </a:rPr>
                   <a:t>Load</a:t>
                 </a:r>
-                <a:r>
-                  <a:rPr lang="it-IT" sz="1600" dirty="0">
-                    <a:solidFill>
-                      <a:srgbClr val="003F6E"/>
-                    </a:solidFill>
-                    <a:latin typeface="Arial" charset="0"/>
-                  </a:rPr>
-                  <a:t/>
-                </a:r>
                 <a:br>
-                  <a:rPr lang="it-IT" sz="1600" dirty="0">
+                  <a:rPr lang="en-US" sz="1600" smtClean="0">
                     <a:solidFill>
                       <a:srgbClr val="003F6E"/>
                     </a:solidFill>
@@ -27816,7 +26012,7 @@
                   </a:rPr>
                 </a:br>
                 <a:r>
-                  <a:rPr lang="it-IT" sz="1600" dirty="0" err="1">
+                  <a:rPr lang="en-US" sz="1600" smtClean="0">
                     <a:solidFill>
                       <a:srgbClr val="003F6E"/>
                     </a:solidFill>
@@ -27824,42 +26020,24 @@
                   </a:rPr>
                   <a:t>phase</a:t>
                 </a:r>
-                <a:endParaRPr lang="it-IT" sz="1600" dirty="0">
+              </a:p>
+              <a:p>
+                <a:pPr algn="ctr"/>
+                <a:r>
+                  <a:rPr lang="en-US" sz="1600" smtClean="0">
+                    <a:solidFill>
+                      <a:srgbClr val="003F6E"/>
+                    </a:solidFill>
+                    <a:latin typeface="Arial" charset="0"/>
+                  </a:rPr>
+                  <a:t>(write)</a:t>
+                </a:r>
+                <a:endParaRPr lang="en-US" sz="1600">
                   <a:solidFill>
                     <a:srgbClr val="003F6E"/>
                   </a:solidFill>
                   <a:latin typeface="Arial" charset="0"/>
                 </a:endParaRPr>
-              </a:p>
-              <a:p>
-                <a:pPr algn="ctr"/>
-                <a:r>
-                  <a:rPr lang="it-IT" sz="1600" dirty="0">
-                    <a:solidFill>
-                      <a:srgbClr val="003F6E"/>
-                    </a:solidFill>
-                    <a:latin typeface="Arial" charset="0"/>
-                  </a:rPr>
-                  <a:t>(</a:t>
-                </a:r>
-                <a:r>
-                  <a:rPr lang="it-IT" sz="1600" dirty="0" err="1">
-                    <a:solidFill>
-                      <a:srgbClr val="003F6E"/>
-                    </a:solidFill>
-                    <a:latin typeface="Arial" charset="0"/>
-                  </a:rPr>
-                  <a:t>write</a:t>
-                </a:r>
-                <a:r>
-                  <a:rPr lang="it-IT" sz="1600" dirty="0">
-                    <a:solidFill>
-                      <a:srgbClr val="003F6E"/>
-                    </a:solidFill>
-                    <a:latin typeface="Arial" charset="0"/>
-                  </a:rPr>
-                  <a:t>)</a:t>
-                </a:r>
               </a:p>
             </p:txBody>
           </p:sp>
@@ -27996,7 +26174,7 @@
               <a:bodyPr/>
               <a:lstStyle/>
               <a:p>
-                <a:endParaRPr lang="it-IT"/>
+                <a:endParaRPr lang="en-US"/>
               </a:p>
             </p:txBody>
           </p:sp>
@@ -28048,7 +26226,7 @@
                 <a:bodyPr/>
                 <a:lstStyle/>
                 <a:p>
-                  <a:endParaRPr lang="it-IT"/>
+                  <a:endParaRPr lang="en-US"/>
                 </a:p>
               </p:txBody>
             </p:sp>
@@ -28091,7 +26269,7 @@
                 <a:bodyPr/>
                 <a:lstStyle/>
                 <a:p>
-                  <a:endParaRPr lang="it-IT"/>
+                  <a:endParaRPr lang="en-US"/>
                 </a:p>
               </p:txBody>
             </p:sp>
@@ -28134,7 +26312,7 @@
                 <a:bodyPr/>
                 <a:lstStyle/>
                 <a:p>
-                  <a:endParaRPr lang="it-IT"/>
+                  <a:endParaRPr lang="en-US"/>
                 </a:p>
               </p:txBody>
             </p:sp>
@@ -28172,7 +26350,7 @@
                 <a:bodyPr/>
                 <a:lstStyle/>
                 <a:p>
-                  <a:endParaRPr lang="it-IT"/>
+                  <a:endParaRPr lang="en-US"/>
                 </a:p>
               </p:txBody>
             </p:sp>
@@ -28226,7 +26404,7 @@
               <a:bodyPr/>
               <a:lstStyle/>
               <a:p>
-                <a:endParaRPr lang="it-IT"/>
+                <a:endParaRPr lang="en-US"/>
               </a:p>
             </p:txBody>
           </p:sp>
@@ -28278,7 +26456,7 @@
                 <a:bodyPr/>
                 <a:lstStyle/>
                 <a:p>
-                  <a:endParaRPr lang="it-IT"/>
+                  <a:endParaRPr lang="en-US"/>
                 </a:p>
               </p:txBody>
             </p:sp>
@@ -28321,7 +26499,7 @@
                 <a:bodyPr/>
                 <a:lstStyle/>
                 <a:p>
-                  <a:endParaRPr lang="it-IT"/>
+                  <a:endParaRPr lang="en-US"/>
                 </a:p>
               </p:txBody>
             </p:sp>
@@ -28364,7 +26542,7 @@
                 <a:bodyPr/>
                 <a:lstStyle/>
                 <a:p>
-                  <a:endParaRPr lang="it-IT"/>
+                  <a:endParaRPr lang="en-US"/>
                 </a:p>
               </p:txBody>
             </p:sp>
@@ -28402,7 +26580,7 @@
                 <a:bodyPr/>
                 <a:lstStyle/>
                 <a:p>
-                  <a:endParaRPr lang="it-IT"/>
+                  <a:endParaRPr lang="en-US"/>
                 </a:p>
               </p:txBody>
             </p:sp>
@@ -28605,7 +26783,7 @@
                 <a:buNone/>
               </a:pPr>
               <a:r>
-                <a:rPr lang="it-IT" sz="1600" dirty="0">
+                <a:rPr lang="en-US" sz="1600" dirty="0" smtClean="0">
                   <a:solidFill>
                     <a:srgbClr val="003F6E"/>
                   </a:solidFill>
@@ -28614,7 +26792,7 @@
                 <a:t>        Write</a:t>
               </a:r>
               <a:br>
-                <a:rPr lang="it-IT" sz="1600" dirty="0">
+                <a:rPr lang="en-US" sz="1600" dirty="0" smtClean="0">
                   <a:solidFill>
                     <a:srgbClr val="003F6E"/>
                   </a:solidFill>
@@ -28622,34 +26800,16 @@
                 </a:rPr>
               </a:br>
               <a:r>
-                <a:rPr lang="it-IT" sz="1600" dirty="0">
+                <a:rPr lang="en-US" sz="1600" dirty="0" smtClean="0">
                   <a:solidFill>
                     <a:srgbClr val="003F6E"/>
                   </a:solidFill>
                   <a:latin typeface="Arial" charset="0"/>
                 </a:rPr>
-                <a:t>     </a:t>
-              </a:r>
-              <a:r>
-                <a:rPr lang="it-IT" sz="1600" dirty="0" err="1">
-                  <a:solidFill>
-                    <a:srgbClr val="003F6E"/>
-                  </a:solidFill>
-                  <a:latin typeface="Arial" charset="0"/>
-                </a:rPr>
-                <a:t>operation</a:t>
-              </a:r>
-              <a:r>
-                <a:rPr lang="it-IT" sz="1600" dirty="0">
-                  <a:solidFill>
-                    <a:srgbClr val="003F6E"/>
-                  </a:solidFill>
-                  <a:latin typeface="Arial" charset="0"/>
-                </a:rPr>
-                <a:t> </a:t>
+                <a:t>     operation </a:t>
               </a:r>
               <a:br>
-                <a:rPr lang="it-IT" sz="1600" dirty="0">
+                <a:rPr lang="en-US" sz="1600" dirty="0" smtClean="0">
                   <a:solidFill>
                     <a:srgbClr val="003F6E"/>
                   </a:solidFill>
@@ -28657,7 +26817,7 @@
                 </a:rPr>
               </a:br>
               <a:r>
-                <a:rPr lang="it-IT" sz="1600" dirty="0">
+                <a:rPr lang="en-US" sz="1600" dirty="0" smtClean="0">
                   <a:solidFill>
                     <a:srgbClr val="003F6E"/>
                   </a:solidFill>
@@ -28709,7 +26869,7 @@
                 <a:defRPr/>
               </a:pPr>
               <a:r>
-                <a:rPr lang="it-IT" sz="1600" dirty="0">
+                <a:rPr lang="en-US" sz="1600" smtClean="0">
                   <a:solidFill>
                     <a:srgbClr val="003F6E"/>
                   </a:solidFill>
@@ -28732,34 +26892,16 @@
                 <a:defRPr/>
               </a:pPr>
               <a:r>
-                <a:rPr lang="it-IT" sz="1600" dirty="0">
+                <a:rPr lang="en-US" sz="1600" smtClean="0">
                   <a:solidFill>
                     <a:srgbClr val="003F6E"/>
                   </a:solidFill>
                   <a:latin typeface="Arial" charset="0"/>
                 </a:rPr>
-                <a:t>     </a:t>
-              </a:r>
-              <a:r>
-                <a:rPr lang="it-IT" sz="1600" dirty="0" err="1">
-                  <a:solidFill>
-                    <a:srgbClr val="003F6E"/>
-                  </a:solidFill>
-                  <a:latin typeface="Arial" charset="0"/>
-                </a:rPr>
-                <a:t>operation</a:t>
-              </a:r>
-              <a:r>
-                <a:rPr lang="it-IT" sz="1600" dirty="0">
-                  <a:solidFill>
-                    <a:srgbClr val="003F6E"/>
-                  </a:solidFill>
-                  <a:latin typeface="Arial" charset="0"/>
-                </a:rPr>
-                <a:t> </a:t>
+                <a:t>     operation </a:t>
               </a:r>
               <a:br>
-                <a:rPr lang="it-IT" sz="1600" dirty="0">
+                <a:rPr lang="en-US" sz="1600" smtClean="0">
                   <a:solidFill>
                     <a:srgbClr val="003F6E"/>
                   </a:solidFill>
@@ -28767,7 +26909,7 @@
                 </a:rPr>
               </a:br>
               <a:r>
-                <a:rPr lang="it-IT" sz="1600" dirty="0">
+                <a:rPr lang="en-US" sz="1600" smtClean="0">
                   <a:solidFill>
                     <a:srgbClr val="003F6E"/>
                   </a:solidFill>
@@ -28775,12 +26917,6 @@
                 </a:rPr>
                 <a:t>        report</a:t>
               </a:r>
-              <a:endParaRPr lang="en-US" sz="1600" dirty="0">
-                <a:solidFill>
-                  <a:srgbClr val="003F6E"/>
-                </a:solidFill>
-                <a:latin typeface="Arial" charset="0"/>
-              </a:endParaRPr>
             </a:p>
             <a:p>
               <a:pPr algn="ctr">
@@ -28789,7 +26925,7 @@
                 </a:lnSpc>
                 <a:defRPr/>
               </a:pPr>
-              <a:endParaRPr lang="it-IT" sz="1600" dirty="0"/>
+              <a:endParaRPr lang="en-US" sz="1600"/>
             </a:p>
           </p:txBody>
         </p:sp>
@@ -28828,7 +26964,7 @@
                 <a:defRPr/>
               </a:pPr>
               <a:r>
-                <a:rPr lang="it-IT" sz="1400" dirty="0" err="1">
+                <a:rPr lang="en-US" sz="1400" smtClean="0">
                   <a:solidFill>
                     <a:srgbClr val="003F6E"/>
                   </a:solidFill>
@@ -28836,18 +26972,12 @@
                 </a:rPr>
                 <a:t>produces</a:t>
               </a:r>
-              <a:endParaRPr lang="en-US" sz="1400" dirty="0">
-                <a:solidFill>
-                  <a:srgbClr val="003F6E"/>
-                </a:solidFill>
-                <a:latin typeface="Arial" charset="0"/>
-              </a:endParaRPr>
             </a:p>
             <a:p>
               <a:pPr algn="ctr">
                 <a:defRPr/>
               </a:pPr>
-              <a:endParaRPr lang="it-IT" sz="1600" dirty="0"/>
+              <a:endParaRPr lang="en-US" sz="1600"/>
             </a:p>
           </p:txBody>
         </p:sp>
@@ -28930,7 +27060,7 @@
                 <a:defRPr/>
               </a:pPr>
               <a:r>
-                <a:rPr lang="it-IT" sz="1400" dirty="0" err="1">
+                <a:rPr lang="en-US" sz="1400" smtClean="0">
                   <a:solidFill>
                     <a:srgbClr val="003F6E"/>
                   </a:solidFill>
@@ -28938,7 +27068,7 @@
                 </a:rPr>
                 <a:t>produces</a:t>
               </a:r>
-              <a:endParaRPr lang="en-US" sz="1600" dirty="0">
+              <a:endParaRPr lang="en-US" sz="1600" smtClean="0">
                 <a:solidFill>
                   <a:srgbClr val="003F6E"/>
                 </a:solidFill>
@@ -28949,7 +27079,7 @@
               <a:pPr algn="ctr">
                 <a:defRPr/>
               </a:pPr>
-              <a:endParaRPr lang="it-IT" sz="1800" dirty="0"/>
+              <a:endParaRPr lang="en-US" sz="1800"/>
             </a:p>
           </p:txBody>
         </p:sp>
@@ -29441,25 +27571,7 @@
                 </a:solidFill>
                 <a:latin typeface="Arial" charset="0"/>
               </a:rPr>
-              <a:t>different </a:t>
-            </a:r>
-            <a:r>
-              <a:rPr lang="en-US" sz="1800" dirty="0" err="1" smtClean="0">
-                <a:solidFill>
-                  <a:srgbClr val="003F6E"/>
-                </a:solidFill>
-                <a:latin typeface="Arial" charset="0"/>
-              </a:rPr>
-              <a:t>NoSQL</a:t>
-            </a:r>
-            <a:r>
-              <a:rPr lang="en-US" sz="1800" dirty="0" smtClean="0">
-                <a:solidFill>
-                  <a:srgbClr val="003F6E"/>
-                </a:solidFill>
-                <a:latin typeface="Arial" charset="0"/>
-              </a:rPr>
-              <a:t> databases</a:t>
+              <a:t>different NoSQL databases</a:t>
             </a:r>
           </a:p>
         </p:txBody>
@@ -29541,13 +27653,13 @@
               <a:defRPr/>
             </a:pPr>
             <a:fld id="{47E00AAF-EBC7-F049-9153-5B497CB8BFD3}" type="slidenum">
-              <a:rPr/>
+              <a:rPr lang="en-US" smtClean="0"/>
               <a:pPr>
                 <a:defRPr/>
               </a:pPr>
               <a:t>19</a:t>
             </a:fld>
-            <a:endParaRPr dirty="0"/>
+            <a:endParaRPr lang="en-US"/>
           </a:p>
         </p:txBody>
       </p:sp>
@@ -29964,7 +28076,7 @@
             <a:pPr>
               <a:defRPr/>
             </a:pPr>
-            <a:endParaRPr lang="it-IT" b="1" dirty="0" smtClean="0">
+            <a:endParaRPr lang="en-US" b="1" smtClean="0">
               <a:solidFill>
                 <a:srgbClr val="003F6E"/>
               </a:solidFill>
@@ -29976,7 +28088,7 @@
               <a:defRPr/>
             </a:pPr>
             <a:r>
-              <a:rPr lang="it-IT" b="1" dirty="0" smtClean="0">
+              <a:rPr lang="en-US" b="1" smtClean="0">
                 <a:solidFill>
                   <a:srgbClr val="003F6E"/>
                 </a:solidFill>
@@ -29984,12 +28096,6 @@
               </a:rPr>
               <a:t>Environment setup</a:t>
             </a:r>
-            <a:endParaRPr lang="it-IT" b="1" dirty="0" smtClean="0">
-              <a:solidFill>
-                <a:srgbClr val="003F6E"/>
-              </a:solidFill>
-              <a:latin typeface="Arial" charset="0"/>
-            </a:endParaRPr>
           </a:p>
         </p:txBody>
       </p:sp>
@@ -30124,7 +28230,7 @@
                   <a:defRPr/>
                 </a:pPr>
                 <a:r>
-                  <a:rPr lang="it-IT" sz="1600" dirty="0">
+                  <a:rPr lang="en-US" sz="1600" dirty="0" smtClean="0">
                     <a:solidFill>
                       <a:srgbClr val="003F6E"/>
                     </a:solidFill>
@@ -30133,7 +28239,7 @@
                   <a:t>YCSB</a:t>
                 </a:r>
                 <a:br>
-                  <a:rPr lang="it-IT" sz="1600" dirty="0">
+                  <a:rPr lang="en-US" sz="1600" dirty="0" smtClean="0">
                     <a:solidFill>
                       <a:srgbClr val="003F6E"/>
                     </a:solidFill>
@@ -30141,7 +28247,7 @@
                   </a:rPr>
                 </a:br>
                 <a:r>
-                  <a:rPr lang="it-IT" sz="1600" dirty="0">
+                  <a:rPr lang="en-US" sz="1600" dirty="0" smtClean="0">
                     <a:solidFill>
                       <a:srgbClr val="003F6E"/>
                     </a:solidFill>
@@ -30158,29 +28264,14 @@
                   <a:defRPr/>
                 </a:pPr>
                 <a:r>
-                  <a:rPr lang="it-IT" sz="1600" dirty="0">
+                  <a:rPr lang="en-US" sz="1600" dirty="0" smtClean="0">
                     <a:solidFill>
                       <a:srgbClr val="003F6E"/>
                     </a:solidFill>
                     <a:latin typeface="Arial" charset="0"/>
                   </a:rPr>
-                  <a:t>YCSB </a:t>
+                  <a:t>YCSB adapters</a:t>
                 </a:r>
-                <a:r>
-                  <a:rPr lang="it-IT" sz="1600" dirty="0" err="1" smtClean="0">
-                    <a:solidFill>
-                      <a:srgbClr val="003F6E"/>
-                    </a:solidFill>
-                    <a:latin typeface="Arial" charset="0"/>
-                  </a:rPr>
-                  <a:t>adapters</a:t>
-                </a:r>
-                <a:endParaRPr lang="it-IT" sz="1600" dirty="0">
-                  <a:solidFill>
-                    <a:srgbClr val="003F6E"/>
-                  </a:solidFill>
-                  <a:latin typeface="Arial" charset="0"/>
-                </a:endParaRPr>
               </a:p>
               <a:p>
                 <a:pPr algn="ctr">
@@ -30190,7 +28281,7 @@
                   <a:defRPr/>
                 </a:pPr>
                 <a:r>
-                  <a:rPr lang="it-IT" sz="1600" dirty="0">
+                  <a:rPr lang="en-US" sz="1600" dirty="0" smtClean="0">
                     <a:solidFill>
                       <a:srgbClr val="003F6E"/>
                     </a:solidFill>
@@ -30199,7 +28290,7 @@
                   <a:t>+ </a:t>
                 </a:r>
                 <a:br>
-                  <a:rPr lang="it-IT" sz="1600" dirty="0">
+                  <a:rPr lang="en-US" sz="1600" dirty="0" smtClean="0">
                     <a:solidFill>
                       <a:srgbClr val="003F6E"/>
                     </a:solidFill>
@@ -30207,42 +28298,15 @@
                   </a:rPr>
                 </a:br>
                 <a:r>
-                  <a:rPr lang="it-IT" sz="1600" dirty="0">
+                  <a:rPr lang="en-US" sz="1600" dirty="0" smtClean="0">
                     <a:solidFill>
                       <a:srgbClr val="003F6E"/>
                     </a:solidFill>
                     <a:latin typeface="Arial" charset="0"/>
                   </a:rPr>
-                  <a:t>Kundera GAE </a:t>
+                  <a:t>Kundera GAE Datastore client </a:t>
                 </a:r>
-                <a:r>
-                  <a:rPr lang="it-IT" sz="1600" dirty="0" err="1">
-                    <a:solidFill>
-                      <a:srgbClr val="003F6E"/>
-                    </a:solidFill>
-                    <a:latin typeface="Arial" charset="0"/>
-                  </a:rPr>
-                  <a:t>Datastore</a:t>
-                </a:r>
-                <a:r>
-                  <a:rPr lang="it-IT" sz="1600" dirty="0">
-                    <a:solidFill>
-                      <a:srgbClr val="003F6E"/>
-                    </a:solidFill>
-                    <a:latin typeface="Arial" charset="0"/>
-                  </a:rPr>
-                  <a:t> </a:t>
-                </a:r>
-                <a:r>
-                  <a:rPr lang="en-US" sz="1600" dirty="0">
-                    <a:solidFill>
-                      <a:srgbClr val="003F6E"/>
-                    </a:solidFill>
-                    <a:latin typeface="Arial" charset="0"/>
-                  </a:rPr>
-                  <a:t>client </a:t>
-                </a:r>
-                <a:endParaRPr lang="it-IT" sz="1600" dirty="0">
+                <a:endParaRPr lang="en-US" sz="1600" dirty="0" smtClean="0">
                   <a:solidFill>
                     <a:schemeClr val="tx1"/>
                   </a:solidFill>
@@ -30258,7 +28322,7 @@
                   </a:lnSpc>
                   <a:defRPr/>
                 </a:pPr>
-                <a:endParaRPr lang="it-IT" sz="1600" dirty="0">
+                <a:endParaRPr lang="en-US" sz="1600" dirty="0">
                   <a:solidFill>
                     <a:schemeClr val="tx1"/>
                   </a:solidFill>
@@ -30279,10 +28343,10 @@
             </p:nvGrpSpPr>
             <p:grpSpPr bwMode="auto">
               <a:xfrm>
-                <a:off x="3923929" y="2276873"/>
-                <a:ext cx="1224136" cy="936104"/>
-                <a:chOff x="4261811" y="2373397"/>
-                <a:chExt cx="1412464" cy="1095441"/>
+                <a:off x="3924670" y="2276873"/>
+                <a:ext cx="1223939" cy="936104"/>
+                <a:chOff x="4262667" y="2373397"/>
+                <a:chExt cx="1412237" cy="1095441"/>
               </a:xfrm>
             </p:grpSpPr>
             <p:pic>
@@ -30347,7 +28411,7 @@
               </p:nvSpPr>
               <p:spPr>
                 <a:xfrm>
-                  <a:off x="4262667" y="2710611"/>
+                  <a:off x="4262667" y="2753458"/>
                   <a:ext cx="1412237" cy="379017"/>
                 </a:xfrm>
                 <a:prstGeom prst="rect">
@@ -30365,7 +28429,7 @@
                     <a:defRPr/>
                   </a:pPr>
                   <a:r>
-                    <a:rPr lang="it-IT" sz="1600" dirty="0" err="1">
+                    <a:rPr lang="en-US" sz="1600" dirty="0" smtClean="0">
                       <a:solidFill>
                         <a:srgbClr val="003F6E"/>
                       </a:solidFill>
@@ -30375,7 +28439,7 @@
                     </a:rPr>
                     <a:t>Datastore</a:t>
                   </a:r>
-                  <a:endParaRPr lang="it-IT" sz="1600" dirty="0">
+                  <a:endParaRPr lang="en-US" sz="1600" dirty="0">
                     <a:solidFill>
                       <a:srgbClr val="003F6E"/>
                     </a:solidFill>
@@ -30755,7 +28819,7 @@
                 <a:defRPr/>
               </a:pPr>
               <a:r>
-                <a:rPr lang="it-IT" sz="1600" dirty="0">
+                <a:rPr lang="en-US" sz="1600" dirty="0" smtClean="0">
                   <a:solidFill>
                     <a:srgbClr val="003F6E"/>
                   </a:solidFill>
@@ -30764,7 +28828,7 @@
                 <a:t>YCSB</a:t>
               </a:r>
               <a:br>
-                <a:rPr lang="it-IT" sz="1600" dirty="0">
+                <a:rPr lang="en-US" sz="1600" dirty="0" smtClean="0">
                   <a:solidFill>
                     <a:srgbClr val="003F6E"/>
                   </a:solidFill>
@@ -30772,7 +28836,7 @@
                 </a:rPr>
               </a:br>
               <a:r>
-                <a:rPr lang="it-IT" sz="1600" dirty="0">
+                <a:rPr lang="en-US" sz="1600" dirty="0" smtClean="0">
                   <a:solidFill>
                     <a:srgbClr val="003F6E"/>
                   </a:solidFill>
@@ -30789,29 +28853,14 @@
                 <a:defRPr/>
               </a:pPr>
               <a:r>
-                <a:rPr lang="it-IT" sz="1600" dirty="0">
+                <a:rPr lang="en-US" sz="1600" dirty="0" smtClean="0">
                   <a:solidFill>
                     <a:srgbClr val="003F6E"/>
                   </a:solidFill>
                   <a:latin typeface="Arial" charset="0"/>
                 </a:rPr>
-                <a:t>YCSB </a:t>
+                <a:t>YCSB adapters</a:t>
               </a:r>
-              <a:r>
-                <a:rPr lang="it-IT" sz="1600" dirty="0" err="1">
-                  <a:solidFill>
-                    <a:srgbClr val="003F6E"/>
-                  </a:solidFill>
-                  <a:latin typeface="Arial" charset="0"/>
-                </a:rPr>
-                <a:t>adapters</a:t>
-              </a:r>
-              <a:endParaRPr lang="it-IT" sz="1600" dirty="0">
-                <a:solidFill>
-                  <a:srgbClr val="003F6E"/>
-                </a:solidFill>
-                <a:latin typeface="Arial" charset="0"/>
-              </a:endParaRPr>
             </a:p>
             <a:p>
               <a:pPr algn="ctr">
@@ -30821,7 +28870,7 @@
                 <a:defRPr/>
               </a:pPr>
               <a:r>
-                <a:rPr lang="it-IT" sz="1600" dirty="0">
+                <a:rPr lang="en-US" sz="1600" dirty="0" smtClean="0">
                   <a:solidFill>
                     <a:srgbClr val="003F6E"/>
                   </a:solidFill>
@@ -30830,7 +28879,7 @@
                 <a:t>+ </a:t>
               </a:r>
               <a:br>
-                <a:rPr lang="it-IT" sz="1600" dirty="0">
+                <a:rPr lang="en-US" sz="1600" dirty="0" smtClean="0">
                   <a:solidFill>
                     <a:srgbClr val="003F6E"/>
                   </a:solidFill>
@@ -30838,60 +28887,15 @@
                 </a:rPr>
               </a:br>
               <a:r>
-                <a:rPr lang="it-IT" sz="1600" dirty="0">
+                <a:rPr lang="en-US" sz="1600" dirty="0" smtClean="0">
                   <a:solidFill>
                     <a:srgbClr val="003F6E"/>
                   </a:solidFill>
                   <a:latin typeface="Arial" charset="0"/>
                 </a:rPr>
-                <a:t>Kundera </a:t>
+                <a:t>Kundera Azure Tables client </a:t>
               </a:r>
-              <a:r>
-                <a:rPr lang="it-IT" sz="1600" dirty="0" err="1">
-                  <a:solidFill>
-                    <a:srgbClr val="003F6E"/>
-                  </a:solidFill>
-                  <a:latin typeface="Arial" charset="0"/>
-                </a:rPr>
-                <a:t>Azure</a:t>
-              </a:r>
-              <a:r>
-                <a:rPr lang="it-IT" sz="1600" dirty="0">
-                  <a:solidFill>
-                    <a:srgbClr val="003F6E"/>
-                  </a:solidFill>
-                  <a:latin typeface="Arial" charset="0"/>
-                </a:rPr>
-                <a:t> </a:t>
-              </a:r>
-              <a:r>
-                <a:rPr lang="it-IT" sz="1600" dirty="0" err="1">
-                  <a:solidFill>
-                    <a:srgbClr val="003F6E"/>
-                  </a:solidFill>
-                  <a:latin typeface="Arial" charset="0"/>
-                </a:rPr>
-                <a:t>Tables</a:t>
-              </a:r>
-              <a:r>
-                <a:rPr lang="it-IT" sz="1600" dirty="0">
-                  <a:solidFill>
-                    <a:srgbClr val="003F6E"/>
-                  </a:solidFill>
-                  <a:latin typeface="Arial" charset="0"/>
-                </a:rPr>
-                <a:t> </a:t>
-              </a:r>
-              <a:r>
-                <a:rPr lang="en-US" sz="1600" dirty="0">
-                  <a:solidFill>
-                    <a:srgbClr val="003F6E"/>
-                  </a:solidFill>
-                  <a:latin typeface="Arial" charset="0"/>
-                </a:rPr>
-                <a:t>client </a:t>
-              </a:r>
-              <a:endParaRPr lang="it-IT" sz="1600" dirty="0">
+              <a:endParaRPr lang="en-US" sz="1600" dirty="0" smtClean="0">
                 <a:solidFill>
                   <a:schemeClr val="tx1"/>
                 </a:solidFill>
@@ -30907,7 +28911,7 @@
                 </a:lnSpc>
                 <a:defRPr/>
               </a:pPr>
-              <a:endParaRPr lang="it-IT" sz="1600" dirty="0">
+              <a:endParaRPr lang="en-US" sz="1600" dirty="0">
                 <a:solidFill>
                   <a:schemeClr val="tx1"/>
                 </a:solidFill>
@@ -30928,10 +28932,10 @@
           </p:nvGrpSpPr>
           <p:grpSpPr bwMode="auto">
             <a:xfrm>
-              <a:off x="4067944" y="2276871"/>
-              <a:ext cx="936104" cy="846095"/>
-              <a:chOff x="4427984" y="2373392"/>
-              <a:chExt cx="1080120" cy="990111"/>
+              <a:off x="4067544" y="2276871"/>
+              <a:ext cx="936607" cy="846095"/>
+              <a:chOff x="4427521" y="2373392"/>
+              <a:chExt cx="1080700" cy="990111"/>
             </a:xfrm>
           </p:grpSpPr>
           <p:pic>
@@ -30996,8 +29000,8 @@
             </p:nvSpPr>
             <p:spPr>
               <a:xfrm>
-                <a:off x="4427521" y="2505942"/>
-                <a:ext cx="1080700" cy="553407"/>
+                <a:off x="4427521" y="2615461"/>
+                <a:ext cx="1080700" cy="647111"/>
               </a:xfrm>
               <a:prstGeom prst="rect">
                 <a:avLst/>
@@ -31014,7 +29018,7 @@
                   <a:defRPr/>
                 </a:pPr>
                 <a:r>
-                  <a:rPr lang="it-IT" sz="1600" dirty="0">
+                  <a:rPr lang="en-US" sz="1600" smtClean="0">
                     <a:solidFill>
                       <a:srgbClr val="003F6E"/>
                     </a:solidFill>
@@ -31022,32 +29026,10 @@
                     <a:ea typeface="+mn-ea"/>
                     <a:cs typeface="+mn-cs"/>
                   </a:rPr>
-                  <a:t> </a:t>
-                </a:r>
-                <a:r>
-                  <a:rPr lang="it-IT" sz="1600" dirty="0" err="1">
-                    <a:solidFill>
-                      <a:srgbClr val="003F6E"/>
-                    </a:solidFill>
-                    <a:latin typeface="Arial" charset="0"/>
-                    <a:ea typeface="+mn-ea"/>
-                    <a:cs typeface="+mn-cs"/>
-                  </a:rPr>
-                  <a:t>Azure</a:t>
-                </a:r>
-                <a:r>
-                  <a:rPr lang="it-IT" sz="1600" dirty="0">
-                    <a:solidFill>
-                      <a:srgbClr val="003F6E"/>
-                    </a:solidFill>
-                    <a:latin typeface="Arial" charset="0"/>
-                    <a:ea typeface="+mn-ea"/>
-                    <a:cs typeface="+mn-cs"/>
-                  </a:rPr>
-                  <a:t> </a:t>
+                  <a:t> Azure </a:t>
                 </a:r>
                 <a:br>
-                  <a:rPr lang="it-IT" sz="1600" dirty="0">
+                  <a:rPr lang="en-US" sz="1600" smtClean="0">
                     <a:solidFill>
                       <a:srgbClr val="003F6E"/>
                     </a:solidFill>
@@ -31057,7 +29039,7 @@
                   </a:rPr>
                 </a:br>
                 <a:r>
-                  <a:rPr lang="it-IT" sz="1600" dirty="0" err="1">
+                  <a:rPr lang="en-US" sz="1600" smtClean="0">
                     <a:solidFill>
                       <a:srgbClr val="003F6E"/>
                     </a:solidFill>
@@ -31067,7 +29049,7 @@
                   </a:rPr>
                   <a:t>Tables</a:t>
                 </a:r>
-                <a:endParaRPr lang="it-IT" sz="1600" dirty="0">
+                <a:endParaRPr lang="en-US" sz="1600">
                   <a:solidFill>
                     <a:srgbClr val="003F6E"/>
                   </a:solidFill>
@@ -31314,7 +29296,7 @@
           <a:lstStyle/>
           <a:p>
             <a:r>
-              <a:rPr lang="it-IT" sz="1600">
+              <a:rPr lang="en-US" sz="1600" smtClean="0">
                 <a:solidFill>
                   <a:srgbClr val="003F6E"/>
                 </a:solidFill>
@@ -31323,7 +29305,7 @@
               <a:t>4 core </a:t>
             </a:r>
             <a:br>
-              <a:rPr lang="it-IT" sz="1600">
+              <a:rPr lang="en-US" sz="1600" smtClean="0">
                 <a:solidFill>
                   <a:srgbClr val="003F6E"/>
                 </a:solidFill>
@@ -31331,7 +29313,7 @@
               </a:rPr>
             </a:br>
             <a:r>
-              <a:rPr lang="it-IT" sz="1600">
+              <a:rPr lang="en-US" sz="1600" smtClean="0">
                 <a:solidFill>
                   <a:srgbClr val="003F6E"/>
                 </a:solidFill>
@@ -31339,7 +29321,7 @@
               </a:rPr>
               <a:t>7 GB RAM</a:t>
             </a:r>
-            <a:endParaRPr lang="it-IT" sz="1600"/>
+            <a:endParaRPr lang="en-US" sz="1600"/>
           </a:p>
         </p:txBody>
       </p:sp>
@@ -31434,34 +29416,16 @@
           <a:lstStyle/>
           <a:p>
             <a:r>
-              <a:rPr lang="it-IT" sz="1600" dirty="0">
+              <a:rPr lang="en-US" sz="1600" smtClean="0">
                 <a:solidFill>
                   <a:srgbClr val="003F6E"/>
                 </a:solidFill>
                 <a:latin typeface="Arial" charset="0"/>
               </a:rPr>
-              <a:t>4</a:t>
-            </a:r>
-            <a:r>
-              <a:rPr lang="it-IT" sz="1600" dirty="0" smtClean="0">
-                <a:solidFill>
-                  <a:srgbClr val="003F6E"/>
-                </a:solidFill>
-                <a:latin typeface="Arial" charset="0"/>
-              </a:rPr>
-              <a:t> </a:t>
-            </a:r>
-            <a:r>
-              <a:rPr lang="it-IT" sz="1600" dirty="0">
-                <a:solidFill>
-                  <a:srgbClr val="003F6E"/>
-                </a:solidFill>
-                <a:latin typeface="Arial" charset="0"/>
-              </a:rPr>
-              <a:t>core </a:t>
+              <a:t>4 core </a:t>
             </a:r>
             <a:br>
-              <a:rPr lang="it-IT" sz="1600" dirty="0">
+              <a:rPr lang="en-US" sz="1600" smtClean="0">
                 <a:solidFill>
                   <a:srgbClr val="003F6E"/>
                 </a:solidFill>
@@ -31469,24 +29433,15 @@
               </a:rPr>
             </a:br>
             <a:r>
-              <a:rPr lang="it-IT" sz="1600" dirty="0" smtClean="0">
+              <a:rPr lang="en-US" sz="1600" smtClean="0">
                 <a:solidFill>
                   <a:srgbClr val="003F6E"/>
                 </a:solidFill>
                 <a:latin typeface="Arial" charset="0"/>
               </a:rPr>
-              <a:t>3.6 </a:t>
+              <a:t>3.6 GB RAM</a:t>
             </a:r>
-            <a:r>
-              <a:rPr lang="it-IT" sz="1600" dirty="0">
-                <a:solidFill>
-                  <a:srgbClr val="003F6E"/>
-                </a:solidFill>
-                <a:latin typeface="Arial" charset="0"/>
-              </a:rPr>
-              <a:t>GB RAM</a:t>
-            </a:r>
-            <a:endParaRPr lang="it-IT" sz="1600" dirty="0"/>
+            <a:endParaRPr lang="en-US" sz="1600"/>
           </a:p>
         </p:txBody>
       </p:sp>
@@ -31956,7 +29911,7 @@
             <a:pPr>
               <a:defRPr/>
             </a:pPr>
-            <a:endParaRPr lang="it-IT" b="1" dirty="0" smtClean="0">
+            <a:endParaRPr lang="en-US" b="1" smtClean="0">
               <a:solidFill>
                 <a:srgbClr val="003F6E"/>
               </a:solidFill>
@@ -31968,29 +29923,14 @@
               <a:defRPr/>
             </a:pPr>
             <a:r>
-              <a:rPr lang="it-IT" b="1" dirty="0" smtClean="0">
+              <a:rPr lang="en-US" b="1" smtClean="0">
                 <a:solidFill>
                   <a:srgbClr val="003F6E"/>
                 </a:solidFill>
                 <a:latin typeface="Arial" charset="0"/>
               </a:rPr>
-              <a:t>Data management </a:t>
+              <a:t>Data management systems</a:t>
             </a:r>
-            <a:r>
-              <a:rPr lang="it-IT" b="1" dirty="0" err="1" smtClean="0">
-                <a:solidFill>
-                  <a:srgbClr val="003F6E"/>
-                </a:solidFill>
-                <a:latin typeface="Arial" charset="0"/>
-              </a:rPr>
-              <a:t>systems</a:t>
-            </a:r>
-            <a:endParaRPr lang="it-IT" b="1" dirty="0" smtClean="0">
-              <a:solidFill>
-                <a:srgbClr val="003F6E"/>
-              </a:solidFill>
-              <a:latin typeface="Arial" charset="0"/>
-            </a:endParaRPr>
           </a:p>
         </p:txBody>
       </p:sp>
@@ -32018,13 +29958,13 @@
               <a:defRPr/>
             </a:pPr>
             <a:fld id="{96645E0C-817D-1D46-ADEE-D77CB04339DB}" type="slidenum">
-              <a:rPr/>
+              <a:rPr lang="en-US" smtClean="0"/>
               <a:pPr>
                 <a:defRPr/>
               </a:pPr>
               <a:t>2</a:t>
             </a:fld>
-            <a:endParaRPr dirty="0"/>
+            <a:endParaRPr lang="en-US"/>
           </a:p>
         </p:txBody>
       </p:sp>
@@ -32094,7 +30034,7 @@
               <a:bodyPr/>
               <a:lstStyle/>
               <a:p>
-                <a:endParaRPr lang="it-IT"/>
+                <a:endParaRPr lang="en-US"/>
               </a:p>
             </p:txBody>
           </p:sp>
@@ -32519,47 +30459,14 @@
                   <a:defRPr/>
                 </a:pPr>
                 <a:r>
-                  <a:rPr lang="it-IT" sz="2000" dirty="0" err="1" smtClean="0">
+                  <a:rPr lang="en-US" sz="2000" smtClean="0">
                     <a:solidFill>
                       <a:srgbClr val="003F6E"/>
                     </a:solidFill>
                     <a:latin typeface="Arial" charset="0"/>
                   </a:rPr>
-                  <a:t>Well</a:t>
+                  <a:t>Well structured data</a:t>
                 </a:r>
-                <a:r>
-                  <a:rPr lang="it-IT" sz="2000" dirty="0" smtClean="0">
-                    <a:solidFill>
-                      <a:srgbClr val="003F6E"/>
-                    </a:solidFill>
-                    <a:latin typeface="Arial" charset="0"/>
-                  </a:rPr>
-                  <a:t> </a:t>
-                </a:r>
-                <a:r>
-                  <a:rPr lang="it-IT" sz="2000" dirty="0" err="1" smtClean="0">
-                    <a:solidFill>
-                      <a:srgbClr val="003F6E"/>
-                    </a:solidFill>
-                    <a:latin typeface="Arial" charset="0"/>
-                  </a:rPr>
-                  <a:t>structured</a:t>
-                </a:r>
-                <a:r>
-                  <a:rPr lang="it-IT" sz="2000" dirty="0" smtClean="0">
-                    <a:solidFill>
-                      <a:srgbClr val="003F6E"/>
-                    </a:solidFill>
-                    <a:latin typeface="Arial" charset="0"/>
-                  </a:rPr>
-                  <a:t> data</a:t>
-                </a:r>
-                <a:endParaRPr lang="en-US" sz="2000" dirty="0" smtClean="0">
-                  <a:solidFill>
-                    <a:srgbClr val="003F6E"/>
-                  </a:solidFill>
-                  <a:latin typeface="Arial" charset="0"/>
-                </a:endParaRPr>
               </a:p>
               <a:p>
                 <a:pPr marL="1587" indent="0">
@@ -32573,29 +30480,14 @@
                   <a:defRPr/>
                 </a:pPr>
                 <a:r>
-                  <a:rPr lang="it-IT" sz="2000" dirty="0" smtClean="0">
+                  <a:rPr lang="en-US" sz="2000" smtClean="0">
                     <a:solidFill>
                       <a:srgbClr val="003F6E"/>
                     </a:solidFill>
                     <a:latin typeface="Arial" charset="0"/>
                   </a:rPr>
-                  <a:t>Vertical </a:t>
+                  <a:t>Relational model</a:t>
                 </a:r>
-                <a:r>
-                  <a:rPr lang="it-IT" sz="2000" dirty="0" err="1" smtClean="0">
-                    <a:solidFill>
-                      <a:srgbClr val="003F6E"/>
-                    </a:solidFill>
-                    <a:latin typeface="Arial" charset="0"/>
-                  </a:rPr>
-                  <a:t>scaling</a:t>
-                </a:r>
-                <a:endParaRPr lang="en-US" sz="2000" dirty="0" smtClean="0">
-                  <a:solidFill>
-                    <a:srgbClr val="003F6E"/>
-                  </a:solidFill>
-                  <a:latin typeface="Arial" charset="0"/>
-                </a:endParaRPr>
               </a:p>
               <a:p>
                 <a:pPr marL="1587" indent="0">
@@ -32609,7 +30501,28 @@
                   <a:defRPr/>
                 </a:pPr>
                 <a:r>
-                  <a:rPr lang="en-US" sz="2000" dirty="0" smtClean="0">
+                  <a:rPr lang="en-US" sz="2000" smtClean="0">
+                    <a:solidFill>
+                      <a:srgbClr val="003F6E"/>
+                    </a:solidFill>
+                    <a:latin typeface="Arial" charset="0"/>
+                  </a:rPr>
+                  <a:t>Vertical scaling</a:t>
+                </a:r>
+              </a:p>
+              <a:p>
+                <a:pPr marL="1587" indent="0">
+                  <a:lnSpc>
+                    <a:spcPct val="150000"/>
+                  </a:lnSpc>
+                  <a:spcBef>
+                    <a:spcPts val="500"/>
+                  </a:spcBef>
+                  <a:buClrTx/>
+                  <a:defRPr/>
+                </a:pPr>
+                <a:r>
+                  <a:rPr lang="en-US" sz="2000" smtClean="0">
                     <a:solidFill>
                       <a:srgbClr val="003F6E"/>
                     </a:solidFill>
@@ -32630,28 +30543,7 @@
                   <a:defRPr/>
                 </a:pPr>
                 <a:r>
-                  <a:rPr lang="en-US" sz="2000" dirty="0" smtClean="0">
-                    <a:solidFill>
-                      <a:srgbClr val="003F6E"/>
-                    </a:solidFill>
-                    <a:latin typeface="Arial" charset="0"/>
-                  </a:rPr>
-                  <a:t>Relational model</a:t>
-                </a:r>
-              </a:p>
-              <a:p>
-                <a:pPr marL="1587" indent="0">
-                  <a:lnSpc>
-                    <a:spcPct val="150000"/>
-                  </a:lnSpc>
-                  <a:spcBef>
-                    <a:spcPts val="500"/>
-                  </a:spcBef>
-                  <a:buClrTx/>
-                  <a:defRPr/>
-                </a:pPr>
-                <a:r>
-                  <a:rPr lang="it-IT" sz="2000" b="1" dirty="0">
+                  <a:rPr lang="en-US" sz="2000" b="1" smtClean="0">
                     <a:solidFill>
                       <a:srgbClr val="003F6E"/>
                     </a:solidFill>
@@ -32659,12 +30551,6 @@
                   </a:rPr>
                   <a:t>SQL</a:t>
                 </a:r>
-                <a:endParaRPr lang="en-US" sz="2000" b="1" dirty="0">
-                  <a:solidFill>
-                    <a:srgbClr val="003F6E"/>
-                  </a:solidFill>
-                  <a:latin typeface="Arial" charset="0"/>
-                </a:endParaRPr>
               </a:p>
               <a:p>
                 <a:pPr marL="344487" indent="-342900">
@@ -32679,7 +30565,7 @@
                   <a:buChar char="•"/>
                   <a:defRPr/>
                 </a:pPr>
-                <a:endParaRPr lang="en-US" sz="2000" dirty="0">
+                <a:endParaRPr lang="en-US" sz="2000">
                   <a:solidFill>
                     <a:srgbClr val="003F6E"/>
                   </a:solidFill>
@@ -32700,7 +30586,7 @@
           <p:spPr bwMode="auto">
             <a:xfrm>
               <a:off x="1547664" y="1756591"/>
-              <a:ext cx="1313130" cy="440120"/>
+              <a:ext cx="1312678" cy="300864"/>
             </a:xfrm>
             <a:prstGeom prst="rect">
               <a:avLst/>
@@ -32736,7 +30622,7 @@
             <a:lstStyle/>
             <a:p>
               <a:r>
-                <a:rPr lang="en-US" b="1">
+                <a:rPr lang="en-US" b="1" smtClean="0">
                   <a:solidFill>
                     <a:srgbClr val="003F6E"/>
                   </a:solidFill>
@@ -32744,7 +30630,7 @@
                 </a:rPr>
                 <a:t>RDBMS</a:t>
               </a:r>
-              <a:endParaRPr lang="it-IT"/>
+              <a:endParaRPr lang="en-US"/>
             </a:p>
           </p:txBody>
         </p:sp>
@@ -32815,7 +30701,7 @@
               <a:bodyPr/>
               <a:lstStyle/>
               <a:p>
-                <a:endParaRPr lang="it-IT"/>
+                <a:endParaRPr lang="en-US"/>
               </a:p>
             </p:txBody>
           </p:sp>
@@ -33240,38 +31126,14 @@
                   <a:defRPr/>
                 </a:pPr>
                 <a:r>
-                  <a:rPr lang="it-IT" sz="2000" dirty="0" smtClean="0">
+                  <a:rPr lang="en-US" sz="2000" smtClean="0">
                     <a:solidFill>
                       <a:srgbClr val="003F6E"/>
                     </a:solidFill>
                     <a:latin typeface="Arial" charset="0"/>
                   </a:rPr>
-                  <a:t>Non-</a:t>
+                  <a:t>Non-structured data</a:t>
                 </a:r>
-                <a:r>
-                  <a:rPr lang="it-IT" sz="2000" dirty="0" err="1" smtClean="0">
-                    <a:solidFill>
-                      <a:srgbClr val="003F6E"/>
-                    </a:solidFill>
-                    <a:latin typeface="Arial" charset="0"/>
-                  </a:rPr>
-                  <a:t>structured</a:t>
-                </a:r>
-                <a:r>
-                  <a:rPr lang="it-IT" sz="2000" dirty="0" smtClean="0">
-                    <a:solidFill>
-                      <a:srgbClr val="003F6E"/>
-                    </a:solidFill>
-                    <a:latin typeface="Arial" charset="0"/>
-                  </a:rPr>
-                  <a:t> data</a:t>
-                </a:r>
-                <a:endParaRPr lang="en-US" sz="2000" dirty="0" smtClean="0">
-                  <a:solidFill>
-                    <a:srgbClr val="003F6E"/>
-                  </a:solidFill>
-                  <a:latin typeface="Arial" charset="0"/>
-                </a:endParaRPr>
               </a:p>
               <a:p>
                 <a:pPr marL="1587" indent="0">
@@ -33285,38 +31147,14 @@
                   <a:defRPr/>
                 </a:pPr>
                 <a:r>
-                  <a:rPr lang="it-IT" sz="2000" dirty="0" err="1" smtClean="0">
+                  <a:rPr lang="en-US" sz="2000" smtClean="0">
                     <a:solidFill>
                       <a:srgbClr val="003F6E"/>
                     </a:solidFill>
                     <a:latin typeface="Arial" charset="0"/>
                   </a:rPr>
-                  <a:t>Horizontal</a:t>
+                  <a:t>Various data models</a:t>
                 </a:r>
-                <a:r>
-                  <a:rPr lang="it-IT" sz="2000" dirty="0" smtClean="0">
-                    <a:solidFill>
-                      <a:srgbClr val="003F6E"/>
-                    </a:solidFill>
-                    <a:latin typeface="Arial" charset="0"/>
-                  </a:rPr>
-                  <a:t> </a:t>
-                </a:r>
-                <a:r>
-                  <a:rPr lang="it-IT" sz="2000" dirty="0" err="1" smtClean="0">
-                    <a:solidFill>
-                      <a:srgbClr val="003F6E"/>
-                    </a:solidFill>
-                    <a:latin typeface="Arial" charset="0"/>
-                  </a:rPr>
-                  <a:t>scaling</a:t>
-                </a:r>
-                <a:endParaRPr lang="en-US" sz="2000" dirty="0" smtClean="0">
-                  <a:solidFill>
-                    <a:srgbClr val="003F6E"/>
-                  </a:solidFill>
-                  <a:latin typeface="Arial" charset="0"/>
-                </a:endParaRPr>
               </a:p>
               <a:p>
                 <a:pPr marL="1587" indent="0">
@@ -33330,7 +31168,28 @@
                   <a:defRPr/>
                 </a:pPr>
                 <a:r>
-                  <a:rPr lang="en-US" sz="2000" dirty="0" smtClean="0">
+                  <a:rPr lang="en-US" sz="2000" smtClean="0">
+                    <a:solidFill>
+                      <a:srgbClr val="003F6E"/>
+                    </a:solidFill>
+                    <a:latin typeface="Arial" charset="0"/>
+                  </a:rPr>
+                  <a:t>Horizontal scaling</a:t>
+                </a:r>
+              </a:p>
+              <a:p>
+                <a:pPr marL="1587" indent="0">
+                  <a:lnSpc>
+                    <a:spcPct val="150000"/>
+                  </a:lnSpc>
+                  <a:spcBef>
+                    <a:spcPts val="500"/>
+                  </a:spcBef>
+                  <a:buClrTx/>
+                  <a:defRPr/>
+                </a:pPr>
+                <a:r>
+                  <a:rPr lang="en-US" sz="2000" smtClean="0">
                     <a:solidFill>
                       <a:srgbClr val="003F6E"/>
                     </a:solidFill>
@@ -33351,50 +31210,14 @@
                   <a:defRPr/>
                 </a:pPr>
                 <a:r>
-                  <a:rPr lang="en-US" sz="2000" dirty="0" smtClean="0">
+                  <a:rPr lang="en-US" sz="2000" b="1" smtClean="0">
                     <a:solidFill>
                       <a:srgbClr val="003F6E"/>
                     </a:solidFill>
                     <a:latin typeface="Arial" charset="0"/>
                   </a:rPr>
-                  <a:t>Various data models</a:t>
+                  <a:t>Proprietary API</a:t>
                 </a:r>
-              </a:p>
-              <a:p>
-                <a:pPr marL="1587" indent="0">
-                  <a:lnSpc>
-                    <a:spcPct val="150000"/>
-                  </a:lnSpc>
-                  <a:spcBef>
-                    <a:spcPts val="500"/>
-                  </a:spcBef>
-                  <a:buClrTx/>
-                  <a:defRPr/>
-                </a:pPr>
-                <a:r>
-                  <a:rPr lang="it-IT" sz="2000" b="1" dirty="0" err="1" smtClean="0">
-                    <a:solidFill>
-                      <a:srgbClr val="003F6E"/>
-                    </a:solidFill>
-                    <a:latin typeface="Arial" charset="0"/>
-                  </a:rPr>
-                  <a:t>Proprietary</a:t>
-                </a:r>
-                <a:r>
-                  <a:rPr lang="it-IT" sz="2000" b="1" dirty="0" smtClean="0">
-                    <a:solidFill>
-                      <a:srgbClr val="003F6E"/>
-                    </a:solidFill>
-                    <a:latin typeface="Arial" charset="0"/>
-                  </a:rPr>
-                  <a:t> API</a:t>
-                </a:r>
-                <a:endParaRPr lang="en-US" sz="2000" b="1" dirty="0">
-                  <a:solidFill>
-                    <a:srgbClr val="003F6E"/>
-                  </a:solidFill>
-                  <a:latin typeface="Arial" charset="0"/>
-                </a:endParaRPr>
               </a:p>
               <a:p>
                 <a:pPr marL="344487" indent="-342900">
@@ -33409,7 +31232,7 @@
                   <a:buChar char="•"/>
                   <a:defRPr/>
                 </a:pPr>
-                <a:endParaRPr lang="en-US" sz="2000" dirty="0" smtClean="0">
+                <a:endParaRPr lang="en-US" sz="2000" smtClean="0">
                   <a:solidFill>
                     <a:srgbClr val="003F6E"/>
                   </a:solidFill>
@@ -33430,7 +31253,7 @@
           <p:spPr bwMode="auto">
             <a:xfrm>
               <a:off x="5720644" y="1756591"/>
-              <a:ext cx="1227620" cy="440120"/>
+              <a:ext cx="1227197" cy="300864"/>
             </a:xfrm>
             <a:prstGeom prst="rect">
               <a:avLst/>
@@ -33466,7 +31289,7 @@
             <a:lstStyle/>
             <a:p>
               <a:r>
-                <a:rPr lang="en-US" b="1">
+                <a:rPr lang="en-US" b="1" dirty="0" smtClean="0">
                   <a:solidFill>
                     <a:srgbClr val="003F6E"/>
                   </a:solidFill>
@@ -33474,7 +31297,7 @@
                 </a:rPr>
                 <a:t>NoSQL</a:t>
               </a:r>
-              <a:endParaRPr lang="it-IT"/>
+              <a:endParaRPr lang="en-US" dirty="0"/>
             </a:p>
           </p:txBody>
         </p:sp>
@@ -33945,7 +31768,7 @@
             <a:pPr>
               <a:defRPr/>
             </a:pPr>
-            <a:endParaRPr lang="it-IT" b="1" dirty="0" smtClean="0">
+            <a:endParaRPr lang="en-US" b="1" smtClean="0">
               <a:solidFill>
                 <a:srgbClr val="003F6E"/>
               </a:solidFill>
@@ -33957,56 +31780,14 @@
               <a:defRPr/>
             </a:pPr>
             <a:r>
-              <a:rPr lang="it-IT" b="1" dirty="0" err="1" smtClean="0">
+              <a:rPr lang="en-US" b="1" smtClean="0">
                 <a:solidFill>
                   <a:srgbClr val="003F6E"/>
                 </a:solidFill>
                 <a:latin typeface="Arial" charset="0"/>
               </a:rPr>
-              <a:t>Results</a:t>
+              <a:t>Results - Azure Tables</a:t>
             </a:r>
-            <a:r>
-              <a:rPr lang="it-IT" b="1" dirty="0" smtClean="0">
-                <a:solidFill>
-                  <a:srgbClr val="003F6E"/>
-                </a:solidFill>
-                <a:latin typeface="Arial" charset="0"/>
-              </a:rPr>
-              <a:t> - </a:t>
-            </a:r>
-            <a:r>
-              <a:rPr lang="it-IT" b="1" dirty="0" err="1" smtClean="0">
-                <a:solidFill>
-                  <a:srgbClr val="003F6E"/>
-                </a:solidFill>
-                <a:latin typeface="Arial" charset="0"/>
-              </a:rPr>
-              <a:t>Azure</a:t>
-            </a:r>
-            <a:r>
-              <a:rPr lang="it-IT" b="1" dirty="0" smtClean="0">
-                <a:solidFill>
-                  <a:srgbClr val="003F6E"/>
-                </a:solidFill>
-                <a:latin typeface="Arial" charset="0"/>
-              </a:rPr>
-              <a:t> </a:t>
-            </a:r>
-            <a:r>
-              <a:rPr lang="it-IT" b="1" dirty="0" err="1" smtClean="0">
-                <a:solidFill>
-                  <a:srgbClr val="003F6E"/>
-                </a:solidFill>
-                <a:latin typeface="Arial" charset="0"/>
-              </a:rPr>
-              <a:t>Tables</a:t>
-            </a:r>
-            <a:endParaRPr lang="it-IT" b="1" dirty="0" smtClean="0">
-              <a:solidFill>
-                <a:srgbClr val="003F6E"/>
-              </a:solidFill>
-              <a:latin typeface="Arial" charset="0"/>
-            </a:endParaRPr>
           </a:p>
         </p:txBody>
       </p:sp>
@@ -34034,13 +31815,13 @@
               <a:defRPr/>
             </a:pPr>
             <a:fld id="{F5B15147-CBAD-904C-A220-8421DFA1EDD5}" type="slidenum">
-              <a:rPr/>
+              <a:rPr lang="en-US" smtClean="0"/>
               <a:pPr>
                 <a:defRPr/>
               </a:pPr>
               <a:t>20</a:t>
             </a:fld>
-            <a:endParaRPr dirty="0"/>
+            <a:endParaRPr lang="en-US"/>
           </a:p>
         </p:txBody>
       </p:sp>
@@ -34726,7 +32507,7 @@
             <a:pPr>
               <a:defRPr/>
             </a:pPr>
-            <a:endParaRPr lang="it-IT" b="1" dirty="0" smtClean="0">
+            <a:endParaRPr lang="en-US" b="1" dirty="0" smtClean="0">
               <a:solidFill>
                 <a:srgbClr val="003F6E"/>
               </a:solidFill>
@@ -34738,38 +32519,14 @@
               <a:defRPr/>
             </a:pPr>
             <a:r>
-              <a:rPr lang="it-IT" b="1" dirty="0" err="1" smtClean="0">
+              <a:rPr lang="en-US" b="1" dirty="0" smtClean="0">
                 <a:solidFill>
                   <a:srgbClr val="003F6E"/>
                 </a:solidFill>
                 <a:latin typeface="Arial" charset="0"/>
               </a:rPr>
-              <a:t>Results</a:t>
+              <a:t>Results - GAE Datastore</a:t>
             </a:r>
-            <a:r>
-              <a:rPr lang="it-IT" b="1" dirty="0" smtClean="0">
-                <a:solidFill>
-                  <a:srgbClr val="003F6E"/>
-                </a:solidFill>
-                <a:latin typeface="Arial" charset="0"/>
-              </a:rPr>
-              <a:t> - GAE </a:t>
-            </a:r>
-            <a:r>
-              <a:rPr lang="it-IT" b="1" dirty="0" err="1" smtClean="0">
-                <a:solidFill>
-                  <a:srgbClr val="003F6E"/>
-                </a:solidFill>
-                <a:latin typeface="Arial" charset="0"/>
-              </a:rPr>
-              <a:t>Datastore</a:t>
-            </a:r>
-            <a:endParaRPr lang="it-IT" b="1" dirty="0" smtClean="0">
-              <a:solidFill>
-                <a:srgbClr val="003F6E"/>
-              </a:solidFill>
-              <a:latin typeface="Arial" charset="0"/>
-            </a:endParaRPr>
           </a:p>
         </p:txBody>
       </p:sp>
@@ -34797,13 +32554,13 @@
               <a:defRPr/>
             </a:pPr>
             <a:fld id="{F7A5BC25-0A81-8641-BC7C-58D01357A2E6}" type="slidenum">
-              <a:rPr/>
+              <a:rPr lang="en-US" smtClean="0"/>
               <a:pPr>
                 <a:defRPr/>
               </a:pPr>
               <a:t>21</a:t>
             </a:fld>
-            <a:endParaRPr dirty="0"/>
+            <a:endParaRPr lang="en-US"/>
           </a:p>
         </p:txBody>
       </p:sp>
@@ -35393,7 +33150,7 @@
             <a:pPr>
               <a:defRPr/>
             </a:pPr>
-            <a:endParaRPr lang="it-IT" b="1" dirty="0" smtClean="0">
+            <a:endParaRPr lang="en-US" b="1" smtClean="0">
               <a:solidFill>
                 <a:srgbClr val="003F6E"/>
               </a:solidFill>
@@ -35405,38 +33162,14 @@
               <a:defRPr/>
             </a:pPr>
             <a:r>
-              <a:rPr lang="it-IT" b="1" dirty="0" err="1" smtClean="0">
+              <a:rPr lang="en-US" b="1" smtClean="0">
                 <a:solidFill>
                   <a:srgbClr val="003F6E"/>
                 </a:solidFill>
                 <a:latin typeface="Arial" charset="0"/>
               </a:rPr>
-              <a:t>Results</a:t>
+              <a:t>Results comparison</a:t>
             </a:r>
-            <a:r>
-              <a:rPr lang="it-IT" b="1" dirty="0" smtClean="0">
-                <a:solidFill>
-                  <a:srgbClr val="003F6E"/>
-                </a:solidFill>
-                <a:latin typeface="Arial" charset="0"/>
-              </a:rPr>
-              <a:t> </a:t>
-            </a:r>
-            <a:r>
-              <a:rPr lang="it-IT" b="1" dirty="0" err="1" smtClean="0">
-                <a:solidFill>
-                  <a:srgbClr val="003F6E"/>
-                </a:solidFill>
-                <a:latin typeface="Arial" charset="0"/>
-              </a:rPr>
-              <a:t>comparison</a:t>
-            </a:r>
-            <a:endParaRPr lang="it-IT" b="1" dirty="0" smtClean="0">
-              <a:solidFill>
-                <a:srgbClr val="003F6E"/>
-              </a:solidFill>
-              <a:latin typeface="Arial" charset="0"/>
-            </a:endParaRPr>
           </a:p>
         </p:txBody>
       </p:sp>
@@ -35464,13 +33197,13 @@
               <a:defRPr/>
             </a:pPr>
             <a:fld id="{BFE5AA47-7582-7B4D-991D-310E2B392C25}" type="slidenum">
-              <a:rPr/>
+              <a:rPr lang="en-US" smtClean="0"/>
               <a:pPr>
                 <a:defRPr/>
               </a:pPr>
               <a:t>22</a:t>
             </a:fld>
-            <a:endParaRPr dirty="0"/>
+            <a:endParaRPr lang="en-US"/>
           </a:p>
         </p:txBody>
       </p:sp>
@@ -35725,43 +33458,16 @@
               <a:defRPr/>
             </a:pPr>
             <a:r>
-              <a:rPr lang="it-IT" sz="2000" b="1" dirty="0" err="1" smtClean="0">
+              <a:rPr lang="en-US" sz="2000" b="1" smtClean="0">
                 <a:solidFill>
                   <a:srgbClr val="003F6E"/>
                 </a:solidFill>
                 <a:latin typeface="Arial" charset="0"/>
               </a:rPr>
-              <a:t>Azure</a:t>
-            </a:r>
-            <a:r>
-              <a:rPr lang="it-IT" sz="2000" b="1" dirty="0" smtClean="0">
-                <a:solidFill>
-                  <a:srgbClr val="003F6E"/>
-                </a:solidFill>
-                <a:latin typeface="Arial" charset="0"/>
-              </a:rPr>
-              <a:t> </a:t>
-            </a:r>
-            <a:r>
-              <a:rPr lang="it-IT" sz="2000" b="1" dirty="0" err="1" smtClean="0">
-                <a:solidFill>
-                  <a:srgbClr val="003F6E"/>
-                </a:solidFill>
-                <a:latin typeface="Arial" charset="0"/>
-              </a:rPr>
-              <a:t>Tables</a:t>
-            </a:r>
-            <a:r>
-              <a:rPr lang="it-IT" sz="2000" b="1" dirty="0" smtClean="0">
-                <a:solidFill>
-                  <a:srgbClr val="003F6E"/>
-                </a:solidFill>
-                <a:latin typeface="Arial" charset="0"/>
-              </a:rPr>
-              <a:t> </a:t>
+              <a:t>Azure Tables </a:t>
             </a:r>
             <a:br>
-              <a:rPr lang="it-IT" sz="2000" b="1" dirty="0" smtClean="0">
+              <a:rPr lang="en-US" sz="2000" b="1" smtClean="0">
                 <a:solidFill>
                   <a:srgbClr val="003F6E"/>
                 </a:solidFill>
@@ -35769,76 +33475,13 @@
               </a:rPr>
             </a:br>
             <a:r>
-              <a:rPr lang="it-IT" sz="2000" dirty="0" err="1" smtClean="0">
+              <a:rPr lang="en-US" sz="2000" smtClean="0">
                 <a:solidFill>
                   <a:srgbClr val="003F6E"/>
                 </a:solidFill>
                 <a:latin typeface="Arial" charset="0"/>
               </a:rPr>
-              <a:t>Kunedra</a:t>
-            </a:r>
-            <a:r>
-              <a:rPr lang="it-IT" sz="2000" dirty="0" smtClean="0">
-                <a:solidFill>
-                  <a:srgbClr val="003F6E"/>
-                </a:solidFill>
-                <a:latin typeface="Arial" charset="0"/>
-              </a:rPr>
-              <a:t> </a:t>
-            </a:r>
-            <a:r>
-              <a:rPr lang="it-IT" sz="2000" dirty="0" err="1" smtClean="0">
-                <a:solidFill>
-                  <a:srgbClr val="003F6E"/>
-                </a:solidFill>
-                <a:latin typeface="Arial" charset="0"/>
-              </a:rPr>
-              <a:t>overhead</a:t>
-            </a:r>
-            <a:r>
-              <a:rPr lang="it-IT" sz="2000" dirty="0" smtClean="0">
-                <a:solidFill>
-                  <a:srgbClr val="003F6E"/>
-                </a:solidFill>
-                <a:latin typeface="Arial" charset="0"/>
-              </a:rPr>
-              <a:t> </a:t>
-            </a:r>
-            <a:r>
-              <a:rPr lang="it-IT" sz="2000" dirty="0" err="1" smtClean="0">
-                <a:solidFill>
-                  <a:srgbClr val="003F6E"/>
-                </a:solidFill>
-                <a:latin typeface="Arial" charset="0"/>
-              </a:rPr>
-              <a:t>w.r.t</a:t>
-            </a:r>
-            <a:r>
-              <a:rPr lang="it-IT" sz="2000" dirty="0" smtClean="0">
-                <a:solidFill>
-                  <a:srgbClr val="003F6E"/>
-                </a:solidFill>
-                <a:latin typeface="Arial" charset="0"/>
-              </a:rPr>
-              <a:t> </a:t>
-            </a:r>
-            <a:r>
-              <a:rPr lang="it-IT" sz="2000" dirty="0" err="1" smtClean="0">
-                <a:solidFill>
-                  <a:srgbClr val="003F6E"/>
-                </a:solidFill>
-                <a:latin typeface="Arial" charset="0"/>
-              </a:rPr>
-              <a:t>low-level</a:t>
-            </a:r>
-            <a:r>
-              <a:rPr lang="it-IT" sz="2000" dirty="0" smtClean="0">
-                <a:solidFill>
-                  <a:srgbClr val="003F6E"/>
-                </a:solidFill>
-                <a:latin typeface="Arial" charset="0"/>
-              </a:rPr>
-              <a:t> API</a:t>
+              <a:t>Kunedra overhead w.r.t low-level API</a:t>
             </a:r>
           </a:p>
           <a:p>
@@ -35872,7 +33515,7 @@
               </a:tabLst>
               <a:defRPr/>
             </a:pPr>
-            <a:endParaRPr lang="it-IT" sz="2000" dirty="0">
+            <a:endParaRPr lang="en-US" sz="2000" smtClean="0">
               <a:solidFill>
                 <a:srgbClr val="003F6E"/>
               </a:solidFill>
@@ -35910,7 +33553,7 @@
               </a:tabLst>
               <a:defRPr/>
             </a:pPr>
-            <a:endParaRPr lang="it-IT" sz="2000" dirty="0">
+            <a:endParaRPr lang="en-US" sz="2000" smtClean="0">
               <a:solidFill>
                 <a:srgbClr val="FF0000"/>
               </a:solidFill>
@@ -35953,7 +33596,7 @@
               </a:tabLst>
               <a:defRPr/>
             </a:pPr>
-            <a:endParaRPr lang="it-IT" sz="2000" dirty="0"/>
+            <a:endParaRPr lang="en-US" sz="2000"/>
           </a:p>
         </p:txBody>
       </p:sp>
@@ -35966,7 +33609,7 @@
           <p:nvPr>
             <p:extLst>
               <p:ext uri="{D42A27DB-BD31-4B8C-83A1-F6EECF244321}">
-                <p14:modId xmlns:p14="http://schemas.microsoft.com/office/powerpoint/2010/main" val="2797562105"/>
+                <p14:modId xmlns:p14="http://schemas.microsoft.com/office/powerpoint/2010/main" val="2155106783"/>
               </p:ext>
             </p:extLst>
           </p:nvPr>
@@ -35995,14 +33638,10 @@
                     <a:p>
                       <a:pPr algn="ctr"/>
                       <a:r>
-                        <a:rPr lang="it-IT" sz="1800" dirty="0" smtClean="0"/>
-                        <a:t>Read </a:t>
+                        <a:rPr lang="en-US" sz="1800" noProof="0" smtClean="0"/>
+                        <a:t>Read latency</a:t>
                       </a:r>
-                      <a:r>
-                        <a:rPr lang="it-IT" sz="1800" dirty="0" err="1" smtClean="0"/>
-                        <a:t>latency</a:t>
-                      </a:r>
-                      <a:endParaRPr lang="it-IT" sz="1800" dirty="0"/>
+                      <a:endParaRPr lang="en-US" sz="1800" noProof="0"/>
                     </a:p>
                   </a:txBody>
                   <a:tcPr marL="91439" marR="91439" marT="45741" marB="45741" anchor="ctr"/>
@@ -36014,14 +33653,10 @@
                     <a:p>
                       <a:pPr algn="ctr"/>
                       <a:r>
-                        <a:rPr lang="it-IT" sz="1800" dirty="0" smtClean="0"/>
-                        <a:t>Read </a:t>
+                        <a:rPr lang="en-US" sz="1800" noProof="0" smtClean="0"/>
+                        <a:t>Read throughput</a:t>
                       </a:r>
-                      <a:r>
-                        <a:rPr lang="it-IT" sz="1800" dirty="0" err="1" smtClean="0"/>
-                        <a:t>throughput</a:t>
-                      </a:r>
-                      <a:endParaRPr lang="it-IT" sz="1800" dirty="0"/>
+                      <a:endParaRPr lang="en-US" sz="1800" noProof="0"/>
                     </a:p>
                   </a:txBody>
                   <a:tcPr marL="91439" marR="91439" marT="45741" marB="45741" anchor="ctr"/>
@@ -36033,14 +33668,10 @@
                     <a:p>
                       <a:pPr algn="ctr"/>
                       <a:r>
-                        <a:rPr lang="it-IT" sz="1800" dirty="0" smtClean="0"/>
-                        <a:t>Write </a:t>
+                        <a:rPr lang="en-US" sz="1800" noProof="0" smtClean="0"/>
+                        <a:t>Write latency</a:t>
                       </a:r>
-                      <a:r>
-                        <a:rPr lang="it-IT" sz="1800" dirty="0" err="1" smtClean="0"/>
-                        <a:t>latency</a:t>
-                      </a:r>
-                      <a:endParaRPr lang="it-IT" sz="1800" dirty="0"/>
+                      <a:endParaRPr lang="en-US" sz="1800" noProof="0"/>
                     </a:p>
                   </a:txBody>
                   <a:tcPr marL="91439" marR="91439" marT="45741" marB="45741" anchor="ctr"/>
@@ -36052,14 +33683,10 @@
                     <a:p>
                       <a:pPr algn="ctr"/>
                       <a:r>
-                        <a:rPr lang="it-IT" sz="1800" dirty="0" smtClean="0"/>
-                        <a:t>Write </a:t>
+                        <a:rPr lang="en-US" sz="1800" noProof="0" smtClean="0"/>
+                        <a:t>Write throughput</a:t>
                       </a:r>
-                      <a:r>
-                        <a:rPr lang="it-IT" sz="1800" dirty="0" err="1" smtClean="0"/>
-                        <a:t>throughput</a:t>
-                      </a:r>
-                      <a:endParaRPr lang="it-IT" sz="1800" dirty="0"/>
+                      <a:endParaRPr lang="en-US" sz="1800" noProof="0"/>
                     </a:p>
                   </a:txBody>
                   <a:tcPr marL="91439" marR="91439" marT="45741" marB="45741" anchor="ctr"/>
@@ -36073,14 +33700,10 @@
                     <a:p>
                       <a:pPr algn="ctr"/>
                       <a:r>
-                        <a:rPr lang="it-IT" sz="1800" dirty="0" smtClean="0"/>
-                        <a:t>13,43 </a:t>
+                        <a:rPr lang="en-US" sz="1800" noProof="0" smtClean="0"/>
+                        <a:t>13,43 %</a:t>
                       </a:r>
-                      <a:r>
-                        <a:rPr lang="it-IT" sz="1800" dirty="0" smtClean="0"/>
-                        <a:t>%</a:t>
-                      </a:r>
-                      <a:endParaRPr lang="it-IT" sz="1800" dirty="0"/>
+                      <a:endParaRPr lang="en-US" sz="1800" noProof="0"/>
                     </a:p>
                   </a:txBody>
                   <a:tcPr marL="91439" marR="91439" marT="45741" marB="45741" anchor="ctr"/>
@@ -36092,14 +33715,10 @@
                     <a:p>
                       <a:pPr algn="ctr"/>
                       <a:r>
-                        <a:rPr lang="it-IT" sz="1800" dirty="0" smtClean="0"/>
-                        <a:t>12,39 </a:t>
+                        <a:rPr lang="en-US" sz="1800" noProof="0" smtClean="0"/>
+                        <a:t>12,39 %</a:t>
                       </a:r>
-                      <a:r>
-                        <a:rPr lang="it-IT" sz="1800" dirty="0" smtClean="0"/>
-                        <a:t>%</a:t>
-                      </a:r>
-                      <a:endParaRPr lang="it-IT" sz="1800" dirty="0"/>
+                      <a:endParaRPr lang="en-US" sz="1800" noProof="0"/>
                     </a:p>
                   </a:txBody>
                   <a:tcPr marL="91439" marR="91439" marT="45741" marB="45741" anchor="ctr"/>
@@ -36111,14 +33730,10 @@
                     <a:p>
                       <a:pPr algn="ctr"/>
                       <a:r>
-                        <a:rPr lang="it-IT" sz="1800" dirty="0" smtClean="0"/>
-                        <a:t>4,75 </a:t>
+                        <a:rPr lang="en-US" sz="1800" noProof="0" smtClean="0"/>
+                        <a:t>4,75 %</a:t>
                       </a:r>
-                      <a:r>
-                        <a:rPr lang="it-IT" sz="1800" dirty="0" smtClean="0"/>
-                        <a:t>%</a:t>
-                      </a:r>
-                      <a:endParaRPr lang="it-IT" sz="1800" dirty="0"/>
+                      <a:endParaRPr lang="en-US" sz="1800" noProof="0"/>
                     </a:p>
                   </a:txBody>
                   <a:tcPr marL="91439" marR="91439" marT="45741" marB="45741" anchor="ctr"/>
@@ -36130,14 +33745,10 @@
                     <a:p>
                       <a:pPr algn="ctr"/>
                       <a:r>
-                        <a:rPr lang="it-IT" sz="1800" dirty="0" smtClean="0"/>
-                        <a:t>6,78 </a:t>
+                        <a:rPr lang="en-US" sz="1800" noProof="0" dirty="0" smtClean="0"/>
+                        <a:t>6,78 %</a:t>
                       </a:r>
-                      <a:r>
-                        <a:rPr lang="it-IT" sz="1800" dirty="0" smtClean="0"/>
-                        <a:t>%</a:t>
-                      </a:r>
-                      <a:endParaRPr lang="it-IT" sz="1800" dirty="0"/>
+                      <a:endParaRPr lang="en-US" sz="1800" noProof="0" dirty="0"/>
                     </a:p>
                   </a:txBody>
                   <a:tcPr marL="91439" marR="91439" marT="45741" marB="45741" anchor="ctr"/>
@@ -36398,34 +34009,16 @@
               <a:defRPr/>
             </a:pPr>
             <a:r>
-              <a:rPr lang="it-IT" sz="2000" b="1" dirty="0" smtClean="0">
+              <a:rPr lang="en-US" sz="2000" b="1" dirty="0" smtClean="0">
                 <a:solidFill>
                   <a:srgbClr val="003F6E"/>
                 </a:solidFill>
                 <a:latin typeface="Arial" charset="0"/>
               </a:rPr>
-              <a:t>Google </a:t>
-            </a:r>
-            <a:r>
-              <a:rPr lang="it-IT" sz="2000" b="1" dirty="0" err="1" smtClean="0">
-                <a:solidFill>
-                  <a:srgbClr val="003F6E"/>
-                </a:solidFill>
-                <a:latin typeface="Arial" charset="0"/>
-              </a:rPr>
-              <a:t>Datastore</a:t>
-            </a:r>
-            <a:r>
-              <a:rPr lang="it-IT" sz="2000" b="1" dirty="0" smtClean="0">
-                <a:solidFill>
-                  <a:srgbClr val="003F6E"/>
-                </a:solidFill>
-                <a:latin typeface="Arial" charset="0"/>
-              </a:rPr>
-              <a:t/>
+              <a:t>Google Datastore</a:t>
             </a:r>
             <a:br>
-              <a:rPr lang="it-IT" sz="2000" b="1" dirty="0" smtClean="0">
+              <a:rPr lang="en-US" sz="2000" b="1" dirty="0" smtClean="0">
                 <a:solidFill>
                   <a:srgbClr val="003F6E"/>
                 </a:solidFill>
@@ -36433,43 +34026,16 @@
               </a:rPr>
             </a:br>
             <a:r>
-              <a:rPr lang="it-IT" sz="2000" dirty="0" err="1" smtClean="0">
+              <a:rPr lang="en-US" sz="2000" dirty="0" smtClean="0">
                 <a:solidFill>
                   <a:srgbClr val="003F6E"/>
                 </a:solidFill>
                 <a:latin typeface="Arial" charset="0"/>
               </a:rPr>
-              <a:t>Kunedra</a:t>
+              <a:t>Kundera overhead </a:t>
             </a:r>
             <a:r>
-              <a:rPr lang="it-IT" sz="2000" dirty="0" smtClean="0">
-                <a:solidFill>
-                  <a:srgbClr val="003F6E"/>
-                </a:solidFill>
-                <a:latin typeface="Arial" charset="0"/>
-              </a:rPr>
-              <a:t> </a:t>
-            </a:r>
-            <a:r>
-              <a:rPr lang="it-IT" sz="2000" dirty="0" err="1" smtClean="0">
-                <a:solidFill>
-                  <a:srgbClr val="003F6E"/>
-                </a:solidFill>
-                <a:latin typeface="Arial" charset="0"/>
-              </a:rPr>
-              <a:t>overhead</a:t>
-            </a:r>
-            <a:r>
-              <a:rPr lang="it-IT" sz="2000" dirty="0" smtClean="0">
-                <a:solidFill>
-                  <a:srgbClr val="003F6E"/>
-                </a:solidFill>
-                <a:latin typeface="Arial" charset="0"/>
-              </a:rPr>
-              <a:t> </a:t>
-            </a:r>
-            <a:r>
-              <a:rPr lang="it-IT" sz="2000" dirty="0" err="1" smtClean="0">
+              <a:rPr lang="en-US" sz="2000" dirty="0" err="1" smtClean="0">
                 <a:solidFill>
                   <a:srgbClr val="003F6E"/>
                 </a:solidFill>
@@ -36478,31 +34044,13 @@
               <a:t>w.r.t</a:t>
             </a:r>
             <a:r>
-              <a:rPr lang="it-IT" sz="2000" dirty="0" smtClean="0">
+              <a:rPr lang="en-US" sz="2000" dirty="0" smtClean="0">
                 <a:solidFill>
                   <a:srgbClr val="003F6E"/>
                 </a:solidFill>
                 <a:latin typeface="Arial" charset="0"/>
               </a:rPr>
-              <a:t> </a:t>
-            </a:r>
-            <a:r>
-              <a:rPr lang="it-IT" sz="2000" dirty="0" err="1" smtClean="0">
-                <a:solidFill>
-                  <a:srgbClr val="003F6E"/>
-                </a:solidFill>
-                <a:latin typeface="Arial" charset="0"/>
-              </a:rPr>
-              <a:t>low-level</a:t>
-            </a:r>
-            <a:r>
-              <a:rPr lang="it-IT" sz="2000" dirty="0" smtClean="0">
-                <a:solidFill>
-                  <a:srgbClr val="003F6E"/>
-                </a:solidFill>
-                <a:latin typeface="Arial" charset="0"/>
-              </a:rPr>
-              <a:t> API</a:t>
+              <a:t> low-level API</a:t>
             </a:r>
           </a:p>
           <a:p>
@@ -36536,7 +34084,7 @@
               </a:tabLst>
               <a:defRPr/>
             </a:pPr>
-            <a:endParaRPr lang="it-IT" sz="2000" dirty="0">
+            <a:endParaRPr lang="en-US" sz="2000" dirty="0" smtClean="0">
               <a:solidFill>
                 <a:srgbClr val="003F6E"/>
               </a:solidFill>
@@ -36574,7 +34122,7 @@
               </a:tabLst>
               <a:defRPr/>
             </a:pPr>
-            <a:endParaRPr lang="it-IT" sz="2000" dirty="0">
+            <a:endParaRPr lang="en-US" sz="2000" dirty="0" smtClean="0">
               <a:solidFill>
                 <a:srgbClr val="FF0000"/>
               </a:solidFill>
@@ -36617,7 +34165,7 @@
               </a:tabLst>
               <a:defRPr/>
             </a:pPr>
-            <a:endParaRPr lang="it-IT" sz="2000" dirty="0"/>
+            <a:endParaRPr lang="en-US" sz="2000" dirty="0"/>
           </a:p>
         </p:txBody>
       </p:sp>
@@ -36630,7 +34178,7 @@
           <p:nvPr>
             <p:extLst>
               <p:ext uri="{D42A27DB-BD31-4B8C-83A1-F6EECF244321}">
-                <p14:modId xmlns:p14="http://schemas.microsoft.com/office/powerpoint/2010/main" val="1820493998"/>
+                <p14:modId xmlns:p14="http://schemas.microsoft.com/office/powerpoint/2010/main" val="207333975"/>
               </p:ext>
             </p:extLst>
           </p:nvPr>
@@ -36659,14 +34207,10 @@
                     <a:p>
                       <a:pPr algn="ctr"/>
                       <a:r>
-                        <a:rPr lang="it-IT" sz="1800" dirty="0" smtClean="0"/>
-                        <a:t>Read </a:t>
+                        <a:rPr lang="en-US" sz="1800" noProof="0" smtClean="0"/>
+                        <a:t>Read latency</a:t>
                       </a:r>
-                      <a:r>
-                        <a:rPr lang="it-IT" sz="1800" dirty="0" err="1" smtClean="0"/>
-                        <a:t>latency</a:t>
-                      </a:r>
-                      <a:endParaRPr lang="it-IT" sz="1800" dirty="0"/>
+                      <a:endParaRPr lang="en-US" sz="1800" noProof="0"/>
                     </a:p>
                   </a:txBody>
                   <a:tcPr marL="91439" marR="91439" marT="45673" marB="45673" anchor="ctr"/>
@@ -36678,14 +34222,10 @@
                     <a:p>
                       <a:pPr algn="ctr"/>
                       <a:r>
-                        <a:rPr lang="it-IT" sz="1800" dirty="0" smtClean="0"/>
-                        <a:t>Read </a:t>
+                        <a:rPr lang="en-US" sz="1800" noProof="0" smtClean="0"/>
+                        <a:t>Read throughput</a:t>
                       </a:r>
-                      <a:r>
-                        <a:rPr lang="it-IT" sz="1800" dirty="0" err="1" smtClean="0"/>
-                        <a:t>throughput</a:t>
-                      </a:r>
-                      <a:endParaRPr lang="it-IT" sz="1800" dirty="0"/>
+                      <a:endParaRPr lang="en-US" sz="1800" noProof="0"/>
                     </a:p>
                   </a:txBody>
                   <a:tcPr marL="91439" marR="91439" marT="45673" marB="45673" anchor="ctr"/>
@@ -36697,14 +34237,10 @@
                     <a:p>
                       <a:pPr algn="ctr"/>
                       <a:r>
-                        <a:rPr lang="it-IT" sz="1800" dirty="0" smtClean="0"/>
-                        <a:t>Write </a:t>
+                        <a:rPr lang="en-US" sz="1800" noProof="0" smtClean="0"/>
+                        <a:t>Write latency</a:t>
                       </a:r>
-                      <a:r>
-                        <a:rPr lang="it-IT" sz="1800" dirty="0" err="1" smtClean="0"/>
-                        <a:t>latency</a:t>
-                      </a:r>
-                      <a:endParaRPr lang="it-IT" sz="1800" dirty="0"/>
+                      <a:endParaRPr lang="en-US" sz="1800" noProof="0"/>
                     </a:p>
                   </a:txBody>
                   <a:tcPr marL="91439" marR="91439" marT="45673" marB="45673" anchor="ctr"/>
@@ -36716,14 +34252,10 @@
                     <a:p>
                       <a:pPr algn="ctr"/>
                       <a:r>
-                        <a:rPr lang="it-IT" sz="1800" dirty="0" smtClean="0"/>
-                        <a:t>Write </a:t>
+                        <a:rPr lang="en-US" sz="1800" noProof="0" smtClean="0"/>
+                        <a:t>Write throughput</a:t>
                       </a:r>
-                      <a:r>
-                        <a:rPr lang="it-IT" sz="1800" dirty="0" err="1" smtClean="0"/>
-                        <a:t>throughput</a:t>
-                      </a:r>
-                      <a:endParaRPr lang="it-IT" sz="1800" dirty="0"/>
+                      <a:endParaRPr lang="en-US" sz="1800" noProof="0"/>
                     </a:p>
                   </a:txBody>
                   <a:tcPr marL="91439" marR="91439" marT="45673" marB="45673" anchor="ctr"/>
@@ -36737,10 +34269,10 @@
                     <a:p>
                       <a:pPr algn="ctr"/>
                       <a:r>
-                        <a:rPr lang="it-IT" sz="1800" dirty="0" smtClean="0"/>
+                        <a:rPr lang="en-US" sz="1800" noProof="0" smtClean="0"/>
                         <a:t>4,36 %</a:t>
                       </a:r>
-                      <a:endParaRPr lang="it-IT" sz="1800" dirty="0"/>
+                      <a:endParaRPr lang="en-US" sz="1800" noProof="0"/>
                     </a:p>
                   </a:txBody>
                   <a:tcPr marL="91439" marR="91439" marT="45673" marB="45673" anchor="ctr"/>
@@ -36752,10 +34284,10 @@
                     <a:p>
                       <a:pPr algn="ctr"/>
                       <a:r>
-                        <a:rPr lang="it-IT" sz="1800" dirty="0" smtClean="0"/>
+                        <a:rPr lang="en-US" sz="1800" noProof="0" smtClean="0"/>
                         <a:t>4,39 %</a:t>
                       </a:r>
-                      <a:endParaRPr lang="it-IT" sz="1800" dirty="0"/>
+                      <a:endParaRPr lang="en-US" sz="1800" noProof="0"/>
                     </a:p>
                   </a:txBody>
                   <a:tcPr marL="91439" marR="91439" marT="45673" marB="45673" anchor="ctr"/>
@@ -36783,7 +34315,7 @@
                         <a:defRPr/>
                       </a:pPr>
                       <a:r>
-                        <a:rPr lang="it-IT" sz="1800" dirty="0" smtClean="0"/>
+                        <a:rPr lang="en-US" sz="1800" noProof="0" smtClean="0"/>
                         <a:t>0,76 %</a:t>
                       </a:r>
                     </a:p>
@@ -36797,10 +34329,10 @@
                     <a:p>
                       <a:pPr algn="ctr"/>
                       <a:r>
-                        <a:rPr lang="it-IT" sz="1800" dirty="0" smtClean="0"/>
+                        <a:rPr lang="en-US" sz="1800" noProof="0" dirty="0" smtClean="0"/>
                         <a:t>2,03 %</a:t>
                       </a:r>
-                      <a:endParaRPr lang="it-IT" sz="1800" dirty="0"/>
+                      <a:endParaRPr lang="en-US" sz="1800" noProof="0" dirty="0"/>
                     </a:p>
                   </a:txBody>
                   <a:tcPr marL="91439" marR="91439" marT="45673" marB="45673" anchor="ctr"/>
@@ -37276,7 +34808,7 @@
             <a:pPr>
               <a:defRPr/>
             </a:pPr>
-            <a:endParaRPr lang="it-IT" b="1" dirty="0" smtClean="0">
+            <a:endParaRPr lang="en-US" b="1" smtClean="0">
               <a:solidFill>
                 <a:srgbClr val="003F6E"/>
               </a:solidFill>
@@ -37288,7 +34820,7 @@
               <a:defRPr/>
             </a:pPr>
             <a:r>
-              <a:rPr lang="it-IT" b="1" dirty="0" err="1" smtClean="0">
+              <a:rPr lang="en-US" b="1" smtClean="0">
                 <a:solidFill>
                   <a:srgbClr val="003F6E"/>
                 </a:solidFill>
@@ -37296,12 +34828,6 @@
               </a:rPr>
               <a:t>Conclusions</a:t>
             </a:r>
-            <a:endParaRPr lang="it-IT" b="1" dirty="0" smtClean="0">
-              <a:solidFill>
-                <a:srgbClr val="003F6E"/>
-              </a:solidFill>
-              <a:latin typeface="Arial" charset="0"/>
-            </a:endParaRPr>
           </a:p>
         </p:txBody>
       </p:sp>
@@ -37329,13 +34855,13 @@
               <a:defRPr/>
             </a:pPr>
             <a:fld id="{5C369C5C-8030-2440-9F4F-749C83DBB354}" type="slidenum">
-              <a:rPr/>
+              <a:rPr lang="en-US" smtClean="0"/>
               <a:pPr>
                 <a:defRPr/>
               </a:pPr>
               <a:t>23</a:t>
             </a:fld>
-            <a:endParaRPr dirty="0"/>
+            <a:endParaRPr lang="en-US"/>
           </a:p>
         </p:txBody>
       </p:sp>
@@ -37587,29 +35113,14 @@
               <a:defRPr/>
             </a:pPr>
             <a:r>
-              <a:rPr lang="it-IT" sz="2000" dirty="0" err="1" smtClean="0">
+              <a:rPr lang="en-US" sz="2000" dirty="0" smtClean="0">
                 <a:solidFill>
                   <a:srgbClr val="003F6E"/>
                 </a:solidFill>
                 <a:latin typeface="Arial" charset="0"/>
               </a:rPr>
-              <a:t>Contributions</a:t>
+              <a:t>Contributions:</a:t>
             </a:r>
-            <a:r>
-              <a:rPr lang="it-IT" sz="2000" dirty="0" smtClean="0">
-                <a:solidFill>
-                  <a:srgbClr val="003F6E"/>
-                </a:solidFill>
-                <a:latin typeface="Arial" charset="0"/>
-              </a:rPr>
-              <a:t>:</a:t>
-            </a:r>
-            <a:endParaRPr lang="it-IT" sz="2000" dirty="0">
-              <a:solidFill>
-                <a:srgbClr val="003F6E"/>
-              </a:solidFill>
-              <a:latin typeface="Arial" charset="0"/>
-            </a:endParaRPr>
           </a:p>
           <a:p>
             <a:pPr>
@@ -37639,7 +35150,7 @@
               </a:tabLst>
               <a:defRPr/>
             </a:pPr>
-            <a:endParaRPr lang="it-IT" sz="2000" dirty="0">
+            <a:endParaRPr lang="en-US" sz="2000" dirty="0" smtClean="0">
               <a:solidFill>
                 <a:srgbClr val="003F6E"/>
               </a:solidFill>
@@ -37680,38 +35191,14 @@
               <a:defRPr/>
             </a:pPr>
             <a:r>
-              <a:rPr lang="it-IT" sz="2000" dirty="0" smtClean="0">
+              <a:rPr lang="en-US" sz="2000" dirty="0" smtClean="0">
                 <a:solidFill>
                   <a:srgbClr val="003F6E"/>
                 </a:solidFill>
                 <a:latin typeface="Arial" charset="0"/>
               </a:rPr>
-              <a:t>Integratio</a:t>
+              <a:t>Integration of Kundera in CPIM library</a:t>
             </a:r>
-            <a:r>
-              <a:rPr lang="it-IT" sz="2000" dirty="0" smtClean="0">
-                <a:solidFill>
-                  <a:srgbClr val="003F6E"/>
-                </a:solidFill>
-                <a:latin typeface="Arial" charset="0"/>
-              </a:rPr>
-              <a:t>n of Kundera in CPIM </a:t>
-            </a:r>
-            <a:r>
-              <a:rPr lang="it-IT" sz="2000" dirty="0" err="1" smtClean="0">
-                <a:solidFill>
-                  <a:srgbClr val="003F6E"/>
-                </a:solidFill>
-                <a:latin typeface="Arial" charset="0"/>
-              </a:rPr>
-              <a:t>library</a:t>
-            </a:r>
-            <a:endParaRPr lang="it-IT" sz="2000" dirty="0" smtClean="0">
-              <a:solidFill>
-                <a:srgbClr val="003F6E"/>
-              </a:solidFill>
-              <a:latin typeface="Arial" charset="0"/>
-            </a:endParaRPr>
           </a:p>
           <a:p>
             <a:pPr marL="736600" lvl="1" indent="-279400">
@@ -37746,7 +35233,7 @@
               </a:tabLst>
               <a:defRPr/>
             </a:pPr>
-            <a:endParaRPr lang="it-IT" sz="2000" dirty="0" smtClean="0">
+            <a:endParaRPr lang="en-US" sz="2000" dirty="0" smtClean="0">
               <a:solidFill>
                 <a:srgbClr val="003F6E"/>
               </a:solidFill>
@@ -37787,92 +35274,14 @@
               <a:defRPr/>
             </a:pPr>
             <a:r>
-              <a:rPr lang="it-IT" sz="2000" dirty="0">
+              <a:rPr lang="en-US" sz="2000" dirty="0" smtClean="0">
                 <a:solidFill>
                   <a:srgbClr val="003F6E"/>
                 </a:solidFill>
                 <a:latin typeface="Arial" charset="0"/>
               </a:rPr>
-              <a:t>New Kundera </a:t>
+              <a:t>New Kundera clients to support Google Datastore and Azure Tables</a:t>
             </a:r>
-            <a:r>
-              <a:rPr lang="it-IT" sz="2000" dirty="0" smtClean="0">
-                <a:solidFill>
-                  <a:srgbClr val="003F6E"/>
-                </a:solidFill>
-                <a:latin typeface="Arial" charset="0"/>
-              </a:rPr>
-              <a:t>clients to </a:t>
-            </a:r>
-            <a:r>
-              <a:rPr lang="it-IT" sz="2000" dirty="0" err="1" smtClean="0">
-                <a:solidFill>
-                  <a:srgbClr val="003F6E"/>
-                </a:solidFill>
-                <a:latin typeface="Arial" charset="0"/>
-              </a:rPr>
-              <a:t>support</a:t>
-            </a:r>
-            <a:r>
-              <a:rPr lang="it-IT" sz="2000" dirty="0" smtClean="0">
-                <a:solidFill>
-                  <a:srgbClr val="003F6E"/>
-                </a:solidFill>
-                <a:latin typeface="Arial" charset="0"/>
-              </a:rPr>
-              <a:t> Google </a:t>
-            </a:r>
-            <a:r>
-              <a:rPr lang="it-IT" sz="2000" dirty="0" err="1" smtClean="0">
-                <a:solidFill>
-                  <a:srgbClr val="003F6E"/>
-                </a:solidFill>
-                <a:latin typeface="Arial" charset="0"/>
-              </a:rPr>
-              <a:t>Datastore</a:t>
-            </a:r>
-            <a:r>
-              <a:rPr lang="it-IT" sz="2000" dirty="0" smtClean="0">
-                <a:solidFill>
-                  <a:srgbClr val="003F6E"/>
-                </a:solidFill>
-                <a:latin typeface="Arial" charset="0"/>
-              </a:rPr>
-              <a:t> and </a:t>
-            </a:r>
-            <a:r>
-              <a:rPr lang="it-IT" sz="2000" dirty="0" err="1" smtClean="0">
-                <a:solidFill>
-                  <a:srgbClr val="003F6E"/>
-                </a:solidFill>
-                <a:latin typeface="Arial" charset="0"/>
-              </a:rPr>
-              <a:t>Azure</a:t>
-            </a:r>
-            <a:r>
-              <a:rPr lang="it-IT" sz="2000" dirty="0" smtClean="0">
-                <a:solidFill>
-                  <a:srgbClr val="003F6E"/>
-                </a:solidFill>
-                <a:latin typeface="Arial" charset="0"/>
-              </a:rPr>
-              <a:t> </a:t>
-            </a:r>
-            <a:r>
-              <a:rPr lang="it-IT" sz="2000" dirty="0" err="1" smtClean="0">
-                <a:solidFill>
-                  <a:srgbClr val="003F6E"/>
-                </a:solidFill>
-                <a:latin typeface="Arial" charset="0"/>
-              </a:rPr>
-              <a:t>Tables</a:t>
-            </a:r>
-            <a:endParaRPr lang="it-IT" sz="2000" dirty="0">
-              <a:solidFill>
-                <a:srgbClr val="003F6E"/>
-              </a:solidFill>
-              <a:latin typeface="Arial" charset="0"/>
-            </a:endParaRPr>
           </a:p>
           <a:p>
             <a:pPr marL="736600" lvl="1" indent="-279400">
@@ -37907,7 +35316,7 @@
               </a:tabLst>
               <a:defRPr/>
             </a:pPr>
-            <a:endParaRPr lang="it-IT" sz="2000" dirty="0">
+            <a:endParaRPr lang="en-US" sz="2000" dirty="0" smtClean="0">
               <a:solidFill>
                 <a:srgbClr val="003F6E"/>
               </a:solidFill>
@@ -37948,56 +35357,14 @@
               <a:defRPr/>
             </a:pPr>
             <a:r>
-              <a:rPr lang="it-IT" sz="2000" dirty="0" err="1" smtClean="0">
+              <a:rPr lang="en-US" sz="2000" dirty="0" smtClean="0">
                 <a:solidFill>
                   <a:srgbClr val="003F6E"/>
                 </a:solidFill>
                 <a:latin typeface="Arial" charset="0"/>
               </a:rPr>
-              <a:t>Hegira</a:t>
+              <a:t>Hegira integration in the CPIM library</a:t>
             </a:r>
-            <a:r>
-              <a:rPr lang="it-IT" sz="2000" dirty="0" smtClean="0">
-                <a:solidFill>
-                  <a:srgbClr val="003F6E"/>
-                </a:solidFill>
-                <a:latin typeface="Arial" charset="0"/>
-              </a:rPr>
-              <a:t> </a:t>
-            </a:r>
-            <a:r>
-              <a:rPr lang="it-IT" sz="2000" dirty="0" err="1" smtClean="0">
-                <a:solidFill>
-                  <a:srgbClr val="003F6E"/>
-                </a:solidFill>
-                <a:latin typeface="Arial" charset="0"/>
-              </a:rPr>
-              <a:t>integration</a:t>
-            </a:r>
-            <a:r>
-              <a:rPr lang="it-IT" sz="2000" dirty="0" smtClean="0">
-                <a:solidFill>
-                  <a:srgbClr val="003F6E"/>
-                </a:solidFill>
-                <a:latin typeface="Arial" charset="0"/>
-              </a:rPr>
-              <a:t> in the CPIM </a:t>
-            </a:r>
-            <a:r>
-              <a:rPr lang="it-IT" sz="2000" dirty="0" err="1" smtClean="0">
-                <a:solidFill>
-                  <a:srgbClr val="003F6E"/>
-                </a:solidFill>
-                <a:latin typeface="Arial" charset="0"/>
-              </a:rPr>
-              <a:t>library</a:t>
-            </a:r>
-            <a:endParaRPr lang="it-IT" sz="2000" dirty="0" smtClean="0">
-              <a:solidFill>
-                <a:srgbClr val="003F6E"/>
-              </a:solidFill>
-              <a:latin typeface="Arial" charset="0"/>
-            </a:endParaRPr>
           </a:p>
           <a:p>
             <a:pPr marL="736600" lvl="1" indent="-279400">
@@ -38032,7 +35399,7 @@
               </a:tabLst>
               <a:defRPr/>
             </a:pPr>
-            <a:endParaRPr lang="it-IT" sz="1800" dirty="0">
+            <a:endParaRPr lang="en-US" sz="1800" dirty="0" smtClean="0">
               <a:solidFill>
                 <a:srgbClr val="003F6E"/>
               </a:solidFill>
@@ -38072,7 +35439,7 @@
               </a:tabLst>
               <a:defRPr/>
             </a:pPr>
-            <a:endParaRPr lang="it-IT" sz="2000" dirty="0">
+            <a:endParaRPr lang="en-US" sz="2000" dirty="0" smtClean="0">
               <a:solidFill>
                 <a:srgbClr val="003F6E"/>
               </a:solidFill>
@@ -38108,7 +35475,7 @@
               <a:defRPr/>
             </a:pPr>
             <a:r>
-              <a:rPr lang="it-IT" sz="2000" dirty="0" smtClean="0">
+              <a:rPr lang="en-US" sz="2000" dirty="0" smtClean="0">
                 <a:solidFill>
                   <a:srgbClr val="003F6E"/>
                 </a:solidFill>
@@ -38116,12 +35483,6 @@
               </a:rPr>
               <a:t>Future work:</a:t>
             </a:r>
-            <a:endParaRPr lang="it-IT" sz="2000" dirty="0">
-              <a:solidFill>
-                <a:srgbClr val="003F6E"/>
-              </a:solidFill>
-              <a:latin typeface="Arial" charset="0"/>
-            </a:endParaRPr>
           </a:p>
           <a:p>
             <a:pPr marL="457200" lvl="1" indent="0">
@@ -38154,7 +35515,7 @@
               </a:tabLst>
               <a:defRPr/>
             </a:pPr>
-            <a:endParaRPr lang="it-IT" sz="2000" dirty="0">
+            <a:endParaRPr lang="en-US" sz="2000" dirty="0" smtClean="0">
               <a:solidFill>
                 <a:srgbClr val="003F6E"/>
               </a:solidFill>
@@ -38194,7 +35555,7 @@
               </a:tabLst>
               <a:defRPr/>
             </a:pPr>
-            <a:endParaRPr lang="it-IT" sz="2000" dirty="0" smtClean="0">
+            <a:endParaRPr lang="en-US" sz="2000" dirty="0" smtClean="0">
               <a:solidFill>
                 <a:srgbClr val="003F6E"/>
               </a:solidFill>
@@ -38235,96 +35596,15 @@
               <a:defRPr/>
             </a:pPr>
             <a:r>
-              <a:rPr lang="it-IT" sz="2000" dirty="0" smtClean="0">
+              <a:rPr lang="en-US" sz="2000" dirty="0" smtClean="0">
                 <a:solidFill>
                   <a:srgbClr val="003F6E"/>
                 </a:solidFill>
                 <a:latin typeface="Arial" charset="0"/>
               </a:rPr>
-              <a:t>Compare </a:t>
+              <a:t>Compare developed client performance with the ones of the other client developed by Kundera team</a:t>
             </a:r>
-            <a:r>
-              <a:rPr lang="it-IT" sz="2000" dirty="0" err="1" smtClean="0">
-                <a:solidFill>
-                  <a:srgbClr val="003F6E"/>
-                </a:solidFill>
-                <a:latin typeface="Arial" charset="0"/>
-              </a:rPr>
-              <a:t>developed</a:t>
-            </a:r>
-            <a:r>
-              <a:rPr lang="it-IT" sz="2000" dirty="0" smtClean="0">
-                <a:solidFill>
-                  <a:srgbClr val="003F6E"/>
-                </a:solidFill>
-                <a:latin typeface="Arial" charset="0"/>
-              </a:rPr>
-              <a:t> client performance with the </a:t>
-            </a:r>
-            <a:r>
-              <a:rPr lang="it-IT" sz="2000" dirty="0" err="1" smtClean="0">
-                <a:solidFill>
-                  <a:srgbClr val="003F6E"/>
-                </a:solidFill>
-                <a:latin typeface="Arial" charset="0"/>
-              </a:rPr>
-              <a:t>ones</a:t>
-            </a:r>
-            <a:r>
-              <a:rPr lang="it-IT" sz="2000" dirty="0" smtClean="0">
-                <a:solidFill>
-                  <a:srgbClr val="003F6E"/>
-                </a:solidFill>
-                <a:latin typeface="Arial" charset="0"/>
-              </a:rPr>
-              <a:t> of the </a:t>
-            </a:r>
-            <a:r>
-              <a:rPr lang="it-IT" sz="2000" dirty="0" err="1" smtClean="0">
-                <a:solidFill>
-                  <a:srgbClr val="003F6E"/>
-                </a:solidFill>
-                <a:latin typeface="Arial" charset="0"/>
-              </a:rPr>
-              <a:t>other</a:t>
-            </a:r>
-            <a:r>
-              <a:rPr lang="it-IT" sz="2000" dirty="0" smtClean="0">
-                <a:solidFill>
-                  <a:srgbClr val="003F6E"/>
-                </a:solidFill>
-                <a:latin typeface="Arial" charset="0"/>
-              </a:rPr>
-              <a:t> client </a:t>
-            </a:r>
-            <a:r>
-              <a:rPr lang="it-IT" sz="2000" dirty="0" err="1" smtClean="0">
-                <a:solidFill>
-                  <a:srgbClr val="003F6E"/>
-                </a:solidFill>
-                <a:latin typeface="Arial" charset="0"/>
-              </a:rPr>
-              <a:t>developed</a:t>
-            </a:r>
-            <a:r>
-              <a:rPr lang="it-IT" sz="2000" dirty="0" smtClean="0">
-                <a:solidFill>
-                  <a:srgbClr val="003F6E"/>
-                </a:solidFill>
-                <a:latin typeface="Arial" charset="0"/>
-              </a:rPr>
-              <a:t> by Kundera </a:t>
-            </a:r>
-            <a:r>
-              <a:rPr lang="it-IT" sz="2000" dirty="0" smtClean="0">
-                <a:solidFill>
-                  <a:srgbClr val="003F6E"/>
-                </a:solidFill>
-                <a:latin typeface="Arial" charset="0"/>
-              </a:rPr>
-              <a:t>team</a:t>
-            </a:r>
-            <a:endParaRPr lang="it-IT" sz="2000" dirty="0">
+            <a:endParaRPr lang="en-US" sz="2000" dirty="0" smtClean="0">
               <a:solidFill>
                 <a:srgbClr val="FF0000"/>
               </a:solidFill>
@@ -38364,7 +35644,7 @@
               </a:tabLst>
               <a:defRPr/>
             </a:pPr>
-            <a:endParaRPr lang="it-IT" sz="2000" dirty="0"/>
+            <a:endParaRPr lang="en-US" sz="2000" dirty="0"/>
           </a:p>
         </p:txBody>
       </p:sp>
@@ -39318,7 +36598,7 @@
             <a:pPr>
               <a:defRPr/>
             </a:pPr>
-            <a:endParaRPr lang="it-IT" b="1" dirty="0" smtClean="0">
+            <a:endParaRPr lang="en-US" b="1" dirty="0" smtClean="0">
               <a:solidFill>
                 <a:srgbClr val="003F6E"/>
               </a:solidFill>
@@ -39330,56 +36610,14 @@
               <a:defRPr/>
             </a:pPr>
             <a:r>
-              <a:rPr lang="it-IT" b="1" dirty="0" err="1" smtClean="0">
+              <a:rPr lang="en-US" b="1" dirty="0" smtClean="0">
                 <a:solidFill>
                   <a:srgbClr val="003F6E"/>
                 </a:solidFill>
                 <a:latin typeface="Arial" charset="0"/>
               </a:rPr>
-              <a:t>NoSQL</a:t>
+              <a:t>NoSQL Common language approaches</a:t>
             </a:r>
-            <a:r>
-              <a:rPr lang="it-IT" b="1" dirty="0" smtClean="0">
-                <a:solidFill>
-                  <a:srgbClr val="003F6E"/>
-                </a:solidFill>
-                <a:latin typeface="Arial" charset="0"/>
-              </a:rPr>
-              <a:t> Common </a:t>
-            </a:r>
-            <a:r>
-              <a:rPr lang="it-IT" b="1" dirty="0" err="1" smtClean="0">
-                <a:solidFill>
-                  <a:srgbClr val="003F6E"/>
-                </a:solidFill>
-                <a:latin typeface="Arial" charset="0"/>
-              </a:rPr>
-              <a:t>language</a:t>
-            </a:r>
-            <a:r>
-              <a:rPr lang="it-IT" b="1" dirty="0" smtClean="0">
-                <a:solidFill>
-                  <a:srgbClr val="003F6E"/>
-                </a:solidFill>
-                <a:latin typeface="Arial" charset="0"/>
-              </a:rPr>
-              <a:t> </a:t>
-            </a:r>
-            <a:r>
-              <a:rPr lang="it-IT" b="1" dirty="0" err="1" smtClean="0">
-                <a:solidFill>
-                  <a:srgbClr val="003F6E"/>
-                </a:solidFill>
-                <a:latin typeface="Arial" charset="0"/>
-              </a:rPr>
-              <a:t>approaches</a:t>
-            </a:r>
-            <a:endParaRPr lang="it-IT" b="1" dirty="0" smtClean="0">
-              <a:solidFill>
-                <a:srgbClr val="003F6E"/>
-              </a:solidFill>
-              <a:latin typeface="Arial" charset="0"/>
-            </a:endParaRPr>
           </a:p>
         </p:txBody>
       </p:sp>
@@ -39407,13 +36645,13 @@
               <a:defRPr/>
             </a:pPr>
             <a:fld id="{5014F120-C75B-CD48-ADD5-8CD8FC5AA374}" type="slidenum">
-              <a:rPr/>
+              <a:rPr lang="en-US" smtClean="0"/>
               <a:pPr>
                 <a:defRPr/>
               </a:pPr>
               <a:t>3</a:t>
             </a:fld>
-            <a:endParaRPr dirty="0"/>
+            <a:endParaRPr lang="en-US"/>
           </a:p>
         </p:txBody>
       </p:sp>
@@ -39856,7 +37094,7 @@
                 <a:defRPr/>
               </a:pPr>
               <a:r>
-                <a:rPr lang="en-US" sz="2000" b="1" i="1" dirty="0" smtClean="0">
+                <a:rPr lang="en-US" sz="2000" b="1" i="1" smtClean="0">
                   <a:solidFill>
                     <a:srgbClr val="003F6E"/>
                   </a:solidFill>
@@ -39879,29 +37117,14 @@
                 <a:defRPr/>
               </a:pPr>
               <a:r>
-                <a:rPr lang="en-US" sz="2000" dirty="0" smtClean="0">
+                <a:rPr lang="en-US" sz="2000" smtClean="0">
                   <a:solidFill>
                     <a:srgbClr val="003F6E"/>
                   </a:solidFill>
                   <a:latin typeface="Arial" charset="0"/>
                 </a:rPr>
-                <a:t>Apache </a:t>
+                <a:t>Apache MetaModel</a:t>
               </a:r>
-              <a:r>
-                <a:rPr lang="en-US" sz="2000" dirty="0" err="1" smtClean="0">
-                  <a:solidFill>
-                    <a:srgbClr val="003F6E"/>
-                  </a:solidFill>
-                  <a:latin typeface="Arial" charset="0"/>
-                </a:rPr>
-                <a:t>MetaModel</a:t>
-              </a:r>
-              <a:endParaRPr lang="en-US" sz="2000" dirty="0" smtClean="0">
-                <a:solidFill>
-                  <a:srgbClr val="003F6E"/>
-                </a:solidFill>
-                <a:latin typeface="Arial" charset="0"/>
-              </a:endParaRPr>
             </a:p>
             <a:p>
               <a:pPr marL="344487" indent="-342900">
@@ -39917,7 +37140,7 @@
                 <a:defRPr/>
               </a:pPr>
               <a:r>
-                <a:rPr lang="en-US" sz="2000" dirty="0" smtClean="0">
+                <a:rPr lang="en-US" sz="2000" smtClean="0">
                   <a:solidFill>
                     <a:srgbClr val="003F6E"/>
                   </a:solidFill>
@@ -40410,24 +37633,15 @@
                 <a:defRPr/>
               </a:pPr>
               <a:r>
-                <a:rPr lang="en-US" sz="2000" b="1" i="1" dirty="0" smtClean="0">
+                <a:rPr lang="en-US" sz="2000" b="1" i="1" smtClean="0">
                   <a:solidFill>
                     <a:srgbClr val="003F6E"/>
                   </a:solidFill>
                   <a:latin typeface="Arial" charset="0"/>
                 </a:rPr>
-                <a:t>            </a:t>
+                <a:t>            SQLification</a:t>
               </a:r>
-              <a:r>
-                <a:rPr lang="en-US" sz="2000" b="1" i="1" dirty="0" err="1" smtClean="0">
-                  <a:solidFill>
-                    <a:srgbClr val="003F6E"/>
-                  </a:solidFill>
-                  <a:latin typeface="Arial" charset="0"/>
-                </a:rPr>
-                <a:t>SQLification</a:t>
-              </a:r>
-              <a:endParaRPr lang="en-US" sz="2000" b="1" i="1" dirty="0">
+              <a:endParaRPr lang="en-US" sz="2000" b="1" i="1">
                 <a:solidFill>
                   <a:srgbClr val="003F6E"/>
                 </a:solidFill>
@@ -40448,7 +37662,7 @@
                 <a:defRPr/>
               </a:pPr>
               <a:r>
-                <a:rPr lang="en-US" sz="2000" dirty="0" smtClean="0">
+                <a:rPr lang="en-US" sz="2000" smtClean="0">
                   <a:solidFill>
                     <a:srgbClr val="003F6E"/>
                   </a:solidFill>
@@ -40471,7 +37685,7 @@
                 <a:defRPr/>
               </a:pPr>
               <a:r>
-                <a:rPr lang="en-US" sz="2000" dirty="0" err="1" smtClean="0">
+                <a:rPr lang="en-US" sz="2000" smtClean="0">
                   <a:solidFill>
                     <a:srgbClr val="003F6E"/>
                   </a:solidFill>
@@ -40479,12 +37693,6 @@
                 </a:rPr>
                 <a:t>UnQL</a:t>
               </a:r>
-              <a:endParaRPr lang="en-US" sz="2000" dirty="0" smtClean="0">
-                <a:solidFill>
-                  <a:srgbClr val="003F6E"/>
-                </a:solidFill>
-                <a:latin typeface="Arial" charset="0"/>
-              </a:endParaRPr>
             </a:p>
             <a:p>
               <a:pPr marL="344487" indent="-342900">
@@ -40500,7 +37708,7 @@
                 <a:defRPr/>
               </a:pPr>
               <a:r>
-                <a:rPr lang="en-US" sz="2000" dirty="0" smtClean="0">
+                <a:rPr lang="en-US" sz="2000" smtClean="0">
                   <a:solidFill>
                     <a:srgbClr val="003F6E"/>
                   </a:solidFill>
@@ -41016,7 +38224,7 @@
                 <a:defRPr/>
               </a:pPr>
               <a:r>
-                <a:rPr lang="en-US" sz="2000" dirty="0" err="1" smtClean="0">
+                <a:rPr lang="en-US" sz="2000" dirty="0" smtClean="0">
                   <a:solidFill>
                     <a:srgbClr val="003F6E"/>
                   </a:solidFill>
@@ -41024,12 +38232,6 @@
                 </a:rPr>
                 <a:t>Kundera</a:t>
               </a:r>
-              <a:endParaRPr lang="en-US" sz="2000" dirty="0" smtClean="0">
-                <a:solidFill>
-                  <a:srgbClr val="003F6E"/>
-                </a:solidFill>
-                <a:latin typeface="Arial" charset="0"/>
-              </a:endParaRPr>
             </a:p>
             <a:p>
               <a:pPr marL="344487" indent="-342900">
@@ -41618,7 +38820,7 @@
               <a:defRPr/>
             </a:pPr>
             <a:r>
-              <a:rPr lang="it-IT" b="1" dirty="0" smtClean="0">
+              <a:rPr lang="en-GB" b="1" smtClean="0">
                 <a:solidFill>
                   <a:srgbClr val="003F6E"/>
                 </a:solidFill>
@@ -41627,7 +38829,7 @@
               <a:t/>
             </a:r>
             <a:br>
-              <a:rPr lang="it-IT" b="1" dirty="0" smtClean="0">
+              <a:rPr lang="en-GB" b="1" smtClean="0">
                 <a:solidFill>
                   <a:srgbClr val="003F6E"/>
                 </a:solidFill>
@@ -41635,40 +38837,13 @@
               </a:rPr>
             </a:br>
             <a:r>
-              <a:rPr lang="it-IT" b="1" dirty="0" err="1" smtClean="0">
+              <a:rPr lang="en-GB" b="1" smtClean="0">
                 <a:solidFill>
                   <a:srgbClr val="003F6E"/>
                 </a:solidFill>
                 <a:latin typeface="Arial" charset="0"/>
               </a:rPr>
-              <a:t>Cloud</a:t>
-            </a:r>
-            <a:r>
-              <a:rPr lang="it-IT" b="1" dirty="0" smtClean="0">
-                <a:solidFill>
-                  <a:srgbClr val="003F6E"/>
-                </a:solidFill>
-                <a:latin typeface="Arial" charset="0"/>
-              </a:rPr>
-              <a:t> Platform </a:t>
-            </a:r>
-            <a:r>
-              <a:rPr lang="it-IT" b="1" dirty="0" err="1" smtClean="0">
-                <a:solidFill>
-                  <a:srgbClr val="003F6E"/>
-                </a:solidFill>
-                <a:latin typeface="Arial" charset="0"/>
-              </a:rPr>
-              <a:t>Independent</a:t>
-            </a:r>
-            <a:r>
-              <a:rPr lang="it-IT" b="1" dirty="0" smtClean="0">
-                <a:solidFill>
-                  <a:srgbClr val="003F6E"/>
-                </a:solidFill>
-                <a:latin typeface="Arial" charset="0"/>
-              </a:rPr>
-              <a:t> Model</a:t>
+              <a:t>Cloud Platform Independent Model</a:t>
             </a:r>
           </a:p>
         </p:txBody>
@@ -42087,85 +39262,13 @@
               <a:defRPr/>
             </a:pPr>
             <a:r>
-              <a:rPr lang="it-IT" sz="1600" dirty="0" smtClean="0">
+              <a:rPr lang="en-GB" sz="1600" smtClean="0">
                 <a:solidFill>
                   <a:srgbClr val="003F6E"/>
                 </a:solidFill>
                 <a:latin typeface="Arial" charset="0"/>
               </a:rPr>
-              <a:t>A</a:t>
-            </a:r>
-            <a:r>
-              <a:rPr lang="en-US" sz="1600" dirty="0" err="1" smtClean="0">
-                <a:solidFill>
-                  <a:srgbClr val="003F6E"/>
-                </a:solidFill>
-                <a:latin typeface="Arial" charset="0"/>
-              </a:rPr>
-              <a:t>bstract</a:t>
-            </a:r>
-            <a:r>
-              <a:rPr lang="en-US" sz="1600" dirty="0" smtClean="0">
-                <a:solidFill>
-                  <a:srgbClr val="003F6E"/>
-                </a:solidFill>
-                <a:latin typeface="Arial" charset="0"/>
-              </a:rPr>
-              <a:t> </a:t>
-            </a:r>
-            <a:r>
-              <a:rPr lang="en-US" sz="1600" dirty="0">
-                <a:solidFill>
-                  <a:srgbClr val="003F6E"/>
-                </a:solidFill>
-                <a:latin typeface="Arial" charset="0"/>
-              </a:rPr>
-              <a:t>application logic from the specific </a:t>
-            </a:r>
-            <a:r>
-              <a:rPr lang="en-US" sz="1600" dirty="0" err="1">
-                <a:solidFill>
-                  <a:srgbClr val="003F6E"/>
-                </a:solidFill>
-                <a:latin typeface="Arial" charset="0"/>
-              </a:rPr>
-              <a:t>PaaS</a:t>
-            </a:r>
-            <a:r>
-              <a:rPr lang="en-US" sz="1600" dirty="0">
-                <a:solidFill>
-                  <a:srgbClr val="003F6E"/>
-                </a:solidFill>
-                <a:latin typeface="Arial" charset="0"/>
-              </a:rPr>
-              <a:t> </a:t>
-            </a:r>
-            <a:r>
-              <a:rPr lang="en-US" sz="1600" dirty="0" smtClean="0">
-                <a:solidFill>
-                  <a:srgbClr val="003F6E"/>
-                </a:solidFill>
-                <a:latin typeface="Arial" charset="0"/>
-              </a:rPr>
-              <a:t>Provider to overcome </a:t>
-            </a:r>
-            <a:r>
-              <a:rPr lang="en-US" sz="1600" dirty="0">
-                <a:solidFill>
-                  <a:srgbClr val="003F6E"/>
-                </a:solidFill>
-                <a:latin typeface="Arial" charset="0"/>
-              </a:rPr>
-              <a:t>the vendor lock-</a:t>
-            </a:r>
-            <a:r>
-              <a:rPr lang="en-US" sz="1600" dirty="0" smtClean="0">
-                <a:solidFill>
-                  <a:srgbClr val="003F6E"/>
-                </a:solidFill>
-                <a:latin typeface="Arial" charset="0"/>
-              </a:rPr>
-              <a:t>in</a:t>
+              <a:t>Abstract application logic from the specific PaaS Provider to overcome the vendor lock-in</a:t>
             </a:r>
           </a:p>
         </p:txBody>
@@ -42194,13 +39297,13 @@
               <a:defRPr/>
             </a:pPr>
             <a:fld id="{329F8362-E3D3-A54C-B62A-00CB64813184}" type="slidenum">
-              <a:rPr/>
+              <a:rPr lang="en-GB" smtClean="0"/>
               <a:pPr>
                 <a:defRPr/>
               </a:pPr>
               <a:t>4</a:t>
             </a:fld>
-            <a:endParaRPr dirty="0"/>
+            <a:endParaRPr lang="en-GB"/>
           </a:p>
         </p:txBody>
       </p:sp>
@@ -42675,67 +39778,13 @@
               <a:defRPr/>
             </a:pPr>
             <a:r>
-              <a:rPr lang="it-IT" sz="1600" dirty="0" smtClean="0">
+              <a:rPr lang="en-GB" sz="1600" smtClean="0">
                 <a:solidFill>
                   <a:srgbClr val="003F6E"/>
                 </a:solidFill>
                 <a:latin typeface="Arial" charset="0"/>
               </a:rPr>
-              <a:t>    </a:t>
-            </a:r>
-            <a:r>
-              <a:rPr lang="it-IT" sz="1600" dirty="0" err="1" smtClean="0">
-                <a:solidFill>
-                  <a:srgbClr val="003F6E"/>
-                </a:solidFill>
-                <a:latin typeface="Arial" charset="0"/>
-              </a:rPr>
-              <a:t>Many</a:t>
-            </a:r>
-            <a:r>
-              <a:rPr lang="it-IT" sz="1600" dirty="0" smtClean="0">
-                <a:solidFill>
-                  <a:srgbClr val="003F6E"/>
-                </a:solidFill>
-                <a:latin typeface="Arial" charset="0"/>
-              </a:rPr>
-              <a:t> </a:t>
-            </a:r>
-            <a:r>
-              <a:rPr lang="it-IT" sz="1600" dirty="0" err="1" smtClean="0">
-                <a:solidFill>
-                  <a:srgbClr val="003F6E"/>
-                </a:solidFill>
-                <a:latin typeface="Arial" charset="0"/>
-              </a:rPr>
-              <a:t>supported</a:t>
-            </a:r>
-            <a:r>
-              <a:rPr lang="it-IT" sz="1600" dirty="0" smtClean="0">
-                <a:solidFill>
-                  <a:srgbClr val="003F6E"/>
-                </a:solidFill>
-                <a:latin typeface="Arial" charset="0"/>
-              </a:rPr>
-              <a:t> </a:t>
-            </a:r>
-            <a:r>
-              <a:rPr lang="it-IT" sz="1600" dirty="0" err="1" smtClean="0">
-                <a:solidFill>
-                  <a:srgbClr val="003F6E"/>
-                </a:solidFill>
-                <a:latin typeface="Arial" charset="0"/>
-              </a:rPr>
-              <a:t>services</a:t>
-            </a:r>
-            <a:r>
-              <a:rPr lang="it-IT" sz="1600" dirty="0" smtClean="0">
-                <a:solidFill>
-                  <a:srgbClr val="003F6E"/>
-                </a:solidFill>
-                <a:latin typeface="Arial" charset="0"/>
-              </a:rPr>
-              <a:t>:</a:t>
+              <a:t>    Many supported services:</a:t>
             </a:r>
           </a:p>
           <a:p>
@@ -42748,7 +39797,7 @@
               <a:defRPr/>
             </a:pPr>
             <a:r>
-              <a:rPr lang="it-IT" sz="1600" dirty="0" smtClean="0">
+              <a:rPr lang="en-GB" sz="1600" smtClean="0">
                 <a:solidFill>
                   <a:srgbClr val="003F6E"/>
                 </a:solidFill>
@@ -42767,7 +39816,7 @@
               <a:defRPr/>
             </a:pPr>
             <a:r>
-              <a:rPr lang="it-IT" sz="1600" dirty="0" err="1" smtClean="0">
+              <a:rPr lang="en-GB" sz="1600" smtClean="0">
                 <a:solidFill>
                   <a:srgbClr val="003F6E"/>
                 </a:solidFill>
@@ -42775,12 +39824,6 @@
               </a:rPr>
               <a:t>NoSQL</a:t>
             </a:r>
-            <a:endParaRPr lang="it-IT" sz="1600" dirty="0" smtClean="0">
-              <a:solidFill>
-                <a:srgbClr val="003F6E"/>
-              </a:solidFill>
-              <a:latin typeface="Arial" charset="0"/>
-            </a:endParaRPr>
           </a:p>
           <a:p>
             <a:pPr marL="687387" lvl="1">
@@ -42792,7 +39835,7 @@
               <a:defRPr/>
             </a:pPr>
             <a:r>
-              <a:rPr lang="it-IT" sz="1600" dirty="0" err="1" smtClean="0">
+              <a:rPr lang="en-GB" sz="1600" smtClean="0">
                 <a:solidFill>
                   <a:srgbClr val="003F6E"/>
                 </a:solidFill>
@@ -42800,12 +39843,6 @@
               </a:rPr>
               <a:t>Memcache</a:t>
             </a:r>
-            <a:endParaRPr lang="it-IT" sz="1600" dirty="0" smtClean="0">
-              <a:solidFill>
-                <a:srgbClr val="003F6E"/>
-              </a:solidFill>
-              <a:latin typeface="Arial" charset="0"/>
-            </a:endParaRPr>
           </a:p>
           <a:p>
             <a:pPr marL="687387" lvl="1">
@@ -42817,7 +39854,7 @@
               <a:defRPr/>
             </a:pPr>
             <a:r>
-              <a:rPr lang="it-IT" sz="1600" dirty="0" smtClean="0">
+              <a:rPr lang="en-GB" sz="1600" smtClean="0">
                 <a:solidFill>
                   <a:srgbClr val="003F6E"/>
                 </a:solidFill>
@@ -42836,7 +39873,7 @@
               <a:defRPr/>
             </a:pPr>
             <a:r>
-              <a:rPr lang="it-IT" sz="1600" dirty="0" smtClean="0">
+              <a:rPr lang="en-GB" sz="1600" smtClean="0">
                 <a:solidFill>
                   <a:srgbClr val="003F6E"/>
                 </a:solidFill>
@@ -42855,7 +39892,7 @@
               <a:defRPr/>
             </a:pPr>
             <a:r>
-              <a:rPr lang="it-IT" sz="1600" dirty="0" smtClean="0">
+              <a:rPr lang="en-GB" sz="1600" smtClean="0">
                 <a:solidFill>
                   <a:srgbClr val="003F6E"/>
                 </a:solidFill>
@@ -42863,12 +39900,6 @@
               </a:rPr>
               <a:t>SQL</a:t>
             </a:r>
-            <a:endParaRPr lang="en-US" sz="1600" dirty="0" smtClean="0">
-              <a:solidFill>
-                <a:srgbClr val="003F6E"/>
-              </a:solidFill>
-              <a:latin typeface="Arial" charset="0"/>
-            </a:endParaRPr>
           </a:p>
         </p:txBody>
       </p:sp>
@@ -43338,7 +40369,7 @@
             <a:pPr>
               <a:defRPr/>
             </a:pPr>
-            <a:endParaRPr lang="it-IT" b="1" dirty="0" smtClean="0">
+            <a:endParaRPr lang="en-US" b="1" smtClean="0">
               <a:solidFill>
                 <a:srgbClr val="003F6E"/>
               </a:solidFill>
@@ -43350,29 +40381,14 @@
               <a:defRPr/>
             </a:pPr>
             <a:r>
-              <a:rPr lang="it-IT" b="1" dirty="0" smtClean="0">
+              <a:rPr lang="en-US" b="1" smtClean="0">
                 <a:solidFill>
                   <a:srgbClr val="003F6E"/>
                 </a:solidFill>
                 <a:latin typeface="Arial" charset="0"/>
               </a:rPr>
-              <a:t>Work </a:t>
+              <a:t>Work objectives</a:t>
             </a:r>
-            <a:r>
-              <a:rPr lang="it-IT" b="1" dirty="0" err="1" smtClean="0">
-                <a:solidFill>
-                  <a:srgbClr val="003F6E"/>
-                </a:solidFill>
-                <a:latin typeface="Arial" charset="0"/>
-              </a:rPr>
-              <a:t>objectives</a:t>
-            </a:r>
-            <a:endParaRPr lang="it-IT" b="1" dirty="0" smtClean="0">
-              <a:solidFill>
-                <a:srgbClr val="003F6E"/>
-              </a:solidFill>
-              <a:latin typeface="Arial" charset="0"/>
-            </a:endParaRPr>
           </a:p>
         </p:txBody>
       </p:sp>
@@ -43400,13 +40416,13 @@
               <a:defRPr/>
             </a:pPr>
             <a:fld id="{9DF601D4-73D7-A345-AD94-45660F7ACBC3}" type="slidenum">
-              <a:rPr/>
+              <a:rPr lang="en-US" smtClean="0"/>
               <a:pPr>
                 <a:defRPr/>
               </a:pPr>
               <a:t>5</a:t>
             </a:fld>
-            <a:endParaRPr dirty="0"/>
+            <a:endParaRPr lang="en-US"/>
           </a:p>
         </p:txBody>
       </p:sp>
@@ -43450,22 +40466,13 @@
               </a:spcBef>
             </a:pPr>
             <a:r>
-              <a:rPr lang="it-IT" sz="2000" dirty="0">
+              <a:rPr lang="en-US" sz="2000" dirty="0" smtClean="0">
                 <a:solidFill>
                   <a:srgbClr val="003F6E"/>
                 </a:solidFill>
                 <a:latin typeface="Arial" charset="0"/>
               </a:rPr>
-              <a:t>Integrate Kundera in the CPIM </a:t>
-            </a:r>
-            <a:r>
-              <a:rPr lang="it-IT" sz="2000" dirty="0" err="1">
-                <a:solidFill>
-                  <a:srgbClr val="003F6E"/>
-                </a:solidFill>
-                <a:latin typeface="Arial" charset="0"/>
-              </a:rPr>
-              <a:t>library</a:t>
+              <a:t>Integrate Kundera in the CPIM library</a:t>
             </a:r>
             <a:endParaRPr lang="en-US" sz="2000" dirty="0">
               <a:solidFill>
@@ -43516,49 +40523,13 @@
               </a:spcBef>
             </a:pPr>
             <a:r>
-              <a:rPr lang="it-IT" sz="2000" dirty="0" err="1">
+              <a:rPr lang="en-US" sz="2000" dirty="0" smtClean="0">
                 <a:solidFill>
                   <a:srgbClr val="003F6E"/>
                 </a:solidFill>
                 <a:latin typeface="Arial" charset="0"/>
               </a:rPr>
-              <a:t>Contribute</a:t>
-            </a:r>
-            <a:r>
-              <a:rPr lang="it-IT" sz="2000" dirty="0">
-                <a:solidFill>
-                  <a:srgbClr val="003F6E"/>
-                </a:solidFill>
-                <a:latin typeface="Arial" charset="0"/>
-              </a:rPr>
-              <a:t> to the open source </a:t>
-            </a:r>
-            <a:r>
-              <a:rPr lang="it-IT" sz="2000" dirty="0" err="1">
-                <a:solidFill>
-                  <a:srgbClr val="003F6E"/>
-                </a:solidFill>
-                <a:latin typeface="Arial" charset="0"/>
-              </a:rPr>
-              <a:t>project</a:t>
-            </a:r>
-            <a:r>
-              <a:rPr lang="it-IT" sz="2000" dirty="0">
-                <a:solidFill>
-                  <a:srgbClr val="003F6E"/>
-                </a:solidFill>
-                <a:latin typeface="Arial" charset="0"/>
-              </a:rPr>
-              <a:t> </a:t>
-            </a:r>
-            <a:r>
-              <a:rPr lang="it-IT" sz="2000" dirty="0" err="1" smtClean="0">
-                <a:solidFill>
-                  <a:srgbClr val="003F6E"/>
-                </a:solidFill>
-                <a:latin typeface="Arial" charset="0"/>
-              </a:rPr>
-              <a:t>Kudera</a:t>
+              <a:t>Contribute to the open source project Kundera</a:t>
             </a:r>
             <a:endParaRPr lang="en-US" sz="2000" dirty="0">
               <a:solidFill>
@@ -43612,78 +40583,15 @@
               </a:spcBef>
             </a:pPr>
             <a:r>
-              <a:rPr lang="it-IT" sz="2000" dirty="0">
+              <a:rPr lang="en-US" sz="2000" smtClean="0">
                 <a:solidFill>
                   <a:srgbClr val="003F6E"/>
                 </a:solidFill>
                 <a:latin typeface="Arial" charset="0"/>
               </a:rPr>
-              <a:t>Integrate the </a:t>
+              <a:t>Integrate the migration and synchronization system Hegira</a:t>
             </a:r>
-            <a:r>
-              <a:rPr lang="it-IT" sz="2000" dirty="0" err="1">
-                <a:solidFill>
-                  <a:srgbClr val="003F6E"/>
-                </a:solidFill>
-                <a:latin typeface="Arial" charset="0"/>
-              </a:rPr>
-              <a:t>migration</a:t>
-            </a:r>
-            <a:r>
-              <a:rPr lang="it-IT" sz="2000" dirty="0">
-                <a:solidFill>
-                  <a:srgbClr val="003F6E"/>
-                </a:solidFill>
-                <a:latin typeface="Arial" charset="0"/>
-              </a:rPr>
-              <a:t> and </a:t>
-            </a:r>
-            <a:r>
-              <a:rPr lang="it-IT" sz="2000" dirty="0" err="1">
-                <a:solidFill>
-                  <a:srgbClr val="003F6E"/>
-                </a:solidFill>
-                <a:latin typeface="Arial" charset="0"/>
-              </a:rPr>
-              <a:t>synchronization</a:t>
-            </a:r>
-            <a:r>
-              <a:rPr lang="it-IT" sz="2000" dirty="0">
-                <a:solidFill>
-                  <a:srgbClr val="003F6E"/>
-                </a:solidFill>
-                <a:latin typeface="Arial" charset="0"/>
-              </a:rPr>
-              <a:t> </a:t>
-            </a:r>
-            <a:r>
-              <a:rPr lang="it-IT" sz="2000" dirty="0" err="1">
-                <a:solidFill>
-                  <a:srgbClr val="003F6E"/>
-                </a:solidFill>
-                <a:latin typeface="Arial" charset="0"/>
-              </a:rPr>
-              <a:t>system</a:t>
-            </a:r>
-            <a:r>
-              <a:rPr lang="it-IT" sz="2000" dirty="0">
-                <a:solidFill>
-                  <a:srgbClr val="003F6E"/>
-                </a:solidFill>
-                <a:latin typeface="Arial" charset="0"/>
-              </a:rPr>
-              <a:t> </a:t>
-            </a:r>
-            <a:r>
-              <a:rPr lang="it-IT" sz="2000" dirty="0" err="1">
-                <a:solidFill>
-                  <a:srgbClr val="003F6E"/>
-                </a:solidFill>
-                <a:latin typeface="Arial" charset="0"/>
-              </a:rPr>
-              <a:t>Hegira</a:t>
-            </a:r>
-            <a:endParaRPr lang="en-US" sz="2000" dirty="0">
+            <a:endParaRPr lang="en-US" sz="2000">
               <a:solidFill>
                 <a:srgbClr val="003F6E"/>
               </a:solidFill>
@@ -43735,7 +40643,7 @@
               </a:spcBef>
             </a:pPr>
             <a:r>
-              <a:rPr lang="it-IT" sz="2000" dirty="0">
+              <a:rPr lang="en-US" sz="2000" smtClean="0">
                 <a:solidFill>
                   <a:srgbClr val="003F6E"/>
                 </a:solidFill>
@@ -43743,7 +40651,7 @@
               </a:rPr>
               <a:t>Evaluation</a:t>
             </a:r>
-            <a:endParaRPr lang="en-US" sz="2000" dirty="0">
+            <a:endParaRPr lang="en-US" sz="2000">
               <a:solidFill>
                 <a:srgbClr val="003F6E"/>
               </a:solidFill>
@@ -44223,7 +41131,7 @@
             <a:pPr>
               <a:defRPr/>
             </a:pPr>
-            <a:endParaRPr lang="it-IT" b="1" dirty="0" smtClean="0">
+            <a:endParaRPr lang="en-US" b="1" smtClean="0">
               <a:solidFill>
                 <a:srgbClr val="003F6E"/>
               </a:solidFill>
@@ -44235,29 +41143,14 @@
               <a:defRPr/>
             </a:pPr>
             <a:r>
-              <a:rPr lang="it-IT" b="1" dirty="0" smtClean="0">
+              <a:rPr lang="en-US" b="1" smtClean="0">
                 <a:solidFill>
                   <a:srgbClr val="003F6E"/>
                 </a:solidFill>
                 <a:latin typeface="Arial" charset="0"/>
               </a:rPr>
-              <a:t>Work </a:t>
+              <a:t>Work objectives</a:t>
             </a:r>
-            <a:r>
-              <a:rPr lang="it-IT" b="1" dirty="0" err="1" smtClean="0">
-                <a:solidFill>
-                  <a:srgbClr val="003F6E"/>
-                </a:solidFill>
-                <a:latin typeface="Arial" charset="0"/>
-              </a:rPr>
-              <a:t>objectives</a:t>
-            </a:r>
-            <a:endParaRPr lang="it-IT" b="1" dirty="0" smtClean="0">
-              <a:solidFill>
-                <a:srgbClr val="003F6E"/>
-              </a:solidFill>
-              <a:latin typeface="Arial" charset="0"/>
-            </a:endParaRPr>
           </a:p>
         </p:txBody>
       </p:sp>
@@ -44285,13 +41178,13 @@
               <a:defRPr/>
             </a:pPr>
             <a:fld id="{9DF601D4-73D7-A345-AD94-45660F7ACBC3}" type="slidenum">
-              <a:rPr/>
+              <a:rPr lang="en-US" smtClean="0"/>
               <a:pPr>
                 <a:defRPr/>
               </a:pPr>
               <a:t>6</a:t>
             </a:fld>
-            <a:endParaRPr dirty="0"/>
+            <a:endParaRPr lang="en-US"/>
           </a:p>
         </p:txBody>
       </p:sp>
@@ -44335,22 +41228,13 @@
               </a:spcBef>
             </a:pPr>
             <a:r>
-              <a:rPr lang="it-IT" sz="2000" dirty="0">
+              <a:rPr lang="en-US" sz="2000" dirty="0" smtClean="0">
                 <a:solidFill>
                   <a:srgbClr val="003F6E"/>
                 </a:solidFill>
                 <a:latin typeface="Arial" charset="0"/>
               </a:rPr>
-              <a:t>Integrate Kundera in the CPIM </a:t>
-            </a:r>
-            <a:r>
-              <a:rPr lang="it-IT" sz="2000" dirty="0" err="1">
-                <a:solidFill>
-                  <a:srgbClr val="003F6E"/>
-                </a:solidFill>
-                <a:latin typeface="Arial" charset="0"/>
-              </a:rPr>
-              <a:t>library</a:t>
+              <a:t>Integrate Kundera in the CPIM library</a:t>
             </a:r>
             <a:endParaRPr lang="en-US" sz="2000" dirty="0">
               <a:solidFill>
@@ -44403,49 +41287,13 @@
               </a:spcBef>
             </a:pPr>
             <a:r>
-              <a:rPr lang="it-IT" sz="2000" dirty="0" err="1">
+              <a:rPr lang="en-US" sz="2000" dirty="0" smtClean="0">
                 <a:solidFill>
                   <a:srgbClr val="A6A6A6"/>
                 </a:solidFill>
                 <a:latin typeface="Arial" charset="0"/>
               </a:rPr>
-              <a:t>Contribute</a:t>
-            </a:r>
-            <a:r>
-              <a:rPr lang="it-IT" sz="2000" dirty="0">
-                <a:solidFill>
-                  <a:srgbClr val="A6A6A6"/>
-                </a:solidFill>
-                <a:latin typeface="Arial" charset="0"/>
-              </a:rPr>
-              <a:t> to the open source </a:t>
-            </a:r>
-            <a:r>
-              <a:rPr lang="it-IT" sz="2000" dirty="0" err="1">
-                <a:solidFill>
-                  <a:srgbClr val="A6A6A6"/>
-                </a:solidFill>
-                <a:latin typeface="Arial" charset="0"/>
-              </a:rPr>
-              <a:t>project</a:t>
-            </a:r>
-            <a:r>
-              <a:rPr lang="it-IT" sz="2000" dirty="0">
-                <a:solidFill>
-                  <a:srgbClr val="A6A6A6"/>
-                </a:solidFill>
-                <a:latin typeface="Arial" charset="0"/>
-              </a:rPr>
-              <a:t> </a:t>
-            </a:r>
-            <a:r>
-              <a:rPr lang="it-IT" sz="2000" dirty="0" err="1">
-                <a:solidFill>
-                  <a:srgbClr val="A6A6A6"/>
-                </a:solidFill>
-                <a:latin typeface="Arial" charset="0"/>
-              </a:rPr>
-              <a:t>Kudera</a:t>
+              <a:t>Contribute to the open source project Kundera</a:t>
             </a:r>
             <a:endParaRPr lang="en-US" sz="2000" dirty="0">
               <a:solidFill>
@@ -44501,78 +41349,15 @@
               </a:spcBef>
             </a:pPr>
             <a:r>
-              <a:rPr lang="it-IT" sz="2000" dirty="0" smtClean="0">
+              <a:rPr lang="en-US" sz="2000" smtClean="0">
                 <a:solidFill>
                   <a:srgbClr val="A6A6A6"/>
                 </a:solidFill>
                 <a:latin typeface="Arial" charset="0"/>
               </a:rPr>
-              <a:t>Integrate the </a:t>
+              <a:t>Integrate the migration and synchronization system Hegira</a:t>
             </a:r>
-            <a:r>
-              <a:rPr lang="it-IT" sz="2000" dirty="0" err="1">
-                <a:solidFill>
-                  <a:srgbClr val="A6A6A6"/>
-                </a:solidFill>
-                <a:latin typeface="Arial" charset="0"/>
-              </a:rPr>
-              <a:t>migration</a:t>
-            </a:r>
-            <a:r>
-              <a:rPr lang="it-IT" sz="2000" dirty="0">
-                <a:solidFill>
-                  <a:srgbClr val="A6A6A6"/>
-                </a:solidFill>
-                <a:latin typeface="Arial" charset="0"/>
-              </a:rPr>
-              <a:t> and </a:t>
-            </a:r>
-            <a:r>
-              <a:rPr lang="it-IT" sz="2000" dirty="0" err="1">
-                <a:solidFill>
-                  <a:srgbClr val="A6A6A6"/>
-                </a:solidFill>
-                <a:latin typeface="Arial" charset="0"/>
-              </a:rPr>
-              <a:t>synchronization</a:t>
-            </a:r>
-            <a:r>
-              <a:rPr lang="it-IT" sz="2000" dirty="0">
-                <a:solidFill>
-                  <a:srgbClr val="A6A6A6"/>
-                </a:solidFill>
-                <a:latin typeface="Arial" charset="0"/>
-              </a:rPr>
-              <a:t> </a:t>
-            </a:r>
-            <a:r>
-              <a:rPr lang="it-IT" sz="2000" dirty="0" err="1">
-                <a:solidFill>
-                  <a:srgbClr val="A6A6A6"/>
-                </a:solidFill>
-                <a:latin typeface="Arial" charset="0"/>
-              </a:rPr>
-              <a:t>system</a:t>
-            </a:r>
-            <a:r>
-              <a:rPr lang="it-IT" sz="2000" dirty="0">
-                <a:solidFill>
-                  <a:srgbClr val="A6A6A6"/>
-                </a:solidFill>
-                <a:latin typeface="Arial" charset="0"/>
-              </a:rPr>
-              <a:t> </a:t>
-            </a:r>
-            <a:r>
-              <a:rPr lang="it-IT" sz="2000" dirty="0" err="1">
-                <a:solidFill>
-                  <a:srgbClr val="A6A6A6"/>
-                </a:solidFill>
-                <a:latin typeface="Arial" charset="0"/>
-              </a:rPr>
-              <a:t>Hegira</a:t>
-            </a:r>
-            <a:endParaRPr lang="en-US" sz="2000" dirty="0">
+            <a:endParaRPr lang="en-US" sz="2000">
               <a:solidFill>
                 <a:srgbClr val="A6A6A6"/>
               </a:solidFill>
@@ -44626,7 +41411,7 @@
               </a:spcBef>
             </a:pPr>
             <a:r>
-              <a:rPr lang="it-IT" sz="2000" dirty="0">
+              <a:rPr lang="en-US" sz="2000" smtClean="0">
                 <a:solidFill>
                   <a:srgbClr val="A6A6A6"/>
                 </a:solidFill>
@@ -44634,7 +41419,7 @@
               </a:rPr>
               <a:t>Evaluation</a:t>
             </a:r>
-            <a:endParaRPr lang="en-US" sz="2000" dirty="0">
+            <a:endParaRPr lang="en-US" sz="2000">
               <a:solidFill>
                 <a:srgbClr val="A6A6A6"/>
               </a:solidFill>
@@ -45115,7 +41900,7 @@
               <a:defRPr/>
             </a:pPr>
             <a:r>
-              <a:rPr lang="it-IT" b="1" dirty="0" smtClean="0">
+              <a:rPr lang="en-US" b="1" dirty="0" smtClean="0">
                 <a:solidFill>
                   <a:srgbClr val="003F6E"/>
                 </a:solidFill>
@@ -45124,7 +41909,7 @@
               <a:t/>
             </a:r>
             <a:br>
-              <a:rPr lang="it-IT" b="1" dirty="0" smtClean="0">
+              <a:rPr lang="en-US" b="1" dirty="0" smtClean="0">
                 <a:solidFill>
                   <a:srgbClr val="003F6E"/>
                 </a:solidFill>
@@ -45132,7 +41917,7 @@
               </a:rPr>
             </a:br>
             <a:r>
-              <a:rPr lang="it-IT" b="1" dirty="0" smtClean="0">
+              <a:rPr lang="en-US" b="1" dirty="0" smtClean="0">
                 <a:solidFill>
                   <a:srgbClr val="003F6E"/>
                 </a:solidFill>
@@ -45153,8 +41938,8 @@
         </p:nvSpPr>
         <p:spPr bwMode="auto">
           <a:xfrm>
-            <a:off x="539750" y="908050"/>
-            <a:ext cx="7740650" cy="432718"/>
+            <a:off x="467544" y="836712"/>
+            <a:ext cx="4392290" cy="360710"/>
           </a:xfrm>
           <a:prstGeom prst="rect">
             <a:avLst/>
@@ -45572,7 +42357,7 @@
                 </a:solidFill>
                 <a:latin typeface="Arial" charset="0"/>
               </a:rPr>
-              <a:t>A JPA 2.1 compliant </a:t>
+              <a:t>A JPA 2.1 </a:t>
             </a:r>
             <a:r>
               <a:rPr lang="en-US" sz="1600" dirty="0" smtClean="0">
@@ -45581,7 +42366,7 @@
                 </a:solidFill>
                 <a:latin typeface="Arial" charset="0"/>
               </a:rPr>
-              <a:t>ORM Library </a:t>
+              <a:t>ORM Library for </a:t>
             </a:r>
             <a:r>
               <a:rPr lang="en-US" sz="1600" dirty="0">
@@ -45590,25 +42375,7 @@
                 </a:solidFill>
                 <a:latin typeface="Arial" charset="0"/>
               </a:rPr>
-              <a:t>for </a:t>
-            </a:r>
-            <a:r>
-              <a:rPr lang="en-US" sz="1600" dirty="0" err="1">
-                <a:solidFill>
-                  <a:srgbClr val="003F6E"/>
-                </a:solidFill>
-                <a:latin typeface="Arial" charset="0"/>
-              </a:rPr>
-              <a:t>NoSQL</a:t>
-            </a:r>
-            <a:r>
-              <a:rPr lang="en-US" sz="1600" dirty="0">
-                <a:solidFill>
-                  <a:srgbClr val="003F6E"/>
-                </a:solidFill>
-                <a:latin typeface="Arial" charset="0"/>
-              </a:rPr>
-              <a:t> </a:t>
+              <a:t>NoSQL </a:t>
             </a:r>
             <a:r>
               <a:rPr lang="en-US" sz="1600" dirty="0" smtClean="0">
@@ -45652,13 +42419,13 @@
               <a:defRPr/>
             </a:pPr>
             <a:fld id="{D1764169-93AD-5746-8A32-79FAA996F7E5}" type="slidenum">
-              <a:rPr/>
+              <a:rPr lang="en-US" smtClean="0"/>
               <a:pPr>
                 <a:defRPr/>
               </a:pPr>
               <a:t>7</a:t>
             </a:fld>
-            <a:endParaRPr dirty="0"/>
+            <a:endParaRPr lang="en-US"/>
           </a:p>
         </p:txBody>
       </p:sp>
@@ -45685,8 +42452,8 @@
         </p:blipFill>
         <p:spPr bwMode="auto">
           <a:xfrm>
-            <a:off x="3749700" y="1844824"/>
-            <a:ext cx="5170959" cy="4536504"/>
+            <a:off x="3577505" y="2115186"/>
+            <a:ext cx="5026943" cy="4410158"/>
           </a:xfrm>
           <a:prstGeom prst="rect">
             <a:avLst/>
@@ -45724,8 +42491,8 @@
         </p:nvSpPr>
         <p:spPr>
           <a:xfrm>
-            <a:off x="445600" y="1412776"/>
-            <a:ext cx="4126400" cy="666336"/>
+            <a:off x="4499992" y="1124744"/>
+            <a:ext cx="4126400" cy="784830"/>
           </a:xfrm>
           <a:prstGeom prst="rect">
             <a:avLst/>
@@ -45740,7 +42507,7 @@
           <a:p>
             <a:pPr marL="1587">
               <a:lnSpc>
-                <a:spcPct val="120000"/>
+                <a:spcPct val="150000"/>
               </a:lnSpc>
               <a:spcBef>
                 <a:spcPts val="500"/>
@@ -45749,7 +42516,7 @@
               <a:defRPr/>
             </a:pPr>
             <a:r>
-              <a:rPr lang="en-US" sz="1400" dirty="0">
+              <a:rPr lang="en-US" sz="1400" smtClean="0">
                 <a:solidFill>
                   <a:srgbClr val="003F6E"/>
                 </a:solidFill>
@@ -45758,7 +42525,7 @@
               <a:t>ORM operation (through </a:t>
             </a:r>
             <a:r>
-              <a:rPr lang="en-US" sz="1400" i="1" dirty="0" err="1">
+              <a:rPr lang="en-US" sz="1400" i="1" smtClean="0">
                 <a:solidFill>
                   <a:srgbClr val="003F6E"/>
                 </a:solidFill>
@@ -45767,7 +42534,7 @@
               <a:t>EntityManager</a:t>
             </a:r>
             <a:r>
-              <a:rPr lang="en-US" sz="1400" dirty="0">
+              <a:rPr lang="en-US" sz="1400" smtClean="0">
                 <a:solidFill>
                   <a:srgbClr val="003F6E"/>
                 </a:solidFill>
@@ -45775,7 +42542,7 @@
               </a:rPr>
               <a:t> interface)</a:t>
             </a:r>
-            <a:endParaRPr lang="it-IT" sz="1400" dirty="0">
+            <a:endParaRPr lang="en-US" sz="800" smtClean="0">
               <a:solidFill>
                 <a:srgbClr val="003F6E"/>
               </a:solidFill>
@@ -45785,7 +42552,7 @@
           <a:p>
             <a:pPr marL="1587" indent="0">
               <a:lnSpc>
-                <a:spcPct val="120000"/>
+                <a:spcPct val="150000"/>
               </a:lnSpc>
               <a:spcBef>
                 <a:spcPts val="500"/>
@@ -45794,33 +42561,15 @@
               <a:defRPr/>
             </a:pPr>
             <a:r>
-              <a:rPr lang="en-US" sz="1400" dirty="0" smtClean="0">
+              <a:rPr lang="en-US" sz="1400" smtClean="0">
                 <a:solidFill>
                   <a:srgbClr val="003F6E"/>
                 </a:solidFill>
                 <a:latin typeface="Arial" charset="0"/>
               </a:rPr>
-              <a:t>JPQL </a:t>
+              <a:t>JPQL queries (DELETE and UPDATE)</a:t>
             </a:r>
-            <a:r>
-              <a:rPr lang="en-US" sz="1400" dirty="0">
-                <a:solidFill>
-                  <a:srgbClr val="003F6E"/>
-                </a:solidFill>
-                <a:latin typeface="Arial" charset="0"/>
-              </a:rPr>
-              <a:t>queries (DELETE and UPDATE</a:t>
-            </a:r>
-            <a:r>
-              <a:rPr lang="en-US" sz="1400" dirty="0" smtClean="0">
-                <a:solidFill>
-                  <a:srgbClr val="003F6E"/>
-                </a:solidFill>
-                <a:latin typeface="Arial" charset="0"/>
-              </a:rPr>
-              <a:t>)</a:t>
-            </a:r>
-            <a:endParaRPr lang="en-US" sz="1400" dirty="0">
+            <a:endParaRPr lang="en-US" sz="1400">
               <a:solidFill>
                 <a:srgbClr val="003F6E"/>
               </a:solidFill>
@@ -45829,6 +42578,479 @@
           </a:p>
         </p:txBody>
       </p:sp>
+      <p:sp>
+        <p:nvSpPr>
+          <p:cNvPr id="8" name="CasellaDiTesto 7"/>
+          <p:cNvSpPr txBox="1"/>
+          <p:nvPr/>
+        </p:nvSpPr>
+        <p:spPr>
+          <a:xfrm>
+            <a:off x="107504" y="2132856"/>
+            <a:ext cx="2933015" cy="4100097"/>
+          </a:xfrm>
+          <a:prstGeom prst="rect">
+            <a:avLst/>
+          </a:prstGeom>
+          <a:noFill/>
+        </p:spPr>
+        <p:txBody>
+          <a:bodyPr wrap="none" rtlCol="0">
+            <a:spAutoFit/>
+          </a:bodyPr>
+          <a:lstStyle/>
+          <a:p>
+            <a:pPr marL="1587">
+              <a:lnSpc>
+                <a:spcPct val="140000"/>
+              </a:lnSpc>
+              <a:spcBef>
+                <a:spcPts val="500"/>
+              </a:spcBef>
+              <a:buClrTx/>
+              <a:defRPr/>
+            </a:pPr>
+            <a:r>
+              <a:rPr lang="en-US" sz="1600" dirty="0" smtClean="0">
+                <a:solidFill>
+                  <a:srgbClr val="003F6E"/>
+                </a:solidFill>
+                <a:latin typeface="Arial" charset="0"/>
+              </a:rPr>
+              <a:t>         On-premises databases:</a:t>
+            </a:r>
+          </a:p>
+          <a:p>
+            <a:pPr marL="1030287" lvl="1">
+              <a:lnSpc>
+                <a:spcPct val="140000"/>
+              </a:lnSpc>
+              <a:spcBef>
+                <a:spcPts val="500"/>
+              </a:spcBef>
+              <a:buClrTx/>
+              <a:buFont typeface="Arial"/>
+              <a:buChar char="•"/>
+              <a:defRPr/>
+            </a:pPr>
+            <a:r>
+              <a:rPr lang="en-US" sz="1600" dirty="0" smtClean="0">
+                <a:solidFill>
+                  <a:srgbClr val="003F6E"/>
+                </a:solidFill>
+                <a:latin typeface="Arial" charset="0"/>
+              </a:rPr>
+              <a:t>Cassandra</a:t>
+            </a:r>
+          </a:p>
+          <a:p>
+            <a:pPr marL="1030287" lvl="1">
+              <a:lnSpc>
+                <a:spcPct val="140000"/>
+              </a:lnSpc>
+              <a:spcBef>
+                <a:spcPts val="500"/>
+              </a:spcBef>
+              <a:buClrTx/>
+              <a:buFont typeface="Arial"/>
+              <a:buChar char="•"/>
+              <a:defRPr/>
+            </a:pPr>
+            <a:r>
+              <a:rPr lang="en-US" sz="1600" dirty="0" err="1" smtClean="0">
+                <a:solidFill>
+                  <a:srgbClr val="003F6E"/>
+                </a:solidFill>
+                <a:latin typeface="Arial" charset="0"/>
+              </a:rPr>
+              <a:t>HBase</a:t>
+            </a:r>
+            <a:endParaRPr lang="en-US" sz="1600" dirty="0" smtClean="0">
+              <a:solidFill>
+                <a:srgbClr val="003F6E"/>
+              </a:solidFill>
+              <a:latin typeface="Arial" charset="0"/>
+            </a:endParaRPr>
+          </a:p>
+          <a:p>
+            <a:pPr marL="1030287" lvl="1">
+              <a:lnSpc>
+                <a:spcPct val="140000"/>
+              </a:lnSpc>
+              <a:spcBef>
+                <a:spcPts val="500"/>
+              </a:spcBef>
+              <a:buClrTx/>
+              <a:buFont typeface="Arial"/>
+              <a:buChar char="•"/>
+              <a:defRPr/>
+            </a:pPr>
+            <a:r>
+              <a:rPr lang="en-US" sz="1600" dirty="0" err="1" smtClean="0">
+                <a:solidFill>
+                  <a:srgbClr val="003F6E"/>
+                </a:solidFill>
+                <a:latin typeface="Arial" charset="0"/>
+              </a:rPr>
+              <a:t>MongoDB</a:t>
+            </a:r>
+            <a:endParaRPr lang="en-US" sz="1600" dirty="0" smtClean="0">
+              <a:solidFill>
+                <a:srgbClr val="003F6E"/>
+              </a:solidFill>
+              <a:latin typeface="Arial" charset="0"/>
+            </a:endParaRPr>
+          </a:p>
+          <a:p>
+            <a:pPr marL="1030287" lvl="1">
+              <a:lnSpc>
+                <a:spcPct val="140000"/>
+              </a:lnSpc>
+              <a:spcBef>
+                <a:spcPts val="500"/>
+              </a:spcBef>
+              <a:buClrTx/>
+              <a:buFont typeface="Arial"/>
+              <a:buChar char="•"/>
+              <a:defRPr/>
+            </a:pPr>
+            <a:r>
+              <a:rPr lang="en-US" sz="1600" dirty="0" smtClean="0">
+                <a:solidFill>
+                  <a:srgbClr val="003F6E"/>
+                </a:solidFill>
+                <a:latin typeface="Arial" charset="0"/>
+              </a:rPr>
+              <a:t>Oracle NoSQL</a:t>
+            </a:r>
+          </a:p>
+          <a:p>
+            <a:pPr marL="1030287" lvl="1">
+              <a:lnSpc>
+                <a:spcPct val="140000"/>
+              </a:lnSpc>
+              <a:spcBef>
+                <a:spcPts val="500"/>
+              </a:spcBef>
+              <a:buClrTx/>
+              <a:buFont typeface="Arial"/>
+              <a:buChar char="•"/>
+              <a:defRPr/>
+            </a:pPr>
+            <a:r>
+              <a:rPr lang="en-US" sz="1600" dirty="0" err="1" smtClean="0">
+                <a:solidFill>
+                  <a:srgbClr val="003F6E"/>
+                </a:solidFill>
+                <a:latin typeface="Arial" charset="0"/>
+              </a:rPr>
+              <a:t>Redis</a:t>
+            </a:r>
+            <a:endParaRPr lang="en-US" sz="1600" dirty="0" smtClean="0">
+              <a:solidFill>
+                <a:srgbClr val="003F6E"/>
+              </a:solidFill>
+              <a:latin typeface="Arial" charset="0"/>
+            </a:endParaRPr>
+          </a:p>
+          <a:p>
+            <a:pPr marL="1030287" lvl="1">
+              <a:lnSpc>
+                <a:spcPct val="140000"/>
+              </a:lnSpc>
+              <a:spcBef>
+                <a:spcPts val="500"/>
+              </a:spcBef>
+              <a:buClrTx/>
+              <a:buFont typeface="Arial"/>
+              <a:buChar char="•"/>
+              <a:defRPr/>
+            </a:pPr>
+            <a:r>
+              <a:rPr lang="en-US" sz="1600" dirty="0" smtClean="0">
+                <a:solidFill>
+                  <a:srgbClr val="003F6E"/>
+                </a:solidFill>
+                <a:latin typeface="Arial" charset="0"/>
+              </a:rPr>
+              <a:t>Neo4j</a:t>
+            </a:r>
+          </a:p>
+          <a:p>
+            <a:pPr marL="1030287" lvl="1">
+              <a:lnSpc>
+                <a:spcPct val="140000"/>
+              </a:lnSpc>
+              <a:spcBef>
+                <a:spcPts val="500"/>
+              </a:spcBef>
+              <a:buClrTx/>
+              <a:buFont typeface="Arial"/>
+              <a:buChar char="•"/>
+              <a:defRPr/>
+            </a:pPr>
+            <a:r>
+              <a:rPr lang="en-US" sz="1600" dirty="0" err="1" smtClean="0">
+                <a:solidFill>
+                  <a:srgbClr val="003F6E"/>
+                </a:solidFill>
+                <a:latin typeface="Arial" charset="0"/>
+              </a:rPr>
+              <a:t>Couchdb</a:t>
+            </a:r>
+            <a:endParaRPr lang="en-US" sz="1600" dirty="0" smtClean="0">
+              <a:solidFill>
+                <a:srgbClr val="003F6E"/>
+              </a:solidFill>
+              <a:latin typeface="Arial" charset="0"/>
+            </a:endParaRPr>
+          </a:p>
+          <a:p>
+            <a:pPr marL="1030287" lvl="1">
+              <a:lnSpc>
+                <a:spcPct val="140000"/>
+              </a:lnSpc>
+              <a:spcBef>
+                <a:spcPts val="500"/>
+              </a:spcBef>
+              <a:buClrTx/>
+              <a:buFont typeface="Arial"/>
+              <a:buChar char="•"/>
+              <a:defRPr/>
+            </a:pPr>
+            <a:r>
+              <a:rPr lang="en-US" sz="1600" dirty="0" smtClean="0">
+                <a:solidFill>
+                  <a:srgbClr val="003F6E"/>
+                </a:solidFill>
+                <a:latin typeface="Arial" charset="0"/>
+              </a:rPr>
+              <a:t>Elastic Search</a:t>
+            </a:r>
+          </a:p>
+          <a:p>
+            <a:pPr marL="1030287" lvl="1">
+              <a:lnSpc>
+                <a:spcPct val="140000"/>
+              </a:lnSpc>
+              <a:spcBef>
+                <a:spcPts val="500"/>
+              </a:spcBef>
+              <a:buClrTx/>
+              <a:buFont typeface="Arial"/>
+              <a:buChar char="•"/>
+              <a:defRPr/>
+            </a:pPr>
+            <a:r>
+              <a:rPr lang="en-US" sz="1600" dirty="0" smtClean="0">
+                <a:solidFill>
+                  <a:srgbClr val="003F6E"/>
+                </a:solidFill>
+                <a:latin typeface="Arial" charset="0"/>
+              </a:rPr>
+              <a:t>MySQL</a:t>
+            </a:r>
+          </a:p>
+        </p:txBody>
+      </p:sp>
+      <p:grpSp>
+        <p:nvGrpSpPr>
+          <p:cNvPr id="16" name="Gruppo 15"/>
+          <p:cNvGrpSpPr/>
+          <p:nvPr/>
+        </p:nvGrpSpPr>
+        <p:grpSpPr>
+          <a:xfrm>
+            <a:off x="1043608" y="1196752"/>
+            <a:ext cx="3456384" cy="576064"/>
+            <a:chOff x="1043608" y="1196752"/>
+            <a:chExt cx="3456384" cy="576064"/>
+          </a:xfrm>
+        </p:grpSpPr>
+        <p:grpSp>
+          <p:nvGrpSpPr>
+            <p:cNvPr id="10" name="Gruppo 9"/>
+            <p:cNvGrpSpPr/>
+            <p:nvPr/>
+          </p:nvGrpSpPr>
+          <p:grpSpPr>
+            <a:xfrm>
+              <a:off x="3923928" y="1412776"/>
+              <a:ext cx="576064" cy="360040"/>
+              <a:chOff x="3347864" y="1484784"/>
+              <a:chExt cx="576064" cy="360040"/>
+            </a:xfrm>
+          </p:grpSpPr>
+          <p:cxnSp>
+            <p:nvCxnSpPr>
+              <p:cNvPr id="5" name="Connettore 2 4"/>
+              <p:cNvCxnSpPr/>
+              <p:nvPr/>
+            </p:nvCxnSpPr>
+            <p:spPr bwMode="auto">
+              <a:xfrm flipV="1">
+                <a:off x="3347864" y="1484784"/>
+                <a:ext cx="576064" cy="216024"/>
+              </a:xfrm>
+              <a:prstGeom prst="straightConnector1">
+                <a:avLst/>
+              </a:prstGeom>
+              <a:solidFill>
+                <a:srgbClr val="00B8FF"/>
+              </a:solidFill>
+              <a:ln w="9525" cap="flat" cmpd="sng" algn="ctr">
+                <a:solidFill>
+                  <a:schemeClr val="tx1"/>
+                </a:solidFill>
+                <a:prstDash val="solid"/>
+                <a:round/>
+                <a:headEnd type="none" w="med" len="med"/>
+                <a:tailEnd type="arrow"/>
+              </a:ln>
+              <a:effectLst/>
+              <a:extLst>
+                <a:ext uri="{AF507438-7753-43e0-B8FC-AC1667EBCBE1}">
+                  <a14:hiddenEffects xmlns:a14="http://schemas.microsoft.com/office/drawing/2010/main">
+                    <a:effectLst>
+                      <a:outerShdw blurRad="63500" dist="38099" dir="2700000" algn="ctr" rotWithShape="0">
+                        <a:schemeClr val="bg2">
+                          <a:alpha val="74998"/>
+                        </a:schemeClr>
+                      </a:outerShdw>
+                    </a:effectLst>
+                  </a14:hiddenEffects>
+                </a:ext>
+              </a:extLst>
+            </p:spPr>
+          </p:cxnSp>
+          <p:cxnSp>
+            <p:nvCxnSpPr>
+              <p:cNvPr id="11" name="Connettore 2 10"/>
+              <p:cNvCxnSpPr/>
+              <p:nvPr/>
+            </p:nvCxnSpPr>
+            <p:spPr bwMode="auto">
+              <a:xfrm>
+                <a:off x="3347864" y="1700808"/>
+                <a:ext cx="576064" cy="144016"/>
+              </a:xfrm>
+              <a:prstGeom prst="straightConnector1">
+                <a:avLst/>
+              </a:prstGeom>
+              <a:solidFill>
+                <a:srgbClr val="00B8FF"/>
+              </a:solidFill>
+              <a:ln w="9525" cap="flat" cmpd="sng" algn="ctr">
+                <a:solidFill>
+                  <a:schemeClr val="tx1"/>
+                </a:solidFill>
+                <a:prstDash val="solid"/>
+                <a:round/>
+                <a:headEnd type="none" w="med" len="med"/>
+                <a:tailEnd type="arrow"/>
+              </a:ln>
+              <a:effectLst/>
+              <a:extLst>
+                <a:ext uri="{AF507438-7753-43e0-B8FC-AC1667EBCBE1}">
+                  <a14:hiddenEffects xmlns:a14="http://schemas.microsoft.com/office/drawing/2010/main">
+                    <a:effectLst>
+                      <a:outerShdw blurRad="63500" dist="38099" dir="2700000" algn="ctr" rotWithShape="0">
+                        <a:schemeClr val="bg2">
+                          <a:alpha val="74998"/>
+                        </a:schemeClr>
+                      </a:outerShdw>
+                    </a:effectLst>
+                  </a14:hiddenEffects>
+                </a:ext>
+              </a:extLst>
+            </p:spPr>
+          </p:cxnSp>
+        </p:grpSp>
+        <p:cxnSp>
+          <p:nvCxnSpPr>
+            <p:cNvPr id="13" name="Connettore 1 12"/>
+            <p:cNvCxnSpPr/>
+            <p:nvPr/>
+          </p:nvCxnSpPr>
+          <p:spPr bwMode="auto">
+            <a:xfrm flipH="1">
+              <a:off x="1043608" y="1628800"/>
+              <a:ext cx="2880320" cy="0"/>
+            </a:xfrm>
+            <a:prstGeom prst="line">
+              <a:avLst/>
+            </a:prstGeom>
+            <a:solidFill>
+              <a:srgbClr val="00B8FF"/>
+            </a:solidFill>
+            <a:ln w="9525" cap="flat" cmpd="sng" algn="ctr">
+              <a:solidFill>
+                <a:schemeClr val="tx1"/>
+              </a:solidFill>
+              <a:prstDash val="solid"/>
+              <a:round/>
+              <a:headEnd type="none" w="med" len="med"/>
+              <a:tailEnd type="none" w="med" len="med"/>
+            </a:ln>
+            <a:effectLst/>
+            <a:extLst>
+              <a:ext uri="{AF507438-7753-43e0-B8FC-AC1667EBCBE1}">
+                <a14:hiddenEffects xmlns:a14="http://schemas.microsoft.com/office/drawing/2010/main">
+                  <a:effectLst>
+                    <a:outerShdw blurRad="63500" dist="38099" dir="2700000" algn="ctr" rotWithShape="0">
+                      <a:schemeClr val="bg2">
+                        <a:alpha val="74998"/>
+                      </a:schemeClr>
+                    </a:outerShdw>
+                  </a:effectLst>
+                </a14:hiddenEffects>
+              </a:ext>
+            </a:extLst>
+          </p:spPr>
+        </p:cxnSp>
+        <p:cxnSp>
+          <p:nvCxnSpPr>
+            <p:cNvPr id="15" name="Connettore 1 14"/>
+            <p:cNvCxnSpPr/>
+            <p:nvPr/>
+          </p:nvCxnSpPr>
+          <p:spPr bwMode="auto">
+            <a:xfrm>
+              <a:off x="1043608" y="1196752"/>
+              <a:ext cx="0" cy="432048"/>
+            </a:xfrm>
+            <a:prstGeom prst="line">
+              <a:avLst/>
+            </a:prstGeom>
+            <a:solidFill>
+              <a:srgbClr val="00B8FF"/>
+            </a:solidFill>
+            <a:ln w="9525" cap="flat" cmpd="sng" algn="ctr">
+              <a:solidFill>
+                <a:schemeClr val="tx1"/>
+              </a:solidFill>
+              <a:prstDash val="solid"/>
+              <a:round/>
+              <a:headEnd type="none" w="med" len="med"/>
+              <a:tailEnd type="none" w="med" len="med"/>
+            </a:ln>
+            <a:effectLst/>
+            <a:extLst>
+              <a:ext uri="{AF507438-7753-43e0-B8FC-AC1667EBCBE1}">
+                <a14:hiddenEffects xmlns:a14="http://schemas.microsoft.com/office/drawing/2010/main">
+                  <a:effectLst>
+                    <a:outerShdw blurRad="63500" dist="38099" dir="2700000" algn="ctr" rotWithShape="0">
+                      <a:schemeClr val="bg2">
+                        <a:alpha val="74998"/>
+                      </a:schemeClr>
+                    </a:outerShdw>
+                  </a:effectLst>
+                </a14:hiddenEffects>
+              </a:ext>
+            </a:extLst>
+          </p:spPr>
+        </p:cxnSp>
+      </p:grpSp>
     </p:spTree>
   </p:cSld>
   <p:clrMapOvr>
@@ -46295,7 +43517,7 @@
             <a:pPr>
               <a:defRPr/>
             </a:pPr>
-            <a:endParaRPr lang="it-IT" b="1" dirty="0" smtClean="0">
+            <a:endParaRPr lang="en-US" b="1" dirty="0" smtClean="0">
               <a:solidFill>
                 <a:srgbClr val="003F6E"/>
               </a:solidFill>
@@ -46307,22 +43529,13 @@
               <a:defRPr/>
             </a:pPr>
             <a:r>
-              <a:rPr lang="it-IT" b="1" dirty="0" err="1" smtClean="0">
+              <a:rPr lang="en-US" b="1" dirty="0" smtClean="0">
                 <a:solidFill>
                   <a:srgbClr val="003F6E"/>
                 </a:solidFill>
                 <a:latin typeface="Arial" charset="0"/>
               </a:rPr>
-              <a:t>Why</a:t>
-            </a:r>
-            <a:r>
-              <a:rPr lang="it-IT" b="1" dirty="0" smtClean="0">
-                <a:solidFill>
-                  <a:srgbClr val="003F6E"/>
-                </a:solidFill>
-                <a:latin typeface="Arial" charset="0"/>
-              </a:rPr>
-              <a:t> Kundera	</a:t>
+              <a:t>Why Kundera	</a:t>
             </a:r>
           </a:p>
         </p:txBody>
@@ -46750,22 +43963,13 @@
               <a:defRPr/>
             </a:pPr>
             <a:r>
-              <a:rPr lang="it-IT" sz="2000" dirty="0" smtClean="0">
+              <a:rPr lang="en-US" sz="2000" dirty="0" smtClean="0">
                 <a:solidFill>
                   <a:srgbClr val="003F6E"/>
                 </a:solidFill>
                 <a:latin typeface="Arial" charset="0"/>
               </a:rPr>
-              <a:t>O</a:t>
-            </a:r>
-            <a:r>
-              <a:rPr lang="en-US" sz="2000" dirty="0" smtClean="0">
-                <a:solidFill>
-                  <a:srgbClr val="003F6E"/>
-                </a:solidFill>
-                <a:latin typeface="Arial" charset="0"/>
-              </a:rPr>
-              <a:t>pen source</a:t>
+              <a:t>Open source</a:t>
             </a:r>
           </a:p>
           <a:p>
@@ -46782,83 +43986,14 @@
               <a:defRPr/>
             </a:pPr>
             <a:r>
-              <a:rPr lang="it-IT" sz="2000" dirty="0" err="1" smtClean="0">
+              <a:rPr lang="en-US" sz="2000" dirty="0" smtClean="0">
                 <a:solidFill>
                   <a:srgbClr val="003F6E"/>
                 </a:solidFill>
                 <a:latin typeface="Arial" charset="0"/>
               </a:rPr>
-              <a:t>Developed</a:t>
+              <a:t>Developed with extensibility as primary goal</a:t>
             </a:r>
-            <a:r>
-              <a:rPr lang="it-IT" sz="2000" dirty="0" smtClean="0">
-                <a:solidFill>
-                  <a:srgbClr val="003F6E"/>
-                </a:solidFill>
-                <a:latin typeface="Arial" charset="0"/>
-              </a:rPr>
-              <a:t> with </a:t>
-            </a:r>
-            <a:r>
-              <a:rPr lang="it-IT" sz="2000" dirty="0" err="1" smtClean="0">
-                <a:solidFill>
-                  <a:srgbClr val="003F6E"/>
-                </a:solidFill>
-                <a:latin typeface="Arial" charset="0"/>
-              </a:rPr>
-              <a:t>extensibility</a:t>
-            </a:r>
-            <a:r>
-              <a:rPr lang="it-IT" sz="2000" dirty="0" smtClean="0">
-                <a:solidFill>
-                  <a:srgbClr val="003F6E"/>
-                </a:solidFill>
-                <a:latin typeface="Arial" charset="0"/>
-              </a:rPr>
-              <a:t> </a:t>
-            </a:r>
-            <a:r>
-              <a:rPr lang="it-IT" sz="2000" dirty="0" err="1" smtClean="0">
-                <a:solidFill>
-                  <a:srgbClr val="003F6E"/>
-                </a:solidFill>
-                <a:latin typeface="Arial" charset="0"/>
-              </a:rPr>
-              <a:t>as</a:t>
-            </a:r>
-            <a:r>
-              <a:rPr lang="it-IT" sz="2000" dirty="0" smtClean="0">
-                <a:solidFill>
-                  <a:srgbClr val="003F6E"/>
-                </a:solidFill>
-                <a:latin typeface="Arial" charset="0"/>
-              </a:rPr>
-              <a:t> </a:t>
-            </a:r>
-            <a:r>
-              <a:rPr lang="it-IT" sz="2000" dirty="0" err="1" smtClean="0">
-                <a:solidFill>
-                  <a:srgbClr val="003F6E"/>
-                </a:solidFill>
-                <a:latin typeface="Arial" charset="0"/>
-              </a:rPr>
-              <a:t>primary</a:t>
-            </a:r>
-            <a:r>
-              <a:rPr lang="it-IT" sz="2000" dirty="0" smtClean="0">
-                <a:solidFill>
-                  <a:srgbClr val="003F6E"/>
-                </a:solidFill>
-                <a:latin typeface="Arial" charset="0"/>
-              </a:rPr>
-              <a:t> goal</a:t>
-            </a:r>
-            <a:endParaRPr lang="en-US" sz="2000" dirty="0" smtClean="0">
-              <a:solidFill>
-                <a:srgbClr val="003F6E"/>
-              </a:solidFill>
-              <a:latin typeface="Arial" charset="0"/>
-            </a:endParaRPr>
           </a:p>
           <a:p>
             <a:pPr marL="344487" indent="-342900">
@@ -46874,31 +44009,13 @@
               <a:defRPr/>
             </a:pPr>
             <a:r>
-              <a:rPr lang="it-IT" sz="2000" dirty="0" err="1" smtClean="0">
+              <a:rPr lang="en-US" sz="2000" dirty="0" smtClean="0">
                 <a:solidFill>
                   <a:srgbClr val="003F6E"/>
                 </a:solidFill>
                 <a:latin typeface="Arial" charset="0"/>
               </a:rPr>
-              <a:t>P</a:t>
-            </a:r>
-            <a:r>
-              <a:rPr lang="en-US" sz="2000" dirty="0" err="1" smtClean="0">
-                <a:solidFill>
-                  <a:srgbClr val="003F6E"/>
-                </a:solidFill>
-                <a:latin typeface="Arial" charset="0"/>
-              </a:rPr>
-              <a:t>loyglot</a:t>
-            </a:r>
-            <a:r>
-              <a:rPr lang="en-US" sz="2000" dirty="0" smtClean="0">
-                <a:solidFill>
-                  <a:srgbClr val="003F6E"/>
-                </a:solidFill>
-                <a:latin typeface="Arial" charset="0"/>
-              </a:rPr>
-              <a:t> persistency</a:t>
+              <a:t>Support to many different NoSQL databases</a:t>
             </a:r>
           </a:p>
           <a:p>
@@ -46915,67 +44032,22 @@
               <a:defRPr/>
             </a:pPr>
             <a:r>
-              <a:rPr lang="it-IT" sz="2000" dirty="0" smtClean="0">
+              <a:rPr lang="hu-HU" sz="2000" dirty="0" smtClean="0">
                 <a:solidFill>
                   <a:srgbClr val="003F6E"/>
                 </a:solidFill>
                 <a:latin typeface="Arial" charset="0"/>
               </a:rPr>
-              <a:t>In the </a:t>
+              <a:t>Polyglot </a:t>
             </a:r>
             <a:r>
-              <a:rPr lang="it-IT" sz="2000" dirty="0" err="1" smtClean="0">
+              <a:rPr lang="en-US" sz="2000" dirty="0" smtClean="0">
                 <a:solidFill>
                   <a:srgbClr val="003F6E"/>
                 </a:solidFill>
                 <a:latin typeface="Arial" charset="0"/>
               </a:rPr>
-              <a:t>field</a:t>
-            </a:r>
-            <a:r>
-              <a:rPr lang="it-IT" sz="2000" dirty="0" smtClean="0">
-                <a:solidFill>
-                  <a:srgbClr val="003F6E"/>
-                </a:solidFill>
-                <a:latin typeface="Arial" charset="0"/>
-              </a:rPr>
-              <a:t> </a:t>
-            </a:r>
-            <a:r>
-              <a:rPr lang="it-IT" sz="2000" dirty="0" err="1" smtClean="0">
-                <a:solidFill>
-                  <a:srgbClr val="003F6E"/>
-                </a:solidFill>
-                <a:latin typeface="Arial" charset="0"/>
-              </a:rPr>
-              <a:t>since</a:t>
-            </a:r>
-            <a:r>
-              <a:rPr lang="it-IT" sz="2000" dirty="0" smtClean="0">
-                <a:solidFill>
-                  <a:srgbClr val="003F6E"/>
-                </a:solidFill>
-                <a:latin typeface="Arial" charset="0"/>
-              </a:rPr>
-              <a:t> 2010 with an </a:t>
-            </a:r>
-            <a:r>
-              <a:rPr lang="it-IT" sz="2000" dirty="0" err="1" smtClean="0">
-                <a:solidFill>
-                  <a:srgbClr val="003F6E"/>
-                </a:solidFill>
-                <a:latin typeface="Arial" charset="0"/>
-              </a:rPr>
-              <a:t>active</a:t>
-            </a:r>
-            <a:r>
-              <a:rPr lang="it-IT" sz="2000" dirty="0" smtClean="0">
-                <a:solidFill>
-                  <a:srgbClr val="003F6E"/>
-                </a:solidFill>
-                <a:latin typeface="Arial" charset="0"/>
-              </a:rPr>
-              <a:t> community</a:t>
+              <a:t>persistency</a:t>
             </a:r>
           </a:p>
           <a:p>
@@ -46992,40 +44064,13 @@
               <a:defRPr/>
             </a:pPr>
             <a:r>
-              <a:rPr lang="it-IT" sz="2000" dirty="0" err="1" smtClean="0">
+              <a:rPr lang="en-US" sz="2000" dirty="0" smtClean="0">
                 <a:solidFill>
                   <a:srgbClr val="003F6E"/>
                 </a:solidFill>
                 <a:latin typeface="Arial" charset="0"/>
               </a:rPr>
-              <a:t>Already</a:t>
-            </a:r>
-            <a:r>
-              <a:rPr lang="it-IT" sz="2000" dirty="0" smtClean="0">
-                <a:solidFill>
-                  <a:srgbClr val="003F6E"/>
-                </a:solidFill>
-                <a:latin typeface="Arial" charset="0"/>
-              </a:rPr>
-              <a:t> </a:t>
-            </a:r>
-            <a:r>
-              <a:rPr lang="it-IT" sz="2000" dirty="0" err="1" smtClean="0">
-                <a:solidFill>
-                  <a:srgbClr val="003F6E"/>
-                </a:solidFill>
-                <a:latin typeface="Arial" charset="0"/>
-              </a:rPr>
-              <a:t>used</a:t>
-            </a:r>
-            <a:r>
-              <a:rPr lang="it-IT" sz="2000" dirty="0" smtClean="0">
-                <a:solidFill>
-                  <a:srgbClr val="003F6E"/>
-                </a:solidFill>
-                <a:latin typeface="Arial" charset="0"/>
-              </a:rPr>
-              <a:t> in production</a:t>
+              <a:t>In the field since 2010 with an active community</a:t>
             </a:r>
           </a:p>
           <a:p>
@@ -47042,92 +44087,14 @@
               <a:defRPr/>
             </a:pPr>
             <a:r>
-              <a:rPr lang="it-IT" sz="2000" dirty="0" err="1" smtClean="0">
+              <a:rPr lang="en-US" sz="2000" dirty="0" smtClean="0">
                 <a:solidFill>
                   <a:srgbClr val="003F6E"/>
                 </a:solidFill>
                 <a:latin typeface="Arial" charset="0"/>
               </a:rPr>
-              <a:t>Support</a:t>
+              <a:t>Already used in production</a:t>
             </a:r>
-            <a:r>
-              <a:rPr lang="it-IT" sz="2000" dirty="0" smtClean="0">
-                <a:solidFill>
-                  <a:srgbClr val="003F6E"/>
-                </a:solidFill>
-                <a:latin typeface="Arial" charset="0"/>
-              </a:rPr>
-              <a:t> to </a:t>
-            </a:r>
-            <a:r>
-              <a:rPr lang="it-IT" sz="2000" dirty="0" err="1" smtClean="0">
-                <a:solidFill>
-                  <a:srgbClr val="003F6E"/>
-                </a:solidFill>
-                <a:latin typeface="Arial" charset="0"/>
-              </a:rPr>
-              <a:t>many</a:t>
-            </a:r>
-            <a:r>
-              <a:rPr lang="it-IT" sz="2000" dirty="0" smtClean="0">
-                <a:solidFill>
-                  <a:srgbClr val="003F6E"/>
-                </a:solidFill>
-                <a:latin typeface="Arial" charset="0"/>
-              </a:rPr>
-              <a:t> </a:t>
-            </a:r>
-            <a:r>
-              <a:rPr lang="it-IT" sz="2000" dirty="0" err="1" smtClean="0">
-                <a:solidFill>
-                  <a:srgbClr val="003F6E"/>
-                </a:solidFill>
-                <a:latin typeface="Arial" charset="0"/>
-              </a:rPr>
-              <a:t>different</a:t>
-            </a:r>
-            <a:r>
-              <a:rPr lang="it-IT" sz="2000" dirty="0" smtClean="0">
-                <a:solidFill>
-                  <a:srgbClr val="003F6E"/>
-                </a:solidFill>
-                <a:latin typeface="Arial" charset="0"/>
-              </a:rPr>
-              <a:t> </a:t>
-            </a:r>
-            <a:r>
-              <a:rPr lang="it-IT" sz="2000" dirty="0" err="1" smtClean="0">
-                <a:solidFill>
-                  <a:srgbClr val="003F6E"/>
-                </a:solidFill>
-                <a:latin typeface="Arial" charset="0"/>
-              </a:rPr>
-              <a:t>NoSQL</a:t>
-            </a:r>
-            <a:r>
-              <a:rPr lang="it-IT" sz="2000" dirty="0" smtClean="0">
-                <a:solidFill>
-                  <a:srgbClr val="003F6E"/>
-                </a:solidFill>
-                <a:latin typeface="Arial" charset="0"/>
-              </a:rPr>
-              <a:t> </a:t>
-            </a:r>
-            <a:r>
-              <a:rPr lang="it-IT" sz="2000" dirty="0" err="1" smtClean="0">
-                <a:solidFill>
-                  <a:srgbClr val="003F6E"/>
-                </a:solidFill>
-                <a:latin typeface="Arial" charset="0"/>
-              </a:rPr>
-              <a:t>databases</a:t>
-            </a:r>
-            <a:endParaRPr lang="en-US" sz="2000" dirty="0" smtClean="0">
-              <a:solidFill>
-                <a:srgbClr val="003F6E"/>
-              </a:solidFill>
-              <a:latin typeface="Arial" charset="0"/>
-            </a:endParaRPr>
           </a:p>
         </p:txBody>
       </p:sp>
@@ -47673,7 +44640,7 @@
             <a:pPr>
               <a:defRPr/>
             </a:pPr>
-            <a:endParaRPr lang="it-IT" b="1" dirty="0" smtClean="0">
+            <a:endParaRPr lang="en-US" b="1" dirty="0" smtClean="0">
               <a:solidFill>
                 <a:srgbClr val="003F6E"/>
               </a:solidFill>
@@ -47685,56 +44652,14 @@
               <a:defRPr/>
             </a:pPr>
             <a:r>
-              <a:rPr lang="it-IT" b="1" dirty="0" err="1" smtClean="0">
+              <a:rPr lang="en-US" b="1" dirty="0" smtClean="0">
                 <a:solidFill>
                   <a:srgbClr val="003F6E"/>
                 </a:solidFill>
                 <a:latin typeface="Arial" charset="0"/>
               </a:rPr>
-              <a:t>Original</a:t>
+              <a:t>Original CPIM NoSQL service implementation</a:t>
             </a:r>
-            <a:r>
-              <a:rPr lang="it-IT" b="1" dirty="0" smtClean="0">
-                <a:solidFill>
-                  <a:srgbClr val="003F6E"/>
-                </a:solidFill>
-                <a:latin typeface="Arial" charset="0"/>
-              </a:rPr>
-              <a:t> CPIM </a:t>
-            </a:r>
-            <a:r>
-              <a:rPr lang="it-IT" b="1" dirty="0" err="1" smtClean="0">
-                <a:solidFill>
-                  <a:srgbClr val="003F6E"/>
-                </a:solidFill>
-                <a:latin typeface="Arial" charset="0"/>
-              </a:rPr>
-              <a:t>NoSQL</a:t>
-            </a:r>
-            <a:r>
-              <a:rPr lang="it-IT" b="1" dirty="0" smtClean="0">
-                <a:solidFill>
-                  <a:srgbClr val="003F6E"/>
-                </a:solidFill>
-                <a:latin typeface="Arial" charset="0"/>
-              </a:rPr>
-              <a:t> service </a:t>
-            </a:r>
-            <a:r>
-              <a:rPr lang="it-IT" b="1" dirty="0" err="1" smtClean="0">
-                <a:solidFill>
-                  <a:srgbClr val="003F6E"/>
-                </a:solidFill>
-                <a:latin typeface="Arial" charset="0"/>
-              </a:rPr>
-              <a:t>implementation</a:t>
-            </a:r>
-            <a:endParaRPr lang="it-IT" b="1" dirty="0" smtClean="0">
-              <a:solidFill>
-                <a:srgbClr val="003F6E"/>
-              </a:solidFill>
-              <a:latin typeface="Arial" charset="0"/>
-            </a:endParaRPr>
           </a:p>
         </p:txBody>
       </p:sp>
@@ -47762,13 +44687,13 @@
               <a:defRPr/>
             </a:pPr>
             <a:fld id="{E404180C-C7DB-064A-AABF-E5FFB3B4BBAC}" type="slidenum">
-              <a:rPr smtClean="0"/>
+              <a:rPr lang="en-US" smtClean="0"/>
               <a:pPr>
                 <a:defRPr/>
               </a:pPr>
               <a:t>9</a:t>
             </a:fld>
-            <a:endParaRPr dirty="0"/>
+            <a:endParaRPr lang="en-US"/>
           </a:p>
         </p:txBody>
       </p:sp>
@@ -48195,102 +45120,14 @@
               <a:defRPr/>
             </a:pPr>
             <a:r>
-              <a:rPr lang="it-IT" sz="1800" dirty="0" err="1" smtClean="0">
+              <a:rPr lang="en-US" sz="1800" dirty="0" smtClean="0">
                 <a:solidFill>
                   <a:srgbClr val="003F6E"/>
                 </a:solidFill>
                 <a:latin typeface="Arial" charset="0"/>
               </a:rPr>
-              <a:t>Many</a:t>
+              <a:t>Many JPA providers</a:t>
             </a:r>
-            <a:r>
-              <a:rPr lang="it-IT" sz="1800" dirty="0" smtClean="0">
-                <a:solidFill>
-                  <a:srgbClr val="003F6E"/>
-                </a:solidFill>
-                <a:latin typeface="Arial" charset="0"/>
-              </a:rPr>
-              <a:t> JPA providers</a:t>
-            </a:r>
-          </a:p>
-          <a:p>
-            <a:pPr marL="344487" indent="-342900">
-              <a:lnSpc>
-                <a:spcPct val="140000"/>
-              </a:lnSpc>
-              <a:spcBef>
-                <a:spcPts val="500"/>
-              </a:spcBef>
-              <a:buClrTx/>
-              <a:buFont typeface="Arial"/>
-              <a:buChar char="•"/>
-              <a:defRPr/>
-            </a:pPr>
-            <a:r>
-              <a:rPr lang="it-IT" sz="1800" dirty="0" err="1" smtClean="0">
-                <a:solidFill>
-                  <a:srgbClr val="003F6E"/>
-                </a:solidFill>
-                <a:latin typeface="Arial" charset="0"/>
-              </a:rPr>
-              <a:t>Duplicated</a:t>
-            </a:r>
-            <a:r>
-              <a:rPr lang="it-IT" sz="1800" dirty="0" smtClean="0">
-                <a:solidFill>
-                  <a:srgbClr val="003F6E"/>
-                </a:solidFill>
-                <a:latin typeface="Arial" charset="0"/>
-              </a:rPr>
-              <a:t> code</a:t>
-            </a:r>
-          </a:p>
-          <a:p>
-            <a:pPr marL="344487" indent="-342900">
-              <a:lnSpc>
-                <a:spcPct val="140000"/>
-              </a:lnSpc>
-              <a:spcBef>
-                <a:spcPts val="500"/>
-              </a:spcBef>
-              <a:buClrTx/>
-              <a:buFont typeface="Arial"/>
-              <a:buChar char="•"/>
-              <a:defRPr/>
-            </a:pPr>
-            <a:r>
-              <a:rPr lang="it-IT" sz="1800" dirty="0" smtClean="0">
-                <a:solidFill>
-                  <a:srgbClr val="003F6E"/>
-                </a:solidFill>
-                <a:latin typeface="Arial" charset="0"/>
-              </a:rPr>
-              <a:t>No </a:t>
-            </a:r>
-            <a:r>
-              <a:rPr lang="it-IT" sz="1800" dirty="0" smtClean="0">
-                <a:solidFill>
-                  <a:srgbClr val="003F6E"/>
-                </a:solidFill>
-                <a:latin typeface="Arial" charset="0"/>
-              </a:rPr>
-              <a:t>complete code </a:t>
-            </a:r>
-            <a:r>
-              <a:rPr lang="it-IT" sz="1800" dirty="0" err="1" smtClean="0">
-                <a:solidFill>
-                  <a:srgbClr val="003F6E"/>
-                </a:solidFill>
-                <a:latin typeface="Arial" charset="0"/>
-              </a:rPr>
-              <a:t>portability</a:t>
-            </a:r>
-            <a:endParaRPr lang="it-IT" sz="1800" dirty="0" smtClean="0">
-              <a:solidFill>
-                <a:srgbClr val="003F6E"/>
-              </a:solidFill>
-              <a:latin typeface="Arial" charset="0"/>
-            </a:endParaRPr>
           </a:p>
           <a:p>
             <a:pPr marL="344487" indent="-342900">
@@ -48312,151 +45149,7 @@
                 </a:solidFill>
                 <a:latin typeface="Arial" charset="0"/>
               </a:rPr>
-              <a:t>Choice of </a:t>
-            </a:r>
-            <a:r>
-              <a:rPr lang="en-US" sz="1800" dirty="0">
-                <a:solidFill>
-                  <a:srgbClr val="003F6E"/>
-                </a:solidFill>
-                <a:latin typeface="Arial" charset="0"/>
-              </a:rPr>
-              <a:t>the </a:t>
-            </a:r>
-            <a:r>
-              <a:rPr lang="en-US" sz="1800" dirty="0" err="1">
-                <a:solidFill>
-                  <a:srgbClr val="003F6E"/>
-                </a:solidFill>
-                <a:latin typeface="Arial" charset="0"/>
-              </a:rPr>
-              <a:t>NoSQL</a:t>
-            </a:r>
-            <a:r>
-              <a:rPr lang="en-US" sz="1800" dirty="0">
-                <a:solidFill>
-                  <a:srgbClr val="003F6E"/>
-                </a:solidFill>
-                <a:latin typeface="Arial" charset="0"/>
-              </a:rPr>
-              <a:t> database </a:t>
-            </a:r>
-            <a:r>
-              <a:rPr lang="en-US" sz="1800" dirty="0" smtClean="0">
-                <a:solidFill>
-                  <a:srgbClr val="003F6E"/>
-                </a:solidFill>
-                <a:latin typeface="Arial" charset="0"/>
-              </a:rPr>
-              <a:t>strictly bounded to the cloud </a:t>
-            </a:r>
-            <a:r>
-              <a:rPr lang="en-US" sz="1800" dirty="0" smtClean="0">
-                <a:solidFill>
-                  <a:srgbClr val="003F6E"/>
-                </a:solidFill>
-                <a:latin typeface="Arial" charset="0"/>
-              </a:rPr>
-              <a:t/>
-            </a:r>
-            <a:br>
-              <a:rPr lang="en-US" sz="1800" dirty="0" smtClean="0">
-                <a:solidFill>
-                  <a:srgbClr val="003F6E"/>
-                </a:solidFill>
-                <a:latin typeface="Arial" charset="0"/>
-              </a:rPr>
-            </a:br>
-            <a:r>
-              <a:rPr lang="en-US" sz="1800" dirty="0" smtClean="0">
-                <a:solidFill>
-                  <a:srgbClr val="003F6E"/>
-                </a:solidFill>
-                <a:latin typeface="Arial" charset="0"/>
-              </a:rPr>
-              <a:t>provider (</a:t>
-            </a:r>
-            <a:r>
-              <a:rPr lang="en-US" sz="1800" dirty="0" smtClean="0">
-                <a:solidFill>
-                  <a:srgbClr val="003F6E"/>
-                </a:solidFill>
-                <a:latin typeface="Arial" charset="0"/>
-              </a:rPr>
-              <a:t>e.g. </a:t>
-            </a:r>
-            <a:r>
-              <a:rPr lang="en-US" sz="1800" dirty="0">
-                <a:solidFill>
-                  <a:srgbClr val="003F6E"/>
-                </a:solidFill>
-                <a:latin typeface="Arial" charset="0"/>
-              </a:rPr>
-              <a:t>A</a:t>
-            </a:r>
-            <a:r>
-              <a:rPr lang="en-US" sz="1800" dirty="0" smtClean="0">
-                <a:solidFill>
-                  <a:srgbClr val="003F6E"/>
-                </a:solidFill>
-                <a:latin typeface="Arial" charset="0"/>
-              </a:rPr>
-              <a:t>pp </a:t>
-            </a:r>
-            <a:r>
-              <a:rPr lang="en-US" sz="1800" dirty="0">
-                <a:solidFill>
-                  <a:srgbClr val="003F6E"/>
-                </a:solidFill>
-                <a:latin typeface="Arial" charset="0"/>
-              </a:rPr>
-              <a:t>E</a:t>
-            </a:r>
-            <a:r>
-              <a:rPr lang="en-US" sz="1800" dirty="0" smtClean="0">
-                <a:solidFill>
-                  <a:srgbClr val="003F6E"/>
-                </a:solidFill>
-                <a:latin typeface="Arial" charset="0"/>
-              </a:rPr>
-              <a:t>ngine </a:t>
-            </a:r>
-            <a:r>
-              <a:rPr lang="it-IT" sz="1800" dirty="0" smtClean="0">
-                <a:solidFill>
-                  <a:srgbClr val="003F6E"/>
-                </a:solidFill>
-                <a:latin typeface="Arial" charset="0"/>
-                <a:sym typeface="Wingdings"/>
-              </a:rPr>
-              <a:t></a:t>
-            </a:r>
-            <a:r>
-              <a:rPr lang="en-US" sz="1800" dirty="0" smtClean="0">
-                <a:solidFill>
-                  <a:srgbClr val="003F6E"/>
-                </a:solidFill>
-                <a:latin typeface="Arial" charset="0"/>
-              </a:rPr>
-              <a:t> </a:t>
-            </a:r>
-            <a:r>
-              <a:rPr lang="en-US" sz="1800" dirty="0" err="1" smtClean="0">
-                <a:solidFill>
-                  <a:srgbClr val="003F6E"/>
-                </a:solidFill>
-                <a:latin typeface="Arial" charset="0"/>
-              </a:rPr>
-              <a:t>Datastore</a:t>
-            </a:r>
-            <a:r>
-              <a:rPr lang="en-US" sz="1800" dirty="0" smtClean="0">
-                <a:solidFill>
-                  <a:srgbClr val="003F6E"/>
-                </a:solidFill>
-                <a:latin typeface="Arial" charset="0"/>
-              </a:rPr>
-              <a:t>)</a:t>
+              <a:t>Duplicated code</a:t>
             </a:r>
           </a:p>
           <a:p>
@@ -48479,16 +45172,47 @@
                 </a:solidFill>
                 <a:latin typeface="Arial" charset="0"/>
               </a:rPr>
-              <a:t>Limited </a:t>
+              <a:t>No complete code portability</a:t>
             </a:r>
+          </a:p>
+          <a:p>
+            <a:pPr marL="344487" indent="-342900">
+              <a:lnSpc>
+                <a:spcPct val="140000"/>
+              </a:lnSpc>
+              <a:spcBef>
+                <a:spcPts val="500"/>
+              </a:spcBef>
+              <a:buClrTx/>
+              <a:buFont typeface="Arial"/>
+              <a:buChar char="•"/>
+              <a:defRPr/>
+            </a:pPr>
             <a:r>
-              <a:rPr lang="en-US" sz="1800" dirty="0" err="1" smtClean="0">
+              <a:rPr lang="en-US" sz="1800" dirty="0" smtClean="0">
                 <a:solidFill>
                   <a:srgbClr val="003F6E"/>
                 </a:solidFill>
                 <a:latin typeface="Arial" charset="0"/>
               </a:rPr>
-              <a:t>NoSQL</a:t>
+              <a:t>Choice of the NoSQL database strictly bounded to the cloud </a:t>
+            </a:r>
+            <a:br>
+              <a:rPr lang="en-US" sz="1800" dirty="0" smtClean="0">
+                <a:solidFill>
+                  <a:srgbClr val="003F6E"/>
+                </a:solidFill>
+                <a:latin typeface="Arial" charset="0"/>
+              </a:rPr>
+            </a:br>
+            <a:r>
+              <a:rPr lang="en-US" sz="1800" dirty="0" smtClean="0">
+                <a:solidFill>
+                  <a:srgbClr val="003F6E"/>
+                </a:solidFill>
+                <a:latin typeface="Arial" charset="0"/>
+              </a:rPr>
+              <a:t>provider (e.g. App Engine </a:t>
             </a:r>
             <a:r>
               <a:rPr lang="en-US" sz="1800" dirty="0" smtClean="0">
@@ -48496,15 +45220,42 @@
                   <a:srgbClr val="003F6E"/>
                 </a:solidFill>
                 <a:latin typeface="Arial" charset="0"/>
+                <a:sym typeface="Wingdings"/>
               </a:rPr>
-              <a:t> databases support</a:t>
+              <a:t></a:t>
             </a:r>
-            <a:endParaRPr lang="en-US" sz="1800" dirty="0">
-              <a:solidFill>
-                <a:srgbClr val="003F6E"/>
-              </a:solidFill>
-              <a:latin typeface="Arial" charset="0"/>
-            </a:endParaRPr>
+            <a:r>
+              <a:rPr lang="en-US" sz="1800" dirty="0" smtClean="0">
+                <a:solidFill>
+                  <a:srgbClr val="003F6E"/>
+                </a:solidFill>
+                <a:latin typeface="Arial" charset="0"/>
+              </a:rPr>
+              <a:t> Datastore)</a:t>
+            </a:r>
+          </a:p>
+          <a:p>
+            <a:pPr marL="344487" indent="-342900">
+              <a:lnSpc>
+                <a:spcPct val="140000"/>
+              </a:lnSpc>
+              <a:spcBef>
+                <a:spcPts val="500"/>
+              </a:spcBef>
+              <a:buClrTx/>
+              <a:buFont typeface="Arial"/>
+              <a:buChar char="•"/>
+              <a:defRPr/>
+            </a:pPr>
+            <a:r>
+              <a:rPr lang="en-US" sz="1800" dirty="0" smtClean="0">
+                <a:solidFill>
+                  <a:srgbClr val="003F6E"/>
+                </a:solidFill>
+                <a:latin typeface="Arial" charset="0"/>
+              </a:rPr>
+              <a:t>Limited NoSQL databases support</a:t>
+            </a:r>
           </a:p>
           <a:p>
             <a:pPr marL="344487" indent="-342900">
@@ -48640,7 +45391,7 @@
               <a:tabLst/>
             </a:pPr>
             <a:r>
-              <a:rPr kumimoji="0" lang="it-IT" sz="1400" b="0" i="0" u="none" strike="noStrike" cap="none" normalizeH="0" baseline="0" dirty="0" err="1" smtClean="0">
+              <a:rPr kumimoji="0" lang="en-US" sz="1400" b="0" i="0" u="none" strike="noStrike" cap="none" normalizeH="0" baseline="0" smtClean="0">
                 <a:ln>
                   <a:noFill/>
                 </a:ln>
@@ -48654,7 +45405,7 @@
               </a:rPr>
               <a:t>CloudEntityManager</a:t>
             </a:r>
-            <a:endParaRPr kumimoji="0" lang="it-IT" sz="1600" b="0" i="0" u="none" strike="noStrike" cap="none" normalizeH="0" baseline="0" dirty="0">
+            <a:endParaRPr kumimoji="0" lang="en-US" sz="1600" b="0" i="0" u="none" strike="noStrike" cap="none" normalizeH="0" baseline="0">
               <a:ln>
                 <a:noFill/>
               </a:ln>
@@ -48739,7 +45490,7 @@
               <a:tabLst/>
             </a:pPr>
             <a:r>
-              <a:rPr kumimoji="0" lang="it-IT" sz="1600" b="0" i="0" u="none" strike="noStrike" cap="none" normalizeH="0" baseline="0" dirty="0" smtClean="0">
+              <a:rPr kumimoji="0" lang="en-US" sz="1600" b="0" i="0" u="none" strike="noStrike" cap="none" normalizeH="0" baseline="0" smtClean="0">
                 <a:ln>
                   <a:noFill/>
                 </a:ln>
@@ -48753,7 +45504,7 @@
               </a:rPr>
               <a:t>jpa4Azure</a:t>
             </a:r>
-            <a:endParaRPr kumimoji="0" lang="it-IT" sz="1800" b="0" i="0" u="none" strike="noStrike" cap="none" normalizeH="0" baseline="0" dirty="0">
+            <a:endParaRPr kumimoji="0" lang="en-US" sz="1800" b="0" i="0" u="none" strike="noStrike" cap="none" normalizeH="0" baseline="0">
               <a:ln>
                 <a:noFill/>
               </a:ln>
@@ -48838,7 +45589,7 @@
               <a:tabLst/>
             </a:pPr>
             <a:r>
-              <a:rPr kumimoji="0" lang="it-IT" sz="1600" b="0" i="0" u="none" strike="noStrike" cap="none" normalizeH="0" baseline="0" dirty="0" err="1" smtClean="0">
+              <a:rPr kumimoji="0" lang="en-US" sz="1600" b="0" i="0" u="none" strike="noStrike" cap="none" normalizeH="0" baseline="0" smtClean="0">
                 <a:ln>
                   <a:noFill/>
                 </a:ln>
@@ -48852,7 +45603,7 @@
               </a:rPr>
               <a:t>SimpleJPA</a:t>
             </a:r>
-            <a:endParaRPr kumimoji="0" lang="it-IT" sz="1800" b="0" i="0" u="none" strike="noStrike" cap="none" normalizeH="0" baseline="0" dirty="0">
+            <a:endParaRPr kumimoji="0" lang="en-US" sz="1800" b="0" i="0" u="none" strike="noStrike" cap="none" normalizeH="0" baseline="0">
               <a:ln>
                 <a:noFill/>
               </a:ln>
@@ -48937,7 +45688,7 @@
               <a:tabLst/>
             </a:pPr>
             <a:r>
-              <a:rPr lang="it-IT" sz="1600" dirty="0" smtClean="0">
+              <a:rPr lang="en-US" sz="1600" smtClean="0">
                 <a:solidFill>
                   <a:schemeClr val="tx1"/>
                 </a:solidFill>
@@ -48947,7 +45698,7 @@
               </a:rPr>
               <a:t>Google JPA</a:t>
             </a:r>
-            <a:endParaRPr kumimoji="0" lang="it-IT" sz="1800" b="0" i="0" u="none" strike="noStrike" cap="none" normalizeH="0" baseline="0" dirty="0">
+            <a:endParaRPr kumimoji="0" lang="en-US" sz="1800" b="0" i="0" u="none" strike="noStrike" cap="none" normalizeH="0" baseline="0">
               <a:ln>
                 <a:noFill/>
               </a:ln>
@@ -49032,7 +45783,7 @@
               <a:tabLst/>
             </a:pPr>
             <a:r>
-              <a:rPr kumimoji="0" lang="it-IT" sz="1400" b="0" i="0" u="none" strike="noStrike" cap="none" normalizeH="0" baseline="0" dirty="0" err="1" smtClean="0">
+              <a:rPr kumimoji="0" lang="en-US" sz="1400" b="0" i="0" u="none" strike="noStrike" cap="none" normalizeH="0" baseline="0" smtClean="0">
                 <a:ln>
                   <a:noFill/>
                 </a:ln>
@@ -49044,39 +45795,9 @@
                 <a:ea typeface="ＭＳ Ｐゴシック" charset="0"/>
                 <a:cs typeface="Arial"/>
               </a:rPr>
-              <a:t>Azure</a:t>
+              <a:t>Azure EntityManager</a:t>
             </a:r>
-            <a:r>
-              <a:rPr kumimoji="0" lang="it-IT" sz="1400" b="0" i="0" u="none" strike="noStrike" cap="none" normalizeH="0" baseline="0" dirty="0" smtClean="0">
-                <a:ln>
-                  <a:noFill/>
-                </a:ln>
-                <a:solidFill>
-                  <a:schemeClr val="tx1"/>
-                </a:solidFill>
-                <a:effectLst/>
-                <a:latin typeface="Arial"/>
-                <a:ea typeface="ＭＳ Ｐゴシック" charset="0"/>
-                <a:cs typeface="Arial"/>
-              </a:rPr>
-              <a:t> </a:t>
-            </a:r>
-            <a:r>
-              <a:rPr kumimoji="0" lang="it-IT" sz="1400" b="0" i="0" u="none" strike="noStrike" cap="none" normalizeH="0" baseline="0" dirty="0" err="1" smtClean="0">
-                <a:ln>
-                  <a:noFill/>
-                </a:ln>
-                <a:solidFill>
-                  <a:schemeClr val="tx1"/>
-                </a:solidFill>
-                <a:effectLst/>
-                <a:latin typeface="Arial"/>
-                <a:ea typeface="ＭＳ Ｐゴシック" charset="0"/>
-                <a:cs typeface="Arial"/>
-              </a:rPr>
-              <a:t>EntityManager</a:t>
-            </a:r>
-            <a:endParaRPr kumimoji="0" lang="it-IT" sz="1600" b="0" i="0" u="none" strike="noStrike" cap="none" normalizeH="0" baseline="0" dirty="0">
+            <a:endParaRPr kumimoji="0" lang="en-US" sz="1600" b="0" i="0" u="none" strike="noStrike" cap="none" normalizeH="0" baseline="0">
               <a:ln>
                 <a:noFill/>
               </a:ln>
@@ -49161,7 +45882,7 @@
               <a:tabLst/>
             </a:pPr>
             <a:r>
-              <a:rPr kumimoji="0" lang="it-IT" sz="1400" b="0" i="0" u="none" strike="noStrike" cap="none" normalizeH="0" baseline="0" dirty="0" err="1" smtClean="0">
+              <a:rPr kumimoji="0" lang="en-US" sz="1400" b="0" i="0" u="none" strike="noStrike" cap="none" normalizeH="0" baseline="0" smtClean="0">
                 <a:ln>
                   <a:noFill/>
                 </a:ln>
@@ -49173,39 +45894,9 @@
                 <a:ea typeface="ＭＳ Ｐゴシック" charset="0"/>
                 <a:cs typeface="Arial"/>
               </a:rPr>
-              <a:t>Azure</a:t>
+              <a:t>Azure EntityManagerFactory</a:t>
             </a:r>
-            <a:r>
-              <a:rPr kumimoji="0" lang="it-IT" sz="1400" b="0" i="0" u="none" strike="noStrike" cap="none" normalizeH="0" baseline="0" dirty="0" smtClean="0">
-                <a:ln>
-                  <a:noFill/>
-                </a:ln>
-                <a:solidFill>
-                  <a:schemeClr val="tx1"/>
-                </a:solidFill>
-                <a:effectLst/>
-                <a:latin typeface="Arial"/>
-                <a:ea typeface="ＭＳ Ｐゴシック" charset="0"/>
-                <a:cs typeface="Arial"/>
-              </a:rPr>
-              <a:t> </a:t>
-            </a:r>
-            <a:r>
-              <a:rPr kumimoji="0" lang="it-IT" sz="1400" b="0" i="0" u="none" strike="noStrike" cap="none" normalizeH="0" baseline="0" dirty="0" err="1" smtClean="0">
-                <a:ln>
-                  <a:noFill/>
-                </a:ln>
-                <a:solidFill>
-                  <a:schemeClr val="tx1"/>
-                </a:solidFill>
-                <a:effectLst/>
-                <a:latin typeface="Arial"/>
-                <a:ea typeface="ＭＳ Ｐゴシック" charset="0"/>
-                <a:cs typeface="Arial"/>
-              </a:rPr>
-              <a:t>EntityManagerFactory</a:t>
-            </a:r>
-            <a:endParaRPr kumimoji="0" lang="it-IT" sz="1600" b="0" i="0" u="none" strike="noStrike" cap="none" normalizeH="0" baseline="0" dirty="0">
+            <a:endParaRPr kumimoji="0" lang="en-US" sz="1600" b="0" i="0" u="none" strike="noStrike" cap="none" normalizeH="0" baseline="0">
               <a:ln>
                 <a:noFill/>
               </a:ln>
@@ -49290,7 +45981,7 @@
               <a:tabLst/>
             </a:pPr>
             <a:r>
-              <a:rPr kumimoji="0" lang="it-IT" sz="1400" b="0" i="0" u="none" strike="noStrike" cap="none" normalizeH="0" baseline="0" dirty="0" smtClean="0">
+              <a:rPr kumimoji="0" lang="en-US" sz="1400" b="0" i="0" u="none" strike="noStrike" cap="none" normalizeH="0" baseline="0" smtClean="0">
                 <a:ln>
                   <a:noFill/>
                 </a:ln>
@@ -49302,24 +45993,9 @@
                 <a:ea typeface="ＭＳ Ｐゴシック" charset="0"/>
                 <a:cs typeface="Arial"/>
               </a:rPr>
-              <a:t>AWS </a:t>
+              <a:t>AWS EntityManager</a:t>
             </a:r>
-            <a:r>
-              <a:rPr kumimoji="0" lang="it-IT" sz="1400" b="0" i="0" u="none" strike="noStrike" cap="none" normalizeH="0" baseline="0" dirty="0" err="1" smtClean="0">
-                <a:ln>
-                  <a:noFill/>
-                </a:ln>
-                <a:solidFill>
-                  <a:schemeClr val="tx1"/>
-                </a:solidFill>
-                <a:effectLst/>
-                <a:latin typeface="Arial"/>
-                <a:ea typeface="ＭＳ Ｐゴシック" charset="0"/>
-                <a:cs typeface="Arial"/>
-              </a:rPr>
-              <a:t>EntityManager</a:t>
-            </a:r>
-            <a:endParaRPr kumimoji="0" lang="it-IT" sz="1600" b="0" i="0" u="none" strike="noStrike" cap="none" normalizeH="0" baseline="0" dirty="0">
+            <a:endParaRPr kumimoji="0" lang="en-US" sz="1600" b="0" i="0" u="none" strike="noStrike" cap="none" normalizeH="0" baseline="0">
               <a:ln>
                 <a:noFill/>
               </a:ln>
@@ -49404,7 +46080,7 @@
               <a:tabLst/>
             </a:pPr>
             <a:r>
-              <a:rPr kumimoji="0" lang="it-IT" sz="1400" b="0" i="0" u="none" strike="noStrike" cap="none" normalizeH="0" baseline="0" dirty="0" smtClean="0">
+              <a:rPr kumimoji="0" lang="en-US" sz="1400" b="0" i="0" u="none" strike="noStrike" cap="none" normalizeH="0" baseline="0" smtClean="0">
                 <a:ln>
                   <a:noFill/>
                 </a:ln>
@@ -49416,24 +46092,9 @@
                 <a:ea typeface="ＭＳ Ｐゴシック" charset="0"/>
                 <a:cs typeface="Arial"/>
               </a:rPr>
-              <a:t>AWS </a:t>
+              <a:t>AWS EntityManagerFactory</a:t>
             </a:r>
-            <a:r>
-              <a:rPr kumimoji="0" lang="it-IT" sz="1400" b="0" i="0" u="none" strike="noStrike" cap="none" normalizeH="0" baseline="0" dirty="0" err="1" smtClean="0">
-                <a:ln>
-                  <a:noFill/>
-                </a:ln>
-                <a:solidFill>
-                  <a:schemeClr val="tx1"/>
-                </a:solidFill>
-                <a:effectLst/>
-                <a:latin typeface="Arial"/>
-                <a:ea typeface="ＭＳ Ｐゴシック" charset="0"/>
-                <a:cs typeface="Arial"/>
-              </a:rPr>
-              <a:t>EntityManagerFactory</a:t>
-            </a:r>
-            <a:endParaRPr kumimoji="0" lang="it-IT" sz="1600" b="0" i="0" u="none" strike="noStrike" cap="none" normalizeH="0" baseline="0" dirty="0">
+            <a:endParaRPr kumimoji="0" lang="en-US" sz="1600" b="0" i="0" u="none" strike="noStrike" cap="none" normalizeH="0" baseline="0">
               <a:ln>
                 <a:noFill/>
               </a:ln>
@@ -49518,7 +46179,7 @@
               <a:tabLst/>
             </a:pPr>
             <a:r>
-              <a:rPr kumimoji="0" lang="it-IT" sz="1400" b="0" i="0" u="none" strike="noStrike" cap="none" normalizeH="0" baseline="0" dirty="0" smtClean="0">
+              <a:rPr kumimoji="0" lang="en-US" sz="1400" b="0" i="0" u="none" strike="noStrike" cap="none" normalizeH="0" baseline="0" smtClean="0">
                 <a:ln>
                   <a:noFill/>
                 </a:ln>
@@ -49530,24 +46191,9 @@
                 <a:ea typeface="ＭＳ Ｐゴシック" charset="0"/>
                 <a:cs typeface="Arial"/>
               </a:rPr>
-              <a:t>GAE </a:t>
+              <a:t>GAE EntityManager</a:t>
             </a:r>
-            <a:r>
-              <a:rPr kumimoji="0" lang="it-IT" sz="1400" b="0" i="0" u="none" strike="noStrike" cap="none" normalizeH="0" baseline="0" dirty="0" err="1" smtClean="0">
-                <a:ln>
-                  <a:noFill/>
-                </a:ln>
-                <a:solidFill>
-                  <a:schemeClr val="tx1"/>
-                </a:solidFill>
-                <a:effectLst/>
-                <a:latin typeface="Arial"/>
-                <a:ea typeface="ＭＳ Ｐゴシック" charset="0"/>
-                <a:cs typeface="Arial"/>
-              </a:rPr>
-              <a:t>EntityManager</a:t>
-            </a:r>
-            <a:endParaRPr kumimoji="0" lang="it-IT" sz="1600" b="0" i="0" u="none" strike="noStrike" cap="none" normalizeH="0" baseline="0" dirty="0">
+            <a:endParaRPr kumimoji="0" lang="en-US" sz="1600" b="0" i="0" u="none" strike="noStrike" cap="none" normalizeH="0" baseline="0">
               <a:ln>
                 <a:noFill/>
               </a:ln>
@@ -49632,7 +46278,7 @@
               <a:tabLst/>
             </a:pPr>
             <a:r>
-              <a:rPr kumimoji="0" lang="it-IT" sz="1400" b="0" i="0" u="none" strike="noStrike" cap="none" normalizeH="0" baseline="0" dirty="0" smtClean="0">
+              <a:rPr kumimoji="0" lang="en-US" sz="1400" b="0" i="0" u="none" strike="noStrike" cap="none" normalizeH="0" baseline="0" smtClean="0">
                 <a:ln>
                   <a:noFill/>
                 </a:ln>
@@ -49644,24 +46290,9 @@
                 <a:ea typeface="ＭＳ Ｐゴシック" charset="0"/>
                 <a:cs typeface="Arial"/>
               </a:rPr>
-              <a:t>GAE </a:t>
+              <a:t>GAE EntityManagerFactory</a:t>
             </a:r>
-            <a:r>
-              <a:rPr kumimoji="0" lang="it-IT" sz="1400" b="0" i="0" u="none" strike="noStrike" cap="none" normalizeH="0" baseline="0" dirty="0" err="1" smtClean="0">
-                <a:ln>
-                  <a:noFill/>
-                </a:ln>
-                <a:solidFill>
-                  <a:schemeClr val="tx1"/>
-                </a:solidFill>
-                <a:effectLst/>
-                <a:latin typeface="Arial"/>
-                <a:ea typeface="ＭＳ Ｐゴシック" charset="0"/>
-                <a:cs typeface="Arial"/>
-              </a:rPr>
-              <a:t>EntityManagerFactory</a:t>
-            </a:r>
-            <a:endParaRPr kumimoji="0" lang="it-IT" sz="1600" b="0" i="0" u="none" strike="noStrike" cap="none" normalizeH="0" baseline="0" dirty="0">
+            <a:endParaRPr kumimoji="0" lang="en-US" sz="1600" b="0" i="0" u="none" strike="noStrike" cap="none" normalizeH="0" baseline="0">
               <a:ln>
                 <a:noFill/>
               </a:ln>
@@ -49956,7 +46587,7 @@
               <a:tabLst/>
             </a:pPr>
             <a:r>
-              <a:rPr kumimoji="0" lang="it-IT" sz="1400" b="0" i="0" u="none" strike="noStrike" cap="none" normalizeH="0" baseline="0" dirty="0" err="1" smtClean="0">
+              <a:rPr kumimoji="0" lang="en-US" sz="1400" b="0" i="0" u="none" strike="noStrike" cap="none" normalizeH="0" baseline="0" smtClean="0">
                 <a:ln>
                   <a:noFill/>
                 </a:ln>
@@ -49970,7 +46601,7 @@
               </a:rPr>
               <a:t>CloudEntityManagerFactory</a:t>
             </a:r>
-            <a:endParaRPr kumimoji="0" lang="it-IT" sz="1600" b="0" i="0" u="none" strike="noStrike" cap="none" normalizeH="0" baseline="0" dirty="0">
+            <a:endParaRPr kumimoji="0" lang="en-US" sz="1600" b="0" i="0" u="none" strike="noStrike" cap="none" normalizeH="0" baseline="0">
               <a:ln>
                 <a:noFill/>
               </a:ln>

--- a/presentation/ThesisPresentation.pptx
+++ b/presentation/ThesisPresentation.pptx
@@ -19249,13 +19249,169 @@
               <a:defRPr/>
             </a:pPr>
             <a:r>
+              <a:rPr lang="en-US" sz="2000" dirty="0">
+                <a:solidFill>
+                  <a:srgbClr val="003F6E"/>
+                </a:solidFill>
+                <a:latin typeface="Arial" charset="0"/>
+                <a:sym typeface="Wingdings"/>
+              </a:rPr>
+              <a:t> </a:t>
+            </a:r>
+            <a:r>
+              <a:rPr lang="en-US" sz="2000" dirty="0" smtClean="0">
+                <a:solidFill>
+                  <a:srgbClr val="003F6E"/>
+                </a:solidFill>
+                <a:latin typeface="Arial" charset="0"/>
+                <a:sym typeface="Wingdings"/>
+              </a:rPr>
+              <a:t>                Two </a:t>
+            </a:r>
+            <a:r>
+              <a:rPr lang="en-US" sz="2000" dirty="0">
+                <a:solidFill>
+                  <a:srgbClr val="003F6E"/>
+                </a:solidFill>
+                <a:latin typeface="Arial" charset="0"/>
+                <a:sym typeface="Wingdings"/>
+              </a:rPr>
+              <a:t>newly developed clients</a:t>
+            </a:r>
+          </a:p>
+          <a:p>
+            <a:pPr marL="746124" lvl="1" indent="-342900">
+              <a:lnSpc>
+                <a:spcPct val="150000"/>
+              </a:lnSpc>
+              <a:spcBef>
+                <a:spcPts val="500"/>
+              </a:spcBef>
+              <a:buClrTx/>
+              <a:buFont typeface="Arial"/>
+              <a:buChar char="•"/>
+              <a:defRPr/>
+            </a:pPr>
+            <a:r>
+              <a:rPr lang="en-US" sz="2000" dirty="0">
+                <a:solidFill>
+                  <a:srgbClr val="003F6E"/>
+                </a:solidFill>
+                <a:latin typeface="Arial" charset="0"/>
+                <a:sym typeface="Wingdings"/>
+              </a:rPr>
+              <a:t>Azure Tables</a:t>
+            </a:r>
+            <a:r>
+              <a:rPr lang="en-US" sz="1800" baseline="30000" dirty="0">
+                <a:solidFill>
+                  <a:srgbClr val="003F6E"/>
+                </a:solidFill>
+                <a:latin typeface="Arial" charset="0"/>
+                <a:sym typeface="Wingdings"/>
+              </a:rPr>
+              <a:t>1</a:t>
+            </a:r>
+            <a:endParaRPr lang="en-US" sz="2000" baseline="30000" dirty="0">
+              <a:solidFill>
+                <a:srgbClr val="003F6E"/>
+              </a:solidFill>
+              <a:latin typeface="Arial" charset="0"/>
+              <a:sym typeface="Wingdings"/>
+            </a:endParaRPr>
+          </a:p>
+          <a:p>
+            <a:pPr marL="746124" lvl="1" indent="-342900">
+              <a:lnSpc>
+                <a:spcPct val="150000"/>
+              </a:lnSpc>
+              <a:spcBef>
+                <a:spcPts val="500"/>
+              </a:spcBef>
+              <a:buClrTx/>
+              <a:buFont typeface="Arial"/>
+              <a:buChar char="•"/>
+              <a:defRPr/>
+            </a:pPr>
+            <a:r>
+              <a:rPr lang="en-US" sz="2000" dirty="0">
+                <a:solidFill>
+                  <a:srgbClr val="003F6E"/>
+                </a:solidFill>
+                <a:latin typeface="Arial" charset="0"/>
+                <a:sym typeface="Wingdings"/>
+              </a:rPr>
+              <a:t>GAE </a:t>
+            </a:r>
+            <a:r>
+              <a:rPr lang="en-US" sz="2000" dirty="0" smtClean="0">
+                <a:solidFill>
+                  <a:srgbClr val="003F6E"/>
+                </a:solidFill>
+                <a:latin typeface="Arial" charset="0"/>
+                <a:sym typeface="Wingdings"/>
+              </a:rPr>
+              <a:t>Datastore</a:t>
+            </a:r>
+            <a:r>
+              <a:rPr lang="en-US" sz="2000" baseline="30000" dirty="0" smtClean="0">
+                <a:solidFill>
+                  <a:srgbClr val="003F6E"/>
+                </a:solidFill>
+                <a:latin typeface="Arial" charset="0"/>
+                <a:sym typeface="Wingdings"/>
+              </a:rPr>
+              <a:t>2</a:t>
+            </a:r>
+          </a:p>
+          <a:p>
+            <a:pPr marL="746124" lvl="1" indent="-342900">
+              <a:lnSpc>
+                <a:spcPct val="150000"/>
+              </a:lnSpc>
+              <a:spcBef>
+                <a:spcPts val="500"/>
+              </a:spcBef>
+              <a:buClrTx/>
+              <a:buFont typeface="Arial"/>
+              <a:buChar char="•"/>
+              <a:defRPr/>
+            </a:pPr>
+            <a:endParaRPr lang="en-US" sz="1100" dirty="0" smtClean="0">
+              <a:solidFill>
+                <a:srgbClr val="003F6E"/>
+              </a:solidFill>
+              <a:latin typeface="Arial" charset="0"/>
+            </a:endParaRPr>
+          </a:p>
+          <a:p>
+            <a:pPr marL="1587" indent="0">
+              <a:lnSpc>
+                <a:spcPct val="150000"/>
+              </a:lnSpc>
+              <a:spcBef>
+                <a:spcPts val="500"/>
+              </a:spcBef>
+              <a:buClrTx/>
+              <a:defRPr/>
+            </a:pPr>
+            <a:r>
               <a:rPr lang="en-US" sz="2000" dirty="0" smtClean="0">
                 <a:solidFill>
                   <a:srgbClr val="003F6E"/>
                 </a:solidFill>
                 <a:latin typeface="Arial" charset="0"/>
               </a:rPr>
-              <a:t>   Paradigm shift</a:t>
+              <a:t>   </a:t>
+            </a:r>
+            <a:r>
+              <a:rPr lang="en-US" sz="2000" dirty="0" smtClean="0">
+                <a:solidFill>
+                  <a:srgbClr val="003F6E"/>
+                </a:solidFill>
+                <a:latin typeface="Arial" charset="0"/>
+              </a:rPr>
+              <a:t>Paradigm shift</a:t>
             </a:r>
           </a:p>
           <a:p>
@@ -19364,103 +19520,6 @@
               <a:latin typeface="Arial" charset="0"/>
               <a:sym typeface="Wingdings"/>
             </a:endParaRPr>
-          </a:p>
-          <a:p>
-            <a:pPr marL="1587" indent="0">
-              <a:lnSpc>
-                <a:spcPct val="150000"/>
-              </a:lnSpc>
-              <a:spcBef>
-                <a:spcPts val="500"/>
-              </a:spcBef>
-              <a:buClrTx/>
-              <a:defRPr/>
-            </a:pPr>
-            <a:r>
-              <a:rPr lang="en-US" sz="2000" dirty="0" smtClean="0">
-                <a:solidFill>
-                  <a:srgbClr val="003F6E"/>
-                </a:solidFill>
-                <a:latin typeface="Arial" charset="0"/>
-                <a:sym typeface="Wingdings"/>
-              </a:rPr>
-              <a:t>                 two newly developed clients</a:t>
-            </a:r>
-          </a:p>
-          <a:p>
-            <a:pPr marL="746124" lvl="1" indent="-342900">
-              <a:lnSpc>
-                <a:spcPct val="150000"/>
-              </a:lnSpc>
-              <a:spcBef>
-                <a:spcPts val="500"/>
-              </a:spcBef>
-              <a:buClrTx/>
-              <a:buFont typeface="Arial"/>
-              <a:buChar char="•"/>
-              <a:defRPr/>
-            </a:pPr>
-            <a:r>
-              <a:rPr lang="en-US" sz="2000" dirty="0" smtClean="0">
-                <a:solidFill>
-                  <a:srgbClr val="003F6E"/>
-                </a:solidFill>
-                <a:latin typeface="Arial" charset="0"/>
-                <a:sym typeface="Wingdings"/>
-              </a:rPr>
-              <a:t>Azure Tables</a:t>
-            </a:r>
-            <a:r>
-              <a:rPr lang="en-US" sz="1800" baseline="30000" dirty="0" smtClean="0">
-                <a:solidFill>
-                  <a:srgbClr val="003F6E"/>
-                </a:solidFill>
-                <a:latin typeface="Arial" charset="0"/>
-                <a:sym typeface="Wingdings"/>
-              </a:rPr>
-              <a:t>1</a:t>
-            </a:r>
-            <a:endParaRPr lang="en-US" sz="2000" baseline="30000" dirty="0" smtClean="0">
-              <a:solidFill>
-                <a:srgbClr val="003F6E"/>
-              </a:solidFill>
-              <a:latin typeface="Arial" charset="0"/>
-              <a:sym typeface="Wingdings"/>
-            </a:endParaRPr>
-          </a:p>
-          <a:p>
-            <a:pPr marL="746124" lvl="1" indent="-342900">
-              <a:lnSpc>
-                <a:spcPct val="150000"/>
-              </a:lnSpc>
-              <a:spcBef>
-                <a:spcPts val="500"/>
-              </a:spcBef>
-              <a:buClrTx/>
-              <a:buFont typeface="Arial"/>
-              <a:buChar char="•"/>
-              <a:defRPr/>
-            </a:pPr>
-            <a:r>
-              <a:rPr lang="en-US" sz="2000" dirty="0" smtClean="0">
-                <a:solidFill>
-                  <a:srgbClr val="003F6E"/>
-                </a:solidFill>
-                <a:latin typeface="Arial" charset="0"/>
-                <a:sym typeface="Wingdings"/>
-              </a:rPr>
-              <a:t>GAE Datastore</a:t>
-            </a:r>
-            <a:r>
-              <a:rPr lang="en-US" sz="2000" baseline="30000" dirty="0" smtClean="0">
-                <a:solidFill>
-                  <a:srgbClr val="003F6E"/>
-                </a:solidFill>
-                <a:latin typeface="Arial" charset="0"/>
-                <a:sym typeface="Wingdings"/>
-              </a:rPr>
-              <a:t>2</a:t>
-            </a:r>
           </a:p>
           <a:p>
             <a:pPr marL="1587" indent="0">
@@ -19530,7 +19589,7 @@
               </a:pPr>
               <a:t>12</a:t>
             </a:fld>
-            <a:endParaRPr lang="en-US"/>
+            <a:endParaRPr lang="en-US" dirty="0"/>
           </a:p>
         </p:txBody>
       </p:sp>
@@ -19557,7 +19616,7 @@
         </p:blipFill>
         <p:spPr bwMode="auto">
           <a:xfrm>
-            <a:off x="1043608" y="2205038"/>
+            <a:off x="1043608" y="4077072"/>
             <a:ext cx="1041400" cy="355600"/>
           </a:xfrm>
           <a:prstGeom prst="rect">
@@ -19726,7 +19785,7 @@
         </p:blipFill>
         <p:spPr>
           <a:xfrm>
-            <a:off x="539552" y="3289424"/>
+            <a:off x="539552" y="1196752"/>
             <a:ext cx="863600" cy="355600"/>
           </a:xfrm>
           <a:prstGeom prst="rect">
@@ -23716,6 +23775,81 @@
               </a:rPr>
               <a:t>Send them to the Hegira commit-log</a:t>
             </a:r>
+          </a:p>
+        </p:txBody>
+      </p:sp>
+      <p:sp>
+        <p:nvSpPr>
+          <p:cNvPr id="2" name="Rettangolo 1"/>
+          <p:cNvSpPr/>
+          <p:nvPr/>
+        </p:nvSpPr>
+        <p:spPr bwMode="auto">
+          <a:xfrm>
+            <a:off x="2843808" y="4221088"/>
+            <a:ext cx="648072" cy="216024"/>
+          </a:xfrm>
+          <a:prstGeom prst="rect">
+            <a:avLst/>
+          </a:prstGeom>
+          <a:ln>
+            <a:headEnd type="none" w="med" len="med"/>
+            <a:tailEnd type="none" w="med" len="med"/>
+          </a:ln>
+          <a:extLst/>
+        </p:spPr>
+        <p:style>
+          <a:lnRef idx="2">
+            <a:schemeClr val="accent3"/>
+          </a:lnRef>
+          <a:fillRef idx="1">
+            <a:schemeClr val="lt1"/>
+          </a:fillRef>
+          <a:effectRef idx="0">
+            <a:schemeClr val="accent3"/>
+          </a:effectRef>
+          <a:fontRef idx="minor">
+            <a:schemeClr val="dk1"/>
+          </a:fontRef>
+        </p:style>
+        <p:txBody>
+          <a:bodyPr vert="horz" wrap="square" lIns="91440" tIns="45720" rIns="91440" bIns="45720" numCol="1" rtlCol="0" anchor="t" anchorCtr="0" compatLnSpc="1">
+            <a:prstTxWarp prst="textNoShape">
+              <a:avLst/>
+            </a:prstTxWarp>
+          </a:bodyPr>
+          <a:lstStyle/>
+          <a:p>
+            <a:pPr marL="0" marR="0" indent="0" algn="l" defTabSz="449263" rtl="0" eaLnBrk="0" fontAlgn="base" latinLnBrk="0" hangingPunct="0">
+              <a:lnSpc>
+                <a:spcPct val="93000"/>
+              </a:lnSpc>
+              <a:spcBef>
+                <a:spcPct val="0"/>
+              </a:spcBef>
+              <a:spcAft>
+                <a:spcPct val="0"/>
+              </a:spcAft>
+              <a:buClr>
+                <a:srgbClr val="000000"/>
+              </a:buClr>
+              <a:buSzPct val="100000"/>
+              <a:buFont typeface="Times New Roman" charset="0"/>
+              <a:buNone/>
+              <a:tabLst/>
+            </a:pPr>
+            <a:endParaRPr kumimoji="0" lang="it-IT" sz="2400" b="0" i="0" u="none" strike="noStrike" cap="none" normalizeH="0" baseline="0">
+              <a:ln>
+                <a:noFill/>
+              </a:ln>
+              <a:solidFill>
+                <a:schemeClr val="bg1"/>
+              </a:solidFill>
+              <a:effectLst/>
+              <a:latin typeface="Times New Roman" charset="0"/>
+              <a:ea typeface="ＭＳ Ｐゴシック" charset="0"/>
+              <a:cs typeface="Microsoft YaHei" charset="0"/>
+            </a:endParaRPr>
           </a:p>
         </p:txBody>
       </p:sp>
@@ -35481,40 +35615,17 @@
                 </a:solidFill>
                 <a:latin typeface="Arial" charset="0"/>
               </a:rPr>
-              <a:t>Future work:</a:t>
+              <a:t>Future work</a:t>
             </a:r>
-          </a:p>
-          <a:p>
-            <a:pPr marL="457200" lvl="1" indent="0">
-              <a:buClr>
-                <a:srgbClr val="004C80"/>
-              </a:buClr>
-              <a:buSzPct val="45000"/>
-              <a:tabLst>
-                <a:tab pos="342900" algn="l"/>
-                <a:tab pos="455613" algn="l"/>
-                <a:tab pos="912813" algn="l"/>
-                <a:tab pos="1370013" algn="l"/>
-                <a:tab pos="1827213" algn="l"/>
-                <a:tab pos="2284413" algn="l"/>
-                <a:tab pos="2741613" algn="l"/>
-                <a:tab pos="3198813" algn="l"/>
-                <a:tab pos="3656013" algn="l"/>
-                <a:tab pos="4113213" algn="l"/>
-                <a:tab pos="4570413" algn="l"/>
-                <a:tab pos="5027613" algn="l"/>
-                <a:tab pos="5484813" algn="l"/>
-                <a:tab pos="5942013" algn="l"/>
-                <a:tab pos="6399213" algn="l"/>
-                <a:tab pos="6856413" algn="l"/>
-                <a:tab pos="7313613" algn="l"/>
-                <a:tab pos="7770813" algn="l"/>
-                <a:tab pos="8228013" algn="l"/>
-                <a:tab pos="8685213" algn="l"/>
-                <a:tab pos="9142413" algn="l"/>
-              </a:tabLst>
-              <a:defRPr/>
-            </a:pPr>
+            <a:r>
+              <a:rPr lang="en-US" sz="2000" dirty="0" smtClean="0">
+                <a:solidFill>
+                  <a:srgbClr val="003F6E"/>
+                </a:solidFill>
+                <a:latin typeface="Arial" charset="0"/>
+              </a:rPr>
+              <a:t>:</a:t>
+            </a:r>
             <a:endParaRPr lang="en-US" sz="2000" dirty="0" smtClean="0">
               <a:solidFill>
                 <a:srgbClr val="003F6E"/>
